--- a/W9/W9S3/W9S3.pptx
+++ b/W9/W9S3/W9S3.pptx
@@ -5,34 +5,55 @@
     <p:sldMasterId id="2147483648" r:id="rId1"/>
   </p:sldMasterIdLst>
   <p:notesMasterIdLst>
-    <p:notesMasterId r:id="rId27"/>
+    <p:notesMasterId r:id="rId48"/>
   </p:notesMasterIdLst>
   <p:sldIdLst>
     <p:sldId id="377" r:id="rId2"/>
-    <p:sldId id="387" r:id="rId3"/>
-    <p:sldId id="388" r:id="rId4"/>
-    <p:sldId id="389" r:id="rId5"/>
-    <p:sldId id="391" r:id="rId6"/>
-    <p:sldId id="390" r:id="rId7"/>
-    <p:sldId id="392" r:id="rId8"/>
-    <p:sldId id="393" r:id="rId9"/>
-    <p:sldId id="394" r:id="rId10"/>
-    <p:sldId id="395" r:id="rId11"/>
-    <p:sldId id="396" r:id="rId12"/>
-    <p:sldId id="397" r:id="rId13"/>
-    <p:sldId id="400" r:id="rId14"/>
-    <p:sldId id="398" r:id="rId15"/>
-    <p:sldId id="399" r:id="rId16"/>
-    <p:sldId id="401" r:id="rId17"/>
-    <p:sldId id="405" r:id="rId18"/>
-    <p:sldId id="409" r:id="rId19"/>
-    <p:sldId id="406" r:id="rId20"/>
-    <p:sldId id="407" r:id="rId21"/>
-    <p:sldId id="402" r:id="rId22"/>
-    <p:sldId id="403" r:id="rId23"/>
-    <p:sldId id="404" r:id="rId24"/>
-    <p:sldId id="408" r:id="rId25"/>
-    <p:sldId id="386" r:id="rId26"/>
+    <p:sldId id="274" r:id="rId3"/>
+    <p:sldId id="275" r:id="rId4"/>
+    <p:sldId id="278" r:id="rId5"/>
+    <p:sldId id="279" r:id="rId6"/>
+    <p:sldId id="379" r:id="rId7"/>
+    <p:sldId id="280" r:id="rId8"/>
+    <p:sldId id="281" r:id="rId9"/>
+    <p:sldId id="285" r:id="rId10"/>
+    <p:sldId id="410" r:id="rId11"/>
+    <p:sldId id="387" r:id="rId12"/>
+    <p:sldId id="412" r:id="rId13"/>
+    <p:sldId id="413" r:id="rId14"/>
+    <p:sldId id="414" r:id="rId15"/>
+    <p:sldId id="388" r:id="rId16"/>
+    <p:sldId id="417" r:id="rId17"/>
+    <p:sldId id="415" r:id="rId18"/>
+    <p:sldId id="416" r:id="rId19"/>
+    <p:sldId id="418" r:id="rId20"/>
+    <p:sldId id="389" r:id="rId21"/>
+    <p:sldId id="419" r:id="rId22"/>
+    <p:sldId id="420" r:id="rId23"/>
+    <p:sldId id="422" r:id="rId24"/>
+    <p:sldId id="423" r:id="rId25"/>
+    <p:sldId id="421" r:id="rId26"/>
+    <p:sldId id="390" r:id="rId27"/>
+    <p:sldId id="424" r:id="rId28"/>
+    <p:sldId id="391" r:id="rId29"/>
+    <p:sldId id="425" r:id="rId30"/>
+    <p:sldId id="426" r:id="rId31"/>
+    <p:sldId id="392" r:id="rId32"/>
+    <p:sldId id="427" r:id="rId33"/>
+    <p:sldId id="394" r:id="rId34"/>
+    <p:sldId id="429" r:id="rId35"/>
+    <p:sldId id="395" r:id="rId36"/>
+    <p:sldId id="396" r:id="rId37"/>
+    <p:sldId id="397" r:id="rId38"/>
+    <p:sldId id="428" r:id="rId39"/>
+    <p:sldId id="400" r:id="rId40"/>
+    <p:sldId id="398" r:id="rId41"/>
+    <p:sldId id="399" r:id="rId42"/>
+    <p:sldId id="430" r:id="rId43"/>
+    <p:sldId id="432" r:id="rId44"/>
+    <p:sldId id="431" r:id="rId45"/>
+    <p:sldId id="433" r:id="rId46"/>
+    <p:sldId id="386" r:id="rId47"/>
   </p:sldIdLst>
   <p:sldSz cx="12192000" cy="6858000"/>
   <p:notesSz cx="6858000" cy="9144000"/>
@@ -139,35 +160,65 @@
             <p14:sldId id="377"/>
           </p14:sldIdLst>
         </p14:section>
+        <p14:section name="Reminder on tokenization objectives" id="{E39CD959-0E72-466E-A1FB-1EFED2D2A995}">
+          <p14:sldIdLst>
+            <p14:sldId id="274"/>
+            <p14:sldId id="275"/>
+            <p14:sldId id="278"/>
+            <p14:sldId id="279"/>
+            <p14:sldId id="379"/>
+            <p14:sldId id="280"/>
+            <p14:sldId id="281"/>
+            <p14:sldId id="285"/>
+          </p14:sldIdLst>
+        </p14:section>
         <p14:section name="Scanning a source code file" id="{AB3BCAC9-1F25-45FD-9E91-7977E1CEE60C}">
           <p14:sldIdLst>
+            <p14:sldId id="410"/>
             <p14:sldId id="387"/>
+            <p14:sldId id="412"/>
+            <p14:sldId id="413"/>
+            <p14:sldId id="414"/>
           </p14:sldIdLst>
         </p14:section>
         <p14:section name="Defining a Token Object" id="{069D4AEA-A318-4573-B5CC-179DF93FDE6C}">
           <p14:sldIdLst>
             <p14:sldId id="388"/>
+            <p14:sldId id="417"/>
+            <p14:sldId id="415"/>
+            <p14:sldId id="416"/>
+            <p14:sldId id="418"/>
             <p14:sldId id="389"/>
+            <p14:sldId id="419"/>
           </p14:sldIdLst>
         </p14:section>
         <p14:section name="Recognizing keywords" id="{4EE5B39E-F152-468B-B7E8-1F4CA51C15F3}">
           <p14:sldIdLst>
+            <p14:sldId id="420"/>
+            <p14:sldId id="422"/>
+            <p14:sldId id="423"/>
+            <p14:sldId id="421"/>
+            <p14:sldId id="390"/>
+            <p14:sldId id="424"/>
             <p14:sldId id="391"/>
-            <p14:sldId id="390"/>
+            <p14:sldId id="425"/>
+            <p14:sldId id="426"/>
           </p14:sldIdLst>
         </p14:section>
         <p14:section name="Scanning file and recognizing keywords" id="{31005FCB-1C48-4497-925A-D24476D6DF89}">
           <p14:sldIdLst>
             <p14:sldId id="392"/>
-            <p14:sldId id="393"/>
+            <p14:sldId id="427"/>
           </p14:sldIdLst>
         </p14:section>
         <p14:section name="Recognizing end of line characters" id="{1EBA2A9A-C965-4ECE-9F3D-241A0FFA07FD}">
           <p14:sldIdLst>
             <p14:sldId id="394"/>
+            <p14:sldId id="429"/>
             <p14:sldId id="395"/>
             <p14:sldId id="396"/>
             <p14:sldId id="397"/>
+            <p14:sldId id="428"/>
           </p14:sldIdLst>
         </p14:section>
         <p14:section name="Recognizing operators" id="{7A9A233D-2C25-4CFB-9229-BD1F6AAE52E1}">
@@ -175,47 +226,14 @@
             <p14:sldId id="400"/>
             <p14:sldId id="398"/>
             <p14:sldId id="399"/>
+            <p14:sldId id="430"/>
+            <p14:sldId id="432"/>
+            <p14:sldId id="431"/>
           </p14:sldIdLst>
         </p14:section>
-        <p14:section name="Recognizing more punctuation" id="{FC5E6156-BDDA-4189-8A3E-08A37C8DA0FF}">
+        <p14:section name="Conclusion" id="{51468D2E-715C-4CDD-BDEC-A6B0484CF5B8}">
           <p14:sldIdLst>
-            <p14:sldId id="401"/>
-          </p14:sldIdLst>
-        </p14:section>
-        <p14:section name="Recognizing identifiers" id="{477C7657-270B-4792-A57A-340CFE6C553B}">
-          <p14:sldIdLst>
-            <p14:sldId id="405"/>
-          </p14:sldIdLst>
-        </p14:section>
-        <p14:section name="Catching error in identifier grammar" id="{976286D1-3030-4D17-B3DF-BD5EB344DE5A}">
-          <p14:sldIdLst>
-            <p14:sldId id="409"/>
-          </p14:sldIdLst>
-        </p14:section>
-        <p14:section name="Recognizing integer literals" id="{8DB93A5E-C2D7-47D3-BDF3-4C383781F037}">
-          <p14:sldIdLst>
-            <p14:sldId id="406"/>
-          </p14:sldIdLst>
-        </p14:section>
-        <p14:section name="What about string literals then?" id="{8D7C89A0-4260-4822-A303-49C7A09D8495}">
-          <p14:sldIdLst>
-            <p14:sldId id="407"/>
-          </p14:sldIdLst>
-        </p14:section>
-        <p14:section name="Problem: A quick note about &amp; and &amp;&amp;" id="{6F90CF36-F26D-4F58-93DD-6938BEAE679F}">
-          <p14:sldIdLst>
-            <p14:sldId id="402"/>
-            <p14:sldId id="403"/>
-          </p14:sldIdLst>
-        </p14:section>
-        <p14:section name="Building a more sophisticated tokenizer" id="{75ECC95B-B2E7-490E-B030-F08D30CBF227}">
-          <p14:sldIdLst>
-            <p14:sldId id="404"/>
-          </p14:sldIdLst>
-        </p14:section>
-        <p14:section name="This could go on forever" id="{EC911ECC-F01B-452E-90B3-8070E0FA7616}">
-          <p14:sldIdLst>
-            <p14:sldId id="408"/>
+            <p14:sldId id="433"/>
           </p14:sldIdLst>
         </p14:section>
         <p14:section name="Practice" id="{F87FAEA4-6D7E-4F13-BD18-76435A868A3B}">
@@ -241,7 +259,7 @@
 <file path=ppt/revisionInfo.xml><?xml version="1.0" encoding="utf-8"?>
 <p1510:revInfo xmlns:a="http://schemas.openxmlformats.org/drawingml/2006/main" xmlns:r="http://schemas.openxmlformats.org/officeDocument/2006/relationships" xmlns:p1510="http://schemas.microsoft.com/office/powerpoint/2015/10/main">
   <p1510:revLst>
-    <p1510:client id="{1888DEAD-E307-4CA6-AFF5-49DFF9FCD3C3}" v="22" dt="2023-03-17T15:02:30.989"/>
+    <p1510:client id="{1888DEAD-E307-4CA6-AFF5-49DFF9FCD3C3}" v="37" dt="2023-03-20T11:56:09.099"/>
   </p1510:revLst>
 </p1510:revInfo>
 </file>
@@ -250,11 +268,76 @@
 <pc:chgInfo xmlns:a="http://schemas.openxmlformats.org/drawingml/2006/main" xmlns:r="http://schemas.openxmlformats.org/officeDocument/2006/relationships" xmlns:ac="http://schemas.microsoft.com/office/drawing/2013/main/command" xmlns:pc="http://schemas.microsoft.com/office/powerpoint/2013/main/command">
   <pc:docChgLst>
     <pc:chgData name="Matthieu De Mari" userId="dfb708c9-d8dc-439f-9a3b-c772bf4a311c" providerId="ADAL" clId="{1888DEAD-E307-4CA6-AFF5-49DFF9FCD3C3}"/>
-    <pc:docChg chg="custSel addSld delSld modSld addSection delSection modSection">
-      <pc:chgData name="Matthieu De Mari" userId="dfb708c9-d8dc-439f-9a3b-c772bf4a311c" providerId="ADAL" clId="{1888DEAD-E307-4CA6-AFF5-49DFF9FCD3C3}" dt="2023-03-17T15:09:20.064" v="1205" actId="17846"/>
+    <pc:docChg chg="undo redo custSel addSld delSld modSld sldOrd addSection delSection modSection">
+      <pc:chgData name="Matthieu De Mari" userId="dfb708c9-d8dc-439f-9a3b-c772bf4a311c" providerId="ADAL" clId="{1888DEAD-E307-4CA6-AFF5-49DFF9FCD3C3}" dt="2023-03-20T11:59:27.977" v="10518" actId="20577"/>
       <pc:docMkLst>
         <pc:docMk/>
       </pc:docMkLst>
+      <pc:sldChg chg="add">
+        <pc:chgData name="Matthieu De Mari" userId="dfb708c9-d8dc-439f-9a3b-c772bf4a311c" providerId="ADAL" clId="{1888DEAD-E307-4CA6-AFF5-49DFF9FCD3C3}" dt="2023-03-20T08:27:47.519" v="2239"/>
+        <pc:sldMkLst>
+          <pc:docMk/>
+          <pc:sldMk cId="1813455260" sldId="274"/>
+        </pc:sldMkLst>
+      </pc:sldChg>
+      <pc:sldChg chg="add">
+        <pc:chgData name="Matthieu De Mari" userId="dfb708c9-d8dc-439f-9a3b-c772bf4a311c" providerId="ADAL" clId="{1888DEAD-E307-4CA6-AFF5-49DFF9FCD3C3}" dt="2023-03-20T08:27:47.519" v="2239"/>
+        <pc:sldMkLst>
+          <pc:docMk/>
+          <pc:sldMk cId="144954399" sldId="275"/>
+        </pc:sldMkLst>
+      </pc:sldChg>
+      <pc:sldChg chg="add">
+        <pc:chgData name="Matthieu De Mari" userId="dfb708c9-d8dc-439f-9a3b-c772bf4a311c" providerId="ADAL" clId="{1888DEAD-E307-4CA6-AFF5-49DFF9FCD3C3}" dt="2023-03-20T08:27:47.519" v="2239"/>
+        <pc:sldMkLst>
+          <pc:docMk/>
+          <pc:sldMk cId="885607022" sldId="278"/>
+        </pc:sldMkLst>
+      </pc:sldChg>
+      <pc:sldChg chg="modSp add mod">
+        <pc:chgData name="Matthieu De Mari" userId="dfb708c9-d8dc-439f-9a3b-c772bf4a311c" providerId="ADAL" clId="{1888DEAD-E307-4CA6-AFF5-49DFF9FCD3C3}" dt="2023-03-20T08:28:17.622" v="2251" actId="27636"/>
+        <pc:sldMkLst>
+          <pc:docMk/>
+          <pc:sldMk cId="3941141626" sldId="279"/>
+        </pc:sldMkLst>
+        <pc:spChg chg="mod">
+          <ac:chgData name="Matthieu De Mari" userId="dfb708c9-d8dc-439f-9a3b-c772bf4a311c" providerId="ADAL" clId="{1888DEAD-E307-4CA6-AFF5-49DFF9FCD3C3}" dt="2023-03-20T08:28:17.622" v="2251" actId="27636"/>
+          <ac:spMkLst>
+            <pc:docMk/>
+            <pc:sldMk cId="3941141626" sldId="279"/>
+            <ac:spMk id="3" creationId="{E1F7AF25-2360-31D8-D5BF-56EDDD31008D}"/>
+          </ac:spMkLst>
+        </pc:spChg>
+        <pc:spChg chg="mod">
+          <ac:chgData name="Matthieu De Mari" userId="dfb708c9-d8dc-439f-9a3b-c772bf4a311c" providerId="ADAL" clId="{1888DEAD-E307-4CA6-AFF5-49DFF9FCD3C3}" dt="2023-03-20T08:28:17.619" v="2250" actId="27636"/>
+          <ac:spMkLst>
+            <pc:docMk/>
+            <pc:sldMk cId="3941141626" sldId="279"/>
+            <ac:spMk id="5" creationId="{2B13EA12-F42E-A14F-570D-C7B3FB0BA678}"/>
+          </ac:spMkLst>
+        </pc:spChg>
+      </pc:sldChg>
+      <pc:sldChg chg="add">
+        <pc:chgData name="Matthieu De Mari" userId="dfb708c9-d8dc-439f-9a3b-c772bf4a311c" providerId="ADAL" clId="{1888DEAD-E307-4CA6-AFF5-49DFF9FCD3C3}" dt="2023-03-20T08:27:47.519" v="2239"/>
+        <pc:sldMkLst>
+          <pc:docMk/>
+          <pc:sldMk cId="2409304258" sldId="280"/>
+        </pc:sldMkLst>
+      </pc:sldChg>
+      <pc:sldChg chg="add">
+        <pc:chgData name="Matthieu De Mari" userId="dfb708c9-d8dc-439f-9a3b-c772bf4a311c" providerId="ADAL" clId="{1888DEAD-E307-4CA6-AFF5-49DFF9FCD3C3}" dt="2023-03-20T08:27:47.519" v="2239"/>
+        <pc:sldMkLst>
+          <pc:docMk/>
+          <pc:sldMk cId="2949375831" sldId="281"/>
+        </pc:sldMkLst>
+      </pc:sldChg>
+      <pc:sldChg chg="add">
+        <pc:chgData name="Matthieu De Mari" userId="dfb708c9-d8dc-439f-9a3b-c772bf4a311c" providerId="ADAL" clId="{1888DEAD-E307-4CA6-AFF5-49DFF9FCD3C3}" dt="2023-03-20T08:27:47.519" v="2239"/>
+        <pc:sldMkLst>
+          <pc:docMk/>
+          <pc:sldMk cId="1567445271" sldId="285"/>
+        </pc:sldMkLst>
+      </pc:sldChg>
       <pc:sldChg chg="modSp mod">
         <pc:chgData name="Matthieu De Mari" userId="dfb708c9-d8dc-439f-9a3b-c772bf4a311c" providerId="ADAL" clId="{1888DEAD-E307-4CA6-AFF5-49DFF9FCD3C3}" dt="2023-03-17T14:37:07.888" v="675" actId="20577"/>
         <pc:sldMkLst>
@@ -284,6 +367,13 @@
           <pc:sldMk cId="2656047251" sldId="379"/>
         </pc:sldMkLst>
       </pc:sldChg>
+      <pc:sldChg chg="add">
+        <pc:chgData name="Matthieu De Mari" userId="dfb708c9-d8dc-439f-9a3b-c772bf4a311c" providerId="ADAL" clId="{1888DEAD-E307-4CA6-AFF5-49DFF9FCD3C3}" dt="2023-03-20T08:27:47.519" v="2239"/>
+        <pc:sldMkLst>
+          <pc:docMk/>
+          <pc:sldMk cId="3856210223" sldId="379"/>
+        </pc:sldMkLst>
+      </pc:sldChg>
       <pc:sldChg chg="del">
         <pc:chgData name="Matthieu De Mari" userId="dfb708c9-d8dc-439f-9a3b-c772bf4a311c" providerId="ADAL" clId="{1888DEAD-E307-4CA6-AFF5-49DFF9FCD3C3}" dt="2023-03-17T13:16:52.409" v="16" actId="47"/>
         <pc:sldMkLst>
@@ -326,22 +416,22 @@
           <pc:sldMk cId="3174082147" sldId="385"/>
         </pc:sldMkLst>
       </pc:sldChg>
-      <pc:sldChg chg="addSp delSp modSp new mod">
-        <pc:chgData name="Matthieu De Mari" userId="dfb708c9-d8dc-439f-9a3b-c772bf4a311c" providerId="ADAL" clId="{1888DEAD-E307-4CA6-AFF5-49DFF9FCD3C3}" dt="2023-03-17T13:43:23.916" v="151" actId="20577"/>
+      <pc:sldChg chg="addSp delSp modSp new mod modClrScheme chgLayout">
+        <pc:chgData name="Matthieu De Mari" userId="dfb708c9-d8dc-439f-9a3b-c772bf4a311c" providerId="ADAL" clId="{1888DEAD-E307-4CA6-AFF5-49DFF9FCD3C3}" dt="2023-03-20T08:05:01.065" v="2236" actId="20577"/>
         <pc:sldMkLst>
           <pc:docMk/>
           <pc:sldMk cId="4192428753" sldId="387"/>
         </pc:sldMkLst>
-        <pc:spChg chg="mod">
-          <ac:chgData name="Matthieu De Mari" userId="dfb708c9-d8dc-439f-9a3b-c772bf4a311c" providerId="ADAL" clId="{1888DEAD-E307-4CA6-AFF5-49DFF9FCD3C3}" dt="2023-03-17T13:43:23.916" v="151" actId="20577"/>
+        <pc:spChg chg="mod ord">
+          <ac:chgData name="Matthieu De Mari" userId="dfb708c9-d8dc-439f-9a3b-c772bf4a311c" providerId="ADAL" clId="{1888DEAD-E307-4CA6-AFF5-49DFF9FCD3C3}" dt="2023-03-20T07:45:00.484" v="1385" actId="700"/>
           <ac:spMkLst>
             <pc:docMk/>
             <pc:sldMk cId="4192428753" sldId="387"/>
             <ac:spMk id="2" creationId="{FDBAFFF3-987A-98F9-2066-15EA4BC85752}"/>
           </ac:spMkLst>
         </pc:spChg>
-        <pc:spChg chg="mod">
-          <ac:chgData name="Matthieu De Mari" userId="dfb708c9-d8dc-439f-9a3b-c772bf4a311c" providerId="ADAL" clId="{1888DEAD-E307-4CA6-AFF5-49DFF9FCD3C3}" dt="2023-03-17T13:31:00.117" v="73" actId="27636"/>
+        <pc:spChg chg="mod ord">
+          <ac:chgData name="Matthieu De Mari" userId="dfb708c9-d8dc-439f-9a3b-c772bf4a311c" providerId="ADAL" clId="{1888DEAD-E307-4CA6-AFF5-49DFF9FCD3C3}" dt="2023-03-20T08:05:01.065" v="2236" actId="20577"/>
           <ac:spMkLst>
             <pc:docMk/>
             <pc:sldMk cId="4192428753" sldId="387"/>
@@ -356,9 +446,17 @@
             <ac:spMk id="4" creationId="{1C0C4361-9026-C1F8-786B-C8DAF7E1B8E8}"/>
           </ac:spMkLst>
         </pc:spChg>
-      </pc:sldChg>
-      <pc:sldChg chg="addSp delSp modSp new mod">
-        <pc:chgData name="Matthieu De Mari" userId="dfb708c9-d8dc-439f-9a3b-c772bf4a311c" providerId="ADAL" clId="{1888DEAD-E307-4CA6-AFF5-49DFF9FCD3C3}" dt="2023-03-17T13:43:12.577" v="111" actId="20577"/>
+        <pc:spChg chg="add mod ord">
+          <ac:chgData name="Matthieu De Mari" userId="dfb708c9-d8dc-439f-9a3b-c772bf4a311c" providerId="ADAL" clId="{1888DEAD-E307-4CA6-AFF5-49DFF9FCD3C3}" dt="2023-03-20T08:04:44.604" v="2227" actId="27636"/>
+          <ac:spMkLst>
+            <pc:docMk/>
+            <pc:sldMk cId="4192428753" sldId="387"/>
+            <ac:spMk id="4" creationId="{F6564EEB-4B87-7BA0-796B-E93ABF9315E5}"/>
+          </ac:spMkLst>
+        </pc:spChg>
+      </pc:sldChg>
+      <pc:sldChg chg="addSp delSp modSp new add del mod">
+        <pc:chgData name="Matthieu De Mari" userId="dfb708c9-d8dc-439f-9a3b-c772bf4a311c" providerId="ADAL" clId="{1888DEAD-E307-4CA6-AFF5-49DFF9FCD3C3}" dt="2023-03-20T10:50:34.324" v="3370" actId="113"/>
         <pc:sldMkLst>
           <pc:docMk/>
           <pc:sldMk cId="1602756966" sldId="388"/>
@@ -372,7 +470,7 @@
           </ac:spMkLst>
         </pc:spChg>
         <pc:spChg chg="add del mod">
-          <ac:chgData name="Matthieu De Mari" userId="dfb708c9-d8dc-439f-9a3b-c772bf4a311c" providerId="ADAL" clId="{1888DEAD-E307-4CA6-AFF5-49DFF9FCD3C3}" dt="2023-03-17T13:43:04.889" v="87" actId="27636"/>
+          <ac:chgData name="Matthieu De Mari" userId="dfb708c9-d8dc-439f-9a3b-c772bf4a311c" providerId="ADAL" clId="{1888DEAD-E307-4CA6-AFF5-49DFF9FCD3C3}" dt="2023-03-20T10:50:34.324" v="3370" actId="113"/>
           <ac:spMkLst>
             <pc:docMk/>
             <pc:sldMk cId="1602756966" sldId="388"/>
@@ -387,9 +485,33 @@
             <ac:spMk id="4" creationId="{9D93938C-8486-BEDE-60D7-304EB27CD915}"/>
           </ac:spMkLst>
         </pc:spChg>
+        <pc:spChg chg="add mod">
+          <ac:chgData name="Matthieu De Mari" userId="dfb708c9-d8dc-439f-9a3b-c772bf4a311c" providerId="ADAL" clId="{1888DEAD-E307-4CA6-AFF5-49DFF9FCD3C3}" dt="2023-03-20T10:49:54.951" v="3363" actId="1076"/>
+          <ac:spMkLst>
+            <pc:docMk/>
+            <pc:sldMk cId="1602756966" sldId="388"/>
+            <ac:spMk id="5" creationId="{E55195C1-C277-6772-03BA-2AFD35DF5DCF}"/>
+          </ac:spMkLst>
+        </pc:spChg>
+        <pc:spChg chg="add mod">
+          <ac:chgData name="Matthieu De Mari" userId="dfb708c9-d8dc-439f-9a3b-c772bf4a311c" providerId="ADAL" clId="{1888DEAD-E307-4CA6-AFF5-49DFF9FCD3C3}" dt="2023-03-20T10:49:57.490" v="3364" actId="1076"/>
+          <ac:spMkLst>
+            <pc:docMk/>
+            <pc:sldMk cId="1602756966" sldId="388"/>
+            <ac:spMk id="6" creationId="{06D872D8-B04C-608E-9714-826A21CA86C3}"/>
+          </ac:spMkLst>
+        </pc:spChg>
+        <pc:cxnChg chg="add mod">
+          <ac:chgData name="Matthieu De Mari" userId="dfb708c9-d8dc-439f-9a3b-c772bf4a311c" providerId="ADAL" clId="{1888DEAD-E307-4CA6-AFF5-49DFF9FCD3C3}" dt="2023-03-20T10:50:17.320" v="3368" actId="1582"/>
+          <ac:cxnSpMkLst>
+            <pc:docMk/>
+            <pc:sldMk cId="1602756966" sldId="388"/>
+            <ac:cxnSpMk id="8" creationId="{1AA781B3-B820-279A-609F-6AE4B91401C2}"/>
+          </ac:cxnSpMkLst>
+        </pc:cxnChg>
       </pc:sldChg>
       <pc:sldChg chg="modSp new mod">
-        <pc:chgData name="Matthieu De Mari" userId="dfb708c9-d8dc-439f-9a3b-c772bf4a311c" providerId="ADAL" clId="{1888DEAD-E307-4CA6-AFF5-49DFF9FCD3C3}" dt="2023-03-17T13:43:44.866" v="185" actId="20577"/>
+        <pc:chgData name="Matthieu De Mari" userId="dfb708c9-d8dc-439f-9a3b-c772bf4a311c" providerId="ADAL" clId="{1888DEAD-E307-4CA6-AFF5-49DFF9FCD3C3}" dt="2023-03-20T10:58:09.013" v="3972" actId="114"/>
         <pc:sldMkLst>
           <pc:docMk/>
           <pc:sldMk cId="1922111427" sldId="389"/>
@@ -403,7 +525,7 @@
           </ac:spMkLst>
         </pc:spChg>
         <pc:spChg chg="mod">
-          <ac:chgData name="Matthieu De Mari" userId="dfb708c9-d8dc-439f-9a3b-c772bf4a311c" providerId="ADAL" clId="{1888DEAD-E307-4CA6-AFF5-49DFF9FCD3C3}" dt="2023-03-17T13:43:44.866" v="185" actId="20577"/>
+          <ac:chgData name="Matthieu De Mari" userId="dfb708c9-d8dc-439f-9a3b-c772bf4a311c" providerId="ADAL" clId="{1888DEAD-E307-4CA6-AFF5-49DFF9FCD3C3}" dt="2023-03-20T10:58:09.013" v="3972" actId="114"/>
           <ac:spMkLst>
             <pc:docMk/>
             <pc:sldMk cId="1922111427" sldId="389"/>
@@ -412,13 +534,13 @@
         </pc:spChg>
       </pc:sldChg>
       <pc:sldChg chg="addSp delSp modSp new mod">
-        <pc:chgData name="Matthieu De Mari" userId="dfb708c9-d8dc-439f-9a3b-c772bf4a311c" providerId="ADAL" clId="{1888DEAD-E307-4CA6-AFF5-49DFF9FCD3C3}" dt="2023-03-17T14:05:10.990" v="264"/>
+        <pc:chgData name="Matthieu De Mari" userId="dfb708c9-d8dc-439f-9a3b-c772bf4a311c" providerId="ADAL" clId="{1888DEAD-E307-4CA6-AFF5-49DFF9FCD3C3}" dt="2023-03-20T11:30:35.918" v="7869" actId="20577"/>
         <pc:sldMkLst>
           <pc:docMk/>
           <pc:sldMk cId="664874362" sldId="390"/>
         </pc:sldMkLst>
         <pc:spChg chg="mod">
-          <ac:chgData name="Matthieu De Mari" userId="dfb708c9-d8dc-439f-9a3b-c772bf4a311c" providerId="ADAL" clId="{1888DEAD-E307-4CA6-AFF5-49DFF9FCD3C3}" dt="2023-03-17T13:53:47.871" v="227" actId="20577"/>
+          <ac:chgData name="Matthieu De Mari" userId="dfb708c9-d8dc-439f-9a3b-c772bf4a311c" providerId="ADAL" clId="{1888DEAD-E307-4CA6-AFF5-49DFF9FCD3C3}" dt="2023-03-20T10:59:42.537" v="3982" actId="20577"/>
           <ac:spMkLst>
             <pc:docMk/>
             <pc:sldMk cId="664874362" sldId="390"/>
@@ -426,7 +548,7 @@
           </ac:spMkLst>
         </pc:spChg>
         <pc:spChg chg="add del mod">
-          <ac:chgData name="Matthieu De Mari" userId="dfb708c9-d8dc-439f-9a3b-c772bf4a311c" providerId="ADAL" clId="{1888DEAD-E307-4CA6-AFF5-49DFF9FCD3C3}" dt="2023-03-17T14:05:10.990" v="264"/>
+          <ac:chgData name="Matthieu De Mari" userId="dfb708c9-d8dc-439f-9a3b-c772bf4a311c" providerId="ADAL" clId="{1888DEAD-E307-4CA6-AFF5-49DFF9FCD3C3}" dt="2023-03-20T11:30:35.918" v="7869" actId="20577"/>
           <ac:spMkLst>
             <pc:docMk/>
             <pc:sldMk cId="664874362" sldId="390"/>
@@ -442,46 +564,62 @@
           </ac:spMkLst>
         </pc:spChg>
       </pc:sldChg>
-      <pc:sldChg chg="modSp new mod">
-        <pc:chgData name="Matthieu De Mari" userId="dfb708c9-d8dc-439f-9a3b-c772bf4a311c" providerId="ADAL" clId="{1888DEAD-E307-4CA6-AFF5-49DFF9FCD3C3}" dt="2023-03-17T13:53:59.299" v="260" actId="20577"/>
+      <pc:sldChg chg="modSp new mod ord">
+        <pc:chgData name="Matthieu De Mari" userId="dfb708c9-d8dc-439f-9a3b-c772bf4a311c" providerId="ADAL" clId="{1888DEAD-E307-4CA6-AFF5-49DFF9FCD3C3}" dt="2023-03-20T11:31:40.045" v="7976" actId="20577"/>
         <pc:sldMkLst>
           <pc:docMk/>
           <pc:sldMk cId="2030689423" sldId="391"/>
         </pc:sldMkLst>
         <pc:spChg chg="mod">
-          <ac:chgData name="Matthieu De Mari" userId="dfb708c9-d8dc-439f-9a3b-c772bf4a311c" providerId="ADAL" clId="{1888DEAD-E307-4CA6-AFF5-49DFF9FCD3C3}" dt="2023-03-17T13:53:59.299" v="260" actId="20577"/>
+          <ac:chgData name="Matthieu De Mari" userId="dfb708c9-d8dc-439f-9a3b-c772bf4a311c" providerId="ADAL" clId="{1888DEAD-E307-4CA6-AFF5-49DFF9FCD3C3}" dt="2023-03-20T11:14:10.909" v="6114" actId="20577"/>
           <ac:spMkLst>
             <pc:docMk/>
             <pc:sldMk cId="2030689423" sldId="391"/>
             <ac:spMk id="2" creationId="{618CFF7E-F94A-0180-0F8F-A1B296DDA531}"/>
           </ac:spMkLst>
         </pc:spChg>
-      </pc:sldChg>
-      <pc:sldChg chg="modSp new mod">
-        <pc:chgData name="Matthieu De Mari" userId="dfb708c9-d8dc-439f-9a3b-c772bf4a311c" providerId="ADAL" clId="{1888DEAD-E307-4CA6-AFF5-49DFF9FCD3C3}" dt="2023-03-17T14:12:32.290" v="352" actId="20577"/>
+        <pc:spChg chg="mod">
+          <ac:chgData name="Matthieu De Mari" userId="dfb708c9-d8dc-439f-9a3b-c772bf4a311c" providerId="ADAL" clId="{1888DEAD-E307-4CA6-AFF5-49DFF9FCD3C3}" dt="2023-03-20T11:31:40.045" v="7976" actId="20577"/>
+          <ac:spMkLst>
+            <pc:docMk/>
+            <pc:sldMk cId="2030689423" sldId="391"/>
+            <ac:spMk id="3" creationId="{5A48F343-DA2D-4FE6-AFD6-DC3D56C30E54}"/>
+          </ac:spMkLst>
+        </pc:spChg>
+      </pc:sldChg>
+      <pc:sldChg chg="addSp modSp new mod modClrScheme chgLayout">
+        <pc:chgData name="Matthieu De Mari" userId="dfb708c9-d8dc-439f-9a3b-c772bf4a311c" providerId="ADAL" clId="{1888DEAD-E307-4CA6-AFF5-49DFF9FCD3C3}" dt="2023-03-20T11:22:46.019" v="7008" actId="21"/>
         <pc:sldMkLst>
           <pc:docMk/>
           <pc:sldMk cId="715460662" sldId="392"/>
         </pc:sldMkLst>
-        <pc:spChg chg="mod">
-          <ac:chgData name="Matthieu De Mari" userId="dfb708c9-d8dc-439f-9a3b-c772bf4a311c" providerId="ADAL" clId="{1888DEAD-E307-4CA6-AFF5-49DFF9FCD3C3}" dt="2023-03-17T14:11:45.265" v="276" actId="20577"/>
+        <pc:spChg chg="mod ord">
+          <ac:chgData name="Matthieu De Mari" userId="dfb708c9-d8dc-439f-9a3b-c772bf4a311c" providerId="ADAL" clId="{1888DEAD-E307-4CA6-AFF5-49DFF9FCD3C3}" dt="2023-03-20T11:22:14.904" v="6980" actId="20577"/>
           <ac:spMkLst>
             <pc:docMk/>
             <pc:sldMk cId="715460662" sldId="392"/>
             <ac:spMk id="2" creationId="{A5BAC226-A027-C401-B260-18D0CB57C3C4}"/>
           </ac:spMkLst>
         </pc:spChg>
-        <pc:spChg chg="mod">
-          <ac:chgData name="Matthieu De Mari" userId="dfb708c9-d8dc-439f-9a3b-c772bf4a311c" providerId="ADAL" clId="{1888DEAD-E307-4CA6-AFF5-49DFF9FCD3C3}" dt="2023-03-17T14:12:32.290" v="352" actId="20577"/>
+        <pc:spChg chg="mod ord">
+          <ac:chgData name="Matthieu De Mari" userId="dfb708c9-d8dc-439f-9a3b-c772bf4a311c" providerId="ADAL" clId="{1888DEAD-E307-4CA6-AFF5-49DFF9FCD3C3}" dt="2023-03-20T11:21:29.347" v="6959" actId="14100"/>
           <ac:spMkLst>
             <pc:docMk/>
             <pc:sldMk cId="715460662" sldId="392"/>
             <ac:spMk id="3" creationId="{04F9D663-7009-B4BD-3AC7-CAF87C7E3B7B}"/>
           </ac:spMkLst>
         </pc:spChg>
-      </pc:sldChg>
-      <pc:sldChg chg="modSp new mod">
-        <pc:chgData name="Matthieu De Mari" userId="dfb708c9-d8dc-439f-9a3b-c772bf4a311c" providerId="ADAL" clId="{1888DEAD-E307-4CA6-AFF5-49DFF9FCD3C3}" dt="2023-03-17T14:23:47.111" v="428" actId="20577"/>
+        <pc:spChg chg="add mod ord">
+          <ac:chgData name="Matthieu De Mari" userId="dfb708c9-d8dc-439f-9a3b-c772bf4a311c" providerId="ADAL" clId="{1888DEAD-E307-4CA6-AFF5-49DFF9FCD3C3}" dt="2023-03-20T11:22:46.019" v="7008" actId="21"/>
+          <ac:spMkLst>
+            <pc:docMk/>
+            <pc:sldMk cId="715460662" sldId="392"/>
+            <ac:spMk id="4" creationId="{E5A1B063-5AD8-584F-5C74-AAA9BCF9B5F8}"/>
+          </ac:spMkLst>
+        </pc:spChg>
+      </pc:sldChg>
+      <pc:sldChg chg="modSp new del mod">
+        <pc:chgData name="Matthieu De Mari" userId="dfb708c9-d8dc-439f-9a3b-c772bf4a311c" providerId="ADAL" clId="{1888DEAD-E307-4CA6-AFF5-49DFF9FCD3C3}" dt="2023-03-20T11:22:30.141" v="6981" actId="47"/>
         <pc:sldMkLst>
           <pc:docMk/>
           <pc:sldMk cId="2534803411" sldId="393"/>
@@ -503,38 +641,78 @@
           </ac:spMkLst>
         </pc:spChg>
       </pc:sldChg>
-      <pc:sldChg chg="modSp new mod">
-        <pc:chgData name="Matthieu De Mari" userId="dfb708c9-d8dc-439f-9a3b-c772bf4a311c" providerId="ADAL" clId="{1888DEAD-E307-4CA6-AFF5-49DFF9FCD3C3}" dt="2023-03-17T14:32:54.696" v="470" actId="20577"/>
+      <pc:sldChg chg="addSp modSp new mod">
+        <pc:chgData name="Matthieu De Mari" userId="dfb708c9-d8dc-439f-9a3b-c772bf4a311c" providerId="ADAL" clId="{1888DEAD-E307-4CA6-AFF5-49DFF9FCD3C3}" dt="2023-03-20T11:44:12.116" v="8898" actId="1076"/>
         <pc:sldMkLst>
           <pc:docMk/>
           <pc:sldMk cId="2284998225" sldId="394"/>
         </pc:sldMkLst>
         <pc:spChg chg="mod">
-          <ac:chgData name="Matthieu De Mari" userId="dfb708c9-d8dc-439f-9a3b-c772bf4a311c" providerId="ADAL" clId="{1888DEAD-E307-4CA6-AFF5-49DFF9FCD3C3}" dt="2023-03-17T14:32:54.696" v="470" actId="20577"/>
+          <ac:chgData name="Matthieu De Mari" userId="dfb708c9-d8dc-439f-9a3b-c772bf4a311c" providerId="ADAL" clId="{1888DEAD-E307-4CA6-AFF5-49DFF9FCD3C3}" dt="2023-03-20T11:25:11.827" v="7077" actId="20577"/>
           <ac:spMkLst>
             <pc:docMk/>
             <pc:sldMk cId="2284998225" sldId="394"/>
             <ac:spMk id="2" creationId="{4AAEEF69-BBB1-3B46-8D5B-ED626354D44E}"/>
           </ac:spMkLst>
         </pc:spChg>
-      </pc:sldChg>
-      <pc:sldChg chg="modSp new mod">
-        <pc:chgData name="Matthieu De Mari" userId="dfb708c9-d8dc-439f-9a3b-c772bf4a311c" providerId="ADAL" clId="{1888DEAD-E307-4CA6-AFF5-49DFF9FCD3C3}" dt="2023-03-17T14:33:04.844" v="502" actId="20577"/>
+        <pc:spChg chg="mod">
+          <ac:chgData name="Matthieu De Mari" userId="dfb708c9-d8dc-439f-9a3b-c772bf4a311c" providerId="ADAL" clId="{1888DEAD-E307-4CA6-AFF5-49DFF9FCD3C3}" dt="2023-03-20T11:43:46.076" v="8892" actId="20577"/>
+          <ac:spMkLst>
+            <pc:docMk/>
+            <pc:sldMk cId="2284998225" sldId="394"/>
+            <ac:spMk id="3" creationId="{7EC38D36-2E91-8CCE-E067-FFDC9AA2549C}"/>
+          </ac:spMkLst>
+        </pc:spChg>
+        <pc:picChg chg="add mod">
+          <ac:chgData name="Matthieu De Mari" userId="dfb708c9-d8dc-439f-9a3b-c772bf4a311c" providerId="ADAL" clId="{1888DEAD-E307-4CA6-AFF5-49DFF9FCD3C3}" dt="2023-03-20T11:44:12.116" v="8898" actId="1076"/>
+          <ac:picMkLst>
+            <pc:docMk/>
+            <pc:sldMk cId="2284998225" sldId="394"/>
+            <ac:picMk id="5" creationId="{6C8743FB-BA01-6390-88A6-4158029E6AE9}"/>
+          </ac:picMkLst>
+        </pc:picChg>
+      </pc:sldChg>
+      <pc:sldChg chg="addSp delSp modSp new mod">
+        <pc:chgData name="Matthieu De Mari" userId="dfb708c9-d8dc-439f-9a3b-c772bf4a311c" providerId="ADAL" clId="{1888DEAD-E307-4CA6-AFF5-49DFF9FCD3C3}" dt="2023-03-20T11:32:09" v="7983" actId="478"/>
         <pc:sldMkLst>
           <pc:docMk/>
           <pc:sldMk cId="351971478" sldId="395"/>
         </pc:sldMkLst>
-        <pc:spChg chg="mod">
-          <ac:chgData name="Matthieu De Mari" userId="dfb708c9-d8dc-439f-9a3b-c772bf4a311c" providerId="ADAL" clId="{1888DEAD-E307-4CA6-AFF5-49DFF9FCD3C3}" dt="2023-03-17T14:33:04.844" v="502" actId="20577"/>
+        <pc:spChg chg="del mod">
+          <ac:chgData name="Matthieu De Mari" userId="dfb708c9-d8dc-439f-9a3b-c772bf4a311c" providerId="ADAL" clId="{1888DEAD-E307-4CA6-AFF5-49DFF9FCD3C3}" dt="2023-03-20T11:32:07.543" v="7982" actId="478"/>
           <ac:spMkLst>
             <pc:docMk/>
             <pc:sldMk cId="351971478" sldId="395"/>
             <ac:spMk id="2" creationId="{0D13F601-AF70-F205-74B7-B80C8EF10D15}"/>
           </ac:spMkLst>
         </pc:spChg>
+        <pc:spChg chg="del">
+          <ac:chgData name="Matthieu De Mari" userId="dfb708c9-d8dc-439f-9a3b-c772bf4a311c" providerId="ADAL" clId="{1888DEAD-E307-4CA6-AFF5-49DFF9FCD3C3}" dt="2023-03-20T11:32:02.904" v="7980" actId="478"/>
+          <ac:spMkLst>
+            <pc:docMk/>
+            <pc:sldMk cId="351971478" sldId="395"/>
+            <ac:spMk id="3" creationId="{99186D6A-13EB-F147-643E-A76768E8F8EF}"/>
+          </ac:spMkLst>
+        </pc:spChg>
+        <pc:spChg chg="add del mod">
+          <ac:chgData name="Matthieu De Mari" userId="dfb708c9-d8dc-439f-9a3b-c772bf4a311c" providerId="ADAL" clId="{1888DEAD-E307-4CA6-AFF5-49DFF9FCD3C3}" dt="2023-03-20T11:32:09" v="7983" actId="478"/>
+          <ac:spMkLst>
+            <pc:docMk/>
+            <pc:sldMk cId="351971478" sldId="395"/>
+            <ac:spMk id="7" creationId="{9A780DEC-D36A-A3A4-188F-780B1BA093AE}"/>
+          </ac:spMkLst>
+        </pc:spChg>
+        <pc:picChg chg="add">
+          <ac:chgData name="Matthieu De Mari" userId="dfb708c9-d8dc-439f-9a3b-c772bf4a311c" providerId="ADAL" clId="{1888DEAD-E307-4CA6-AFF5-49DFF9FCD3C3}" dt="2023-03-20T11:32:03.779" v="7981" actId="22"/>
+          <ac:picMkLst>
+            <pc:docMk/>
+            <pc:sldMk cId="351971478" sldId="395"/>
+            <ac:picMk id="5" creationId="{7A4808B8-8DA7-952B-8D6C-C2A7D95F2A70}"/>
+          </ac:picMkLst>
+        </pc:picChg>
       </pc:sldChg>
       <pc:sldChg chg="modSp new mod">
-        <pc:chgData name="Matthieu De Mari" userId="dfb708c9-d8dc-439f-9a3b-c772bf4a311c" providerId="ADAL" clId="{1888DEAD-E307-4CA6-AFF5-49DFF9FCD3C3}" dt="2023-03-17T14:35:15.949" v="555" actId="27636"/>
+        <pc:chgData name="Matthieu De Mari" userId="dfb708c9-d8dc-439f-9a3b-c772bf4a311c" providerId="ADAL" clId="{1888DEAD-E307-4CA6-AFF5-49DFF9FCD3C3}" dt="2023-03-20T11:34:51.404" v="8197" actId="20577"/>
         <pc:sldMkLst>
           <pc:docMk/>
           <pc:sldMk cId="1697348003" sldId="396"/>
@@ -548,7 +726,7 @@
           </ac:spMkLst>
         </pc:spChg>
         <pc:spChg chg="mod">
-          <ac:chgData name="Matthieu De Mari" userId="dfb708c9-d8dc-439f-9a3b-c772bf4a311c" providerId="ADAL" clId="{1888DEAD-E307-4CA6-AFF5-49DFF9FCD3C3}" dt="2023-03-17T14:35:15.949" v="555" actId="27636"/>
+          <ac:chgData name="Matthieu De Mari" userId="dfb708c9-d8dc-439f-9a3b-c772bf4a311c" providerId="ADAL" clId="{1888DEAD-E307-4CA6-AFF5-49DFF9FCD3C3}" dt="2023-03-20T11:34:51.404" v="8197" actId="20577"/>
           <ac:spMkLst>
             <pc:docMk/>
             <pc:sldMk cId="1697348003" sldId="396"/>
@@ -557,13 +735,13 @@
         </pc:spChg>
       </pc:sldChg>
       <pc:sldChg chg="modSp add mod">
-        <pc:chgData name="Matthieu De Mari" userId="dfb708c9-d8dc-439f-9a3b-c772bf4a311c" providerId="ADAL" clId="{1888DEAD-E307-4CA6-AFF5-49DFF9FCD3C3}" dt="2023-03-17T14:36:53.288" v="666" actId="27636"/>
+        <pc:chgData name="Matthieu De Mari" userId="dfb708c9-d8dc-439f-9a3b-c772bf4a311c" providerId="ADAL" clId="{1888DEAD-E307-4CA6-AFF5-49DFF9FCD3C3}" dt="2023-03-20T11:39:08.989" v="8632" actId="20577"/>
         <pc:sldMkLst>
           <pc:docMk/>
           <pc:sldMk cId="190215950" sldId="397"/>
         </pc:sldMkLst>
         <pc:spChg chg="mod">
-          <ac:chgData name="Matthieu De Mari" userId="dfb708c9-d8dc-439f-9a3b-c772bf4a311c" providerId="ADAL" clId="{1888DEAD-E307-4CA6-AFF5-49DFF9FCD3C3}" dt="2023-03-17T14:36:53.288" v="666" actId="27636"/>
+          <ac:chgData name="Matthieu De Mari" userId="dfb708c9-d8dc-439f-9a3b-c772bf4a311c" providerId="ADAL" clId="{1888DEAD-E307-4CA6-AFF5-49DFF9FCD3C3}" dt="2023-03-20T11:39:08.989" v="8632" actId="20577"/>
           <ac:spMkLst>
             <pc:docMk/>
             <pc:sldMk cId="190215950" sldId="397"/>
@@ -572,13 +750,13 @@
         </pc:spChg>
       </pc:sldChg>
       <pc:sldChg chg="addSp delSp modSp new mod">
-        <pc:chgData name="Matthieu De Mari" userId="dfb708c9-d8dc-439f-9a3b-c772bf4a311c" providerId="ADAL" clId="{1888DEAD-E307-4CA6-AFF5-49DFF9FCD3C3}" dt="2023-03-17T14:41:49.747" v="746" actId="20577"/>
+        <pc:chgData name="Matthieu De Mari" userId="dfb708c9-d8dc-439f-9a3b-c772bf4a311c" providerId="ADAL" clId="{1888DEAD-E307-4CA6-AFF5-49DFF9FCD3C3}" dt="2023-03-20T11:51:03.070" v="9608" actId="20577"/>
         <pc:sldMkLst>
           <pc:docMk/>
           <pc:sldMk cId="745490463" sldId="398"/>
         </pc:sldMkLst>
         <pc:spChg chg="mod">
-          <ac:chgData name="Matthieu De Mari" userId="dfb708c9-d8dc-439f-9a3b-c772bf4a311c" providerId="ADAL" clId="{1888DEAD-E307-4CA6-AFF5-49DFF9FCD3C3}" dt="2023-03-17T14:41:49.747" v="746" actId="20577"/>
+          <ac:chgData name="Matthieu De Mari" userId="dfb708c9-d8dc-439f-9a3b-c772bf4a311c" providerId="ADAL" clId="{1888DEAD-E307-4CA6-AFF5-49DFF9FCD3C3}" dt="2023-03-20T11:47:37.807" v="9304" actId="20577"/>
           <ac:spMkLst>
             <pc:docMk/>
             <pc:sldMk cId="745490463" sldId="398"/>
@@ -586,7 +764,7 @@
           </ac:spMkLst>
         </pc:spChg>
         <pc:spChg chg="add del mod">
-          <ac:chgData name="Matthieu De Mari" userId="dfb708c9-d8dc-439f-9a3b-c772bf4a311c" providerId="ADAL" clId="{1888DEAD-E307-4CA6-AFF5-49DFF9FCD3C3}" dt="2023-03-17T14:41:27.972" v="686" actId="27636"/>
+          <ac:chgData name="Matthieu De Mari" userId="dfb708c9-d8dc-439f-9a3b-c772bf4a311c" providerId="ADAL" clId="{1888DEAD-E307-4CA6-AFF5-49DFF9FCD3C3}" dt="2023-03-20T11:51:03.070" v="9608" actId="20577"/>
           <ac:spMkLst>
             <pc:docMk/>
             <pc:sldMk cId="745490463" sldId="398"/>
@@ -603,7 +781,7 @@
         </pc:spChg>
       </pc:sldChg>
       <pc:sldChg chg="addSp delSp modSp new mod">
-        <pc:chgData name="Matthieu De Mari" userId="dfb708c9-d8dc-439f-9a3b-c772bf4a311c" providerId="ADAL" clId="{1888DEAD-E307-4CA6-AFF5-49DFF9FCD3C3}" dt="2023-03-17T14:43:40.362" v="781" actId="27636"/>
+        <pc:chgData name="Matthieu De Mari" userId="dfb708c9-d8dc-439f-9a3b-c772bf4a311c" providerId="ADAL" clId="{1888DEAD-E307-4CA6-AFF5-49DFF9FCD3C3}" dt="2023-03-20T11:53:36.273" v="9937" actId="20577"/>
         <pc:sldMkLst>
           <pc:docMk/>
           <pc:sldMk cId="1555117061" sldId="399"/>
@@ -617,7 +795,7 @@
           </ac:spMkLst>
         </pc:spChg>
         <pc:spChg chg="add del mod">
-          <ac:chgData name="Matthieu De Mari" userId="dfb708c9-d8dc-439f-9a3b-c772bf4a311c" providerId="ADAL" clId="{1888DEAD-E307-4CA6-AFF5-49DFF9FCD3C3}" dt="2023-03-17T14:43:40.362" v="781" actId="27636"/>
+          <ac:chgData name="Matthieu De Mari" userId="dfb708c9-d8dc-439f-9a3b-c772bf4a311c" providerId="ADAL" clId="{1888DEAD-E307-4CA6-AFF5-49DFF9FCD3C3}" dt="2023-03-20T11:53:36.273" v="9937" actId="20577"/>
           <ac:spMkLst>
             <pc:docMk/>
             <pc:sldMk cId="1555117061" sldId="399"/>
@@ -633,23 +811,55 @@
           </ac:spMkLst>
         </pc:spChg>
       </pc:sldChg>
-      <pc:sldChg chg="modSp new mod">
-        <pc:chgData name="Matthieu De Mari" userId="dfb708c9-d8dc-439f-9a3b-c772bf4a311c" providerId="ADAL" clId="{1888DEAD-E307-4CA6-AFF5-49DFF9FCD3C3}" dt="2023-03-17T14:43:52.868" v="832" actId="20577"/>
+      <pc:sldChg chg="addSp delSp modSp new mod modClrScheme chgLayout">
+        <pc:chgData name="Matthieu De Mari" userId="dfb708c9-d8dc-439f-9a3b-c772bf4a311c" providerId="ADAL" clId="{1888DEAD-E307-4CA6-AFF5-49DFF9FCD3C3}" dt="2023-03-20T11:47:10.922" v="9250" actId="14100"/>
         <pc:sldMkLst>
           <pc:docMk/>
           <pc:sldMk cId="18795257" sldId="400"/>
         </pc:sldMkLst>
-        <pc:spChg chg="mod">
-          <ac:chgData name="Matthieu De Mari" userId="dfb708c9-d8dc-439f-9a3b-c772bf4a311c" providerId="ADAL" clId="{1888DEAD-E307-4CA6-AFF5-49DFF9FCD3C3}" dt="2023-03-17T14:43:52.868" v="832" actId="20577"/>
+        <pc:spChg chg="mod ord">
+          <ac:chgData name="Matthieu De Mari" userId="dfb708c9-d8dc-439f-9a3b-c772bf4a311c" providerId="ADAL" clId="{1888DEAD-E307-4CA6-AFF5-49DFF9FCD3C3}" dt="2023-03-20T11:46:51.106" v="9241" actId="700"/>
           <ac:spMkLst>
             <pc:docMk/>
             <pc:sldMk cId="18795257" sldId="400"/>
             <ac:spMk id="2" creationId="{6B70F080-5AE6-BE06-1477-59814861F873}"/>
           </ac:spMkLst>
         </pc:spChg>
-      </pc:sldChg>
-      <pc:sldChg chg="modSp new mod">
-        <pc:chgData name="Matthieu De Mari" userId="dfb708c9-d8dc-439f-9a3b-c772bf4a311c" providerId="ADAL" clId="{1888DEAD-E307-4CA6-AFF5-49DFF9FCD3C3}" dt="2023-03-17T14:44:43.224" v="977" actId="20577"/>
+        <pc:spChg chg="mod ord">
+          <ac:chgData name="Matthieu De Mari" userId="dfb708c9-d8dc-439f-9a3b-c772bf4a311c" providerId="ADAL" clId="{1888DEAD-E307-4CA6-AFF5-49DFF9FCD3C3}" dt="2023-03-20T11:47:10.922" v="9250" actId="14100"/>
+          <ac:spMkLst>
+            <pc:docMk/>
+            <pc:sldMk cId="18795257" sldId="400"/>
+            <ac:spMk id="3" creationId="{0AC2E044-D0C1-8668-6F70-6B3FC04F04C8}"/>
+          </ac:spMkLst>
+        </pc:spChg>
+        <pc:spChg chg="add del mod ord">
+          <ac:chgData name="Matthieu De Mari" userId="dfb708c9-d8dc-439f-9a3b-c772bf4a311c" providerId="ADAL" clId="{1888DEAD-E307-4CA6-AFF5-49DFF9FCD3C3}" dt="2023-03-20T11:46:52.599" v="9242" actId="478"/>
+          <ac:spMkLst>
+            <pc:docMk/>
+            <pc:sldMk cId="18795257" sldId="400"/>
+            <ac:spMk id="8" creationId="{F3520234-932A-EFE4-FE3D-40968ED2CB50}"/>
+          </ac:spMkLst>
+        </pc:spChg>
+        <pc:picChg chg="add del mod">
+          <ac:chgData name="Matthieu De Mari" userId="dfb708c9-d8dc-439f-9a3b-c772bf4a311c" providerId="ADAL" clId="{1888DEAD-E307-4CA6-AFF5-49DFF9FCD3C3}" dt="2023-03-20T11:45:47.238" v="9134" actId="478"/>
+          <ac:picMkLst>
+            <pc:docMk/>
+            <pc:sldMk cId="18795257" sldId="400"/>
+            <ac:picMk id="5" creationId="{8D9E42BC-DD80-0A01-FA7E-13C77FB63687}"/>
+          </ac:picMkLst>
+        </pc:picChg>
+        <pc:picChg chg="add mod">
+          <ac:chgData name="Matthieu De Mari" userId="dfb708c9-d8dc-439f-9a3b-c772bf4a311c" providerId="ADAL" clId="{1888DEAD-E307-4CA6-AFF5-49DFF9FCD3C3}" dt="2023-03-20T11:46:54.737" v="9243" actId="1076"/>
+          <ac:picMkLst>
+            <pc:docMk/>
+            <pc:sldMk cId="18795257" sldId="400"/>
+            <ac:picMk id="7" creationId="{1B06422F-39BB-7AE0-BDFD-9C010C04F4DF}"/>
+          </ac:picMkLst>
+        </pc:picChg>
+      </pc:sldChg>
+      <pc:sldChg chg="modSp new del mod">
+        <pc:chgData name="Matthieu De Mari" userId="dfb708c9-d8dc-439f-9a3b-c772bf4a311c" providerId="ADAL" clId="{1888DEAD-E307-4CA6-AFF5-49DFF9FCD3C3}" dt="2023-03-20T11:54:02.201" v="9953" actId="47"/>
         <pc:sldMkLst>
           <pc:docMk/>
           <pc:sldMk cId="67563267" sldId="401"/>
@@ -663,7 +873,7 @@
           </ac:spMkLst>
         </pc:spChg>
         <pc:spChg chg="mod">
-          <ac:chgData name="Matthieu De Mari" userId="dfb708c9-d8dc-439f-9a3b-c772bf4a311c" providerId="ADAL" clId="{1888DEAD-E307-4CA6-AFF5-49DFF9FCD3C3}" dt="2023-03-17T14:44:43.224" v="977" actId="20577"/>
+          <ac:chgData name="Matthieu De Mari" userId="dfb708c9-d8dc-439f-9a3b-c772bf4a311c" providerId="ADAL" clId="{1888DEAD-E307-4CA6-AFF5-49DFF9FCD3C3}" dt="2023-03-20T11:54:00.406" v="9952" actId="21"/>
           <ac:spMkLst>
             <pc:docMk/>
             <pc:sldMk cId="67563267" sldId="401"/>
@@ -671,8 +881,8 @@
           </ac:spMkLst>
         </pc:spChg>
       </pc:sldChg>
-      <pc:sldChg chg="modSp new mod">
-        <pc:chgData name="Matthieu De Mari" userId="dfb708c9-d8dc-439f-9a3b-c772bf4a311c" providerId="ADAL" clId="{1888DEAD-E307-4CA6-AFF5-49DFF9FCD3C3}" dt="2023-03-17T14:54:51.086" v="1008" actId="20577"/>
+      <pc:sldChg chg="modSp new del mod">
+        <pc:chgData name="Matthieu De Mari" userId="dfb708c9-d8dc-439f-9a3b-c772bf4a311c" providerId="ADAL" clId="{1888DEAD-E307-4CA6-AFF5-49DFF9FCD3C3}" dt="2023-03-20T11:57:49.658" v="10261" actId="47"/>
         <pc:sldMkLst>
           <pc:docMk/>
           <pc:sldMk cId="522259521" sldId="402"/>
@@ -694,8 +904,8 @@
           </ac:spMkLst>
         </pc:spChg>
       </pc:sldChg>
-      <pc:sldChg chg="modSp new mod">
-        <pc:chgData name="Matthieu De Mari" userId="dfb708c9-d8dc-439f-9a3b-c772bf4a311c" providerId="ADAL" clId="{1888DEAD-E307-4CA6-AFF5-49DFF9FCD3C3}" dt="2023-03-17T15:01:26.660" v="1134" actId="20577"/>
+      <pc:sldChg chg="modSp new del mod">
+        <pc:chgData name="Matthieu De Mari" userId="dfb708c9-d8dc-439f-9a3b-c772bf4a311c" providerId="ADAL" clId="{1888DEAD-E307-4CA6-AFF5-49DFF9FCD3C3}" dt="2023-03-20T11:57:49.658" v="10261" actId="47"/>
         <pc:sldMkLst>
           <pc:docMk/>
           <pc:sldMk cId="3794044645" sldId="403"/>
@@ -717,8 +927,8 @@
           </ac:spMkLst>
         </pc:spChg>
       </pc:sldChg>
-      <pc:sldChg chg="addSp delSp modSp new mod">
-        <pc:chgData name="Matthieu De Mari" userId="dfb708c9-d8dc-439f-9a3b-c772bf4a311c" providerId="ADAL" clId="{1888DEAD-E307-4CA6-AFF5-49DFF9FCD3C3}" dt="2023-03-17T15:02:43.250" v="1188" actId="20577"/>
+      <pc:sldChg chg="addSp delSp modSp new del mod">
+        <pc:chgData name="Matthieu De Mari" userId="dfb708c9-d8dc-439f-9a3b-c772bf4a311c" providerId="ADAL" clId="{1888DEAD-E307-4CA6-AFF5-49DFF9FCD3C3}" dt="2023-03-20T11:57:51.431" v="10262" actId="47"/>
         <pc:sldMkLst>
           <pc:docMk/>
           <pc:sldMk cId="3564327451" sldId="404"/>
@@ -748,40 +958,510 @@
           </ac:spMkLst>
         </pc:spChg>
       </pc:sldChg>
-      <pc:sldChg chg="new">
-        <pc:chgData name="Matthieu De Mari" userId="dfb708c9-d8dc-439f-9a3b-c772bf4a311c" providerId="ADAL" clId="{1888DEAD-E307-4CA6-AFF5-49DFF9FCD3C3}" dt="2023-03-17T15:04:52.111" v="1191" actId="680"/>
+      <pc:sldChg chg="new del">
+        <pc:chgData name="Matthieu De Mari" userId="dfb708c9-d8dc-439f-9a3b-c772bf4a311c" providerId="ADAL" clId="{1888DEAD-E307-4CA6-AFF5-49DFF9FCD3C3}" dt="2023-03-20T11:57:41.893" v="10256" actId="47"/>
         <pc:sldMkLst>
           <pc:docMk/>
           <pc:sldMk cId="3917151320" sldId="405"/>
         </pc:sldMkLst>
       </pc:sldChg>
-      <pc:sldChg chg="new">
-        <pc:chgData name="Matthieu De Mari" userId="dfb708c9-d8dc-439f-9a3b-c772bf4a311c" providerId="ADAL" clId="{1888DEAD-E307-4CA6-AFF5-49DFF9FCD3C3}" dt="2023-03-17T15:05:09.158" v="1194" actId="680"/>
+      <pc:sldChg chg="new del">
+        <pc:chgData name="Matthieu De Mari" userId="dfb708c9-d8dc-439f-9a3b-c772bf4a311c" providerId="ADAL" clId="{1888DEAD-E307-4CA6-AFF5-49DFF9FCD3C3}" dt="2023-03-20T11:57:44.705" v="10258" actId="47"/>
         <pc:sldMkLst>
           <pc:docMk/>
           <pc:sldMk cId="1053501067" sldId="406"/>
         </pc:sldMkLst>
       </pc:sldChg>
-      <pc:sldChg chg="new">
-        <pc:chgData name="Matthieu De Mari" userId="dfb708c9-d8dc-439f-9a3b-c772bf4a311c" providerId="ADAL" clId="{1888DEAD-E307-4CA6-AFF5-49DFF9FCD3C3}" dt="2023-03-17T15:05:19.721" v="1197" actId="680"/>
+      <pc:sldChg chg="new del">
+        <pc:chgData name="Matthieu De Mari" userId="dfb708c9-d8dc-439f-9a3b-c772bf4a311c" providerId="ADAL" clId="{1888DEAD-E307-4CA6-AFF5-49DFF9FCD3C3}" dt="2023-03-20T11:57:47.519" v="10260" actId="47"/>
         <pc:sldMkLst>
           <pc:docMk/>
           <pc:sldMk cId="2333808755" sldId="407"/>
         </pc:sldMkLst>
       </pc:sldChg>
-      <pc:sldChg chg="new">
-        <pc:chgData name="Matthieu De Mari" userId="dfb708c9-d8dc-439f-9a3b-c772bf4a311c" providerId="ADAL" clId="{1888DEAD-E307-4CA6-AFF5-49DFF9FCD3C3}" dt="2023-03-17T15:05:42.509" v="1201" actId="680"/>
+      <pc:sldChg chg="new del">
+        <pc:chgData name="Matthieu De Mari" userId="dfb708c9-d8dc-439f-9a3b-c772bf4a311c" providerId="ADAL" clId="{1888DEAD-E307-4CA6-AFF5-49DFF9FCD3C3}" dt="2023-03-20T11:57:52.782" v="10263" actId="47"/>
         <pc:sldMkLst>
           <pc:docMk/>
           <pc:sldMk cId="2257717264" sldId="408"/>
         </pc:sldMkLst>
       </pc:sldChg>
-      <pc:sldChg chg="new">
-        <pc:chgData name="Matthieu De Mari" userId="dfb708c9-d8dc-439f-9a3b-c772bf4a311c" providerId="ADAL" clId="{1888DEAD-E307-4CA6-AFF5-49DFF9FCD3C3}" dt="2023-03-17T15:09:16.341" v="1204" actId="680"/>
+      <pc:sldChg chg="new del">
+        <pc:chgData name="Matthieu De Mari" userId="dfb708c9-d8dc-439f-9a3b-c772bf4a311c" providerId="ADAL" clId="{1888DEAD-E307-4CA6-AFF5-49DFF9FCD3C3}" dt="2023-03-20T11:57:43.242" v="10257" actId="47"/>
         <pc:sldMkLst>
           <pc:docMk/>
           <pc:sldMk cId="495269238" sldId="409"/>
         </pc:sldMkLst>
+      </pc:sldChg>
+      <pc:sldChg chg="modSp new mod">
+        <pc:chgData name="Matthieu De Mari" userId="dfb708c9-d8dc-439f-9a3b-c772bf4a311c" providerId="ADAL" clId="{1888DEAD-E307-4CA6-AFF5-49DFF9FCD3C3}" dt="2023-03-20T11:17:55.593" v="6342" actId="20577"/>
+        <pc:sldMkLst>
+          <pc:docMk/>
+          <pc:sldMk cId="2277689196" sldId="410"/>
+        </pc:sldMkLst>
+        <pc:spChg chg="mod">
+          <ac:chgData name="Matthieu De Mari" userId="dfb708c9-d8dc-439f-9a3b-c772bf4a311c" providerId="ADAL" clId="{1888DEAD-E307-4CA6-AFF5-49DFF9FCD3C3}" dt="2023-03-20T06:58:48.999" v="1241" actId="20577"/>
+          <ac:spMkLst>
+            <pc:docMk/>
+            <pc:sldMk cId="2277689196" sldId="410"/>
+            <ac:spMk id="2" creationId="{435CCD47-A8F2-1485-816F-357F1B9F7445}"/>
+          </ac:spMkLst>
+        </pc:spChg>
+        <pc:spChg chg="mod">
+          <ac:chgData name="Matthieu De Mari" userId="dfb708c9-d8dc-439f-9a3b-c772bf4a311c" providerId="ADAL" clId="{1888DEAD-E307-4CA6-AFF5-49DFF9FCD3C3}" dt="2023-03-20T11:17:55.593" v="6342" actId="20577"/>
+          <ac:spMkLst>
+            <pc:docMk/>
+            <pc:sldMk cId="2277689196" sldId="410"/>
+            <ac:spMk id="3" creationId="{2260649E-03DA-CE5D-11A1-5545CF0C2795}"/>
+          </ac:spMkLst>
+        </pc:spChg>
+      </pc:sldChg>
+      <pc:sldChg chg="new del">
+        <pc:chgData name="Matthieu De Mari" userId="dfb708c9-d8dc-439f-9a3b-c772bf4a311c" providerId="ADAL" clId="{1888DEAD-E307-4CA6-AFF5-49DFF9FCD3C3}" dt="2023-03-20T11:57:45.879" v="10259" actId="47"/>
+        <pc:sldMkLst>
+          <pc:docMk/>
+          <pc:sldMk cId="4052331108" sldId="411"/>
+        </pc:sldMkLst>
+      </pc:sldChg>
+      <pc:sldChg chg="addSp delSp modSp new mod">
+        <pc:chgData name="Matthieu De Mari" userId="dfb708c9-d8dc-439f-9a3b-c772bf4a311c" providerId="ADAL" clId="{1888DEAD-E307-4CA6-AFF5-49DFF9FCD3C3}" dt="2023-03-20T10:43:02.012" v="2489" actId="1076"/>
+        <pc:sldMkLst>
+          <pc:docMk/>
+          <pc:sldMk cId="224038096" sldId="412"/>
+        </pc:sldMkLst>
+        <pc:spChg chg="del">
+          <ac:chgData name="Matthieu De Mari" userId="dfb708c9-d8dc-439f-9a3b-c772bf4a311c" providerId="ADAL" clId="{1888DEAD-E307-4CA6-AFF5-49DFF9FCD3C3}" dt="2023-03-20T10:34:54.697" v="2261" actId="478"/>
+          <ac:spMkLst>
+            <pc:docMk/>
+            <pc:sldMk cId="224038096" sldId="412"/>
+            <ac:spMk id="2" creationId="{D566A69C-545D-A550-A259-44562AC0BE7E}"/>
+          </ac:spMkLst>
+        </pc:spChg>
+        <pc:spChg chg="del">
+          <ac:chgData name="Matthieu De Mari" userId="dfb708c9-d8dc-439f-9a3b-c772bf4a311c" providerId="ADAL" clId="{1888DEAD-E307-4CA6-AFF5-49DFF9FCD3C3}" dt="2023-03-20T10:34:55.797" v="2262" actId="478"/>
+          <ac:spMkLst>
+            <pc:docMk/>
+            <pc:sldMk cId="224038096" sldId="412"/>
+            <ac:spMk id="3" creationId="{0BD980DE-C77A-DDA0-7133-D1924B188B29}"/>
+          </ac:spMkLst>
+        </pc:spChg>
+        <pc:spChg chg="del">
+          <ac:chgData name="Matthieu De Mari" userId="dfb708c9-d8dc-439f-9a3b-c772bf4a311c" providerId="ADAL" clId="{1888DEAD-E307-4CA6-AFF5-49DFF9FCD3C3}" dt="2023-03-20T10:34:56.969" v="2263" actId="478"/>
+          <ac:spMkLst>
+            <pc:docMk/>
+            <pc:sldMk cId="224038096" sldId="412"/>
+            <ac:spMk id="4" creationId="{D9A378D4-7AB7-4154-A78C-0B5790882B1C}"/>
+          </ac:spMkLst>
+        </pc:spChg>
+        <pc:spChg chg="add del mod">
+          <ac:chgData name="Matthieu De Mari" userId="dfb708c9-d8dc-439f-9a3b-c772bf4a311c" providerId="ADAL" clId="{1888DEAD-E307-4CA6-AFF5-49DFF9FCD3C3}" dt="2023-03-20T10:40:06.456" v="2446" actId="478"/>
+          <ac:spMkLst>
+            <pc:docMk/>
+            <pc:sldMk cId="224038096" sldId="412"/>
+            <ac:spMk id="7" creationId="{AA379C93-0974-7654-F9BA-059D8DBB65B4}"/>
+          </ac:spMkLst>
+        </pc:spChg>
+        <pc:spChg chg="add del mod">
+          <ac:chgData name="Matthieu De Mari" userId="dfb708c9-d8dc-439f-9a3b-c772bf4a311c" providerId="ADAL" clId="{1888DEAD-E307-4CA6-AFF5-49DFF9FCD3C3}" dt="2023-03-20T10:40:04.905" v="2445" actId="478"/>
+          <ac:spMkLst>
+            <pc:docMk/>
+            <pc:sldMk cId="224038096" sldId="412"/>
+            <ac:spMk id="8" creationId="{B9EFD2AA-236C-5829-EB05-3EFF6E9384B6}"/>
+          </ac:spMkLst>
+        </pc:spChg>
+        <pc:spChg chg="add mod">
+          <ac:chgData name="Matthieu De Mari" userId="dfb708c9-d8dc-439f-9a3b-c772bf4a311c" providerId="ADAL" clId="{1888DEAD-E307-4CA6-AFF5-49DFF9FCD3C3}" dt="2023-03-20T10:43:02.012" v="2489" actId="1076"/>
+          <ac:spMkLst>
+            <pc:docMk/>
+            <pc:sldMk cId="224038096" sldId="412"/>
+            <ac:spMk id="10" creationId="{EF22394D-21D6-B76B-1747-EDAE4B71F6F4}"/>
+          </ac:spMkLst>
+        </pc:spChg>
+        <pc:picChg chg="add del mod">
+          <ac:chgData name="Matthieu De Mari" userId="dfb708c9-d8dc-439f-9a3b-c772bf4a311c" providerId="ADAL" clId="{1888DEAD-E307-4CA6-AFF5-49DFF9FCD3C3}" dt="2023-03-20T10:40:10.718" v="2448" actId="21"/>
+          <ac:picMkLst>
+            <pc:docMk/>
+            <pc:sldMk cId="224038096" sldId="412"/>
+            <ac:picMk id="6" creationId="{C1D3EE12-D614-000C-7C0B-C901EFE332B9}"/>
+          </ac:picMkLst>
+        </pc:picChg>
+        <pc:picChg chg="add mod">
+          <ac:chgData name="Matthieu De Mari" userId="dfb708c9-d8dc-439f-9a3b-c772bf4a311c" providerId="ADAL" clId="{1888DEAD-E307-4CA6-AFF5-49DFF9FCD3C3}" dt="2023-03-20T10:40:11.331" v="2449"/>
+          <ac:picMkLst>
+            <pc:docMk/>
+            <pc:sldMk cId="224038096" sldId="412"/>
+            <ac:picMk id="9" creationId="{F325E04E-A98F-5938-7A7D-CBCFBCF092F2}"/>
+          </ac:picMkLst>
+        </pc:picChg>
+      </pc:sldChg>
+      <pc:sldChg chg="new del">
+        <pc:chgData name="Matthieu De Mari" userId="dfb708c9-d8dc-439f-9a3b-c772bf4a311c" providerId="ADAL" clId="{1888DEAD-E307-4CA6-AFF5-49DFF9FCD3C3}" dt="2023-03-20T08:37:09.342" v="2258" actId="47"/>
+        <pc:sldMkLst>
+          <pc:docMk/>
+          <pc:sldMk cId="2849533176" sldId="412"/>
+        </pc:sldMkLst>
+      </pc:sldChg>
+      <pc:sldChg chg="addSp delSp add mod">
+        <pc:chgData name="Matthieu De Mari" userId="dfb708c9-d8dc-439f-9a3b-c772bf4a311c" providerId="ADAL" clId="{1888DEAD-E307-4CA6-AFF5-49DFF9FCD3C3}" dt="2023-03-20T10:40:31.046" v="2452" actId="22"/>
+        <pc:sldMkLst>
+          <pc:docMk/>
+          <pc:sldMk cId="1129488317" sldId="413"/>
+        </pc:sldMkLst>
+        <pc:picChg chg="add">
+          <ac:chgData name="Matthieu De Mari" userId="dfb708c9-d8dc-439f-9a3b-c772bf4a311c" providerId="ADAL" clId="{1888DEAD-E307-4CA6-AFF5-49DFF9FCD3C3}" dt="2023-03-20T10:40:31.046" v="2452" actId="22"/>
+          <ac:picMkLst>
+            <pc:docMk/>
+            <pc:sldMk cId="1129488317" sldId="413"/>
+            <ac:picMk id="3" creationId="{E2FCD6EA-16CC-F0E7-AF2F-576B140686A9}"/>
+          </ac:picMkLst>
+        </pc:picChg>
+        <pc:picChg chg="del">
+          <ac:chgData name="Matthieu De Mari" userId="dfb708c9-d8dc-439f-9a3b-c772bf4a311c" providerId="ADAL" clId="{1888DEAD-E307-4CA6-AFF5-49DFF9FCD3C3}" dt="2023-03-20T10:40:30.598" v="2451" actId="478"/>
+          <ac:picMkLst>
+            <pc:docMk/>
+            <pc:sldMk cId="1129488317" sldId="413"/>
+            <ac:picMk id="9" creationId="{F325E04E-A98F-5938-7A7D-CBCFBCF092F2}"/>
+          </ac:picMkLst>
+        </pc:picChg>
+      </pc:sldChg>
+      <pc:sldChg chg="modSp add del mod">
+        <pc:chgData name="Matthieu De Mari" userId="dfb708c9-d8dc-439f-9a3b-c772bf4a311c" providerId="ADAL" clId="{1888DEAD-E307-4CA6-AFF5-49DFF9FCD3C3}" dt="2023-03-20T10:39:59.757" v="2441" actId="47"/>
+        <pc:sldMkLst>
+          <pc:docMk/>
+          <pc:sldMk cId="1763533000" sldId="413"/>
+        </pc:sldMkLst>
+        <pc:spChg chg="mod">
+          <ac:chgData name="Matthieu De Mari" userId="dfb708c9-d8dc-439f-9a3b-c772bf4a311c" providerId="ADAL" clId="{1888DEAD-E307-4CA6-AFF5-49DFF9FCD3C3}" dt="2023-03-20T10:39:35.789" v="2411" actId="20577"/>
+          <ac:spMkLst>
+            <pc:docMk/>
+            <pc:sldMk cId="1763533000" sldId="413"/>
+            <ac:spMk id="7" creationId="{AA379C93-0974-7654-F9BA-059D8DBB65B4}"/>
+          </ac:spMkLst>
+        </pc:spChg>
+        <pc:spChg chg="mod">
+          <ac:chgData name="Matthieu De Mari" userId="dfb708c9-d8dc-439f-9a3b-c772bf4a311c" providerId="ADAL" clId="{1888DEAD-E307-4CA6-AFF5-49DFF9FCD3C3}" dt="2023-03-20T10:39:29.414" v="2381" actId="14100"/>
+          <ac:spMkLst>
+            <pc:docMk/>
+            <pc:sldMk cId="1763533000" sldId="413"/>
+            <ac:spMk id="8" creationId="{B9EFD2AA-236C-5829-EB05-3EFF6E9384B6}"/>
+          </ac:spMkLst>
+        </pc:spChg>
+      </pc:sldChg>
+      <pc:sldChg chg="delSp modSp add del mod">
+        <pc:chgData name="Matthieu De Mari" userId="dfb708c9-d8dc-439f-9a3b-c772bf4a311c" providerId="ADAL" clId="{1888DEAD-E307-4CA6-AFF5-49DFF9FCD3C3}" dt="2023-03-20T10:40:03.135" v="2444" actId="47"/>
+        <pc:sldMkLst>
+          <pc:docMk/>
+          <pc:sldMk cId="840977672" sldId="414"/>
+        </pc:sldMkLst>
+        <pc:spChg chg="del mod">
+          <ac:chgData name="Matthieu De Mari" userId="dfb708c9-d8dc-439f-9a3b-c772bf4a311c" providerId="ADAL" clId="{1888DEAD-E307-4CA6-AFF5-49DFF9FCD3C3}" dt="2023-03-20T10:39:57.388" v="2439" actId="478"/>
+          <ac:spMkLst>
+            <pc:docMk/>
+            <pc:sldMk cId="840977672" sldId="414"/>
+            <ac:spMk id="7" creationId="{AA379C93-0974-7654-F9BA-059D8DBB65B4}"/>
+          </ac:spMkLst>
+        </pc:spChg>
+        <pc:spChg chg="del mod">
+          <ac:chgData name="Matthieu De Mari" userId="dfb708c9-d8dc-439f-9a3b-c772bf4a311c" providerId="ADAL" clId="{1888DEAD-E307-4CA6-AFF5-49DFF9FCD3C3}" dt="2023-03-20T10:39:58.806" v="2440" actId="478"/>
+          <ac:spMkLst>
+            <pc:docMk/>
+            <pc:sldMk cId="840977672" sldId="414"/>
+            <ac:spMk id="8" creationId="{B9EFD2AA-236C-5829-EB05-3EFF6E9384B6}"/>
+          </ac:spMkLst>
+        </pc:spChg>
+      </pc:sldChg>
+      <pc:sldChg chg="addSp delSp modSp add mod">
+        <pc:chgData name="Matthieu De Mari" userId="dfb708c9-d8dc-439f-9a3b-c772bf4a311c" providerId="ADAL" clId="{1888DEAD-E307-4CA6-AFF5-49DFF9FCD3C3}" dt="2023-03-20T10:42:31.921" v="2465" actId="1440"/>
+        <pc:sldMkLst>
+          <pc:docMk/>
+          <pc:sldMk cId="1383390466" sldId="414"/>
+        </pc:sldMkLst>
+        <pc:picChg chg="del">
+          <ac:chgData name="Matthieu De Mari" userId="dfb708c9-d8dc-439f-9a3b-c772bf4a311c" providerId="ADAL" clId="{1888DEAD-E307-4CA6-AFF5-49DFF9FCD3C3}" dt="2023-03-20T10:40:54.430" v="2454" actId="478"/>
+          <ac:picMkLst>
+            <pc:docMk/>
+            <pc:sldMk cId="1383390466" sldId="414"/>
+            <ac:picMk id="3" creationId="{E2FCD6EA-16CC-F0E7-AF2F-576B140686A9}"/>
+          </ac:picMkLst>
+        </pc:picChg>
+        <pc:picChg chg="add">
+          <ac:chgData name="Matthieu De Mari" userId="dfb708c9-d8dc-439f-9a3b-c772bf4a311c" providerId="ADAL" clId="{1888DEAD-E307-4CA6-AFF5-49DFF9FCD3C3}" dt="2023-03-20T10:41:07.865" v="2455" actId="22"/>
+          <ac:picMkLst>
+            <pc:docMk/>
+            <pc:sldMk cId="1383390466" sldId="414"/>
+            <ac:picMk id="4" creationId="{27301772-0E4B-2674-AD40-1BC6E8CAE6DD}"/>
+          </ac:picMkLst>
+        </pc:picChg>
+        <pc:picChg chg="add mod">
+          <ac:chgData name="Matthieu De Mari" userId="dfb708c9-d8dc-439f-9a3b-c772bf4a311c" providerId="ADAL" clId="{1888DEAD-E307-4CA6-AFF5-49DFF9FCD3C3}" dt="2023-03-20T10:42:31.921" v="2465" actId="1440"/>
+          <ac:picMkLst>
+            <pc:docMk/>
+            <pc:sldMk cId="1383390466" sldId="414"/>
+            <ac:picMk id="6" creationId="{8355198D-A4BD-36D4-3969-C72488CDC76A}"/>
+          </ac:picMkLst>
+        </pc:picChg>
+      </pc:sldChg>
+      <pc:sldChg chg="addSp delSp modSp new mod ord">
+        <pc:chgData name="Matthieu De Mari" userId="dfb708c9-d8dc-439f-9a3b-c772bf4a311c" providerId="ADAL" clId="{1888DEAD-E307-4CA6-AFF5-49DFF9FCD3C3}" dt="2023-03-20T10:55:23.741" v="3767" actId="20577"/>
+        <pc:sldMkLst>
+          <pc:docMk/>
+          <pc:sldMk cId="1808429987" sldId="415"/>
+        </pc:sldMkLst>
+        <pc:spChg chg="del">
+          <ac:chgData name="Matthieu De Mari" userId="dfb708c9-d8dc-439f-9a3b-c772bf4a311c" providerId="ADAL" clId="{1888DEAD-E307-4CA6-AFF5-49DFF9FCD3C3}" dt="2023-03-20T10:43:46.439" v="2491" actId="478"/>
+          <ac:spMkLst>
+            <pc:docMk/>
+            <pc:sldMk cId="1808429987" sldId="415"/>
+            <ac:spMk id="2" creationId="{DD758850-A4C1-C508-4B86-4AF7894E52D6}"/>
+          </ac:spMkLst>
+        </pc:spChg>
+        <pc:spChg chg="del">
+          <ac:chgData name="Matthieu De Mari" userId="dfb708c9-d8dc-439f-9a3b-c772bf4a311c" providerId="ADAL" clId="{1888DEAD-E307-4CA6-AFF5-49DFF9FCD3C3}" dt="2023-03-20T10:43:47.681" v="2492" actId="478"/>
+          <ac:spMkLst>
+            <pc:docMk/>
+            <pc:sldMk cId="1808429987" sldId="415"/>
+            <ac:spMk id="3" creationId="{486FB953-51E1-21D4-0BBF-06C417959D8B}"/>
+          </ac:spMkLst>
+        </pc:spChg>
+        <pc:spChg chg="add mod">
+          <ac:chgData name="Matthieu De Mari" userId="dfb708c9-d8dc-439f-9a3b-c772bf4a311c" providerId="ADAL" clId="{1888DEAD-E307-4CA6-AFF5-49DFF9FCD3C3}" dt="2023-03-20T10:55:23.741" v="3767" actId="20577"/>
+          <ac:spMkLst>
+            <pc:docMk/>
+            <pc:sldMk cId="1808429987" sldId="415"/>
+            <ac:spMk id="6" creationId="{34F012A9-BAC1-A811-295B-002327087994}"/>
+          </ac:spMkLst>
+        </pc:spChg>
+        <pc:picChg chg="add">
+          <ac:chgData name="Matthieu De Mari" userId="dfb708c9-d8dc-439f-9a3b-c772bf4a311c" providerId="ADAL" clId="{1888DEAD-E307-4CA6-AFF5-49DFF9FCD3C3}" dt="2023-03-20T10:43:48.747" v="2493" actId="22"/>
+          <ac:picMkLst>
+            <pc:docMk/>
+            <pc:sldMk cId="1808429987" sldId="415"/>
+            <ac:picMk id="5" creationId="{CC6A9459-50B1-B6BA-41F3-6981EAB548CA}"/>
+          </ac:picMkLst>
+        </pc:picChg>
+      </pc:sldChg>
+      <pc:sldChg chg="modSp add mod ord">
+        <pc:chgData name="Matthieu De Mari" userId="dfb708c9-d8dc-439f-9a3b-c772bf4a311c" providerId="ADAL" clId="{1888DEAD-E307-4CA6-AFF5-49DFF9FCD3C3}" dt="2023-03-20T11:19:06.612" v="6456" actId="20577"/>
+        <pc:sldMkLst>
+          <pc:docMk/>
+          <pc:sldMk cId="1582022426" sldId="416"/>
+        </pc:sldMkLst>
+        <pc:spChg chg="mod">
+          <ac:chgData name="Matthieu De Mari" userId="dfb708c9-d8dc-439f-9a3b-c772bf4a311c" providerId="ADAL" clId="{1888DEAD-E307-4CA6-AFF5-49DFF9FCD3C3}" dt="2023-03-20T11:19:06.612" v="6456" actId="20577"/>
+          <ac:spMkLst>
+            <pc:docMk/>
+            <pc:sldMk cId="1582022426" sldId="416"/>
+            <ac:spMk id="3" creationId="{AEBE5F9A-A6C0-EBC4-74AC-E0BA5CAAFD08}"/>
+          </ac:spMkLst>
+        </pc:spChg>
+      </pc:sldChg>
+      <pc:sldChg chg="addSp modSp add mod">
+        <pc:chgData name="Matthieu De Mari" userId="dfb708c9-d8dc-439f-9a3b-c772bf4a311c" providerId="ADAL" clId="{1888DEAD-E307-4CA6-AFF5-49DFF9FCD3C3}" dt="2023-03-20T10:53:41.165" v="3592" actId="14100"/>
+        <pc:sldMkLst>
+          <pc:docMk/>
+          <pc:sldMk cId="1158748637" sldId="417"/>
+        </pc:sldMkLst>
+        <pc:spChg chg="mod">
+          <ac:chgData name="Matthieu De Mari" userId="dfb708c9-d8dc-439f-9a3b-c772bf4a311c" providerId="ADAL" clId="{1888DEAD-E307-4CA6-AFF5-49DFF9FCD3C3}" dt="2023-03-20T10:50:53.785" v="3383" actId="20577"/>
+          <ac:spMkLst>
+            <pc:docMk/>
+            <pc:sldMk cId="1158748637" sldId="417"/>
+            <ac:spMk id="3" creationId="{AEBE5F9A-A6C0-EBC4-74AC-E0BA5CAAFD08}"/>
+          </ac:spMkLst>
+        </pc:spChg>
+        <pc:spChg chg="add mod">
+          <ac:chgData name="Matthieu De Mari" userId="dfb708c9-d8dc-439f-9a3b-c772bf4a311c" providerId="ADAL" clId="{1888DEAD-E307-4CA6-AFF5-49DFF9FCD3C3}" dt="2023-03-20T10:51:33.596" v="3464" actId="1076"/>
+          <ac:spMkLst>
+            <pc:docMk/>
+            <pc:sldMk cId="1158748637" sldId="417"/>
+            <ac:spMk id="4" creationId="{2C883E62-75C0-DAC1-4DB7-92C24456469E}"/>
+          </ac:spMkLst>
+        </pc:spChg>
+        <pc:spChg chg="add mod">
+          <ac:chgData name="Matthieu De Mari" userId="dfb708c9-d8dc-439f-9a3b-c772bf4a311c" providerId="ADAL" clId="{1888DEAD-E307-4CA6-AFF5-49DFF9FCD3C3}" dt="2023-03-20T10:53:37.539" v="3591" actId="20577"/>
+          <ac:spMkLst>
+            <pc:docMk/>
+            <pc:sldMk cId="1158748637" sldId="417"/>
+            <ac:spMk id="6" creationId="{0945E3A2-E470-87E2-DA54-9E4DE46E3675}"/>
+          </ac:spMkLst>
+        </pc:spChg>
+        <pc:cxnChg chg="add mod">
+          <ac:chgData name="Matthieu De Mari" userId="dfb708c9-d8dc-439f-9a3b-c772bf4a311c" providerId="ADAL" clId="{1888DEAD-E307-4CA6-AFF5-49DFF9FCD3C3}" dt="2023-03-20T10:53:41.165" v="3592" actId="14100"/>
+          <ac:cxnSpMkLst>
+            <pc:docMk/>
+            <pc:sldMk cId="1158748637" sldId="417"/>
+            <ac:cxnSpMk id="5" creationId="{9FA1DBC3-972C-91C4-4F67-5A6DE8A4EF34}"/>
+          </ac:cxnSpMkLst>
+        </pc:cxnChg>
+      </pc:sldChg>
+      <pc:sldChg chg="addSp delSp new mod">
+        <pc:chgData name="Matthieu De Mari" userId="dfb708c9-d8dc-439f-9a3b-c772bf4a311c" providerId="ADAL" clId="{1888DEAD-E307-4CA6-AFF5-49DFF9FCD3C3}" dt="2023-03-20T10:55:07.743" v="3763" actId="22"/>
+        <pc:sldMkLst>
+          <pc:docMk/>
+          <pc:sldMk cId="508583681" sldId="418"/>
+        </pc:sldMkLst>
+        <pc:spChg chg="del">
+          <ac:chgData name="Matthieu De Mari" userId="dfb708c9-d8dc-439f-9a3b-c772bf4a311c" providerId="ADAL" clId="{1888DEAD-E307-4CA6-AFF5-49DFF9FCD3C3}" dt="2023-03-20T10:55:06.865" v="3762" actId="478"/>
+          <ac:spMkLst>
+            <pc:docMk/>
+            <pc:sldMk cId="508583681" sldId="418"/>
+            <ac:spMk id="2" creationId="{FE4DD856-6917-D094-10BF-76DDB8AC3D28}"/>
+          </ac:spMkLst>
+        </pc:spChg>
+        <pc:spChg chg="del">
+          <ac:chgData name="Matthieu De Mari" userId="dfb708c9-d8dc-439f-9a3b-c772bf4a311c" providerId="ADAL" clId="{1888DEAD-E307-4CA6-AFF5-49DFF9FCD3C3}" dt="2023-03-20T10:55:06.147" v="3761" actId="478"/>
+          <ac:spMkLst>
+            <pc:docMk/>
+            <pc:sldMk cId="508583681" sldId="418"/>
+            <ac:spMk id="3" creationId="{62A77FE5-357A-C1BC-4537-9C61B562FD8B}"/>
+          </ac:spMkLst>
+        </pc:spChg>
+        <pc:picChg chg="add">
+          <ac:chgData name="Matthieu De Mari" userId="dfb708c9-d8dc-439f-9a3b-c772bf4a311c" providerId="ADAL" clId="{1888DEAD-E307-4CA6-AFF5-49DFF9FCD3C3}" dt="2023-03-20T10:55:07.743" v="3763" actId="22"/>
+          <ac:picMkLst>
+            <pc:docMk/>
+            <pc:sldMk cId="508583681" sldId="418"/>
+            <ac:picMk id="5" creationId="{8E4B50B8-F722-65BE-56D2-7122C7EAB56C}"/>
+          </ac:picMkLst>
+        </pc:picChg>
+      </pc:sldChg>
+      <pc:sldChg chg="addSp delSp modSp add mod ord">
+        <pc:chgData name="Matthieu De Mari" userId="dfb708c9-d8dc-439f-9a3b-c772bf4a311c" providerId="ADAL" clId="{1888DEAD-E307-4CA6-AFF5-49DFF9FCD3C3}" dt="2023-03-20T10:59:08.845" v="3978" actId="1076"/>
+        <pc:sldMkLst>
+          <pc:docMk/>
+          <pc:sldMk cId="2453299544" sldId="419"/>
+        </pc:sldMkLst>
+        <pc:picChg chg="add">
+          <ac:chgData name="Matthieu De Mari" userId="dfb708c9-d8dc-439f-9a3b-c772bf4a311c" providerId="ADAL" clId="{1888DEAD-E307-4CA6-AFF5-49DFF9FCD3C3}" dt="2023-03-20T10:57:12.377" v="3828" actId="22"/>
+          <ac:picMkLst>
+            <pc:docMk/>
+            <pc:sldMk cId="2453299544" sldId="419"/>
+            <ac:picMk id="3" creationId="{04CEB311-479A-4B9F-C49C-59D0631F0C82}"/>
+          </ac:picMkLst>
+        </pc:picChg>
+        <pc:picChg chg="del">
+          <ac:chgData name="Matthieu De Mari" userId="dfb708c9-d8dc-439f-9a3b-c772bf4a311c" providerId="ADAL" clId="{1888DEAD-E307-4CA6-AFF5-49DFF9FCD3C3}" dt="2023-03-20T10:57:12.078" v="3827" actId="478"/>
+          <ac:picMkLst>
+            <pc:docMk/>
+            <pc:sldMk cId="2453299544" sldId="419"/>
+            <ac:picMk id="5" creationId="{8E4B50B8-F722-65BE-56D2-7122C7EAB56C}"/>
+          </ac:picMkLst>
+        </pc:picChg>
+        <pc:picChg chg="add mod">
+          <ac:chgData name="Matthieu De Mari" userId="dfb708c9-d8dc-439f-9a3b-c772bf4a311c" providerId="ADAL" clId="{1888DEAD-E307-4CA6-AFF5-49DFF9FCD3C3}" dt="2023-03-20T10:59:08.845" v="3978" actId="1076"/>
+          <ac:picMkLst>
+            <pc:docMk/>
+            <pc:sldMk cId="2453299544" sldId="419"/>
+            <ac:picMk id="6" creationId="{9365D822-E39B-1EA0-9F4D-856AA4ACD601}"/>
+          </ac:picMkLst>
+        </pc:picChg>
+      </pc:sldChg>
+      <pc:sldChg chg="add del">
+        <pc:chgData name="Matthieu De Mari" userId="dfb708c9-d8dc-439f-9a3b-c772bf4a311c" providerId="ADAL" clId="{1888DEAD-E307-4CA6-AFF5-49DFF9FCD3C3}" dt="2023-03-20T10:58:44.540" v="3974" actId="47"/>
+        <pc:sldMkLst>
+          <pc:docMk/>
+          <pc:sldMk cId="860446693" sldId="420"/>
+        </pc:sldMkLst>
+      </pc:sldChg>
+      <pc:sldChg chg="modSp new mod">
+        <pc:chgData name="Matthieu De Mari" userId="dfb708c9-d8dc-439f-9a3b-c772bf4a311c" providerId="ADAL" clId="{1888DEAD-E307-4CA6-AFF5-49DFF9FCD3C3}" dt="2023-03-20T11:05:38.379" v="4785" actId="20577"/>
+        <pc:sldMkLst>
+          <pc:docMk/>
+          <pc:sldMk cId="2455924593" sldId="420"/>
+        </pc:sldMkLst>
+        <pc:spChg chg="mod">
+          <ac:chgData name="Matthieu De Mari" userId="dfb708c9-d8dc-439f-9a3b-c772bf4a311c" providerId="ADAL" clId="{1888DEAD-E307-4CA6-AFF5-49DFF9FCD3C3}" dt="2023-03-20T11:01:34.429" v="4047" actId="20577"/>
+          <ac:spMkLst>
+            <pc:docMk/>
+            <pc:sldMk cId="2455924593" sldId="420"/>
+            <ac:spMk id="2" creationId="{9B8D8BA8-06BB-81C2-F7BD-934FD0791DE7}"/>
+          </ac:spMkLst>
+        </pc:spChg>
+        <pc:spChg chg="mod">
+          <ac:chgData name="Matthieu De Mari" userId="dfb708c9-d8dc-439f-9a3b-c772bf4a311c" providerId="ADAL" clId="{1888DEAD-E307-4CA6-AFF5-49DFF9FCD3C3}" dt="2023-03-20T11:05:38.379" v="4785" actId="20577"/>
+          <ac:spMkLst>
+            <pc:docMk/>
+            <pc:sldMk cId="2455924593" sldId="420"/>
+            <ac:spMk id="3" creationId="{039FBE2E-CF8A-1160-529C-0143CAD8F3C7}"/>
+          </ac:spMkLst>
+        </pc:spChg>
+      </pc:sldChg>
+      <pc:sldChg chg="addSp delSp modSp new mod">
+        <pc:chgData name="Matthieu De Mari" userId="dfb708c9-d8dc-439f-9a3b-c772bf4a311c" providerId="ADAL" clId="{1888DEAD-E307-4CA6-AFF5-49DFF9FCD3C3}" dt="2023-03-20T11:01:03.311" v="3996" actId="20577"/>
+        <pc:sldMkLst>
+          <pc:docMk/>
+          <pc:sldMk cId="3719237298" sldId="421"/>
+        </pc:sldMkLst>
+        <pc:spChg chg="del">
+          <ac:chgData name="Matthieu De Mari" userId="dfb708c9-d8dc-439f-9a3b-c772bf4a311c" providerId="ADAL" clId="{1888DEAD-E307-4CA6-AFF5-49DFF9FCD3C3}" dt="2023-03-20T11:00:45.130" v="3990" actId="478"/>
+          <ac:spMkLst>
+            <pc:docMk/>
+            <pc:sldMk cId="3719237298" sldId="421"/>
+            <ac:spMk id="2" creationId="{3B29701B-9113-54C9-4999-51962AEF1A80}"/>
+          </ac:spMkLst>
+        </pc:spChg>
+        <pc:spChg chg="del">
+          <ac:chgData name="Matthieu De Mari" userId="dfb708c9-d8dc-439f-9a3b-c772bf4a311c" providerId="ADAL" clId="{1888DEAD-E307-4CA6-AFF5-49DFF9FCD3C3}" dt="2023-03-20T11:00:43.893" v="3989" actId="478"/>
+          <ac:spMkLst>
+            <pc:docMk/>
+            <pc:sldMk cId="3719237298" sldId="421"/>
+            <ac:spMk id="3" creationId="{FDBE53F1-0502-C254-BAAD-C20A4F910357}"/>
+          </ac:spMkLst>
+        </pc:spChg>
+        <pc:spChg chg="add mod">
+          <ac:chgData name="Matthieu De Mari" userId="dfb708c9-d8dc-439f-9a3b-c772bf4a311c" providerId="ADAL" clId="{1888DEAD-E307-4CA6-AFF5-49DFF9FCD3C3}" dt="2023-03-20T11:01:03.311" v="3996" actId="20577"/>
+          <ac:spMkLst>
+            <pc:docMk/>
+            <pc:sldMk cId="3719237298" sldId="421"/>
+            <ac:spMk id="8" creationId="{F5075BEA-2E89-3BF4-4207-2E426F6132BF}"/>
+          </ac:spMkLst>
+        </pc:spChg>
+        <pc:picChg chg="add">
+          <ac:chgData name="Matthieu De Mari" userId="dfb708c9-d8dc-439f-9a3b-c772bf4a311c" providerId="ADAL" clId="{1888DEAD-E307-4CA6-AFF5-49DFF9FCD3C3}" dt="2023-03-20T11:00:46.105" v="3991" actId="22"/>
+          <ac:picMkLst>
+            <pc:docMk/>
+            <pc:sldMk cId="3719237298" sldId="421"/>
+            <ac:picMk id="5" creationId="{E8856BB7-E43A-7466-AE4A-1AEB5A8A931F}"/>
+          </ac:picMkLst>
+        </pc:picChg>
+        <pc:picChg chg="add del">
+          <ac:chgData name="Matthieu De Mari" userId="dfb708c9-d8dc-439f-9a3b-c772bf4a311c" providerId="ADAL" clId="{1888DEAD-E307-4CA6-AFF5-49DFF9FCD3C3}" dt="2023-03-20T11:00:55.842" v="3993" actId="22"/>
+          <ac:picMkLst>
+            <pc:docMk/>
+            <pc:sldMk cId="3719237298" sldId="421"/>
+            <ac:picMk id="7" creationId="{1AEF7B54-A112-C75D-3272-7FF58C5D14AE}"/>
+          </ac:picMkLst>
+        </pc:picChg>
+      </pc:sldChg>
+      <pc:sldChg chg="modSp add mod">
+        <pc:chgData name="Matthieu De Mari" userId="dfb708c9-d8dc-439f-9a3b-c772bf4a311c" providerId="ADAL" clId="{1888DEAD-E307-4CA6-AFF5-49DFF9FCD3C3}" dt="2023-03-20T11:06:58.547" v="5094" actId="113"/>
+        <pc:sldMkLst>
+          <pc:docMk/>
+          <pc:sldMk cId="2067717828" sldId="422"/>
+        </pc:sldMkLst>
+        <pc:spChg chg="mod">
+          <ac:chgData name="Matthieu De Mari" userId="dfb708c9-d8dc-439f-9a3b-c772bf4a311c" providerId="ADAL" clId="{1888DEAD-E307-4CA6-AFF5-49DFF9FCD3C3}" dt="2023-03-20T11:06:58.547" v="5094" actId="113"/>
+          <ac:spMkLst>
+            <pc:docMk/>
+            <pc:sldMk cId="2067717828" sldId="422"/>
+            <ac:spMk id="3" creationId="{039FBE2E-CF8A-1160-529C-0143CAD8F3C7}"/>
+          </ac:spMkLst>
+        </pc:spChg>
+      </pc:sldChg>
+      <pc:sldChg chg="modSp add mod">
+        <pc:chgData name="Matthieu De Mari" userId="dfb708c9-d8dc-439f-9a3b-c772bf4a311c" providerId="ADAL" clId="{1888DEAD-E307-4CA6-AFF5-49DFF9FCD3C3}" dt="2023-03-20T11:11:21.696" v="5781" actId="113"/>
+        <pc:sldMkLst>
+          <pc:docMk/>
+          <pc:sldMk cId="2542189070" sldId="423"/>
+        </pc:sldMkLst>
+        <pc:spChg chg="mod">
+          <ac:chgData name="Matthieu De Mari" userId="dfb708c9-d8dc-439f-9a3b-c772bf4a311c" providerId="ADAL" clId="{1888DEAD-E307-4CA6-AFF5-49DFF9FCD3C3}" dt="2023-03-20T11:11:21.696" v="5781" actId="113"/>
+          <ac:spMkLst>
+            <pc:docMk/>
+            <pc:sldMk cId="2542189070" sldId="423"/>
+            <ac:spMk id="3" creationId="{039FBE2E-CF8A-1160-529C-0143CAD8F3C7}"/>
+          </ac:spMkLst>
+        </pc:spChg>
       </pc:sldChg>
       <pc:sldChg chg="del">
         <pc:chgData name="Matthieu De Mari" userId="dfb708c9-d8dc-439f-9a3b-c772bf4a311c" providerId="ADAL" clId="{1888DEAD-E307-4CA6-AFF5-49DFF9FCD3C3}" dt="2023-03-17T13:16:50.686" v="14" actId="47"/>
@@ -790,6 +1470,37 @@
           <pc:sldMk cId="4226169062" sldId="423"/>
         </pc:sldMkLst>
       </pc:sldChg>
+      <pc:sldChg chg="addSp delSp add mod ord">
+        <pc:chgData name="Matthieu De Mari" userId="dfb708c9-d8dc-439f-9a3b-c772bf4a311c" providerId="ADAL" clId="{1888DEAD-E307-4CA6-AFF5-49DFF9FCD3C3}" dt="2023-03-20T11:15:49.756" v="6267" actId="22"/>
+        <pc:sldMkLst>
+          <pc:docMk/>
+          <pc:sldMk cId="218642185" sldId="424"/>
+        </pc:sldMkLst>
+        <pc:spChg chg="del">
+          <ac:chgData name="Matthieu De Mari" userId="dfb708c9-d8dc-439f-9a3b-c772bf4a311c" providerId="ADAL" clId="{1888DEAD-E307-4CA6-AFF5-49DFF9FCD3C3}" dt="2023-03-20T11:15:38.503" v="6265" actId="478"/>
+          <ac:spMkLst>
+            <pc:docMk/>
+            <pc:sldMk cId="218642185" sldId="424"/>
+            <ac:spMk id="8" creationId="{F5075BEA-2E89-3BF4-4207-2E426F6132BF}"/>
+          </ac:spMkLst>
+        </pc:spChg>
+        <pc:picChg chg="add">
+          <ac:chgData name="Matthieu De Mari" userId="dfb708c9-d8dc-439f-9a3b-c772bf4a311c" providerId="ADAL" clId="{1888DEAD-E307-4CA6-AFF5-49DFF9FCD3C3}" dt="2023-03-20T11:15:49.756" v="6267" actId="22"/>
+          <ac:picMkLst>
+            <pc:docMk/>
+            <pc:sldMk cId="218642185" sldId="424"/>
+            <ac:picMk id="3" creationId="{62A3D830-D4C0-3C57-17FE-D72860C1B066}"/>
+          </ac:picMkLst>
+        </pc:picChg>
+        <pc:picChg chg="del">
+          <ac:chgData name="Matthieu De Mari" userId="dfb708c9-d8dc-439f-9a3b-c772bf4a311c" providerId="ADAL" clId="{1888DEAD-E307-4CA6-AFF5-49DFF9FCD3C3}" dt="2023-03-20T11:15:38.835" v="6266" actId="478"/>
+          <ac:picMkLst>
+            <pc:docMk/>
+            <pc:sldMk cId="218642185" sldId="424"/>
+            <ac:picMk id="5" creationId="{E8856BB7-E43A-7466-AE4A-1AEB5A8A931F}"/>
+          </ac:picMkLst>
+        </pc:picChg>
+      </pc:sldChg>
       <pc:sldChg chg="del">
         <pc:chgData name="Matthieu De Mari" userId="dfb708c9-d8dc-439f-9a3b-c772bf4a311c" providerId="ADAL" clId="{1888DEAD-E307-4CA6-AFF5-49DFF9FCD3C3}" dt="2023-03-17T13:16:50.686" v="14" actId="47"/>
         <pc:sldMkLst>
@@ -797,6 +1508,37 @@
           <pc:sldMk cId="1794465962" sldId="424"/>
         </pc:sldMkLst>
       </pc:sldChg>
+      <pc:sldChg chg="addSp delSp modSp new mod">
+        <pc:chgData name="Matthieu De Mari" userId="dfb708c9-d8dc-439f-9a3b-c772bf4a311c" providerId="ADAL" clId="{1888DEAD-E307-4CA6-AFF5-49DFF9FCD3C3}" dt="2023-03-20T11:16:35.793" v="6273" actId="1076"/>
+        <pc:sldMkLst>
+          <pc:docMk/>
+          <pc:sldMk cId="424111310" sldId="425"/>
+        </pc:sldMkLst>
+        <pc:spChg chg="del">
+          <ac:chgData name="Matthieu De Mari" userId="dfb708c9-d8dc-439f-9a3b-c772bf4a311c" providerId="ADAL" clId="{1888DEAD-E307-4CA6-AFF5-49DFF9FCD3C3}" dt="2023-03-20T11:16:09.571" v="6271" actId="478"/>
+          <ac:spMkLst>
+            <pc:docMk/>
+            <pc:sldMk cId="424111310" sldId="425"/>
+            <ac:spMk id="2" creationId="{28036013-A0B0-6435-11D5-CF997F7F88F2}"/>
+          </ac:spMkLst>
+        </pc:spChg>
+        <pc:spChg chg="del">
+          <ac:chgData name="Matthieu De Mari" userId="dfb708c9-d8dc-439f-9a3b-c772bf4a311c" providerId="ADAL" clId="{1888DEAD-E307-4CA6-AFF5-49DFF9FCD3C3}" dt="2023-03-20T11:16:08.627" v="6270" actId="478"/>
+          <ac:spMkLst>
+            <pc:docMk/>
+            <pc:sldMk cId="424111310" sldId="425"/>
+            <ac:spMk id="3" creationId="{66AF4366-3B90-27FF-C65A-BBD7971DEBDA}"/>
+          </ac:spMkLst>
+        </pc:spChg>
+        <pc:picChg chg="add mod">
+          <ac:chgData name="Matthieu De Mari" userId="dfb708c9-d8dc-439f-9a3b-c772bf4a311c" providerId="ADAL" clId="{1888DEAD-E307-4CA6-AFF5-49DFF9FCD3C3}" dt="2023-03-20T11:16:35.793" v="6273" actId="1076"/>
+          <ac:picMkLst>
+            <pc:docMk/>
+            <pc:sldMk cId="424111310" sldId="425"/>
+            <ac:picMk id="5" creationId="{2F4679F7-C17D-822A-453E-511EC7D392FC}"/>
+          </ac:picMkLst>
+        </pc:picChg>
+      </pc:sldChg>
       <pc:sldChg chg="del">
         <pc:chgData name="Matthieu De Mari" userId="dfb708c9-d8dc-439f-9a3b-c772bf4a311c" providerId="ADAL" clId="{1888DEAD-E307-4CA6-AFF5-49DFF9FCD3C3}" dt="2023-03-17T13:16:50.686" v="14" actId="47"/>
         <pc:sldMkLst>
@@ -804,6 +1546,21 @@
           <pc:sldMk cId="909573732" sldId="425"/>
         </pc:sldMkLst>
       </pc:sldChg>
+      <pc:sldChg chg="addSp modSp add mod ord">
+        <pc:chgData name="Matthieu De Mari" userId="dfb708c9-d8dc-439f-9a3b-c772bf4a311c" providerId="ADAL" clId="{1888DEAD-E307-4CA6-AFF5-49DFF9FCD3C3}" dt="2023-03-20T11:31:44.551" v="7978"/>
+        <pc:sldMkLst>
+          <pc:docMk/>
+          <pc:sldMk cId="451959142" sldId="426"/>
+        </pc:sldMkLst>
+        <pc:picChg chg="add mod">
+          <ac:chgData name="Matthieu De Mari" userId="dfb708c9-d8dc-439f-9a3b-c772bf4a311c" providerId="ADAL" clId="{1888DEAD-E307-4CA6-AFF5-49DFF9FCD3C3}" dt="2023-03-20T11:17:14.707" v="6278" actId="1076"/>
+          <ac:picMkLst>
+            <pc:docMk/>
+            <pc:sldMk cId="451959142" sldId="426"/>
+            <ac:picMk id="3" creationId="{21048332-7796-4A5C-2578-46E311539F5B}"/>
+          </ac:picMkLst>
+        </pc:picChg>
+      </pc:sldChg>
       <pc:sldChg chg="del">
         <pc:chgData name="Matthieu De Mari" userId="dfb708c9-d8dc-439f-9a3b-c772bf4a311c" providerId="ADAL" clId="{1888DEAD-E307-4CA6-AFF5-49DFF9FCD3C3}" dt="2023-03-17T13:16:51.617" v="15" actId="47"/>
         <pc:sldMkLst>
@@ -818,6 +1575,91 @@
           <pc:sldMk cId="1865957258" sldId="427"/>
         </pc:sldMkLst>
       </pc:sldChg>
+      <pc:sldChg chg="addSp delSp modSp new mod">
+        <pc:chgData name="Matthieu De Mari" userId="dfb708c9-d8dc-439f-9a3b-c772bf4a311c" providerId="ADAL" clId="{1888DEAD-E307-4CA6-AFF5-49DFF9FCD3C3}" dt="2023-03-20T11:24:16.430" v="7017" actId="1076"/>
+        <pc:sldMkLst>
+          <pc:docMk/>
+          <pc:sldMk cId="2562731947" sldId="427"/>
+        </pc:sldMkLst>
+        <pc:spChg chg="del">
+          <ac:chgData name="Matthieu De Mari" userId="dfb708c9-d8dc-439f-9a3b-c772bf4a311c" providerId="ADAL" clId="{1888DEAD-E307-4CA6-AFF5-49DFF9FCD3C3}" dt="2023-03-20T11:22:50.477" v="7011" actId="478"/>
+          <ac:spMkLst>
+            <pc:docMk/>
+            <pc:sldMk cId="2562731947" sldId="427"/>
+            <ac:spMk id="2" creationId="{00D1E749-B875-0775-396E-DE13FC014FBA}"/>
+          </ac:spMkLst>
+        </pc:spChg>
+        <pc:spChg chg="del">
+          <ac:chgData name="Matthieu De Mari" userId="dfb708c9-d8dc-439f-9a3b-c772bf4a311c" providerId="ADAL" clId="{1888DEAD-E307-4CA6-AFF5-49DFF9FCD3C3}" dt="2023-03-20T11:22:49.313" v="7010" actId="478"/>
+          <ac:spMkLst>
+            <pc:docMk/>
+            <pc:sldMk cId="2562731947" sldId="427"/>
+            <ac:spMk id="3" creationId="{0704F794-E124-12C0-A068-D534890D5831}"/>
+          </ac:spMkLst>
+        </pc:spChg>
+        <pc:spChg chg="del">
+          <ac:chgData name="Matthieu De Mari" userId="dfb708c9-d8dc-439f-9a3b-c772bf4a311c" providerId="ADAL" clId="{1888DEAD-E307-4CA6-AFF5-49DFF9FCD3C3}" dt="2023-03-20T11:22:51.309" v="7012" actId="478"/>
+          <ac:spMkLst>
+            <pc:docMk/>
+            <pc:sldMk cId="2562731947" sldId="427"/>
+            <ac:spMk id="4" creationId="{8B8AEA9B-A284-1423-5A36-864959793517}"/>
+          </ac:spMkLst>
+        </pc:spChg>
+        <pc:spChg chg="add mod">
+          <ac:chgData name="Matthieu De Mari" userId="dfb708c9-d8dc-439f-9a3b-c772bf4a311c" providerId="ADAL" clId="{1888DEAD-E307-4CA6-AFF5-49DFF9FCD3C3}" dt="2023-03-20T11:24:16.430" v="7017" actId="1076"/>
+          <ac:spMkLst>
+            <pc:docMk/>
+            <pc:sldMk cId="2562731947" sldId="427"/>
+            <ac:spMk id="7" creationId="{2535F9C4-2379-E44E-3826-E38D89C4B719}"/>
+          </ac:spMkLst>
+        </pc:spChg>
+        <pc:picChg chg="add">
+          <ac:chgData name="Matthieu De Mari" userId="dfb708c9-d8dc-439f-9a3b-c772bf4a311c" providerId="ADAL" clId="{1888DEAD-E307-4CA6-AFF5-49DFF9FCD3C3}" dt="2023-03-20T11:23:49.028" v="7013" actId="22"/>
+          <ac:picMkLst>
+            <pc:docMk/>
+            <pc:sldMk cId="2562731947" sldId="427"/>
+            <ac:picMk id="6" creationId="{4F4C1F74-50BE-CBE1-582A-BAAA30C51685}"/>
+          </ac:picMkLst>
+        </pc:picChg>
+      </pc:sldChg>
+      <pc:sldChg chg="modSp new del mod">
+        <pc:chgData name="Matthieu De Mari" userId="dfb708c9-d8dc-439f-9a3b-c772bf4a311c" providerId="ADAL" clId="{1888DEAD-E307-4CA6-AFF5-49DFF9FCD3C3}" dt="2023-03-20T11:35:02.260" v="8198" actId="47"/>
+        <pc:sldMkLst>
+          <pc:docMk/>
+          <pc:sldMk cId="561984200" sldId="428"/>
+        </pc:sldMkLst>
+        <pc:spChg chg="mod">
+          <ac:chgData name="Matthieu De Mari" userId="dfb708c9-d8dc-439f-9a3b-c772bf4a311c" providerId="ADAL" clId="{1888DEAD-E307-4CA6-AFF5-49DFF9FCD3C3}" dt="2023-03-20T11:34:07.691" v="8152" actId="21"/>
+          <ac:spMkLst>
+            <pc:docMk/>
+            <pc:sldMk cId="561984200" sldId="428"/>
+            <ac:spMk id="3" creationId="{F6AF6870-DDA9-C366-A925-7FEC4716ADFB}"/>
+          </ac:spMkLst>
+        </pc:spChg>
+      </pc:sldChg>
+      <pc:sldChg chg="modSp new mod">
+        <pc:chgData name="Matthieu De Mari" userId="dfb708c9-d8dc-439f-9a3b-c772bf4a311c" providerId="ADAL" clId="{1888DEAD-E307-4CA6-AFF5-49DFF9FCD3C3}" dt="2023-03-20T11:41:28.532" v="8847" actId="115"/>
+        <pc:sldMkLst>
+          <pc:docMk/>
+          <pc:sldMk cId="1434956895" sldId="428"/>
+        </pc:sldMkLst>
+        <pc:spChg chg="mod">
+          <ac:chgData name="Matthieu De Mari" userId="dfb708c9-d8dc-439f-9a3b-c772bf4a311c" providerId="ADAL" clId="{1888DEAD-E307-4CA6-AFF5-49DFF9FCD3C3}" dt="2023-03-20T11:39:20.716" v="8635"/>
+          <ac:spMkLst>
+            <pc:docMk/>
+            <pc:sldMk cId="1434956895" sldId="428"/>
+            <ac:spMk id="2" creationId="{3F3A8E5D-D62D-6849-97C5-C6FAB816270D}"/>
+          </ac:spMkLst>
+        </pc:spChg>
+        <pc:spChg chg="mod">
+          <ac:chgData name="Matthieu De Mari" userId="dfb708c9-d8dc-439f-9a3b-c772bf4a311c" providerId="ADAL" clId="{1888DEAD-E307-4CA6-AFF5-49DFF9FCD3C3}" dt="2023-03-20T11:41:28.532" v="8847" actId="115"/>
+          <ac:spMkLst>
+            <pc:docMk/>
+            <pc:sldMk cId="1434956895" sldId="428"/>
+            <ac:spMk id="3" creationId="{0181BEC2-7644-FF3D-3865-CE873EBA7B28}"/>
+          </ac:spMkLst>
+        </pc:spChg>
+      </pc:sldChg>
       <pc:sldChg chg="del">
         <pc:chgData name="Matthieu De Mari" userId="dfb708c9-d8dc-439f-9a3b-c772bf4a311c" providerId="ADAL" clId="{1888DEAD-E307-4CA6-AFF5-49DFF9FCD3C3}" dt="2023-03-17T13:16:51.617" v="15" actId="47"/>
         <pc:sldMkLst>
@@ -825,6 +1667,21 @@
           <pc:sldMk cId="2022369352" sldId="428"/>
         </pc:sldMkLst>
       </pc:sldChg>
+      <pc:sldChg chg="modSp add del mod ord">
+        <pc:chgData name="Matthieu De Mari" userId="dfb708c9-d8dc-439f-9a3b-c772bf4a311c" providerId="ADAL" clId="{1888DEAD-E307-4CA6-AFF5-49DFF9FCD3C3}" dt="2023-03-20T11:31:52.701" v="7979" actId="47"/>
+        <pc:sldMkLst>
+          <pc:docMk/>
+          <pc:sldMk cId="3326665352" sldId="428"/>
+        </pc:sldMkLst>
+        <pc:spChg chg="mod">
+          <ac:chgData name="Matthieu De Mari" userId="dfb708c9-d8dc-439f-9a3b-c772bf4a311c" providerId="ADAL" clId="{1888DEAD-E307-4CA6-AFF5-49DFF9FCD3C3}" dt="2023-03-20T11:31:13.577" v="7892" actId="14100"/>
+          <ac:spMkLst>
+            <pc:docMk/>
+            <pc:sldMk cId="3326665352" sldId="428"/>
+            <ac:spMk id="3" creationId="{42170C63-D9D3-3C0C-7A89-EE7CE9303BA8}"/>
+          </ac:spMkLst>
+        </pc:spChg>
+      </pc:sldChg>
       <pc:sldChg chg="del">
         <pc:chgData name="Matthieu De Mari" userId="dfb708c9-d8dc-439f-9a3b-c772bf4a311c" providerId="ADAL" clId="{1888DEAD-E307-4CA6-AFF5-49DFF9FCD3C3}" dt="2023-03-17T13:16:51.617" v="15" actId="47"/>
         <pc:sldMkLst>
@@ -832,6 +1689,28 @@
           <pc:sldMk cId="1549216935" sldId="429"/>
         </pc:sldMkLst>
       </pc:sldChg>
+      <pc:sldChg chg="add">
+        <pc:chgData name="Matthieu De Mari" userId="dfb708c9-d8dc-439f-9a3b-c772bf4a311c" providerId="ADAL" clId="{1888DEAD-E307-4CA6-AFF5-49DFF9FCD3C3}" dt="2023-03-20T11:43:41.160" v="8891" actId="2890"/>
+        <pc:sldMkLst>
+          <pc:docMk/>
+          <pc:sldMk cId="2281408142" sldId="429"/>
+        </pc:sldMkLst>
+      </pc:sldChg>
+      <pc:sldChg chg="modSp add mod">
+        <pc:chgData name="Matthieu De Mari" userId="dfb708c9-d8dc-439f-9a3b-c772bf4a311c" providerId="ADAL" clId="{1888DEAD-E307-4CA6-AFF5-49DFF9FCD3C3}" dt="2023-03-20T11:53:55.106" v="9951" actId="20577"/>
+        <pc:sldMkLst>
+          <pc:docMk/>
+          <pc:sldMk cId="1452149184" sldId="430"/>
+        </pc:sldMkLst>
+        <pc:spChg chg="mod">
+          <ac:chgData name="Matthieu De Mari" userId="dfb708c9-d8dc-439f-9a3b-c772bf4a311c" providerId="ADAL" clId="{1888DEAD-E307-4CA6-AFF5-49DFF9FCD3C3}" dt="2023-03-20T11:53:55.106" v="9951" actId="20577"/>
+          <ac:spMkLst>
+            <pc:docMk/>
+            <pc:sldMk cId="1452149184" sldId="430"/>
+            <ac:spMk id="2" creationId="{6B70F080-5AE6-BE06-1477-59814861F873}"/>
+          </ac:spMkLst>
+        </pc:spChg>
+      </pc:sldChg>
       <pc:sldChg chg="del">
         <pc:chgData name="Matthieu De Mari" userId="dfb708c9-d8dc-439f-9a3b-c772bf4a311c" providerId="ADAL" clId="{1888DEAD-E307-4CA6-AFF5-49DFF9FCD3C3}" dt="2023-03-17T13:16:52.409" v="16" actId="47"/>
         <pc:sldMkLst>
@@ -839,6 +1718,36 @@
           <pc:sldMk cId="2376719029" sldId="430"/>
         </pc:sldMkLst>
       </pc:sldChg>
+      <pc:sldChg chg="delSp new del mod">
+        <pc:chgData name="Matthieu De Mari" userId="dfb708c9-d8dc-439f-9a3b-c772bf4a311c" providerId="ADAL" clId="{1888DEAD-E307-4CA6-AFF5-49DFF9FCD3C3}" dt="2023-03-20T11:43:53.598" v="8896" actId="47"/>
+        <pc:sldMkLst>
+          <pc:docMk/>
+          <pc:sldMk cId="2515683071" sldId="430"/>
+        </pc:sldMkLst>
+        <pc:spChg chg="del">
+          <ac:chgData name="Matthieu De Mari" userId="dfb708c9-d8dc-439f-9a3b-c772bf4a311c" providerId="ADAL" clId="{1888DEAD-E307-4CA6-AFF5-49DFF9FCD3C3}" dt="2023-03-20T11:43:51.563" v="8895" actId="478"/>
+          <ac:spMkLst>
+            <pc:docMk/>
+            <pc:sldMk cId="2515683071" sldId="430"/>
+            <ac:spMk id="2" creationId="{9E929894-BD66-FDC1-8F22-73B3837BD518}"/>
+          </ac:spMkLst>
+        </pc:spChg>
+        <pc:spChg chg="del">
+          <ac:chgData name="Matthieu De Mari" userId="dfb708c9-d8dc-439f-9a3b-c772bf4a311c" providerId="ADAL" clId="{1888DEAD-E307-4CA6-AFF5-49DFF9FCD3C3}" dt="2023-03-20T11:43:50.573" v="8894" actId="478"/>
+          <ac:spMkLst>
+            <pc:docMk/>
+            <pc:sldMk cId="2515683071" sldId="430"/>
+            <ac:spMk id="3" creationId="{521ED298-51BD-28B5-A2BE-F66518B0926D}"/>
+          </ac:spMkLst>
+        </pc:spChg>
+      </pc:sldChg>
+      <pc:sldChg chg="add del">
+        <pc:chgData name="Matthieu De Mari" userId="dfb708c9-d8dc-439f-9a3b-c772bf4a311c" providerId="ADAL" clId="{1888DEAD-E307-4CA6-AFF5-49DFF9FCD3C3}" dt="2023-03-20T11:51:10.039" v="9609" actId="47"/>
+        <pc:sldMkLst>
+          <pc:docMk/>
+          <pc:sldMk cId="2552322506" sldId="430"/>
+        </pc:sldMkLst>
+      </pc:sldChg>
       <pc:sldChg chg="del">
         <pc:chgData name="Matthieu De Mari" userId="dfb708c9-d8dc-439f-9a3b-c772bf4a311c" providerId="ADAL" clId="{1888DEAD-E307-4CA6-AFF5-49DFF9FCD3C3}" dt="2023-03-17T13:16:52.409" v="16" actId="47"/>
         <pc:sldMkLst>
@@ -846,12 +1755,105 @@
           <pc:sldMk cId="133940590" sldId="431"/>
         </pc:sldMkLst>
       </pc:sldChg>
+      <pc:sldChg chg="addSp delSp modSp new mod">
+        <pc:chgData name="Matthieu De Mari" userId="dfb708c9-d8dc-439f-9a3b-c772bf4a311c" providerId="ADAL" clId="{1888DEAD-E307-4CA6-AFF5-49DFF9FCD3C3}" dt="2023-03-20T11:56:54.486" v="10255" actId="1076"/>
+        <pc:sldMkLst>
+          <pc:docMk/>
+          <pc:sldMk cId="1438970372" sldId="431"/>
+        </pc:sldMkLst>
+        <pc:spChg chg="del">
+          <ac:chgData name="Matthieu De Mari" userId="dfb708c9-d8dc-439f-9a3b-c772bf4a311c" providerId="ADAL" clId="{1888DEAD-E307-4CA6-AFF5-49DFF9FCD3C3}" dt="2023-03-20T11:55:46.008" v="10123" actId="478"/>
+          <ac:spMkLst>
+            <pc:docMk/>
+            <pc:sldMk cId="1438970372" sldId="431"/>
+            <ac:spMk id="2" creationId="{A6FC8E1C-F8B2-D4A0-68DC-03EF0922B0C9}"/>
+          </ac:spMkLst>
+        </pc:spChg>
+        <pc:spChg chg="del">
+          <ac:chgData name="Matthieu De Mari" userId="dfb708c9-d8dc-439f-9a3b-c772bf4a311c" providerId="ADAL" clId="{1888DEAD-E307-4CA6-AFF5-49DFF9FCD3C3}" dt="2023-03-20T11:55:46.840" v="10124" actId="478"/>
+          <ac:spMkLst>
+            <pc:docMk/>
+            <pc:sldMk cId="1438970372" sldId="431"/>
+            <ac:spMk id="3" creationId="{CAFF7E8C-704A-A593-6B54-5E816FB9064A}"/>
+          </ac:spMkLst>
+        </pc:spChg>
+        <pc:spChg chg="del">
+          <ac:chgData name="Matthieu De Mari" userId="dfb708c9-d8dc-439f-9a3b-c772bf4a311c" providerId="ADAL" clId="{1888DEAD-E307-4CA6-AFF5-49DFF9FCD3C3}" dt="2023-03-20T11:55:47.426" v="10125" actId="478"/>
+          <ac:spMkLst>
+            <pc:docMk/>
+            <pc:sldMk cId="1438970372" sldId="431"/>
+            <ac:spMk id="4" creationId="{206D967B-2C3A-CC98-D325-615C0102C66A}"/>
+          </ac:spMkLst>
+        </pc:spChg>
+        <pc:spChg chg="add mod">
+          <ac:chgData name="Matthieu De Mari" userId="dfb708c9-d8dc-439f-9a3b-c772bf4a311c" providerId="ADAL" clId="{1888DEAD-E307-4CA6-AFF5-49DFF9FCD3C3}" dt="2023-03-20T11:56:54.486" v="10255" actId="1076"/>
+          <ac:spMkLst>
+            <pc:docMk/>
+            <pc:sldMk cId="1438970372" sldId="431"/>
+            <ac:spMk id="7" creationId="{81E4220C-AA1B-D510-F3AE-DD716B8A6862}"/>
+          </ac:spMkLst>
+        </pc:spChg>
+        <pc:picChg chg="add">
+          <ac:chgData name="Matthieu De Mari" userId="dfb708c9-d8dc-439f-9a3b-c772bf4a311c" providerId="ADAL" clId="{1888DEAD-E307-4CA6-AFF5-49DFF9FCD3C3}" dt="2023-03-20T11:55:48.286" v="10126" actId="22"/>
+          <ac:picMkLst>
+            <pc:docMk/>
+            <pc:sldMk cId="1438970372" sldId="431"/>
+            <ac:picMk id="6" creationId="{9CC7F84D-21D8-8FB2-B322-420A295C240C}"/>
+          </ac:picMkLst>
+        </pc:picChg>
+      </pc:sldChg>
+      <pc:sldChg chg="modSp add mod">
+        <pc:chgData name="Matthieu De Mari" userId="dfb708c9-d8dc-439f-9a3b-c772bf4a311c" providerId="ADAL" clId="{1888DEAD-E307-4CA6-AFF5-49DFF9FCD3C3}" dt="2023-03-20T11:54:59.208" v="10122" actId="20577"/>
+        <pc:sldMkLst>
+          <pc:docMk/>
+          <pc:sldMk cId="1303576390" sldId="432"/>
+        </pc:sldMkLst>
+        <pc:spChg chg="mod">
+          <ac:chgData name="Matthieu De Mari" userId="dfb708c9-d8dc-439f-9a3b-c772bf4a311c" providerId="ADAL" clId="{1888DEAD-E307-4CA6-AFF5-49DFF9FCD3C3}" dt="2023-03-20T11:54:59.208" v="10122" actId="20577"/>
+          <ac:spMkLst>
+            <pc:docMk/>
+            <pc:sldMk cId="1303576390" sldId="432"/>
+            <ac:spMk id="3" creationId="{0AC2E044-D0C1-8668-6F70-6B3FC04F04C8}"/>
+          </ac:spMkLst>
+        </pc:spChg>
+      </pc:sldChg>
       <pc:sldChg chg="del">
         <pc:chgData name="Matthieu De Mari" userId="dfb708c9-d8dc-439f-9a3b-c772bf4a311c" providerId="ADAL" clId="{1888DEAD-E307-4CA6-AFF5-49DFF9FCD3C3}" dt="2023-03-17T13:16:52.409" v="16" actId="47"/>
         <pc:sldMkLst>
           <pc:docMk/>
           <pc:sldMk cId="2188406462" sldId="432"/>
         </pc:sldMkLst>
+      </pc:sldChg>
+      <pc:sldChg chg="delSp modSp new mod modClrScheme chgLayout">
+        <pc:chgData name="Matthieu De Mari" userId="dfb708c9-d8dc-439f-9a3b-c772bf4a311c" providerId="ADAL" clId="{1888DEAD-E307-4CA6-AFF5-49DFF9FCD3C3}" dt="2023-03-20T11:59:27.977" v="10518" actId="20577"/>
+        <pc:sldMkLst>
+          <pc:docMk/>
+          <pc:sldMk cId="669465544" sldId="433"/>
+        </pc:sldMkLst>
+        <pc:spChg chg="mod ord">
+          <ac:chgData name="Matthieu De Mari" userId="dfb708c9-d8dc-439f-9a3b-c772bf4a311c" providerId="ADAL" clId="{1888DEAD-E307-4CA6-AFF5-49DFF9FCD3C3}" dt="2023-03-20T11:58:44.783" v="10377" actId="700"/>
+          <ac:spMkLst>
+            <pc:docMk/>
+            <pc:sldMk cId="669465544" sldId="433"/>
+            <ac:spMk id="2" creationId="{BBE723EF-56B8-4C1C-9BA0-271237D8633E}"/>
+          </ac:spMkLst>
+        </pc:spChg>
+        <pc:spChg chg="mod ord">
+          <ac:chgData name="Matthieu De Mari" userId="dfb708c9-d8dc-439f-9a3b-c772bf4a311c" providerId="ADAL" clId="{1888DEAD-E307-4CA6-AFF5-49DFF9FCD3C3}" dt="2023-03-20T11:59:27.977" v="10518" actId="20577"/>
+          <ac:spMkLst>
+            <pc:docMk/>
+            <pc:sldMk cId="669465544" sldId="433"/>
+            <ac:spMk id="3" creationId="{9AB80C83-C934-5699-D703-63ADBD743464}"/>
+          </ac:spMkLst>
+        </pc:spChg>
+        <pc:spChg chg="del">
+          <ac:chgData name="Matthieu De Mari" userId="dfb708c9-d8dc-439f-9a3b-c772bf4a311c" providerId="ADAL" clId="{1888DEAD-E307-4CA6-AFF5-49DFF9FCD3C3}" dt="2023-03-20T11:58:44.783" v="10377" actId="700"/>
+          <ac:spMkLst>
+            <pc:docMk/>
+            <pc:sldMk cId="669465544" sldId="433"/>
+            <ac:spMk id="4" creationId="{2529FE8D-1C6F-5708-59F4-64FFE5907972}"/>
+          </ac:spMkLst>
+        </pc:spChg>
       </pc:sldChg>
       <pc:sldChg chg="del">
         <pc:chgData name="Matthieu De Mari" userId="dfb708c9-d8dc-439f-9a3b-c772bf4a311c" providerId="ADAL" clId="{1888DEAD-E307-4CA6-AFF5-49DFF9FCD3C3}" dt="2023-03-17T13:16:52.409" v="16" actId="47"/>
@@ -11610,7 +12612,7 @@
           <a:p>
             <a:fld id="{98CFC6A4-B085-437B-8084-693BEB2A32DE}" type="datetimeFigureOut">
               <a:rPr lang="en-SG" smtClean="0"/>
-              <a:t>17/3/2023</a:t>
+              <a:t>20/3/2023</a:t>
             </a:fld>
             <a:endParaRPr lang="en-SG"/>
           </a:p>
@@ -12027,7 +13029,7 @@
           <a:p>
             <a:fld id="{AB35F6B0-D468-4997-9CE3-CF2A1AE5E3F9}" type="datetimeFigureOut">
               <a:rPr lang="en-SG" smtClean="0"/>
-              <a:t>17/3/2023</a:t>
+              <a:t>20/3/2023</a:t>
             </a:fld>
             <a:endParaRPr lang="en-SG"/>
           </a:p>
@@ -12227,7 +13229,7 @@
           <a:p>
             <a:fld id="{AB35F6B0-D468-4997-9CE3-CF2A1AE5E3F9}" type="datetimeFigureOut">
               <a:rPr lang="en-SG" smtClean="0"/>
-              <a:t>17/3/2023</a:t>
+              <a:t>20/3/2023</a:t>
             </a:fld>
             <a:endParaRPr lang="en-SG"/>
           </a:p>
@@ -12437,7 +13439,7 @@
           <a:p>
             <a:fld id="{AB35F6B0-D468-4997-9CE3-CF2A1AE5E3F9}" type="datetimeFigureOut">
               <a:rPr lang="en-SG" smtClean="0"/>
-              <a:t>17/3/2023</a:t>
+              <a:t>20/3/2023</a:t>
             </a:fld>
             <a:endParaRPr lang="en-SG"/>
           </a:p>
@@ -12637,7 +13639,7 @@
           <a:p>
             <a:fld id="{AB35F6B0-D468-4997-9CE3-CF2A1AE5E3F9}" type="datetimeFigureOut">
               <a:rPr lang="en-SG" smtClean="0"/>
-              <a:t>17/3/2023</a:t>
+              <a:t>20/3/2023</a:t>
             </a:fld>
             <a:endParaRPr lang="en-SG"/>
           </a:p>
@@ -12913,7 +13915,7 @@
           <a:p>
             <a:fld id="{AB35F6B0-D468-4997-9CE3-CF2A1AE5E3F9}" type="datetimeFigureOut">
               <a:rPr lang="en-SG" smtClean="0"/>
-              <a:t>17/3/2023</a:t>
+              <a:t>20/3/2023</a:t>
             </a:fld>
             <a:endParaRPr lang="en-SG"/>
           </a:p>
@@ -13181,7 +14183,7 @@
           <a:p>
             <a:fld id="{AB35F6B0-D468-4997-9CE3-CF2A1AE5E3F9}" type="datetimeFigureOut">
               <a:rPr lang="en-SG" smtClean="0"/>
-              <a:t>17/3/2023</a:t>
+              <a:t>20/3/2023</a:t>
             </a:fld>
             <a:endParaRPr lang="en-SG"/>
           </a:p>
@@ -13596,7 +14598,7 @@
           <a:p>
             <a:fld id="{AB35F6B0-D468-4997-9CE3-CF2A1AE5E3F9}" type="datetimeFigureOut">
               <a:rPr lang="en-SG" smtClean="0"/>
-              <a:t>17/3/2023</a:t>
+              <a:t>20/3/2023</a:t>
             </a:fld>
             <a:endParaRPr lang="en-SG"/>
           </a:p>
@@ -13738,7 +14740,7 @@
           <a:p>
             <a:fld id="{AB35F6B0-D468-4997-9CE3-CF2A1AE5E3F9}" type="datetimeFigureOut">
               <a:rPr lang="en-SG" smtClean="0"/>
-              <a:t>17/3/2023</a:t>
+              <a:t>20/3/2023</a:t>
             </a:fld>
             <a:endParaRPr lang="en-SG"/>
           </a:p>
@@ -13851,7 +14853,7 @@
           <a:p>
             <a:fld id="{AB35F6B0-D468-4997-9CE3-CF2A1AE5E3F9}" type="datetimeFigureOut">
               <a:rPr lang="en-SG" smtClean="0"/>
-              <a:t>17/3/2023</a:t>
+              <a:t>20/3/2023</a:t>
             </a:fld>
             <a:endParaRPr lang="en-SG"/>
           </a:p>
@@ -14164,7 +15166,7 @@
           <a:p>
             <a:fld id="{AB35F6B0-D468-4997-9CE3-CF2A1AE5E3F9}" type="datetimeFigureOut">
               <a:rPr lang="en-SG" smtClean="0"/>
-              <a:t>17/3/2023</a:t>
+              <a:t>20/3/2023</a:t>
             </a:fld>
             <a:endParaRPr lang="en-SG"/>
           </a:p>
@@ -14453,7 +15455,7 @@
           <a:p>
             <a:fld id="{AB35F6B0-D468-4997-9CE3-CF2A1AE5E3F9}" type="datetimeFigureOut">
               <a:rPr lang="en-SG" smtClean="0"/>
-              <a:t>17/3/2023</a:t>
+              <a:t>20/3/2023</a:t>
             </a:fld>
             <a:endParaRPr lang="en-SG"/>
           </a:p>
@@ -14696,7 +15698,7 @@
           <a:p>
             <a:fld id="{AB35F6B0-D468-4997-9CE3-CF2A1AE5E3F9}" type="datetimeFigureOut">
               <a:rPr lang="en-SG" smtClean="0"/>
-              <a:t>17/3/2023</a:t>
+              <a:t>20/3/2023</a:t>
             </a:fld>
             <a:endParaRPr lang="en-SG"/>
           </a:p>
@@ -15352,7 +16354,7 @@
           <p:cNvPr id="2" name="Title 1">
             <a:extLst>
               <a:ext uri="{FF2B5EF4-FFF2-40B4-BE49-F238E27FC236}">
-                <a16:creationId xmlns:a16="http://schemas.microsoft.com/office/drawing/2014/main" id="{0D13F601-AF70-F205-74B7-B80C8EF10D15}"/>
+                <a16:creationId xmlns:a16="http://schemas.microsoft.com/office/drawing/2014/main" id="{435CCD47-A8F2-1485-816F-357F1B9F7445}"/>
               </a:ext>
             </a:extLst>
           </p:cNvPr>
@@ -15370,15 +16372,7 @@
           <a:p>
             <a:r>
               <a:rPr lang="en-GB" dirty="0"/>
-              <a:t>Adjusting the main </a:t>
-            </a:r>
-            <a:r>
-              <a:rPr lang="en-GB" dirty="0" err="1"/>
-              <a:t>strcmp</a:t>
-            </a:r>
-            <a:r>
-              <a:rPr lang="en-GB" dirty="0"/>
-              <a:t> for ;</a:t>
+              <a:t>First assumptions for our tokenizer</a:t>
             </a:r>
             <a:endParaRPr lang="en-SG" dirty="0"/>
           </a:p>
@@ -15389,7 +16383,1291 @@
           <p:cNvPr id="3" name="Content Placeholder 2">
             <a:extLst>
               <a:ext uri="{FF2B5EF4-FFF2-40B4-BE49-F238E27FC236}">
-                <a16:creationId xmlns:a16="http://schemas.microsoft.com/office/drawing/2014/main" id="{99186D6A-13EB-F147-643E-A76768E8F8EF}"/>
+                <a16:creationId xmlns:a16="http://schemas.microsoft.com/office/drawing/2014/main" id="{2260649E-03DA-CE5D-11A1-5545CF0C2795}"/>
+              </a:ext>
+            </a:extLst>
+          </p:cNvPr>
+          <p:cNvSpPr>
+            <a:spLocks noGrp="1"/>
+          </p:cNvSpPr>
+          <p:nvPr>
+            <p:ph idx="1"/>
+          </p:nvPr>
+        </p:nvSpPr>
+        <p:spPr>
+          <a:xfrm>
+            <a:off x="838200" y="1825624"/>
+            <a:ext cx="10515600" cy="5032375"/>
+          </a:xfrm>
+        </p:spPr>
+        <p:txBody>
+          <a:bodyPr/>
+          <a:lstStyle/>
+          <a:p>
+            <a:pPr marL="0" indent="0">
+              <a:buNone/>
+            </a:pPr>
+            <a:r>
+              <a:rPr lang="en-GB" b="1" dirty="0"/>
+              <a:t>To keep things simple, we will make basic assumptions about the source code to be tokenized and how it has been written.</a:t>
+            </a:r>
+          </a:p>
+          <a:p>
+            <a:pPr marL="0" indent="0">
+              <a:buNone/>
+            </a:pPr>
+            <a:r>
+              <a:rPr lang="en-GB" dirty="0"/>
+              <a:t>Some of them might be unrealistic, but we will relax them later on.</a:t>
+            </a:r>
+          </a:p>
+          <a:p>
+            <a:r>
+              <a:rPr lang="en-GB" dirty="0"/>
+              <a:t>White spaces between all tokens, so that we can use a simple split operation using whitespaces and \n symbols as separators, to produce all the substrings to be analysed and used as tokens.</a:t>
+            </a:r>
+            <a:br>
+              <a:rPr lang="en-GB" dirty="0"/>
+            </a:br>
+            <a:r>
+              <a:rPr lang="en-GB" dirty="0"/>
+              <a:t>We will eventually relax this constraint later on.</a:t>
+            </a:r>
+          </a:p>
+          <a:p>
+            <a:r>
+              <a:rPr lang="en-GB" dirty="0"/>
+              <a:t>Start with basic tokens, e.g. keywords only</a:t>
+            </a:r>
+            <a:br>
+              <a:rPr lang="en-GB" dirty="0"/>
+            </a:br>
+            <a:r>
+              <a:rPr lang="en-GB" dirty="0"/>
+              <a:t>Later on, we will add new token types, starting with simple characters/operators (+ * - / ;), and then identifiers/literals.</a:t>
+            </a:r>
+          </a:p>
+          <a:p>
+            <a:r>
+              <a:rPr lang="en-GB" dirty="0"/>
+              <a:t>No comments or include/pre-processing operations for now.</a:t>
+            </a:r>
+          </a:p>
+          <a:p>
+            <a:endParaRPr lang="en-SG" dirty="0"/>
+          </a:p>
+        </p:txBody>
+      </p:sp>
+    </p:spTree>
+    <p:extLst>
+      <p:ext uri="{BB962C8B-B14F-4D97-AF65-F5344CB8AC3E}">
+        <p14:creationId xmlns:p14="http://schemas.microsoft.com/office/powerpoint/2010/main" val="2277689196"/>
+      </p:ext>
+    </p:extLst>
+  </p:cSld>
+  <p:clrMapOvr>
+    <a:masterClrMapping/>
+  </p:clrMapOvr>
+</p:sld>
+</file>
+
+<file path=ppt/slides/slide11.xml><?xml version="1.0" encoding="utf-8"?>
+<p:sld xmlns:a="http://schemas.openxmlformats.org/drawingml/2006/main" xmlns:r="http://schemas.openxmlformats.org/officeDocument/2006/relationships" xmlns:p="http://schemas.openxmlformats.org/presentationml/2006/main">
+  <p:cSld>
+    <p:spTree>
+      <p:nvGrpSpPr>
+        <p:cNvPr id="1" name=""/>
+        <p:cNvGrpSpPr/>
+        <p:nvPr/>
+      </p:nvGrpSpPr>
+      <p:grpSpPr>
+        <a:xfrm>
+          <a:off x="0" y="0"/>
+          <a:ext cx="0" cy="0"/>
+          <a:chOff x="0" y="0"/>
+          <a:chExt cx="0" cy="0"/>
+        </a:xfrm>
+      </p:grpSpPr>
+      <p:sp>
+        <p:nvSpPr>
+          <p:cNvPr id="2" name="Title 1">
+            <a:extLst>
+              <a:ext uri="{FF2B5EF4-FFF2-40B4-BE49-F238E27FC236}">
+                <a16:creationId xmlns:a16="http://schemas.microsoft.com/office/drawing/2014/main" id="{FDBAFFF3-987A-98F9-2066-15EA4BC85752}"/>
+              </a:ext>
+            </a:extLst>
+          </p:cNvPr>
+          <p:cNvSpPr>
+            <a:spLocks noGrp="1"/>
+          </p:cNvSpPr>
+          <p:nvPr>
+            <p:ph type="title"/>
+          </p:nvPr>
+        </p:nvSpPr>
+        <p:spPr/>
+        <p:txBody>
+          <a:bodyPr/>
+          <a:lstStyle/>
+          <a:p>
+            <a:r>
+              <a:rPr lang="en-GB" dirty="0"/>
+              <a:t>Scanning the source code, step by step</a:t>
+            </a:r>
+            <a:endParaRPr lang="en-SG" dirty="0"/>
+          </a:p>
+        </p:txBody>
+      </p:sp>
+      <p:sp>
+        <p:nvSpPr>
+          <p:cNvPr id="3" name="Content Placeholder 2">
+            <a:extLst>
+              <a:ext uri="{FF2B5EF4-FFF2-40B4-BE49-F238E27FC236}">
+                <a16:creationId xmlns:a16="http://schemas.microsoft.com/office/drawing/2014/main" id="{3A042D93-CD6F-47FD-CFC4-21D7D6C38EDD}"/>
+              </a:ext>
+            </a:extLst>
+          </p:cNvPr>
+          <p:cNvSpPr>
+            <a:spLocks noGrp="1"/>
+          </p:cNvSpPr>
+          <p:nvPr>
+            <p:ph sz="half" idx="1"/>
+          </p:nvPr>
+        </p:nvSpPr>
+        <p:spPr>
+          <a:xfrm>
+            <a:off x="838200" y="1825625"/>
+            <a:ext cx="5181600" cy="5032374"/>
+          </a:xfrm>
+        </p:spPr>
+        <p:txBody>
+          <a:bodyPr>
+            <a:normAutofit fontScale="92500" lnSpcReduction="10000"/>
+          </a:bodyPr>
+          <a:lstStyle/>
+          <a:p>
+            <a:pPr marL="0" indent="0">
+              <a:buNone/>
+            </a:pPr>
+            <a:r>
+              <a:rPr lang="en-GB" dirty="0"/>
+              <a:t>In this example, we demonstrate how to read a source code string from a source file named "</a:t>
+            </a:r>
+            <a:r>
+              <a:rPr lang="en-GB" dirty="0" err="1"/>
+              <a:t>source.c</a:t>
+            </a:r>
+            <a:r>
+              <a:rPr lang="en-GB" dirty="0"/>
+              <a:t>“. For instance, the code could simply consist of</a:t>
+            </a:r>
+          </a:p>
+          <a:p>
+            <a:pPr marL="0" indent="0">
+              <a:buNone/>
+            </a:pPr>
+            <a:endParaRPr lang="en-GB" dirty="0"/>
+          </a:p>
+          <a:p>
+            <a:pPr marL="0" indent="0">
+              <a:buNone/>
+            </a:pPr>
+            <a:r>
+              <a:rPr lang="en-GB" i="1" dirty="0"/>
+              <a:t>int x = 1023 ;</a:t>
+            </a:r>
+          </a:p>
+          <a:p>
+            <a:pPr marL="0" indent="0">
+              <a:buNone/>
+            </a:pPr>
+            <a:r>
+              <a:rPr lang="en-GB" dirty="0"/>
+              <a:t>Or</a:t>
+            </a:r>
+          </a:p>
+          <a:p>
+            <a:pPr marL="0" indent="0">
+              <a:buNone/>
+            </a:pPr>
+            <a:r>
+              <a:rPr lang="en-GB" i="1" dirty="0"/>
+              <a:t>int while for if return </a:t>
+            </a:r>
+            <a:r>
+              <a:rPr lang="en-GB" i="1" dirty="0" err="1"/>
+              <a:t>intwhile</a:t>
+            </a:r>
+            <a:endParaRPr lang="en-GB" i="1" dirty="0"/>
+          </a:p>
+          <a:p>
+            <a:pPr marL="0" indent="0">
+              <a:buNone/>
+            </a:pPr>
+            <a:endParaRPr lang="en-GB" dirty="0"/>
+          </a:p>
+          <a:p>
+            <a:pPr marL="0" indent="0">
+              <a:buNone/>
+            </a:pPr>
+            <a:r>
+              <a:rPr lang="en-GB" dirty="0"/>
+              <a:t>We use simple file I/O operations, as described on the right.</a:t>
+            </a:r>
+          </a:p>
+        </p:txBody>
+      </p:sp>
+      <p:sp>
+        <p:nvSpPr>
+          <p:cNvPr id="4" name="Content Placeholder 3">
+            <a:extLst>
+              <a:ext uri="{FF2B5EF4-FFF2-40B4-BE49-F238E27FC236}">
+                <a16:creationId xmlns:a16="http://schemas.microsoft.com/office/drawing/2014/main" id="{F6564EEB-4B87-7BA0-796B-E93ABF9315E5}"/>
+              </a:ext>
+            </a:extLst>
+          </p:cNvPr>
+          <p:cNvSpPr>
+            <a:spLocks noGrp="1"/>
+          </p:cNvSpPr>
+          <p:nvPr>
+            <p:ph sz="half" idx="2"/>
+          </p:nvPr>
+        </p:nvSpPr>
+        <p:spPr>
+          <a:xfrm>
+            <a:off x="6172200" y="1825624"/>
+            <a:ext cx="5181600" cy="5032375"/>
+          </a:xfrm>
+        </p:spPr>
+        <p:txBody>
+          <a:bodyPr>
+            <a:normAutofit fontScale="92500" lnSpcReduction="10000"/>
+          </a:bodyPr>
+          <a:lstStyle/>
+          <a:p>
+            <a:r>
+              <a:rPr lang="en-GB" dirty="0"/>
+              <a:t>Open the file with </a:t>
+            </a:r>
+            <a:r>
+              <a:rPr lang="en-GB" dirty="0" err="1"/>
+              <a:t>fopen</a:t>
+            </a:r>
+            <a:r>
+              <a:rPr lang="en-GB" dirty="0"/>
+              <a:t>().</a:t>
+            </a:r>
+          </a:p>
+          <a:p>
+            <a:r>
+              <a:rPr lang="en-GB" dirty="0"/>
+              <a:t>Find the file size by seeking to the end and getting the current position with </a:t>
+            </a:r>
+            <a:r>
+              <a:rPr lang="en-GB" dirty="0" err="1"/>
+              <a:t>ftell</a:t>
+            </a:r>
+            <a:r>
+              <a:rPr lang="en-GB" dirty="0"/>
+              <a:t>().</a:t>
+            </a:r>
+          </a:p>
+          <a:p>
+            <a:r>
+              <a:rPr lang="en-GB" dirty="0"/>
+              <a:t>Rewind the file position to the beginning with rewind().</a:t>
+            </a:r>
+          </a:p>
+          <a:p>
+            <a:r>
+              <a:rPr lang="en-GB" dirty="0"/>
+              <a:t>Allocate memory for the source code string.</a:t>
+            </a:r>
+          </a:p>
+          <a:p>
+            <a:r>
+              <a:rPr lang="en-GB" dirty="0"/>
+              <a:t>Read the content of the file into the string with </a:t>
+            </a:r>
+            <a:r>
+              <a:rPr lang="en-GB" dirty="0" err="1"/>
+              <a:t>fread</a:t>
+            </a:r>
+            <a:r>
+              <a:rPr lang="en-GB" dirty="0"/>
+              <a:t>().</a:t>
+            </a:r>
+          </a:p>
+          <a:p>
+            <a:r>
+              <a:rPr lang="en-GB" dirty="0"/>
+              <a:t>Null-terminate the string.</a:t>
+            </a:r>
+          </a:p>
+          <a:p>
+            <a:r>
+              <a:rPr lang="en-GB" dirty="0"/>
+              <a:t>Close the file with </a:t>
+            </a:r>
+            <a:r>
+              <a:rPr lang="en-GB" dirty="0" err="1"/>
+              <a:t>fclose</a:t>
+            </a:r>
+            <a:r>
+              <a:rPr lang="en-GB" dirty="0"/>
+              <a:t>().</a:t>
+            </a:r>
+            <a:endParaRPr lang="en-SG" dirty="0"/>
+          </a:p>
+          <a:p>
+            <a:endParaRPr lang="en-SG" dirty="0"/>
+          </a:p>
+        </p:txBody>
+      </p:sp>
+    </p:spTree>
+    <p:extLst>
+      <p:ext uri="{BB962C8B-B14F-4D97-AF65-F5344CB8AC3E}">
+        <p14:creationId xmlns:p14="http://schemas.microsoft.com/office/powerpoint/2010/main" val="4192428753"/>
+      </p:ext>
+    </p:extLst>
+  </p:cSld>
+  <p:clrMapOvr>
+    <a:masterClrMapping/>
+  </p:clrMapOvr>
+</p:sld>
+</file>
+
+<file path=ppt/slides/slide12.xml><?xml version="1.0" encoding="utf-8"?>
+<p:sld xmlns:a="http://schemas.openxmlformats.org/drawingml/2006/main" xmlns:r="http://schemas.openxmlformats.org/officeDocument/2006/relationships" xmlns:p="http://schemas.openxmlformats.org/presentationml/2006/main">
+  <p:cSld>
+    <p:spTree>
+      <p:nvGrpSpPr>
+        <p:cNvPr id="1" name=""/>
+        <p:cNvGrpSpPr/>
+        <p:nvPr/>
+      </p:nvGrpSpPr>
+      <p:grpSpPr>
+        <a:xfrm>
+          <a:off x="0" y="0"/>
+          <a:ext cx="0" cy="0"/>
+          <a:chOff x="0" y="0"/>
+          <a:chExt cx="0" cy="0"/>
+        </a:xfrm>
+      </p:grpSpPr>
+      <p:pic>
+        <p:nvPicPr>
+          <p:cNvPr id="9" name="Picture 8">
+            <a:extLst>
+              <a:ext uri="{FF2B5EF4-FFF2-40B4-BE49-F238E27FC236}">
+                <a16:creationId xmlns:a16="http://schemas.microsoft.com/office/drawing/2014/main" id="{F325E04E-A98F-5938-7A7D-CBCFBCF092F2}"/>
+              </a:ext>
+            </a:extLst>
+          </p:cNvPr>
+          <p:cNvPicPr>
+            <a:picLocks noChangeAspect="1"/>
+          </p:cNvPicPr>
+          <p:nvPr/>
+        </p:nvPicPr>
+        <p:blipFill>
+          <a:blip r:embed="rId2"/>
+          <a:stretch>
+            <a:fillRect/>
+          </a:stretch>
+        </p:blipFill>
+        <p:spPr>
+          <a:xfrm>
+            <a:off x="793112" y="828312"/>
+            <a:ext cx="10755226" cy="5201376"/>
+          </a:xfrm>
+          <a:prstGeom prst="rect">
+            <a:avLst/>
+          </a:prstGeom>
+        </p:spPr>
+      </p:pic>
+      <p:sp>
+        <p:nvSpPr>
+          <p:cNvPr id="10" name="TextBox 9">
+            <a:extLst>
+              <a:ext uri="{FF2B5EF4-FFF2-40B4-BE49-F238E27FC236}">
+                <a16:creationId xmlns:a16="http://schemas.microsoft.com/office/drawing/2014/main" id="{EF22394D-21D6-B76B-1747-EDAE4B71F6F4}"/>
+              </a:ext>
+            </a:extLst>
+          </p:cNvPr>
+          <p:cNvSpPr txBox="1"/>
+          <p:nvPr/>
+        </p:nvSpPr>
+        <p:spPr>
+          <a:xfrm>
+            <a:off x="8624426" y="597479"/>
+            <a:ext cx="2774462" cy="461665"/>
+          </a:xfrm>
+          <a:prstGeom prst="rect">
+            <a:avLst/>
+          </a:prstGeom>
+          <a:noFill/>
+        </p:spPr>
+        <p:txBody>
+          <a:bodyPr wrap="square" rtlCol="0">
+            <a:spAutoFit/>
+          </a:bodyPr>
+          <a:lstStyle/>
+          <a:p>
+            <a:r>
+              <a:rPr lang="en-GB" sz="2400" b="1" dirty="0">
+                <a:solidFill>
+                  <a:schemeClr val="accent2"/>
+                </a:solidFill>
+              </a:rPr>
+              <a:t>From Code files/1.</a:t>
+            </a:r>
+            <a:endParaRPr lang="en-SG" sz="2400" b="1" dirty="0">
+              <a:solidFill>
+                <a:schemeClr val="accent2"/>
+              </a:solidFill>
+            </a:endParaRPr>
+          </a:p>
+        </p:txBody>
+      </p:sp>
+    </p:spTree>
+    <p:extLst>
+      <p:ext uri="{BB962C8B-B14F-4D97-AF65-F5344CB8AC3E}">
+        <p14:creationId xmlns:p14="http://schemas.microsoft.com/office/powerpoint/2010/main" val="224038096"/>
+      </p:ext>
+    </p:extLst>
+  </p:cSld>
+  <p:clrMapOvr>
+    <a:masterClrMapping/>
+  </p:clrMapOvr>
+</p:sld>
+</file>
+
+<file path=ppt/slides/slide13.xml><?xml version="1.0" encoding="utf-8"?>
+<p:sld xmlns:a="http://schemas.openxmlformats.org/drawingml/2006/main" xmlns:r="http://schemas.openxmlformats.org/officeDocument/2006/relationships" xmlns:p="http://schemas.openxmlformats.org/presentationml/2006/main">
+  <p:cSld>
+    <p:spTree>
+      <p:nvGrpSpPr>
+        <p:cNvPr id="1" name=""/>
+        <p:cNvGrpSpPr/>
+        <p:nvPr/>
+      </p:nvGrpSpPr>
+      <p:grpSpPr>
+        <a:xfrm>
+          <a:off x="0" y="0"/>
+          <a:ext cx="0" cy="0"/>
+          <a:chOff x="0" y="0"/>
+          <a:chExt cx="0" cy="0"/>
+        </a:xfrm>
+      </p:grpSpPr>
+      <p:pic>
+        <p:nvPicPr>
+          <p:cNvPr id="3" name="Picture 2">
+            <a:extLst>
+              <a:ext uri="{FF2B5EF4-FFF2-40B4-BE49-F238E27FC236}">
+                <a16:creationId xmlns:a16="http://schemas.microsoft.com/office/drawing/2014/main" id="{E2FCD6EA-16CC-F0E7-AF2F-576B140686A9}"/>
+              </a:ext>
+            </a:extLst>
+          </p:cNvPr>
+          <p:cNvPicPr>
+            <a:picLocks noChangeAspect="1"/>
+          </p:cNvPicPr>
+          <p:nvPr/>
+        </p:nvPicPr>
+        <p:blipFill>
+          <a:blip r:embed="rId2"/>
+          <a:stretch>
+            <a:fillRect/>
+          </a:stretch>
+        </p:blipFill>
+        <p:spPr>
+          <a:xfrm>
+            <a:off x="665992" y="785443"/>
+            <a:ext cx="10860016" cy="5287113"/>
+          </a:xfrm>
+          <a:prstGeom prst="rect">
+            <a:avLst/>
+          </a:prstGeom>
+        </p:spPr>
+      </p:pic>
+    </p:spTree>
+    <p:extLst>
+      <p:ext uri="{BB962C8B-B14F-4D97-AF65-F5344CB8AC3E}">
+        <p14:creationId xmlns:p14="http://schemas.microsoft.com/office/powerpoint/2010/main" val="1129488317"/>
+      </p:ext>
+    </p:extLst>
+  </p:cSld>
+  <p:clrMapOvr>
+    <a:masterClrMapping/>
+  </p:clrMapOvr>
+</p:sld>
+</file>
+
+<file path=ppt/slides/slide14.xml><?xml version="1.0" encoding="utf-8"?>
+<p:sld xmlns:a="http://schemas.openxmlformats.org/drawingml/2006/main" xmlns:r="http://schemas.openxmlformats.org/officeDocument/2006/relationships" xmlns:p="http://schemas.openxmlformats.org/presentationml/2006/main">
+  <p:cSld>
+    <p:spTree>
+      <p:nvGrpSpPr>
+        <p:cNvPr id="1" name=""/>
+        <p:cNvGrpSpPr/>
+        <p:nvPr/>
+      </p:nvGrpSpPr>
+      <p:grpSpPr>
+        <a:xfrm>
+          <a:off x="0" y="0"/>
+          <a:ext cx="0" cy="0"/>
+          <a:chOff x="0" y="0"/>
+          <a:chExt cx="0" cy="0"/>
+        </a:xfrm>
+      </p:grpSpPr>
+      <p:pic>
+        <p:nvPicPr>
+          <p:cNvPr id="4" name="Picture 3">
+            <a:extLst>
+              <a:ext uri="{FF2B5EF4-FFF2-40B4-BE49-F238E27FC236}">
+                <a16:creationId xmlns:a16="http://schemas.microsoft.com/office/drawing/2014/main" id="{27301772-0E4B-2674-AD40-1BC6E8CAE6DD}"/>
+              </a:ext>
+            </a:extLst>
+          </p:cNvPr>
+          <p:cNvPicPr>
+            <a:picLocks noChangeAspect="1"/>
+          </p:cNvPicPr>
+          <p:nvPr/>
+        </p:nvPicPr>
+        <p:blipFill>
+          <a:blip r:embed="rId2"/>
+          <a:stretch>
+            <a:fillRect/>
+          </a:stretch>
+        </p:blipFill>
+        <p:spPr>
+          <a:xfrm>
+            <a:off x="0" y="1378652"/>
+            <a:ext cx="12192000" cy="4100695"/>
+          </a:xfrm>
+          <a:prstGeom prst="rect">
+            <a:avLst/>
+          </a:prstGeom>
+        </p:spPr>
+      </p:pic>
+      <p:pic>
+        <p:nvPicPr>
+          <p:cNvPr id="6" name="Picture 5">
+            <a:extLst>
+              <a:ext uri="{FF2B5EF4-FFF2-40B4-BE49-F238E27FC236}">
+                <a16:creationId xmlns:a16="http://schemas.microsoft.com/office/drawing/2014/main" id="{8355198D-A4BD-36D4-3969-C72488CDC76A}"/>
+              </a:ext>
+            </a:extLst>
+          </p:cNvPr>
+          <p:cNvPicPr>
+            <a:picLocks noChangeAspect="1"/>
+          </p:cNvPicPr>
+          <p:nvPr/>
+        </p:nvPicPr>
+        <p:blipFill>
+          <a:blip r:embed="rId3"/>
+          <a:stretch>
+            <a:fillRect/>
+          </a:stretch>
+        </p:blipFill>
+        <p:spPr>
+          <a:xfrm>
+            <a:off x="7182338" y="5244104"/>
+            <a:ext cx="2781688" cy="704948"/>
+          </a:xfrm>
+          <a:prstGeom prst="rect">
+            <a:avLst/>
+          </a:prstGeom>
+          <a:ln w="38100" cap="sq">
+            <a:solidFill>
+              <a:srgbClr val="000000"/>
+            </a:solidFill>
+            <a:prstDash val="solid"/>
+            <a:miter lim="800000"/>
+          </a:ln>
+          <a:effectLst>
+            <a:outerShdw blurRad="50800" dist="38100" dir="2700000" algn="tl" rotWithShape="0">
+              <a:srgbClr val="000000">
+                <a:alpha val="43000"/>
+              </a:srgbClr>
+            </a:outerShdw>
+          </a:effectLst>
+        </p:spPr>
+      </p:pic>
+    </p:spTree>
+    <p:extLst>
+      <p:ext uri="{BB962C8B-B14F-4D97-AF65-F5344CB8AC3E}">
+        <p14:creationId xmlns:p14="http://schemas.microsoft.com/office/powerpoint/2010/main" val="1383390466"/>
+      </p:ext>
+    </p:extLst>
+  </p:cSld>
+  <p:clrMapOvr>
+    <a:masterClrMapping/>
+  </p:clrMapOvr>
+</p:sld>
+</file>
+
+<file path=ppt/slides/slide15.xml><?xml version="1.0" encoding="utf-8"?>
+<p:sld xmlns:a="http://schemas.openxmlformats.org/drawingml/2006/main" xmlns:r="http://schemas.openxmlformats.org/officeDocument/2006/relationships" xmlns:p="http://schemas.openxmlformats.org/presentationml/2006/main">
+  <p:cSld>
+    <p:spTree>
+      <p:nvGrpSpPr>
+        <p:cNvPr id="1" name=""/>
+        <p:cNvGrpSpPr/>
+        <p:nvPr/>
+      </p:nvGrpSpPr>
+      <p:grpSpPr>
+        <a:xfrm>
+          <a:off x="0" y="0"/>
+          <a:ext cx="0" cy="0"/>
+          <a:chOff x="0" y="0"/>
+          <a:chExt cx="0" cy="0"/>
+        </a:xfrm>
+      </p:grpSpPr>
+      <p:sp>
+        <p:nvSpPr>
+          <p:cNvPr id="2" name="Title 1">
+            <a:extLst>
+              <a:ext uri="{FF2B5EF4-FFF2-40B4-BE49-F238E27FC236}">
+                <a16:creationId xmlns:a16="http://schemas.microsoft.com/office/drawing/2014/main" id="{5630C5AD-631A-816E-E90F-B0F1A25F56D9}"/>
+              </a:ext>
+            </a:extLst>
+          </p:cNvPr>
+          <p:cNvSpPr>
+            <a:spLocks noGrp="1"/>
+          </p:cNvSpPr>
+          <p:nvPr>
+            <p:ph type="title"/>
+          </p:nvPr>
+        </p:nvSpPr>
+        <p:spPr/>
+        <p:txBody>
+          <a:bodyPr/>
+          <a:lstStyle/>
+          <a:p>
+            <a:r>
+              <a:rPr lang="en-GB" dirty="0"/>
+              <a:t>Defining a token object</a:t>
+            </a:r>
+            <a:endParaRPr lang="en-SG" dirty="0"/>
+          </a:p>
+        </p:txBody>
+      </p:sp>
+      <p:sp>
+        <p:nvSpPr>
+          <p:cNvPr id="3" name="Content Placeholder 2">
+            <a:extLst>
+              <a:ext uri="{FF2B5EF4-FFF2-40B4-BE49-F238E27FC236}">
+                <a16:creationId xmlns:a16="http://schemas.microsoft.com/office/drawing/2014/main" id="{AEBE5F9A-A6C0-EBC4-74AC-E0BA5CAAFD08}"/>
+              </a:ext>
+            </a:extLst>
+          </p:cNvPr>
+          <p:cNvSpPr>
+            <a:spLocks noGrp="1"/>
+          </p:cNvSpPr>
+          <p:nvPr>
+            <p:ph idx="1"/>
+          </p:nvPr>
+        </p:nvSpPr>
+        <p:spPr>
+          <a:xfrm>
+            <a:off x="838200" y="1825624"/>
+            <a:ext cx="10515600" cy="5032375"/>
+          </a:xfrm>
+        </p:spPr>
+        <p:txBody>
+          <a:bodyPr>
+            <a:normAutofit/>
+          </a:bodyPr>
+          <a:lstStyle/>
+          <a:p>
+            <a:pPr marL="0" indent="0">
+              <a:buNone/>
+            </a:pPr>
+            <a:r>
+              <a:rPr lang="en-GB" dirty="0"/>
+              <a:t>So far,</a:t>
+            </a:r>
+          </a:p>
+          <a:p>
+            <a:r>
+              <a:rPr lang="en-GB" dirty="0"/>
+              <a:t>We have a function that reads source code from an external file and stores the code in a string.</a:t>
+            </a:r>
+          </a:p>
+          <a:p>
+            <a:r>
+              <a:rPr lang="en-GB" dirty="0"/>
+              <a:t>Later on, we will split this string of code using whitespaces and \n symbols as separators.</a:t>
+            </a:r>
+          </a:p>
+          <a:p>
+            <a:r>
+              <a:rPr lang="en-GB" dirty="0"/>
+              <a:t>It will decompose the source code string into </a:t>
+            </a:r>
+            <a:r>
+              <a:rPr lang="en-GB" b="1" dirty="0">
+                <a:solidFill>
+                  <a:srgbClr val="00B050"/>
+                </a:solidFill>
+              </a:rPr>
+              <a:t>lexemes</a:t>
+            </a:r>
+            <a:r>
+              <a:rPr lang="en-GB" dirty="0"/>
+              <a:t>, i.e. </a:t>
+            </a:r>
+            <a:r>
+              <a:rPr lang="en-GB" b="1" dirty="0"/>
+              <a:t>substrings of the source code corresponding to the different elements of the source code</a:t>
+            </a:r>
+            <a:r>
+              <a:rPr lang="en-GB" dirty="0"/>
+              <a:t>, which later need to be classified as keywords, identifiers, literals, operators or punctuation.</a:t>
+            </a:r>
+          </a:p>
+        </p:txBody>
+      </p:sp>
+      <p:sp>
+        <p:nvSpPr>
+          <p:cNvPr id="5" name="TextBox 4">
+            <a:extLst>
+              <a:ext uri="{FF2B5EF4-FFF2-40B4-BE49-F238E27FC236}">
+                <a16:creationId xmlns:a16="http://schemas.microsoft.com/office/drawing/2014/main" id="{E55195C1-C277-6772-03BA-2AFD35DF5DCF}"/>
+              </a:ext>
+            </a:extLst>
+          </p:cNvPr>
+          <p:cNvSpPr txBox="1"/>
+          <p:nvPr/>
+        </p:nvSpPr>
+        <p:spPr>
+          <a:xfrm>
+            <a:off x="2135554" y="6066637"/>
+            <a:ext cx="1998785" cy="461665"/>
+          </a:xfrm>
+          <a:prstGeom prst="rect">
+            <a:avLst/>
+          </a:prstGeom>
+          <a:noFill/>
+        </p:spPr>
+        <p:txBody>
+          <a:bodyPr wrap="square">
+            <a:spAutoFit/>
+          </a:bodyPr>
+          <a:lstStyle/>
+          <a:p>
+            <a:pPr marL="0" indent="0">
+              <a:buNone/>
+            </a:pPr>
+            <a:r>
+              <a:rPr lang="en-GB" sz="2400" i="1" dirty="0"/>
+              <a:t>int x = 1023 ;</a:t>
+            </a:r>
+          </a:p>
+        </p:txBody>
+      </p:sp>
+      <p:sp>
+        <p:nvSpPr>
+          <p:cNvPr id="6" name="TextBox 5">
+            <a:extLst>
+              <a:ext uri="{FF2B5EF4-FFF2-40B4-BE49-F238E27FC236}">
+                <a16:creationId xmlns:a16="http://schemas.microsoft.com/office/drawing/2014/main" id="{06D872D8-B04C-608E-9714-826A21CA86C3}"/>
+              </a:ext>
+            </a:extLst>
+          </p:cNvPr>
+          <p:cNvSpPr txBox="1"/>
+          <p:nvPr/>
+        </p:nvSpPr>
+        <p:spPr>
+          <a:xfrm>
+            <a:off x="5828324" y="6068536"/>
+            <a:ext cx="4458678" cy="461665"/>
+          </a:xfrm>
+          <a:prstGeom prst="rect">
+            <a:avLst/>
+          </a:prstGeom>
+          <a:noFill/>
+        </p:spPr>
+        <p:txBody>
+          <a:bodyPr wrap="square">
+            <a:spAutoFit/>
+          </a:bodyPr>
+          <a:lstStyle/>
+          <a:p>
+            <a:pPr marL="0" indent="0" algn="r">
+              <a:buNone/>
+            </a:pPr>
+            <a:r>
+              <a:rPr lang="en-GB" sz="2400" i="1" dirty="0"/>
+              <a:t>“int”, “x”, “=“, “1023”, “;”</a:t>
+            </a:r>
+          </a:p>
+        </p:txBody>
+      </p:sp>
+      <p:cxnSp>
+        <p:nvCxnSpPr>
+          <p:cNvPr id="8" name="Straight Arrow Connector 7">
+            <a:extLst>
+              <a:ext uri="{FF2B5EF4-FFF2-40B4-BE49-F238E27FC236}">
+                <a16:creationId xmlns:a16="http://schemas.microsoft.com/office/drawing/2014/main" id="{1AA781B3-B820-279A-609F-6AE4B91401C2}"/>
+              </a:ext>
+            </a:extLst>
+          </p:cNvPr>
+          <p:cNvCxnSpPr>
+            <a:stCxn id="5" idx="3"/>
+          </p:cNvCxnSpPr>
+          <p:nvPr/>
+        </p:nvCxnSpPr>
+        <p:spPr>
+          <a:xfrm flipV="1">
+            <a:off x="4134339" y="6297469"/>
+            <a:ext cx="2547815" cy="1"/>
+          </a:xfrm>
+          <a:prstGeom prst="straightConnector1">
+            <a:avLst/>
+          </a:prstGeom>
+          <a:ln w="38100">
+            <a:headEnd type="none" w="med" len="med"/>
+            <a:tailEnd type="arrow" w="med" len="med"/>
+          </a:ln>
+        </p:spPr>
+        <p:style>
+          <a:lnRef idx="1">
+            <a:schemeClr val="dk1"/>
+          </a:lnRef>
+          <a:fillRef idx="0">
+            <a:schemeClr val="dk1"/>
+          </a:fillRef>
+          <a:effectRef idx="0">
+            <a:schemeClr val="dk1"/>
+          </a:effectRef>
+          <a:fontRef idx="minor">
+            <a:schemeClr val="tx1"/>
+          </a:fontRef>
+        </p:style>
+      </p:cxnSp>
+    </p:spTree>
+    <p:extLst>
+      <p:ext uri="{BB962C8B-B14F-4D97-AF65-F5344CB8AC3E}">
+        <p14:creationId xmlns:p14="http://schemas.microsoft.com/office/powerpoint/2010/main" val="1602756966"/>
+      </p:ext>
+    </p:extLst>
+  </p:cSld>
+  <p:clrMapOvr>
+    <a:masterClrMapping/>
+  </p:clrMapOvr>
+</p:sld>
+</file>
+
+<file path=ppt/slides/slide16.xml><?xml version="1.0" encoding="utf-8"?>
+<p:sld xmlns:a="http://schemas.openxmlformats.org/drawingml/2006/main" xmlns:r="http://schemas.openxmlformats.org/officeDocument/2006/relationships" xmlns:p="http://schemas.openxmlformats.org/presentationml/2006/main">
+  <p:cSld>
+    <p:spTree>
+      <p:nvGrpSpPr>
+        <p:cNvPr id="1" name=""/>
+        <p:cNvGrpSpPr/>
+        <p:nvPr/>
+      </p:nvGrpSpPr>
+      <p:grpSpPr>
+        <a:xfrm>
+          <a:off x="0" y="0"/>
+          <a:ext cx="0" cy="0"/>
+          <a:chOff x="0" y="0"/>
+          <a:chExt cx="0" cy="0"/>
+        </a:xfrm>
+      </p:grpSpPr>
+      <p:sp>
+        <p:nvSpPr>
+          <p:cNvPr id="2" name="Title 1">
+            <a:extLst>
+              <a:ext uri="{FF2B5EF4-FFF2-40B4-BE49-F238E27FC236}">
+                <a16:creationId xmlns:a16="http://schemas.microsoft.com/office/drawing/2014/main" id="{5630C5AD-631A-816E-E90F-B0F1A25F56D9}"/>
+              </a:ext>
+            </a:extLst>
+          </p:cNvPr>
+          <p:cNvSpPr>
+            <a:spLocks noGrp="1"/>
+          </p:cNvSpPr>
+          <p:nvPr>
+            <p:ph type="title"/>
+          </p:nvPr>
+        </p:nvSpPr>
+        <p:spPr/>
+        <p:txBody>
+          <a:bodyPr/>
+          <a:lstStyle/>
+          <a:p>
+            <a:r>
+              <a:rPr lang="en-GB" dirty="0"/>
+              <a:t>Defining a token object</a:t>
+            </a:r>
+            <a:endParaRPr lang="en-SG" dirty="0"/>
+          </a:p>
+        </p:txBody>
+      </p:sp>
+      <p:sp>
+        <p:nvSpPr>
+          <p:cNvPr id="3" name="Content Placeholder 2">
+            <a:extLst>
+              <a:ext uri="{FF2B5EF4-FFF2-40B4-BE49-F238E27FC236}">
+                <a16:creationId xmlns:a16="http://schemas.microsoft.com/office/drawing/2014/main" id="{AEBE5F9A-A6C0-EBC4-74AC-E0BA5CAAFD08}"/>
+              </a:ext>
+            </a:extLst>
+          </p:cNvPr>
+          <p:cNvSpPr>
+            <a:spLocks noGrp="1"/>
+          </p:cNvSpPr>
+          <p:nvPr>
+            <p:ph idx="1"/>
+          </p:nvPr>
+        </p:nvSpPr>
+        <p:spPr>
+          <a:xfrm>
+            <a:off x="838200" y="1825624"/>
+            <a:ext cx="10515600" cy="5032375"/>
+          </a:xfrm>
+        </p:spPr>
+        <p:txBody>
+          <a:bodyPr>
+            <a:normAutofit/>
+          </a:bodyPr>
+          <a:lstStyle/>
+          <a:p>
+            <a:pPr marL="0" indent="0">
+              <a:buNone/>
+            </a:pPr>
+            <a:r>
+              <a:rPr lang="en-GB" dirty="0"/>
+              <a:t>Speaking of, we need to define Token Types (keyword, operators, etc.)</a:t>
+            </a:r>
+          </a:p>
+          <a:p>
+            <a:r>
+              <a:rPr lang="en-GB" dirty="0"/>
+              <a:t>For simplicity, use an enumeration for different token types and list them with explicit names, in order.</a:t>
+            </a:r>
+          </a:p>
+          <a:p>
+            <a:r>
+              <a:rPr lang="en-GB" dirty="0"/>
+              <a:t>Start simple, with KEWORD, IDENTIFIER, NUMBER, OPERATOR and UNKNOWN Token Types.</a:t>
+            </a:r>
+          </a:p>
+        </p:txBody>
+      </p:sp>
+      <p:sp>
+        <p:nvSpPr>
+          <p:cNvPr id="4" name="TextBox 3">
+            <a:extLst>
+              <a:ext uri="{FF2B5EF4-FFF2-40B4-BE49-F238E27FC236}">
+                <a16:creationId xmlns:a16="http://schemas.microsoft.com/office/drawing/2014/main" id="{2C883E62-75C0-DAC1-4DB7-92C24456469E}"/>
+              </a:ext>
+            </a:extLst>
+          </p:cNvPr>
+          <p:cNvSpPr txBox="1"/>
+          <p:nvPr/>
+        </p:nvSpPr>
+        <p:spPr>
+          <a:xfrm>
+            <a:off x="0" y="4966567"/>
+            <a:ext cx="4458678" cy="461665"/>
+          </a:xfrm>
+          <a:prstGeom prst="rect">
+            <a:avLst/>
+          </a:prstGeom>
+          <a:noFill/>
+        </p:spPr>
+        <p:txBody>
+          <a:bodyPr wrap="square">
+            <a:spAutoFit/>
+          </a:bodyPr>
+          <a:lstStyle/>
+          <a:p>
+            <a:pPr marL="0" indent="0" algn="r">
+              <a:buNone/>
+            </a:pPr>
+            <a:r>
+              <a:rPr lang="en-GB" sz="2400" i="1" dirty="0"/>
+              <a:t>“int”, “x”, “=“, “1023”, “;”</a:t>
+            </a:r>
+          </a:p>
+        </p:txBody>
+      </p:sp>
+      <p:cxnSp>
+        <p:nvCxnSpPr>
+          <p:cNvPr id="5" name="Straight Arrow Connector 4">
+            <a:extLst>
+              <a:ext uri="{FF2B5EF4-FFF2-40B4-BE49-F238E27FC236}">
+                <a16:creationId xmlns:a16="http://schemas.microsoft.com/office/drawing/2014/main" id="{9FA1DBC3-972C-91C4-4F67-5A6DE8A4EF34}"/>
+              </a:ext>
+            </a:extLst>
+          </p:cNvPr>
+          <p:cNvCxnSpPr>
+            <a:cxnSpLocks/>
+          </p:cNvCxnSpPr>
+          <p:nvPr/>
+        </p:nvCxnSpPr>
+        <p:spPr>
+          <a:xfrm>
+            <a:off x="4611078" y="5197400"/>
+            <a:ext cx="1602153" cy="0"/>
+          </a:xfrm>
+          <a:prstGeom prst="straightConnector1">
+            <a:avLst/>
+          </a:prstGeom>
+          <a:ln w="38100">
+            <a:headEnd type="none" w="med" len="med"/>
+            <a:tailEnd type="arrow" w="med" len="med"/>
+          </a:ln>
+        </p:spPr>
+        <p:style>
+          <a:lnRef idx="1">
+            <a:schemeClr val="dk1"/>
+          </a:lnRef>
+          <a:fillRef idx="0">
+            <a:schemeClr val="dk1"/>
+          </a:fillRef>
+          <a:effectRef idx="0">
+            <a:schemeClr val="dk1"/>
+          </a:effectRef>
+          <a:fontRef idx="minor">
+            <a:schemeClr val="tx1"/>
+          </a:fontRef>
+        </p:style>
+      </p:cxnSp>
+      <p:sp>
+        <p:nvSpPr>
+          <p:cNvPr id="6" name="TextBox 5">
+            <a:extLst>
+              <a:ext uri="{FF2B5EF4-FFF2-40B4-BE49-F238E27FC236}">
+                <a16:creationId xmlns:a16="http://schemas.microsoft.com/office/drawing/2014/main" id="{0945E3A2-E470-87E2-DA54-9E4DE46E3675}"/>
+              </a:ext>
+            </a:extLst>
+          </p:cNvPr>
+          <p:cNvSpPr txBox="1"/>
+          <p:nvPr/>
+        </p:nvSpPr>
+        <p:spPr>
+          <a:xfrm>
+            <a:off x="6096000" y="4274906"/>
+            <a:ext cx="4458678" cy="1938992"/>
+          </a:xfrm>
+          <a:prstGeom prst="rect">
+            <a:avLst/>
+          </a:prstGeom>
+          <a:noFill/>
+        </p:spPr>
+        <p:txBody>
+          <a:bodyPr wrap="square">
+            <a:spAutoFit/>
+          </a:bodyPr>
+          <a:lstStyle/>
+          <a:p>
+            <a:pPr marL="0" indent="0" algn="r">
+              <a:buNone/>
+            </a:pPr>
+            <a:r>
+              <a:rPr lang="en-GB" sz="2400" i="1" dirty="0"/>
+              <a:t>TOKEN(KEYWORD_INT, “int”),</a:t>
+            </a:r>
+            <a:br>
+              <a:rPr lang="en-GB" sz="2400" i="1" dirty="0"/>
+            </a:br>
+            <a:r>
+              <a:rPr lang="en-GB" sz="2400" i="1" dirty="0"/>
+              <a:t>TOKEN(IDENTIFIER, “x” ),</a:t>
+            </a:r>
+            <a:br>
+              <a:rPr lang="en-GB" sz="2400" i="1" dirty="0"/>
+            </a:br>
+            <a:r>
+              <a:rPr lang="en-GB" sz="2400" i="1" dirty="0"/>
+              <a:t>TOKEN(OPERATOR_ASSIGN, “=“),</a:t>
+            </a:r>
+            <a:br>
+              <a:rPr lang="en-GB" sz="2400" i="1" dirty="0"/>
+            </a:br>
+            <a:r>
+              <a:rPr lang="en-GB" sz="2400" i="1" dirty="0"/>
+              <a:t>TOKEN(LITERAL_INT, “1023” ),</a:t>
+            </a:r>
+            <a:br>
+              <a:rPr lang="en-GB" sz="2400" i="1" dirty="0"/>
+            </a:br>
+            <a:r>
+              <a:rPr lang="en-GB" sz="2400" i="1" dirty="0"/>
+              <a:t>TOKEN(END_OF_LINE, “;” )</a:t>
+            </a:r>
+          </a:p>
+        </p:txBody>
+      </p:sp>
+    </p:spTree>
+    <p:extLst>
+      <p:ext uri="{BB962C8B-B14F-4D97-AF65-F5344CB8AC3E}">
+        <p14:creationId xmlns:p14="http://schemas.microsoft.com/office/powerpoint/2010/main" val="1158748637"/>
+      </p:ext>
+    </p:extLst>
+  </p:cSld>
+  <p:clrMapOvr>
+    <a:masterClrMapping/>
+  </p:clrMapOvr>
+</p:sld>
+</file>
+
+<file path=ppt/slides/slide17.xml><?xml version="1.0" encoding="utf-8"?>
+<p:sld xmlns:a="http://schemas.openxmlformats.org/drawingml/2006/main" xmlns:r="http://schemas.openxmlformats.org/officeDocument/2006/relationships" xmlns:p="http://schemas.openxmlformats.org/presentationml/2006/main">
+  <p:cSld>
+    <p:spTree>
+      <p:nvGrpSpPr>
+        <p:cNvPr id="1" name=""/>
+        <p:cNvGrpSpPr/>
+        <p:nvPr/>
+      </p:nvGrpSpPr>
+      <p:grpSpPr>
+        <a:xfrm>
+          <a:off x="0" y="0"/>
+          <a:ext cx="0" cy="0"/>
+          <a:chOff x="0" y="0"/>
+          <a:chExt cx="0" cy="0"/>
+        </a:xfrm>
+      </p:grpSpPr>
+      <p:pic>
+        <p:nvPicPr>
+          <p:cNvPr id="5" name="Picture 4">
+            <a:extLst>
+              <a:ext uri="{FF2B5EF4-FFF2-40B4-BE49-F238E27FC236}">
+                <a16:creationId xmlns:a16="http://schemas.microsoft.com/office/drawing/2014/main" id="{CC6A9459-50B1-B6BA-41F3-6981EAB548CA}"/>
+              </a:ext>
+            </a:extLst>
+          </p:cNvPr>
+          <p:cNvPicPr>
+            <a:picLocks noChangeAspect="1"/>
+          </p:cNvPicPr>
+          <p:nvPr/>
+        </p:nvPicPr>
+        <p:blipFill>
+          <a:blip r:embed="rId2"/>
+          <a:stretch>
+            <a:fillRect/>
+          </a:stretch>
+        </p:blipFill>
+        <p:spPr>
+          <a:xfrm>
+            <a:off x="0" y="1480311"/>
+            <a:ext cx="12192000" cy="3897378"/>
+          </a:xfrm>
+          <a:prstGeom prst="rect">
+            <a:avLst/>
+          </a:prstGeom>
+        </p:spPr>
+      </p:pic>
+      <p:sp>
+        <p:nvSpPr>
+          <p:cNvPr id="6" name="TextBox 5">
+            <a:extLst>
+              <a:ext uri="{FF2B5EF4-FFF2-40B4-BE49-F238E27FC236}">
+                <a16:creationId xmlns:a16="http://schemas.microsoft.com/office/drawing/2014/main" id="{34F012A9-BAC1-A811-295B-002327087994}"/>
+              </a:ext>
+            </a:extLst>
+          </p:cNvPr>
+          <p:cNvSpPr txBox="1"/>
+          <p:nvPr/>
+        </p:nvSpPr>
+        <p:spPr>
+          <a:xfrm>
+            <a:off x="8624426" y="597479"/>
+            <a:ext cx="2774462" cy="461665"/>
+          </a:xfrm>
+          <a:prstGeom prst="rect">
+            <a:avLst/>
+          </a:prstGeom>
+          <a:noFill/>
+        </p:spPr>
+        <p:txBody>
+          <a:bodyPr wrap="square" rtlCol="0">
+            <a:spAutoFit/>
+          </a:bodyPr>
+          <a:lstStyle/>
+          <a:p>
+            <a:r>
+              <a:rPr lang="en-GB" sz="2400" b="1" dirty="0">
+                <a:solidFill>
+                  <a:schemeClr val="accent2"/>
+                </a:solidFill>
+              </a:rPr>
+              <a:t>From Code files/2.</a:t>
+            </a:r>
+            <a:endParaRPr lang="en-SG" sz="2400" b="1" dirty="0">
+              <a:solidFill>
+                <a:schemeClr val="accent2"/>
+              </a:solidFill>
+            </a:endParaRPr>
+          </a:p>
+        </p:txBody>
+      </p:sp>
+    </p:spTree>
+    <p:extLst>
+      <p:ext uri="{BB962C8B-B14F-4D97-AF65-F5344CB8AC3E}">
+        <p14:creationId xmlns:p14="http://schemas.microsoft.com/office/powerpoint/2010/main" val="1808429987"/>
+      </p:ext>
+    </p:extLst>
+  </p:cSld>
+  <p:clrMapOvr>
+    <a:masterClrMapping/>
+  </p:clrMapOvr>
+</p:sld>
+</file>
+
+<file path=ppt/slides/slide18.xml><?xml version="1.0" encoding="utf-8"?>
+<p:sld xmlns:a="http://schemas.openxmlformats.org/drawingml/2006/main" xmlns:r="http://schemas.openxmlformats.org/officeDocument/2006/relationships" xmlns:p="http://schemas.openxmlformats.org/presentationml/2006/main">
+  <p:cSld>
+    <p:spTree>
+      <p:nvGrpSpPr>
+        <p:cNvPr id="1" name=""/>
+        <p:cNvGrpSpPr/>
+        <p:nvPr/>
+      </p:nvGrpSpPr>
+      <p:grpSpPr>
+        <a:xfrm>
+          <a:off x="0" y="0"/>
+          <a:ext cx="0" cy="0"/>
+          <a:chOff x="0" y="0"/>
+          <a:chExt cx="0" cy="0"/>
+        </a:xfrm>
+      </p:grpSpPr>
+      <p:sp>
+        <p:nvSpPr>
+          <p:cNvPr id="2" name="Title 1">
+            <a:extLst>
+              <a:ext uri="{FF2B5EF4-FFF2-40B4-BE49-F238E27FC236}">
+                <a16:creationId xmlns:a16="http://schemas.microsoft.com/office/drawing/2014/main" id="{5630C5AD-631A-816E-E90F-B0F1A25F56D9}"/>
+              </a:ext>
+            </a:extLst>
+          </p:cNvPr>
+          <p:cNvSpPr>
+            <a:spLocks noGrp="1"/>
+          </p:cNvSpPr>
+          <p:nvPr>
+            <p:ph type="title"/>
+          </p:nvPr>
+        </p:nvSpPr>
+        <p:spPr/>
+        <p:txBody>
+          <a:bodyPr/>
+          <a:lstStyle/>
+          <a:p>
+            <a:r>
+              <a:rPr lang="en-GB" dirty="0"/>
+              <a:t>Defining a token object</a:t>
+            </a:r>
+            <a:endParaRPr lang="en-SG" dirty="0"/>
+          </a:p>
+        </p:txBody>
+      </p:sp>
+      <p:sp>
+        <p:nvSpPr>
+          <p:cNvPr id="3" name="Content Placeholder 2">
+            <a:extLst>
+              <a:ext uri="{FF2B5EF4-FFF2-40B4-BE49-F238E27FC236}">
+                <a16:creationId xmlns:a16="http://schemas.microsoft.com/office/drawing/2014/main" id="{AEBE5F9A-A6C0-EBC4-74AC-E0BA5CAAFD08}"/>
               </a:ext>
             </a:extLst>
           </p:cNvPr>
@@ -15402,13 +17680,2708 @@
         </p:nvSpPr>
         <p:spPr/>
         <p:txBody>
+          <a:bodyPr>
+            <a:normAutofit/>
+          </a:bodyPr>
+          <a:lstStyle/>
+          <a:p>
+            <a:pPr marL="0" indent="0">
+              <a:buNone/>
+            </a:pPr>
+            <a:r>
+              <a:rPr lang="en-GB" dirty="0"/>
+              <a:t>Then, we need to define Token object.</a:t>
+            </a:r>
+          </a:p>
+          <a:p>
+            <a:r>
+              <a:rPr lang="en-GB" dirty="0"/>
+              <a:t>For simplicity, let us define a struct Token.</a:t>
+            </a:r>
+          </a:p>
+          <a:p>
+            <a:r>
+              <a:rPr lang="en-GB" dirty="0"/>
+              <a:t>It will hold the token type and the lexeme for each of the substrings we have defined after the split.</a:t>
+            </a:r>
+          </a:p>
+          <a:p>
+            <a:r>
+              <a:rPr lang="en-GB" dirty="0"/>
+              <a:t>For good practice we will also define a constructor function </a:t>
+            </a:r>
+            <a:r>
+              <a:rPr lang="en-GB" i="1" dirty="0" err="1"/>
+              <a:t>create_token</a:t>
+            </a:r>
+            <a:r>
+              <a:rPr lang="en-GB" i="1" dirty="0"/>
+              <a:t>() </a:t>
+            </a:r>
+            <a:r>
+              <a:rPr lang="en-GB" dirty="0"/>
+              <a:t>and a destructor function </a:t>
+            </a:r>
+            <a:r>
+              <a:rPr lang="en-GB" i="1" dirty="0" err="1"/>
+              <a:t>free_token</a:t>
+            </a:r>
+            <a:r>
+              <a:rPr lang="en-GB" i="1" dirty="0"/>
+              <a:t>() </a:t>
+            </a:r>
+            <a:r>
+              <a:rPr lang="en-GB" dirty="0"/>
+              <a:t>for these </a:t>
+            </a:r>
+            <a:r>
+              <a:rPr lang="en-GB" dirty="0" err="1"/>
+              <a:t>TokenType</a:t>
+            </a:r>
+            <a:r>
+              <a:rPr lang="en-GB" dirty="0"/>
+              <a:t> variables.</a:t>
+            </a:r>
+          </a:p>
+        </p:txBody>
+      </p:sp>
+    </p:spTree>
+    <p:extLst>
+      <p:ext uri="{BB962C8B-B14F-4D97-AF65-F5344CB8AC3E}">
+        <p14:creationId xmlns:p14="http://schemas.microsoft.com/office/powerpoint/2010/main" val="1582022426"/>
+      </p:ext>
+    </p:extLst>
+  </p:cSld>
+  <p:clrMapOvr>
+    <a:masterClrMapping/>
+  </p:clrMapOvr>
+</p:sld>
+</file>
+
+<file path=ppt/slides/slide19.xml><?xml version="1.0" encoding="utf-8"?>
+<p:sld xmlns:a="http://schemas.openxmlformats.org/drawingml/2006/main" xmlns:r="http://schemas.openxmlformats.org/officeDocument/2006/relationships" xmlns:p="http://schemas.openxmlformats.org/presentationml/2006/main">
+  <p:cSld>
+    <p:spTree>
+      <p:nvGrpSpPr>
+        <p:cNvPr id="1" name=""/>
+        <p:cNvGrpSpPr/>
+        <p:nvPr/>
+      </p:nvGrpSpPr>
+      <p:grpSpPr>
+        <a:xfrm>
+          <a:off x="0" y="0"/>
+          <a:ext cx="0" cy="0"/>
+          <a:chOff x="0" y="0"/>
+          <a:chExt cx="0" cy="0"/>
+        </a:xfrm>
+      </p:grpSpPr>
+      <p:pic>
+        <p:nvPicPr>
+          <p:cNvPr id="5" name="Picture 4">
+            <a:extLst>
+              <a:ext uri="{FF2B5EF4-FFF2-40B4-BE49-F238E27FC236}">
+                <a16:creationId xmlns:a16="http://schemas.microsoft.com/office/drawing/2014/main" id="{8E4B50B8-F722-65BE-56D2-7122C7EAB56C}"/>
+              </a:ext>
+            </a:extLst>
+          </p:cNvPr>
+          <p:cNvPicPr>
+            <a:picLocks noChangeAspect="1"/>
+          </p:cNvPicPr>
+          <p:nvPr/>
+        </p:nvPicPr>
+        <p:blipFill>
+          <a:blip r:embed="rId2"/>
+          <a:stretch>
+            <a:fillRect/>
+          </a:stretch>
+        </p:blipFill>
+        <p:spPr>
+          <a:xfrm>
+            <a:off x="1747230" y="604443"/>
+            <a:ext cx="8697539" cy="5649113"/>
+          </a:xfrm>
+          <a:prstGeom prst="rect">
+            <a:avLst/>
+          </a:prstGeom>
+        </p:spPr>
+      </p:pic>
+    </p:spTree>
+    <p:extLst>
+      <p:ext uri="{BB962C8B-B14F-4D97-AF65-F5344CB8AC3E}">
+        <p14:creationId xmlns:p14="http://schemas.microsoft.com/office/powerpoint/2010/main" val="508583681"/>
+      </p:ext>
+    </p:extLst>
+  </p:cSld>
+  <p:clrMapOvr>
+    <a:masterClrMapping/>
+  </p:clrMapOvr>
+</p:sld>
+</file>
+
+<file path=ppt/slides/slide2.xml><?xml version="1.0" encoding="utf-8"?>
+<p:sld xmlns:a="http://schemas.openxmlformats.org/drawingml/2006/main" xmlns:r="http://schemas.openxmlformats.org/officeDocument/2006/relationships" xmlns:p="http://schemas.openxmlformats.org/presentationml/2006/main">
+  <p:cSld>
+    <p:spTree>
+      <p:nvGrpSpPr>
+        <p:cNvPr id="1" name=""/>
+        <p:cNvGrpSpPr/>
+        <p:nvPr/>
+      </p:nvGrpSpPr>
+      <p:grpSpPr>
+        <a:xfrm>
+          <a:off x="0" y="0"/>
+          <a:ext cx="0" cy="0"/>
+          <a:chOff x="0" y="0"/>
+          <a:chExt cx="0" cy="0"/>
+        </a:xfrm>
+      </p:grpSpPr>
+      <p:sp>
+        <p:nvSpPr>
+          <p:cNvPr id="2" name="Title 1">
+            <a:extLst>
+              <a:ext uri="{FF2B5EF4-FFF2-40B4-BE49-F238E27FC236}">
+                <a16:creationId xmlns:a16="http://schemas.microsoft.com/office/drawing/2014/main" id="{87657C29-1A3B-9090-2528-30E69AB94051}"/>
+              </a:ext>
+            </a:extLst>
+          </p:cNvPr>
+          <p:cNvSpPr>
+            <a:spLocks noGrp="1"/>
+          </p:cNvSpPr>
+          <p:nvPr>
+            <p:ph type="title"/>
+          </p:nvPr>
+        </p:nvSpPr>
+        <p:spPr/>
+        <p:txBody>
           <a:bodyPr/>
           <a:lstStyle/>
           <a:p>
-            <a:endParaRPr lang="en-SG"/>
+            <a:r>
+              <a:rPr lang="en-GB" dirty="0"/>
+              <a:t>The front-end of a compiler</a:t>
+            </a:r>
+            <a:endParaRPr lang="en-SG" dirty="0"/>
           </a:p>
         </p:txBody>
       </p:sp>
+      <p:sp>
+        <p:nvSpPr>
+          <p:cNvPr id="5" name="Content Placeholder 4">
+            <a:extLst>
+              <a:ext uri="{FF2B5EF4-FFF2-40B4-BE49-F238E27FC236}">
+                <a16:creationId xmlns:a16="http://schemas.microsoft.com/office/drawing/2014/main" id="{2B13EA12-F42E-A14F-570D-C7B3FB0BA678}"/>
+              </a:ext>
+            </a:extLst>
+          </p:cNvPr>
+          <p:cNvSpPr>
+            <a:spLocks noGrp="1"/>
+          </p:cNvSpPr>
+          <p:nvPr>
+            <p:ph sz="half" idx="1"/>
+          </p:nvPr>
+        </p:nvSpPr>
+        <p:spPr>
+          <a:xfrm>
+            <a:off x="838200" y="1825624"/>
+            <a:ext cx="5181600" cy="5032375"/>
+          </a:xfrm>
+        </p:spPr>
+        <p:txBody>
+          <a:bodyPr>
+            <a:normAutofit/>
+          </a:bodyPr>
+          <a:lstStyle/>
+          <a:p>
+            <a:pPr marL="0" indent="0">
+              <a:buNone/>
+            </a:pPr>
+            <a:r>
+              <a:rPr lang="en-GB" b="1" dirty="0"/>
+              <a:t>Definition (The front-end part of a compiler):</a:t>
+            </a:r>
+          </a:p>
+          <a:p>
+            <a:pPr marL="0" indent="0">
+              <a:buNone/>
+            </a:pPr>
+            <a:r>
+              <a:rPr lang="en-GB" dirty="0"/>
+              <a:t>The </a:t>
+            </a:r>
+            <a:r>
+              <a:rPr lang="en-GB" b="1" dirty="0"/>
+              <a:t>front-end of a compiler </a:t>
+            </a:r>
+            <a:r>
+              <a:rPr lang="en-GB" dirty="0"/>
+              <a:t>is responsible for analysing the source code, and converting it into a form that can be used by the rest of the compiler.</a:t>
+            </a:r>
+          </a:p>
+          <a:p>
+            <a:pPr marL="0" indent="0">
+              <a:buNone/>
+            </a:pPr>
+            <a:r>
+              <a:rPr lang="en-GB" dirty="0"/>
+              <a:t>It involves tasks, such as:</a:t>
+            </a:r>
+          </a:p>
+          <a:p>
+            <a:r>
+              <a:rPr lang="en-GB" b="1" dirty="0"/>
+              <a:t>Lexical analysis</a:t>
+            </a:r>
+            <a:r>
+              <a:rPr lang="en-GB" dirty="0"/>
+              <a:t>,</a:t>
+            </a:r>
+          </a:p>
+          <a:p>
+            <a:r>
+              <a:rPr lang="en-GB" b="1" dirty="0"/>
+              <a:t>Syntax analysis</a:t>
+            </a:r>
+            <a:r>
+              <a:rPr lang="en-GB" dirty="0"/>
+              <a:t>,</a:t>
+            </a:r>
+          </a:p>
+          <a:p>
+            <a:r>
+              <a:rPr lang="en-GB" dirty="0"/>
+              <a:t>and </a:t>
+            </a:r>
+            <a:r>
+              <a:rPr lang="en-GB" b="1" dirty="0"/>
+              <a:t>Semantic analysis</a:t>
+            </a:r>
+            <a:r>
+              <a:rPr lang="en-GB" dirty="0"/>
+              <a:t>. </a:t>
+            </a:r>
+            <a:endParaRPr lang="en-SG" dirty="0"/>
+          </a:p>
+        </p:txBody>
+      </p:sp>
+      <p:pic>
+        <p:nvPicPr>
+          <p:cNvPr id="7" name="Picture 6" descr="Graphical user interface, text, application, chat or text message&#10;&#10;Description automatically generated">
+            <a:extLst>
+              <a:ext uri="{FF2B5EF4-FFF2-40B4-BE49-F238E27FC236}">
+                <a16:creationId xmlns:a16="http://schemas.microsoft.com/office/drawing/2014/main" id="{8D7AE188-3FCF-9638-BCBC-D80FAEB83789}"/>
+              </a:ext>
+            </a:extLst>
+          </p:cNvPr>
+          <p:cNvPicPr>
+            <a:picLocks noChangeAspect="1"/>
+          </p:cNvPicPr>
+          <p:nvPr/>
+        </p:nvPicPr>
+        <p:blipFill>
+          <a:blip r:embed="rId2">
+            <a:extLst>
+              <a:ext uri="{28A0092B-C50C-407E-A947-70E740481C1C}">
+                <a14:useLocalDpi xmlns:a14="http://schemas.microsoft.com/office/drawing/2010/main" val="0"/>
+              </a:ext>
+            </a:extLst>
+          </a:blip>
+          <a:stretch>
+            <a:fillRect/>
+          </a:stretch>
+        </p:blipFill>
+        <p:spPr>
+          <a:xfrm>
+            <a:off x="6590219" y="1547446"/>
+            <a:ext cx="5154106" cy="5310554"/>
+          </a:xfrm>
+          <a:prstGeom prst="rect">
+            <a:avLst/>
+          </a:prstGeom>
+        </p:spPr>
+      </p:pic>
+    </p:spTree>
+    <p:extLst>
+      <p:ext uri="{BB962C8B-B14F-4D97-AF65-F5344CB8AC3E}">
+        <p14:creationId xmlns:p14="http://schemas.microsoft.com/office/powerpoint/2010/main" val="1813455260"/>
+      </p:ext>
+    </p:extLst>
+  </p:cSld>
+  <p:clrMapOvr>
+    <a:masterClrMapping/>
+  </p:clrMapOvr>
+</p:sld>
+</file>
+
+<file path=ppt/slides/slide20.xml><?xml version="1.0" encoding="utf-8"?>
+<p:sld xmlns:a="http://schemas.openxmlformats.org/drawingml/2006/main" xmlns:r="http://schemas.openxmlformats.org/officeDocument/2006/relationships" xmlns:p="http://schemas.openxmlformats.org/presentationml/2006/main">
+  <p:cSld>
+    <p:spTree>
+      <p:nvGrpSpPr>
+        <p:cNvPr id="1" name=""/>
+        <p:cNvGrpSpPr/>
+        <p:nvPr/>
+      </p:nvGrpSpPr>
+      <p:grpSpPr>
+        <a:xfrm>
+          <a:off x="0" y="0"/>
+          <a:ext cx="0" cy="0"/>
+          <a:chOff x="0" y="0"/>
+          <a:chExt cx="0" cy="0"/>
+        </a:xfrm>
+      </p:grpSpPr>
+      <p:sp>
+        <p:nvSpPr>
+          <p:cNvPr id="2" name="Title 1">
+            <a:extLst>
+              <a:ext uri="{FF2B5EF4-FFF2-40B4-BE49-F238E27FC236}">
+                <a16:creationId xmlns:a16="http://schemas.microsoft.com/office/drawing/2014/main" id="{2B38FA90-FABC-C4ED-D2CF-27D39B80E34B}"/>
+              </a:ext>
+            </a:extLst>
+          </p:cNvPr>
+          <p:cNvSpPr>
+            <a:spLocks noGrp="1"/>
+          </p:cNvSpPr>
+          <p:nvPr>
+            <p:ph type="title"/>
+          </p:nvPr>
+        </p:nvSpPr>
+        <p:spPr/>
+        <p:txBody>
+          <a:bodyPr/>
+          <a:lstStyle/>
+          <a:p>
+            <a:r>
+              <a:rPr lang="en-GB" dirty="0"/>
+              <a:t>Using the Token object</a:t>
+            </a:r>
+            <a:endParaRPr lang="en-SG" dirty="0"/>
+          </a:p>
+        </p:txBody>
+      </p:sp>
+      <p:sp>
+        <p:nvSpPr>
+          <p:cNvPr id="3" name="Content Placeholder 2">
+            <a:extLst>
+              <a:ext uri="{FF2B5EF4-FFF2-40B4-BE49-F238E27FC236}">
+                <a16:creationId xmlns:a16="http://schemas.microsoft.com/office/drawing/2014/main" id="{BA5A62C0-5FF6-1AB4-D40C-22233B3BF885}"/>
+              </a:ext>
+            </a:extLst>
+          </p:cNvPr>
+          <p:cNvSpPr>
+            <a:spLocks noGrp="1"/>
+          </p:cNvSpPr>
+          <p:nvPr>
+            <p:ph idx="1"/>
+          </p:nvPr>
+        </p:nvSpPr>
+        <p:spPr>
+          <a:xfrm>
+            <a:off x="838200" y="1825624"/>
+            <a:ext cx="10515600" cy="5032375"/>
+          </a:xfrm>
+        </p:spPr>
+        <p:txBody>
+          <a:bodyPr/>
+          <a:lstStyle/>
+          <a:p>
+            <a:pPr marL="0" indent="0">
+              <a:buNone/>
+            </a:pPr>
+            <a:r>
+              <a:rPr lang="en-GB" dirty="0"/>
+              <a:t>In the main() function,</a:t>
+            </a:r>
+          </a:p>
+          <a:p>
+            <a:r>
+              <a:rPr lang="en-GB" dirty="0"/>
+              <a:t>We start by defining an array of sample lexemes for each token type,</a:t>
+            </a:r>
+          </a:p>
+          <a:p>
+            <a:r>
+              <a:rPr lang="en-GB" dirty="0"/>
+              <a:t>We then iterate through the </a:t>
+            </a:r>
+            <a:r>
+              <a:rPr lang="en-GB" dirty="0" err="1"/>
+              <a:t>TokenType</a:t>
+            </a:r>
+            <a:r>
+              <a:rPr lang="en-GB" dirty="0"/>
+              <a:t> enumeration,</a:t>
+            </a:r>
+          </a:p>
+          <a:p>
+            <a:r>
+              <a:rPr lang="en-GB" dirty="0"/>
+              <a:t>Create tokens using the </a:t>
+            </a:r>
+            <a:r>
+              <a:rPr lang="en-GB" dirty="0" err="1"/>
+              <a:t>create_token</a:t>
+            </a:r>
+            <a:r>
+              <a:rPr lang="en-GB" dirty="0"/>
+              <a:t>() function,</a:t>
+            </a:r>
+          </a:p>
+          <a:p>
+            <a:r>
+              <a:rPr lang="en-GB" dirty="0"/>
+              <a:t>And print the token information. </a:t>
+            </a:r>
+          </a:p>
+          <a:p>
+            <a:r>
+              <a:rPr lang="en-GB" dirty="0"/>
+              <a:t>After printing the information, we free the memory allocated for the tokens using the </a:t>
+            </a:r>
+            <a:r>
+              <a:rPr lang="en-GB" dirty="0" err="1"/>
+              <a:t>free_token</a:t>
+            </a:r>
+            <a:r>
+              <a:rPr lang="en-GB" dirty="0"/>
+              <a:t>() function.</a:t>
+            </a:r>
+          </a:p>
+          <a:p>
+            <a:pPr marL="0" indent="0">
+              <a:buNone/>
+            </a:pPr>
+            <a:r>
+              <a:rPr lang="en-GB" b="1" i="1" dirty="0"/>
+              <a:t>Important: </a:t>
+            </a:r>
+            <a:r>
+              <a:rPr lang="en-GB" i="1" dirty="0"/>
+              <a:t>at the moment, we are not yet able to recognize the Token types correctly! (That will be our next step!)</a:t>
+            </a:r>
+          </a:p>
+        </p:txBody>
+      </p:sp>
+    </p:spTree>
+    <p:extLst>
+      <p:ext uri="{BB962C8B-B14F-4D97-AF65-F5344CB8AC3E}">
+        <p14:creationId xmlns:p14="http://schemas.microsoft.com/office/powerpoint/2010/main" val="1922111427"/>
+      </p:ext>
+    </p:extLst>
+  </p:cSld>
+  <p:clrMapOvr>
+    <a:masterClrMapping/>
+  </p:clrMapOvr>
+</p:sld>
+</file>
+
+<file path=ppt/slides/slide21.xml><?xml version="1.0" encoding="utf-8"?>
+<p:sld xmlns:a="http://schemas.openxmlformats.org/drawingml/2006/main" xmlns:r="http://schemas.openxmlformats.org/officeDocument/2006/relationships" xmlns:p="http://schemas.openxmlformats.org/presentationml/2006/main">
+  <p:cSld>
+    <p:spTree>
+      <p:nvGrpSpPr>
+        <p:cNvPr id="1" name=""/>
+        <p:cNvGrpSpPr/>
+        <p:nvPr/>
+      </p:nvGrpSpPr>
+      <p:grpSpPr>
+        <a:xfrm>
+          <a:off x="0" y="0"/>
+          <a:ext cx="0" cy="0"/>
+          <a:chOff x="0" y="0"/>
+          <a:chExt cx="0" cy="0"/>
+        </a:xfrm>
+      </p:grpSpPr>
+      <p:pic>
+        <p:nvPicPr>
+          <p:cNvPr id="3" name="Picture 2">
+            <a:extLst>
+              <a:ext uri="{FF2B5EF4-FFF2-40B4-BE49-F238E27FC236}">
+                <a16:creationId xmlns:a16="http://schemas.microsoft.com/office/drawing/2014/main" id="{04CEB311-479A-4B9F-C49C-59D0631F0C82}"/>
+              </a:ext>
+            </a:extLst>
+          </p:cNvPr>
+          <p:cNvPicPr>
+            <a:picLocks noChangeAspect="1"/>
+          </p:cNvPicPr>
+          <p:nvPr/>
+        </p:nvPicPr>
+        <p:blipFill>
+          <a:blip r:embed="rId2"/>
+          <a:stretch>
+            <a:fillRect/>
+          </a:stretch>
+        </p:blipFill>
+        <p:spPr>
+          <a:xfrm>
+            <a:off x="884903" y="0"/>
+            <a:ext cx="10422193" cy="6858000"/>
+          </a:xfrm>
+          <a:prstGeom prst="rect">
+            <a:avLst/>
+          </a:prstGeom>
+        </p:spPr>
+      </p:pic>
+      <p:pic>
+        <p:nvPicPr>
+          <p:cNvPr id="6" name="Picture 5">
+            <a:extLst>
+              <a:ext uri="{FF2B5EF4-FFF2-40B4-BE49-F238E27FC236}">
+                <a16:creationId xmlns:a16="http://schemas.microsoft.com/office/drawing/2014/main" id="{9365D822-E39B-1EA0-9F4D-856AA4ACD601}"/>
+              </a:ext>
+            </a:extLst>
+          </p:cNvPr>
+          <p:cNvPicPr>
+            <a:picLocks noChangeAspect="1"/>
+          </p:cNvPicPr>
+          <p:nvPr/>
+        </p:nvPicPr>
+        <p:blipFill>
+          <a:blip r:embed="rId3"/>
+          <a:stretch>
+            <a:fillRect/>
+          </a:stretch>
+        </p:blipFill>
+        <p:spPr>
+          <a:xfrm>
+            <a:off x="7654619" y="856038"/>
+            <a:ext cx="4401164" cy="1629002"/>
+          </a:xfrm>
+          <a:prstGeom prst="rect">
+            <a:avLst/>
+          </a:prstGeom>
+          <a:ln w="38100" cap="sq">
+            <a:solidFill>
+              <a:srgbClr val="000000"/>
+            </a:solidFill>
+            <a:prstDash val="solid"/>
+            <a:miter lim="800000"/>
+          </a:ln>
+          <a:effectLst>
+            <a:outerShdw blurRad="50800" dist="38100" dir="2700000" algn="tl" rotWithShape="0">
+              <a:srgbClr val="000000">
+                <a:alpha val="43000"/>
+              </a:srgbClr>
+            </a:outerShdw>
+          </a:effectLst>
+        </p:spPr>
+      </p:pic>
+    </p:spTree>
+    <p:extLst>
+      <p:ext uri="{BB962C8B-B14F-4D97-AF65-F5344CB8AC3E}">
+        <p14:creationId xmlns:p14="http://schemas.microsoft.com/office/powerpoint/2010/main" val="2453299544"/>
+      </p:ext>
+    </p:extLst>
+  </p:cSld>
+  <p:clrMapOvr>
+    <a:masterClrMapping/>
+  </p:clrMapOvr>
+</p:sld>
+</file>
+
+<file path=ppt/slides/slide22.xml><?xml version="1.0" encoding="utf-8"?>
+<p:sld xmlns:a="http://schemas.openxmlformats.org/drawingml/2006/main" xmlns:r="http://schemas.openxmlformats.org/officeDocument/2006/relationships" xmlns:p="http://schemas.openxmlformats.org/presentationml/2006/main">
+  <p:cSld>
+    <p:spTree>
+      <p:nvGrpSpPr>
+        <p:cNvPr id="1" name=""/>
+        <p:cNvGrpSpPr/>
+        <p:nvPr/>
+      </p:nvGrpSpPr>
+      <p:grpSpPr>
+        <a:xfrm>
+          <a:off x="0" y="0"/>
+          <a:ext cx="0" cy="0"/>
+          <a:chOff x="0" y="0"/>
+          <a:chExt cx="0" cy="0"/>
+        </a:xfrm>
+      </p:grpSpPr>
+      <p:sp>
+        <p:nvSpPr>
+          <p:cNvPr id="2" name="Title 1">
+            <a:extLst>
+              <a:ext uri="{FF2B5EF4-FFF2-40B4-BE49-F238E27FC236}">
+                <a16:creationId xmlns:a16="http://schemas.microsoft.com/office/drawing/2014/main" id="{9B8D8BA8-06BB-81C2-F7BD-934FD0791DE7}"/>
+              </a:ext>
+            </a:extLst>
+          </p:cNvPr>
+          <p:cNvSpPr>
+            <a:spLocks noGrp="1"/>
+          </p:cNvSpPr>
+          <p:nvPr>
+            <p:ph type="title"/>
+          </p:nvPr>
+        </p:nvSpPr>
+        <p:spPr/>
+        <p:txBody>
+          <a:bodyPr/>
+          <a:lstStyle/>
+          <a:p>
+            <a:r>
+              <a:rPr lang="en-GB" dirty="0"/>
+              <a:t>Recognizing Token Types </a:t>
+            </a:r>
+            <a:r>
+              <a:rPr lang="en-GB"/>
+              <a:t>for given Lexemes</a:t>
+            </a:r>
+            <a:endParaRPr lang="en-SG"/>
+          </a:p>
+        </p:txBody>
+      </p:sp>
+      <p:sp>
+        <p:nvSpPr>
+          <p:cNvPr id="3" name="Content Placeholder 2">
+            <a:extLst>
+              <a:ext uri="{FF2B5EF4-FFF2-40B4-BE49-F238E27FC236}">
+                <a16:creationId xmlns:a16="http://schemas.microsoft.com/office/drawing/2014/main" id="{039FBE2E-CF8A-1160-529C-0143CAD8F3C7}"/>
+              </a:ext>
+            </a:extLst>
+          </p:cNvPr>
+          <p:cNvSpPr>
+            <a:spLocks noGrp="1"/>
+          </p:cNvSpPr>
+          <p:nvPr>
+            <p:ph idx="1"/>
+          </p:nvPr>
+        </p:nvSpPr>
+        <p:spPr>
+          <a:xfrm>
+            <a:off x="838200" y="1825624"/>
+            <a:ext cx="10515600" cy="5032375"/>
+          </a:xfrm>
+        </p:spPr>
+        <p:txBody>
+          <a:bodyPr/>
+          <a:lstStyle/>
+          <a:p>
+            <a:pPr marL="0" indent="0">
+              <a:buNone/>
+            </a:pPr>
+            <a:r>
+              <a:rPr lang="en-GB" dirty="0"/>
+              <a:t>Our next step is then to logically write functions that will </a:t>
+            </a:r>
+            <a:r>
+              <a:rPr lang="en-GB" b="1" dirty="0"/>
+              <a:t>recognize the Token Type of a given lexeme.</a:t>
+            </a:r>
+          </a:p>
+          <a:p>
+            <a:r>
+              <a:rPr lang="en-GB" dirty="0"/>
+              <a:t>We need a function that receives a lexeme as input,</a:t>
+            </a:r>
+          </a:p>
+          <a:p>
+            <a:r>
+              <a:rPr lang="en-GB" dirty="0"/>
+              <a:t>Checks if the lexeme matches the pattern of a given category,</a:t>
+            </a:r>
+          </a:p>
+          <a:p>
+            <a:r>
+              <a:rPr lang="en-GB" dirty="0"/>
+              <a:t>And if it does, creates a Token Entry with the given </a:t>
+            </a:r>
+            <a:r>
+              <a:rPr lang="en-GB" dirty="0" err="1"/>
+              <a:t>TokenType</a:t>
+            </a:r>
+            <a:r>
+              <a:rPr lang="en-GB" dirty="0"/>
+              <a:t> and lexeme.</a:t>
+            </a:r>
+          </a:p>
+        </p:txBody>
+      </p:sp>
+    </p:spTree>
+    <p:extLst>
+      <p:ext uri="{BB962C8B-B14F-4D97-AF65-F5344CB8AC3E}">
+        <p14:creationId xmlns:p14="http://schemas.microsoft.com/office/powerpoint/2010/main" val="2455924593"/>
+      </p:ext>
+    </p:extLst>
+  </p:cSld>
+  <p:clrMapOvr>
+    <a:masterClrMapping/>
+  </p:clrMapOvr>
+</p:sld>
+</file>
+
+<file path=ppt/slides/slide23.xml><?xml version="1.0" encoding="utf-8"?>
+<p:sld xmlns:a="http://schemas.openxmlformats.org/drawingml/2006/main" xmlns:r="http://schemas.openxmlformats.org/officeDocument/2006/relationships" xmlns:p="http://schemas.openxmlformats.org/presentationml/2006/main">
+  <p:cSld>
+    <p:spTree>
+      <p:nvGrpSpPr>
+        <p:cNvPr id="1" name=""/>
+        <p:cNvGrpSpPr/>
+        <p:nvPr/>
+      </p:nvGrpSpPr>
+      <p:grpSpPr>
+        <a:xfrm>
+          <a:off x="0" y="0"/>
+          <a:ext cx="0" cy="0"/>
+          <a:chOff x="0" y="0"/>
+          <a:chExt cx="0" cy="0"/>
+        </a:xfrm>
+      </p:grpSpPr>
+      <p:sp>
+        <p:nvSpPr>
+          <p:cNvPr id="2" name="Title 1">
+            <a:extLst>
+              <a:ext uri="{FF2B5EF4-FFF2-40B4-BE49-F238E27FC236}">
+                <a16:creationId xmlns:a16="http://schemas.microsoft.com/office/drawing/2014/main" id="{9B8D8BA8-06BB-81C2-F7BD-934FD0791DE7}"/>
+              </a:ext>
+            </a:extLst>
+          </p:cNvPr>
+          <p:cNvSpPr>
+            <a:spLocks noGrp="1"/>
+          </p:cNvSpPr>
+          <p:nvPr>
+            <p:ph type="title"/>
+          </p:nvPr>
+        </p:nvSpPr>
+        <p:spPr/>
+        <p:txBody>
+          <a:bodyPr/>
+          <a:lstStyle/>
+          <a:p>
+            <a:r>
+              <a:rPr lang="en-GB" dirty="0"/>
+              <a:t>Recognizing Token Types </a:t>
+            </a:r>
+            <a:r>
+              <a:rPr lang="en-GB"/>
+              <a:t>for given Lexemes</a:t>
+            </a:r>
+            <a:endParaRPr lang="en-SG"/>
+          </a:p>
+        </p:txBody>
+      </p:sp>
+      <p:sp>
+        <p:nvSpPr>
+          <p:cNvPr id="3" name="Content Placeholder 2">
+            <a:extLst>
+              <a:ext uri="{FF2B5EF4-FFF2-40B4-BE49-F238E27FC236}">
+                <a16:creationId xmlns:a16="http://schemas.microsoft.com/office/drawing/2014/main" id="{039FBE2E-CF8A-1160-529C-0143CAD8F3C7}"/>
+              </a:ext>
+            </a:extLst>
+          </p:cNvPr>
+          <p:cNvSpPr>
+            <a:spLocks noGrp="1"/>
+          </p:cNvSpPr>
+          <p:nvPr>
+            <p:ph idx="1"/>
+          </p:nvPr>
+        </p:nvSpPr>
+        <p:spPr>
+          <a:xfrm>
+            <a:off x="838200" y="1825624"/>
+            <a:ext cx="10515600" cy="5032375"/>
+          </a:xfrm>
+        </p:spPr>
+        <p:txBody>
+          <a:bodyPr/>
+          <a:lstStyle/>
+          <a:p>
+            <a:pPr marL="0" indent="0">
+              <a:buNone/>
+            </a:pPr>
+            <a:r>
+              <a:rPr lang="en-GB" dirty="0"/>
+              <a:t>Let us begin with the simplest Token Type to recognize: </a:t>
+            </a:r>
+            <a:r>
+              <a:rPr lang="en-GB" b="1" dirty="0"/>
+              <a:t>Keywords</a:t>
+            </a:r>
+            <a:r>
+              <a:rPr lang="en-GB" dirty="0"/>
+              <a:t>.</a:t>
+            </a:r>
+          </a:p>
+          <a:p>
+            <a:r>
+              <a:rPr lang="en-SG" b="1" dirty="0"/>
+              <a:t>A lexeme </a:t>
+            </a:r>
+            <a:r>
+              <a:rPr lang="en-SG" b="1" i="1" dirty="0"/>
+              <a:t>x</a:t>
+            </a:r>
+            <a:r>
+              <a:rPr lang="en-SG" b="1" dirty="0"/>
+              <a:t> will be recognized as a </a:t>
+            </a:r>
+            <a:r>
+              <a:rPr lang="en-SG" b="1" dirty="0" err="1"/>
+              <a:t>Keword</a:t>
+            </a:r>
+            <a:r>
+              <a:rPr lang="en-SG" b="1" dirty="0"/>
+              <a:t> Token Type if and only if there is an exact match between the lexeme </a:t>
+            </a:r>
+            <a:r>
+              <a:rPr lang="en-SG" b="1" i="1" dirty="0"/>
+              <a:t>x</a:t>
+            </a:r>
+            <a:r>
+              <a:rPr lang="en-SG" b="1" dirty="0"/>
+              <a:t> and one of the possible keywords of C (“int”, “while”, “if”, “for”, “return”, etc.).</a:t>
+            </a:r>
+          </a:p>
+          <a:p>
+            <a:r>
+              <a:rPr lang="en-SG" dirty="0"/>
+              <a:t>This means that we need to know about the full list of keywords to recognize in the C language.</a:t>
+            </a:r>
+          </a:p>
+          <a:p>
+            <a:r>
+              <a:rPr lang="en-SG" dirty="0"/>
+              <a:t>Also, as a side note, this explains why keywords are reserved and cannot be used for variable names/functions in many programming languages.</a:t>
+            </a:r>
+          </a:p>
+        </p:txBody>
+      </p:sp>
+    </p:spTree>
+    <p:extLst>
+      <p:ext uri="{BB962C8B-B14F-4D97-AF65-F5344CB8AC3E}">
+        <p14:creationId xmlns:p14="http://schemas.microsoft.com/office/powerpoint/2010/main" val="2067717828"/>
+      </p:ext>
+    </p:extLst>
+  </p:cSld>
+  <p:clrMapOvr>
+    <a:masterClrMapping/>
+  </p:clrMapOvr>
+</p:sld>
+</file>
+
+<file path=ppt/slides/slide24.xml><?xml version="1.0" encoding="utf-8"?>
+<p:sld xmlns:a="http://schemas.openxmlformats.org/drawingml/2006/main" xmlns:r="http://schemas.openxmlformats.org/officeDocument/2006/relationships" xmlns:p="http://schemas.openxmlformats.org/presentationml/2006/main">
+  <p:cSld>
+    <p:spTree>
+      <p:nvGrpSpPr>
+        <p:cNvPr id="1" name=""/>
+        <p:cNvGrpSpPr/>
+        <p:nvPr/>
+      </p:nvGrpSpPr>
+      <p:grpSpPr>
+        <a:xfrm>
+          <a:off x="0" y="0"/>
+          <a:ext cx="0" cy="0"/>
+          <a:chOff x="0" y="0"/>
+          <a:chExt cx="0" cy="0"/>
+        </a:xfrm>
+      </p:grpSpPr>
+      <p:sp>
+        <p:nvSpPr>
+          <p:cNvPr id="2" name="Title 1">
+            <a:extLst>
+              <a:ext uri="{FF2B5EF4-FFF2-40B4-BE49-F238E27FC236}">
+                <a16:creationId xmlns:a16="http://schemas.microsoft.com/office/drawing/2014/main" id="{9B8D8BA8-06BB-81C2-F7BD-934FD0791DE7}"/>
+              </a:ext>
+            </a:extLst>
+          </p:cNvPr>
+          <p:cNvSpPr>
+            <a:spLocks noGrp="1"/>
+          </p:cNvSpPr>
+          <p:nvPr>
+            <p:ph type="title"/>
+          </p:nvPr>
+        </p:nvSpPr>
+        <p:spPr/>
+        <p:txBody>
+          <a:bodyPr/>
+          <a:lstStyle/>
+          <a:p>
+            <a:r>
+              <a:rPr lang="en-GB" dirty="0"/>
+              <a:t>Recognizing Token Types </a:t>
+            </a:r>
+            <a:r>
+              <a:rPr lang="en-GB"/>
+              <a:t>for given Lexemes</a:t>
+            </a:r>
+            <a:endParaRPr lang="en-SG"/>
+          </a:p>
+        </p:txBody>
+      </p:sp>
+      <p:sp>
+        <p:nvSpPr>
+          <p:cNvPr id="3" name="Content Placeholder 2">
+            <a:extLst>
+              <a:ext uri="{FF2B5EF4-FFF2-40B4-BE49-F238E27FC236}">
+                <a16:creationId xmlns:a16="http://schemas.microsoft.com/office/drawing/2014/main" id="{039FBE2E-CF8A-1160-529C-0143CAD8F3C7}"/>
+              </a:ext>
+            </a:extLst>
+          </p:cNvPr>
+          <p:cNvSpPr>
+            <a:spLocks noGrp="1"/>
+          </p:cNvSpPr>
+          <p:nvPr>
+            <p:ph idx="1"/>
+          </p:nvPr>
+        </p:nvSpPr>
+        <p:spPr>
+          <a:xfrm>
+            <a:off x="838200" y="1825624"/>
+            <a:ext cx="10515600" cy="5032375"/>
+          </a:xfrm>
+        </p:spPr>
+        <p:txBody>
+          <a:bodyPr/>
+          <a:lstStyle/>
+          <a:p>
+            <a:pPr marL="0" indent="0">
+              <a:buNone/>
+            </a:pPr>
+            <a:r>
+              <a:rPr lang="en-GB" dirty="0"/>
+              <a:t>As we have seen earlier in a Practice activity,</a:t>
+            </a:r>
+          </a:p>
+          <a:p>
+            <a:r>
+              <a:rPr lang="en-GB" dirty="0"/>
+              <a:t>This could be done with a simple </a:t>
+            </a:r>
+            <a:r>
+              <a:rPr lang="en-GB" b="1" dirty="0"/>
+              <a:t>FSM</a:t>
+            </a:r>
+            <a:r>
+              <a:rPr lang="en-GB" dirty="0"/>
+              <a:t>, which considers as </a:t>
+            </a:r>
+            <a:r>
+              <a:rPr lang="en-GB" b="1" dirty="0"/>
+              <a:t>acceptable inputs </a:t>
+            </a:r>
+            <a:r>
+              <a:rPr lang="en-GB" b="1" i="1" dirty="0"/>
+              <a:t>x</a:t>
+            </a:r>
+            <a:r>
+              <a:rPr lang="en-GB" b="1" dirty="0"/>
+              <a:t> the exact string “SUTD”</a:t>
+            </a:r>
+            <a:r>
+              <a:rPr lang="en-GB" dirty="0"/>
+              <a:t>,</a:t>
+            </a:r>
+            <a:r>
+              <a:rPr lang="en-GB" b="1" dirty="0"/>
+              <a:t> </a:t>
+            </a:r>
+            <a:r>
+              <a:rPr lang="en-GB" dirty="0"/>
+              <a:t>and nothing else.</a:t>
+            </a:r>
+          </a:p>
+          <a:p>
+            <a:r>
+              <a:rPr lang="en-GB" dirty="0"/>
+              <a:t>As seen in the previous lecture, this FSM is strictly what happens behind the scenes for to the </a:t>
+            </a:r>
+            <a:r>
+              <a:rPr lang="en-GB" b="1" dirty="0" err="1"/>
+              <a:t>RegEx</a:t>
+            </a:r>
+            <a:r>
+              <a:rPr lang="en-GB" dirty="0"/>
+              <a:t> </a:t>
+            </a:r>
+            <a:r>
+              <a:rPr lang="en-GB" b="1" i="1" dirty="0"/>
+              <a:t>“^SUTD$”.</a:t>
+            </a:r>
+          </a:p>
+          <a:p>
+            <a:endParaRPr lang="en-GB" dirty="0"/>
+          </a:p>
+          <a:p>
+            <a:pPr marL="0" indent="0">
+              <a:buNone/>
+            </a:pPr>
+            <a:r>
+              <a:rPr lang="en-SG" dirty="0"/>
+              <a:t>We start by implementing a Keyword recognition function, based on </a:t>
+            </a:r>
+            <a:r>
+              <a:rPr lang="en-SG" dirty="0" err="1"/>
+              <a:t>RegEx</a:t>
+            </a:r>
+            <a:r>
+              <a:rPr lang="en-SG" dirty="0"/>
+              <a:t>, and consider some of the possible keywords to demonstrate.</a:t>
+            </a:r>
+          </a:p>
+          <a:p>
+            <a:r>
+              <a:rPr lang="en-SG" b="1" dirty="0"/>
+              <a:t>Our </a:t>
+            </a:r>
+            <a:r>
+              <a:rPr lang="en-SG" b="1" dirty="0" err="1"/>
+              <a:t>RegEx</a:t>
+            </a:r>
+            <a:r>
+              <a:rPr lang="en-SG" b="1" dirty="0"/>
+              <a:t>: “^(</a:t>
+            </a:r>
+            <a:r>
+              <a:rPr lang="en-SG" b="1" dirty="0" err="1"/>
+              <a:t>int|while|for|if|return</a:t>
+            </a:r>
+            <a:r>
+              <a:rPr lang="en-SG" b="1" dirty="0"/>
+              <a:t>)$”</a:t>
+            </a:r>
+          </a:p>
+          <a:p>
+            <a:r>
+              <a:rPr lang="en-SG" dirty="0"/>
+              <a:t>(Normally, we should list more, but let us keep things simple.)</a:t>
+            </a:r>
+          </a:p>
+          <a:p>
+            <a:endParaRPr lang="en-SG" dirty="0"/>
+          </a:p>
+        </p:txBody>
+      </p:sp>
+    </p:spTree>
+    <p:extLst>
+      <p:ext uri="{BB962C8B-B14F-4D97-AF65-F5344CB8AC3E}">
+        <p14:creationId xmlns:p14="http://schemas.microsoft.com/office/powerpoint/2010/main" val="2542189070"/>
+      </p:ext>
+    </p:extLst>
+  </p:cSld>
+  <p:clrMapOvr>
+    <a:masterClrMapping/>
+  </p:clrMapOvr>
+</p:sld>
+</file>
+
+<file path=ppt/slides/slide25.xml><?xml version="1.0" encoding="utf-8"?>
+<p:sld xmlns:a="http://schemas.openxmlformats.org/drawingml/2006/main" xmlns:r="http://schemas.openxmlformats.org/officeDocument/2006/relationships" xmlns:p="http://schemas.openxmlformats.org/presentationml/2006/main">
+  <p:cSld>
+    <p:spTree>
+      <p:nvGrpSpPr>
+        <p:cNvPr id="1" name=""/>
+        <p:cNvGrpSpPr/>
+        <p:nvPr/>
+      </p:nvGrpSpPr>
+      <p:grpSpPr>
+        <a:xfrm>
+          <a:off x="0" y="0"/>
+          <a:ext cx="0" cy="0"/>
+          <a:chOff x="0" y="0"/>
+          <a:chExt cx="0" cy="0"/>
+        </a:xfrm>
+      </p:grpSpPr>
+      <p:pic>
+        <p:nvPicPr>
+          <p:cNvPr id="5" name="Picture 4">
+            <a:extLst>
+              <a:ext uri="{FF2B5EF4-FFF2-40B4-BE49-F238E27FC236}">
+                <a16:creationId xmlns:a16="http://schemas.microsoft.com/office/drawing/2014/main" id="{E8856BB7-E43A-7466-AE4A-1AEB5A8A931F}"/>
+              </a:ext>
+            </a:extLst>
+          </p:cNvPr>
+          <p:cNvPicPr>
+            <a:picLocks noChangeAspect="1"/>
+          </p:cNvPicPr>
+          <p:nvPr/>
+        </p:nvPicPr>
+        <p:blipFill>
+          <a:blip r:embed="rId2"/>
+          <a:stretch>
+            <a:fillRect/>
+          </a:stretch>
+        </p:blipFill>
+        <p:spPr>
+          <a:xfrm>
+            <a:off x="2034500" y="0"/>
+            <a:ext cx="8122999" cy="6858000"/>
+          </a:xfrm>
+          <a:prstGeom prst="rect">
+            <a:avLst/>
+          </a:prstGeom>
+        </p:spPr>
+      </p:pic>
+      <p:sp>
+        <p:nvSpPr>
+          <p:cNvPr id="8" name="TextBox 7">
+            <a:extLst>
+              <a:ext uri="{FF2B5EF4-FFF2-40B4-BE49-F238E27FC236}">
+                <a16:creationId xmlns:a16="http://schemas.microsoft.com/office/drawing/2014/main" id="{F5075BEA-2E89-3BF4-4207-2E426F6132BF}"/>
+              </a:ext>
+            </a:extLst>
+          </p:cNvPr>
+          <p:cNvSpPr txBox="1"/>
+          <p:nvPr/>
+        </p:nvSpPr>
+        <p:spPr>
+          <a:xfrm>
+            <a:off x="8624426" y="597479"/>
+            <a:ext cx="2774462" cy="461665"/>
+          </a:xfrm>
+          <a:prstGeom prst="rect">
+            <a:avLst/>
+          </a:prstGeom>
+          <a:noFill/>
+        </p:spPr>
+        <p:txBody>
+          <a:bodyPr wrap="square" rtlCol="0">
+            <a:spAutoFit/>
+          </a:bodyPr>
+          <a:lstStyle/>
+          <a:p>
+            <a:r>
+              <a:rPr lang="en-GB" sz="2400" b="1" dirty="0">
+                <a:solidFill>
+                  <a:schemeClr val="accent2"/>
+                </a:solidFill>
+              </a:rPr>
+              <a:t>From Code files/3.</a:t>
+            </a:r>
+            <a:endParaRPr lang="en-SG" sz="2400" b="1" dirty="0">
+              <a:solidFill>
+                <a:schemeClr val="accent2"/>
+              </a:solidFill>
+            </a:endParaRPr>
+          </a:p>
+        </p:txBody>
+      </p:sp>
+    </p:spTree>
+    <p:extLst>
+      <p:ext uri="{BB962C8B-B14F-4D97-AF65-F5344CB8AC3E}">
+        <p14:creationId xmlns:p14="http://schemas.microsoft.com/office/powerpoint/2010/main" val="3719237298"/>
+      </p:ext>
+    </p:extLst>
+  </p:cSld>
+  <p:clrMapOvr>
+    <a:masterClrMapping/>
+  </p:clrMapOvr>
+</p:sld>
+</file>
+
+<file path=ppt/slides/slide26.xml><?xml version="1.0" encoding="utf-8"?>
+<p:sld xmlns:a="http://schemas.openxmlformats.org/drawingml/2006/main" xmlns:r="http://schemas.openxmlformats.org/officeDocument/2006/relationships" xmlns:p="http://schemas.openxmlformats.org/presentationml/2006/main">
+  <p:cSld>
+    <p:spTree>
+      <p:nvGrpSpPr>
+        <p:cNvPr id="1" name=""/>
+        <p:cNvGrpSpPr/>
+        <p:nvPr/>
+      </p:nvGrpSpPr>
+      <p:grpSpPr>
+        <a:xfrm>
+          <a:off x="0" y="0"/>
+          <a:ext cx="0" cy="0"/>
+          <a:chOff x="0" y="0"/>
+          <a:chExt cx="0" cy="0"/>
+        </a:xfrm>
+      </p:grpSpPr>
+      <p:sp>
+        <p:nvSpPr>
+          <p:cNvPr id="2" name="Title 1">
+            <a:extLst>
+              <a:ext uri="{FF2B5EF4-FFF2-40B4-BE49-F238E27FC236}">
+                <a16:creationId xmlns:a16="http://schemas.microsoft.com/office/drawing/2014/main" id="{8BF52193-2431-8D9C-A358-5BF6CF8DF923}"/>
+              </a:ext>
+            </a:extLst>
+          </p:cNvPr>
+          <p:cNvSpPr>
+            <a:spLocks noGrp="1"/>
+          </p:cNvSpPr>
+          <p:nvPr>
+            <p:ph type="title"/>
+          </p:nvPr>
+        </p:nvSpPr>
+        <p:spPr/>
+        <p:txBody>
+          <a:bodyPr/>
+          <a:lstStyle/>
+          <a:p>
+            <a:r>
+              <a:rPr lang="en-GB" dirty="0"/>
+              <a:t>Recognizing keywords using </a:t>
+            </a:r>
+            <a:r>
+              <a:rPr lang="en-GB" dirty="0" err="1"/>
+              <a:t>strcmp</a:t>
+            </a:r>
+            <a:endParaRPr lang="en-SG" dirty="0"/>
+          </a:p>
+        </p:txBody>
+      </p:sp>
+      <p:sp>
+        <p:nvSpPr>
+          <p:cNvPr id="3" name="Content Placeholder 2">
+            <a:extLst>
+              <a:ext uri="{FF2B5EF4-FFF2-40B4-BE49-F238E27FC236}">
+                <a16:creationId xmlns:a16="http://schemas.microsoft.com/office/drawing/2014/main" id="{42170C63-D9D3-3C0C-7A89-EE7CE9303BA8}"/>
+              </a:ext>
+            </a:extLst>
+          </p:cNvPr>
+          <p:cNvSpPr>
+            <a:spLocks noGrp="1"/>
+          </p:cNvSpPr>
+          <p:nvPr>
+            <p:ph idx="1"/>
+          </p:nvPr>
+        </p:nvSpPr>
+        <p:spPr/>
+        <p:txBody>
+          <a:bodyPr>
+            <a:normAutofit/>
+          </a:bodyPr>
+          <a:lstStyle/>
+          <a:p>
+            <a:pPr marL="0" indent="0">
+              <a:buNone/>
+            </a:pPr>
+            <a:r>
+              <a:rPr lang="en-GB" dirty="0"/>
+              <a:t>Since we are comparing strings and looking for exact matches, we could also consider an alternate implementation,</a:t>
+            </a:r>
+          </a:p>
+          <a:p>
+            <a:r>
+              <a:rPr lang="en-GB" dirty="0"/>
+              <a:t>Using </a:t>
+            </a:r>
+            <a:r>
+              <a:rPr lang="en-GB" b="1" i="1" dirty="0" err="1"/>
+              <a:t>strcmp</a:t>
+            </a:r>
+            <a:r>
+              <a:rPr lang="en-GB" b="1" i="1" dirty="0"/>
+              <a:t>()</a:t>
+            </a:r>
+            <a:r>
+              <a:rPr lang="en-GB" dirty="0"/>
+              <a:t>,</a:t>
+            </a:r>
+          </a:p>
+          <a:p>
+            <a:r>
+              <a:rPr lang="en-GB" dirty="0"/>
+              <a:t>To compare our lexeme </a:t>
+            </a:r>
+            <a:r>
+              <a:rPr lang="en-GB" i="1" dirty="0"/>
+              <a:t>x</a:t>
+            </a:r>
+          </a:p>
+          <a:p>
+            <a:r>
+              <a:rPr lang="en-GB" dirty="0"/>
+              <a:t>To all the possible keywords of the language that we would have previously assembled in a list.</a:t>
+            </a:r>
+          </a:p>
+          <a:p>
+            <a:pPr marL="0" indent="0">
+              <a:buNone/>
+            </a:pPr>
+            <a:endParaRPr lang="en-SG" dirty="0"/>
+          </a:p>
+          <a:p>
+            <a:endParaRPr lang="en-SG" dirty="0"/>
+          </a:p>
+        </p:txBody>
+      </p:sp>
+    </p:spTree>
+    <p:extLst>
+      <p:ext uri="{BB962C8B-B14F-4D97-AF65-F5344CB8AC3E}">
+        <p14:creationId xmlns:p14="http://schemas.microsoft.com/office/powerpoint/2010/main" val="664874362"/>
+      </p:ext>
+    </p:extLst>
+  </p:cSld>
+  <p:clrMapOvr>
+    <a:masterClrMapping/>
+  </p:clrMapOvr>
+</p:sld>
+</file>
+
+<file path=ppt/slides/slide27.xml><?xml version="1.0" encoding="utf-8"?>
+<p:sld xmlns:a="http://schemas.openxmlformats.org/drawingml/2006/main" xmlns:r="http://schemas.openxmlformats.org/officeDocument/2006/relationships" xmlns:p="http://schemas.openxmlformats.org/presentationml/2006/main">
+  <p:cSld>
+    <p:spTree>
+      <p:nvGrpSpPr>
+        <p:cNvPr id="1" name=""/>
+        <p:cNvGrpSpPr/>
+        <p:nvPr/>
+      </p:nvGrpSpPr>
+      <p:grpSpPr>
+        <a:xfrm>
+          <a:off x="0" y="0"/>
+          <a:ext cx="0" cy="0"/>
+          <a:chOff x="0" y="0"/>
+          <a:chExt cx="0" cy="0"/>
+        </a:xfrm>
+      </p:grpSpPr>
+      <p:pic>
+        <p:nvPicPr>
+          <p:cNvPr id="3" name="Picture 2">
+            <a:extLst>
+              <a:ext uri="{FF2B5EF4-FFF2-40B4-BE49-F238E27FC236}">
+                <a16:creationId xmlns:a16="http://schemas.microsoft.com/office/drawing/2014/main" id="{62A3D830-D4C0-3C57-17FE-D72860C1B066}"/>
+              </a:ext>
+            </a:extLst>
+          </p:cNvPr>
+          <p:cNvPicPr>
+            <a:picLocks noChangeAspect="1"/>
+          </p:cNvPicPr>
+          <p:nvPr/>
+        </p:nvPicPr>
+        <p:blipFill>
+          <a:blip r:embed="rId2"/>
+          <a:stretch>
+            <a:fillRect/>
+          </a:stretch>
+        </p:blipFill>
+        <p:spPr>
+          <a:xfrm>
+            <a:off x="537387" y="971207"/>
+            <a:ext cx="11117226" cy="4915586"/>
+          </a:xfrm>
+          <a:prstGeom prst="rect">
+            <a:avLst/>
+          </a:prstGeom>
+        </p:spPr>
+      </p:pic>
+    </p:spTree>
+    <p:extLst>
+      <p:ext uri="{BB962C8B-B14F-4D97-AF65-F5344CB8AC3E}">
+        <p14:creationId xmlns:p14="http://schemas.microsoft.com/office/powerpoint/2010/main" val="218642185"/>
+      </p:ext>
+    </p:extLst>
+  </p:cSld>
+  <p:clrMapOvr>
+    <a:masterClrMapping/>
+  </p:clrMapOvr>
+</p:sld>
+</file>
+
+<file path=ppt/slides/slide28.xml><?xml version="1.0" encoding="utf-8"?>
+<p:sld xmlns:a="http://schemas.openxmlformats.org/drawingml/2006/main" xmlns:r="http://schemas.openxmlformats.org/officeDocument/2006/relationships" xmlns:p="http://schemas.openxmlformats.org/presentationml/2006/main">
+  <p:cSld>
+    <p:spTree>
+      <p:nvGrpSpPr>
+        <p:cNvPr id="1" name=""/>
+        <p:cNvGrpSpPr/>
+        <p:nvPr/>
+      </p:nvGrpSpPr>
+      <p:grpSpPr>
+        <a:xfrm>
+          <a:off x="0" y="0"/>
+          <a:ext cx="0" cy="0"/>
+          <a:chOff x="0" y="0"/>
+          <a:chExt cx="0" cy="0"/>
+        </a:xfrm>
+      </p:grpSpPr>
+      <p:sp>
+        <p:nvSpPr>
+          <p:cNvPr id="2" name="Title 1">
+            <a:extLst>
+              <a:ext uri="{FF2B5EF4-FFF2-40B4-BE49-F238E27FC236}">
+                <a16:creationId xmlns:a16="http://schemas.microsoft.com/office/drawing/2014/main" id="{618CFF7E-F94A-0180-0F8F-A1B296DDA531}"/>
+              </a:ext>
+            </a:extLst>
+          </p:cNvPr>
+          <p:cNvSpPr>
+            <a:spLocks noGrp="1"/>
+          </p:cNvSpPr>
+          <p:nvPr>
+            <p:ph type="title"/>
+          </p:nvPr>
+        </p:nvSpPr>
+        <p:spPr/>
+        <p:txBody>
+          <a:bodyPr/>
+          <a:lstStyle/>
+          <a:p>
+            <a:r>
+              <a:rPr lang="en-GB" dirty="0" err="1"/>
+              <a:t>Strcmp</a:t>
+            </a:r>
+            <a:r>
+              <a:rPr lang="en-GB" dirty="0"/>
+              <a:t> vs. </a:t>
+            </a:r>
+            <a:r>
+              <a:rPr lang="en-GB" dirty="0" err="1"/>
+              <a:t>RegEx</a:t>
+            </a:r>
+            <a:endParaRPr lang="en-SG" dirty="0"/>
+          </a:p>
+        </p:txBody>
+      </p:sp>
+      <p:sp>
+        <p:nvSpPr>
+          <p:cNvPr id="3" name="Content Placeholder 2">
+            <a:extLst>
+              <a:ext uri="{FF2B5EF4-FFF2-40B4-BE49-F238E27FC236}">
+                <a16:creationId xmlns:a16="http://schemas.microsoft.com/office/drawing/2014/main" id="{5A48F343-DA2D-4FE6-AFD6-DC3D56C30E54}"/>
+              </a:ext>
+            </a:extLst>
+          </p:cNvPr>
+          <p:cNvSpPr>
+            <a:spLocks noGrp="1"/>
+          </p:cNvSpPr>
+          <p:nvPr>
+            <p:ph idx="1"/>
+          </p:nvPr>
+        </p:nvSpPr>
+        <p:spPr>
+          <a:xfrm>
+            <a:off x="838200" y="1825624"/>
+            <a:ext cx="10515600" cy="4747113"/>
+          </a:xfrm>
+        </p:spPr>
+        <p:txBody>
+          <a:bodyPr/>
+          <a:lstStyle/>
+          <a:p>
+            <a:pPr marL="0" indent="0">
+              <a:buNone/>
+            </a:pPr>
+            <a:r>
+              <a:rPr lang="en-GB" b="1" dirty="0"/>
+              <a:t>In practice, we should prefer the </a:t>
+            </a:r>
+            <a:r>
+              <a:rPr lang="en-GB" b="1" dirty="0" err="1"/>
+              <a:t>strcmp</a:t>
+            </a:r>
+            <a:r>
+              <a:rPr lang="en-GB" b="1" dirty="0"/>
+              <a:t>() implementation over the </a:t>
+            </a:r>
+            <a:r>
+              <a:rPr lang="en-GB" b="1" dirty="0" err="1"/>
+              <a:t>RegEx</a:t>
+            </a:r>
+            <a:r>
+              <a:rPr lang="en-GB" b="1" dirty="0"/>
+              <a:t>, here.</a:t>
+            </a:r>
+          </a:p>
+          <a:p>
+            <a:r>
+              <a:rPr lang="en-GB" dirty="0"/>
+              <a:t>Using regular expressions for this specific case might be less efficient than using a </a:t>
+            </a:r>
+            <a:r>
+              <a:rPr lang="en-GB" i="1" dirty="0" err="1"/>
+              <a:t>strcmp</a:t>
+            </a:r>
+            <a:r>
+              <a:rPr lang="en-GB" i="1" dirty="0"/>
+              <a:t>() </a:t>
+            </a:r>
+            <a:r>
+              <a:rPr lang="en-GB" dirty="0"/>
+              <a:t>implementation.</a:t>
+            </a:r>
+          </a:p>
+          <a:p>
+            <a:r>
+              <a:rPr lang="en-GB" dirty="0"/>
+              <a:t>Especially considering that the number of keywords is small and they have a simple structure.</a:t>
+            </a:r>
+          </a:p>
+          <a:p>
+            <a:r>
+              <a:rPr lang="en-GB" b="1" dirty="0"/>
+              <a:t>Keep in mind, however, that regular expressions will be required for more complex token recognition tasks, such as recognizing identifiers or literals with specific patterns.</a:t>
+            </a:r>
+          </a:p>
+          <a:p>
+            <a:r>
+              <a:rPr lang="en-GB" dirty="0"/>
+              <a:t>Either way, let us assemble and try to recognize keywords lexemes.</a:t>
+            </a:r>
+            <a:endParaRPr lang="en-SG" dirty="0"/>
+          </a:p>
+        </p:txBody>
+      </p:sp>
+    </p:spTree>
+    <p:extLst>
+      <p:ext uri="{BB962C8B-B14F-4D97-AF65-F5344CB8AC3E}">
+        <p14:creationId xmlns:p14="http://schemas.microsoft.com/office/powerpoint/2010/main" val="2030689423"/>
+      </p:ext>
+    </p:extLst>
+  </p:cSld>
+  <p:clrMapOvr>
+    <a:masterClrMapping/>
+  </p:clrMapOvr>
+</p:sld>
+</file>
+
+<file path=ppt/slides/slide29.xml><?xml version="1.0" encoding="utf-8"?>
+<p:sld xmlns:a="http://schemas.openxmlformats.org/drawingml/2006/main" xmlns:r="http://schemas.openxmlformats.org/officeDocument/2006/relationships" xmlns:p="http://schemas.openxmlformats.org/presentationml/2006/main">
+  <p:cSld>
+    <p:spTree>
+      <p:nvGrpSpPr>
+        <p:cNvPr id="1" name=""/>
+        <p:cNvGrpSpPr/>
+        <p:nvPr/>
+      </p:nvGrpSpPr>
+      <p:grpSpPr>
+        <a:xfrm>
+          <a:off x="0" y="0"/>
+          <a:ext cx="0" cy="0"/>
+          <a:chOff x="0" y="0"/>
+          <a:chExt cx="0" cy="0"/>
+        </a:xfrm>
+      </p:grpSpPr>
+      <p:pic>
+        <p:nvPicPr>
+          <p:cNvPr id="5" name="Picture 4">
+            <a:extLst>
+              <a:ext uri="{FF2B5EF4-FFF2-40B4-BE49-F238E27FC236}">
+                <a16:creationId xmlns:a16="http://schemas.microsoft.com/office/drawing/2014/main" id="{2F4679F7-C17D-822A-453E-511EC7D392FC}"/>
+              </a:ext>
+            </a:extLst>
+          </p:cNvPr>
+          <p:cNvPicPr>
+            <a:picLocks noChangeAspect="1"/>
+          </p:cNvPicPr>
+          <p:nvPr/>
+        </p:nvPicPr>
+        <p:blipFill>
+          <a:blip r:embed="rId2"/>
+          <a:stretch>
+            <a:fillRect/>
+          </a:stretch>
+        </p:blipFill>
+        <p:spPr>
+          <a:xfrm>
+            <a:off x="0" y="334920"/>
+            <a:ext cx="12192000" cy="5422252"/>
+          </a:xfrm>
+          <a:prstGeom prst="rect">
+            <a:avLst/>
+          </a:prstGeom>
+        </p:spPr>
+      </p:pic>
+    </p:spTree>
+    <p:extLst>
+      <p:ext uri="{BB962C8B-B14F-4D97-AF65-F5344CB8AC3E}">
+        <p14:creationId xmlns:p14="http://schemas.microsoft.com/office/powerpoint/2010/main" val="424111310"/>
+      </p:ext>
+    </p:extLst>
+  </p:cSld>
+  <p:clrMapOvr>
+    <a:masterClrMapping/>
+  </p:clrMapOvr>
+</p:sld>
+</file>
+
+<file path=ppt/slides/slide3.xml><?xml version="1.0" encoding="utf-8"?>
+<p:sld xmlns:a="http://schemas.openxmlformats.org/drawingml/2006/main" xmlns:r="http://schemas.openxmlformats.org/officeDocument/2006/relationships" xmlns:p="http://schemas.openxmlformats.org/presentationml/2006/main">
+  <p:cSld>
+    <p:spTree>
+      <p:nvGrpSpPr>
+        <p:cNvPr id="1" name=""/>
+        <p:cNvGrpSpPr/>
+        <p:nvPr/>
+      </p:nvGrpSpPr>
+      <p:grpSpPr>
+        <a:xfrm>
+          <a:off x="0" y="0"/>
+          <a:ext cx="0" cy="0"/>
+          <a:chOff x="0" y="0"/>
+          <a:chExt cx="0" cy="0"/>
+        </a:xfrm>
+      </p:grpSpPr>
+      <p:sp>
+        <p:nvSpPr>
+          <p:cNvPr id="2" name="Title 1">
+            <a:extLst>
+              <a:ext uri="{FF2B5EF4-FFF2-40B4-BE49-F238E27FC236}">
+                <a16:creationId xmlns:a16="http://schemas.microsoft.com/office/drawing/2014/main" id="{87657C29-1A3B-9090-2528-30E69AB94051}"/>
+              </a:ext>
+            </a:extLst>
+          </p:cNvPr>
+          <p:cNvSpPr>
+            <a:spLocks noGrp="1"/>
+          </p:cNvSpPr>
+          <p:nvPr>
+            <p:ph type="title"/>
+          </p:nvPr>
+        </p:nvSpPr>
+        <p:spPr/>
+        <p:txBody>
+          <a:bodyPr/>
+          <a:lstStyle/>
+          <a:p>
+            <a:r>
+              <a:rPr lang="en-GB" dirty="0"/>
+              <a:t>Lexical Analysis</a:t>
+            </a:r>
+            <a:endParaRPr lang="en-SG" dirty="0"/>
+          </a:p>
+        </p:txBody>
+      </p:sp>
+      <p:sp>
+        <p:nvSpPr>
+          <p:cNvPr id="5" name="Content Placeholder 4">
+            <a:extLst>
+              <a:ext uri="{FF2B5EF4-FFF2-40B4-BE49-F238E27FC236}">
+                <a16:creationId xmlns:a16="http://schemas.microsoft.com/office/drawing/2014/main" id="{2B13EA12-F42E-A14F-570D-C7B3FB0BA678}"/>
+              </a:ext>
+            </a:extLst>
+          </p:cNvPr>
+          <p:cNvSpPr>
+            <a:spLocks noGrp="1"/>
+          </p:cNvSpPr>
+          <p:nvPr>
+            <p:ph idx="1"/>
+          </p:nvPr>
+        </p:nvSpPr>
+        <p:spPr/>
+        <p:txBody>
+          <a:bodyPr>
+            <a:normAutofit/>
+          </a:bodyPr>
+          <a:lstStyle/>
+          <a:p>
+            <a:pPr marL="0" indent="0">
+              <a:buNone/>
+            </a:pPr>
+            <a:r>
+              <a:rPr lang="en-GB" b="1" dirty="0"/>
+              <a:t>Definition (</a:t>
+            </a:r>
+            <a:r>
+              <a:rPr lang="en-GB" b="1" dirty="0">
+                <a:solidFill>
+                  <a:srgbClr val="00B050"/>
+                </a:solidFill>
+              </a:rPr>
+              <a:t>Lexical Analysis</a:t>
+            </a:r>
+            <a:r>
+              <a:rPr lang="en-GB" b="1" dirty="0"/>
+              <a:t>):</a:t>
+            </a:r>
+          </a:p>
+          <a:p>
+            <a:pPr marL="0" indent="0">
+              <a:buNone/>
+            </a:pPr>
+            <a:r>
+              <a:rPr lang="en-GB" dirty="0"/>
+              <a:t>During </a:t>
+            </a:r>
+            <a:r>
+              <a:rPr lang="en-GB" b="1" dirty="0">
+                <a:solidFill>
+                  <a:srgbClr val="00B050"/>
+                </a:solidFill>
+              </a:rPr>
+              <a:t>lexical</a:t>
+            </a:r>
+            <a:r>
+              <a:rPr lang="en-GB" dirty="0">
+                <a:solidFill>
+                  <a:srgbClr val="00B050"/>
+                </a:solidFill>
+              </a:rPr>
+              <a:t> </a:t>
+            </a:r>
+            <a:r>
+              <a:rPr lang="en-GB" b="1" dirty="0">
+                <a:solidFill>
+                  <a:srgbClr val="00B050"/>
+                </a:solidFill>
+              </a:rPr>
+              <a:t>analysis</a:t>
+            </a:r>
+            <a:r>
+              <a:rPr lang="en-GB" dirty="0"/>
+              <a:t>, the source code is broken down into </a:t>
+            </a:r>
+            <a:r>
+              <a:rPr lang="en-GB" b="1" dirty="0">
+                <a:solidFill>
+                  <a:srgbClr val="7030A0"/>
+                </a:solidFill>
+              </a:rPr>
+              <a:t>tokens</a:t>
+            </a:r>
+            <a:r>
+              <a:rPr lang="en-GB" dirty="0"/>
+              <a:t>, which represent the individual components of the language.</a:t>
+            </a:r>
+          </a:p>
+          <a:p>
+            <a:pPr marL="0" indent="0">
+              <a:buNone/>
+            </a:pPr>
+            <a:r>
+              <a:rPr lang="en-GB" dirty="0"/>
+              <a:t>It is sometimes referred to as </a:t>
+            </a:r>
+            <a:r>
+              <a:rPr lang="en-GB" b="1" dirty="0"/>
+              <a:t>scanning</a:t>
+            </a:r>
+            <a:r>
+              <a:rPr lang="en-GB" dirty="0"/>
+              <a:t> or </a:t>
+            </a:r>
+            <a:r>
+              <a:rPr lang="en-GB" b="1" dirty="0"/>
+              <a:t>tokenization</a:t>
+            </a:r>
+            <a:r>
+              <a:rPr lang="en-GB" dirty="0"/>
+              <a:t>.</a:t>
+            </a:r>
+          </a:p>
+          <a:p>
+            <a:pPr marL="0" indent="0">
+              <a:buNone/>
+            </a:pPr>
+            <a:endParaRPr lang="en-GB" dirty="0"/>
+          </a:p>
+          <a:p>
+            <a:pPr marL="0" indent="0">
+              <a:buNone/>
+            </a:pPr>
+            <a:endParaRPr lang="en-GB" b="1" dirty="0"/>
+          </a:p>
+        </p:txBody>
+      </p:sp>
+      <p:pic>
+        <p:nvPicPr>
+          <p:cNvPr id="4" name="Picture 3" descr="Application, shape, arrow&#10;&#10;Description automatically generated">
+            <a:extLst>
+              <a:ext uri="{FF2B5EF4-FFF2-40B4-BE49-F238E27FC236}">
+                <a16:creationId xmlns:a16="http://schemas.microsoft.com/office/drawing/2014/main" id="{516B1709-7CCB-DAA9-4D13-D59FB8BB267D}"/>
+              </a:ext>
+            </a:extLst>
+          </p:cNvPr>
+          <p:cNvPicPr>
+            <a:picLocks noChangeAspect="1"/>
+          </p:cNvPicPr>
+          <p:nvPr/>
+        </p:nvPicPr>
+        <p:blipFill>
+          <a:blip r:embed="rId2">
+            <a:extLst>
+              <a:ext uri="{28A0092B-C50C-407E-A947-70E740481C1C}">
+                <a14:useLocalDpi xmlns:a14="http://schemas.microsoft.com/office/drawing/2010/main" val="0"/>
+              </a:ext>
+            </a:extLst>
+          </a:blip>
+          <a:stretch>
+            <a:fillRect/>
+          </a:stretch>
+        </p:blipFill>
+        <p:spPr>
+          <a:xfrm>
+            <a:off x="838200" y="4181048"/>
+            <a:ext cx="10539306" cy="2368244"/>
+          </a:xfrm>
+          <a:prstGeom prst="rect">
+            <a:avLst/>
+          </a:prstGeom>
+        </p:spPr>
+      </p:pic>
+      <p:sp>
+        <p:nvSpPr>
+          <p:cNvPr id="6" name="TextBox 5">
+            <a:extLst>
+              <a:ext uri="{FF2B5EF4-FFF2-40B4-BE49-F238E27FC236}">
+                <a16:creationId xmlns:a16="http://schemas.microsoft.com/office/drawing/2014/main" id="{57C7ED51-0A97-1822-42FD-5AA2C9F30400}"/>
+              </a:ext>
+            </a:extLst>
+          </p:cNvPr>
+          <p:cNvSpPr txBox="1"/>
+          <p:nvPr/>
+        </p:nvSpPr>
+        <p:spPr>
+          <a:xfrm>
+            <a:off x="8154955" y="4181048"/>
+            <a:ext cx="3526972" cy="2308324"/>
+          </a:xfrm>
+          <a:prstGeom prst="rect">
+            <a:avLst/>
+          </a:prstGeom>
+          <a:solidFill>
+            <a:schemeClr val="bg1"/>
+          </a:solidFill>
+        </p:spPr>
+        <p:txBody>
+          <a:bodyPr wrap="square" rtlCol="0">
+            <a:spAutoFit/>
+          </a:bodyPr>
+          <a:lstStyle/>
+          <a:p>
+            <a:r>
+              <a:rPr lang="en-GB" sz="2400" dirty="0"/>
+              <a:t>KEYWORD (int)</a:t>
+            </a:r>
+          </a:p>
+          <a:p>
+            <a:r>
+              <a:rPr lang="en-GB" sz="2400" dirty="0"/>
+              <a:t>IDENTIFIER (min)</a:t>
+            </a:r>
+          </a:p>
+          <a:p>
+            <a:r>
+              <a:rPr lang="en-GB" sz="2400" dirty="0"/>
+              <a:t>PUNCTUATION (</a:t>
+            </a:r>
+            <a:r>
+              <a:rPr lang="en-GB" sz="2400" dirty="0" err="1"/>
+              <a:t>open_par</a:t>
+            </a:r>
+            <a:r>
+              <a:rPr lang="en-GB" sz="2400" dirty="0"/>
+              <a:t>)</a:t>
+            </a:r>
+          </a:p>
+          <a:p>
+            <a:r>
+              <a:rPr lang="en-GB" sz="2400" dirty="0"/>
+              <a:t>KEYWORD (int)</a:t>
+            </a:r>
+          </a:p>
+          <a:p>
+            <a:r>
+              <a:rPr lang="en-GB" sz="2400" dirty="0"/>
+              <a:t>VARIABLE (</a:t>
+            </a:r>
+            <a:r>
+              <a:rPr lang="en-GB" sz="2400" dirty="0" err="1"/>
+              <a:t>firstNumber</a:t>
+            </a:r>
+            <a:r>
+              <a:rPr lang="en-GB" sz="2400" dirty="0"/>
+              <a:t>)</a:t>
+            </a:r>
+          </a:p>
+          <a:p>
+            <a:r>
+              <a:rPr lang="en-GB" sz="2400" dirty="0"/>
+              <a:t>…</a:t>
+            </a:r>
+            <a:endParaRPr lang="en-SG" sz="2400" dirty="0"/>
+          </a:p>
+        </p:txBody>
+      </p:sp>
+      <p:sp>
+        <p:nvSpPr>
+          <p:cNvPr id="7" name="Arrow: Right 6">
+            <a:extLst>
+              <a:ext uri="{FF2B5EF4-FFF2-40B4-BE49-F238E27FC236}">
+                <a16:creationId xmlns:a16="http://schemas.microsoft.com/office/drawing/2014/main" id="{ECF836CD-AD6D-AE6D-BD12-76C872F50BA1}"/>
+              </a:ext>
+            </a:extLst>
+          </p:cNvPr>
+          <p:cNvSpPr/>
+          <p:nvPr/>
+        </p:nvSpPr>
+        <p:spPr>
+          <a:xfrm>
+            <a:off x="5947508" y="4681415"/>
+            <a:ext cx="1820984" cy="1414585"/>
+          </a:xfrm>
+          <a:prstGeom prst="rightArrow">
+            <a:avLst/>
+          </a:prstGeom>
+        </p:spPr>
+        <p:style>
+          <a:lnRef idx="2">
+            <a:schemeClr val="dk1">
+              <a:shade val="50000"/>
+            </a:schemeClr>
+          </a:lnRef>
+          <a:fillRef idx="1">
+            <a:schemeClr val="dk1"/>
+          </a:fillRef>
+          <a:effectRef idx="0">
+            <a:schemeClr val="dk1"/>
+          </a:effectRef>
+          <a:fontRef idx="minor">
+            <a:schemeClr val="lt1"/>
+          </a:fontRef>
+        </p:style>
+        <p:txBody>
+          <a:bodyPr rtlCol="0" anchor="ctr"/>
+          <a:lstStyle/>
+          <a:p>
+            <a:pPr algn="ctr"/>
+            <a:endParaRPr lang="en-SG"/>
+          </a:p>
+        </p:txBody>
+      </p:sp>
+    </p:spTree>
+    <p:extLst>
+      <p:ext uri="{BB962C8B-B14F-4D97-AF65-F5344CB8AC3E}">
+        <p14:creationId xmlns:p14="http://schemas.microsoft.com/office/powerpoint/2010/main" val="144954399"/>
+      </p:ext>
+    </p:extLst>
+  </p:cSld>
+  <p:clrMapOvr>
+    <a:masterClrMapping/>
+  </p:clrMapOvr>
+</p:sld>
+</file>
+
+<file path=ppt/slides/slide30.xml><?xml version="1.0" encoding="utf-8"?>
+<p:sld xmlns:a="http://schemas.openxmlformats.org/drawingml/2006/main" xmlns:r="http://schemas.openxmlformats.org/officeDocument/2006/relationships" xmlns:p="http://schemas.openxmlformats.org/presentationml/2006/main">
+  <p:cSld>
+    <p:spTree>
+      <p:nvGrpSpPr>
+        <p:cNvPr id="1" name=""/>
+        <p:cNvGrpSpPr/>
+        <p:nvPr/>
+      </p:nvGrpSpPr>
+      <p:grpSpPr>
+        <a:xfrm>
+          <a:off x="0" y="0"/>
+          <a:ext cx="0" cy="0"/>
+          <a:chOff x="0" y="0"/>
+          <a:chExt cx="0" cy="0"/>
+        </a:xfrm>
+      </p:grpSpPr>
+      <p:pic>
+        <p:nvPicPr>
+          <p:cNvPr id="5" name="Picture 4">
+            <a:extLst>
+              <a:ext uri="{FF2B5EF4-FFF2-40B4-BE49-F238E27FC236}">
+                <a16:creationId xmlns:a16="http://schemas.microsoft.com/office/drawing/2014/main" id="{2F4679F7-C17D-822A-453E-511EC7D392FC}"/>
+              </a:ext>
+            </a:extLst>
+          </p:cNvPr>
+          <p:cNvPicPr>
+            <a:picLocks noChangeAspect="1"/>
+          </p:cNvPicPr>
+          <p:nvPr/>
+        </p:nvPicPr>
+        <p:blipFill>
+          <a:blip r:embed="rId2"/>
+          <a:stretch>
+            <a:fillRect/>
+          </a:stretch>
+        </p:blipFill>
+        <p:spPr>
+          <a:xfrm>
+            <a:off x="0" y="334920"/>
+            <a:ext cx="12192000" cy="5422252"/>
+          </a:xfrm>
+          <a:prstGeom prst="rect">
+            <a:avLst/>
+          </a:prstGeom>
+        </p:spPr>
+      </p:pic>
+      <p:pic>
+        <p:nvPicPr>
+          <p:cNvPr id="3" name="Picture 2">
+            <a:extLst>
+              <a:ext uri="{FF2B5EF4-FFF2-40B4-BE49-F238E27FC236}">
+                <a16:creationId xmlns:a16="http://schemas.microsoft.com/office/drawing/2014/main" id="{21048332-7796-4A5C-2578-46E311539F5B}"/>
+              </a:ext>
+            </a:extLst>
+          </p:cNvPr>
+          <p:cNvPicPr>
+            <a:picLocks noChangeAspect="1"/>
+          </p:cNvPicPr>
+          <p:nvPr/>
+        </p:nvPicPr>
+        <p:blipFill>
+          <a:blip r:embed="rId3"/>
+          <a:stretch>
+            <a:fillRect/>
+          </a:stretch>
+        </p:blipFill>
+        <p:spPr>
+          <a:xfrm>
+            <a:off x="4757550" y="856891"/>
+            <a:ext cx="2676899" cy="5144218"/>
+          </a:xfrm>
+          <a:prstGeom prst="rect">
+            <a:avLst/>
+          </a:prstGeom>
+          <a:ln w="38100" cap="sq">
+            <a:solidFill>
+              <a:srgbClr val="000000"/>
+            </a:solidFill>
+            <a:prstDash val="solid"/>
+            <a:miter lim="800000"/>
+          </a:ln>
+          <a:effectLst>
+            <a:outerShdw blurRad="50800" dist="38100" dir="2700000" algn="tl" rotWithShape="0">
+              <a:srgbClr val="000000">
+                <a:alpha val="43000"/>
+              </a:srgbClr>
+            </a:outerShdw>
+          </a:effectLst>
+        </p:spPr>
+      </p:pic>
+    </p:spTree>
+    <p:extLst>
+      <p:ext uri="{BB962C8B-B14F-4D97-AF65-F5344CB8AC3E}">
+        <p14:creationId xmlns:p14="http://schemas.microsoft.com/office/powerpoint/2010/main" val="451959142"/>
+      </p:ext>
+    </p:extLst>
+  </p:cSld>
+  <p:clrMapOvr>
+    <a:masterClrMapping/>
+  </p:clrMapOvr>
+</p:sld>
+</file>
+
+<file path=ppt/slides/slide31.xml><?xml version="1.0" encoding="utf-8"?>
+<p:sld xmlns:a="http://schemas.openxmlformats.org/drawingml/2006/main" xmlns:r="http://schemas.openxmlformats.org/officeDocument/2006/relationships" xmlns:p="http://schemas.openxmlformats.org/presentationml/2006/main">
+  <p:cSld>
+    <p:spTree>
+      <p:nvGrpSpPr>
+        <p:cNvPr id="1" name=""/>
+        <p:cNvGrpSpPr/>
+        <p:nvPr/>
+      </p:nvGrpSpPr>
+      <p:grpSpPr>
+        <a:xfrm>
+          <a:off x="0" y="0"/>
+          <a:ext cx="0" cy="0"/>
+          <a:chOff x="0" y="0"/>
+          <a:chExt cx="0" cy="0"/>
+        </a:xfrm>
+      </p:grpSpPr>
+      <p:sp>
+        <p:nvSpPr>
+          <p:cNvPr id="2" name="Title 1">
+            <a:extLst>
+              <a:ext uri="{FF2B5EF4-FFF2-40B4-BE49-F238E27FC236}">
+                <a16:creationId xmlns:a16="http://schemas.microsoft.com/office/drawing/2014/main" id="{A5BAC226-A027-C401-B260-18D0CB57C3C4}"/>
+              </a:ext>
+            </a:extLst>
+          </p:cNvPr>
+          <p:cNvSpPr>
+            <a:spLocks noGrp="1"/>
+          </p:cNvSpPr>
+          <p:nvPr>
+            <p:ph type="title"/>
+          </p:nvPr>
+        </p:nvSpPr>
+        <p:spPr/>
+        <p:txBody>
+          <a:bodyPr/>
+          <a:lstStyle/>
+          <a:p>
+            <a:r>
+              <a:rPr lang="en-GB" dirty="0"/>
+              <a:t>Our first Tokenizer</a:t>
+            </a:r>
+            <a:endParaRPr lang="en-SG" dirty="0"/>
+          </a:p>
+        </p:txBody>
+      </p:sp>
+      <p:sp>
+        <p:nvSpPr>
+          <p:cNvPr id="3" name="Content Placeholder 2">
+            <a:extLst>
+              <a:ext uri="{FF2B5EF4-FFF2-40B4-BE49-F238E27FC236}">
+                <a16:creationId xmlns:a16="http://schemas.microsoft.com/office/drawing/2014/main" id="{04F9D663-7009-B4BD-3AC7-CAF87C7E3B7B}"/>
+              </a:ext>
+            </a:extLst>
+          </p:cNvPr>
+          <p:cNvSpPr>
+            <a:spLocks noGrp="1"/>
+          </p:cNvSpPr>
+          <p:nvPr>
+            <p:ph sz="half" idx="1"/>
+          </p:nvPr>
+        </p:nvSpPr>
+        <p:spPr>
+          <a:xfrm>
+            <a:off x="838200" y="1825624"/>
+            <a:ext cx="5181600" cy="5032375"/>
+          </a:xfrm>
+        </p:spPr>
+        <p:txBody>
+          <a:bodyPr>
+            <a:normAutofit/>
+          </a:bodyPr>
+          <a:lstStyle/>
+          <a:p>
+            <a:pPr marL="0" indent="0">
+              <a:buNone/>
+            </a:pPr>
+            <a:r>
+              <a:rPr lang="en-GB" dirty="0"/>
+              <a:t>Let us assemble everything we have so far</a:t>
+            </a:r>
+          </a:p>
+          <a:p>
+            <a:r>
+              <a:rPr lang="en-SG" dirty="0"/>
+              <a:t>A code that reads the code in a </a:t>
+            </a:r>
+            <a:r>
+              <a:rPr lang="en-SG" dirty="0" err="1"/>
+              <a:t>source.c</a:t>
+            </a:r>
+            <a:r>
+              <a:rPr lang="en-SG" dirty="0"/>
+              <a:t> file and puts it in a big string,</a:t>
+            </a:r>
+          </a:p>
+          <a:p>
+            <a:r>
+              <a:rPr lang="en-SG" dirty="0"/>
+              <a:t>A code that splits the big string into lexemes, using whitespaces and \n symbols as separators.</a:t>
+            </a:r>
+          </a:p>
+          <a:p>
+            <a:r>
+              <a:rPr lang="en-SG" dirty="0"/>
+              <a:t>An </a:t>
+            </a:r>
+            <a:r>
+              <a:rPr lang="en-SG" dirty="0" err="1"/>
+              <a:t>enum</a:t>
+            </a:r>
+            <a:r>
+              <a:rPr lang="en-SG" dirty="0"/>
+              <a:t> structure for storing the different </a:t>
+            </a:r>
+            <a:r>
+              <a:rPr lang="en-SG" dirty="0" err="1"/>
+              <a:t>TokenTypes</a:t>
+            </a:r>
+            <a:r>
+              <a:rPr lang="en-SG" dirty="0"/>
+              <a:t>,</a:t>
+            </a:r>
+          </a:p>
+        </p:txBody>
+      </p:sp>
+      <p:sp>
+        <p:nvSpPr>
+          <p:cNvPr id="4" name="Content Placeholder 3">
+            <a:extLst>
+              <a:ext uri="{FF2B5EF4-FFF2-40B4-BE49-F238E27FC236}">
+                <a16:creationId xmlns:a16="http://schemas.microsoft.com/office/drawing/2014/main" id="{E5A1B063-5AD8-584F-5C74-AAA9BCF9B5F8}"/>
+              </a:ext>
+            </a:extLst>
+          </p:cNvPr>
+          <p:cNvSpPr>
+            <a:spLocks noGrp="1"/>
+          </p:cNvSpPr>
+          <p:nvPr>
+            <p:ph sz="half" idx="2"/>
+          </p:nvPr>
+        </p:nvSpPr>
+        <p:spPr>
+          <a:xfrm>
+            <a:off x="6172200" y="1825624"/>
+            <a:ext cx="5181600" cy="5032375"/>
+          </a:xfrm>
+        </p:spPr>
+        <p:txBody>
+          <a:bodyPr>
+            <a:normAutofit/>
+          </a:bodyPr>
+          <a:lstStyle/>
+          <a:p>
+            <a:r>
+              <a:rPr lang="en-SG" dirty="0"/>
+              <a:t>A Token struct to store each lexeme and </a:t>
+            </a:r>
+            <a:r>
+              <a:rPr lang="en-SG" dirty="0" err="1"/>
+              <a:t>TokenType</a:t>
+            </a:r>
+            <a:r>
+              <a:rPr lang="en-SG" dirty="0"/>
+              <a:t> corresponding to the lexemes,</a:t>
+            </a:r>
+          </a:p>
+          <a:p>
+            <a:r>
+              <a:rPr lang="en-SG" dirty="0"/>
+              <a:t>A code that can recognize if a lexeme is a KEYWORD or if it should be considered an UNKNOWN Token Type instead,</a:t>
+            </a:r>
+          </a:p>
+          <a:p>
+            <a:r>
+              <a:rPr lang="en-SG" dirty="0"/>
+              <a:t>A code that repeats this operation for each lexemes and creates Tokens accordingly</a:t>
+            </a:r>
+          </a:p>
+          <a:p>
+            <a:endParaRPr lang="en-SG" dirty="0"/>
+          </a:p>
+        </p:txBody>
+      </p:sp>
+    </p:spTree>
+    <p:extLst>
+      <p:ext uri="{BB962C8B-B14F-4D97-AF65-F5344CB8AC3E}">
+        <p14:creationId xmlns:p14="http://schemas.microsoft.com/office/powerpoint/2010/main" val="715460662"/>
+      </p:ext>
+    </p:extLst>
+  </p:cSld>
+  <p:clrMapOvr>
+    <a:masterClrMapping/>
+  </p:clrMapOvr>
+</p:sld>
+</file>
+
+<file path=ppt/slides/slide32.xml><?xml version="1.0" encoding="utf-8"?>
+<p:sld xmlns:a="http://schemas.openxmlformats.org/drawingml/2006/main" xmlns:r="http://schemas.openxmlformats.org/officeDocument/2006/relationships" xmlns:p="http://schemas.openxmlformats.org/presentationml/2006/main">
+  <p:cSld>
+    <p:spTree>
+      <p:nvGrpSpPr>
+        <p:cNvPr id="1" name=""/>
+        <p:cNvGrpSpPr/>
+        <p:nvPr/>
+      </p:nvGrpSpPr>
+      <p:grpSpPr>
+        <a:xfrm>
+          <a:off x="0" y="0"/>
+          <a:ext cx="0" cy="0"/>
+          <a:chOff x="0" y="0"/>
+          <a:chExt cx="0" cy="0"/>
+        </a:xfrm>
+      </p:grpSpPr>
+      <p:pic>
+        <p:nvPicPr>
+          <p:cNvPr id="6" name="Picture 5">
+            <a:extLst>
+              <a:ext uri="{FF2B5EF4-FFF2-40B4-BE49-F238E27FC236}">
+                <a16:creationId xmlns:a16="http://schemas.microsoft.com/office/drawing/2014/main" id="{4F4C1F74-50BE-CBE1-582A-BAAA30C51685}"/>
+              </a:ext>
+            </a:extLst>
+          </p:cNvPr>
+          <p:cNvPicPr>
+            <a:picLocks noChangeAspect="1"/>
+          </p:cNvPicPr>
+          <p:nvPr/>
+        </p:nvPicPr>
+        <p:blipFill>
+          <a:blip r:embed="rId2"/>
+          <a:stretch>
+            <a:fillRect/>
+          </a:stretch>
+        </p:blipFill>
+        <p:spPr>
+          <a:xfrm>
+            <a:off x="1553592" y="0"/>
+            <a:ext cx="9084816" cy="6858000"/>
+          </a:xfrm>
+          <a:prstGeom prst="rect">
+            <a:avLst/>
+          </a:prstGeom>
+        </p:spPr>
+      </p:pic>
+      <p:sp>
+        <p:nvSpPr>
+          <p:cNvPr id="7" name="TextBox 6">
+            <a:extLst>
+              <a:ext uri="{FF2B5EF4-FFF2-40B4-BE49-F238E27FC236}">
+                <a16:creationId xmlns:a16="http://schemas.microsoft.com/office/drawing/2014/main" id="{2535F9C4-2379-E44E-3826-E38D89C4B719}"/>
+              </a:ext>
+            </a:extLst>
+          </p:cNvPr>
+          <p:cNvSpPr txBox="1"/>
+          <p:nvPr/>
+        </p:nvSpPr>
+        <p:spPr>
+          <a:xfrm>
+            <a:off x="9417538" y="245787"/>
+            <a:ext cx="2774462" cy="461665"/>
+          </a:xfrm>
+          <a:prstGeom prst="rect">
+            <a:avLst/>
+          </a:prstGeom>
+          <a:noFill/>
+        </p:spPr>
+        <p:txBody>
+          <a:bodyPr wrap="square" rtlCol="0">
+            <a:spAutoFit/>
+          </a:bodyPr>
+          <a:lstStyle/>
+          <a:p>
+            <a:r>
+              <a:rPr lang="en-GB" sz="2400" b="1" dirty="0">
+                <a:solidFill>
+                  <a:schemeClr val="accent2"/>
+                </a:solidFill>
+              </a:rPr>
+              <a:t>From Code files/4.</a:t>
+            </a:r>
+            <a:endParaRPr lang="en-SG" sz="2400" b="1" dirty="0">
+              <a:solidFill>
+                <a:schemeClr val="accent2"/>
+              </a:solidFill>
+            </a:endParaRPr>
+          </a:p>
+        </p:txBody>
+      </p:sp>
+    </p:spTree>
+    <p:extLst>
+      <p:ext uri="{BB962C8B-B14F-4D97-AF65-F5344CB8AC3E}">
+        <p14:creationId xmlns:p14="http://schemas.microsoft.com/office/powerpoint/2010/main" val="2562731947"/>
+      </p:ext>
+    </p:extLst>
+  </p:cSld>
+  <p:clrMapOvr>
+    <a:masterClrMapping/>
+  </p:clrMapOvr>
+</p:sld>
+</file>
+
+<file path=ppt/slides/slide33.xml><?xml version="1.0" encoding="utf-8"?>
+<p:sld xmlns:a="http://schemas.openxmlformats.org/drawingml/2006/main" xmlns:r="http://schemas.openxmlformats.org/officeDocument/2006/relationships" xmlns:p="http://schemas.openxmlformats.org/presentationml/2006/main">
+  <p:cSld>
+    <p:spTree>
+      <p:nvGrpSpPr>
+        <p:cNvPr id="1" name=""/>
+        <p:cNvGrpSpPr/>
+        <p:nvPr/>
+      </p:nvGrpSpPr>
+      <p:grpSpPr>
+        <a:xfrm>
+          <a:off x="0" y="0"/>
+          <a:ext cx="0" cy="0"/>
+          <a:chOff x="0" y="0"/>
+          <a:chExt cx="0" cy="0"/>
+        </a:xfrm>
+      </p:grpSpPr>
+      <p:sp>
+        <p:nvSpPr>
+          <p:cNvPr id="2" name="Title 1">
+            <a:extLst>
+              <a:ext uri="{FF2B5EF4-FFF2-40B4-BE49-F238E27FC236}">
+                <a16:creationId xmlns:a16="http://schemas.microsoft.com/office/drawing/2014/main" id="{4AAEEF69-BBB1-3B46-8D5B-ED626354D44E}"/>
+              </a:ext>
+            </a:extLst>
+          </p:cNvPr>
+          <p:cNvSpPr>
+            <a:spLocks noGrp="1"/>
+          </p:cNvSpPr>
+          <p:nvPr>
+            <p:ph type="title"/>
+          </p:nvPr>
+        </p:nvSpPr>
+        <p:spPr/>
+        <p:txBody>
+          <a:bodyPr/>
+          <a:lstStyle/>
+          <a:p>
+            <a:r>
+              <a:rPr lang="en-GB" dirty="0"/>
+              <a:t>Recognizing Punctuation</a:t>
+            </a:r>
+            <a:endParaRPr lang="en-SG" dirty="0"/>
+          </a:p>
+        </p:txBody>
+      </p:sp>
+      <p:sp>
+        <p:nvSpPr>
+          <p:cNvPr id="3" name="Content Placeholder 2">
+            <a:extLst>
+              <a:ext uri="{FF2B5EF4-FFF2-40B4-BE49-F238E27FC236}">
+                <a16:creationId xmlns:a16="http://schemas.microsoft.com/office/drawing/2014/main" id="{7EC38D36-2E91-8CCE-E067-FFDC9AA2549C}"/>
+              </a:ext>
+            </a:extLst>
+          </p:cNvPr>
+          <p:cNvSpPr>
+            <a:spLocks noGrp="1"/>
+          </p:cNvSpPr>
+          <p:nvPr>
+            <p:ph idx="1"/>
+          </p:nvPr>
+        </p:nvSpPr>
+        <p:spPr>
+          <a:xfrm>
+            <a:off x="838200" y="1825624"/>
+            <a:ext cx="10515600" cy="5032375"/>
+          </a:xfrm>
+        </p:spPr>
+        <p:txBody>
+          <a:bodyPr>
+            <a:normAutofit/>
+          </a:bodyPr>
+          <a:lstStyle/>
+          <a:p>
+            <a:pPr marL="0" indent="0">
+              <a:buNone/>
+            </a:pPr>
+            <a:r>
+              <a:rPr lang="en-GB" dirty="0"/>
+              <a:t>Our next step will be to recognize punctuation, for instance “;” used at the end of each line.</a:t>
+            </a:r>
+          </a:p>
+          <a:p>
+            <a:r>
+              <a:rPr lang="en-GB" dirty="0"/>
+              <a:t>Technically, this is identical to recognizing keywords, except that we look for a match with the string “;” instead of – say – “int”.</a:t>
+            </a:r>
+          </a:p>
+          <a:p>
+            <a:pPr marL="0" indent="0">
+              <a:buNone/>
+            </a:pPr>
+            <a:r>
+              <a:rPr lang="en-GB" dirty="0"/>
+              <a:t>This can be easily implemented by</a:t>
+            </a:r>
+          </a:p>
+          <a:p>
+            <a:r>
+              <a:rPr lang="en-GB" dirty="0"/>
+              <a:t>Adjusting the Token Types to include a TOKEN_END_OF_LINE type,</a:t>
+            </a:r>
+          </a:p>
+        </p:txBody>
+      </p:sp>
+      <p:pic>
+        <p:nvPicPr>
+          <p:cNvPr id="5" name="Picture 4">
+            <a:extLst>
+              <a:ext uri="{FF2B5EF4-FFF2-40B4-BE49-F238E27FC236}">
+                <a16:creationId xmlns:a16="http://schemas.microsoft.com/office/drawing/2014/main" id="{6C8743FB-BA01-6390-88A6-4158029E6AE9}"/>
+              </a:ext>
+            </a:extLst>
+          </p:cNvPr>
+          <p:cNvPicPr>
+            <a:picLocks noChangeAspect="1"/>
+          </p:cNvPicPr>
+          <p:nvPr/>
+        </p:nvPicPr>
+        <p:blipFill>
+          <a:blip r:embed="rId2"/>
+          <a:stretch>
+            <a:fillRect/>
+          </a:stretch>
+        </p:blipFill>
+        <p:spPr>
+          <a:xfrm>
+            <a:off x="1399519" y="4845907"/>
+            <a:ext cx="9392961" cy="1714739"/>
+          </a:xfrm>
+          <a:prstGeom prst="rect">
+            <a:avLst/>
+          </a:prstGeom>
+        </p:spPr>
+      </p:pic>
+    </p:spTree>
+    <p:extLst>
+      <p:ext uri="{BB962C8B-B14F-4D97-AF65-F5344CB8AC3E}">
+        <p14:creationId xmlns:p14="http://schemas.microsoft.com/office/powerpoint/2010/main" val="2284998225"/>
+      </p:ext>
+    </p:extLst>
+  </p:cSld>
+  <p:clrMapOvr>
+    <a:masterClrMapping/>
+  </p:clrMapOvr>
+</p:sld>
+</file>
+
+<file path=ppt/slides/slide34.xml><?xml version="1.0" encoding="utf-8"?>
+<p:sld xmlns:a="http://schemas.openxmlformats.org/drawingml/2006/main" xmlns:r="http://schemas.openxmlformats.org/officeDocument/2006/relationships" xmlns:p="http://schemas.openxmlformats.org/presentationml/2006/main">
+  <p:cSld>
+    <p:spTree>
+      <p:nvGrpSpPr>
+        <p:cNvPr id="1" name=""/>
+        <p:cNvGrpSpPr/>
+        <p:nvPr/>
+      </p:nvGrpSpPr>
+      <p:grpSpPr>
+        <a:xfrm>
+          <a:off x="0" y="0"/>
+          <a:ext cx="0" cy="0"/>
+          <a:chOff x="0" y="0"/>
+          <a:chExt cx="0" cy="0"/>
+        </a:xfrm>
+      </p:grpSpPr>
+      <p:sp>
+        <p:nvSpPr>
+          <p:cNvPr id="2" name="Title 1">
+            <a:extLst>
+              <a:ext uri="{FF2B5EF4-FFF2-40B4-BE49-F238E27FC236}">
+                <a16:creationId xmlns:a16="http://schemas.microsoft.com/office/drawing/2014/main" id="{4AAEEF69-BBB1-3B46-8D5B-ED626354D44E}"/>
+              </a:ext>
+            </a:extLst>
+          </p:cNvPr>
+          <p:cNvSpPr>
+            <a:spLocks noGrp="1"/>
+          </p:cNvSpPr>
+          <p:nvPr>
+            <p:ph type="title"/>
+          </p:nvPr>
+        </p:nvSpPr>
+        <p:spPr/>
+        <p:txBody>
+          <a:bodyPr/>
+          <a:lstStyle/>
+          <a:p>
+            <a:r>
+              <a:rPr lang="en-GB" dirty="0"/>
+              <a:t>Recognizing Punctuation</a:t>
+            </a:r>
+            <a:endParaRPr lang="en-SG" dirty="0"/>
+          </a:p>
+        </p:txBody>
+      </p:sp>
+      <p:sp>
+        <p:nvSpPr>
+          <p:cNvPr id="3" name="Content Placeholder 2">
+            <a:extLst>
+              <a:ext uri="{FF2B5EF4-FFF2-40B4-BE49-F238E27FC236}">
+                <a16:creationId xmlns:a16="http://schemas.microsoft.com/office/drawing/2014/main" id="{7EC38D36-2E91-8CCE-E067-FFDC9AA2549C}"/>
+              </a:ext>
+            </a:extLst>
+          </p:cNvPr>
+          <p:cNvSpPr>
+            <a:spLocks noGrp="1"/>
+          </p:cNvSpPr>
+          <p:nvPr>
+            <p:ph idx="1"/>
+          </p:nvPr>
+        </p:nvSpPr>
+        <p:spPr>
+          <a:xfrm>
+            <a:off x="838200" y="1825624"/>
+            <a:ext cx="10515600" cy="5032375"/>
+          </a:xfrm>
+        </p:spPr>
+        <p:txBody>
+          <a:bodyPr>
+            <a:normAutofit/>
+          </a:bodyPr>
+          <a:lstStyle/>
+          <a:p>
+            <a:pPr marL="0" indent="0">
+              <a:buNone/>
+            </a:pPr>
+            <a:r>
+              <a:rPr lang="en-GB" dirty="0"/>
+              <a:t>Our next step will be to recognize punctuation, for instance “;” used at the end of each line.</a:t>
+            </a:r>
+          </a:p>
+          <a:p>
+            <a:r>
+              <a:rPr lang="en-GB" dirty="0"/>
+              <a:t>Technically, this is identical to recognizing keywords, except that we look for a match with the string “;” instead of – say – “int”.</a:t>
+            </a:r>
+          </a:p>
+          <a:p>
+            <a:pPr marL="0" indent="0">
+              <a:buNone/>
+            </a:pPr>
+            <a:r>
+              <a:rPr lang="en-GB" dirty="0"/>
+              <a:t>This can be easily implemented by</a:t>
+            </a:r>
+          </a:p>
+          <a:p>
+            <a:r>
+              <a:rPr lang="en-GB" dirty="0"/>
+              <a:t>Adjusting the Token Types to include a TOKEN_END_OF_LINE type,</a:t>
+            </a:r>
+          </a:p>
+          <a:p>
+            <a:r>
+              <a:rPr lang="en-GB" dirty="0"/>
+              <a:t>We again use a </a:t>
+            </a:r>
+            <a:r>
+              <a:rPr lang="en-GB" dirty="0" err="1"/>
+              <a:t>strcmp</a:t>
+            </a:r>
+            <a:r>
+              <a:rPr lang="en-GB" dirty="0"/>
+              <a:t>() operation to check if the lexeme exactly matches “;” , </a:t>
+            </a:r>
+          </a:p>
+          <a:p>
+            <a:r>
+              <a:rPr lang="en-GB" dirty="0"/>
+              <a:t>And if so, we will create a Token accordingly,</a:t>
+            </a:r>
+          </a:p>
+          <a:p>
+            <a:r>
+              <a:rPr lang="en-GB" dirty="0"/>
+              <a:t>Otherwise check if it is a KEYWORD or UNKNOWN Token like before.</a:t>
+            </a:r>
+            <a:endParaRPr lang="en-SG" dirty="0"/>
+          </a:p>
+        </p:txBody>
+      </p:sp>
+    </p:spTree>
+    <p:extLst>
+      <p:ext uri="{BB962C8B-B14F-4D97-AF65-F5344CB8AC3E}">
+        <p14:creationId xmlns:p14="http://schemas.microsoft.com/office/powerpoint/2010/main" val="2281408142"/>
+      </p:ext>
+    </p:extLst>
+  </p:cSld>
+  <p:clrMapOvr>
+    <a:masterClrMapping/>
+  </p:clrMapOvr>
+</p:sld>
+</file>
+
+<file path=ppt/slides/slide35.xml><?xml version="1.0" encoding="utf-8"?>
+<p:sld xmlns:a="http://schemas.openxmlformats.org/drawingml/2006/main" xmlns:r="http://schemas.openxmlformats.org/officeDocument/2006/relationships" xmlns:p="http://schemas.openxmlformats.org/presentationml/2006/main">
+  <p:cSld>
+    <p:spTree>
+      <p:nvGrpSpPr>
+        <p:cNvPr id="1" name=""/>
+        <p:cNvGrpSpPr/>
+        <p:nvPr/>
+      </p:nvGrpSpPr>
+      <p:grpSpPr>
+        <a:xfrm>
+          <a:off x="0" y="0"/>
+          <a:ext cx="0" cy="0"/>
+          <a:chOff x="0" y="0"/>
+          <a:chExt cx="0" cy="0"/>
+        </a:xfrm>
+      </p:grpSpPr>
+      <p:pic>
+        <p:nvPicPr>
+          <p:cNvPr id="5" name="Picture 4">
+            <a:extLst>
+              <a:ext uri="{FF2B5EF4-FFF2-40B4-BE49-F238E27FC236}">
+                <a16:creationId xmlns:a16="http://schemas.microsoft.com/office/drawing/2014/main" id="{7A4808B8-8DA7-952B-8D6C-C2A7D95F2A70}"/>
+              </a:ext>
+            </a:extLst>
+          </p:cNvPr>
+          <p:cNvPicPr>
+            <a:picLocks noChangeAspect="1"/>
+          </p:cNvPicPr>
+          <p:nvPr/>
+        </p:nvPicPr>
+        <p:blipFill>
+          <a:blip r:embed="rId2"/>
+          <a:stretch>
+            <a:fillRect/>
+          </a:stretch>
+        </p:blipFill>
+        <p:spPr>
+          <a:xfrm>
+            <a:off x="1209280" y="0"/>
+            <a:ext cx="9773440" cy="6858000"/>
+          </a:xfrm>
+          <a:prstGeom prst="rect">
+            <a:avLst/>
+          </a:prstGeom>
+        </p:spPr>
+      </p:pic>
     </p:spTree>
     <p:extLst>
       <p:ext uri="{BB962C8B-B14F-4D97-AF65-F5344CB8AC3E}">
@@ -15422,7 +20395,7 @@
 </p:sld>
 </file>
 
-<file path=ppt/slides/slide11.xml><?xml version="1.0" encoding="utf-8"?>
+<file path=ppt/slides/slide36.xml><?xml version="1.0" encoding="utf-8"?>
 <p:sld xmlns:a="http://schemas.openxmlformats.org/drawingml/2006/main" xmlns:r="http://schemas.openxmlformats.org/officeDocument/2006/relationships" xmlns:p="http://schemas.openxmlformats.org/presentationml/2006/main">
   <p:cSld>
     <p:spTree>
@@ -15484,23 +20457,49 @@
             <p:ph idx="1"/>
           </p:nvPr>
         </p:nvSpPr>
-        <p:spPr/>
+        <p:spPr>
+          <a:xfrm>
+            <a:off x="838200" y="1825624"/>
+            <a:ext cx="10515600" cy="5032375"/>
+          </a:xfrm>
+        </p:spPr>
         <p:txBody>
           <a:bodyPr>
-            <a:normAutofit fontScale="92500" lnSpcReduction="10000"/>
+            <a:normAutofit/>
           </a:bodyPr>
           <a:lstStyle/>
           <a:p>
-            <a:r>
-              <a:rPr lang="en-GB" dirty="0"/>
-              <a:t>The semicolon (;) in C serves as a statement delimiter, indicating the end of a statement. It helps the compiler to understand the structure of the code and determine where each statement begins and ends. The use of semicolons makes it easier to parse the source code and correctly identify statements, even when they appear on the same line or span multiple lines.</a:t>
-            </a:r>
-          </a:p>
-          <a:p>
-            <a:r>
-              <a:rPr lang="en-GB" dirty="0"/>
-              <a:t>If C did not require semicolons, it would still be possible for a tokenizer or parser to process the code, but the language would need to be designed differently, and additional rules would have to be introduced to determine the end of a statement. For example, some languages like Python rely on indentation to indicate the structure of the code, and they do not require semicolons.</a:t>
-            </a:r>
+            <a:pPr marL="0" indent="0">
+              <a:buNone/>
+            </a:pPr>
+            <a:r>
+              <a:rPr lang="en-GB" dirty="0"/>
+              <a:t>In C, the semicolon (;) typically serves as a statement delimiter, indicating the end of a statement or line.</a:t>
+            </a:r>
+          </a:p>
+          <a:p>
+            <a:r>
+              <a:rPr lang="en-GB" dirty="0"/>
+              <a:t>It must be used and cannot be omitted, or the compiler will crash.</a:t>
+            </a:r>
+          </a:p>
+          <a:p>
+            <a:r>
+              <a:rPr lang="en-GB" dirty="0"/>
+              <a:t>At the moment, we suspect that this will help the compiler to understand the structure of the code and determine where each statement begins and ends.</a:t>
+            </a:r>
+          </a:p>
+          <a:p>
+            <a:r>
+              <a:rPr lang="en-GB" dirty="0"/>
+              <a:t>If C did not require semicolons, it would still be possible for a compiler to process the code, but the language would need to be designed differently, and additional rules would have to be introduced to determine the end of a statement (e.g. Python rely on indentation).</a:t>
+            </a:r>
+          </a:p>
+          <a:p>
+            <a:endParaRPr lang="en-GB" dirty="0"/>
+          </a:p>
+          <a:p>
+            <a:endParaRPr lang="en-GB" dirty="0"/>
           </a:p>
         </p:txBody>
       </p:sp>
@@ -15517,7 +20516,7 @@
 </p:sld>
 </file>
 
-<file path=ppt/slides/slide12.xml><?xml version="1.0" encoding="utf-8"?>
+<file path=ppt/slides/slide37.xml><?xml version="1.0" encoding="utf-8"?>
 <p:sld xmlns:a="http://schemas.openxmlformats.org/drawingml/2006/main" xmlns:r="http://schemas.openxmlformats.org/officeDocument/2006/relationships" xmlns:p="http://schemas.openxmlformats.org/presentationml/2006/main">
   <p:cSld>
     <p:spTree>
@@ -15579,34 +20578,62 @@
             <p:ph idx="1"/>
           </p:nvPr>
         </p:nvSpPr>
-        <p:spPr/>
+        <p:spPr>
+          <a:xfrm>
+            <a:off x="838200" y="1825624"/>
+            <a:ext cx="10515600" cy="5032375"/>
+          </a:xfrm>
+        </p:spPr>
         <p:txBody>
           <a:bodyPr>
-            <a:normAutofit fontScale="92500"/>
+            <a:normAutofit/>
           </a:bodyPr>
           <a:lstStyle/>
           <a:p>
-            <a:r>
-              <a:rPr lang="en-GB" dirty="0"/>
-              <a:t>The semicolon doesn't significantly affect the tokenization process, as the tokenizer's primary purpose is to break the input source code into individual tokens, regardless of whether they are separated by semicolons or not. </a:t>
-            </a:r>
-          </a:p>
-          <a:p>
-            <a:r>
-              <a:rPr lang="en-GB" dirty="0"/>
-              <a:t>The semicolon, however, serves as a statement delimiter, helping the parser to correctly identify and group statements in the code.</a:t>
-            </a:r>
-          </a:p>
-          <a:p>
-            <a:r>
-              <a:rPr lang="en-GB" dirty="0"/>
-              <a:t>This allows the compiler to understand the structure of the code, distinguish between different statements, and identify any syntax errors.</a:t>
-            </a:r>
-          </a:p>
-          <a:p>
-            <a:r>
-              <a:rPr lang="en-GB" dirty="0"/>
-              <a:t>It then plays a crucial role in the parsing phase by helping the compiler to correctly understand and represent the structure of the code.</a:t>
+            <a:pPr marL="0" indent="0">
+              <a:buNone/>
+            </a:pPr>
+            <a:r>
+              <a:rPr lang="en-GB" b="1" dirty="0"/>
+              <a:t>To be honest, the semicolon symbol does not significantly affect the tokenization process.</a:t>
+            </a:r>
+          </a:p>
+          <a:p>
+            <a:r>
+              <a:rPr lang="en-GB" dirty="0"/>
+              <a:t>Its sole purpose is to break the input source code into individual lexemes,</a:t>
+            </a:r>
+          </a:p>
+          <a:p>
+            <a:r>
+              <a:rPr lang="en-GB" dirty="0"/>
+              <a:t>Recognize the types of these lexemes and create Tokens with the appropriate types accordingly,</a:t>
+            </a:r>
+          </a:p>
+          <a:p>
+            <a:r>
+              <a:rPr lang="en-GB" dirty="0"/>
+              <a:t>And the tokenizer does so, regardless of whether the syntax makes sense or not,</a:t>
+            </a:r>
+          </a:p>
+          <a:p>
+            <a:r>
+              <a:rPr lang="en-GB" i="1" dirty="0"/>
+              <a:t>(I mean “int for while if return </a:t>
+            </a:r>
+            <a:r>
+              <a:rPr lang="en-GB" i="1" dirty="0" err="1"/>
+              <a:t>intwhile</a:t>
+            </a:r>
+            <a:r>
+              <a:rPr lang="en-GB" i="1" dirty="0"/>
+              <a:t>;” seriously?)</a:t>
+            </a:r>
+          </a:p>
+          <a:p>
+            <a:r>
+              <a:rPr lang="en-GB" dirty="0"/>
+              <a:t>And whether they are separated by semicolons or not. </a:t>
             </a:r>
           </a:p>
           <a:p>
@@ -15627,7 +20654,170 @@
 </p:sld>
 </file>
 
-<file path=ppt/slides/slide13.xml><?xml version="1.0" encoding="utf-8"?>
+<file path=ppt/slides/slide38.xml><?xml version="1.0" encoding="utf-8"?>
+<p:sld xmlns:a="http://schemas.openxmlformats.org/drawingml/2006/main" xmlns:r="http://schemas.openxmlformats.org/officeDocument/2006/relationships" xmlns:p="http://schemas.openxmlformats.org/presentationml/2006/main">
+  <p:cSld>
+    <p:spTree>
+      <p:nvGrpSpPr>
+        <p:cNvPr id="1" name=""/>
+        <p:cNvGrpSpPr/>
+        <p:nvPr/>
+      </p:nvGrpSpPr>
+      <p:grpSpPr>
+        <a:xfrm>
+          <a:off x="0" y="0"/>
+          <a:ext cx="0" cy="0"/>
+          <a:chOff x="0" y="0"/>
+          <a:chExt cx="0" cy="0"/>
+        </a:xfrm>
+      </p:grpSpPr>
+      <p:sp>
+        <p:nvSpPr>
+          <p:cNvPr id="2" name="Title 1">
+            <a:extLst>
+              <a:ext uri="{FF2B5EF4-FFF2-40B4-BE49-F238E27FC236}">
+                <a16:creationId xmlns:a16="http://schemas.microsoft.com/office/drawing/2014/main" id="{3F3A8E5D-D62D-6849-97C5-C6FAB816270D}"/>
+              </a:ext>
+            </a:extLst>
+          </p:cNvPr>
+          <p:cNvSpPr>
+            <a:spLocks noGrp="1"/>
+          </p:cNvSpPr>
+          <p:nvPr>
+            <p:ph type="title"/>
+          </p:nvPr>
+        </p:nvSpPr>
+        <p:spPr/>
+        <p:txBody>
+          <a:bodyPr/>
+          <a:lstStyle/>
+          <a:p>
+            <a:r>
+              <a:rPr lang="en-GB" dirty="0"/>
+              <a:t>Quick question, why do we need ; anyway?</a:t>
+            </a:r>
+            <a:endParaRPr lang="en-SG" dirty="0"/>
+          </a:p>
+        </p:txBody>
+      </p:sp>
+      <p:sp>
+        <p:nvSpPr>
+          <p:cNvPr id="3" name="Content Placeholder 2">
+            <a:extLst>
+              <a:ext uri="{FF2B5EF4-FFF2-40B4-BE49-F238E27FC236}">
+                <a16:creationId xmlns:a16="http://schemas.microsoft.com/office/drawing/2014/main" id="{0181BEC2-7644-FF3D-3865-CE873EBA7B28}"/>
+              </a:ext>
+            </a:extLst>
+          </p:cNvPr>
+          <p:cNvSpPr>
+            <a:spLocks noGrp="1"/>
+          </p:cNvSpPr>
+          <p:nvPr>
+            <p:ph idx="1"/>
+          </p:nvPr>
+        </p:nvSpPr>
+        <p:spPr>
+          <a:xfrm>
+            <a:off x="838200" y="1825624"/>
+            <a:ext cx="10515600" cy="5032375"/>
+          </a:xfrm>
+        </p:spPr>
+        <p:txBody>
+          <a:bodyPr>
+            <a:normAutofit/>
+          </a:bodyPr>
+          <a:lstStyle/>
+          <a:p>
+            <a:r>
+              <a:rPr lang="en-GB" dirty="0"/>
+              <a:t>The semicolon, however, serves as a statement delimiter, which will help the </a:t>
+            </a:r>
+            <a:r>
+              <a:rPr lang="en-GB" b="1" dirty="0"/>
+              <a:t>PARSER</a:t>
+            </a:r>
+            <a:r>
+              <a:rPr lang="en-GB" dirty="0"/>
+              <a:t> (in the next step) to correctly identify and group statements in the code.</a:t>
+            </a:r>
+          </a:p>
+          <a:p>
+            <a:r>
+              <a:rPr lang="en-GB" dirty="0"/>
+              <a:t>This will typically allow the compiler to understand the structure of the code, distinguish between different statements, and later identify any syntax errors.</a:t>
+            </a:r>
+          </a:p>
+          <a:p>
+            <a:r>
+              <a:rPr lang="en-GB" dirty="0"/>
+              <a:t>The semicolon symbol (;) then plays a crucial role in the </a:t>
+            </a:r>
+            <a:r>
+              <a:rPr lang="en-GB" b="1" dirty="0"/>
+              <a:t>PARSING</a:t>
+            </a:r>
+            <a:r>
+              <a:rPr lang="en-GB" dirty="0"/>
+              <a:t> phase by helping the compiler to correctly understand and represent the structure of the code.</a:t>
+            </a:r>
+          </a:p>
+          <a:p>
+            <a:r>
+              <a:rPr lang="en-GB" dirty="0"/>
+              <a:t>But this </a:t>
+            </a:r>
+            <a:r>
+              <a:rPr lang="en-GB" b="1" dirty="0"/>
+              <a:t>SYNTAX</a:t>
+            </a:r>
+            <a:r>
+              <a:rPr lang="en-GB" dirty="0"/>
+              <a:t> analysis comes later, and it is </a:t>
+            </a:r>
+            <a:r>
+              <a:rPr lang="en-GB" u="sng" dirty="0"/>
+              <a:t>not the job</a:t>
+            </a:r>
+            <a:r>
+              <a:rPr lang="en-GB" dirty="0"/>
+              <a:t> of the </a:t>
+            </a:r>
+            <a:r>
+              <a:rPr lang="en-GB" b="1" dirty="0"/>
+              <a:t>LEXICAL </a:t>
+            </a:r>
+            <a:r>
+              <a:rPr lang="en-GB" dirty="0"/>
+              <a:t>analysis </a:t>
+            </a:r>
+            <a:r>
+              <a:rPr lang="en-GB" b="1" dirty="0"/>
+              <a:t>(or TOKENIZATION)</a:t>
+            </a:r>
+            <a:r>
+              <a:rPr lang="en-GB" dirty="0"/>
+              <a:t>.</a:t>
+            </a:r>
+          </a:p>
+          <a:p>
+            <a:endParaRPr lang="en-SG" dirty="0"/>
+          </a:p>
+        </p:txBody>
+      </p:sp>
+    </p:spTree>
+    <p:extLst>
+      <p:ext uri="{BB962C8B-B14F-4D97-AF65-F5344CB8AC3E}">
+        <p14:creationId xmlns:p14="http://schemas.microsoft.com/office/powerpoint/2010/main" val="1434956895"/>
+      </p:ext>
+    </p:extLst>
+  </p:cSld>
+  <p:clrMapOvr>
+    <a:masterClrMapping/>
+  </p:clrMapOvr>
+</p:sld>
+</file>
+
+<file path=ppt/slides/slide39.xml><?xml version="1.0" encoding="utf-8"?>
 <p:sld xmlns:a="http://schemas.openxmlformats.org/drawingml/2006/main" xmlns:r="http://schemas.openxmlformats.org/officeDocument/2006/relationships" xmlns:p="http://schemas.openxmlformats.org/presentationml/2006/main">
   <p:cSld>
     <p:spTree>
@@ -15667,7 +20857,7 @@
           <a:p>
             <a:r>
               <a:rPr lang="en-GB" dirty="0"/>
-              <a:t>Amending our token types and recognizing operators</a:t>
+              <a:t>Recognizing additional punctuation/operators</a:t>
             </a:r>
             <a:endParaRPr lang="en-SG" dirty="0"/>
           </a:p>
@@ -15686,18 +20876,81 @@
             <a:spLocks noGrp="1"/>
           </p:cNvSpPr>
           <p:nvPr>
-            <p:ph idx="1"/>
+            <p:ph sz="half" idx="1"/>
           </p:nvPr>
         </p:nvSpPr>
-        <p:spPr/>
+        <p:spPr>
+          <a:xfrm>
+            <a:off x="838200" y="1825624"/>
+            <a:ext cx="4351215" cy="5032375"/>
+          </a:xfrm>
+        </p:spPr>
         <p:txBody>
           <a:bodyPr/>
           <a:lstStyle/>
           <a:p>
-            <a:endParaRPr lang="en-SG"/>
+            <a:pPr marL="0" indent="0">
+              <a:buNone/>
+            </a:pPr>
+            <a:r>
+              <a:rPr lang="en-GB" dirty="0"/>
+              <a:t>As with the “;” symbol, most</a:t>
+            </a:r>
+          </a:p>
+          <a:p>
+            <a:r>
+              <a:rPr lang="en-GB" dirty="0"/>
+              <a:t>punctuation signs (curly braces, parentheses, etc.)</a:t>
+            </a:r>
+          </a:p>
+          <a:p>
+            <a:r>
+              <a:rPr lang="en-GB" dirty="0"/>
+              <a:t>or operators (e.g. “+”, “-”, “*”, “/”, etc.)</a:t>
+            </a:r>
+          </a:p>
+          <a:p>
+            <a:pPr marL="0" indent="0">
+              <a:buNone/>
+            </a:pPr>
+            <a:r>
+              <a:rPr lang="en-GB" dirty="0"/>
+              <a:t>will consist of a single special character We can then create Token Types for each of these operators, as before.</a:t>
+            </a:r>
+            <a:endParaRPr lang="en-SG" dirty="0"/>
           </a:p>
         </p:txBody>
       </p:sp>
+      <p:pic>
+        <p:nvPicPr>
+          <p:cNvPr id="7" name="Picture 6">
+            <a:extLst>
+              <a:ext uri="{FF2B5EF4-FFF2-40B4-BE49-F238E27FC236}">
+                <a16:creationId xmlns:a16="http://schemas.microsoft.com/office/drawing/2014/main" id="{1B06422F-39BB-7AE0-BDFD-9C010C04F4DF}"/>
+              </a:ext>
+            </a:extLst>
+          </p:cNvPr>
+          <p:cNvPicPr>
+            <a:picLocks noChangeAspect="1"/>
+          </p:cNvPicPr>
+          <p:nvPr/>
+        </p:nvPicPr>
+        <p:blipFill>
+          <a:blip r:embed="rId2"/>
+          <a:stretch>
+            <a:fillRect/>
+          </a:stretch>
+        </p:blipFill>
+        <p:spPr>
+          <a:xfrm>
+            <a:off x="5542622" y="2510227"/>
+            <a:ext cx="6649378" cy="3181794"/>
+          </a:xfrm>
+          <a:prstGeom prst="rect">
+            <a:avLst/>
+          </a:prstGeom>
+        </p:spPr>
+      </p:pic>
     </p:spTree>
     <p:extLst>
       <p:ext uri="{BB962C8B-B14F-4D97-AF65-F5344CB8AC3E}">
@@ -15711,7 +20964,275 @@
 </p:sld>
 </file>
 
-<file path=ppt/slides/slide14.xml><?xml version="1.0" encoding="utf-8"?>
+<file path=ppt/slides/slide4.xml><?xml version="1.0" encoding="utf-8"?>
+<p:sld xmlns:a="http://schemas.openxmlformats.org/drawingml/2006/main" xmlns:r="http://schemas.openxmlformats.org/officeDocument/2006/relationships" xmlns:p="http://schemas.openxmlformats.org/presentationml/2006/main">
+  <p:cSld>
+    <p:spTree>
+      <p:nvGrpSpPr>
+        <p:cNvPr id="1" name=""/>
+        <p:cNvGrpSpPr/>
+        <p:nvPr/>
+      </p:nvGrpSpPr>
+      <p:grpSpPr>
+        <a:xfrm>
+          <a:off x="0" y="0"/>
+          <a:ext cx="0" cy="0"/>
+          <a:chOff x="0" y="0"/>
+          <a:chExt cx="0" cy="0"/>
+        </a:xfrm>
+      </p:grpSpPr>
+      <p:sp>
+        <p:nvSpPr>
+          <p:cNvPr id="2" name="Title 1">
+            <a:extLst>
+              <a:ext uri="{FF2B5EF4-FFF2-40B4-BE49-F238E27FC236}">
+                <a16:creationId xmlns:a16="http://schemas.microsoft.com/office/drawing/2014/main" id="{87657C29-1A3B-9090-2528-30E69AB94051}"/>
+              </a:ext>
+            </a:extLst>
+          </p:cNvPr>
+          <p:cNvSpPr>
+            <a:spLocks noGrp="1"/>
+          </p:cNvSpPr>
+          <p:nvPr>
+            <p:ph type="title"/>
+          </p:nvPr>
+        </p:nvSpPr>
+        <p:spPr/>
+        <p:txBody>
+          <a:bodyPr/>
+          <a:lstStyle/>
+          <a:p>
+            <a:r>
+              <a:rPr lang="en-GB" dirty="0"/>
+              <a:t>Lexical Analysis</a:t>
+            </a:r>
+            <a:endParaRPr lang="en-SG" dirty="0"/>
+          </a:p>
+        </p:txBody>
+      </p:sp>
+      <p:sp>
+        <p:nvSpPr>
+          <p:cNvPr id="5" name="Content Placeholder 4">
+            <a:extLst>
+              <a:ext uri="{FF2B5EF4-FFF2-40B4-BE49-F238E27FC236}">
+                <a16:creationId xmlns:a16="http://schemas.microsoft.com/office/drawing/2014/main" id="{2B13EA12-F42E-A14F-570D-C7B3FB0BA678}"/>
+              </a:ext>
+            </a:extLst>
+          </p:cNvPr>
+          <p:cNvSpPr>
+            <a:spLocks noGrp="1"/>
+          </p:cNvSpPr>
+          <p:nvPr>
+            <p:ph sz="half" idx="1"/>
+          </p:nvPr>
+        </p:nvSpPr>
+        <p:spPr/>
+        <p:txBody>
+          <a:bodyPr>
+            <a:normAutofit/>
+          </a:bodyPr>
+          <a:lstStyle/>
+          <a:p>
+            <a:pPr marL="0" indent="0">
+              <a:buNone/>
+            </a:pPr>
+            <a:r>
+              <a:rPr lang="en-GB" b="1" dirty="0"/>
+              <a:t>Definition (</a:t>
+            </a:r>
+            <a:r>
+              <a:rPr lang="en-GB" b="1" dirty="0">
+                <a:solidFill>
+                  <a:srgbClr val="7030A0"/>
+                </a:solidFill>
+              </a:rPr>
+              <a:t>Tokens</a:t>
+            </a:r>
+            <a:r>
+              <a:rPr lang="en-GB" b="1" dirty="0"/>
+              <a:t>):</a:t>
+            </a:r>
+          </a:p>
+          <a:p>
+            <a:pPr marL="0" indent="0">
+              <a:buNone/>
+            </a:pPr>
+            <a:r>
+              <a:rPr lang="en-GB" b="1" dirty="0">
+                <a:solidFill>
+                  <a:srgbClr val="7030A0"/>
+                </a:solidFill>
+              </a:rPr>
+              <a:t>Tokens</a:t>
+            </a:r>
+            <a:r>
+              <a:rPr lang="en-GB" dirty="0"/>
+              <a:t> are the </a:t>
+            </a:r>
+            <a:r>
+              <a:rPr lang="en-GB" b="1" dirty="0"/>
+              <a:t>smallest individual units of a programming language </a:t>
+            </a:r>
+            <a:r>
+              <a:rPr lang="en-GB" dirty="0"/>
+              <a:t>that the compiler can recognize and understand.</a:t>
+            </a:r>
+            <a:br>
+              <a:rPr lang="en-GB" dirty="0"/>
+            </a:br>
+            <a:r>
+              <a:rPr lang="en-GB" dirty="0"/>
+              <a:t>A token is a sequence of characters that has a specific meaning in the language, such as a </a:t>
+            </a:r>
+            <a:r>
+              <a:rPr lang="en-GB" b="1" dirty="0"/>
+              <a:t>keyword</a:t>
+            </a:r>
+            <a:r>
+              <a:rPr lang="en-GB" dirty="0"/>
+              <a:t>, </a:t>
+            </a:r>
+            <a:r>
+              <a:rPr lang="en-GB" b="1" dirty="0"/>
+              <a:t>identifier</a:t>
+            </a:r>
+            <a:r>
+              <a:rPr lang="en-GB" dirty="0"/>
+              <a:t>, </a:t>
+            </a:r>
+            <a:r>
+              <a:rPr lang="en-GB" b="1" dirty="0"/>
+              <a:t>operator</a:t>
+            </a:r>
+            <a:r>
+              <a:rPr lang="en-GB" dirty="0"/>
+              <a:t>, or </a:t>
+            </a:r>
+            <a:r>
+              <a:rPr lang="en-GB" b="1" dirty="0"/>
+              <a:t>punctuation</a:t>
+            </a:r>
+            <a:r>
+              <a:rPr lang="en-GB" dirty="0"/>
+              <a:t> </a:t>
+            </a:r>
+            <a:r>
+              <a:rPr lang="en-GB" b="1" dirty="0"/>
+              <a:t>symbol</a:t>
+            </a:r>
+            <a:r>
+              <a:rPr lang="en-GB" dirty="0"/>
+              <a:t>.</a:t>
+            </a:r>
+            <a:endParaRPr lang="en-SG" dirty="0"/>
+          </a:p>
+        </p:txBody>
+      </p:sp>
+      <p:sp>
+        <p:nvSpPr>
+          <p:cNvPr id="3" name="Content Placeholder 2">
+            <a:extLst>
+              <a:ext uri="{FF2B5EF4-FFF2-40B4-BE49-F238E27FC236}">
+                <a16:creationId xmlns:a16="http://schemas.microsoft.com/office/drawing/2014/main" id="{E1F7AF25-2360-31D8-D5BF-56EDDD31008D}"/>
+              </a:ext>
+            </a:extLst>
+          </p:cNvPr>
+          <p:cNvSpPr>
+            <a:spLocks noGrp="1"/>
+          </p:cNvSpPr>
+          <p:nvPr>
+            <p:ph sz="half" idx="2"/>
+          </p:nvPr>
+        </p:nvSpPr>
+        <p:spPr>
+          <a:xfrm>
+            <a:off x="6172200" y="1825624"/>
+            <a:ext cx="5181600" cy="5032375"/>
+          </a:xfrm>
+        </p:spPr>
+        <p:txBody>
+          <a:bodyPr>
+            <a:normAutofit/>
+          </a:bodyPr>
+          <a:lstStyle/>
+          <a:p>
+            <a:r>
+              <a:rPr lang="en-GB" b="1" dirty="0"/>
+              <a:t>Keyword: </a:t>
+            </a:r>
+            <a:r>
+              <a:rPr lang="en-GB" dirty="0"/>
+              <a:t>A keyword is </a:t>
+            </a:r>
+            <a:r>
+              <a:rPr lang="en-GB" b="1" dirty="0"/>
+              <a:t>a reserved word </a:t>
+            </a:r>
+            <a:r>
+              <a:rPr lang="en-GB" dirty="0"/>
+              <a:t>in a programming language that </a:t>
+            </a:r>
+            <a:r>
+              <a:rPr lang="en-GB" b="1" dirty="0"/>
+              <a:t>has a special meaning</a:t>
+            </a:r>
+            <a:r>
+              <a:rPr lang="en-GB" dirty="0"/>
+              <a:t> and cannot be used as an identifier.</a:t>
+            </a:r>
+          </a:p>
+          <a:p>
+            <a:pPr marL="0" indent="0">
+              <a:buNone/>
+            </a:pPr>
+            <a:r>
+              <a:rPr lang="en-GB" dirty="0"/>
+              <a:t>Examples of keywords in the C programming language:</a:t>
+            </a:r>
+          </a:p>
+          <a:p>
+            <a:r>
+              <a:rPr lang="en-GB" dirty="0"/>
+              <a:t>int, double, long, ...</a:t>
+            </a:r>
+          </a:p>
+          <a:p>
+            <a:r>
+              <a:rPr lang="en-GB" dirty="0"/>
+              <a:t>if, else, while, …</a:t>
+            </a:r>
+          </a:p>
+          <a:p>
+            <a:r>
+              <a:rPr lang="en-GB" dirty="0"/>
+              <a:t>return, ...</a:t>
+            </a:r>
+          </a:p>
+          <a:p>
+            <a:r>
+              <a:rPr lang="en-GB" dirty="0"/>
+              <a:t>etc.</a:t>
+            </a:r>
+          </a:p>
+          <a:p>
+            <a:endParaRPr lang="en-SG" dirty="0"/>
+          </a:p>
+        </p:txBody>
+      </p:sp>
+    </p:spTree>
+    <p:extLst>
+      <p:ext uri="{BB962C8B-B14F-4D97-AF65-F5344CB8AC3E}">
+        <p14:creationId xmlns:p14="http://schemas.microsoft.com/office/powerpoint/2010/main" val="885607022"/>
+      </p:ext>
+    </p:extLst>
+  </p:cSld>
+  <p:clrMapOvr>
+    <a:masterClrMapping/>
+  </p:clrMapOvr>
+</p:sld>
+</file>
+
+<file path=ppt/slides/slide40.xml><?xml version="1.0" encoding="utf-8"?>
 <p:sld xmlns:a="http://schemas.openxmlformats.org/drawingml/2006/main" xmlns:r="http://schemas.openxmlformats.org/officeDocument/2006/relationships" xmlns:p="http://schemas.openxmlformats.org/presentationml/2006/main">
   <p:cSld>
     <p:spTree>
@@ -15751,7 +21272,7 @@
           <a:p>
             <a:r>
               <a:rPr lang="en-GB" dirty="0"/>
-              <a:t>Listing all operators under one banner or more tokens?</a:t>
+              <a:t>Quick question</a:t>
             </a:r>
             <a:endParaRPr lang="en-SG" dirty="0"/>
           </a:p>
@@ -15773,22 +21294,42 @@
             <p:ph idx="1"/>
           </p:nvPr>
         </p:nvSpPr>
-        <p:spPr/>
+        <p:spPr>
+          <a:xfrm>
+            <a:off x="838200" y="1825624"/>
+            <a:ext cx="10515600" cy="5032375"/>
+          </a:xfrm>
+        </p:spPr>
         <p:txBody>
           <a:bodyPr>
             <a:normAutofit lnSpcReduction="10000"/>
           </a:bodyPr>
           <a:lstStyle/>
           <a:p>
-            <a:r>
-              <a:rPr lang="en-GB" dirty="0"/>
-              <a:t>The approach for categorizing tokens depends on the specific compiler implementation. Some compilers may indeed use separate token types for each operator, as shown in the previous example. However, other compilers might choose to use a single TOKEN_OPERATOR type for all operators and differentiate between them using the lexeme information.</a:t>
-            </a:r>
-          </a:p>
-          <a:p>
-            <a:r>
-              <a:rPr lang="en-GB" dirty="0"/>
-              <a:t>Using a single TOKEN_OPERATOR type can simplify the tokenization process, but it may require additional logic during the parsing phase to determine the specific type of operator. This approach can be more efficient and flexible, as it reduces the number of distinct token types and allows the parser to handle various operators based on context.</a:t>
+            <a:pPr marL="0" indent="0">
+              <a:buNone/>
+            </a:pPr>
+            <a:r>
+              <a:rPr lang="en-GB" b="1" dirty="0"/>
+              <a:t>Shall we use a single Token Type TOKEN_OPERATOR for all operators; or should we make more categories of Token Types (TOKEN_ADD, MULT, SUB, DIV, etc.)? Same thing for KEYWORDs.</a:t>
+            </a:r>
+          </a:p>
+          <a:p>
+            <a:r>
+              <a:rPr lang="en-GB" dirty="0"/>
+              <a:t>Some compilers may indeed use separate token types for each operator, as shown in the previous example.</a:t>
+            </a:r>
+          </a:p>
+          <a:p>
+            <a:r>
+              <a:rPr lang="en-GB" dirty="0"/>
+              <a:t>However, other compilers might choose to use a single TOKEN_OPERATOR type instead, which will simplify the tokenization process, but may require additional work during the parsing to determine the specific type of operator.</a:t>
+            </a:r>
+          </a:p>
+          <a:p>
+            <a:r>
+              <a:rPr lang="en-GB" dirty="0"/>
+              <a:t>This approach can be more efficient and flexible, as it reduces the number of distinct token types and allows the parser to handle various operators based on context.</a:t>
             </a:r>
             <a:endParaRPr lang="en-SG" dirty="0"/>
           </a:p>
@@ -15807,7 +21348,7 @@
 </p:sld>
 </file>
 
-<file path=ppt/slides/slide15.xml><?xml version="1.0" encoding="utf-8"?>
+<file path=ppt/slides/slide41.xml><?xml version="1.0" encoding="utf-8"?>
 <p:sld xmlns:a="http://schemas.openxmlformats.org/drawingml/2006/main" xmlns:r="http://schemas.openxmlformats.org/officeDocument/2006/relationships" xmlns:p="http://schemas.openxmlformats.org/presentationml/2006/main">
   <p:cSld>
     <p:spTree>
@@ -15877,30 +21418,40 @@
             <p:ph idx="1"/>
           </p:nvPr>
         </p:nvSpPr>
-        <p:spPr/>
+        <p:spPr>
+          <a:xfrm>
+            <a:off x="838200" y="1825624"/>
+            <a:ext cx="10515600" cy="5032375"/>
+          </a:xfrm>
+        </p:spPr>
         <p:txBody>
           <a:bodyPr>
-            <a:normAutofit fontScale="92500" lnSpcReduction="20000"/>
+            <a:normAutofit/>
           </a:bodyPr>
           <a:lstStyle/>
           <a:p>
             <a:r>
               <a:rPr lang="en-GB" dirty="0"/>
-              <a:t>GCC (GNU Compiler Collection) uses a more generic approach for handling operators rather than having individual token types for each of them. It categorizes operators under a single token type and uses the lexeme information to differentiate between them during the parsing phase.</a:t>
-            </a:r>
-          </a:p>
-          <a:p>
-            <a:r>
-              <a:rPr lang="en-GB" dirty="0"/>
-              <a:t>When GCC tokenizes the source code, it assigns a token kind (enumeration) to each token. For operators, it assigns a general CPP_OPERATOR token kind. The parser later uses the specific operator information stored in the token's lexeme to apply the correct grammar rules and handle the operator accordingly.</a:t>
-            </a:r>
-          </a:p>
-          <a:p>
-            <a:r>
-              <a:rPr lang="en-GB" dirty="0"/>
-              <a:t>This approach helps to simplify the tokenization process, as it reduces the number of distinct token kinds that need to be managed. It also allows the parser to handle various operators based on context, providing flexibility in processing the source code.</a:t>
-            </a:r>
-            <a:endParaRPr lang="en-SG" dirty="0"/>
+              <a:t>GCC uses a the most generic approach of the two and tends to categorize operators under a single token type TOKEN_OPERATOR.</a:t>
+            </a:r>
+          </a:p>
+          <a:p>
+            <a:r>
+              <a:rPr lang="en-GB" dirty="0"/>
+              <a:t>It will later use the lexeme information to differentiate between them during the parsing phase.</a:t>
+            </a:r>
+          </a:p>
+          <a:p>
+            <a:r>
+              <a:rPr lang="en-GB" dirty="0"/>
+              <a:t>For simplicity however, we will assume that different types of tokens will be implemented.</a:t>
+            </a:r>
+          </a:p>
+          <a:p>
+            <a:r>
+              <a:rPr lang="en-GB" i="1" dirty="0"/>
+              <a:t>(This means, we should technically go back and define more Token Types for keywords, such as TOKEN_KEYWORD_INT, TOKEN_KEYWORD_WHILE, etc.)</a:t>
+            </a:r>
           </a:p>
         </p:txBody>
       </p:sp>
@@ -15917,7 +21468,7 @@
 </p:sld>
 </file>
 
-<file path=ppt/slides/slide16.xml><?xml version="1.0" encoding="utf-8"?>
+<file path=ppt/slides/slide42.xml><?xml version="1.0" encoding="utf-8"?>
 <p:sld xmlns:a="http://schemas.openxmlformats.org/drawingml/2006/main" xmlns:r="http://schemas.openxmlformats.org/officeDocument/2006/relationships" xmlns:p="http://schemas.openxmlformats.org/presentationml/2006/main">
   <p:cSld>
     <p:spTree>
@@ -15939,7 +21490,7 @@
           <p:cNvPr id="2" name="Title 1">
             <a:extLst>
               <a:ext uri="{FF2B5EF4-FFF2-40B4-BE49-F238E27FC236}">
-                <a16:creationId xmlns:a16="http://schemas.microsoft.com/office/drawing/2014/main" id="{9A25E005-16DB-EA57-0159-A6C7D19E1985}"/>
+                <a16:creationId xmlns:a16="http://schemas.microsoft.com/office/drawing/2014/main" id="{6B70F080-5AE6-BE06-1477-59814861F873}"/>
               </a:ext>
             </a:extLst>
           </p:cNvPr>
@@ -15957,7 +21508,7 @@
           <a:p>
             <a:r>
               <a:rPr lang="en-GB" dirty="0"/>
-              <a:t>Recognizing more punctuation, for instance ()</a:t>
+              <a:t>Back to our additional punctuation/operators</a:t>
             </a:r>
             <a:endParaRPr lang="en-SG" dirty="0"/>
           </a:p>
@@ -15968,7 +21519,7 @@
           <p:cNvPr id="3" name="Content Placeholder 2">
             <a:extLst>
               <a:ext uri="{FF2B5EF4-FFF2-40B4-BE49-F238E27FC236}">
-                <a16:creationId xmlns:a16="http://schemas.microsoft.com/office/drawing/2014/main" id="{12F7B2AF-AF99-BBA6-B678-EFDB133C49CD}"/>
+                <a16:creationId xmlns:a16="http://schemas.microsoft.com/office/drawing/2014/main" id="{0AC2E044-D0C1-8668-6F70-6B3FC04F04C8}"/>
               </a:ext>
             </a:extLst>
           </p:cNvPr>
@@ -15976,26 +21527,85 @@
             <a:spLocks noGrp="1"/>
           </p:cNvSpPr>
           <p:nvPr>
-            <p:ph idx="1"/>
+            <p:ph sz="half" idx="1"/>
           </p:nvPr>
         </p:nvSpPr>
-        <p:spPr/>
+        <p:spPr>
+          <a:xfrm>
+            <a:off x="838200" y="1825624"/>
+            <a:ext cx="4351215" cy="5032375"/>
+          </a:xfrm>
+        </p:spPr>
         <p:txBody>
           <a:bodyPr/>
           <a:lstStyle/>
           <a:p>
-            <a:r>
-              <a:rPr lang="en-GB" dirty="0"/>
-              <a:t>Note: checking that each opened parenthesis gets closed is NOT the job of the tokenizer.</a:t>
+            <a:pPr marL="0" indent="0">
+              <a:buNone/>
+            </a:pPr>
+            <a:r>
+              <a:rPr lang="en-GB" dirty="0"/>
+              <a:t>As with the “;” symbol, most</a:t>
+            </a:r>
+          </a:p>
+          <a:p>
+            <a:r>
+              <a:rPr lang="en-GB" dirty="0"/>
+              <a:t>punctuation signs (curly braces, parentheses, etc.)</a:t>
+            </a:r>
+          </a:p>
+          <a:p>
+            <a:r>
+              <a:rPr lang="en-GB" dirty="0"/>
+              <a:t>or operators (e.g. “+”, “-”, “*”, “/”, etc.)</a:t>
+            </a:r>
+          </a:p>
+          <a:p>
+            <a:pPr marL="0" indent="0">
+              <a:buNone/>
+            </a:pPr>
+            <a:r>
+              <a:rPr lang="en-GB" dirty="0"/>
+              <a:t>will consist of a single special character We can then create Token Types for each of these operators, as before.</a:t>
             </a:r>
             <a:endParaRPr lang="en-SG" dirty="0"/>
           </a:p>
         </p:txBody>
       </p:sp>
+      <p:pic>
+        <p:nvPicPr>
+          <p:cNvPr id="7" name="Picture 6">
+            <a:extLst>
+              <a:ext uri="{FF2B5EF4-FFF2-40B4-BE49-F238E27FC236}">
+                <a16:creationId xmlns:a16="http://schemas.microsoft.com/office/drawing/2014/main" id="{1B06422F-39BB-7AE0-BDFD-9C010C04F4DF}"/>
+              </a:ext>
+            </a:extLst>
+          </p:cNvPr>
+          <p:cNvPicPr>
+            <a:picLocks noChangeAspect="1"/>
+          </p:cNvPicPr>
+          <p:nvPr/>
+        </p:nvPicPr>
+        <p:blipFill>
+          <a:blip r:embed="rId2"/>
+          <a:stretch>
+            <a:fillRect/>
+          </a:stretch>
+        </p:blipFill>
+        <p:spPr>
+          <a:xfrm>
+            <a:off x="5542622" y="2510227"/>
+            <a:ext cx="6649378" cy="3181794"/>
+          </a:xfrm>
+          <a:prstGeom prst="rect">
+            <a:avLst/>
+          </a:prstGeom>
+        </p:spPr>
+      </p:pic>
     </p:spTree>
     <p:extLst>
       <p:ext uri="{BB962C8B-B14F-4D97-AF65-F5344CB8AC3E}">
-        <p14:creationId xmlns:p14="http://schemas.microsoft.com/office/powerpoint/2010/main" val="67563267"/>
+        <p14:creationId xmlns:p14="http://schemas.microsoft.com/office/powerpoint/2010/main" val="1452149184"/>
       </p:ext>
     </p:extLst>
   </p:cSld>
@@ -16005,7 +21615,7 @@
 </p:sld>
 </file>
 
-<file path=ppt/slides/slide17.xml><?xml version="1.0" encoding="utf-8"?>
+<file path=ppt/slides/slide43.xml><?xml version="1.0" encoding="utf-8"?>
 <p:sld xmlns:a="http://schemas.openxmlformats.org/drawingml/2006/main" xmlns:r="http://schemas.openxmlformats.org/officeDocument/2006/relationships" xmlns:p="http://schemas.openxmlformats.org/presentationml/2006/main">
   <p:cSld>
     <p:spTree>
@@ -16027,7 +21637,7 @@
           <p:cNvPr id="2" name="Title 1">
             <a:extLst>
               <a:ext uri="{FF2B5EF4-FFF2-40B4-BE49-F238E27FC236}">
-                <a16:creationId xmlns:a16="http://schemas.microsoft.com/office/drawing/2014/main" id="{65A51B7F-DE56-D3CD-4476-31140B935C77}"/>
+                <a16:creationId xmlns:a16="http://schemas.microsoft.com/office/drawing/2014/main" id="{6B70F080-5AE6-BE06-1477-59814861F873}"/>
               </a:ext>
             </a:extLst>
           </p:cNvPr>
@@ -16043,7 +21653,11 @@
           <a:bodyPr/>
           <a:lstStyle/>
           <a:p>
-            <a:endParaRPr lang="en-SG"/>
+            <a:r>
+              <a:rPr lang="en-GB" dirty="0"/>
+              <a:t>Back to our additional punctuation/operators</a:t>
+            </a:r>
+            <a:endParaRPr lang="en-SG" dirty="0"/>
           </a:p>
         </p:txBody>
       </p:sp>
@@ -16052,7 +21666,7 @@
           <p:cNvPr id="3" name="Content Placeholder 2">
             <a:extLst>
               <a:ext uri="{FF2B5EF4-FFF2-40B4-BE49-F238E27FC236}">
-                <a16:creationId xmlns:a16="http://schemas.microsoft.com/office/drawing/2014/main" id="{F376D78A-094B-F331-95AB-321725E6799D}"/>
+                <a16:creationId xmlns:a16="http://schemas.microsoft.com/office/drawing/2014/main" id="{0AC2E044-D0C1-8668-6F70-6B3FC04F04C8}"/>
               </a:ext>
             </a:extLst>
           </p:cNvPr>
@@ -16060,22 +21674,82 @@
             <a:spLocks noGrp="1"/>
           </p:cNvSpPr>
           <p:nvPr>
-            <p:ph idx="1"/>
+            <p:ph sz="half" idx="1"/>
           </p:nvPr>
         </p:nvSpPr>
-        <p:spPr/>
+        <p:spPr>
+          <a:xfrm>
+            <a:off x="838200" y="1825624"/>
+            <a:ext cx="4351215" cy="5032375"/>
+          </a:xfrm>
+        </p:spPr>
         <p:txBody>
           <a:bodyPr/>
           <a:lstStyle/>
           <a:p>
-            <a:endParaRPr lang="en-SG"/>
+            <a:pPr marL="0" indent="0">
+              <a:buNone/>
+            </a:pPr>
+            <a:r>
+              <a:rPr lang="en-GB" dirty="0"/>
+              <a:t>Another quick note: </a:t>
+            </a:r>
+          </a:p>
+          <a:p>
+            <a:r>
+              <a:rPr lang="en-GB" dirty="0"/>
+              <a:t>Checking that each opened parenthesis gets closed is NOT the job of the TOKENIZER.</a:t>
+            </a:r>
+          </a:p>
+          <a:p>
+            <a:r>
+              <a:rPr lang="en-GB" dirty="0"/>
+              <a:t>Just like before with “;”, this falls under the SYNTAX analysis category.</a:t>
+            </a:r>
+          </a:p>
+          <a:p>
+            <a:r>
+              <a:rPr lang="en-GB" dirty="0"/>
+              <a:t>And will therefore be the job of the PARSING phase.</a:t>
+            </a:r>
+            <a:endParaRPr lang="en-SG" dirty="0"/>
           </a:p>
         </p:txBody>
       </p:sp>
+      <p:pic>
+        <p:nvPicPr>
+          <p:cNvPr id="7" name="Picture 6">
+            <a:extLst>
+              <a:ext uri="{FF2B5EF4-FFF2-40B4-BE49-F238E27FC236}">
+                <a16:creationId xmlns:a16="http://schemas.microsoft.com/office/drawing/2014/main" id="{1B06422F-39BB-7AE0-BDFD-9C010C04F4DF}"/>
+              </a:ext>
+            </a:extLst>
+          </p:cNvPr>
+          <p:cNvPicPr>
+            <a:picLocks noChangeAspect="1"/>
+          </p:cNvPicPr>
+          <p:nvPr/>
+        </p:nvPicPr>
+        <p:blipFill>
+          <a:blip r:embed="rId2"/>
+          <a:stretch>
+            <a:fillRect/>
+          </a:stretch>
+        </p:blipFill>
+        <p:spPr>
+          <a:xfrm>
+            <a:off x="5542622" y="2510227"/>
+            <a:ext cx="6649378" cy="3181794"/>
+          </a:xfrm>
+          <a:prstGeom prst="rect">
+            <a:avLst/>
+          </a:prstGeom>
+        </p:spPr>
+      </p:pic>
     </p:spTree>
     <p:extLst>
       <p:ext uri="{BB962C8B-B14F-4D97-AF65-F5344CB8AC3E}">
-        <p14:creationId xmlns:p14="http://schemas.microsoft.com/office/powerpoint/2010/main" val="3917151320"/>
+        <p14:creationId xmlns:p14="http://schemas.microsoft.com/office/powerpoint/2010/main" val="1303576390"/>
       </p:ext>
     </p:extLst>
   </p:cSld>
@@ -16085,7 +21759,128 @@
 </p:sld>
 </file>
 
-<file path=ppt/slides/slide18.xml><?xml version="1.0" encoding="utf-8"?>
+<file path=ppt/slides/slide44.xml><?xml version="1.0" encoding="utf-8"?>
+<p:sld xmlns:a="http://schemas.openxmlformats.org/drawingml/2006/main" xmlns:r="http://schemas.openxmlformats.org/officeDocument/2006/relationships" xmlns:p="http://schemas.openxmlformats.org/presentationml/2006/main">
+  <p:cSld>
+    <p:spTree>
+      <p:nvGrpSpPr>
+        <p:cNvPr id="1" name=""/>
+        <p:cNvGrpSpPr/>
+        <p:nvPr/>
+      </p:nvGrpSpPr>
+      <p:grpSpPr>
+        <a:xfrm>
+          <a:off x="0" y="0"/>
+          <a:ext cx="0" cy="0"/>
+          <a:chOff x="0" y="0"/>
+          <a:chExt cx="0" cy="0"/>
+        </a:xfrm>
+      </p:grpSpPr>
+      <p:pic>
+        <p:nvPicPr>
+          <p:cNvPr id="6" name="Picture 5">
+            <a:extLst>
+              <a:ext uri="{FF2B5EF4-FFF2-40B4-BE49-F238E27FC236}">
+                <a16:creationId xmlns:a16="http://schemas.microsoft.com/office/drawing/2014/main" id="{9CC7F84D-21D8-8FB2-B322-420A295C240C}"/>
+              </a:ext>
+            </a:extLst>
+          </p:cNvPr>
+          <p:cNvPicPr>
+            <a:picLocks noChangeAspect="1"/>
+          </p:cNvPicPr>
+          <p:nvPr/>
+        </p:nvPicPr>
+        <p:blipFill>
+          <a:blip r:embed="rId2"/>
+          <a:stretch>
+            <a:fillRect/>
+          </a:stretch>
+        </p:blipFill>
+        <p:spPr>
+          <a:xfrm>
+            <a:off x="2957074" y="109074"/>
+            <a:ext cx="6277851" cy="6639852"/>
+          </a:xfrm>
+          <a:prstGeom prst="rect">
+            <a:avLst/>
+          </a:prstGeom>
+        </p:spPr>
+      </p:pic>
+      <p:sp>
+        <p:nvSpPr>
+          <p:cNvPr id="7" name="TextBox 6">
+            <a:extLst>
+              <a:ext uri="{FF2B5EF4-FFF2-40B4-BE49-F238E27FC236}">
+                <a16:creationId xmlns:a16="http://schemas.microsoft.com/office/drawing/2014/main" id="{81E4220C-AA1B-D510-F3AE-DD716B8A6862}"/>
+              </a:ext>
+            </a:extLst>
+          </p:cNvPr>
+          <p:cNvSpPr txBox="1"/>
+          <p:nvPr/>
+        </p:nvSpPr>
+        <p:spPr>
+          <a:xfrm>
+            <a:off x="9234925" y="1715080"/>
+            <a:ext cx="2774462" cy="3046988"/>
+          </a:xfrm>
+          <a:prstGeom prst="rect">
+            <a:avLst/>
+          </a:prstGeom>
+          <a:noFill/>
+        </p:spPr>
+        <p:txBody>
+          <a:bodyPr wrap="square" rtlCol="0">
+            <a:spAutoFit/>
+          </a:bodyPr>
+          <a:lstStyle/>
+          <a:p>
+            <a:r>
+              <a:rPr lang="en-GB" sz="2400" b="1" dirty="0">
+                <a:solidFill>
+                  <a:schemeClr val="accent2"/>
+                </a:solidFill>
+              </a:rPr>
+              <a:t>Found in main() function to match operators and additional punctuation symbols.</a:t>
+            </a:r>
+          </a:p>
+          <a:p>
+            <a:endParaRPr lang="en-GB" sz="2400" b="1" dirty="0">
+              <a:solidFill>
+                <a:schemeClr val="accent2"/>
+              </a:solidFill>
+            </a:endParaRPr>
+          </a:p>
+          <a:p>
+            <a:r>
+              <a:rPr lang="en-GB" sz="2400" b="1" dirty="0">
+                <a:solidFill>
+                  <a:schemeClr val="accent2"/>
+                </a:solidFill>
+              </a:rPr>
+              <a:t>From Code files/6.</a:t>
+            </a:r>
+            <a:endParaRPr lang="en-SG" sz="2400" b="1" dirty="0">
+              <a:solidFill>
+                <a:schemeClr val="accent2"/>
+              </a:solidFill>
+            </a:endParaRPr>
+          </a:p>
+        </p:txBody>
+      </p:sp>
+    </p:spTree>
+    <p:extLst>
+      <p:ext uri="{BB962C8B-B14F-4D97-AF65-F5344CB8AC3E}">
+        <p14:creationId xmlns:p14="http://schemas.microsoft.com/office/powerpoint/2010/main" val="1438970372"/>
+      </p:ext>
+    </p:extLst>
+  </p:cSld>
+  <p:clrMapOvr>
+    <a:masterClrMapping/>
+  </p:clrMapOvr>
+</p:sld>
+</file>
+
+<file path=ppt/slides/slide45.xml><?xml version="1.0" encoding="utf-8"?>
 <p:sld xmlns:a="http://schemas.openxmlformats.org/drawingml/2006/main" xmlns:r="http://schemas.openxmlformats.org/officeDocument/2006/relationships" xmlns:p="http://schemas.openxmlformats.org/presentationml/2006/main">
   <p:cSld>
     <p:spTree>
@@ -16107,7 +21902,7 @@
           <p:cNvPr id="2" name="Title 1">
             <a:extLst>
               <a:ext uri="{FF2B5EF4-FFF2-40B4-BE49-F238E27FC236}">
-                <a16:creationId xmlns:a16="http://schemas.microsoft.com/office/drawing/2014/main" id="{D065951C-565E-64E8-2DAC-96386CE5A389}"/>
+                <a16:creationId xmlns:a16="http://schemas.microsoft.com/office/drawing/2014/main" id="{BBE723EF-56B8-4C1C-9BA0-271237D8633E}"/>
               </a:ext>
             </a:extLst>
           </p:cNvPr>
@@ -16123,7 +21918,11 @@
           <a:bodyPr/>
           <a:lstStyle/>
           <a:p>
-            <a:endParaRPr lang="en-SG"/>
+            <a:r>
+              <a:rPr lang="en-GB" dirty="0"/>
+              <a:t>Conclusion</a:t>
+            </a:r>
+            <a:endParaRPr lang="en-SG" dirty="0"/>
           </a:p>
         </p:txBody>
       </p:sp>
@@ -16132,7 +21931,7 @@
           <p:cNvPr id="3" name="Content Placeholder 2">
             <a:extLst>
               <a:ext uri="{FF2B5EF4-FFF2-40B4-BE49-F238E27FC236}">
-                <a16:creationId xmlns:a16="http://schemas.microsoft.com/office/drawing/2014/main" id="{F3DF9A81-20AF-FEEE-E46F-311E87E34682}"/>
+                <a16:creationId xmlns:a16="http://schemas.microsoft.com/office/drawing/2014/main" id="{9AB80C83-C934-5699-D703-63ADBD743464}"/>
               </a:ext>
             </a:extLst>
           </p:cNvPr>
@@ -16148,14 +21947,51 @@
           <a:bodyPr/>
           <a:lstStyle/>
           <a:p>
-            <a:endParaRPr lang="en-SG"/>
+            <a:pPr marL="0" indent="0">
+              <a:buNone/>
+            </a:pPr>
+            <a:r>
+              <a:rPr lang="en-GB" dirty="0"/>
+              <a:t>Let us call it a day for now.</a:t>
+            </a:r>
+          </a:p>
+          <a:p>
+            <a:r>
+              <a:rPr lang="en-GB" dirty="0"/>
+              <a:t>More will follow on how to recognize identifier, literals, etc</a:t>
+            </a:r>
+            <a:r>
+              <a:rPr lang="en-SG" dirty="0"/>
+              <a:t>.</a:t>
+            </a:r>
+          </a:p>
+          <a:p>
+            <a:r>
+              <a:rPr lang="en-SG" dirty="0"/>
+              <a:t>Error handling in the case of incorrect/unknown lexemes</a:t>
+            </a:r>
+          </a:p>
+          <a:p>
+            <a:r>
+              <a:rPr lang="en-SG" dirty="0"/>
+              <a:t>Conflict resolution in the case of multiple Token Types matches</a:t>
+            </a:r>
+          </a:p>
+          <a:p>
+            <a:r>
+              <a:rPr lang="en-SG" dirty="0"/>
+              <a:t>Etc.</a:t>
+            </a:r>
+          </a:p>
+          <a:p>
+            <a:endParaRPr lang="en-GB" dirty="0"/>
           </a:p>
         </p:txBody>
       </p:sp>
     </p:spTree>
     <p:extLst>
       <p:ext uri="{BB962C8B-B14F-4D97-AF65-F5344CB8AC3E}">
-        <p14:creationId xmlns:p14="http://schemas.microsoft.com/office/powerpoint/2010/main" val="495269238"/>
+        <p14:creationId xmlns:p14="http://schemas.microsoft.com/office/powerpoint/2010/main" val="669465544"/>
       </p:ext>
     </p:extLst>
   </p:cSld>
@@ -16165,721 +22001,7 @@
 </p:sld>
 </file>
 
-<file path=ppt/slides/slide19.xml><?xml version="1.0" encoding="utf-8"?>
-<p:sld xmlns:a="http://schemas.openxmlformats.org/drawingml/2006/main" xmlns:r="http://schemas.openxmlformats.org/officeDocument/2006/relationships" xmlns:p="http://schemas.openxmlformats.org/presentationml/2006/main">
-  <p:cSld>
-    <p:spTree>
-      <p:nvGrpSpPr>
-        <p:cNvPr id="1" name=""/>
-        <p:cNvGrpSpPr/>
-        <p:nvPr/>
-      </p:nvGrpSpPr>
-      <p:grpSpPr>
-        <a:xfrm>
-          <a:off x="0" y="0"/>
-          <a:ext cx="0" cy="0"/>
-          <a:chOff x="0" y="0"/>
-          <a:chExt cx="0" cy="0"/>
-        </a:xfrm>
-      </p:grpSpPr>
-      <p:sp>
-        <p:nvSpPr>
-          <p:cNvPr id="2" name="Title 1">
-            <a:extLst>
-              <a:ext uri="{FF2B5EF4-FFF2-40B4-BE49-F238E27FC236}">
-                <a16:creationId xmlns:a16="http://schemas.microsoft.com/office/drawing/2014/main" id="{0079627F-70EB-8E0A-6248-4ED8AD626895}"/>
-              </a:ext>
-            </a:extLst>
-          </p:cNvPr>
-          <p:cNvSpPr>
-            <a:spLocks noGrp="1"/>
-          </p:cNvSpPr>
-          <p:nvPr>
-            <p:ph type="title"/>
-          </p:nvPr>
-        </p:nvSpPr>
-        <p:spPr/>
-        <p:txBody>
-          <a:bodyPr/>
-          <a:lstStyle/>
-          <a:p>
-            <a:endParaRPr lang="en-SG"/>
-          </a:p>
-        </p:txBody>
-      </p:sp>
-      <p:sp>
-        <p:nvSpPr>
-          <p:cNvPr id="3" name="Content Placeholder 2">
-            <a:extLst>
-              <a:ext uri="{FF2B5EF4-FFF2-40B4-BE49-F238E27FC236}">
-                <a16:creationId xmlns:a16="http://schemas.microsoft.com/office/drawing/2014/main" id="{306C4572-3C15-501C-3331-96F92C540D37}"/>
-              </a:ext>
-            </a:extLst>
-          </p:cNvPr>
-          <p:cNvSpPr>
-            <a:spLocks noGrp="1"/>
-          </p:cNvSpPr>
-          <p:nvPr>
-            <p:ph idx="1"/>
-          </p:nvPr>
-        </p:nvSpPr>
-        <p:spPr/>
-        <p:txBody>
-          <a:bodyPr/>
-          <a:lstStyle/>
-          <a:p>
-            <a:endParaRPr lang="en-SG"/>
-          </a:p>
-        </p:txBody>
-      </p:sp>
-    </p:spTree>
-    <p:extLst>
-      <p:ext uri="{BB962C8B-B14F-4D97-AF65-F5344CB8AC3E}">
-        <p14:creationId xmlns:p14="http://schemas.microsoft.com/office/powerpoint/2010/main" val="1053501067"/>
-      </p:ext>
-    </p:extLst>
-  </p:cSld>
-  <p:clrMapOvr>
-    <a:masterClrMapping/>
-  </p:clrMapOvr>
-</p:sld>
-</file>
-
-<file path=ppt/slides/slide2.xml><?xml version="1.0" encoding="utf-8"?>
-<p:sld xmlns:a="http://schemas.openxmlformats.org/drawingml/2006/main" xmlns:r="http://schemas.openxmlformats.org/officeDocument/2006/relationships" xmlns:p="http://schemas.openxmlformats.org/presentationml/2006/main">
-  <p:cSld>
-    <p:spTree>
-      <p:nvGrpSpPr>
-        <p:cNvPr id="1" name=""/>
-        <p:cNvGrpSpPr/>
-        <p:nvPr/>
-      </p:nvGrpSpPr>
-      <p:grpSpPr>
-        <a:xfrm>
-          <a:off x="0" y="0"/>
-          <a:ext cx="0" cy="0"/>
-          <a:chOff x="0" y="0"/>
-          <a:chExt cx="0" cy="0"/>
-        </a:xfrm>
-      </p:grpSpPr>
-      <p:sp>
-        <p:nvSpPr>
-          <p:cNvPr id="2" name="Title 1">
-            <a:extLst>
-              <a:ext uri="{FF2B5EF4-FFF2-40B4-BE49-F238E27FC236}">
-                <a16:creationId xmlns:a16="http://schemas.microsoft.com/office/drawing/2014/main" id="{FDBAFFF3-987A-98F9-2066-15EA4BC85752}"/>
-              </a:ext>
-            </a:extLst>
-          </p:cNvPr>
-          <p:cNvSpPr>
-            <a:spLocks noGrp="1"/>
-          </p:cNvSpPr>
-          <p:nvPr>
-            <p:ph type="title"/>
-          </p:nvPr>
-        </p:nvSpPr>
-        <p:spPr/>
-        <p:txBody>
-          <a:bodyPr/>
-          <a:lstStyle/>
-          <a:p>
-            <a:r>
-              <a:rPr lang="en-GB" dirty="0"/>
-              <a:t>Scanning the source code, step by step</a:t>
-            </a:r>
-            <a:endParaRPr lang="en-SG" dirty="0"/>
-          </a:p>
-        </p:txBody>
-      </p:sp>
-      <p:sp>
-        <p:nvSpPr>
-          <p:cNvPr id="3" name="Content Placeholder 2">
-            <a:extLst>
-              <a:ext uri="{FF2B5EF4-FFF2-40B4-BE49-F238E27FC236}">
-                <a16:creationId xmlns:a16="http://schemas.microsoft.com/office/drawing/2014/main" id="{3A042D93-CD6F-47FD-CFC4-21D7D6C38EDD}"/>
-              </a:ext>
-            </a:extLst>
-          </p:cNvPr>
-          <p:cNvSpPr>
-            <a:spLocks noGrp="1"/>
-          </p:cNvSpPr>
-          <p:nvPr>
-            <p:ph idx="1"/>
-          </p:nvPr>
-        </p:nvSpPr>
-        <p:spPr>
-          <a:xfrm>
-            <a:off x="838200" y="1825624"/>
-            <a:ext cx="10515600" cy="5032375"/>
-          </a:xfrm>
-        </p:spPr>
-        <p:txBody>
-          <a:bodyPr>
-            <a:normAutofit lnSpcReduction="10000"/>
-          </a:bodyPr>
-          <a:lstStyle/>
-          <a:p>
-            <a:pPr marL="0" indent="0">
-              <a:buNone/>
-            </a:pPr>
-            <a:r>
-              <a:rPr lang="en-GB" dirty="0"/>
-              <a:t>In this example, we demonstrate how to read the source code string "int x=1023;" from a file named "</a:t>
-            </a:r>
-            <a:r>
-              <a:rPr lang="en-GB" dirty="0" err="1"/>
-              <a:t>source.c</a:t>
-            </a:r>
-            <a:r>
-              <a:rPr lang="en-GB" dirty="0"/>
-              <a:t>".</a:t>
-            </a:r>
-          </a:p>
-          <a:p>
-            <a:pPr marL="0" indent="0">
-              <a:buNone/>
-            </a:pPr>
-            <a:r>
-              <a:rPr lang="en-GB" dirty="0"/>
-              <a:t>We'll use a simple file I/O operation to achieve this.</a:t>
-            </a:r>
-          </a:p>
-          <a:p>
-            <a:r>
-              <a:rPr lang="en-GB" dirty="0"/>
-              <a:t>Open the file with </a:t>
-            </a:r>
-            <a:r>
-              <a:rPr lang="en-GB" dirty="0" err="1"/>
-              <a:t>fopen</a:t>
-            </a:r>
-            <a:r>
-              <a:rPr lang="en-GB" dirty="0"/>
-              <a:t>().</a:t>
-            </a:r>
-          </a:p>
-          <a:p>
-            <a:r>
-              <a:rPr lang="en-GB" dirty="0"/>
-              <a:t>Find the file size by seeking to the end and getting the current position with </a:t>
-            </a:r>
-            <a:r>
-              <a:rPr lang="en-GB" dirty="0" err="1"/>
-              <a:t>ftell</a:t>
-            </a:r>
-            <a:r>
-              <a:rPr lang="en-GB" dirty="0"/>
-              <a:t>().</a:t>
-            </a:r>
-          </a:p>
-          <a:p>
-            <a:r>
-              <a:rPr lang="en-GB" dirty="0"/>
-              <a:t>Rewind the file position to the beginning with rewind().</a:t>
-            </a:r>
-          </a:p>
-          <a:p>
-            <a:r>
-              <a:rPr lang="en-GB" dirty="0"/>
-              <a:t>Allocate memory for the source code string.</a:t>
-            </a:r>
-          </a:p>
-          <a:p>
-            <a:r>
-              <a:rPr lang="en-GB" dirty="0"/>
-              <a:t>Read the content of the file into the string with </a:t>
-            </a:r>
-            <a:r>
-              <a:rPr lang="en-GB" dirty="0" err="1"/>
-              <a:t>fread</a:t>
-            </a:r>
-            <a:r>
-              <a:rPr lang="en-GB" dirty="0"/>
-              <a:t>().</a:t>
-            </a:r>
-          </a:p>
-          <a:p>
-            <a:r>
-              <a:rPr lang="en-GB" dirty="0"/>
-              <a:t>Null-terminate the string.</a:t>
-            </a:r>
-          </a:p>
-          <a:p>
-            <a:r>
-              <a:rPr lang="en-GB" dirty="0"/>
-              <a:t>Close the file with </a:t>
-            </a:r>
-            <a:r>
-              <a:rPr lang="en-GB" dirty="0" err="1"/>
-              <a:t>fclose</a:t>
-            </a:r>
-            <a:r>
-              <a:rPr lang="en-GB" dirty="0"/>
-              <a:t>().</a:t>
-            </a:r>
-            <a:endParaRPr lang="en-SG" dirty="0"/>
-          </a:p>
-        </p:txBody>
-      </p:sp>
-    </p:spTree>
-    <p:extLst>
-      <p:ext uri="{BB962C8B-B14F-4D97-AF65-F5344CB8AC3E}">
-        <p14:creationId xmlns:p14="http://schemas.microsoft.com/office/powerpoint/2010/main" val="4192428753"/>
-      </p:ext>
-    </p:extLst>
-  </p:cSld>
-  <p:clrMapOvr>
-    <a:masterClrMapping/>
-  </p:clrMapOvr>
-</p:sld>
-</file>
-
-<file path=ppt/slides/slide20.xml><?xml version="1.0" encoding="utf-8"?>
-<p:sld xmlns:a="http://schemas.openxmlformats.org/drawingml/2006/main" xmlns:r="http://schemas.openxmlformats.org/officeDocument/2006/relationships" xmlns:p="http://schemas.openxmlformats.org/presentationml/2006/main">
-  <p:cSld>
-    <p:spTree>
-      <p:nvGrpSpPr>
-        <p:cNvPr id="1" name=""/>
-        <p:cNvGrpSpPr/>
-        <p:nvPr/>
-      </p:nvGrpSpPr>
-      <p:grpSpPr>
-        <a:xfrm>
-          <a:off x="0" y="0"/>
-          <a:ext cx="0" cy="0"/>
-          <a:chOff x="0" y="0"/>
-          <a:chExt cx="0" cy="0"/>
-        </a:xfrm>
-      </p:grpSpPr>
-      <p:sp>
-        <p:nvSpPr>
-          <p:cNvPr id="2" name="Title 1">
-            <a:extLst>
-              <a:ext uri="{FF2B5EF4-FFF2-40B4-BE49-F238E27FC236}">
-                <a16:creationId xmlns:a16="http://schemas.microsoft.com/office/drawing/2014/main" id="{63E170BF-87EA-A381-D3E3-027B27FFC5C3}"/>
-              </a:ext>
-            </a:extLst>
-          </p:cNvPr>
-          <p:cNvSpPr>
-            <a:spLocks noGrp="1"/>
-          </p:cNvSpPr>
-          <p:nvPr>
-            <p:ph type="title"/>
-          </p:nvPr>
-        </p:nvSpPr>
-        <p:spPr/>
-        <p:txBody>
-          <a:bodyPr/>
-          <a:lstStyle/>
-          <a:p>
-            <a:endParaRPr lang="en-SG"/>
-          </a:p>
-        </p:txBody>
-      </p:sp>
-      <p:sp>
-        <p:nvSpPr>
-          <p:cNvPr id="3" name="Content Placeholder 2">
-            <a:extLst>
-              <a:ext uri="{FF2B5EF4-FFF2-40B4-BE49-F238E27FC236}">
-                <a16:creationId xmlns:a16="http://schemas.microsoft.com/office/drawing/2014/main" id="{352EDC2C-A409-5929-48EF-EA4ACC3A8A75}"/>
-              </a:ext>
-            </a:extLst>
-          </p:cNvPr>
-          <p:cNvSpPr>
-            <a:spLocks noGrp="1"/>
-          </p:cNvSpPr>
-          <p:nvPr>
-            <p:ph idx="1"/>
-          </p:nvPr>
-        </p:nvSpPr>
-        <p:spPr/>
-        <p:txBody>
-          <a:bodyPr/>
-          <a:lstStyle/>
-          <a:p>
-            <a:endParaRPr lang="en-SG"/>
-          </a:p>
-        </p:txBody>
-      </p:sp>
-    </p:spTree>
-    <p:extLst>
-      <p:ext uri="{BB962C8B-B14F-4D97-AF65-F5344CB8AC3E}">
-        <p14:creationId xmlns:p14="http://schemas.microsoft.com/office/powerpoint/2010/main" val="2333808755"/>
-      </p:ext>
-    </p:extLst>
-  </p:cSld>
-  <p:clrMapOvr>
-    <a:masterClrMapping/>
-  </p:clrMapOvr>
-</p:sld>
-</file>
-
-<file path=ppt/slides/slide21.xml><?xml version="1.0" encoding="utf-8"?>
-<p:sld xmlns:a="http://schemas.openxmlformats.org/drawingml/2006/main" xmlns:r="http://schemas.openxmlformats.org/officeDocument/2006/relationships" xmlns:p="http://schemas.openxmlformats.org/presentationml/2006/main">
-  <p:cSld>
-    <p:spTree>
-      <p:nvGrpSpPr>
-        <p:cNvPr id="1" name=""/>
-        <p:cNvGrpSpPr/>
-        <p:nvPr/>
-      </p:nvGrpSpPr>
-      <p:grpSpPr>
-        <a:xfrm>
-          <a:off x="0" y="0"/>
-          <a:ext cx="0" cy="0"/>
-          <a:chOff x="0" y="0"/>
-          <a:chExt cx="0" cy="0"/>
-        </a:xfrm>
-      </p:grpSpPr>
-      <p:sp>
-        <p:nvSpPr>
-          <p:cNvPr id="2" name="Title 1">
-            <a:extLst>
-              <a:ext uri="{FF2B5EF4-FFF2-40B4-BE49-F238E27FC236}">
-                <a16:creationId xmlns:a16="http://schemas.microsoft.com/office/drawing/2014/main" id="{614710CA-C6FB-5363-4922-0D731BFD6359}"/>
-              </a:ext>
-            </a:extLst>
-          </p:cNvPr>
-          <p:cNvSpPr>
-            <a:spLocks noGrp="1"/>
-          </p:cNvSpPr>
-          <p:nvPr>
-            <p:ph type="title"/>
-          </p:nvPr>
-        </p:nvSpPr>
-        <p:spPr/>
-        <p:txBody>
-          <a:bodyPr/>
-          <a:lstStyle/>
-          <a:p>
-            <a:r>
-              <a:rPr lang="en-GB" dirty="0"/>
-              <a:t>C has &amp; and &amp;&amp; operators</a:t>
-            </a:r>
-            <a:endParaRPr lang="en-SG" dirty="0"/>
-          </a:p>
-        </p:txBody>
-      </p:sp>
-      <p:sp>
-        <p:nvSpPr>
-          <p:cNvPr id="3" name="Content Placeholder 2">
-            <a:extLst>
-              <a:ext uri="{FF2B5EF4-FFF2-40B4-BE49-F238E27FC236}">
-                <a16:creationId xmlns:a16="http://schemas.microsoft.com/office/drawing/2014/main" id="{242FA60C-343A-828A-C49A-FF6AD1DAA8B4}"/>
-              </a:ext>
-            </a:extLst>
-          </p:cNvPr>
-          <p:cNvSpPr>
-            <a:spLocks noGrp="1"/>
-          </p:cNvSpPr>
-          <p:nvPr>
-            <p:ph idx="1"/>
-          </p:nvPr>
-        </p:nvSpPr>
-        <p:spPr/>
-        <p:txBody>
-          <a:bodyPr/>
-          <a:lstStyle/>
-          <a:p>
-            <a:r>
-              <a:rPr lang="en-GB" dirty="0"/>
-              <a:t>The &amp; operator is the bitwise AND operator. It performs a bitwise AND operation on two integers, resulting in an integer where the bits are set only if the corresponding bits in both operands are set.</a:t>
-            </a:r>
-          </a:p>
-          <a:p>
-            <a:r>
-              <a:rPr lang="en-GB" dirty="0"/>
-              <a:t>The &amp;&amp; operator is the logical AND operator. It is a short-circuit operator that evaluates expressions from left to right, and if the left-hand side expression is false (0), the right-hand side expression is not evaluated. The result of the &amp;&amp; operation is true (1) if both operands are true, and false (0) otherwise.</a:t>
-            </a:r>
-            <a:endParaRPr lang="en-SG" dirty="0"/>
-          </a:p>
-        </p:txBody>
-      </p:sp>
-    </p:spTree>
-    <p:extLst>
-      <p:ext uri="{BB962C8B-B14F-4D97-AF65-F5344CB8AC3E}">
-        <p14:creationId xmlns:p14="http://schemas.microsoft.com/office/powerpoint/2010/main" val="522259521"/>
-      </p:ext>
-    </p:extLst>
-  </p:cSld>
-  <p:clrMapOvr>
-    <a:masterClrMapping/>
-  </p:clrMapOvr>
-</p:sld>
-</file>
-
-<file path=ppt/slides/slide22.xml><?xml version="1.0" encoding="utf-8"?>
-<p:sld xmlns:a="http://schemas.openxmlformats.org/drawingml/2006/main" xmlns:r="http://schemas.openxmlformats.org/officeDocument/2006/relationships" xmlns:p="http://schemas.openxmlformats.org/presentationml/2006/main">
-  <p:cSld>
-    <p:spTree>
-      <p:nvGrpSpPr>
-        <p:cNvPr id="1" name=""/>
-        <p:cNvGrpSpPr/>
-        <p:nvPr/>
-      </p:nvGrpSpPr>
-      <p:grpSpPr>
-        <a:xfrm>
-          <a:off x="0" y="0"/>
-          <a:ext cx="0" cy="0"/>
-          <a:chOff x="0" y="0"/>
-          <a:chExt cx="0" cy="0"/>
-        </a:xfrm>
-      </p:grpSpPr>
-      <p:sp>
-        <p:nvSpPr>
-          <p:cNvPr id="2" name="Title 1">
-            <a:extLst>
-              <a:ext uri="{FF2B5EF4-FFF2-40B4-BE49-F238E27FC236}">
-                <a16:creationId xmlns:a16="http://schemas.microsoft.com/office/drawing/2014/main" id="{2E7BC8F7-6E04-4DAB-818E-0FA786B8C6A1}"/>
-              </a:ext>
-            </a:extLst>
-          </p:cNvPr>
-          <p:cNvSpPr>
-            <a:spLocks noGrp="1"/>
-          </p:cNvSpPr>
-          <p:nvPr>
-            <p:ph type="title"/>
-          </p:nvPr>
-        </p:nvSpPr>
-        <p:spPr/>
-        <p:txBody>
-          <a:bodyPr/>
-          <a:lstStyle/>
-          <a:p>
-            <a:r>
-              <a:rPr lang="en-GB" dirty="0"/>
-              <a:t>Using same tokens logic and assuming that &amp; and &amp;&amp; are treated like other operators</a:t>
-            </a:r>
-            <a:endParaRPr lang="en-SG" dirty="0"/>
-          </a:p>
-        </p:txBody>
-      </p:sp>
-      <p:sp>
-        <p:nvSpPr>
-          <p:cNvPr id="3" name="Content Placeholder 2">
-            <a:extLst>
-              <a:ext uri="{FF2B5EF4-FFF2-40B4-BE49-F238E27FC236}">
-                <a16:creationId xmlns:a16="http://schemas.microsoft.com/office/drawing/2014/main" id="{44524168-AC6B-A37D-1586-23E47C8E2C7B}"/>
-              </a:ext>
-            </a:extLst>
-          </p:cNvPr>
-          <p:cNvSpPr>
-            <a:spLocks noGrp="1"/>
-          </p:cNvSpPr>
-          <p:nvPr>
-            <p:ph idx="1"/>
-          </p:nvPr>
-        </p:nvSpPr>
-        <p:spPr/>
-        <p:txBody>
-          <a:bodyPr/>
-          <a:lstStyle/>
-          <a:p>
-            <a:r>
-              <a:rPr lang="en-GB" dirty="0"/>
-              <a:t>Please note that the current implementation using </a:t>
-            </a:r>
-            <a:r>
-              <a:rPr lang="en-GB" dirty="0" err="1"/>
-              <a:t>strtok</a:t>
-            </a:r>
-            <a:r>
-              <a:rPr lang="en-GB" dirty="0"/>
-              <a:t> with delimiters like " \t\n\r" might not work correctly for operators like &amp;&amp; since it splits the input string by individual characters rather than by sequences. You might need a more sophisticated tokenizer to handle such cases.</a:t>
-            </a:r>
-            <a:endParaRPr lang="en-SG" dirty="0"/>
-          </a:p>
-        </p:txBody>
-      </p:sp>
-    </p:spTree>
-    <p:extLst>
-      <p:ext uri="{BB962C8B-B14F-4D97-AF65-F5344CB8AC3E}">
-        <p14:creationId xmlns:p14="http://schemas.microsoft.com/office/powerpoint/2010/main" val="3794044645"/>
-      </p:ext>
-    </p:extLst>
-  </p:cSld>
-  <p:clrMapOvr>
-    <a:masterClrMapping/>
-  </p:clrMapOvr>
-</p:sld>
-</file>
-
-<file path=ppt/slides/slide23.xml><?xml version="1.0" encoding="utf-8"?>
-<p:sld xmlns:a="http://schemas.openxmlformats.org/drawingml/2006/main" xmlns:r="http://schemas.openxmlformats.org/officeDocument/2006/relationships" xmlns:p="http://schemas.openxmlformats.org/presentationml/2006/main">
-  <p:cSld>
-    <p:spTree>
-      <p:nvGrpSpPr>
-        <p:cNvPr id="1" name=""/>
-        <p:cNvGrpSpPr/>
-        <p:nvPr/>
-      </p:nvGrpSpPr>
-      <p:grpSpPr>
-        <a:xfrm>
-          <a:off x="0" y="0"/>
-          <a:ext cx="0" cy="0"/>
-          <a:chOff x="0" y="0"/>
-          <a:chExt cx="0" cy="0"/>
-        </a:xfrm>
-      </p:grpSpPr>
-      <p:sp>
-        <p:nvSpPr>
-          <p:cNvPr id="2" name="Title 1">
-            <a:extLst>
-              <a:ext uri="{FF2B5EF4-FFF2-40B4-BE49-F238E27FC236}">
-                <a16:creationId xmlns:a16="http://schemas.microsoft.com/office/drawing/2014/main" id="{54CD7E89-7929-C493-0BFA-131D38CA1ED1}"/>
-              </a:ext>
-            </a:extLst>
-          </p:cNvPr>
-          <p:cNvSpPr>
-            <a:spLocks noGrp="1"/>
-          </p:cNvSpPr>
-          <p:nvPr>
-            <p:ph type="title"/>
-          </p:nvPr>
-        </p:nvSpPr>
-        <p:spPr/>
-        <p:txBody>
-          <a:bodyPr/>
-          <a:lstStyle/>
-          <a:p>
-            <a:r>
-              <a:rPr lang="en-GB" dirty="0"/>
-              <a:t>Idea behind a more sophisticated tokenizer</a:t>
-            </a:r>
-            <a:endParaRPr lang="en-SG" dirty="0"/>
-          </a:p>
-        </p:txBody>
-      </p:sp>
-      <p:sp>
-        <p:nvSpPr>
-          <p:cNvPr id="3" name="Content Placeholder 2">
-            <a:extLst>
-              <a:ext uri="{FF2B5EF4-FFF2-40B4-BE49-F238E27FC236}">
-                <a16:creationId xmlns:a16="http://schemas.microsoft.com/office/drawing/2014/main" id="{BFE39438-E845-5504-7690-3A4AE72ABA2E}"/>
-              </a:ext>
-            </a:extLst>
-          </p:cNvPr>
-          <p:cNvSpPr>
-            <a:spLocks noGrp="1"/>
-          </p:cNvSpPr>
-          <p:nvPr>
-            <p:ph idx="1"/>
-          </p:nvPr>
-        </p:nvSpPr>
-        <p:spPr/>
-        <p:txBody>
-          <a:bodyPr/>
-          <a:lstStyle/>
-          <a:p>
-            <a:r>
-              <a:rPr lang="en-GB" dirty="0"/>
-              <a:t>A more sophisticated tokenizer would not rely on simple string splitting like </a:t>
-            </a:r>
-            <a:r>
-              <a:rPr lang="en-GB" dirty="0" err="1"/>
-              <a:t>strtok</a:t>
-            </a:r>
-            <a:r>
-              <a:rPr lang="en-GB" dirty="0"/>
-              <a:t>. Instead, it would iterate through the source code character by character, keeping track of the current state and building lexemes as it goes. Here's a basic example of such a tokenizer:</a:t>
-            </a:r>
-          </a:p>
-        </p:txBody>
-      </p:sp>
-    </p:spTree>
-    <p:extLst>
-      <p:ext uri="{BB962C8B-B14F-4D97-AF65-F5344CB8AC3E}">
-        <p14:creationId xmlns:p14="http://schemas.microsoft.com/office/powerpoint/2010/main" val="3564327451"/>
-      </p:ext>
-    </p:extLst>
-  </p:cSld>
-  <p:clrMapOvr>
-    <a:masterClrMapping/>
-  </p:clrMapOvr>
-</p:sld>
-</file>
-
-<file path=ppt/slides/slide24.xml><?xml version="1.0" encoding="utf-8"?>
-<p:sld xmlns:a="http://schemas.openxmlformats.org/drawingml/2006/main" xmlns:r="http://schemas.openxmlformats.org/officeDocument/2006/relationships" xmlns:p="http://schemas.openxmlformats.org/presentationml/2006/main">
-  <p:cSld>
-    <p:spTree>
-      <p:nvGrpSpPr>
-        <p:cNvPr id="1" name=""/>
-        <p:cNvGrpSpPr/>
-        <p:nvPr/>
-      </p:nvGrpSpPr>
-      <p:grpSpPr>
-        <a:xfrm>
-          <a:off x="0" y="0"/>
-          <a:ext cx="0" cy="0"/>
-          <a:chOff x="0" y="0"/>
-          <a:chExt cx="0" cy="0"/>
-        </a:xfrm>
-      </p:grpSpPr>
-      <p:sp>
-        <p:nvSpPr>
-          <p:cNvPr id="2" name="Title 1">
-            <a:extLst>
-              <a:ext uri="{FF2B5EF4-FFF2-40B4-BE49-F238E27FC236}">
-                <a16:creationId xmlns:a16="http://schemas.microsoft.com/office/drawing/2014/main" id="{9F4CF075-97A9-11BC-3B5E-55C1A0966B7E}"/>
-              </a:ext>
-            </a:extLst>
-          </p:cNvPr>
-          <p:cNvSpPr>
-            <a:spLocks noGrp="1"/>
-          </p:cNvSpPr>
-          <p:nvPr>
-            <p:ph type="title"/>
-          </p:nvPr>
-        </p:nvSpPr>
-        <p:spPr/>
-        <p:txBody>
-          <a:bodyPr/>
-          <a:lstStyle/>
-          <a:p>
-            <a:endParaRPr lang="en-SG"/>
-          </a:p>
-        </p:txBody>
-      </p:sp>
-      <p:sp>
-        <p:nvSpPr>
-          <p:cNvPr id="3" name="Content Placeholder 2">
-            <a:extLst>
-              <a:ext uri="{FF2B5EF4-FFF2-40B4-BE49-F238E27FC236}">
-                <a16:creationId xmlns:a16="http://schemas.microsoft.com/office/drawing/2014/main" id="{798C8A30-D26E-56F7-92D8-B12B8C4624CF}"/>
-              </a:ext>
-            </a:extLst>
-          </p:cNvPr>
-          <p:cNvSpPr>
-            <a:spLocks noGrp="1"/>
-          </p:cNvSpPr>
-          <p:nvPr>
-            <p:ph idx="1"/>
-          </p:nvPr>
-        </p:nvSpPr>
-        <p:spPr/>
-        <p:txBody>
-          <a:bodyPr/>
-          <a:lstStyle/>
-          <a:p>
-            <a:endParaRPr lang="en-SG"/>
-          </a:p>
-        </p:txBody>
-      </p:sp>
-    </p:spTree>
-    <p:extLst>
-      <p:ext uri="{BB962C8B-B14F-4D97-AF65-F5344CB8AC3E}">
-        <p14:creationId xmlns:p14="http://schemas.microsoft.com/office/powerpoint/2010/main" val="2257717264"/>
-      </p:ext>
-    </p:extLst>
-  </p:cSld>
-  <p:clrMapOvr>
-    <a:masterClrMapping/>
-  </p:clrMapOvr>
-</p:sld>
-</file>
-
-<file path=ppt/slides/slide25.xml><?xml version="1.0" encoding="utf-8"?>
+<file path=ppt/slides/slide46.xml><?xml version="1.0" encoding="utf-8"?>
 <p:sld xmlns:a="http://schemas.openxmlformats.org/drawingml/2006/main" xmlns:r="http://schemas.openxmlformats.org/officeDocument/2006/relationships" xmlns:p="http://schemas.openxmlformats.org/presentationml/2006/main">
   <p:cSld>
     <p:spTree>
@@ -16959,266 +22081,6 @@
 </p:sld>
 </file>
 
-<file path=ppt/slides/slide3.xml><?xml version="1.0" encoding="utf-8"?>
-<p:sld xmlns:a="http://schemas.openxmlformats.org/drawingml/2006/main" xmlns:r="http://schemas.openxmlformats.org/officeDocument/2006/relationships" xmlns:p="http://schemas.openxmlformats.org/presentationml/2006/main">
-  <p:cSld>
-    <p:spTree>
-      <p:nvGrpSpPr>
-        <p:cNvPr id="1" name=""/>
-        <p:cNvGrpSpPr/>
-        <p:nvPr/>
-      </p:nvGrpSpPr>
-      <p:grpSpPr>
-        <a:xfrm>
-          <a:off x="0" y="0"/>
-          <a:ext cx="0" cy="0"/>
-          <a:chOff x="0" y="0"/>
-          <a:chExt cx="0" cy="0"/>
-        </a:xfrm>
-      </p:grpSpPr>
-      <p:sp>
-        <p:nvSpPr>
-          <p:cNvPr id="2" name="Title 1">
-            <a:extLst>
-              <a:ext uri="{FF2B5EF4-FFF2-40B4-BE49-F238E27FC236}">
-                <a16:creationId xmlns:a16="http://schemas.microsoft.com/office/drawing/2014/main" id="{5630C5AD-631A-816E-E90F-B0F1A25F56D9}"/>
-              </a:ext>
-            </a:extLst>
-          </p:cNvPr>
-          <p:cNvSpPr>
-            <a:spLocks noGrp="1"/>
-          </p:cNvSpPr>
-          <p:nvPr>
-            <p:ph type="title"/>
-          </p:nvPr>
-        </p:nvSpPr>
-        <p:spPr/>
-        <p:txBody>
-          <a:bodyPr/>
-          <a:lstStyle/>
-          <a:p>
-            <a:r>
-              <a:rPr lang="en-GB" dirty="0"/>
-              <a:t>Defining a token object</a:t>
-            </a:r>
-            <a:endParaRPr lang="en-SG" dirty="0"/>
-          </a:p>
-        </p:txBody>
-      </p:sp>
-      <p:sp>
-        <p:nvSpPr>
-          <p:cNvPr id="3" name="Content Placeholder 2">
-            <a:extLst>
-              <a:ext uri="{FF2B5EF4-FFF2-40B4-BE49-F238E27FC236}">
-                <a16:creationId xmlns:a16="http://schemas.microsoft.com/office/drawing/2014/main" id="{AEBE5F9A-A6C0-EBC4-74AC-E0BA5CAAFD08}"/>
-              </a:ext>
-            </a:extLst>
-          </p:cNvPr>
-          <p:cNvSpPr>
-            <a:spLocks noGrp="1"/>
-          </p:cNvSpPr>
-          <p:nvPr>
-            <p:ph idx="1"/>
-          </p:nvPr>
-        </p:nvSpPr>
-        <p:spPr/>
-        <p:txBody>
-          <a:bodyPr>
-            <a:normAutofit fontScale="92500" lnSpcReduction="20000"/>
-          </a:bodyPr>
-          <a:lstStyle/>
-          <a:p>
-            <a:r>
-              <a:rPr lang="en-GB" dirty="0"/>
-              <a:t>In this updated version, we define a </a:t>
-            </a:r>
-            <a:r>
-              <a:rPr lang="en-GB" dirty="0" err="1"/>
-              <a:t>TokenType</a:t>
-            </a:r>
-            <a:r>
-              <a:rPr lang="en-GB" dirty="0"/>
-              <a:t> enumeration for different token types and a Token structure to hold the token type and lexeme. The </a:t>
-            </a:r>
-            <a:r>
-              <a:rPr lang="en-GB" dirty="0" err="1"/>
-              <a:t>create_token</a:t>
-            </a:r>
-            <a:r>
-              <a:rPr lang="en-GB" dirty="0"/>
-              <a:t>() function allocates and initializes a new Token structure, and the </a:t>
-            </a:r>
-            <a:r>
-              <a:rPr lang="en-GB" dirty="0" err="1"/>
-              <a:t>free_token</a:t>
-            </a:r>
-            <a:r>
-              <a:rPr lang="en-GB" dirty="0"/>
-              <a:t>() function frees the memory associated with a Token.</a:t>
-            </a:r>
-          </a:p>
-          <a:p>
-            <a:r>
-              <a:rPr lang="en-GB" dirty="0"/>
-              <a:t>Inside the tokenize() function, we now create a Token structure for each substring that is recognized as a token. This structure holds the token type and lexeme, allowing for better handling of the token stream in the subsequent stages of the compilation process.</a:t>
-            </a:r>
-          </a:p>
-          <a:p>
-            <a:r>
-              <a:rPr lang="en-GB" dirty="0"/>
-              <a:t>Please note that this implementation is still relatively simple, and it's meant to serve as a starting point for a more comprehensive tokenizer. To fully implement a tokenizer for a specific programming language, you would need to handle various other token types and language constructs, as well as improve error handling and reporting.</a:t>
-            </a:r>
-            <a:endParaRPr lang="en-SG" dirty="0"/>
-          </a:p>
-        </p:txBody>
-      </p:sp>
-    </p:spTree>
-    <p:extLst>
-      <p:ext uri="{BB962C8B-B14F-4D97-AF65-F5344CB8AC3E}">
-        <p14:creationId xmlns:p14="http://schemas.microsoft.com/office/powerpoint/2010/main" val="1602756966"/>
-      </p:ext>
-    </p:extLst>
-  </p:cSld>
-  <p:clrMapOvr>
-    <a:masterClrMapping/>
-  </p:clrMapOvr>
-</p:sld>
-</file>
-
-<file path=ppt/slides/slide4.xml><?xml version="1.0" encoding="utf-8"?>
-<p:sld xmlns:a="http://schemas.openxmlformats.org/drawingml/2006/main" xmlns:r="http://schemas.openxmlformats.org/officeDocument/2006/relationships" xmlns:p="http://schemas.openxmlformats.org/presentationml/2006/main">
-  <p:cSld>
-    <p:spTree>
-      <p:nvGrpSpPr>
-        <p:cNvPr id="1" name=""/>
-        <p:cNvGrpSpPr/>
-        <p:nvPr/>
-      </p:nvGrpSpPr>
-      <p:grpSpPr>
-        <a:xfrm>
-          <a:off x="0" y="0"/>
-          <a:ext cx="0" cy="0"/>
-          <a:chOff x="0" y="0"/>
-          <a:chExt cx="0" cy="0"/>
-        </a:xfrm>
-      </p:grpSpPr>
-      <p:sp>
-        <p:nvSpPr>
-          <p:cNvPr id="2" name="Title 1">
-            <a:extLst>
-              <a:ext uri="{FF2B5EF4-FFF2-40B4-BE49-F238E27FC236}">
-                <a16:creationId xmlns:a16="http://schemas.microsoft.com/office/drawing/2014/main" id="{2B38FA90-FABC-C4ED-D2CF-27D39B80E34B}"/>
-              </a:ext>
-            </a:extLst>
-          </p:cNvPr>
-          <p:cNvSpPr>
-            <a:spLocks noGrp="1"/>
-          </p:cNvSpPr>
-          <p:nvPr>
-            <p:ph type="title"/>
-          </p:nvPr>
-        </p:nvSpPr>
-        <p:spPr/>
-        <p:txBody>
-          <a:bodyPr/>
-          <a:lstStyle/>
-          <a:p>
-            <a:r>
-              <a:rPr lang="en-GB" dirty="0"/>
-              <a:t>Using the Token object</a:t>
-            </a:r>
-            <a:endParaRPr lang="en-SG" dirty="0"/>
-          </a:p>
-        </p:txBody>
-      </p:sp>
-      <p:sp>
-        <p:nvSpPr>
-          <p:cNvPr id="3" name="Content Placeholder 2">
-            <a:extLst>
-              <a:ext uri="{FF2B5EF4-FFF2-40B4-BE49-F238E27FC236}">
-                <a16:creationId xmlns:a16="http://schemas.microsoft.com/office/drawing/2014/main" id="{BA5A62C0-5FF6-1AB4-D40C-22233B3BF885}"/>
-              </a:ext>
-            </a:extLst>
-          </p:cNvPr>
-          <p:cNvSpPr>
-            <a:spLocks noGrp="1"/>
-          </p:cNvSpPr>
-          <p:nvPr>
-            <p:ph idx="1"/>
-          </p:nvPr>
-        </p:nvSpPr>
-        <p:spPr/>
-        <p:txBody>
-          <a:bodyPr/>
-          <a:lstStyle/>
-          <a:p>
-            <a:r>
-              <a:rPr lang="en-GB" dirty="0"/>
-              <a:t>In the main() function, we define an array of sample lexemes for each token type. We then iterate through the </a:t>
-            </a:r>
-            <a:r>
-              <a:rPr lang="en-GB" dirty="0" err="1"/>
-              <a:t>TokenType</a:t>
-            </a:r>
-            <a:r>
-              <a:rPr lang="en-GB" dirty="0"/>
-              <a:t> enumeration, create tokens using the </a:t>
-            </a:r>
-            <a:r>
-              <a:rPr lang="en-GB" dirty="0" err="1"/>
-              <a:t>create_token</a:t>
-            </a:r>
-            <a:r>
-              <a:rPr lang="en-GB" dirty="0"/>
-              <a:t>() function, and print the token information. After printing the information, we free the memory allocated for the tokens using the </a:t>
-            </a:r>
-            <a:r>
-              <a:rPr lang="en-GB" dirty="0" err="1"/>
-              <a:t>free_token</a:t>
-            </a:r>
-            <a:r>
-              <a:rPr lang="en-GB" dirty="0"/>
-              <a:t>() function.</a:t>
-            </a:r>
-          </a:p>
-          <a:p>
-            <a:r>
-              <a:rPr lang="en-GB" dirty="0"/>
-              <a:t>This example demonstrates how to use the </a:t>
-            </a:r>
-            <a:r>
-              <a:rPr lang="en-GB" dirty="0" err="1"/>
-              <a:t>create_token</a:t>
-            </a:r>
-            <a:r>
-              <a:rPr lang="en-GB" dirty="0"/>
-              <a:t>() and </a:t>
-            </a:r>
-            <a:r>
-              <a:rPr lang="en-GB" dirty="0" err="1"/>
-              <a:t>free_token</a:t>
-            </a:r>
-            <a:r>
-              <a:rPr lang="en-GB" dirty="0"/>
-              <a:t>() functions to manually create and manage tokens. In a real-world tokenizer, you would typically create tokens as you scan the source code and recognize valid lexemes.</a:t>
-            </a:r>
-            <a:endParaRPr lang="en-SG" dirty="0"/>
-          </a:p>
-        </p:txBody>
-      </p:sp>
-    </p:spTree>
-    <p:extLst>
-      <p:ext uri="{BB962C8B-B14F-4D97-AF65-F5344CB8AC3E}">
-        <p14:creationId xmlns:p14="http://schemas.microsoft.com/office/powerpoint/2010/main" val="1922111427"/>
-      </p:ext>
-    </p:extLst>
-  </p:cSld>
-  <p:clrMapOvr>
-    <a:masterClrMapping/>
-  </p:clrMapOvr>
-</p:sld>
-</file>
-
 <file path=ppt/slides/slide5.xml><?xml version="1.0" encoding="utf-8"?>
 <p:sld xmlns:a="http://schemas.openxmlformats.org/drawingml/2006/main" xmlns:r="http://schemas.openxmlformats.org/officeDocument/2006/relationships" xmlns:p="http://schemas.openxmlformats.org/presentationml/2006/main">
   <p:cSld>
@@ -17241,7 +22103,7 @@
           <p:cNvPr id="2" name="Title 1">
             <a:extLst>
               <a:ext uri="{FF2B5EF4-FFF2-40B4-BE49-F238E27FC236}">
-                <a16:creationId xmlns:a16="http://schemas.microsoft.com/office/drawing/2014/main" id="{618CFF7E-F94A-0180-0F8F-A1B296DDA531}"/>
+                <a16:creationId xmlns:a16="http://schemas.microsoft.com/office/drawing/2014/main" id="{87657C29-1A3B-9090-2528-30E69AB94051}"/>
               </a:ext>
             </a:extLst>
           </p:cNvPr>
@@ -17259,11 +22121,125 @@
           <a:p>
             <a:r>
               <a:rPr lang="en-GB" dirty="0"/>
-              <a:t>Recognizing keywords using </a:t>
-            </a:r>
-            <a:r>
-              <a:rPr lang="en-GB" dirty="0" err="1"/>
-              <a:t>RegEx</a:t>
+              <a:t>Lexical Analysis</a:t>
+            </a:r>
+            <a:endParaRPr lang="en-SG" dirty="0"/>
+          </a:p>
+        </p:txBody>
+      </p:sp>
+      <p:sp>
+        <p:nvSpPr>
+          <p:cNvPr id="5" name="Content Placeholder 4">
+            <a:extLst>
+              <a:ext uri="{FF2B5EF4-FFF2-40B4-BE49-F238E27FC236}">
+                <a16:creationId xmlns:a16="http://schemas.microsoft.com/office/drawing/2014/main" id="{2B13EA12-F42E-A14F-570D-C7B3FB0BA678}"/>
+              </a:ext>
+            </a:extLst>
+          </p:cNvPr>
+          <p:cNvSpPr>
+            <a:spLocks noGrp="1"/>
+          </p:cNvSpPr>
+          <p:nvPr>
+            <p:ph sz="half" idx="1"/>
+          </p:nvPr>
+        </p:nvSpPr>
+        <p:spPr/>
+        <p:txBody>
+          <a:bodyPr>
+            <a:normAutofit/>
+          </a:bodyPr>
+          <a:lstStyle/>
+          <a:p>
+            <a:pPr marL="0" indent="0">
+              <a:buNone/>
+            </a:pPr>
+            <a:r>
+              <a:rPr lang="en-GB" b="1" dirty="0"/>
+              <a:t>Definition (</a:t>
+            </a:r>
+            <a:r>
+              <a:rPr lang="en-GB" b="1" dirty="0">
+                <a:solidFill>
+                  <a:srgbClr val="7030A0"/>
+                </a:solidFill>
+              </a:rPr>
+              <a:t>Tokens</a:t>
+            </a:r>
+            <a:r>
+              <a:rPr lang="en-GB" b="1" dirty="0"/>
+              <a:t>):</a:t>
+            </a:r>
+          </a:p>
+          <a:p>
+            <a:pPr marL="0" indent="0">
+              <a:buNone/>
+            </a:pPr>
+            <a:r>
+              <a:rPr lang="en-GB" b="1" dirty="0">
+                <a:solidFill>
+                  <a:srgbClr val="7030A0"/>
+                </a:solidFill>
+              </a:rPr>
+              <a:t>Tokens</a:t>
+            </a:r>
+            <a:r>
+              <a:rPr lang="en-GB" dirty="0"/>
+              <a:t> are the </a:t>
+            </a:r>
+            <a:r>
+              <a:rPr lang="en-GB" b="1" dirty="0"/>
+              <a:t>smallest individual units of a programming language </a:t>
+            </a:r>
+            <a:r>
+              <a:rPr lang="en-GB" dirty="0"/>
+              <a:t>that the compiler can recognize and understand.</a:t>
+            </a:r>
+            <a:br>
+              <a:rPr lang="en-GB" dirty="0"/>
+            </a:br>
+            <a:r>
+              <a:rPr lang="en-GB" dirty="0"/>
+              <a:t>A token is a sequence of characters that has a specific meaning in the language, such as a </a:t>
+            </a:r>
+            <a:r>
+              <a:rPr lang="en-GB" b="1" dirty="0"/>
+              <a:t>keyword</a:t>
+            </a:r>
+            <a:r>
+              <a:rPr lang="en-GB" dirty="0"/>
+              <a:t>, </a:t>
+            </a:r>
+            <a:r>
+              <a:rPr lang="en-GB" b="1" dirty="0"/>
+              <a:t>identifier</a:t>
+            </a:r>
+            <a:r>
+              <a:rPr lang="en-GB" dirty="0"/>
+              <a:t>, </a:t>
+            </a:r>
+            <a:r>
+              <a:rPr lang="en-GB" b="1" dirty="0"/>
+              <a:t>operator</a:t>
+            </a:r>
+            <a:r>
+              <a:rPr lang="en-GB" dirty="0"/>
+              <a:t>, or </a:t>
+            </a:r>
+            <a:r>
+              <a:rPr lang="en-GB" b="1" dirty="0"/>
+              <a:t>punctuation</a:t>
+            </a:r>
+            <a:r>
+              <a:rPr lang="en-GB" dirty="0"/>
+              <a:t> </a:t>
+            </a:r>
+            <a:r>
+              <a:rPr lang="en-GB" b="1" dirty="0"/>
+              <a:t>symbol</a:t>
+            </a:r>
+            <a:r>
+              <a:rPr lang="en-GB" dirty="0"/>
+              <a:t>.</a:t>
             </a:r>
             <a:endParaRPr lang="en-SG" dirty="0"/>
           </a:p>
@@ -17274,7 +22250,7 @@
           <p:cNvPr id="3" name="Content Placeholder 2">
             <a:extLst>
               <a:ext uri="{FF2B5EF4-FFF2-40B4-BE49-F238E27FC236}">
-                <a16:creationId xmlns:a16="http://schemas.microsoft.com/office/drawing/2014/main" id="{5A48F343-DA2D-4FE6-AFD6-DC3D56C30E54}"/>
+                <a16:creationId xmlns:a16="http://schemas.microsoft.com/office/drawing/2014/main" id="{E1F7AF25-2360-31D8-D5BF-56EDDD31008D}"/>
               </a:ext>
             </a:extLst>
           </p:cNvPr>
@@ -17282,22 +22258,107 @@
             <a:spLocks noGrp="1"/>
           </p:cNvSpPr>
           <p:nvPr>
-            <p:ph idx="1"/>
+            <p:ph sz="half" idx="2"/>
           </p:nvPr>
         </p:nvSpPr>
-        <p:spPr/>
+        <p:spPr>
+          <a:xfrm>
+            <a:off x="6172200" y="1825624"/>
+            <a:ext cx="5181600" cy="5032375"/>
+          </a:xfrm>
+        </p:spPr>
         <p:txBody>
-          <a:bodyPr/>
+          <a:bodyPr>
+            <a:normAutofit/>
+          </a:bodyPr>
           <a:lstStyle/>
           <a:p>
-            <a:endParaRPr lang="en-SG" dirty="0"/>
+            <a:r>
+              <a:rPr lang="en-GB" b="1" dirty="0"/>
+              <a:t>Identifier: </a:t>
+            </a:r>
+            <a:r>
+              <a:rPr lang="en-GB" dirty="0"/>
+              <a:t>An identifier is a </a:t>
+            </a:r>
+            <a:r>
+              <a:rPr lang="en-GB" b="1" dirty="0"/>
+              <a:t>name given to a variable</a:t>
+            </a:r>
+            <a:r>
+              <a:rPr lang="en-GB" dirty="0"/>
+              <a:t>, </a:t>
+            </a:r>
+            <a:r>
+              <a:rPr lang="en-GB" b="1" dirty="0"/>
+              <a:t>function</a:t>
+            </a:r>
+            <a:r>
+              <a:rPr lang="en-GB" dirty="0"/>
+              <a:t>, or </a:t>
+            </a:r>
+            <a:r>
+              <a:rPr lang="en-GB" b="1" dirty="0"/>
+              <a:t>other</a:t>
+            </a:r>
+            <a:r>
+              <a:rPr lang="en-GB" dirty="0"/>
+              <a:t> </a:t>
+            </a:r>
+            <a:r>
+              <a:rPr lang="en-GB" b="1" dirty="0"/>
+              <a:t>entity</a:t>
+            </a:r>
+            <a:r>
+              <a:rPr lang="en-GB" dirty="0"/>
+              <a:t> in a </a:t>
+            </a:r>
+            <a:r>
+              <a:rPr lang="en-GB" dirty="0" err="1"/>
+              <a:t>program.Will</a:t>
+            </a:r>
+            <a:r>
+              <a:rPr lang="en-GB" dirty="0"/>
+              <a:t> follow rules, such as starting with a letter or underscore and consisting of letters, digits, and underscores.</a:t>
+            </a:r>
+          </a:p>
+          <a:p>
+            <a:pPr marL="0" indent="0">
+              <a:buNone/>
+            </a:pPr>
+            <a:r>
+              <a:rPr lang="en-GB" dirty="0"/>
+              <a:t>Examples of identifiers:</a:t>
+            </a:r>
+          </a:p>
+          <a:p>
+            <a:r>
+              <a:rPr lang="en-GB" dirty="0"/>
+              <a:t>x, counter, variable_1,</a:t>
+            </a:r>
+          </a:p>
+          <a:p>
+            <a:r>
+              <a:rPr lang="en-GB" dirty="0" err="1"/>
+              <a:t>myFunction</a:t>
+            </a:r>
+            <a:r>
+              <a:rPr lang="en-GB" dirty="0"/>
+              <a:t>, </a:t>
+            </a:r>
+          </a:p>
+          <a:p>
+            <a:r>
+              <a:rPr lang="en-GB" dirty="0"/>
+              <a:t>etc.</a:t>
+            </a:r>
           </a:p>
         </p:txBody>
       </p:sp>
     </p:spTree>
     <p:extLst>
       <p:ext uri="{BB962C8B-B14F-4D97-AF65-F5344CB8AC3E}">
-        <p14:creationId xmlns:p14="http://schemas.microsoft.com/office/powerpoint/2010/main" val="2030689423"/>
+        <p14:creationId xmlns:p14="http://schemas.microsoft.com/office/powerpoint/2010/main" val="3941141626"/>
       </p:ext>
     </p:extLst>
   </p:cSld>
@@ -17329,7 +22390,7 @@
           <p:cNvPr id="2" name="Title 1">
             <a:extLst>
               <a:ext uri="{FF2B5EF4-FFF2-40B4-BE49-F238E27FC236}">
-                <a16:creationId xmlns:a16="http://schemas.microsoft.com/office/drawing/2014/main" id="{8BF52193-2431-8D9C-A358-5BF6CF8DF923}"/>
+                <a16:creationId xmlns:a16="http://schemas.microsoft.com/office/drawing/2014/main" id="{87657C29-1A3B-9090-2528-30E69AB94051}"/>
               </a:ext>
             </a:extLst>
           </p:cNvPr>
@@ -17347,11 +22408,125 @@
           <a:p>
             <a:r>
               <a:rPr lang="en-GB" dirty="0"/>
-              <a:t>Recognizing Keywords using </a:t>
-            </a:r>
-            <a:r>
-              <a:rPr lang="en-GB" dirty="0" err="1"/>
-              <a:t>strcmp</a:t>
+              <a:t>Lexical Analysis</a:t>
+            </a:r>
+            <a:endParaRPr lang="en-SG" dirty="0"/>
+          </a:p>
+        </p:txBody>
+      </p:sp>
+      <p:sp>
+        <p:nvSpPr>
+          <p:cNvPr id="5" name="Content Placeholder 4">
+            <a:extLst>
+              <a:ext uri="{FF2B5EF4-FFF2-40B4-BE49-F238E27FC236}">
+                <a16:creationId xmlns:a16="http://schemas.microsoft.com/office/drawing/2014/main" id="{2B13EA12-F42E-A14F-570D-C7B3FB0BA678}"/>
+              </a:ext>
+            </a:extLst>
+          </p:cNvPr>
+          <p:cNvSpPr>
+            <a:spLocks noGrp="1"/>
+          </p:cNvSpPr>
+          <p:nvPr>
+            <p:ph sz="half" idx="1"/>
+          </p:nvPr>
+        </p:nvSpPr>
+        <p:spPr/>
+        <p:txBody>
+          <a:bodyPr>
+            <a:normAutofit/>
+          </a:bodyPr>
+          <a:lstStyle/>
+          <a:p>
+            <a:pPr marL="0" indent="0">
+              <a:buNone/>
+            </a:pPr>
+            <a:r>
+              <a:rPr lang="en-GB" b="1" dirty="0"/>
+              <a:t>Definition (</a:t>
+            </a:r>
+            <a:r>
+              <a:rPr lang="en-GB" b="1" dirty="0">
+                <a:solidFill>
+                  <a:srgbClr val="7030A0"/>
+                </a:solidFill>
+              </a:rPr>
+              <a:t>Tokens</a:t>
+            </a:r>
+            <a:r>
+              <a:rPr lang="en-GB" b="1" dirty="0"/>
+              <a:t>):</a:t>
+            </a:r>
+          </a:p>
+          <a:p>
+            <a:pPr marL="0" indent="0">
+              <a:buNone/>
+            </a:pPr>
+            <a:r>
+              <a:rPr lang="en-GB" b="1" dirty="0">
+                <a:solidFill>
+                  <a:srgbClr val="7030A0"/>
+                </a:solidFill>
+              </a:rPr>
+              <a:t>Tokens</a:t>
+            </a:r>
+            <a:r>
+              <a:rPr lang="en-GB" dirty="0"/>
+              <a:t> are the </a:t>
+            </a:r>
+            <a:r>
+              <a:rPr lang="en-GB" b="1" dirty="0"/>
+              <a:t>smallest individual units of a programming language </a:t>
+            </a:r>
+            <a:r>
+              <a:rPr lang="en-GB" dirty="0"/>
+              <a:t>that the compiler can recognize and understand.</a:t>
+            </a:r>
+            <a:br>
+              <a:rPr lang="en-GB" dirty="0"/>
+            </a:br>
+            <a:r>
+              <a:rPr lang="en-GB" dirty="0"/>
+              <a:t>A token is a sequence of characters that has a specific meaning in the language, such as a </a:t>
+            </a:r>
+            <a:r>
+              <a:rPr lang="en-GB" b="1" dirty="0"/>
+              <a:t>keyword</a:t>
+            </a:r>
+            <a:r>
+              <a:rPr lang="en-GB" dirty="0"/>
+              <a:t>, </a:t>
+            </a:r>
+            <a:r>
+              <a:rPr lang="en-GB" b="1" dirty="0"/>
+              <a:t>identifier</a:t>
+            </a:r>
+            <a:r>
+              <a:rPr lang="en-GB" dirty="0"/>
+              <a:t>, </a:t>
+            </a:r>
+            <a:r>
+              <a:rPr lang="en-GB" b="1" dirty="0"/>
+              <a:t>operator</a:t>
+            </a:r>
+            <a:r>
+              <a:rPr lang="en-GB" dirty="0"/>
+              <a:t>, or </a:t>
+            </a:r>
+            <a:r>
+              <a:rPr lang="en-GB" b="1" dirty="0"/>
+              <a:t>punctuation</a:t>
+            </a:r>
+            <a:r>
+              <a:rPr lang="en-GB" dirty="0"/>
+              <a:t> </a:t>
+            </a:r>
+            <a:r>
+              <a:rPr lang="en-GB" b="1" dirty="0"/>
+              <a:t>symbol</a:t>
+            </a:r>
+            <a:r>
+              <a:rPr lang="en-GB" dirty="0"/>
+              <a:t>.</a:t>
             </a:r>
             <a:endParaRPr lang="en-SG" dirty="0"/>
           </a:p>
@@ -17362,7 +22537,7 @@
           <p:cNvPr id="3" name="Content Placeholder 2">
             <a:extLst>
               <a:ext uri="{FF2B5EF4-FFF2-40B4-BE49-F238E27FC236}">
-                <a16:creationId xmlns:a16="http://schemas.microsoft.com/office/drawing/2014/main" id="{42170C63-D9D3-3C0C-7A89-EE7CE9303BA8}"/>
+                <a16:creationId xmlns:a16="http://schemas.microsoft.com/office/drawing/2014/main" id="{E1F7AF25-2360-31D8-D5BF-56EDDD31008D}"/>
               </a:ext>
             </a:extLst>
           </p:cNvPr>
@@ -17370,34 +22545,97 @@
             <a:spLocks noGrp="1"/>
           </p:cNvSpPr>
           <p:nvPr>
-            <p:ph idx="1"/>
+            <p:ph sz="half" idx="2"/>
           </p:nvPr>
         </p:nvSpPr>
-        <p:spPr/>
+        <p:spPr>
+          <a:xfrm>
+            <a:off x="6172200" y="1825624"/>
+            <a:ext cx="5181600" cy="5032375"/>
+          </a:xfrm>
+        </p:spPr>
         <p:txBody>
-          <a:bodyPr/>
+          <a:bodyPr>
+            <a:normAutofit/>
+          </a:bodyPr>
           <a:lstStyle/>
           <a:p>
             <a:r>
-              <a:rPr lang="en-GB" dirty="0"/>
-              <a:t>Please note that using regular expressions for this specific case might be less efficient than the </a:t>
+              <a:rPr lang="en-GB" b="1" dirty="0" err="1"/>
+              <a:t>Litteral</a:t>
+            </a:r>
+            <a:r>
+              <a:rPr lang="en-GB" b="1" dirty="0"/>
+              <a:t>: </a:t>
+            </a:r>
+            <a:r>
+              <a:rPr lang="en-GB" dirty="0"/>
+              <a:t>A </a:t>
+            </a:r>
+            <a:r>
+              <a:rPr lang="en-GB" b="1" dirty="0"/>
+              <a:t>value</a:t>
+            </a:r>
+            <a:r>
+              <a:rPr lang="en-GB" dirty="0"/>
+              <a:t> of some sort to be </a:t>
+            </a:r>
+            <a:r>
+              <a:rPr lang="en-GB" b="1" dirty="0"/>
+              <a:t>assigned to a variable</a:t>
+            </a:r>
+            <a:r>
+              <a:rPr lang="en-GB" dirty="0"/>
+              <a:t>.</a:t>
+            </a:r>
+          </a:p>
+          <a:p>
+            <a:pPr marL="0" indent="0">
+              <a:buNone/>
+            </a:pPr>
+            <a:r>
+              <a:rPr lang="en-GB" dirty="0"/>
+              <a:t>Examples of </a:t>
             </a:r>
             <a:r>
               <a:rPr lang="en-GB" dirty="0" err="1"/>
-              <a:t>strcmp</a:t>
-            </a:r>
-            <a:r>
-              <a:rPr lang="en-GB" dirty="0"/>
-              <a:t>() implementation, especially considering that the number of keywords is small and they have a simple structure. However, regular expressions can be useful for more complex token recognition tasks, such as matching identifiers or literals with specific patterns.</a:t>
-            </a:r>
-            <a:endParaRPr lang="en-SG" dirty="0"/>
+              <a:t>litterals</a:t>
+            </a:r>
+            <a:r>
+              <a:rPr lang="en-GB" dirty="0"/>
+              <a:t> in the C programming language: </a:t>
+            </a:r>
+          </a:p>
+          <a:p>
+            <a:r>
+              <a:rPr lang="en-GB" dirty="0"/>
+              <a:t>12542</a:t>
+            </a:r>
+          </a:p>
+          <a:p>
+            <a:r>
+              <a:rPr lang="en-GB" dirty="0"/>
+              <a:t>12654165.52</a:t>
+            </a:r>
+          </a:p>
+          <a:p>
+            <a:r>
+              <a:rPr lang="en-GB" dirty="0"/>
+              <a:t>“hello”</a:t>
+            </a:r>
+          </a:p>
+          <a:p>
+            <a:r>
+              <a:rPr lang="en-GB" dirty="0"/>
+              <a:t>Etc.</a:t>
+            </a:r>
           </a:p>
         </p:txBody>
       </p:sp>
     </p:spTree>
     <p:extLst>
       <p:ext uri="{BB962C8B-B14F-4D97-AF65-F5344CB8AC3E}">
-        <p14:creationId xmlns:p14="http://schemas.microsoft.com/office/powerpoint/2010/main" val="664874362"/>
+        <p14:creationId xmlns:p14="http://schemas.microsoft.com/office/powerpoint/2010/main" val="3856210223"/>
       </p:ext>
     </p:extLst>
   </p:cSld>
@@ -17429,7 +22667,7 @@
           <p:cNvPr id="2" name="Title 1">
             <a:extLst>
               <a:ext uri="{FF2B5EF4-FFF2-40B4-BE49-F238E27FC236}">
-                <a16:creationId xmlns:a16="http://schemas.microsoft.com/office/drawing/2014/main" id="{A5BAC226-A027-C401-B260-18D0CB57C3C4}"/>
+                <a16:creationId xmlns:a16="http://schemas.microsoft.com/office/drawing/2014/main" id="{87657C29-1A3B-9090-2528-30E69AB94051}"/>
               </a:ext>
             </a:extLst>
           </p:cNvPr>
@@ -17447,7 +22685,125 @@
           <a:p>
             <a:r>
               <a:rPr lang="en-GB" dirty="0"/>
-              <a:t>Setup</a:t>
+              <a:t>Lexical Analysis</a:t>
+            </a:r>
+            <a:endParaRPr lang="en-SG" dirty="0"/>
+          </a:p>
+        </p:txBody>
+      </p:sp>
+      <p:sp>
+        <p:nvSpPr>
+          <p:cNvPr id="5" name="Content Placeholder 4">
+            <a:extLst>
+              <a:ext uri="{FF2B5EF4-FFF2-40B4-BE49-F238E27FC236}">
+                <a16:creationId xmlns:a16="http://schemas.microsoft.com/office/drawing/2014/main" id="{2B13EA12-F42E-A14F-570D-C7B3FB0BA678}"/>
+              </a:ext>
+            </a:extLst>
+          </p:cNvPr>
+          <p:cNvSpPr>
+            <a:spLocks noGrp="1"/>
+          </p:cNvSpPr>
+          <p:nvPr>
+            <p:ph sz="half" idx="1"/>
+          </p:nvPr>
+        </p:nvSpPr>
+        <p:spPr/>
+        <p:txBody>
+          <a:bodyPr>
+            <a:normAutofit/>
+          </a:bodyPr>
+          <a:lstStyle/>
+          <a:p>
+            <a:pPr marL="0" indent="0">
+              <a:buNone/>
+            </a:pPr>
+            <a:r>
+              <a:rPr lang="en-GB" b="1" dirty="0"/>
+              <a:t>Definition (</a:t>
+            </a:r>
+            <a:r>
+              <a:rPr lang="en-GB" b="1" dirty="0">
+                <a:solidFill>
+                  <a:srgbClr val="7030A0"/>
+                </a:solidFill>
+              </a:rPr>
+              <a:t>Tokens</a:t>
+            </a:r>
+            <a:r>
+              <a:rPr lang="en-GB" b="1" dirty="0"/>
+              <a:t>):</a:t>
+            </a:r>
+          </a:p>
+          <a:p>
+            <a:pPr marL="0" indent="0">
+              <a:buNone/>
+            </a:pPr>
+            <a:r>
+              <a:rPr lang="en-GB" b="1" dirty="0">
+                <a:solidFill>
+                  <a:srgbClr val="7030A0"/>
+                </a:solidFill>
+              </a:rPr>
+              <a:t>Tokens</a:t>
+            </a:r>
+            <a:r>
+              <a:rPr lang="en-GB" dirty="0"/>
+              <a:t> are the </a:t>
+            </a:r>
+            <a:r>
+              <a:rPr lang="en-GB" b="1" dirty="0"/>
+              <a:t>smallest individual units of a programming language </a:t>
+            </a:r>
+            <a:r>
+              <a:rPr lang="en-GB" dirty="0"/>
+              <a:t>that the compiler can recognize and understand.</a:t>
+            </a:r>
+            <a:br>
+              <a:rPr lang="en-GB" dirty="0"/>
+            </a:br>
+            <a:r>
+              <a:rPr lang="en-GB" dirty="0"/>
+              <a:t>A token is a sequence of characters that has a specific meaning in the language, such as a </a:t>
+            </a:r>
+            <a:r>
+              <a:rPr lang="en-GB" b="1" dirty="0"/>
+              <a:t>keyword</a:t>
+            </a:r>
+            <a:r>
+              <a:rPr lang="en-GB" dirty="0"/>
+              <a:t>, </a:t>
+            </a:r>
+            <a:r>
+              <a:rPr lang="en-GB" b="1" dirty="0"/>
+              <a:t>identifier</a:t>
+            </a:r>
+            <a:r>
+              <a:rPr lang="en-GB" dirty="0"/>
+              <a:t>, </a:t>
+            </a:r>
+            <a:r>
+              <a:rPr lang="en-GB" b="1" dirty="0"/>
+              <a:t>operator</a:t>
+            </a:r>
+            <a:r>
+              <a:rPr lang="en-GB" dirty="0"/>
+              <a:t>, or </a:t>
+            </a:r>
+            <a:r>
+              <a:rPr lang="en-GB" b="1" dirty="0"/>
+              <a:t>punctuation</a:t>
+            </a:r>
+            <a:r>
+              <a:rPr lang="en-GB" dirty="0"/>
+              <a:t> </a:t>
+            </a:r>
+            <a:r>
+              <a:rPr lang="en-GB" b="1" dirty="0"/>
+              <a:t>symbol</a:t>
+            </a:r>
+            <a:r>
+              <a:rPr lang="en-GB" dirty="0"/>
+              <a:t>.</a:t>
             </a:r>
             <a:endParaRPr lang="en-SG" dirty="0"/>
           </a:p>
@@ -17458,7 +22814,7 @@
           <p:cNvPr id="3" name="Content Placeholder 2">
             <a:extLst>
               <a:ext uri="{FF2B5EF4-FFF2-40B4-BE49-F238E27FC236}">
-                <a16:creationId xmlns:a16="http://schemas.microsoft.com/office/drawing/2014/main" id="{04F9D663-7009-B4BD-3AC7-CAF87C7E3B7B}"/>
+                <a16:creationId xmlns:a16="http://schemas.microsoft.com/office/drawing/2014/main" id="{E1F7AF25-2360-31D8-D5BF-56EDDD31008D}"/>
               </a:ext>
             </a:extLst>
           </p:cNvPr>
@@ -17466,49 +22822,85 @@
             <a:spLocks noGrp="1"/>
           </p:cNvSpPr>
           <p:nvPr>
-            <p:ph idx="1"/>
+            <p:ph sz="half" idx="2"/>
           </p:nvPr>
         </p:nvSpPr>
-        <p:spPr/>
+        <p:spPr>
+          <a:xfrm>
+            <a:off x="6172200" y="1825624"/>
+            <a:ext cx="5181600" cy="5032375"/>
+          </a:xfrm>
+        </p:spPr>
         <p:txBody>
-          <a:bodyPr/>
+          <a:bodyPr>
+            <a:normAutofit/>
+          </a:bodyPr>
           <a:lstStyle/>
           <a:p>
             <a:r>
-              <a:rPr lang="en-GB" dirty="0"/>
-              <a:t>What is in the source code and stuff</a:t>
-            </a:r>
-          </a:p>
-          <a:p>
-            <a:r>
-              <a:rPr lang="en-GB" dirty="0"/>
-              <a:t>Please note that this example assumes the source code in </a:t>
-            </a:r>
-            <a:r>
-              <a:rPr lang="en-GB" dirty="0" err="1"/>
-              <a:t>source.c</a:t>
-            </a:r>
-            <a:r>
-              <a:rPr lang="en-GB" dirty="0"/>
-              <a:t> contains lexemes separated by whitespace characters, and does not handle more complex cases, such as comments or string literals.</a:t>
-            </a:r>
-          </a:p>
-          <a:p>
-            <a:r>
-              <a:rPr lang="en-GB" dirty="0"/>
-              <a:t>To handle these cases, you would need to implement a more advanced tokenizer that processes the source code according to the syntax rules of the programming language.</a:t>
-            </a:r>
-            <a:endParaRPr lang="en-SG" dirty="0"/>
-          </a:p>
-          <a:p>
-            <a:endParaRPr lang="en-SG" dirty="0"/>
+              <a:rPr lang="en-GB" b="1" dirty="0"/>
+              <a:t>Operator: </a:t>
+            </a:r>
+            <a:r>
+              <a:rPr lang="en-GB" dirty="0"/>
+              <a:t>An operator is a </a:t>
+            </a:r>
+            <a:r>
+              <a:rPr lang="en-GB" b="1" dirty="0"/>
+              <a:t>symbol</a:t>
+            </a:r>
+            <a:r>
+              <a:rPr lang="en-GB" dirty="0"/>
+              <a:t> </a:t>
+            </a:r>
+            <a:r>
+              <a:rPr lang="en-GB" b="1" dirty="0"/>
+              <a:t>that performs a specific operation </a:t>
+            </a:r>
+            <a:r>
+              <a:rPr lang="en-GB" dirty="0"/>
+              <a:t>on one or more values. </a:t>
+            </a:r>
+          </a:p>
+          <a:p>
+            <a:pPr marL="0" indent="0">
+              <a:buNone/>
+            </a:pPr>
+            <a:r>
+              <a:rPr lang="en-GB" dirty="0"/>
+              <a:t>Examples of operators in the C programming language: </a:t>
+            </a:r>
+          </a:p>
+          <a:p>
+            <a:r>
+              <a:rPr lang="en-GB" dirty="0"/>
+              <a:t>+, -, *, /,</a:t>
+            </a:r>
+          </a:p>
+          <a:p>
+            <a:r>
+              <a:rPr lang="en-GB" dirty="0"/>
+              <a:t>=,</a:t>
+            </a:r>
+          </a:p>
+          <a:p>
+            <a:r>
+              <a:rPr lang="en-GB" dirty="0"/>
+              <a:t>&amp;&amp;,</a:t>
+            </a:r>
+          </a:p>
+          <a:p>
+            <a:r>
+              <a:rPr lang="en-GB" dirty="0"/>
+              <a:t>etc.</a:t>
+            </a:r>
           </a:p>
         </p:txBody>
       </p:sp>
     </p:spTree>
     <p:extLst>
       <p:ext uri="{BB962C8B-B14F-4D97-AF65-F5344CB8AC3E}">
-        <p14:creationId xmlns:p14="http://schemas.microsoft.com/office/powerpoint/2010/main" val="715460662"/>
+        <p14:creationId xmlns:p14="http://schemas.microsoft.com/office/powerpoint/2010/main" val="2409304258"/>
       </p:ext>
     </p:extLst>
   </p:cSld>
@@ -17540,7 +22932,7 @@
           <p:cNvPr id="2" name="Title 1">
             <a:extLst>
               <a:ext uri="{FF2B5EF4-FFF2-40B4-BE49-F238E27FC236}">
-                <a16:creationId xmlns:a16="http://schemas.microsoft.com/office/drawing/2014/main" id="{40D5AB25-AA4C-4E51-2467-1CD51923472F}"/>
+                <a16:creationId xmlns:a16="http://schemas.microsoft.com/office/drawing/2014/main" id="{87657C29-1A3B-9090-2528-30E69AB94051}"/>
               </a:ext>
             </a:extLst>
           </p:cNvPr>
@@ -17558,7 +22950,7 @@
           <a:p>
             <a:r>
               <a:rPr lang="en-GB" dirty="0"/>
-              <a:t>Our first tokenizer</a:t>
+              <a:t>Lexical Analysis</a:t>
             </a:r>
             <a:endParaRPr lang="en-SG" dirty="0"/>
           </a:p>
@@ -17566,10 +22958,10 @@
       </p:sp>
       <p:sp>
         <p:nvSpPr>
-          <p:cNvPr id="3" name="Content Placeholder 2">
+          <p:cNvPr id="5" name="Content Placeholder 4">
             <a:extLst>
               <a:ext uri="{FF2B5EF4-FFF2-40B4-BE49-F238E27FC236}">
-                <a16:creationId xmlns:a16="http://schemas.microsoft.com/office/drawing/2014/main" id="{54347D42-FC05-179D-F6D8-EC83D9E0AFD3}"/>
+                <a16:creationId xmlns:a16="http://schemas.microsoft.com/office/drawing/2014/main" id="{2B13EA12-F42E-A14F-570D-C7B3FB0BA678}"/>
               </a:ext>
             </a:extLst>
           </p:cNvPr>
@@ -17577,7 +22969,7 @@
             <a:spLocks noGrp="1"/>
           </p:cNvSpPr>
           <p:nvPr>
-            <p:ph idx="1"/>
+            <p:ph sz="half" idx="1"/>
           </p:nvPr>
         </p:nvSpPr>
         <p:spPr/>
@@ -17587,25 +22979,173 @@
           </a:bodyPr>
           <a:lstStyle/>
           <a:p>
-            <a:r>
-              <a:rPr lang="en-GB" dirty="0"/>
-              <a:t>This example reads the source code from the </a:t>
-            </a:r>
-            <a:r>
-              <a:rPr lang="en-GB" dirty="0" err="1"/>
-              <a:t>source.c</a:t>
-            </a:r>
-            <a:r>
-              <a:rPr lang="en-GB" dirty="0"/>
-              <a:t> file, tokenizes it into lexemes by splitting the string on whitespace characters, and then checks if each lexeme is a keyword using the </a:t>
-            </a:r>
-            <a:r>
-              <a:rPr lang="en-GB" dirty="0" err="1"/>
-              <a:t>is_keyword_regex</a:t>
-            </a:r>
-            <a:r>
-              <a:rPr lang="en-GB" dirty="0"/>
-              <a:t>() function. The results are printed, indicating Token types and lexemes. Not how token type changes based on whether each lexeme is a keyword or not.</a:t>
+            <a:pPr marL="0" indent="0">
+              <a:buNone/>
+            </a:pPr>
+            <a:r>
+              <a:rPr lang="en-GB" b="1" dirty="0"/>
+              <a:t>Definition (</a:t>
+            </a:r>
+            <a:r>
+              <a:rPr lang="en-GB" b="1" dirty="0">
+                <a:solidFill>
+                  <a:srgbClr val="7030A0"/>
+                </a:solidFill>
+              </a:rPr>
+              <a:t>Tokens</a:t>
+            </a:r>
+            <a:r>
+              <a:rPr lang="en-GB" b="1" dirty="0"/>
+              <a:t>):</a:t>
+            </a:r>
+          </a:p>
+          <a:p>
+            <a:pPr marL="0" indent="0">
+              <a:buNone/>
+            </a:pPr>
+            <a:r>
+              <a:rPr lang="en-GB" b="1" dirty="0">
+                <a:solidFill>
+                  <a:srgbClr val="7030A0"/>
+                </a:solidFill>
+              </a:rPr>
+              <a:t>Tokens</a:t>
+            </a:r>
+            <a:r>
+              <a:rPr lang="en-GB" dirty="0"/>
+              <a:t> are the </a:t>
+            </a:r>
+            <a:r>
+              <a:rPr lang="en-GB" b="1" dirty="0"/>
+              <a:t>smallest individual units of a programming language </a:t>
+            </a:r>
+            <a:r>
+              <a:rPr lang="en-GB" dirty="0"/>
+              <a:t>that the compiler can recognize and understand.</a:t>
+            </a:r>
+            <a:br>
+              <a:rPr lang="en-GB" dirty="0"/>
+            </a:br>
+            <a:r>
+              <a:rPr lang="en-GB" dirty="0"/>
+              <a:t>A token is a sequence of characters that has a specific meaning in the language, such as a </a:t>
+            </a:r>
+            <a:r>
+              <a:rPr lang="en-GB" b="1" dirty="0"/>
+              <a:t>keyword</a:t>
+            </a:r>
+            <a:r>
+              <a:rPr lang="en-GB" dirty="0"/>
+              <a:t>, </a:t>
+            </a:r>
+            <a:r>
+              <a:rPr lang="en-GB" b="1" dirty="0"/>
+              <a:t>identifier</a:t>
+            </a:r>
+            <a:r>
+              <a:rPr lang="en-GB" dirty="0"/>
+              <a:t>, </a:t>
+            </a:r>
+            <a:r>
+              <a:rPr lang="en-GB" b="1" dirty="0"/>
+              <a:t>operator</a:t>
+            </a:r>
+            <a:r>
+              <a:rPr lang="en-GB" dirty="0"/>
+              <a:t>, or </a:t>
+            </a:r>
+            <a:r>
+              <a:rPr lang="en-GB" b="1" dirty="0"/>
+              <a:t>punctuation</a:t>
+            </a:r>
+            <a:r>
+              <a:rPr lang="en-GB" dirty="0"/>
+              <a:t> </a:t>
+            </a:r>
+            <a:r>
+              <a:rPr lang="en-GB" b="1" dirty="0"/>
+              <a:t>symbol</a:t>
+            </a:r>
+            <a:r>
+              <a:rPr lang="en-GB" dirty="0"/>
+              <a:t>.</a:t>
+            </a:r>
+            <a:endParaRPr lang="en-SG" dirty="0"/>
+          </a:p>
+        </p:txBody>
+      </p:sp>
+      <p:sp>
+        <p:nvSpPr>
+          <p:cNvPr id="3" name="Content Placeholder 2">
+            <a:extLst>
+              <a:ext uri="{FF2B5EF4-FFF2-40B4-BE49-F238E27FC236}">
+                <a16:creationId xmlns:a16="http://schemas.microsoft.com/office/drawing/2014/main" id="{E1F7AF25-2360-31D8-D5BF-56EDDD31008D}"/>
+              </a:ext>
+            </a:extLst>
+          </p:cNvPr>
+          <p:cNvSpPr>
+            <a:spLocks noGrp="1"/>
+          </p:cNvSpPr>
+          <p:nvPr>
+            <p:ph sz="half" idx="2"/>
+          </p:nvPr>
+        </p:nvSpPr>
+        <p:spPr>
+          <a:xfrm>
+            <a:off x="6172200" y="1825624"/>
+            <a:ext cx="5181600" cy="5032375"/>
+          </a:xfrm>
+        </p:spPr>
+        <p:txBody>
+          <a:bodyPr>
+            <a:normAutofit/>
+          </a:bodyPr>
+          <a:lstStyle/>
+          <a:p>
+            <a:r>
+              <a:rPr lang="en-GB" b="1" dirty="0"/>
+              <a:t>Punctuation symbol: </a:t>
+            </a:r>
+            <a:r>
+              <a:rPr lang="en-GB" dirty="0"/>
+              <a:t>A punctuation symbol is a </a:t>
+            </a:r>
+            <a:r>
+              <a:rPr lang="en-GB" b="1" dirty="0"/>
+              <a:t>symbol used to separate or group different parts of a program</a:t>
+            </a:r>
+          </a:p>
+          <a:p>
+            <a:pPr marL="0" indent="0">
+              <a:buNone/>
+            </a:pPr>
+            <a:r>
+              <a:rPr lang="en-GB" dirty="0"/>
+              <a:t>Examples of punctuation symbols in the C programming language</a:t>
+            </a:r>
+          </a:p>
+          <a:p>
+            <a:r>
+              <a:rPr lang="en-GB" dirty="0"/>
+              <a:t>Braces {} and parentheses ()</a:t>
+            </a:r>
+          </a:p>
+          <a:p>
+            <a:r>
+              <a:rPr lang="en-GB" dirty="0"/>
+              <a:t>Commas, semicolons,</a:t>
+            </a:r>
+          </a:p>
+          <a:p>
+            <a:r>
+              <a:rPr lang="en-GB" dirty="0"/>
+              <a:t>Quotation marks,</a:t>
+            </a:r>
+          </a:p>
+          <a:p>
+            <a:r>
+              <a:rPr lang="en-GB" dirty="0"/>
+              <a:t>Etc.</a:t>
             </a:r>
           </a:p>
         </p:txBody>
@@ -17613,7 +23153,7 @@
     </p:spTree>
     <p:extLst>
       <p:ext uri="{BB962C8B-B14F-4D97-AF65-F5344CB8AC3E}">
-        <p14:creationId xmlns:p14="http://schemas.microsoft.com/office/powerpoint/2010/main" val="2534803411"/>
+        <p14:creationId xmlns:p14="http://schemas.microsoft.com/office/powerpoint/2010/main" val="2949375831"/>
       </p:ext>
     </p:extLst>
   </p:cSld>
@@ -17645,7 +23185,7 @@
           <p:cNvPr id="2" name="Title 1">
             <a:extLst>
               <a:ext uri="{FF2B5EF4-FFF2-40B4-BE49-F238E27FC236}">
-                <a16:creationId xmlns:a16="http://schemas.microsoft.com/office/drawing/2014/main" id="{4AAEEF69-BBB1-3B46-8D5B-ED626354D44E}"/>
+                <a16:creationId xmlns:a16="http://schemas.microsoft.com/office/drawing/2014/main" id="{87657C29-1A3B-9090-2528-30E69AB94051}"/>
               </a:ext>
             </a:extLst>
           </p:cNvPr>
@@ -17663,7 +23203,7 @@
           <a:p>
             <a:r>
               <a:rPr lang="en-GB" dirty="0"/>
-              <a:t>Adjusting the Token types</a:t>
+              <a:t>Steps for Lexical Analysis</a:t>
             </a:r>
             <a:endParaRPr lang="en-SG" dirty="0"/>
           </a:p>
@@ -17671,10 +23211,10 @@
       </p:sp>
       <p:sp>
         <p:nvSpPr>
-          <p:cNvPr id="3" name="Content Placeholder 2">
+          <p:cNvPr id="5" name="Content Placeholder 4">
             <a:extLst>
               <a:ext uri="{FF2B5EF4-FFF2-40B4-BE49-F238E27FC236}">
-                <a16:creationId xmlns:a16="http://schemas.microsoft.com/office/drawing/2014/main" id="{7EC38D36-2E91-8CCE-E067-FFDC9AA2549C}"/>
+                <a16:creationId xmlns:a16="http://schemas.microsoft.com/office/drawing/2014/main" id="{2B13EA12-F42E-A14F-570D-C7B3FB0BA678}"/>
               </a:ext>
             </a:extLst>
           </p:cNvPr>
@@ -17685,19 +23225,146 @@
             <p:ph idx="1"/>
           </p:nvPr>
         </p:nvSpPr>
-        <p:spPr/>
+        <p:spPr>
+          <a:xfrm>
+            <a:off x="838200" y="1825624"/>
+            <a:ext cx="10515600" cy="5032375"/>
+          </a:xfrm>
+        </p:spPr>
         <p:txBody>
-          <a:bodyPr/>
+          <a:bodyPr>
+            <a:normAutofit/>
+          </a:bodyPr>
           <a:lstStyle/>
           <a:p>
-            <a:endParaRPr lang="en-SG"/>
+            <a:pPr marL="0" indent="0">
+              <a:buNone/>
+            </a:pPr>
+            <a:r>
+              <a:rPr lang="en-GB" b="1" dirty="0"/>
+              <a:t>Definition (Steps for </a:t>
+            </a:r>
+            <a:r>
+              <a:rPr lang="en-GB" b="1" dirty="0">
+                <a:solidFill>
+                  <a:srgbClr val="00B050"/>
+                </a:solidFill>
+              </a:rPr>
+              <a:t>Lexical Analysis</a:t>
+            </a:r>
+            <a:r>
+              <a:rPr lang="en-GB" b="1" dirty="0"/>
+              <a:t>):</a:t>
+            </a:r>
+          </a:p>
+          <a:p>
+            <a:pPr marL="0" indent="0">
+              <a:buNone/>
+            </a:pPr>
+            <a:r>
+              <a:rPr lang="en-GB" dirty="0"/>
+              <a:t>During lexical analysis, the compiler </a:t>
+            </a:r>
+            <a:r>
+              <a:rPr lang="en-GB" b="1" dirty="0"/>
+              <a:t>reads the source code character by character</a:t>
+            </a:r>
+            <a:r>
+              <a:rPr lang="en-GB" dirty="0"/>
+              <a:t> and identifies each token.</a:t>
+            </a:r>
+          </a:p>
+          <a:p>
+            <a:r>
+              <a:rPr lang="en-GB" dirty="0"/>
+              <a:t>It does so, based on its </a:t>
+            </a:r>
+            <a:r>
+              <a:rPr lang="en-GB" b="1" dirty="0"/>
+              <a:t>position</a:t>
+            </a:r>
+            <a:r>
+              <a:rPr lang="en-GB" dirty="0"/>
+              <a:t> and </a:t>
+            </a:r>
+            <a:r>
+              <a:rPr lang="en-GB" b="1" dirty="0"/>
+              <a:t>context</a:t>
+            </a:r>
+            <a:r>
+              <a:rPr lang="en-GB" dirty="0"/>
+              <a:t> within the code.</a:t>
+            </a:r>
+          </a:p>
+          <a:p>
+            <a:r>
+              <a:rPr lang="en-GB" dirty="0"/>
+              <a:t>The compiler also uses </a:t>
+            </a:r>
+            <a:r>
+              <a:rPr lang="en-GB" b="1" dirty="0"/>
+              <a:t>a set of rules or patterns </a:t>
+            </a:r>
+            <a:r>
+              <a:rPr lang="en-GB" dirty="0"/>
+              <a:t>called </a:t>
+            </a:r>
+            <a:r>
+              <a:rPr lang="en-GB" b="1" dirty="0">
+                <a:solidFill>
+                  <a:srgbClr val="7030A0"/>
+                </a:solidFill>
+              </a:rPr>
+              <a:t>regular expressions </a:t>
+            </a:r>
+            <a:r>
+              <a:rPr lang="en-GB" dirty="0"/>
+              <a:t>(something for Week 9), </a:t>
+            </a:r>
+            <a:r>
+              <a:rPr lang="en-GB" b="1" dirty="0"/>
+              <a:t>to recognize different types of tokens</a:t>
+            </a:r>
+            <a:r>
+              <a:rPr lang="en-GB" dirty="0"/>
+              <a:t>, such as keywords, identifiers, operators, and punctuation symbols.</a:t>
+            </a:r>
+          </a:p>
+          <a:p>
+            <a:pPr marL="0" indent="0">
+              <a:buNone/>
+            </a:pPr>
+            <a:r>
+              <a:rPr lang="en-GB" dirty="0"/>
+              <a:t>Once the compiler has identified the tokens, it </a:t>
+            </a:r>
+            <a:r>
+              <a:rPr lang="en-GB" b="1" dirty="0"/>
+              <a:t>assigns each token a specific type/category</a:t>
+            </a:r>
+            <a:r>
+              <a:rPr lang="en-GB" dirty="0"/>
+              <a:t>, based on its role and meaning in the program.</a:t>
+            </a:r>
+          </a:p>
+          <a:p>
+            <a:pPr marL="0" indent="0">
+              <a:buNone/>
+            </a:pPr>
+            <a:endParaRPr lang="en-GB" dirty="0"/>
+          </a:p>
+          <a:p>
+            <a:pPr marL="0" indent="0">
+              <a:buNone/>
+            </a:pPr>
+            <a:endParaRPr lang="en-GB" b="1" dirty="0"/>
           </a:p>
         </p:txBody>
       </p:sp>
     </p:spTree>
     <p:extLst>
       <p:ext uri="{BB962C8B-B14F-4D97-AF65-F5344CB8AC3E}">
-        <p14:creationId xmlns:p14="http://schemas.microsoft.com/office/powerpoint/2010/main" val="2284998225"/>
+        <p14:creationId xmlns:p14="http://schemas.microsoft.com/office/powerpoint/2010/main" val="1567445271"/>
       </p:ext>
     </p:extLst>
   </p:cSld>

--- a/W9/W9S3/W9S3.pptx
+++ b/W9/W9S3/W9S3.pptx
@@ -5,7 +5,7 @@
     <p:sldMasterId id="2147483648" r:id="rId1"/>
   </p:sldMasterIdLst>
   <p:notesMasterIdLst>
-    <p:notesMasterId r:id="rId48"/>
+    <p:notesMasterId r:id="rId70"/>
   </p:notesMasterIdLst>
   <p:sldIdLst>
     <p:sldId id="377" r:id="rId2"/>
@@ -52,8 +52,30 @@
     <p:sldId id="430" r:id="rId43"/>
     <p:sldId id="432" r:id="rId44"/>
     <p:sldId id="431" r:id="rId45"/>
-    <p:sldId id="433" r:id="rId46"/>
-    <p:sldId id="386" r:id="rId47"/>
+    <p:sldId id="434" r:id="rId46"/>
+    <p:sldId id="436" r:id="rId47"/>
+    <p:sldId id="437" r:id="rId48"/>
+    <p:sldId id="438" r:id="rId49"/>
+    <p:sldId id="439" r:id="rId50"/>
+    <p:sldId id="440" r:id="rId51"/>
+    <p:sldId id="441" r:id="rId52"/>
+    <p:sldId id="445" r:id="rId53"/>
+    <p:sldId id="446" r:id="rId54"/>
+    <p:sldId id="442" r:id="rId55"/>
+    <p:sldId id="443" r:id="rId56"/>
+    <p:sldId id="444" r:id="rId57"/>
+    <p:sldId id="447" r:id="rId58"/>
+    <p:sldId id="453" r:id="rId59"/>
+    <p:sldId id="449" r:id="rId60"/>
+    <p:sldId id="452" r:id="rId61"/>
+    <p:sldId id="433" r:id="rId62"/>
+    <p:sldId id="386" r:id="rId63"/>
+    <p:sldId id="454" r:id="rId64"/>
+    <p:sldId id="455" r:id="rId65"/>
+    <p:sldId id="459" r:id="rId66"/>
+    <p:sldId id="458" r:id="rId67"/>
+    <p:sldId id="456" r:id="rId68"/>
+    <p:sldId id="460" r:id="rId69"/>
   </p:sldIdLst>
   <p:sldSz cx="12192000" cy="6858000"/>
   <p:notesSz cx="6858000" cy="9144000"/>
@@ -231,6 +253,30 @@
             <p14:sldId id="431"/>
           </p14:sldIdLst>
         </p14:section>
+        <p14:section name="Recognizing identifiers" id="{CDF40FB8-3CB5-4988-B2F3-4A3FB361C3EF}">
+          <p14:sldIdLst>
+            <p14:sldId id="434"/>
+            <p14:sldId id="436"/>
+            <p14:sldId id="437"/>
+            <p14:sldId id="438"/>
+            <p14:sldId id="439"/>
+            <p14:sldId id="440"/>
+          </p14:sldIdLst>
+        </p14:section>
+        <p14:section name="Recognizing literals" id="{58F96ECD-CF24-4DD7-A6D2-4311754C95CE}">
+          <p14:sldIdLst>
+            <p14:sldId id="441"/>
+            <p14:sldId id="445"/>
+            <p14:sldId id="446"/>
+            <p14:sldId id="442"/>
+            <p14:sldId id="443"/>
+            <p14:sldId id="444"/>
+            <p14:sldId id="447"/>
+            <p14:sldId id="453"/>
+            <p14:sldId id="449"/>
+            <p14:sldId id="452"/>
+          </p14:sldIdLst>
+        </p14:section>
         <p14:section name="Conclusion" id="{51468D2E-715C-4CDD-BDEC-A6B0484CF5B8}">
           <p14:sldIdLst>
             <p14:sldId id="433"/>
@@ -239,6 +285,12 @@
         <p14:section name="Practice" id="{F87FAEA4-6D7E-4F13-BD18-76435A868A3B}">
           <p14:sldIdLst>
             <p14:sldId id="386"/>
+            <p14:sldId id="454"/>
+            <p14:sldId id="455"/>
+            <p14:sldId id="459"/>
+            <p14:sldId id="458"/>
+            <p14:sldId id="456"/>
+            <p14:sldId id="460"/>
           </p14:sldIdLst>
         </p14:section>
       </p14:sectionLst>
@@ -259,7 +311,7 @@
 <file path=ppt/revisionInfo.xml><?xml version="1.0" encoding="utf-8"?>
 <p1510:revInfo xmlns:a="http://schemas.openxmlformats.org/drawingml/2006/main" xmlns:r="http://schemas.openxmlformats.org/officeDocument/2006/relationships" xmlns:p1510="http://schemas.microsoft.com/office/powerpoint/2015/10/main">
   <p1510:revLst>
-    <p1510:client id="{1888DEAD-E307-4CA6-AFF5-49DFF9FCD3C3}" v="37" dt="2023-03-20T11:56:09.099"/>
+    <p1510:client id="{1888DEAD-E307-4CA6-AFF5-49DFF9FCD3C3}" v="57" dt="2023-03-21T05:51:42.682"/>
   </p1510:revLst>
 </p1510:revInfo>
 </file>
@@ -269,7 +321,7 @@
   <pc:docChgLst>
     <pc:chgData name="Matthieu De Mari" userId="dfb708c9-d8dc-439f-9a3b-c772bf4a311c" providerId="ADAL" clId="{1888DEAD-E307-4CA6-AFF5-49DFF9FCD3C3}"/>
     <pc:docChg chg="undo redo custSel addSld delSld modSld sldOrd addSection delSection modSection">
-      <pc:chgData name="Matthieu De Mari" userId="dfb708c9-d8dc-439f-9a3b-c772bf4a311c" providerId="ADAL" clId="{1888DEAD-E307-4CA6-AFF5-49DFF9FCD3C3}" dt="2023-03-20T11:59:27.977" v="10518" actId="20577"/>
+      <pc:chgData name="Matthieu De Mari" userId="dfb708c9-d8dc-439f-9a3b-c772bf4a311c" providerId="ADAL" clId="{1888DEAD-E307-4CA6-AFF5-49DFF9FCD3C3}" dt="2023-03-21T06:04:29.772" v="12996" actId="47"/>
       <pc:docMkLst>
         <pc:docMk/>
       </pc:docMkLst>
@@ -295,13 +347,13 @@
         </pc:sldMkLst>
       </pc:sldChg>
       <pc:sldChg chg="modSp add mod">
-        <pc:chgData name="Matthieu De Mari" userId="dfb708c9-d8dc-439f-9a3b-c772bf4a311c" providerId="ADAL" clId="{1888DEAD-E307-4CA6-AFF5-49DFF9FCD3C3}" dt="2023-03-20T08:28:17.622" v="2251" actId="27636"/>
+        <pc:chgData name="Matthieu De Mari" userId="dfb708c9-d8dc-439f-9a3b-c772bf4a311c" providerId="ADAL" clId="{1888DEAD-E307-4CA6-AFF5-49DFF9FCD3C3}" dt="2023-03-21T05:13:44.055" v="10547" actId="20577"/>
         <pc:sldMkLst>
           <pc:docMk/>
           <pc:sldMk cId="3941141626" sldId="279"/>
         </pc:sldMkLst>
         <pc:spChg chg="mod">
-          <ac:chgData name="Matthieu De Mari" userId="dfb708c9-d8dc-439f-9a3b-c772bf4a311c" providerId="ADAL" clId="{1888DEAD-E307-4CA6-AFF5-49DFF9FCD3C3}" dt="2023-03-20T08:28:17.622" v="2251" actId="27636"/>
+          <ac:chgData name="Matthieu De Mari" userId="dfb708c9-d8dc-439f-9a3b-c772bf4a311c" providerId="ADAL" clId="{1888DEAD-E307-4CA6-AFF5-49DFF9FCD3C3}" dt="2023-03-21T05:13:44.055" v="10547" actId="20577"/>
           <ac:spMkLst>
             <pc:docMk/>
             <pc:sldMk cId="3941141626" sldId="279"/>
@@ -367,12 +419,20 @@
           <pc:sldMk cId="2656047251" sldId="379"/>
         </pc:sldMkLst>
       </pc:sldChg>
-      <pc:sldChg chg="add">
-        <pc:chgData name="Matthieu De Mari" userId="dfb708c9-d8dc-439f-9a3b-c772bf4a311c" providerId="ADAL" clId="{1888DEAD-E307-4CA6-AFF5-49DFF9FCD3C3}" dt="2023-03-20T08:27:47.519" v="2239"/>
+      <pc:sldChg chg="modSp add mod">
+        <pc:chgData name="Matthieu De Mari" userId="dfb708c9-d8dc-439f-9a3b-c772bf4a311c" providerId="ADAL" clId="{1888DEAD-E307-4CA6-AFF5-49DFF9FCD3C3}" dt="2023-03-21T05:31:29.680" v="11265" actId="20577"/>
         <pc:sldMkLst>
           <pc:docMk/>
           <pc:sldMk cId="3856210223" sldId="379"/>
         </pc:sldMkLst>
+        <pc:spChg chg="mod">
+          <ac:chgData name="Matthieu De Mari" userId="dfb708c9-d8dc-439f-9a3b-c772bf4a311c" providerId="ADAL" clId="{1888DEAD-E307-4CA6-AFF5-49DFF9FCD3C3}" dt="2023-03-21T05:31:29.680" v="11265" actId="20577"/>
+          <ac:spMkLst>
+            <pc:docMk/>
+            <pc:sldMk cId="3856210223" sldId="379"/>
+            <ac:spMk id="3" creationId="{E1F7AF25-2360-31D8-D5BF-56EDDD31008D}"/>
+          </ac:spMkLst>
+        </pc:spChg>
       </pc:sldChg>
       <pc:sldChg chg="del">
         <pc:chgData name="Matthieu De Mari" userId="dfb708c9-d8dc-439f-9a3b-c772bf4a311c" providerId="ADAL" clId="{1888DEAD-E307-4CA6-AFF5-49DFF9FCD3C3}" dt="2023-03-17T13:16:52.409" v="16" actId="47"/>
@@ -415,6 +475,29 @@
           <pc:docMk/>
           <pc:sldMk cId="3174082147" sldId="385"/>
         </pc:sldMkLst>
+      </pc:sldChg>
+      <pc:sldChg chg="modSp mod">
+        <pc:chgData name="Matthieu De Mari" userId="dfb708c9-d8dc-439f-9a3b-c772bf4a311c" providerId="ADAL" clId="{1888DEAD-E307-4CA6-AFF5-49DFF9FCD3C3}" dt="2023-03-21T05:57:24.282" v="12523" actId="20577"/>
+        <pc:sldMkLst>
+          <pc:docMk/>
+          <pc:sldMk cId="540619278" sldId="386"/>
+        </pc:sldMkLst>
+        <pc:spChg chg="mod">
+          <ac:chgData name="Matthieu De Mari" userId="dfb708c9-d8dc-439f-9a3b-c772bf4a311c" providerId="ADAL" clId="{1888DEAD-E307-4CA6-AFF5-49DFF9FCD3C3}" dt="2023-03-21T05:56:57.531" v="12500" actId="20577"/>
+          <ac:spMkLst>
+            <pc:docMk/>
+            <pc:sldMk cId="540619278" sldId="386"/>
+            <ac:spMk id="2" creationId="{85A8A45D-5E7D-ADD7-164B-328A152B3A81}"/>
+          </ac:spMkLst>
+        </pc:spChg>
+        <pc:spChg chg="mod">
+          <ac:chgData name="Matthieu De Mari" userId="dfb708c9-d8dc-439f-9a3b-c772bf4a311c" providerId="ADAL" clId="{1888DEAD-E307-4CA6-AFF5-49DFF9FCD3C3}" dt="2023-03-21T05:57:24.282" v="12523" actId="20577"/>
+          <ac:spMkLst>
+            <pc:docMk/>
+            <pc:sldMk cId="540619278" sldId="386"/>
+            <ac:spMk id="3" creationId="{C2E398D8-3B3B-9BBB-F0C4-A93A76CBF126}"/>
+          </ac:spMkLst>
+        </pc:spChg>
       </pc:sldChg>
       <pc:sldChg chg="addSp delSp modSp new mod modClrScheme chgLayout">
         <pc:chgData name="Matthieu De Mari" userId="dfb708c9-d8dc-439f-9a3b-c772bf4a311c" providerId="ADAL" clId="{1888DEAD-E307-4CA6-AFF5-49DFF9FCD3C3}" dt="2023-03-20T08:05:01.065" v="2236" actId="20577"/>
@@ -1825,7 +1908,7 @@
         </pc:sldMkLst>
       </pc:sldChg>
       <pc:sldChg chg="delSp modSp new mod modClrScheme chgLayout">
-        <pc:chgData name="Matthieu De Mari" userId="dfb708c9-d8dc-439f-9a3b-c772bf4a311c" providerId="ADAL" clId="{1888DEAD-E307-4CA6-AFF5-49DFF9FCD3C3}" dt="2023-03-20T11:59:27.977" v="10518" actId="20577"/>
+        <pc:chgData name="Matthieu De Mari" userId="dfb708c9-d8dc-439f-9a3b-c772bf4a311c" providerId="ADAL" clId="{1888DEAD-E307-4CA6-AFF5-49DFF9FCD3C3}" dt="2023-03-21T05:57:53.768" v="12562" actId="20577"/>
         <pc:sldMkLst>
           <pc:docMk/>
           <pc:sldMk cId="669465544" sldId="433"/>
@@ -1839,7 +1922,7 @@
           </ac:spMkLst>
         </pc:spChg>
         <pc:spChg chg="mod ord">
-          <ac:chgData name="Matthieu De Mari" userId="dfb708c9-d8dc-439f-9a3b-c772bf4a311c" providerId="ADAL" clId="{1888DEAD-E307-4CA6-AFF5-49DFF9FCD3C3}" dt="2023-03-20T11:59:27.977" v="10518" actId="20577"/>
+          <ac:chgData name="Matthieu De Mari" userId="dfb708c9-d8dc-439f-9a3b-c772bf4a311c" providerId="ADAL" clId="{1888DEAD-E307-4CA6-AFF5-49DFF9FCD3C3}" dt="2023-03-21T05:57:53.768" v="12562" actId="20577"/>
           <ac:spMkLst>
             <pc:docMk/>
             <pc:sldMk cId="669465544" sldId="433"/>
@@ -1862,6 +1945,37 @@
           <pc:sldMk cId="1769846722" sldId="433"/>
         </pc:sldMkLst>
       </pc:sldChg>
+      <pc:sldChg chg="delSp modSp new mod modClrScheme chgLayout">
+        <pc:chgData name="Matthieu De Mari" userId="dfb708c9-d8dc-439f-9a3b-c772bf4a311c" providerId="ADAL" clId="{1888DEAD-E307-4CA6-AFF5-49DFF9FCD3C3}" dt="2023-03-21T05:14:39.830" v="10614" actId="20577"/>
+        <pc:sldMkLst>
+          <pc:docMk/>
+          <pc:sldMk cId="2022471180" sldId="434"/>
+        </pc:sldMkLst>
+        <pc:spChg chg="mod ord">
+          <ac:chgData name="Matthieu De Mari" userId="dfb708c9-d8dc-439f-9a3b-c772bf4a311c" providerId="ADAL" clId="{1888DEAD-E307-4CA6-AFF5-49DFF9FCD3C3}" dt="2023-03-21T05:14:06.808" v="10555" actId="700"/>
+          <ac:spMkLst>
+            <pc:docMk/>
+            <pc:sldMk cId="2022471180" sldId="434"/>
+            <ac:spMk id="2" creationId="{8A83FA18-3F90-1FC0-D489-A6EAA52FDF1D}"/>
+          </ac:spMkLst>
+        </pc:spChg>
+        <pc:spChg chg="mod ord">
+          <ac:chgData name="Matthieu De Mari" userId="dfb708c9-d8dc-439f-9a3b-c772bf4a311c" providerId="ADAL" clId="{1888DEAD-E307-4CA6-AFF5-49DFF9FCD3C3}" dt="2023-03-21T05:14:39.830" v="10614" actId="20577"/>
+          <ac:spMkLst>
+            <pc:docMk/>
+            <pc:sldMk cId="2022471180" sldId="434"/>
+            <ac:spMk id="3" creationId="{FB5CC6A8-58AA-24CC-CF50-3A252364E713}"/>
+          </ac:spMkLst>
+        </pc:spChg>
+        <pc:spChg chg="del mod">
+          <ac:chgData name="Matthieu De Mari" userId="dfb708c9-d8dc-439f-9a3b-c772bf4a311c" providerId="ADAL" clId="{1888DEAD-E307-4CA6-AFF5-49DFF9FCD3C3}" dt="2023-03-21T05:14:06.808" v="10555" actId="700"/>
+          <ac:spMkLst>
+            <pc:docMk/>
+            <pc:sldMk cId="2022471180" sldId="434"/>
+            <ac:spMk id="4" creationId="{FF860314-30CA-6E3E-5E77-687FBDA4C87A}"/>
+          </ac:spMkLst>
+        </pc:spChg>
+      </pc:sldChg>
       <pc:sldChg chg="del">
         <pc:chgData name="Matthieu De Mari" userId="dfb708c9-d8dc-439f-9a3b-c772bf4a311c" providerId="ADAL" clId="{1888DEAD-E307-4CA6-AFF5-49DFF9FCD3C3}" dt="2023-03-17T13:16:53.123" v="17" actId="47"/>
         <pc:sldMkLst>
@@ -1876,6 +1990,100 @@
           <pc:sldMk cId="3322702571" sldId="435"/>
         </pc:sldMkLst>
       </pc:sldChg>
+      <pc:sldChg chg="addSp delSp modSp new del mod modClrScheme chgLayout">
+        <pc:chgData name="Matthieu De Mari" userId="dfb708c9-d8dc-439f-9a3b-c772bf4a311c" providerId="ADAL" clId="{1888DEAD-E307-4CA6-AFF5-49DFF9FCD3C3}" dt="2023-03-21T05:20:30.980" v="11177" actId="47"/>
+        <pc:sldMkLst>
+          <pc:docMk/>
+          <pc:sldMk cId="4189242458" sldId="435"/>
+        </pc:sldMkLst>
+        <pc:spChg chg="del mod ord">
+          <ac:chgData name="Matthieu De Mari" userId="dfb708c9-d8dc-439f-9a3b-c772bf4a311c" providerId="ADAL" clId="{1888DEAD-E307-4CA6-AFF5-49DFF9FCD3C3}" dt="2023-03-21T05:14:46.497" v="10616" actId="700"/>
+          <ac:spMkLst>
+            <pc:docMk/>
+            <pc:sldMk cId="4189242458" sldId="435"/>
+            <ac:spMk id="2" creationId="{C379C6DA-198A-A97A-38F6-07F331D85554}"/>
+          </ac:spMkLst>
+        </pc:spChg>
+        <pc:spChg chg="del mod ord">
+          <ac:chgData name="Matthieu De Mari" userId="dfb708c9-d8dc-439f-9a3b-c772bf4a311c" providerId="ADAL" clId="{1888DEAD-E307-4CA6-AFF5-49DFF9FCD3C3}" dt="2023-03-21T05:14:46.497" v="10616" actId="700"/>
+          <ac:spMkLst>
+            <pc:docMk/>
+            <pc:sldMk cId="4189242458" sldId="435"/>
+            <ac:spMk id="3" creationId="{E7C3A928-CBCC-7307-21B9-007B23C29EE4}"/>
+          </ac:spMkLst>
+        </pc:spChg>
+        <pc:spChg chg="add mod ord">
+          <ac:chgData name="Matthieu De Mari" userId="dfb708c9-d8dc-439f-9a3b-c772bf4a311c" providerId="ADAL" clId="{1888DEAD-E307-4CA6-AFF5-49DFF9FCD3C3}" dt="2023-03-21T05:14:52.137" v="10617"/>
+          <ac:spMkLst>
+            <pc:docMk/>
+            <pc:sldMk cId="4189242458" sldId="435"/>
+            <ac:spMk id="4" creationId="{8FA6C370-714F-EAA0-209A-ABF6741BC60E}"/>
+          </ac:spMkLst>
+        </pc:spChg>
+        <pc:spChg chg="add mod ord">
+          <ac:chgData name="Matthieu De Mari" userId="dfb708c9-d8dc-439f-9a3b-c772bf4a311c" providerId="ADAL" clId="{1888DEAD-E307-4CA6-AFF5-49DFF9FCD3C3}" dt="2023-03-21T05:15:50.865" v="10882" actId="114"/>
+          <ac:spMkLst>
+            <pc:docMk/>
+            <pc:sldMk cId="4189242458" sldId="435"/>
+            <ac:spMk id="5" creationId="{7F5F9890-E0E0-F49A-3E26-C62B81849C45}"/>
+          </ac:spMkLst>
+        </pc:spChg>
+        <pc:spChg chg="add del mod ord">
+          <ac:chgData name="Matthieu De Mari" userId="dfb708c9-d8dc-439f-9a3b-c772bf4a311c" providerId="ADAL" clId="{1888DEAD-E307-4CA6-AFF5-49DFF9FCD3C3}" dt="2023-03-21T05:16:00.629" v="10884" actId="478"/>
+          <ac:spMkLst>
+            <pc:docMk/>
+            <pc:sldMk cId="4189242458" sldId="435"/>
+            <ac:spMk id="6" creationId="{918AA94F-E435-DD81-FFE9-9ADCE1F5B0A2}"/>
+          </ac:spMkLst>
+        </pc:spChg>
+      </pc:sldChg>
+      <pc:sldChg chg="addSp delSp modSp add mod modClrScheme chgLayout">
+        <pc:chgData name="Matthieu De Mari" userId="dfb708c9-d8dc-439f-9a3b-c772bf4a311c" providerId="ADAL" clId="{1888DEAD-E307-4CA6-AFF5-49DFF9FCD3C3}" dt="2023-03-21T05:20:45.734" v="11179" actId="20577"/>
+        <pc:sldMkLst>
+          <pc:docMk/>
+          <pc:sldMk cId="3776584994" sldId="436"/>
+        </pc:sldMkLst>
+        <pc:spChg chg="add del">
+          <ac:chgData name="Matthieu De Mari" userId="dfb708c9-d8dc-439f-9a3b-c772bf4a311c" providerId="ADAL" clId="{1888DEAD-E307-4CA6-AFF5-49DFF9FCD3C3}" dt="2023-03-21T05:18:20.240" v="11087"/>
+          <ac:spMkLst>
+            <pc:docMk/>
+            <pc:sldMk cId="3776584994" sldId="436"/>
+            <ac:spMk id="2" creationId="{BCE7C69C-E6F7-86B2-50D5-5ABFE89BF96B}"/>
+          </ac:spMkLst>
+        </pc:spChg>
+        <pc:spChg chg="mod ord">
+          <ac:chgData name="Matthieu De Mari" userId="dfb708c9-d8dc-439f-9a3b-c772bf4a311c" providerId="ADAL" clId="{1888DEAD-E307-4CA6-AFF5-49DFF9FCD3C3}" dt="2023-03-21T05:19:57.599" v="11132" actId="700"/>
+          <ac:spMkLst>
+            <pc:docMk/>
+            <pc:sldMk cId="3776584994" sldId="436"/>
+            <ac:spMk id="4" creationId="{8FA6C370-714F-EAA0-209A-ABF6741BC60E}"/>
+          </ac:spMkLst>
+        </pc:spChg>
+        <pc:spChg chg="add del mod ord">
+          <ac:chgData name="Matthieu De Mari" userId="dfb708c9-d8dc-439f-9a3b-c772bf4a311c" providerId="ADAL" clId="{1888DEAD-E307-4CA6-AFF5-49DFF9FCD3C3}" dt="2023-03-21T05:20:45.734" v="11179" actId="20577"/>
+          <ac:spMkLst>
+            <pc:docMk/>
+            <pc:sldMk cId="3776584994" sldId="436"/>
+            <ac:spMk id="5" creationId="{7F5F9890-E0E0-F49A-3E26-C62B81849C45}"/>
+          </ac:spMkLst>
+        </pc:spChg>
+        <pc:spChg chg="del mod">
+          <ac:chgData name="Matthieu De Mari" userId="dfb708c9-d8dc-439f-9a3b-c772bf4a311c" providerId="ADAL" clId="{1888DEAD-E307-4CA6-AFF5-49DFF9FCD3C3}" dt="2023-03-21T05:19:57.599" v="11132" actId="700"/>
+          <ac:spMkLst>
+            <pc:docMk/>
+            <pc:sldMk cId="3776584994" sldId="436"/>
+            <ac:spMk id="6" creationId="{918AA94F-E435-DD81-FFE9-9ADCE1F5B0A2}"/>
+          </ac:spMkLst>
+        </pc:spChg>
+        <pc:spChg chg="add del mod">
+          <ac:chgData name="Matthieu De Mari" userId="dfb708c9-d8dc-439f-9a3b-c772bf4a311c" providerId="ADAL" clId="{1888DEAD-E307-4CA6-AFF5-49DFF9FCD3C3}" dt="2023-03-21T05:20:00.699" v="11134" actId="478"/>
+          <ac:spMkLst>
+            <pc:docMk/>
+            <pc:sldMk cId="3776584994" sldId="436"/>
+            <ac:spMk id="7" creationId="{F0CDB04C-5B41-0A47-3C3C-6A390F91EED8}"/>
+          </ac:spMkLst>
+        </pc:spChg>
+      </pc:sldChg>
       <pc:sldChg chg="del">
         <pc:chgData name="Matthieu De Mari" userId="dfb708c9-d8dc-439f-9a3b-c772bf4a311c" providerId="ADAL" clId="{1888DEAD-E307-4CA6-AFF5-49DFF9FCD3C3}" dt="2023-03-17T13:16:53.123" v="17" actId="47"/>
         <pc:sldMkLst>
@@ -1883,6 +2091,21 @@
           <pc:sldMk cId="861916422" sldId="437"/>
         </pc:sldMkLst>
       </pc:sldChg>
+      <pc:sldChg chg="modSp add mod">
+        <pc:chgData name="Matthieu De Mari" userId="dfb708c9-d8dc-439f-9a3b-c772bf4a311c" providerId="ADAL" clId="{1888DEAD-E307-4CA6-AFF5-49DFF9FCD3C3}" dt="2023-03-21T05:38:21.432" v="11613" actId="20577"/>
+        <pc:sldMkLst>
+          <pc:docMk/>
+          <pc:sldMk cId="1885841120" sldId="437"/>
+        </pc:sldMkLst>
+        <pc:spChg chg="mod">
+          <ac:chgData name="Matthieu De Mari" userId="dfb708c9-d8dc-439f-9a3b-c772bf4a311c" providerId="ADAL" clId="{1888DEAD-E307-4CA6-AFF5-49DFF9FCD3C3}" dt="2023-03-21T05:38:21.432" v="11613" actId="20577"/>
+          <ac:spMkLst>
+            <pc:docMk/>
+            <pc:sldMk cId="1885841120" sldId="437"/>
+            <ac:spMk id="5" creationId="{7F5F9890-E0E0-F49A-3E26-C62B81849C45}"/>
+          </ac:spMkLst>
+        </pc:spChg>
+      </pc:sldChg>
       <pc:sldChg chg="del">
         <pc:chgData name="Matthieu De Mari" userId="dfb708c9-d8dc-439f-9a3b-c772bf4a311c" providerId="ADAL" clId="{1888DEAD-E307-4CA6-AFF5-49DFF9FCD3C3}" dt="2023-03-17T13:16:53.838" v="18" actId="47"/>
         <pc:sldMkLst>
@@ -1890,6 +2113,84 @@
           <pc:sldMk cId="671110687" sldId="438"/>
         </pc:sldMkLst>
       </pc:sldChg>
+      <pc:sldChg chg="addSp delSp modSp new mod">
+        <pc:chgData name="Matthieu De Mari" userId="dfb708c9-d8dc-439f-9a3b-c772bf4a311c" providerId="ADAL" clId="{1888DEAD-E307-4CA6-AFF5-49DFF9FCD3C3}" dt="2023-03-21T05:24:45.757" v="11222" actId="1037"/>
+        <pc:sldMkLst>
+          <pc:docMk/>
+          <pc:sldMk cId="4262633451" sldId="438"/>
+        </pc:sldMkLst>
+        <pc:spChg chg="del">
+          <ac:chgData name="Matthieu De Mari" userId="dfb708c9-d8dc-439f-9a3b-c772bf4a311c" providerId="ADAL" clId="{1888DEAD-E307-4CA6-AFF5-49DFF9FCD3C3}" dt="2023-03-21T05:23:10.785" v="11187" actId="478"/>
+          <ac:spMkLst>
+            <pc:docMk/>
+            <pc:sldMk cId="4262633451" sldId="438"/>
+            <ac:spMk id="2" creationId="{0A2CF722-4F72-4137-3EAD-84D60BE2F4F1}"/>
+          </ac:spMkLst>
+        </pc:spChg>
+        <pc:spChg chg="del">
+          <ac:chgData name="Matthieu De Mari" userId="dfb708c9-d8dc-439f-9a3b-c772bf4a311c" providerId="ADAL" clId="{1888DEAD-E307-4CA6-AFF5-49DFF9FCD3C3}" dt="2023-03-21T05:23:09.750" v="11186" actId="478"/>
+          <ac:spMkLst>
+            <pc:docMk/>
+            <pc:sldMk cId="4262633451" sldId="438"/>
+            <ac:spMk id="3" creationId="{C7043FCE-AB8B-C4A0-D2F7-6C4AE70C10EE}"/>
+          </ac:spMkLst>
+        </pc:spChg>
+        <pc:spChg chg="add mod">
+          <ac:chgData name="Matthieu De Mari" userId="dfb708c9-d8dc-439f-9a3b-c772bf4a311c" providerId="ADAL" clId="{1888DEAD-E307-4CA6-AFF5-49DFF9FCD3C3}" dt="2023-03-21T05:24:45.757" v="11222" actId="1037"/>
+          <ac:spMkLst>
+            <pc:docMk/>
+            <pc:sldMk cId="4262633451" sldId="438"/>
+            <ac:spMk id="6" creationId="{E03D3A28-E55B-A9A9-4130-DC4A8D33A219}"/>
+          </ac:spMkLst>
+        </pc:spChg>
+        <pc:picChg chg="add">
+          <ac:chgData name="Matthieu De Mari" userId="dfb708c9-d8dc-439f-9a3b-c772bf4a311c" providerId="ADAL" clId="{1888DEAD-E307-4CA6-AFF5-49DFF9FCD3C3}" dt="2023-03-21T05:23:11.714" v="11188" actId="22"/>
+          <ac:picMkLst>
+            <pc:docMk/>
+            <pc:sldMk cId="4262633451" sldId="438"/>
+            <ac:picMk id="5" creationId="{85FC463B-97D6-61CC-9441-7D3EAD44E04D}"/>
+          </ac:picMkLst>
+        </pc:picChg>
+      </pc:sldChg>
+      <pc:sldChg chg="addSp delSp modSp new mod">
+        <pc:chgData name="Matthieu De Mari" userId="dfb708c9-d8dc-439f-9a3b-c772bf4a311c" providerId="ADAL" clId="{1888DEAD-E307-4CA6-AFF5-49DFF9FCD3C3}" dt="2023-03-21T05:24:14.759" v="11203" actId="478"/>
+        <pc:sldMkLst>
+          <pc:docMk/>
+          <pc:sldMk cId="1319547377" sldId="439"/>
+        </pc:sldMkLst>
+        <pc:spChg chg="del mod">
+          <ac:chgData name="Matthieu De Mari" userId="dfb708c9-d8dc-439f-9a3b-c772bf4a311c" providerId="ADAL" clId="{1888DEAD-E307-4CA6-AFF5-49DFF9FCD3C3}" dt="2023-03-21T05:23:42.425" v="11195" actId="478"/>
+          <ac:spMkLst>
+            <pc:docMk/>
+            <pc:sldMk cId="1319547377" sldId="439"/>
+            <ac:spMk id="2" creationId="{DA627A26-1292-CD49-4BBE-F0D40D913FBB}"/>
+          </ac:spMkLst>
+        </pc:spChg>
+        <pc:spChg chg="del">
+          <ac:chgData name="Matthieu De Mari" userId="dfb708c9-d8dc-439f-9a3b-c772bf4a311c" providerId="ADAL" clId="{1888DEAD-E307-4CA6-AFF5-49DFF9FCD3C3}" dt="2023-03-21T05:23:41.278" v="11194" actId="478"/>
+          <ac:spMkLst>
+            <pc:docMk/>
+            <pc:sldMk cId="1319547377" sldId="439"/>
+            <ac:spMk id="3" creationId="{8D41A409-C3D3-408F-D4F7-44DC4CC9C644}"/>
+          </ac:spMkLst>
+        </pc:spChg>
+        <pc:picChg chg="add mod">
+          <ac:chgData name="Matthieu De Mari" userId="dfb708c9-d8dc-439f-9a3b-c772bf4a311c" providerId="ADAL" clId="{1888DEAD-E307-4CA6-AFF5-49DFF9FCD3C3}" dt="2023-03-21T05:23:46.550" v="11197" actId="1076"/>
+          <ac:picMkLst>
+            <pc:docMk/>
+            <pc:sldMk cId="1319547377" sldId="439"/>
+            <ac:picMk id="5" creationId="{6DE9F4A1-6934-219B-C970-9B4FD297D65C}"/>
+          </ac:picMkLst>
+        </pc:picChg>
+        <pc:picChg chg="add del mod">
+          <ac:chgData name="Matthieu De Mari" userId="dfb708c9-d8dc-439f-9a3b-c772bf4a311c" providerId="ADAL" clId="{1888DEAD-E307-4CA6-AFF5-49DFF9FCD3C3}" dt="2023-03-21T05:24:14.759" v="11203" actId="478"/>
+          <ac:picMkLst>
+            <pc:docMk/>
+            <pc:sldMk cId="1319547377" sldId="439"/>
+            <ac:picMk id="7" creationId="{75BBE009-FB43-8ADD-D3CA-C5D9FD8BDDB9}"/>
+          </ac:picMkLst>
+        </pc:picChg>
+      </pc:sldChg>
       <pc:sldChg chg="del">
         <pc:chgData name="Matthieu De Mari" userId="dfb708c9-d8dc-439f-9a3b-c772bf4a311c" providerId="ADAL" clId="{1888DEAD-E307-4CA6-AFF5-49DFF9FCD3C3}" dt="2023-03-17T13:16:53.838" v="18" actId="47"/>
         <pc:sldMkLst>
@@ -1904,6 +2205,21 @@
           <pc:sldMk cId="2955466283" sldId="440"/>
         </pc:sldMkLst>
       </pc:sldChg>
+      <pc:sldChg chg="modSp add mod">
+        <pc:chgData name="Matthieu De Mari" userId="dfb708c9-d8dc-439f-9a3b-c772bf4a311c" providerId="ADAL" clId="{1888DEAD-E307-4CA6-AFF5-49DFF9FCD3C3}" dt="2023-03-21T05:24:18.519" v="11205" actId="14100"/>
+        <pc:sldMkLst>
+          <pc:docMk/>
+          <pc:sldMk cId="3521564645" sldId="440"/>
+        </pc:sldMkLst>
+        <pc:picChg chg="mod">
+          <ac:chgData name="Matthieu De Mari" userId="dfb708c9-d8dc-439f-9a3b-c772bf4a311c" providerId="ADAL" clId="{1888DEAD-E307-4CA6-AFF5-49DFF9FCD3C3}" dt="2023-03-21T05:24:18.519" v="11205" actId="14100"/>
+          <ac:picMkLst>
+            <pc:docMk/>
+            <pc:sldMk cId="3521564645" sldId="440"/>
+            <ac:picMk id="7" creationId="{75BBE009-FB43-8ADD-D3CA-C5D9FD8BDDB9}"/>
+          </ac:picMkLst>
+        </pc:picChg>
+      </pc:sldChg>
       <pc:sldChg chg="del">
         <pc:chgData name="Matthieu De Mari" userId="dfb708c9-d8dc-439f-9a3b-c772bf4a311c" providerId="ADAL" clId="{1888DEAD-E307-4CA6-AFF5-49DFF9FCD3C3}" dt="2023-03-17T13:16:55.180" v="20" actId="47"/>
         <pc:sldMkLst>
@@ -1911,6 +2227,29 @@
           <pc:sldMk cId="1448790682" sldId="441"/>
         </pc:sldMkLst>
       </pc:sldChg>
+      <pc:sldChg chg="modSp new mod">
+        <pc:chgData name="Matthieu De Mari" userId="dfb708c9-d8dc-439f-9a3b-c772bf4a311c" providerId="ADAL" clId="{1888DEAD-E307-4CA6-AFF5-49DFF9FCD3C3}" dt="2023-03-21T05:31:24.777" v="11264" actId="20577"/>
+        <pc:sldMkLst>
+          <pc:docMk/>
+          <pc:sldMk cId="3307285541" sldId="441"/>
+        </pc:sldMkLst>
+        <pc:spChg chg="mod">
+          <ac:chgData name="Matthieu De Mari" userId="dfb708c9-d8dc-439f-9a3b-c772bf4a311c" providerId="ADAL" clId="{1888DEAD-E307-4CA6-AFF5-49DFF9FCD3C3}" dt="2023-03-21T05:29:24.806" v="11245" actId="20577"/>
+          <ac:spMkLst>
+            <pc:docMk/>
+            <pc:sldMk cId="3307285541" sldId="441"/>
+            <ac:spMk id="2" creationId="{5EAB84FF-F706-D3E8-C649-1A8A9C4D7F7B}"/>
+          </ac:spMkLst>
+        </pc:spChg>
+        <pc:spChg chg="mod">
+          <ac:chgData name="Matthieu De Mari" userId="dfb708c9-d8dc-439f-9a3b-c772bf4a311c" providerId="ADAL" clId="{1888DEAD-E307-4CA6-AFF5-49DFF9FCD3C3}" dt="2023-03-21T05:31:24.777" v="11264" actId="20577"/>
+          <ac:spMkLst>
+            <pc:docMk/>
+            <pc:sldMk cId="3307285541" sldId="441"/>
+            <ac:spMk id="3" creationId="{A6FA23DB-2026-F938-2B1A-401CADD258D7}"/>
+          </ac:spMkLst>
+        </pc:spChg>
+      </pc:sldChg>
       <pc:sldChg chg="del">
         <pc:chgData name="Matthieu De Mari" userId="dfb708c9-d8dc-439f-9a3b-c772bf4a311c" providerId="ADAL" clId="{1888DEAD-E307-4CA6-AFF5-49DFF9FCD3C3}" dt="2023-03-17T13:16:54.511" v="19" actId="47"/>
         <pc:sldMkLst>
@@ -1918,6 +2257,53 @@
           <pc:sldMk cId="75594367" sldId="442"/>
         </pc:sldMkLst>
       </pc:sldChg>
+      <pc:sldChg chg="addSp delSp modSp add mod">
+        <pc:chgData name="Matthieu De Mari" userId="dfb708c9-d8dc-439f-9a3b-c772bf4a311c" providerId="ADAL" clId="{1888DEAD-E307-4CA6-AFF5-49DFF9FCD3C3}" dt="2023-03-21T05:40:19.873" v="11617" actId="20577"/>
+        <pc:sldMkLst>
+          <pc:docMk/>
+          <pc:sldMk cId="3624858491" sldId="442"/>
+        </pc:sldMkLst>
+        <pc:spChg chg="del">
+          <ac:chgData name="Matthieu De Mari" userId="dfb708c9-d8dc-439f-9a3b-c772bf4a311c" providerId="ADAL" clId="{1888DEAD-E307-4CA6-AFF5-49DFF9FCD3C3}" dt="2023-03-21T05:29:32.260" v="11248" actId="478"/>
+          <ac:spMkLst>
+            <pc:docMk/>
+            <pc:sldMk cId="3624858491" sldId="442"/>
+            <ac:spMk id="2" creationId="{5EAB84FF-F706-D3E8-C649-1A8A9C4D7F7B}"/>
+          </ac:spMkLst>
+        </pc:spChg>
+        <pc:spChg chg="del">
+          <ac:chgData name="Matthieu De Mari" userId="dfb708c9-d8dc-439f-9a3b-c772bf4a311c" providerId="ADAL" clId="{1888DEAD-E307-4CA6-AFF5-49DFF9FCD3C3}" dt="2023-03-21T05:29:30.166" v="11247" actId="478"/>
+          <ac:spMkLst>
+            <pc:docMk/>
+            <pc:sldMk cId="3624858491" sldId="442"/>
+            <ac:spMk id="3" creationId="{A6FA23DB-2026-F938-2B1A-401CADD258D7}"/>
+          </ac:spMkLst>
+        </pc:spChg>
+        <pc:spChg chg="add del mod">
+          <ac:chgData name="Matthieu De Mari" userId="dfb708c9-d8dc-439f-9a3b-c772bf4a311c" providerId="ADAL" clId="{1888DEAD-E307-4CA6-AFF5-49DFF9FCD3C3}" dt="2023-03-21T05:29:33.781" v="11249" actId="478"/>
+          <ac:spMkLst>
+            <pc:docMk/>
+            <pc:sldMk cId="3624858491" sldId="442"/>
+            <ac:spMk id="5" creationId="{82BB30AF-C926-DB0A-BBCC-AFE4F368A223}"/>
+          </ac:spMkLst>
+        </pc:spChg>
+        <pc:spChg chg="add mod">
+          <ac:chgData name="Matthieu De Mari" userId="dfb708c9-d8dc-439f-9a3b-c772bf4a311c" providerId="ADAL" clId="{1888DEAD-E307-4CA6-AFF5-49DFF9FCD3C3}" dt="2023-03-21T05:40:19.873" v="11617" actId="20577"/>
+          <ac:spMkLst>
+            <pc:docMk/>
+            <pc:sldMk cId="3624858491" sldId="442"/>
+            <ac:spMk id="8" creationId="{BB3A9417-8007-99CC-B14D-85DBC508B05D}"/>
+          </ac:spMkLst>
+        </pc:spChg>
+        <pc:picChg chg="add">
+          <ac:chgData name="Matthieu De Mari" userId="dfb708c9-d8dc-439f-9a3b-c772bf4a311c" providerId="ADAL" clId="{1888DEAD-E307-4CA6-AFF5-49DFF9FCD3C3}" dt="2023-03-21T05:29:34.686" v="11250" actId="22"/>
+          <ac:picMkLst>
+            <pc:docMk/>
+            <pc:sldMk cId="3624858491" sldId="442"/>
+            <ac:picMk id="7" creationId="{9F1D0270-F593-11E5-4C61-DDD253C5E9BB}"/>
+          </ac:picMkLst>
+        </pc:picChg>
+      </pc:sldChg>
       <pc:sldChg chg="del">
         <pc:chgData name="Matthieu De Mari" userId="dfb708c9-d8dc-439f-9a3b-c772bf4a311c" providerId="ADAL" clId="{1888DEAD-E307-4CA6-AFF5-49DFF9FCD3C3}" dt="2023-03-17T13:16:55.180" v="20" actId="47"/>
         <pc:sldMkLst>
@@ -1925,6 +2311,29 @@
           <pc:sldMk cId="110232736" sldId="443"/>
         </pc:sldMkLst>
       </pc:sldChg>
+      <pc:sldChg chg="addSp delSp add mod">
+        <pc:chgData name="Matthieu De Mari" userId="dfb708c9-d8dc-439f-9a3b-c772bf4a311c" providerId="ADAL" clId="{1888DEAD-E307-4CA6-AFF5-49DFF9FCD3C3}" dt="2023-03-21T05:30:03.715" v="11253" actId="22"/>
+        <pc:sldMkLst>
+          <pc:docMk/>
+          <pc:sldMk cId="2663643312" sldId="443"/>
+        </pc:sldMkLst>
+        <pc:picChg chg="add">
+          <ac:chgData name="Matthieu De Mari" userId="dfb708c9-d8dc-439f-9a3b-c772bf4a311c" providerId="ADAL" clId="{1888DEAD-E307-4CA6-AFF5-49DFF9FCD3C3}" dt="2023-03-21T05:30:03.715" v="11253" actId="22"/>
+          <ac:picMkLst>
+            <pc:docMk/>
+            <pc:sldMk cId="2663643312" sldId="443"/>
+            <ac:picMk id="3" creationId="{269C851E-2E9C-D1DA-E5D9-CDB8CD0563F9}"/>
+          </ac:picMkLst>
+        </pc:picChg>
+        <pc:picChg chg="del">
+          <ac:chgData name="Matthieu De Mari" userId="dfb708c9-d8dc-439f-9a3b-c772bf4a311c" providerId="ADAL" clId="{1888DEAD-E307-4CA6-AFF5-49DFF9FCD3C3}" dt="2023-03-21T05:29:44.541" v="11252" actId="478"/>
+          <ac:picMkLst>
+            <pc:docMk/>
+            <pc:sldMk cId="2663643312" sldId="443"/>
+            <ac:picMk id="7" creationId="{9F1D0270-F593-11E5-4C61-DDD253C5E9BB}"/>
+          </ac:picMkLst>
+        </pc:picChg>
+      </pc:sldChg>
       <pc:sldChg chg="del">
         <pc:chgData name="Matthieu De Mari" userId="dfb708c9-d8dc-439f-9a3b-c772bf4a311c" providerId="ADAL" clId="{1888DEAD-E307-4CA6-AFF5-49DFF9FCD3C3}" dt="2023-03-17T13:16:55.180" v="20" actId="47"/>
         <pc:sldMkLst>
@@ -1932,6 +2341,21 @@
           <pc:sldMk cId="1237963508" sldId="444"/>
         </pc:sldMkLst>
       </pc:sldChg>
+      <pc:sldChg chg="addSp modSp add mod">
+        <pc:chgData name="Matthieu De Mari" userId="dfb708c9-d8dc-439f-9a3b-c772bf4a311c" providerId="ADAL" clId="{1888DEAD-E307-4CA6-AFF5-49DFF9FCD3C3}" dt="2023-03-21T05:30:23.865" v="11258" actId="1076"/>
+        <pc:sldMkLst>
+          <pc:docMk/>
+          <pc:sldMk cId="1713402738" sldId="444"/>
+        </pc:sldMkLst>
+        <pc:picChg chg="add mod">
+          <ac:chgData name="Matthieu De Mari" userId="dfb708c9-d8dc-439f-9a3b-c772bf4a311c" providerId="ADAL" clId="{1888DEAD-E307-4CA6-AFF5-49DFF9FCD3C3}" dt="2023-03-21T05:30:23.865" v="11258" actId="1076"/>
+          <ac:picMkLst>
+            <pc:docMk/>
+            <pc:sldMk cId="1713402738" sldId="444"/>
+            <ac:picMk id="4" creationId="{0D8D96B5-4D15-194C-914A-E5F954DEC723}"/>
+          </ac:picMkLst>
+        </pc:picChg>
+      </pc:sldChg>
       <pc:sldChg chg="del">
         <pc:chgData name="Matthieu De Mari" userId="dfb708c9-d8dc-439f-9a3b-c772bf4a311c" providerId="ADAL" clId="{1888DEAD-E307-4CA6-AFF5-49DFF9FCD3C3}" dt="2023-03-17T13:16:55.180" v="20" actId="47"/>
         <pc:sldMkLst>
@@ -1939,6 +2363,75 @@
           <pc:sldMk cId="1417587332" sldId="445"/>
         </pc:sldMkLst>
       </pc:sldChg>
+      <pc:sldChg chg="modSp add mod">
+        <pc:chgData name="Matthieu De Mari" userId="dfb708c9-d8dc-439f-9a3b-c772bf4a311c" providerId="ADAL" clId="{1888DEAD-E307-4CA6-AFF5-49DFF9FCD3C3}" dt="2023-03-21T05:43:44.133" v="11820" actId="20577"/>
+        <pc:sldMkLst>
+          <pc:docMk/>
+          <pc:sldMk cId="3287206519" sldId="445"/>
+        </pc:sldMkLst>
+        <pc:spChg chg="mod">
+          <ac:chgData name="Matthieu De Mari" userId="dfb708c9-d8dc-439f-9a3b-c772bf4a311c" providerId="ADAL" clId="{1888DEAD-E307-4CA6-AFF5-49DFF9FCD3C3}" dt="2023-03-21T05:33:21.732" v="11273" actId="20577"/>
+          <ac:spMkLst>
+            <pc:docMk/>
+            <pc:sldMk cId="3287206519" sldId="445"/>
+            <ac:spMk id="2" creationId="{5EAB84FF-F706-D3E8-C649-1A8A9C4D7F7B}"/>
+          </ac:spMkLst>
+        </pc:spChg>
+        <pc:spChg chg="mod">
+          <ac:chgData name="Matthieu De Mari" userId="dfb708c9-d8dc-439f-9a3b-c772bf4a311c" providerId="ADAL" clId="{1888DEAD-E307-4CA6-AFF5-49DFF9FCD3C3}" dt="2023-03-21T05:43:44.133" v="11820" actId="20577"/>
+          <ac:spMkLst>
+            <pc:docMk/>
+            <pc:sldMk cId="3287206519" sldId="445"/>
+            <ac:spMk id="3" creationId="{A6FA23DB-2026-F938-2B1A-401CADD258D7}"/>
+          </ac:spMkLst>
+        </pc:spChg>
+      </pc:sldChg>
+      <pc:sldChg chg="modSp add mod">
+        <pc:chgData name="Matthieu De Mari" userId="dfb708c9-d8dc-439f-9a3b-c772bf4a311c" providerId="ADAL" clId="{1888DEAD-E307-4CA6-AFF5-49DFF9FCD3C3}" dt="2023-03-21T05:43:00.704" v="11784" actId="20577"/>
+        <pc:sldMkLst>
+          <pc:docMk/>
+          <pc:sldMk cId="1602621651" sldId="446"/>
+        </pc:sldMkLst>
+        <pc:spChg chg="mod">
+          <ac:chgData name="Matthieu De Mari" userId="dfb708c9-d8dc-439f-9a3b-c772bf4a311c" providerId="ADAL" clId="{1888DEAD-E307-4CA6-AFF5-49DFF9FCD3C3}" dt="2023-03-21T05:42:56.608" v="11781" actId="20577"/>
+          <ac:spMkLst>
+            <pc:docMk/>
+            <pc:sldMk cId="1602621651" sldId="446"/>
+            <ac:spMk id="2" creationId="{5EAB84FF-F706-D3E8-C649-1A8A9C4D7F7B}"/>
+          </ac:spMkLst>
+        </pc:spChg>
+        <pc:spChg chg="mod">
+          <ac:chgData name="Matthieu De Mari" userId="dfb708c9-d8dc-439f-9a3b-c772bf4a311c" providerId="ADAL" clId="{1888DEAD-E307-4CA6-AFF5-49DFF9FCD3C3}" dt="2023-03-21T05:43:00.704" v="11784" actId="20577"/>
+          <ac:spMkLst>
+            <pc:docMk/>
+            <pc:sldMk cId="1602621651" sldId="446"/>
+            <ac:spMk id="3" creationId="{A6FA23DB-2026-F938-2B1A-401CADD258D7}"/>
+          </ac:spMkLst>
+        </pc:spChg>
+      </pc:sldChg>
+      <pc:sldChg chg="modSp add mod">
+        <pc:chgData name="Matthieu De Mari" userId="dfb708c9-d8dc-439f-9a3b-c772bf4a311c" providerId="ADAL" clId="{1888DEAD-E307-4CA6-AFF5-49DFF9FCD3C3}" dt="2023-03-21T05:49:33.336" v="12043"/>
+        <pc:sldMkLst>
+          <pc:docMk/>
+          <pc:sldMk cId="228407681" sldId="447"/>
+        </pc:sldMkLst>
+        <pc:spChg chg="mod">
+          <ac:chgData name="Matthieu De Mari" userId="dfb708c9-d8dc-439f-9a3b-c772bf4a311c" providerId="ADAL" clId="{1888DEAD-E307-4CA6-AFF5-49DFF9FCD3C3}" dt="2023-03-21T05:49:02.999" v="12029" actId="20577"/>
+          <ac:spMkLst>
+            <pc:docMk/>
+            <pc:sldMk cId="228407681" sldId="447"/>
+            <ac:spMk id="2" creationId="{5EAB84FF-F706-D3E8-C649-1A8A9C4D7F7B}"/>
+          </ac:spMkLst>
+        </pc:spChg>
+        <pc:spChg chg="mod">
+          <ac:chgData name="Matthieu De Mari" userId="dfb708c9-d8dc-439f-9a3b-c772bf4a311c" providerId="ADAL" clId="{1888DEAD-E307-4CA6-AFF5-49DFF9FCD3C3}" dt="2023-03-21T05:49:33.336" v="12043"/>
+          <ac:spMkLst>
+            <pc:docMk/>
+            <pc:sldMk cId="228407681" sldId="447"/>
+            <ac:spMk id="3" creationId="{A6FA23DB-2026-F938-2B1A-401CADD258D7}"/>
+          </ac:spMkLst>
+        </pc:spChg>
+      </pc:sldChg>
       <pc:sldChg chg="del">
         <pc:chgData name="Matthieu De Mari" userId="dfb708c9-d8dc-439f-9a3b-c772bf4a311c" providerId="ADAL" clId="{1888DEAD-E307-4CA6-AFF5-49DFF9FCD3C3}" dt="2023-03-17T13:16:54.511" v="19" actId="47"/>
         <pc:sldMkLst>
@@ -1946,6 +2439,29 @@
           <pc:sldMk cId="1624935982" sldId="447"/>
         </pc:sldMkLst>
       </pc:sldChg>
+      <pc:sldChg chg="modSp add del mod">
+        <pc:chgData name="Matthieu De Mari" userId="dfb708c9-d8dc-439f-9a3b-c772bf4a311c" providerId="ADAL" clId="{1888DEAD-E307-4CA6-AFF5-49DFF9FCD3C3}" dt="2023-03-21T05:53:29.948" v="12213" actId="47"/>
+        <pc:sldMkLst>
+          <pc:docMk/>
+          <pc:sldMk cId="3001182671" sldId="448"/>
+        </pc:sldMkLst>
+        <pc:spChg chg="mod">
+          <ac:chgData name="Matthieu De Mari" userId="dfb708c9-d8dc-439f-9a3b-c772bf4a311c" providerId="ADAL" clId="{1888DEAD-E307-4CA6-AFF5-49DFF9FCD3C3}" dt="2023-03-21T05:49:14.840" v="12034"/>
+          <ac:spMkLst>
+            <pc:docMk/>
+            <pc:sldMk cId="3001182671" sldId="448"/>
+            <ac:spMk id="2" creationId="{5EAB84FF-F706-D3E8-C649-1A8A9C4D7F7B}"/>
+          </ac:spMkLst>
+        </pc:spChg>
+        <pc:spChg chg="mod">
+          <ac:chgData name="Matthieu De Mari" userId="dfb708c9-d8dc-439f-9a3b-c772bf4a311c" providerId="ADAL" clId="{1888DEAD-E307-4CA6-AFF5-49DFF9FCD3C3}" dt="2023-03-21T05:52:48.387" v="12157" actId="21"/>
+          <ac:spMkLst>
+            <pc:docMk/>
+            <pc:sldMk cId="3001182671" sldId="448"/>
+            <ac:spMk id="3" creationId="{A6FA23DB-2026-F938-2B1A-401CADD258D7}"/>
+          </ac:spMkLst>
+        </pc:spChg>
+      </pc:sldChg>
       <pc:sldChg chg="del">
         <pc:chgData name="Matthieu De Mari" userId="dfb708c9-d8dc-439f-9a3b-c772bf4a311c" providerId="ADAL" clId="{1888DEAD-E307-4CA6-AFF5-49DFF9FCD3C3}" dt="2023-03-17T13:16:55.180" v="20" actId="47"/>
         <pc:sldMkLst>
@@ -1960,6 +2476,45 @@
           <pc:sldMk cId="512281156" sldId="449"/>
         </pc:sldMkLst>
       </pc:sldChg>
+      <pc:sldChg chg="addSp delSp modSp add mod">
+        <pc:chgData name="Matthieu De Mari" userId="dfb708c9-d8dc-439f-9a3b-c772bf4a311c" providerId="ADAL" clId="{1888DEAD-E307-4CA6-AFF5-49DFF9FCD3C3}" dt="2023-03-21T05:51:49.096" v="12109" actId="20577"/>
+        <pc:sldMkLst>
+          <pc:docMk/>
+          <pc:sldMk cId="783589184" sldId="449"/>
+        </pc:sldMkLst>
+        <pc:spChg chg="mod">
+          <ac:chgData name="Matthieu De Mari" userId="dfb708c9-d8dc-439f-9a3b-c772bf4a311c" providerId="ADAL" clId="{1888DEAD-E307-4CA6-AFF5-49DFF9FCD3C3}" dt="2023-03-21T05:49:08.247" v="12031"/>
+          <ac:spMkLst>
+            <pc:docMk/>
+            <pc:sldMk cId="783589184" sldId="449"/>
+            <ac:spMk id="2" creationId="{5EAB84FF-F706-D3E8-C649-1A8A9C4D7F7B}"/>
+          </ac:spMkLst>
+        </pc:spChg>
+        <pc:spChg chg="mod">
+          <ac:chgData name="Matthieu De Mari" userId="dfb708c9-d8dc-439f-9a3b-c772bf4a311c" providerId="ADAL" clId="{1888DEAD-E307-4CA6-AFF5-49DFF9FCD3C3}" dt="2023-03-21T05:51:49.096" v="12109" actId="20577"/>
+          <ac:spMkLst>
+            <pc:docMk/>
+            <pc:sldMk cId="783589184" sldId="449"/>
+            <ac:spMk id="3" creationId="{A6FA23DB-2026-F938-2B1A-401CADD258D7}"/>
+          </ac:spMkLst>
+        </pc:spChg>
+        <pc:spChg chg="add del">
+          <ac:chgData name="Matthieu De Mari" userId="dfb708c9-d8dc-439f-9a3b-c772bf4a311c" providerId="ADAL" clId="{1888DEAD-E307-4CA6-AFF5-49DFF9FCD3C3}" dt="2023-03-21T05:44:17.147" v="11823"/>
+          <ac:spMkLst>
+            <pc:docMk/>
+            <pc:sldMk cId="783589184" sldId="449"/>
+            <ac:spMk id="4" creationId="{1172C10A-EB13-00D2-BFFD-81078618B123}"/>
+          </ac:spMkLst>
+        </pc:spChg>
+        <pc:spChg chg="add del">
+          <ac:chgData name="Matthieu De Mari" userId="dfb708c9-d8dc-439f-9a3b-c772bf4a311c" providerId="ADAL" clId="{1888DEAD-E307-4CA6-AFF5-49DFF9FCD3C3}" dt="2023-03-21T05:50:15.783" v="12073"/>
+          <ac:spMkLst>
+            <pc:docMk/>
+            <pc:sldMk cId="783589184" sldId="449"/>
+            <ac:spMk id="5" creationId="{77C3EF05-A645-106A-1C78-0D8E1358F0B4}"/>
+          </ac:spMkLst>
+        </pc:spChg>
+      </pc:sldChg>
       <pc:sldChg chg="del">
         <pc:chgData name="Matthieu De Mari" userId="dfb708c9-d8dc-439f-9a3b-c772bf4a311c" providerId="ADAL" clId="{1888DEAD-E307-4CA6-AFF5-49DFF9FCD3C3}" dt="2023-03-17T13:16:55.180" v="20" actId="47"/>
         <pc:sldMkLst>
@@ -1967,6 +2522,67 @@
           <pc:sldMk cId="3938870733" sldId="450"/>
         </pc:sldMkLst>
       </pc:sldChg>
+      <pc:sldChg chg="modSp add del mod">
+        <pc:chgData name="Matthieu De Mari" userId="dfb708c9-d8dc-439f-9a3b-c772bf4a311c" providerId="ADAL" clId="{1888DEAD-E307-4CA6-AFF5-49DFF9FCD3C3}" dt="2023-03-21T05:49:20.470" v="12036" actId="47"/>
+        <pc:sldMkLst>
+          <pc:docMk/>
+          <pc:sldMk cId="4178235249" sldId="450"/>
+        </pc:sldMkLst>
+        <pc:spChg chg="mod">
+          <ac:chgData name="Matthieu De Mari" userId="dfb708c9-d8dc-439f-9a3b-c772bf4a311c" providerId="ADAL" clId="{1888DEAD-E307-4CA6-AFF5-49DFF9FCD3C3}" dt="2023-03-21T05:49:17.563" v="12035"/>
+          <ac:spMkLst>
+            <pc:docMk/>
+            <pc:sldMk cId="4178235249" sldId="450"/>
+            <ac:spMk id="2" creationId="{5EAB84FF-F706-D3E8-C649-1A8A9C4D7F7B}"/>
+          </ac:spMkLst>
+        </pc:spChg>
+      </pc:sldChg>
+      <pc:sldChg chg="add del">
+        <pc:chgData name="Matthieu De Mari" userId="dfb708c9-d8dc-439f-9a3b-c772bf4a311c" providerId="ADAL" clId="{1888DEAD-E307-4CA6-AFF5-49DFF9FCD3C3}" dt="2023-03-21T05:42:38.303" v="11772" actId="47"/>
+        <pc:sldMkLst>
+          <pc:docMk/>
+          <pc:sldMk cId="2197181717" sldId="451"/>
+        </pc:sldMkLst>
+      </pc:sldChg>
+      <pc:sldChg chg="addSp delSp modSp add del mod">
+        <pc:chgData name="Matthieu De Mari" userId="dfb708c9-d8dc-439f-9a3b-c772bf4a311c" providerId="ADAL" clId="{1888DEAD-E307-4CA6-AFF5-49DFF9FCD3C3}" dt="2023-03-21T05:53:37.986" v="12214" actId="47"/>
+        <pc:sldMkLst>
+          <pc:docMk/>
+          <pc:sldMk cId="3482726291" sldId="451"/>
+        </pc:sldMkLst>
+        <pc:spChg chg="mod">
+          <ac:chgData name="Matthieu De Mari" userId="dfb708c9-d8dc-439f-9a3b-c772bf4a311c" providerId="ADAL" clId="{1888DEAD-E307-4CA6-AFF5-49DFF9FCD3C3}" dt="2023-03-21T05:49:10.476" v="12032"/>
+          <ac:spMkLst>
+            <pc:docMk/>
+            <pc:sldMk cId="3482726291" sldId="451"/>
+            <ac:spMk id="2" creationId="{5EAB84FF-F706-D3E8-C649-1A8A9C4D7F7B}"/>
+          </ac:spMkLst>
+        </pc:spChg>
+        <pc:spChg chg="mod">
+          <ac:chgData name="Matthieu De Mari" userId="dfb708c9-d8dc-439f-9a3b-c772bf4a311c" providerId="ADAL" clId="{1888DEAD-E307-4CA6-AFF5-49DFF9FCD3C3}" dt="2023-03-21T05:52:25.912" v="12152"/>
+          <ac:spMkLst>
+            <pc:docMk/>
+            <pc:sldMk cId="3482726291" sldId="451"/>
+            <ac:spMk id="3" creationId="{A6FA23DB-2026-F938-2B1A-401CADD258D7}"/>
+          </ac:spMkLst>
+        </pc:spChg>
+        <pc:spChg chg="add del">
+          <ac:chgData name="Matthieu De Mari" userId="dfb708c9-d8dc-439f-9a3b-c772bf4a311c" providerId="ADAL" clId="{1888DEAD-E307-4CA6-AFF5-49DFF9FCD3C3}" dt="2023-03-21T05:45:59.081" v="11876"/>
+          <ac:spMkLst>
+            <pc:docMk/>
+            <pc:sldMk cId="3482726291" sldId="451"/>
+            <ac:spMk id="4" creationId="{9AB9CC4D-70C6-4019-C531-BE1C1E09FBE7}"/>
+          </ac:spMkLst>
+        </pc:spChg>
+        <pc:spChg chg="add del mod">
+          <ac:chgData name="Matthieu De Mari" userId="dfb708c9-d8dc-439f-9a3b-c772bf4a311c" providerId="ADAL" clId="{1888DEAD-E307-4CA6-AFF5-49DFF9FCD3C3}" dt="2023-03-21T05:45:58.899" v="11875"/>
+          <ac:spMkLst>
+            <pc:docMk/>
+            <pc:sldMk cId="3482726291" sldId="451"/>
+            <ac:spMk id="5" creationId="{529CF5B7-686C-5929-2443-2CA77C4C6591}"/>
+          </ac:spMkLst>
+        </pc:spChg>
+      </pc:sldChg>
       <pc:sldChg chg="del">
         <pc:chgData name="Matthieu De Mari" userId="dfb708c9-d8dc-439f-9a3b-c772bf4a311c" providerId="ADAL" clId="{1888DEAD-E307-4CA6-AFF5-49DFF9FCD3C3}" dt="2023-03-17T13:16:55.180" v="20" actId="47"/>
         <pc:sldMkLst>
@@ -1980,6 +2596,149 @@
           <pc:docMk/>
           <pc:sldMk cId="216138188" sldId="452"/>
         </pc:sldMkLst>
+      </pc:sldChg>
+      <pc:sldChg chg="modSp add mod">
+        <pc:chgData name="Matthieu De Mari" userId="dfb708c9-d8dc-439f-9a3b-c772bf4a311c" providerId="ADAL" clId="{1888DEAD-E307-4CA6-AFF5-49DFF9FCD3C3}" dt="2023-03-21T05:53:24.791" v="12212" actId="20577"/>
+        <pc:sldMkLst>
+          <pc:docMk/>
+          <pc:sldMk cId="3093658865" sldId="452"/>
+        </pc:sldMkLst>
+        <pc:spChg chg="mod">
+          <ac:chgData name="Matthieu De Mari" userId="dfb708c9-d8dc-439f-9a3b-c772bf4a311c" providerId="ADAL" clId="{1888DEAD-E307-4CA6-AFF5-49DFF9FCD3C3}" dt="2023-03-21T05:49:12.591" v="12033"/>
+          <ac:spMkLst>
+            <pc:docMk/>
+            <pc:sldMk cId="3093658865" sldId="452"/>
+            <ac:spMk id="2" creationId="{5EAB84FF-F706-D3E8-C649-1A8A9C4D7F7B}"/>
+          </ac:spMkLst>
+        </pc:spChg>
+        <pc:spChg chg="mod">
+          <ac:chgData name="Matthieu De Mari" userId="dfb708c9-d8dc-439f-9a3b-c772bf4a311c" providerId="ADAL" clId="{1888DEAD-E307-4CA6-AFF5-49DFF9FCD3C3}" dt="2023-03-21T05:53:24.791" v="12212" actId="20577"/>
+          <ac:spMkLst>
+            <pc:docMk/>
+            <pc:sldMk cId="3093658865" sldId="452"/>
+            <ac:spMk id="3" creationId="{A6FA23DB-2026-F938-2B1A-401CADD258D7}"/>
+          </ac:spMkLst>
+        </pc:spChg>
+      </pc:sldChg>
+      <pc:sldChg chg="modSp add mod">
+        <pc:chgData name="Matthieu De Mari" userId="dfb708c9-d8dc-439f-9a3b-c772bf4a311c" providerId="ADAL" clId="{1888DEAD-E307-4CA6-AFF5-49DFF9FCD3C3}" dt="2023-03-21T05:51:23.310" v="12099" actId="20577"/>
+        <pc:sldMkLst>
+          <pc:docMk/>
+          <pc:sldMk cId="2642798099" sldId="453"/>
+        </pc:sldMkLst>
+        <pc:spChg chg="mod">
+          <ac:chgData name="Matthieu De Mari" userId="dfb708c9-d8dc-439f-9a3b-c772bf4a311c" providerId="ADAL" clId="{1888DEAD-E307-4CA6-AFF5-49DFF9FCD3C3}" dt="2023-03-21T05:49:05.998" v="12030"/>
+          <ac:spMkLst>
+            <pc:docMk/>
+            <pc:sldMk cId="2642798099" sldId="453"/>
+            <ac:spMk id="2" creationId="{5EAB84FF-F706-D3E8-C649-1A8A9C4D7F7B}"/>
+          </ac:spMkLst>
+        </pc:spChg>
+        <pc:spChg chg="mod">
+          <ac:chgData name="Matthieu De Mari" userId="dfb708c9-d8dc-439f-9a3b-c772bf4a311c" providerId="ADAL" clId="{1888DEAD-E307-4CA6-AFF5-49DFF9FCD3C3}" dt="2023-03-21T05:51:23.310" v="12099" actId="20577"/>
+          <ac:spMkLst>
+            <pc:docMk/>
+            <pc:sldMk cId="2642798099" sldId="453"/>
+            <ac:spMk id="3" creationId="{A6FA23DB-2026-F938-2B1A-401CADD258D7}"/>
+          </ac:spMkLst>
+        </pc:spChg>
+      </pc:sldChg>
+      <pc:sldChg chg="modSp add mod">
+        <pc:chgData name="Matthieu De Mari" userId="dfb708c9-d8dc-439f-9a3b-c772bf4a311c" providerId="ADAL" clId="{1888DEAD-E307-4CA6-AFF5-49DFF9FCD3C3}" dt="2023-03-21T05:57:34.460" v="12527" actId="207"/>
+        <pc:sldMkLst>
+          <pc:docMk/>
+          <pc:sldMk cId="554068379" sldId="454"/>
+        </pc:sldMkLst>
+        <pc:spChg chg="mod">
+          <ac:chgData name="Matthieu De Mari" userId="dfb708c9-d8dc-439f-9a3b-c772bf4a311c" providerId="ADAL" clId="{1888DEAD-E307-4CA6-AFF5-49DFF9FCD3C3}" dt="2023-03-21T05:57:34.460" v="12527" actId="207"/>
+          <ac:spMkLst>
+            <pc:docMk/>
+            <pc:sldMk cId="554068379" sldId="454"/>
+            <ac:spMk id="3" creationId="{C2E398D8-3B3B-9BBB-F0C4-A93A76CBF126}"/>
+          </ac:spMkLst>
+        </pc:spChg>
+      </pc:sldChg>
+      <pc:sldChg chg="modSp add mod">
+        <pc:chgData name="Matthieu De Mari" userId="dfb708c9-d8dc-439f-9a3b-c772bf4a311c" providerId="ADAL" clId="{1888DEAD-E307-4CA6-AFF5-49DFF9FCD3C3}" dt="2023-03-21T06:00:14.569" v="12700"/>
+        <pc:sldMkLst>
+          <pc:docMk/>
+          <pc:sldMk cId="3025002803" sldId="455"/>
+        </pc:sldMkLst>
+        <pc:spChg chg="mod">
+          <ac:chgData name="Matthieu De Mari" userId="dfb708c9-d8dc-439f-9a3b-c772bf4a311c" providerId="ADAL" clId="{1888DEAD-E307-4CA6-AFF5-49DFF9FCD3C3}" dt="2023-03-21T06:00:14.569" v="12700"/>
+          <ac:spMkLst>
+            <pc:docMk/>
+            <pc:sldMk cId="3025002803" sldId="455"/>
+            <ac:spMk id="3" creationId="{C2E398D8-3B3B-9BBB-F0C4-A93A76CBF126}"/>
+          </ac:spMkLst>
+        </pc:spChg>
+      </pc:sldChg>
+      <pc:sldChg chg="modSp add mod">
+        <pc:chgData name="Matthieu De Mari" userId="dfb708c9-d8dc-439f-9a3b-c772bf4a311c" providerId="ADAL" clId="{1888DEAD-E307-4CA6-AFF5-49DFF9FCD3C3}" dt="2023-03-21T06:02:42.186" v="12984" actId="207"/>
+        <pc:sldMkLst>
+          <pc:docMk/>
+          <pc:sldMk cId="236752304" sldId="456"/>
+        </pc:sldMkLst>
+        <pc:spChg chg="mod">
+          <ac:chgData name="Matthieu De Mari" userId="dfb708c9-d8dc-439f-9a3b-c772bf4a311c" providerId="ADAL" clId="{1888DEAD-E307-4CA6-AFF5-49DFF9FCD3C3}" dt="2023-03-21T06:02:42.186" v="12984" actId="207"/>
+          <ac:spMkLst>
+            <pc:docMk/>
+            <pc:sldMk cId="236752304" sldId="456"/>
+            <ac:spMk id="3" creationId="{C2E398D8-3B3B-9BBB-F0C4-A93A76CBF126}"/>
+          </ac:spMkLst>
+        </pc:spChg>
+      </pc:sldChg>
+      <pc:sldChg chg="add del">
+        <pc:chgData name="Matthieu De Mari" userId="dfb708c9-d8dc-439f-9a3b-c772bf4a311c" providerId="ADAL" clId="{1888DEAD-E307-4CA6-AFF5-49DFF9FCD3C3}" dt="2023-03-21T06:04:29.772" v="12996" actId="47"/>
+        <pc:sldMkLst>
+          <pc:docMk/>
+          <pc:sldMk cId="819521921" sldId="457"/>
+        </pc:sldMkLst>
+      </pc:sldChg>
+      <pc:sldChg chg="modSp add mod">
+        <pc:chgData name="Matthieu De Mari" userId="dfb708c9-d8dc-439f-9a3b-c772bf4a311c" providerId="ADAL" clId="{1888DEAD-E307-4CA6-AFF5-49DFF9FCD3C3}" dt="2023-03-21T06:01:49.175" v="12856" actId="5793"/>
+        <pc:sldMkLst>
+          <pc:docMk/>
+          <pc:sldMk cId="3466207185" sldId="458"/>
+        </pc:sldMkLst>
+        <pc:spChg chg="mod">
+          <ac:chgData name="Matthieu De Mari" userId="dfb708c9-d8dc-439f-9a3b-c772bf4a311c" providerId="ADAL" clId="{1888DEAD-E307-4CA6-AFF5-49DFF9FCD3C3}" dt="2023-03-21T06:01:49.175" v="12856" actId="5793"/>
+          <ac:spMkLst>
+            <pc:docMk/>
+            <pc:sldMk cId="3466207185" sldId="458"/>
+            <ac:spMk id="3" creationId="{C2E398D8-3B3B-9BBB-F0C4-A93A76CBF126}"/>
+          </ac:spMkLst>
+        </pc:spChg>
+      </pc:sldChg>
+      <pc:sldChg chg="modSp add mod">
+        <pc:chgData name="Matthieu De Mari" userId="dfb708c9-d8dc-439f-9a3b-c772bf4a311c" providerId="ADAL" clId="{1888DEAD-E307-4CA6-AFF5-49DFF9FCD3C3}" dt="2023-03-21T06:00:41.134" v="12756" actId="20577"/>
+        <pc:sldMkLst>
+          <pc:docMk/>
+          <pc:sldMk cId="1745365507" sldId="459"/>
+        </pc:sldMkLst>
+        <pc:spChg chg="mod">
+          <ac:chgData name="Matthieu De Mari" userId="dfb708c9-d8dc-439f-9a3b-c772bf4a311c" providerId="ADAL" clId="{1888DEAD-E307-4CA6-AFF5-49DFF9FCD3C3}" dt="2023-03-21T06:00:41.134" v="12756" actId="20577"/>
+          <ac:spMkLst>
+            <pc:docMk/>
+            <pc:sldMk cId="1745365507" sldId="459"/>
+            <ac:spMk id="3" creationId="{C2E398D8-3B3B-9BBB-F0C4-A93A76CBF126}"/>
+          </ac:spMkLst>
+        </pc:spChg>
+      </pc:sldChg>
+      <pc:sldChg chg="modSp add mod">
+        <pc:chgData name="Matthieu De Mari" userId="dfb708c9-d8dc-439f-9a3b-c772bf4a311c" providerId="ADAL" clId="{1888DEAD-E307-4CA6-AFF5-49DFF9FCD3C3}" dt="2023-03-21T06:02:53.436" v="12995" actId="20577"/>
+        <pc:sldMkLst>
+          <pc:docMk/>
+          <pc:sldMk cId="2071137550" sldId="460"/>
+        </pc:sldMkLst>
+        <pc:spChg chg="mod">
+          <ac:chgData name="Matthieu De Mari" userId="dfb708c9-d8dc-439f-9a3b-c772bf4a311c" providerId="ADAL" clId="{1888DEAD-E307-4CA6-AFF5-49DFF9FCD3C3}" dt="2023-03-21T06:02:53.436" v="12995" actId="20577"/>
+          <ac:spMkLst>
+            <pc:docMk/>
+            <pc:sldMk cId="2071137550" sldId="460"/>
+            <ac:spMk id="3" creationId="{C2E398D8-3B3B-9BBB-F0C4-A93A76CBF126}"/>
+          </ac:spMkLst>
+        </pc:spChg>
       </pc:sldChg>
     </pc:docChg>
   </pc:docChgLst>
@@ -12612,7 +13371,7 @@
           <a:p>
             <a:fld id="{98CFC6A4-B085-437B-8084-693BEB2A32DE}" type="datetimeFigureOut">
               <a:rPr lang="en-SG" smtClean="0"/>
-              <a:t>20/3/2023</a:t>
+              <a:t>21/3/2023</a:t>
             </a:fld>
             <a:endParaRPr lang="en-SG"/>
           </a:p>
@@ -13029,7 +13788,7 @@
           <a:p>
             <a:fld id="{AB35F6B0-D468-4997-9CE3-CF2A1AE5E3F9}" type="datetimeFigureOut">
               <a:rPr lang="en-SG" smtClean="0"/>
-              <a:t>20/3/2023</a:t>
+              <a:t>21/3/2023</a:t>
             </a:fld>
             <a:endParaRPr lang="en-SG"/>
           </a:p>
@@ -13229,7 +13988,7 @@
           <a:p>
             <a:fld id="{AB35F6B0-D468-4997-9CE3-CF2A1AE5E3F9}" type="datetimeFigureOut">
               <a:rPr lang="en-SG" smtClean="0"/>
-              <a:t>20/3/2023</a:t>
+              <a:t>21/3/2023</a:t>
             </a:fld>
             <a:endParaRPr lang="en-SG"/>
           </a:p>
@@ -13439,7 +14198,7 @@
           <a:p>
             <a:fld id="{AB35F6B0-D468-4997-9CE3-CF2A1AE5E3F9}" type="datetimeFigureOut">
               <a:rPr lang="en-SG" smtClean="0"/>
-              <a:t>20/3/2023</a:t>
+              <a:t>21/3/2023</a:t>
             </a:fld>
             <a:endParaRPr lang="en-SG"/>
           </a:p>
@@ -13639,7 +14398,7 @@
           <a:p>
             <a:fld id="{AB35F6B0-D468-4997-9CE3-CF2A1AE5E3F9}" type="datetimeFigureOut">
               <a:rPr lang="en-SG" smtClean="0"/>
-              <a:t>20/3/2023</a:t>
+              <a:t>21/3/2023</a:t>
             </a:fld>
             <a:endParaRPr lang="en-SG"/>
           </a:p>
@@ -13915,7 +14674,7 @@
           <a:p>
             <a:fld id="{AB35F6B0-D468-4997-9CE3-CF2A1AE5E3F9}" type="datetimeFigureOut">
               <a:rPr lang="en-SG" smtClean="0"/>
-              <a:t>20/3/2023</a:t>
+              <a:t>21/3/2023</a:t>
             </a:fld>
             <a:endParaRPr lang="en-SG"/>
           </a:p>
@@ -14183,7 +14942,7 @@
           <a:p>
             <a:fld id="{AB35F6B0-D468-4997-9CE3-CF2A1AE5E3F9}" type="datetimeFigureOut">
               <a:rPr lang="en-SG" smtClean="0"/>
-              <a:t>20/3/2023</a:t>
+              <a:t>21/3/2023</a:t>
             </a:fld>
             <a:endParaRPr lang="en-SG"/>
           </a:p>
@@ -14598,7 +15357,7 @@
           <a:p>
             <a:fld id="{AB35F6B0-D468-4997-9CE3-CF2A1AE5E3F9}" type="datetimeFigureOut">
               <a:rPr lang="en-SG" smtClean="0"/>
-              <a:t>20/3/2023</a:t>
+              <a:t>21/3/2023</a:t>
             </a:fld>
             <a:endParaRPr lang="en-SG"/>
           </a:p>
@@ -14740,7 +15499,7 @@
           <a:p>
             <a:fld id="{AB35F6B0-D468-4997-9CE3-CF2A1AE5E3F9}" type="datetimeFigureOut">
               <a:rPr lang="en-SG" smtClean="0"/>
-              <a:t>20/3/2023</a:t>
+              <a:t>21/3/2023</a:t>
             </a:fld>
             <a:endParaRPr lang="en-SG"/>
           </a:p>
@@ -14853,7 +15612,7 @@
           <a:p>
             <a:fld id="{AB35F6B0-D468-4997-9CE3-CF2A1AE5E3F9}" type="datetimeFigureOut">
               <a:rPr lang="en-SG" smtClean="0"/>
-              <a:t>20/3/2023</a:t>
+              <a:t>21/3/2023</a:t>
             </a:fld>
             <a:endParaRPr lang="en-SG"/>
           </a:p>
@@ -15166,7 +15925,7 @@
           <a:p>
             <a:fld id="{AB35F6B0-D468-4997-9CE3-CF2A1AE5E3F9}" type="datetimeFigureOut">
               <a:rPr lang="en-SG" smtClean="0"/>
-              <a:t>20/3/2023</a:t>
+              <a:t>21/3/2023</a:t>
             </a:fld>
             <a:endParaRPr lang="en-SG"/>
           </a:p>
@@ -15455,7 +16214,7 @@
           <a:p>
             <a:fld id="{AB35F6B0-D468-4997-9CE3-CF2A1AE5E3F9}" type="datetimeFigureOut">
               <a:rPr lang="en-SG" smtClean="0"/>
-              <a:t>20/3/2023</a:t>
+              <a:t>21/3/2023</a:t>
             </a:fld>
             <a:endParaRPr lang="en-SG"/>
           </a:p>
@@ -15698,7 +16457,7 @@
           <a:p>
             <a:fld id="{AB35F6B0-D468-4997-9CE3-CF2A1AE5E3F9}" type="datetimeFigureOut">
               <a:rPr lang="en-SG" smtClean="0"/>
-              <a:t>20/3/2023</a:t>
+              <a:t>21/3/2023</a:t>
             </a:fld>
             <a:endParaRPr lang="en-SG"/>
           </a:p>
@@ -21902,7 +22661,7 @@
           <p:cNvPr id="2" name="Title 1">
             <a:extLst>
               <a:ext uri="{FF2B5EF4-FFF2-40B4-BE49-F238E27FC236}">
-                <a16:creationId xmlns:a16="http://schemas.microsoft.com/office/drawing/2014/main" id="{BBE723EF-56B8-4C1C-9BA0-271237D8633E}"/>
+                <a16:creationId xmlns:a16="http://schemas.microsoft.com/office/drawing/2014/main" id="{8A83FA18-3F90-1FC0-D489-A6EAA52FDF1D}"/>
               </a:ext>
             </a:extLst>
           </p:cNvPr>
@@ -21920,7 +22679,7 @@
           <a:p>
             <a:r>
               <a:rPr lang="en-GB" dirty="0"/>
-              <a:t>Conclusion</a:t>
+              <a:t>Recognizing identifiers</a:t>
             </a:r>
             <a:endParaRPr lang="en-SG" dirty="0"/>
           </a:p>
@@ -21931,7 +22690,7 @@
           <p:cNvPr id="3" name="Content Placeholder 2">
             <a:extLst>
               <a:ext uri="{FF2B5EF4-FFF2-40B4-BE49-F238E27FC236}">
-                <a16:creationId xmlns:a16="http://schemas.microsoft.com/office/drawing/2014/main" id="{9AB80C83-C934-5699-D703-63ADBD743464}"/>
+                <a16:creationId xmlns:a16="http://schemas.microsoft.com/office/drawing/2014/main" id="{FB5CC6A8-58AA-24CC-CF50-3A252364E713}"/>
               </a:ext>
             </a:extLst>
           </p:cNvPr>
@@ -21942,56 +22701,123 @@
             <p:ph idx="1"/>
           </p:nvPr>
         </p:nvSpPr>
-        <p:spPr/>
+        <p:spPr>
+          <a:xfrm>
+            <a:off x="838200" y="1825624"/>
+            <a:ext cx="10515600" cy="5032375"/>
+          </a:xfrm>
+        </p:spPr>
         <p:txBody>
-          <a:bodyPr/>
+          <a:bodyPr>
+            <a:normAutofit/>
+          </a:bodyPr>
           <a:lstStyle/>
           <a:p>
             <a:pPr marL="0" indent="0">
               <a:buNone/>
             </a:pPr>
             <a:r>
-              <a:rPr lang="en-GB" dirty="0"/>
-              <a:t>Let us call it a day for now.</a:t>
-            </a:r>
-          </a:p>
-          <a:p>
-            <a:r>
-              <a:rPr lang="en-GB" dirty="0"/>
-              <a:t>More will follow on how to recognize identifier, literals, etc</a:t>
-            </a:r>
-            <a:r>
-              <a:rPr lang="en-SG" dirty="0"/>
-              <a:t>.</a:t>
-            </a:r>
-          </a:p>
-          <a:p>
-            <a:r>
-              <a:rPr lang="en-SG" dirty="0"/>
-              <a:t>Error handling in the case of incorrect/unknown lexemes</a:t>
-            </a:r>
-          </a:p>
-          <a:p>
-            <a:r>
-              <a:rPr lang="en-SG" dirty="0"/>
-              <a:t>Conflict resolution in the case of multiple Token Types matches</a:t>
-            </a:r>
-          </a:p>
-          <a:p>
-            <a:r>
-              <a:rPr lang="en-SG" dirty="0"/>
-              <a:t>Etc.</a:t>
-            </a:r>
-          </a:p>
-          <a:p>
-            <a:endParaRPr lang="en-GB" dirty="0"/>
+              <a:rPr lang="en-GB" b="1" dirty="0"/>
+              <a:t>Identifier: </a:t>
+            </a:r>
+            <a:r>
+              <a:rPr lang="en-GB" dirty="0"/>
+              <a:t>An identifier is a </a:t>
+            </a:r>
+            <a:r>
+              <a:rPr lang="en-GB" b="1" dirty="0"/>
+              <a:t>name given to a variable</a:t>
+            </a:r>
+            <a:r>
+              <a:rPr lang="en-GB" dirty="0"/>
+              <a:t>, </a:t>
+            </a:r>
+            <a:r>
+              <a:rPr lang="en-GB" b="1" dirty="0"/>
+              <a:t>function</a:t>
+            </a:r>
+            <a:r>
+              <a:rPr lang="en-GB" dirty="0"/>
+              <a:t>, or </a:t>
+            </a:r>
+            <a:r>
+              <a:rPr lang="en-GB" b="1" dirty="0"/>
+              <a:t>other</a:t>
+            </a:r>
+            <a:r>
+              <a:rPr lang="en-GB" dirty="0"/>
+              <a:t> </a:t>
+            </a:r>
+            <a:r>
+              <a:rPr lang="en-GB" b="1" dirty="0"/>
+              <a:t>entity</a:t>
+            </a:r>
+            <a:r>
+              <a:rPr lang="en-GB" dirty="0"/>
+              <a:t> in a program.</a:t>
+            </a:r>
+          </a:p>
+          <a:p>
+            <a:pPr marL="0" indent="0">
+              <a:buNone/>
+            </a:pPr>
+            <a:r>
+              <a:rPr lang="en-GB" dirty="0"/>
+              <a:t>In C, a valid identifier name should follow rules, such as</a:t>
+            </a:r>
+          </a:p>
+          <a:p>
+            <a:r>
+              <a:rPr lang="en-GB" dirty="0"/>
+              <a:t>starting with a letter or underscore,</a:t>
+            </a:r>
+          </a:p>
+          <a:p>
+            <a:r>
+              <a:rPr lang="en-GB" dirty="0"/>
+              <a:t>and consisting of letters, digits, and underscores.</a:t>
+            </a:r>
+          </a:p>
+          <a:p>
+            <a:pPr marL="0" indent="0">
+              <a:buNone/>
+            </a:pPr>
+            <a:r>
+              <a:rPr lang="en-GB" dirty="0"/>
+              <a:t>Examples of valid identifiers:</a:t>
+            </a:r>
+          </a:p>
+          <a:p>
+            <a:r>
+              <a:rPr lang="en-GB" dirty="0"/>
+              <a:t>x, counter, variable_1,</a:t>
+            </a:r>
+          </a:p>
+          <a:p>
+            <a:r>
+              <a:rPr lang="en-GB" dirty="0" err="1"/>
+              <a:t>myFunction</a:t>
+            </a:r>
+            <a:r>
+              <a:rPr lang="en-GB" dirty="0"/>
+              <a:t>, </a:t>
+            </a:r>
+          </a:p>
+          <a:p>
+            <a:r>
+              <a:rPr lang="en-GB" dirty="0"/>
+              <a:t>etc.</a:t>
+            </a:r>
+          </a:p>
+          <a:p>
+            <a:endParaRPr lang="en-SG" dirty="0"/>
           </a:p>
         </p:txBody>
       </p:sp>
     </p:spTree>
     <p:extLst>
       <p:ext uri="{BB962C8B-B14F-4D97-AF65-F5344CB8AC3E}">
-        <p14:creationId xmlns:p14="http://schemas.microsoft.com/office/powerpoint/2010/main" val="669465544"/>
+        <p14:creationId xmlns:p14="http://schemas.microsoft.com/office/powerpoint/2010/main" val="2022471180"/>
       </p:ext>
     </p:extLst>
   </p:cSld>
@@ -22020,10 +22846,10 @@
       </p:grpSpPr>
       <p:sp>
         <p:nvSpPr>
-          <p:cNvPr id="2" name="Title 1">
+          <p:cNvPr id="4" name="Title 3">
             <a:extLst>
               <a:ext uri="{FF2B5EF4-FFF2-40B4-BE49-F238E27FC236}">
-                <a16:creationId xmlns:a16="http://schemas.microsoft.com/office/drawing/2014/main" id="{85A8A45D-5E7D-ADD7-164B-328A152B3A81}"/>
+                <a16:creationId xmlns:a16="http://schemas.microsoft.com/office/drawing/2014/main" id="{8FA6C370-714F-EAA0-209A-ABF6741BC60E}"/>
               </a:ext>
             </a:extLst>
           </p:cNvPr>
@@ -22039,16 +22865,20 @@
           <a:bodyPr/>
           <a:lstStyle/>
           <a:p>
-            <a:endParaRPr lang="en-SG"/>
+            <a:r>
+              <a:rPr lang="en-GB" dirty="0"/>
+              <a:t>Recognizing identifiers</a:t>
+            </a:r>
+            <a:endParaRPr lang="en-SG" dirty="0"/>
           </a:p>
         </p:txBody>
       </p:sp>
       <p:sp>
         <p:nvSpPr>
-          <p:cNvPr id="3" name="Content Placeholder 2">
+          <p:cNvPr id="5" name="Content Placeholder 4">
             <a:extLst>
               <a:ext uri="{FF2B5EF4-FFF2-40B4-BE49-F238E27FC236}">
-                <a16:creationId xmlns:a16="http://schemas.microsoft.com/office/drawing/2014/main" id="{C2E398D8-3B3B-9BBB-F0C4-A93A76CBF126}"/>
+                <a16:creationId xmlns:a16="http://schemas.microsoft.com/office/drawing/2014/main" id="{7F5F9890-E0E0-F49A-3E26-C62B81849C45}"/>
               </a:ext>
             </a:extLst>
           </p:cNvPr>
@@ -22059,19 +22889,475 @@
             <p:ph idx="1"/>
           </p:nvPr>
         </p:nvSpPr>
-        <p:spPr/>
+        <p:spPr>
+          <a:xfrm>
+            <a:off x="838200" y="1825624"/>
+            <a:ext cx="10515600" cy="5032375"/>
+          </a:xfrm>
+        </p:spPr>
         <p:txBody>
-          <a:bodyPr/>
+          <a:bodyPr>
+            <a:normAutofit/>
+          </a:bodyPr>
           <a:lstStyle/>
           <a:p>
-            <a:endParaRPr lang="en-SG"/>
+            <a:pPr marL="0" indent="0">
+              <a:buNone/>
+            </a:pPr>
+            <a:r>
+              <a:rPr lang="en-GB" b="1" dirty="0"/>
+              <a:t>Is there a finite list of possible identifiers like for keywords, operators and punctuation signs?</a:t>
+            </a:r>
+            <a:endParaRPr lang="en-GB" dirty="0"/>
+          </a:p>
+          <a:p>
+            <a:pPr marL="0" indent="0">
+              <a:buNone/>
+            </a:pPr>
+            <a:r>
+              <a:rPr lang="en-GB" dirty="0"/>
+              <a:t>No. And because of that reason, we cannot use a list of possible strings to match and a </a:t>
+            </a:r>
+            <a:r>
+              <a:rPr lang="en-GB" i="1" dirty="0" err="1"/>
+              <a:t>strcmp</a:t>
+            </a:r>
+            <a:r>
+              <a:rPr lang="en-GB" i="1" dirty="0"/>
+              <a:t>() </a:t>
+            </a:r>
+            <a:r>
+              <a:rPr lang="en-GB" dirty="0"/>
+              <a:t>method like before. We have no other choice, but to rely on </a:t>
+            </a:r>
+            <a:r>
+              <a:rPr lang="en-GB" dirty="0" err="1"/>
+              <a:t>RegEx</a:t>
+            </a:r>
+            <a:r>
+              <a:rPr lang="en-GB" dirty="0"/>
+              <a:t> to transcribe the rules instead.</a:t>
+            </a:r>
+          </a:p>
+          <a:p>
+            <a:r>
+              <a:rPr lang="en-GB" dirty="0"/>
+              <a:t>Start with a letter or underscore,</a:t>
+            </a:r>
+          </a:p>
+          <a:p>
+            <a:r>
+              <a:rPr lang="en-GB" dirty="0"/>
+              <a:t>and consist of letters, digits, and underscores (or what we called word characters earlier \w).</a:t>
+            </a:r>
+          </a:p>
+          <a:p>
+            <a:pPr marL="0" indent="0">
+              <a:buNone/>
+            </a:pPr>
+            <a:endParaRPr lang="en-SG" dirty="0"/>
+          </a:p>
+          <a:p>
+            <a:pPr marL="0" indent="0">
+              <a:buNone/>
+            </a:pPr>
+            <a:endParaRPr lang="en-SG" dirty="0"/>
           </a:p>
         </p:txBody>
       </p:sp>
     </p:spTree>
     <p:extLst>
       <p:ext uri="{BB962C8B-B14F-4D97-AF65-F5344CB8AC3E}">
-        <p14:creationId xmlns:p14="http://schemas.microsoft.com/office/powerpoint/2010/main" val="540619278"/>
+        <p14:creationId xmlns:p14="http://schemas.microsoft.com/office/powerpoint/2010/main" val="3776584994"/>
+      </p:ext>
+    </p:extLst>
+  </p:cSld>
+  <p:clrMapOvr>
+    <a:masterClrMapping/>
+  </p:clrMapOvr>
+</p:sld>
+</file>
+
+<file path=ppt/slides/slide47.xml><?xml version="1.0" encoding="utf-8"?>
+<p:sld xmlns:a="http://schemas.openxmlformats.org/drawingml/2006/main" xmlns:r="http://schemas.openxmlformats.org/officeDocument/2006/relationships" xmlns:p="http://schemas.openxmlformats.org/presentationml/2006/main">
+  <p:cSld>
+    <p:spTree>
+      <p:nvGrpSpPr>
+        <p:cNvPr id="1" name=""/>
+        <p:cNvGrpSpPr/>
+        <p:nvPr/>
+      </p:nvGrpSpPr>
+      <p:grpSpPr>
+        <a:xfrm>
+          <a:off x="0" y="0"/>
+          <a:ext cx="0" cy="0"/>
+          <a:chOff x="0" y="0"/>
+          <a:chExt cx="0" cy="0"/>
+        </a:xfrm>
+      </p:grpSpPr>
+      <p:sp>
+        <p:nvSpPr>
+          <p:cNvPr id="4" name="Title 3">
+            <a:extLst>
+              <a:ext uri="{FF2B5EF4-FFF2-40B4-BE49-F238E27FC236}">
+                <a16:creationId xmlns:a16="http://schemas.microsoft.com/office/drawing/2014/main" id="{8FA6C370-714F-EAA0-209A-ABF6741BC60E}"/>
+              </a:ext>
+            </a:extLst>
+          </p:cNvPr>
+          <p:cNvSpPr>
+            <a:spLocks noGrp="1"/>
+          </p:cNvSpPr>
+          <p:nvPr>
+            <p:ph type="title"/>
+          </p:nvPr>
+        </p:nvSpPr>
+        <p:spPr/>
+        <p:txBody>
+          <a:bodyPr/>
+          <a:lstStyle/>
+          <a:p>
+            <a:r>
+              <a:rPr lang="en-GB" dirty="0"/>
+              <a:t>Recognizing identifiers</a:t>
+            </a:r>
+            <a:endParaRPr lang="en-SG" dirty="0"/>
+          </a:p>
+        </p:txBody>
+      </p:sp>
+      <p:sp>
+        <p:nvSpPr>
+          <p:cNvPr id="5" name="Content Placeholder 4">
+            <a:extLst>
+              <a:ext uri="{FF2B5EF4-FFF2-40B4-BE49-F238E27FC236}">
+                <a16:creationId xmlns:a16="http://schemas.microsoft.com/office/drawing/2014/main" id="{7F5F9890-E0E0-F49A-3E26-C62B81849C45}"/>
+              </a:ext>
+            </a:extLst>
+          </p:cNvPr>
+          <p:cNvSpPr>
+            <a:spLocks noGrp="1"/>
+          </p:cNvSpPr>
+          <p:nvPr>
+            <p:ph idx="1"/>
+          </p:nvPr>
+        </p:nvSpPr>
+        <p:spPr>
+          <a:xfrm>
+            <a:off x="838200" y="1825624"/>
+            <a:ext cx="10515600" cy="5032375"/>
+          </a:xfrm>
+        </p:spPr>
+        <p:txBody>
+          <a:bodyPr>
+            <a:normAutofit/>
+          </a:bodyPr>
+          <a:lstStyle/>
+          <a:p>
+            <a:pPr marL="0" indent="0">
+              <a:buNone/>
+            </a:pPr>
+            <a:r>
+              <a:rPr lang="en-GB" b="1" dirty="0"/>
+              <a:t>Is there a finite list of possible identifiers like for keywords, operators and punctuation signs?</a:t>
+            </a:r>
+            <a:endParaRPr lang="en-GB" dirty="0"/>
+          </a:p>
+          <a:p>
+            <a:pPr marL="0" indent="0">
+              <a:buNone/>
+            </a:pPr>
+            <a:r>
+              <a:rPr lang="en-GB" dirty="0"/>
+              <a:t>No. And because of that reason, we cannot use a list of possible strings to match and a </a:t>
+            </a:r>
+            <a:r>
+              <a:rPr lang="en-GB" i="1" dirty="0" err="1"/>
+              <a:t>strcmp</a:t>
+            </a:r>
+            <a:r>
+              <a:rPr lang="en-GB" i="1" dirty="0"/>
+              <a:t>() </a:t>
+            </a:r>
+            <a:r>
+              <a:rPr lang="en-GB" dirty="0"/>
+              <a:t>method like before. We have no other choice, but to rely on </a:t>
+            </a:r>
+            <a:r>
+              <a:rPr lang="en-GB" dirty="0" err="1"/>
+              <a:t>RegEx</a:t>
+            </a:r>
+            <a:r>
+              <a:rPr lang="en-GB" dirty="0"/>
+              <a:t> to transcribe the rules instead.</a:t>
+            </a:r>
+          </a:p>
+          <a:p>
+            <a:r>
+              <a:rPr lang="en-GB" dirty="0"/>
+              <a:t>Start with a letter or underscore,</a:t>
+            </a:r>
+          </a:p>
+          <a:p>
+            <a:r>
+              <a:rPr lang="en-GB" dirty="0"/>
+              <a:t>and consist of letters, digits, and underscores (or what we called word characters earlier \w).</a:t>
+            </a:r>
+          </a:p>
+          <a:p>
+            <a:pPr marL="0" indent="0">
+              <a:buNone/>
+            </a:pPr>
+            <a:r>
+              <a:rPr lang="en-GB" b="1" dirty="0"/>
+              <a:t>Possible </a:t>
+            </a:r>
+            <a:r>
+              <a:rPr lang="en-GB" b="1" dirty="0" err="1"/>
+              <a:t>RegEx</a:t>
+            </a:r>
+            <a:r>
+              <a:rPr lang="en-GB" b="1" dirty="0"/>
+              <a:t> for identifiers:</a:t>
+            </a:r>
+          </a:p>
+          <a:p>
+            <a:pPr marL="0" indent="0" algn="ctr">
+              <a:buNone/>
+            </a:pPr>
+            <a:r>
+              <a:rPr lang="en-GB" b="1" i="1" dirty="0">
+                <a:solidFill>
+                  <a:srgbClr val="7030A0"/>
+                </a:solidFill>
+              </a:rPr>
+              <a:t>“^[a-</a:t>
+            </a:r>
+            <a:r>
+              <a:rPr lang="en-GB" b="1" i="1" dirty="0" err="1">
+                <a:solidFill>
+                  <a:srgbClr val="7030A0"/>
+                </a:solidFill>
+              </a:rPr>
+              <a:t>zA</a:t>
+            </a:r>
+            <a:r>
+              <a:rPr lang="en-GB" b="1" i="1" dirty="0">
+                <a:solidFill>
+                  <a:srgbClr val="7030A0"/>
+                </a:solidFill>
+              </a:rPr>
+              <a:t>-Z_][a-zA-Z0-9_]*$”   </a:t>
+            </a:r>
+            <a:r>
+              <a:rPr lang="en-GB" i="1" dirty="0"/>
+              <a:t>or   </a:t>
+            </a:r>
+            <a:r>
+              <a:rPr lang="en-GB" b="1" i="1" dirty="0">
+                <a:solidFill>
+                  <a:srgbClr val="7030A0"/>
+                </a:solidFill>
+              </a:rPr>
+              <a:t>“^[a-</a:t>
+            </a:r>
+            <a:r>
+              <a:rPr lang="en-GB" b="1" i="1" dirty="0" err="1">
+                <a:solidFill>
+                  <a:srgbClr val="7030A0"/>
+                </a:solidFill>
+              </a:rPr>
+              <a:t>zA</a:t>
+            </a:r>
+            <a:r>
+              <a:rPr lang="en-GB" b="1" i="1" dirty="0">
+                <a:solidFill>
+                  <a:srgbClr val="7030A0"/>
+                </a:solidFill>
+              </a:rPr>
+              <a:t>-Z_]\\w*$”</a:t>
+            </a:r>
+          </a:p>
+          <a:p>
+            <a:pPr marL="0" indent="0">
+              <a:buNone/>
+            </a:pPr>
+            <a:endParaRPr lang="en-SG" dirty="0"/>
+          </a:p>
+          <a:p>
+            <a:pPr marL="0" indent="0">
+              <a:buNone/>
+            </a:pPr>
+            <a:endParaRPr lang="en-SG" dirty="0"/>
+          </a:p>
+        </p:txBody>
+      </p:sp>
+    </p:spTree>
+    <p:extLst>
+      <p:ext uri="{BB962C8B-B14F-4D97-AF65-F5344CB8AC3E}">
+        <p14:creationId xmlns:p14="http://schemas.microsoft.com/office/powerpoint/2010/main" val="1885841120"/>
+      </p:ext>
+    </p:extLst>
+  </p:cSld>
+  <p:clrMapOvr>
+    <a:masterClrMapping/>
+  </p:clrMapOvr>
+</p:sld>
+</file>
+
+<file path=ppt/slides/slide48.xml><?xml version="1.0" encoding="utf-8"?>
+<p:sld xmlns:a="http://schemas.openxmlformats.org/drawingml/2006/main" xmlns:r="http://schemas.openxmlformats.org/officeDocument/2006/relationships" xmlns:p="http://schemas.openxmlformats.org/presentationml/2006/main">
+  <p:cSld>
+    <p:spTree>
+      <p:nvGrpSpPr>
+        <p:cNvPr id="1" name=""/>
+        <p:cNvGrpSpPr/>
+        <p:nvPr/>
+      </p:nvGrpSpPr>
+      <p:grpSpPr>
+        <a:xfrm>
+          <a:off x="0" y="0"/>
+          <a:ext cx="0" cy="0"/>
+          <a:chOff x="0" y="0"/>
+          <a:chExt cx="0" cy="0"/>
+        </a:xfrm>
+      </p:grpSpPr>
+      <p:pic>
+        <p:nvPicPr>
+          <p:cNvPr id="5" name="Picture 4">
+            <a:extLst>
+              <a:ext uri="{FF2B5EF4-FFF2-40B4-BE49-F238E27FC236}">
+                <a16:creationId xmlns:a16="http://schemas.microsoft.com/office/drawing/2014/main" id="{85FC463B-97D6-61CC-9441-7D3EAD44E04D}"/>
+              </a:ext>
+            </a:extLst>
+          </p:cNvPr>
+          <p:cNvPicPr>
+            <a:picLocks noChangeAspect="1"/>
+          </p:cNvPicPr>
+          <p:nvPr/>
+        </p:nvPicPr>
+        <p:blipFill>
+          <a:blip r:embed="rId2"/>
+          <a:stretch>
+            <a:fillRect/>
+          </a:stretch>
+        </p:blipFill>
+        <p:spPr>
+          <a:xfrm>
+            <a:off x="1406520" y="0"/>
+            <a:ext cx="9378959" cy="6858000"/>
+          </a:xfrm>
+          <a:prstGeom prst="rect">
+            <a:avLst/>
+          </a:prstGeom>
+        </p:spPr>
+      </p:pic>
+      <p:sp>
+        <p:nvSpPr>
+          <p:cNvPr id="6" name="TextBox 5">
+            <a:extLst>
+              <a:ext uri="{FF2B5EF4-FFF2-40B4-BE49-F238E27FC236}">
+                <a16:creationId xmlns:a16="http://schemas.microsoft.com/office/drawing/2014/main" id="{E03D3A28-E55B-A9A9-4130-DC4A8D33A219}"/>
+              </a:ext>
+            </a:extLst>
+          </p:cNvPr>
+          <p:cNvSpPr txBox="1"/>
+          <p:nvPr/>
+        </p:nvSpPr>
+        <p:spPr>
+          <a:xfrm>
+            <a:off x="9378466" y="1113294"/>
+            <a:ext cx="2774462" cy="461665"/>
+          </a:xfrm>
+          <a:prstGeom prst="rect">
+            <a:avLst/>
+          </a:prstGeom>
+          <a:noFill/>
+        </p:spPr>
+        <p:txBody>
+          <a:bodyPr wrap="square" rtlCol="0">
+            <a:spAutoFit/>
+          </a:bodyPr>
+          <a:lstStyle/>
+          <a:p>
+            <a:r>
+              <a:rPr lang="en-GB" sz="2400" b="1" dirty="0">
+                <a:solidFill>
+                  <a:schemeClr val="accent2"/>
+                </a:solidFill>
+              </a:rPr>
+              <a:t>From Code files/7.</a:t>
+            </a:r>
+            <a:endParaRPr lang="en-SG" sz="2400" b="1" dirty="0">
+              <a:solidFill>
+                <a:schemeClr val="accent2"/>
+              </a:solidFill>
+            </a:endParaRPr>
+          </a:p>
+        </p:txBody>
+      </p:sp>
+    </p:spTree>
+    <p:extLst>
+      <p:ext uri="{BB962C8B-B14F-4D97-AF65-F5344CB8AC3E}">
+        <p14:creationId xmlns:p14="http://schemas.microsoft.com/office/powerpoint/2010/main" val="4262633451"/>
+      </p:ext>
+    </p:extLst>
+  </p:cSld>
+  <p:clrMapOvr>
+    <a:masterClrMapping/>
+  </p:clrMapOvr>
+</p:sld>
+</file>
+
+<file path=ppt/slides/slide49.xml><?xml version="1.0" encoding="utf-8"?>
+<p:sld xmlns:a="http://schemas.openxmlformats.org/drawingml/2006/main" xmlns:r="http://schemas.openxmlformats.org/officeDocument/2006/relationships" xmlns:p="http://schemas.openxmlformats.org/presentationml/2006/main">
+  <p:cSld>
+    <p:spTree>
+      <p:nvGrpSpPr>
+        <p:cNvPr id="1" name=""/>
+        <p:cNvGrpSpPr/>
+        <p:nvPr/>
+      </p:nvGrpSpPr>
+      <p:grpSpPr>
+        <a:xfrm>
+          <a:off x="0" y="0"/>
+          <a:ext cx="0" cy="0"/>
+          <a:chOff x="0" y="0"/>
+          <a:chExt cx="0" cy="0"/>
+        </a:xfrm>
+      </p:grpSpPr>
+      <p:pic>
+        <p:nvPicPr>
+          <p:cNvPr id="5" name="Picture 4">
+            <a:extLst>
+              <a:ext uri="{FF2B5EF4-FFF2-40B4-BE49-F238E27FC236}">
+                <a16:creationId xmlns:a16="http://schemas.microsoft.com/office/drawing/2014/main" id="{6DE9F4A1-6934-219B-C970-9B4FD297D65C}"/>
+              </a:ext>
+            </a:extLst>
+          </p:cNvPr>
+          <p:cNvPicPr>
+            <a:picLocks noChangeAspect="1"/>
+          </p:cNvPicPr>
+          <p:nvPr/>
+        </p:nvPicPr>
+        <p:blipFill>
+          <a:blip r:embed="rId2"/>
+          <a:stretch>
+            <a:fillRect/>
+          </a:stretch>
+        </p:blipFill>
+        <p:spPr>
+          <a:xfrm>
+            <a:off x="0" y="413879"/>
+            <a:ext cx="12192000" cy="3795042"/>
+          </a:xfrm>
+          <a:prstGeom prst="rect">
+            <a:avLst/>
+          </a:prstGeom>
+        </p:spPr>
+      </p:pic>
+    </p:spTree>
+    <p:extLst>
+      <p:ext uri="{BB962C8B-B14F-4D97-AF65-F5344CB8AC3E}">
+        <p14:creationId xmlns:p14="http://schemas.microsoft.com/office/powerpoint/2010/main" val="1319547377"/>
       </p:ext>
     </p:extLst>
   </p:cSld>
@@ -22311,15 +23597,7 @@
             </a:r>
             <a:r>
               <a:rPr lang="en-GB" dirty="0"/>
-              <a:t> in a </a:t>
-            </a:r>
-            <a:r>
-              <a:rPr lang="en-GB" dirty="0" err="1"/>
-              <a:t>program.Will</a:t>
-            </a:r>
-            <a:r>
-              <a:rPr lang="en-GB" dirty="0"/>
-              <a:t> follow rules, such as starting with a letter or underscore and consisting of letters, digits, and underscores.</a:t>
+              <a:t> in a program. Will follow rules, such as starting with a letter or underscore and consisting of letters, digits, and underscores.</a:t>
             </a:r>
           </a:p>
           <a:p>
@@ -22359,6 +23637,1384 @@
     <p:extLst>
       <p:ext uri="{BB962C8B-B14F-4D97-AF65-F5344CB8AC3E}">
         <p14:creationId xmlns:p14="http://schemas.microsoft.com/office/powerpoint/2010/main" val="3941141626"/>
+      </p:ext>
+    </p:extLst>
+  </p:cSld>
+  <p:clrMapOvr>
+    <a:masterClrMapping/>
+  </p:clrMapOvr>
+</p:sld>
+</file>
+
+<file path=ppt/slides/slide50.xml><?xml version="1.0" encoding="utf-8"?>
+<p:sld xmlns:a="http://schemas.openxmlformats.org/drawingml/2006/main" xmlns:r="http://schemas.openxmlformats.org/officeDocument/2006/relationships" xmlns:p="http://schemas.openxmlformats.org/presentationml/2006/main">
+  <p:cSld>
+    <p:spTree>
+      <p:nvGrpSpPr>
+        <p:cNvPr id="1" name=""/>
+        <p:cNvGrpSpPr/>
+        <p:nvPr/>
+      </p:nvGrpSpPr>
+      <p:grpSpPr>
+        <a:xfrm>
+          <a:off x="0" y="0"/>
+          <a:ext cx="0" cy="0"/>
+          <a:chOff x="0" y="0"/>
+          <a:chExt cx="0" cy="0"/>
+        </a:xfrm>
+      </p:grpSpPr>
+      <p:pic>
+        <p:nvPicPr>
+          <p:cNvPr id="5" name="Picture 4">
+            <a:extLst>
+              <a:ext uri="{FF2B5EF4-FFF2-40B4-BE49-F238E27FC236}">
+                <a16:creationId xmlns:a16="http://schemas.microsoft.com/office/drawing/2014/main" id="{6DE9F4A1-6934-219B-C970-9B4FD297D65C}"/>
+              </a:ext>
+            </a:extLst>
+          </p:cNvPr>
+          <p:cNvPicPr>
+            <a:picLocks noChangeAspect="1"/>
+          </p:cNvPicPr>
+          <p:nvPr/>
+        </p:nvPicPr>
+        <p:blipFill>
+          <a:blip r:embed="rId2"/>
+          <a:stretch>
+            <a:fillRect/>
+          </a:stretch>
+        </p:blipFill>
+        <p:spPr>
+          <a:xfrm>
+            <a:off x="0" y="413879"/>
+            <a:ext cx="12192000" cy="3795042"/>
+          </a:xfrm>
+          <a:prstGeom prst="rect">
+            <a:avLst/>
+          </a:prstGeom>
+        </p:spPr>
+      </p:pic>
+      <p:pic>
+        <p:nvPicPr>
+          <p:cNvPr id="7" name="Picture 6">
+            <a:extLst>
+              <a:ext uri="{FF2B5EF4-FFF2-40B4-BE49-F238E27FC236}">
+                <a16:creationId xmlns:a16="http://schemas.microsoft.com/office/drawing/2014/main" id="{75BBE009-FB43-8ADD-D3CA-C5D9FD8BDDB9}"/>
+              </a:ext>
+            </a:extLst>
+          </p:cNvPr>
+          <p:cNvPicPr>
+            <a:picLocks noChangeAspect="1"/>
+          </p:cNvPicPr>
+          <p:nvPr/>
+        </p:nvPicPr>
+        <p:blipFill>
+          <a:blip r:embed="rId3"/>
+          <a:stretch>
+            <a:fillRect/>
+          </a:stretch>
+        </p:blipFill>
+        <p:spPr>
+          <a:xfrm>
+            <a:off x="8098606" y="1882271"/>
+            <a:ext cx="3671363" cy="4598001"/>
+          </a:xfrm>
+          <a:prstGeom prst="rect">
+            <a:avLst/>
+          </a:prstGeom>
+          <a:ln w="38100" cap="sq">
+            <a:solidFill>
+              <a:srgbClr val="000000"/>
+            </a:solidFill>
+            <a:prstDash val="solid"/>
+            <a:miter lim="800000"/>
+          </a:ln>
+          <a:effectLst>
+            <a:outerShdw blurRad="50800" dist="38100" dir="2700000" algn="tl" rotWithShape="0">
+              <a:srgbClr val="000000">
+                <a:alpha val="43000"/>
+              </a:srgbClr>
+            </a:outerShdw>
+          </a:effectLst>
+        </p:spPr>
+      </p:pic>
+    </p:spTree>
+    <p:extLst>
+      <p:ext uri="{BB962C8B-B14F-4D97-AF65-F5344CB8AC3E}">
+        <p14:creationId xmlns:p14="http://schemas.microsoft.com/office/powerpoint/2010/main" val="3521564645"/>
+      </p:ext>
+    </p:extLst>
+  </p:cSld>
+  <p:clrMapOvr>
+    <a:masterClrMapping/>
+  </p:clrMapOvr>
+</p:sld>
+</file>
+
+<file path=ppt/slides/slide51.xml><?xml version="1.0" encoding="utf-8"?>
+<p:sld xmlns:a="http://schemas.openxmlformats.org/drawingml/2006/main" xmlns:r="http://schemas.openxmlformats.org/officeDocument/2006/relationships" xmlns:p="http://schemas.openxmlformats.org/presentationml/2006/main">
+  <p:cSld>
+    <p:spTree>
+      <p:nvGrpSpPr>
+        <p:cNvPr id="1" name=""/>
+        <p:cNvGrpSpPr/>
+        <p:nvPr/>
+      </p:nvGrpSpPr>
+      <p:grpSpPr>
+        <a:xfrm>
+          <a:off x="0" y="0"/>
+          <a:ext cx="0" cy="0"/>
+          <a:chOff x="0" y="0"/>
+          <a:chExt cx="0" cy="0"/>
+        </a:xfrm>
+      </p:grpSpPr>
+      <p:sp>
+        <p:nvSpPr>
+          <p:cNvPr id="2" name="Title 1">
+            <a:extLst>
+              <a:ext uri="{FF2B5EF4-FFF2-40B4-BE49-F238E27FC236}">
+                <a16:creationId xmlns:a16="http://schemas.microsoft.com/office/drawing/2014/main" id="{5EAB84FF-F706-D3E8-C649-1A8A9C4D7F7B}"/>
+              </a:ext>
+            </a:extLst>
+          </p:cNvPr>
+          <p:cNvSpPr>
+            <a:spLocks noGrp="1"/>
+          </p:cNvSpPr>
+          <p:nvPr>
+            <p:ph type="title"/>
+          </p:nvPr>
+        </p:nvSpPr>
+        <p:spPr/>
+        <p:txBody>
+          <a:bodyPr/>
+          <a:lstStyle/>
+          <a:p>
+            <a:r>
+              <a:rPr lang="en-GB" dirty="0"/>
+              <a:t>Recognizing literals</a:t>
+            </a:r>
+            <a:endParaRPr lang="en-SG" dirty="0"/>
+          </a:p>
+        </p:txBody>
+      </p:sp>
+      <p:sp>
+        <p:nvSpPr>
+          <p:cNvPr id="3" name="Content Placeholder 2">
+            <a:extLst>
+              <a:ext uri="{FF2B5EF4-FFF2-40B4-BE49-F238E27FC236}">
+                <a16:creationId xmlns:a16="http://schemas.microsoft.com/office/drawing/2014/main" id="{A6FA23DB-2026-F938-2B1A-401CADD258D7}"/>
+              </a:ext>
+            </a:extLst>
+          </p:cNvPr>
+          <p:cNvSpPr>
+            <a:spLocks noGrp="1"/>
+          </p:cNvSpPr>
+          <p:nvPr>
+            <p:ph idx="1"/>
+          </p:nvPr>
+        </p:nvSpPr>
+        <p:spPr/>
+        <p:txBody>
+          <a:bodyPr/>
+          <a:lstStyle/>
+          <a:p>
+            <a:pPr marL="0" indent="0">
+              <a:buNone/>
+            </a:pPr>
+            <a:r>
+              <a:rPr lang="en-GB" b="1" dirty="0"/>
+              <a:t>Literal: </a:t>
+            </a:r>
+            <a:r>
+              <a:rPr lang="en-GB" dirty="0"/>
+              <a:t>A </a:t>
+            </a:r>
+            <a:r>
+              <a:rPr lang="en-GB" b="1" dirty="0"/>
+              <a:t>value</a:t>
+            </a:r>
+            <a:r>
+              <a:rPr lang="en-GB" dirty="0"/>
+              <a:t> of some sort to be </a:t>
+            </a:r>
+            <a:r>
+              <a:rPr lang="en-GB" b="1" dirty="0"/>
+              <a:t>assigned to a variable</a:t>
+            </a:r>
+            <a:r>
+              <a:rPr lang="en-GB" dirty="0"/>
+              <a:t>.</a:t>
+            </a:r>
+          </a:p>
+          <a:p>
+            <a:pPr marL="0" indent="0">
+              <a:buNone/>
+            </a:pPr>
+            <a:r>
+              <a:rPr lang="en-GB" dirty="0"/>
+              <a:t>Examples of literals in the C programming language: </a:t>
+            </a:r>
+          </a:p>
+          <a:p>
+            <a:r>
+              <a:rPr lang="en-GB" dirty="0"/>
+              <a:t>12542</a:t>
+            </a:r>
+          </a:p>
+          <a:p>
+            <a:r>
+              <a:rPr lang="en-GB" dirty="0"/>
+              <a:t>12654165.52</a:t>
+            </a:r>
+          </a:p>
+          <a:p>
+            <a:r>
+              <a:rPr lang="en-GB" dirty="0"/>
+              <a:t>“hello”</a:t>
+            </a:r>
+          </a:p>
+          <a:p>
+            <a:r>
+              <a:rPr lang="en-GB" dirty="0"/>
+              <a:t>Etc.</a:t>
+            </a:r>
+          </a:p>
+        </p:txBody>
+      </p:sp>
+    </p:spTree>
+    <p:extLst>
+      <p:ext uri="{BB962C8B-B14F-4D97-AF65-F5344CB8AC3E}">
+        <p14:creationId xmlns:p14="http://schemas.microsoft.com/office/powerpoint/2010/main" val="3307285541"/>
+      </p:ext>
+    </p:extLst>
+  </p:cSld>
+  <p:clrMapOvr>
+    <a:masterClrMapping/>
+  </p:clrMapOvr>
+</p:sld>
+</file>
+
+<file path=ppt/slides/slide52.xml><?xml version="1.0" encoding="utf-8"?>
+<p:sld xmlns:a="http://schemas.openxmlformats.org/drawingml/2006/main" xmlns:r="http://schemas.openxmlformats.org/officeDocument/2006/relationships" xmlns:p="http://schemas.openxmlformats.org/presentationml/2006/main">
+  <p:cSld>
+    <p:spTree>
+      <p:nvGrpSpPr>
+        <p:cNvPr id="1" name=""/>
+        <p:cNvGrpSpPr/>
+        <p:nvPr/>
+      </p:nvGrpSpPr>
+      <p:grpSpPr>
+        <a:xfrm>
+          <a:off x="0" y="0"/>
+          <a:ext cx="0" cy="0"/>
+          <a:chOff x="0" y="0"/>
+          <a:chExt cx="0" cy="0"/>
+        </a:xfrm>
+      </p:grpSpPr>
+      <p:sp>
+        <p:nvSpPr>
+          <p:cNvPr id="2" name="Title 1">
+            <a:extLst>
+              <a:ext uri="{FF2B5EF4-FFF2-40B4-BE49-F238E27FC236}">
+                <a16:creationId xmlns:a16="http://schemas.microsoft.com/office/drawing/2014/main" id="{5EAB84FF-F706-D3E8-C649-1A8A9C4D7F7B}"/>
+              </a:ext>
+            </a:extLst>
+          </p:cNvPr>
+          <p:cNvSpPr>
+            <a:spLocks noGrp="1"/>
+          </p:cNvSpPr>
+          <p:nvPr>
+            <p:ph type="title"/>
+          </p:nvPr>
+        </p:nvSpPr>
+        <p:spPr/>
+        <p:txBody>
+          <a:bodyPr/>
+          <a:lstStyle/>
+          <a:p>
+            <a:r>
+              <a:rPr lang="en-GB" dirty="0"/>
+              <a:t>Recognizing integer literals</a:t>
+            </a:r>
+            <a:endParaRPr lang="en-SG" dirty="0"/>
+          </a:p>
+        </p:txBody>
+      </p:sp>
+      <p:sp>
+        <p:nvSpPr>
+          <p:cNvPr id="3" name="Content Placeholder 2">
+            <a:extLst>
+              <a:ext uri="{FF2B5EF4-FFF2-40B4-BE49-F238E27FC236}">
+                <a16:creationId xmlns:a16="http://schemas.microsoft.com/office/drawing/2014/main" id="{A6FA23DB-2026-F938-2B1A-401CADD258D7}"/>
+              </a:ext>
+            </a:extLst>
+          </p:cNvPr>
+          <p:cNvSpPr>
+            <a:spLocks noGrp="1"/>
+          </p:cNvSpPr>
+          <p:nvPr>
+            <p:ph idx="1"/>
+          </p:nvPr>
+        </p:nvSpPr>
+        <p:spPr>
+          <a:xfrm>
+            <a:off x="838200" y="1825624"/>
+            <a:ext cx="10515600" cy="5032375"/>
+          </a:xfrm>
+        </p:spPr>
+        <p:txBody>
+          <a:bodyPr/>
+          <a:lstStyle/>
+          <a:p>
+            <a:pPr marL="0" indent="0">
+              <a:buNone/>
+            </a:pPr>
+            <a:r>
+              <a:rPr lang="en-GB" b="1" dirty="0"/>
+              <a:t>(Unsigned </a:t>
+            </a:r>
+            <a:r>
+              <a:rPr lang="en-GB" b="1" dirty="0">
+                <a:solidFill>
+                  <a:srgbClr val="7030A0"/>
+                </a:solidFill>
+              </a:rPr>
+              <a:t>Integer</a:t>
+            </a:r>
+            <a:r>
+              <a:rPr lang="en-GB" b="1" dirty="0"/>
+              <a:t>) Literal: </a:t>
+            </a:r>
+            <a:r>
+              <a:rPr lang="en-GB" dirty="0"/>
+              <a:t>A </a:t>
+            </a:r>
+            <a:r>
+              <a:rPr lang="en-GB" b="1" dirty="0">
+                <a:solidFill>
+                  <a:srgbClr val="7030A0"/>
+                </a:solidFill>
+              </a:rPr>
+              <a:t>numerical</a:t>
+            </a:r>
+            <a:r>
+              <a:rPr lang="en-GB" dirty="0"/>
+              <a:t> </a:t>
+            </a:r>
+            <a:r>
+              <a:rPr lang="en-GB" b="1" dirty="0"/>
+              <a:t>value</a:t>
+            </a:r>
+            <a:r>
+              <a:rPr lang="en-GB" dirty="0"/>
+              <a:t> of some sort to be </a:t>
+            </a:r>
+            <a:r>
+              <a:rPr lang="en-GB" b="1" dirty="0"/>
+              <a:t>assigned to an </a:t>
+            </a:r>
+            <a:r>
+              <a:rPr lang="en-GB" b="1" dirty="0">
+                <a:solidFill>
+                  <a:srgbClr val="7030A0"/>
+                </a:solidFill>
+              </a:rPr>
+              <a:t>integer</a:t>
+            </a:r>
+            <a:r>
+              <a:rPr lang="en-GB" b="1" dirty="0"/>
+              <a:t> variable</a:t>
+            </a:r>
+            <a:r>
+              <a:rPr lang="en-GB" dirty="0"/>
+              <a:t>.</a:t>
+            </a:r>
+          </a:p>
+          <a:p>
+            <a:pPr marL="0" indent="0">
+              <a:buNone/>
+            </a:pPr>
+            <a:r>
+              <a:rPr lang="en-GB" dirty="0"/>
+              <a:t>Examples of integer literals in the C programming language: </a:t>
+            </a:r>
+          </a:p>
+          <a:p>
+            <a:r>
+              <a:rPr lang="en-GB" dirty="0"/>
+              <a:t>0, 42, 856841, Etc.</a:t>
+            </a:r>
+          </a:p>
+          <a:p>
+            <a:pPr marL="0" indent="0">
+              <a:buNone/>
+            </a:pPr>
+            <a:r>
+              <a:rPr lang="en-GB" dirty="0"/>
+              <a:t>Examples of invalid integer literals in the C programming language: </a:t>
+            </a:r>
+          </a:p>
+          <a:p>
+            <a:r>
+              <a:rPr lang="en-GB" dirty="0"/>
+              <a:t>-7</a:t>
+            </a:r>
+          </a:p>
+          <a:p>
+            <a:r>
+              <a:rPr lang="en-GB" dirty="0"/>
+              <a:t>42.0</a:t>
+            </a:r>
+          </a:p>
+          <a:p>
+            <a:r>
+              <a:rPr lang="en-GB" dirty="0"/>
+              <a:t>00123</a:t>
+            </a:r>
+          </a:p>
+          <a:p>
+            <a:r>
+              <a:rPr lang="en-GB" dirty="0"/>
+              <a:t>0123followedbyletters</a:t>
+            </a:r>
+          </a:p>
+        </p:txBody>
+      </p:sp>
+    </p:spTree>
+    <p:extLst>
+      <p:ext uri="{BB962C8B-B14F-4D97-AF65-F5344CB8AC3E}">
+        <p14:creationId xmlns:p14="http://schemas.microsoft.com/office/powerpoint/2010/main" val="3287206519"/>
+      </p:ext>
+    </p:extLst>
+  </p:cSld>
+  <p:clrMapOvr>
+    <a:masterClrMapping/>
+  </p:clrMapOvr>
+</p:sld>
+</file>
+
+<file path=ppt/slides/slide53.xml><?xml version="1.0" encoding="utf-8"?>
+<p:sld xmlns:a="http://schemas.openxmlformats.org/drawingml/2006/main" xmlns:r="http://schemas.openxmlformats.org/officeDocument/2006/relationships" xmlns:p="http://schemas.openxmlformats.org/presentationml/2006/main">
+  <p:cSld>
+    <p:spTree>
+      <p:nvGrpSpPr>
+        <p:cNvPr id="1" name=""/>
+        <p:cNvGrpSpPr/>
+        <p:nvPr/>
+      </p:nvGrpSpPr>
+      <p:grpSpPr>
+        <a:xfrm>
+          <a:off x="0" y="0"/>
+          <a:ext cx="0" cy="0"/>
+          <a:chOff x="0" y="0"/>
+          <a:chExt cx="0" cy="0"/>
+        </a:xfrm>
+      </p:grpSpPr>
+      <p:sp>
+        <p:nvSpPr>
+          <p:cNvPr id="2" name="Title 1">
+            <a:extLst>
+              <a:ext uri="{FF2B5EF4-FFF2-40B4-BE49-F238E27FC236}">
+                <a16:creationId xmlns:a16="http://schemas.microsoft.com/office/drawing/2014/main" id="{5EAB84FF-F706-D3E8-C649-1A8A9C4D7F7B}"/>
+              </a:ext>
+            </a:extLst>
+          </p:cNvPr>
+          <p:cNvSpPr>
+            <a:spLocks noGrp="1"/>
+          </p:cNvSpPr>
+          <p:nvPr>
+            <p:ph type="title"/>
+          </p:nvPr>
+        </p:nvSpPr>
+        <p:spPr/>
+        <p:txBody>
+          <a:bodyPr/>
+          <a:lstStyle/>
+          <a:p>
+            <a:r>
+              <a:rPr lang="en-GB" dirty="0"/>
+              <a:t>Recognizing unsigned integer literals</a:t>
+            </a:r>
+            <a:endParaRPr lang="en-SG" dirty="0"/>
+          </a:p>
+        </p:txBody>
+      </p:sp>
+      <p:sp>
+        <p:nvSpPr>
+          <p:cNvPr id="3" name="Content Placeholder 2">
+            <a:extLst>
+              <a:ext uri="{FF2B5EF4-FFF2-40B4-BE49-F238E27FC236}">
+                <a16:creationId xmlns:a16="http://schemas.microsoft.com/office/drawing/2014/main" id="{A6FA23DB-2026-F938-2B1A-401CADD258D7}"/>
+              </a:ext>
+            </a:extLst>
+          </p:cNvPr>
+          <p:cNvSpPr>
+            <a:spLocks noGrp="1"/>
+          </p:cNvSpPr>
+          <p:nvPr>
+            <p:ph idx="1"/>
+          </p:nvPr>
+        </p:nvSpPr>
+        <p:spPr/>
+        <p:txBody>
+          <a:bodyPr/>
+          <a:lstStyle/>
+          <a:p>
+            <a:pPr marL="0" indent="0">
+              <a:buNone/>
+            </a:pPr>
+            <a:r>
+              <a:rPr lang="en-GB" dirty="0"/>
+              <a:t>To recognize integer literals, we will have to rely on regular expression patterns to match</a:t>
+            </a:r>
+          </a:p>
+          <a:p>
+            <a:r>
+              <a:rPr lang="en-GB" dirty="0"/>
+              <a:t>either a zero,</a:t>
+            </a:r>
+          </a:p>
+          <a:p>
+            <a:r>
+              <a:rPr lang="en-GB" dirty="0"/>
+              <a:t>or a non-zero digit followed by a sequence of zero or more digits.</a:t>
+            </a:r>
+          </a:p>
+          <a:p>
+            <a:endParaRPr lang="en-GB" dirty="0"/>
+          </a:p>
+          <a:p>
+            <a:pPr marL="0" indent="0">
+              <a:buNone/>
+            </a:pPr>
+            <a:r>
+              <a:rPr lang="en-GB" dirty="0"/>
+              <a:t>Possible </a:t>
+            </a:r>
+            <a:r>
+              <a:rPr lang="en-GB" dirty="0" err="1"/>
+              <a:t>RegEx</a:t>
+            </a:r>
+            <a:r>
+              <a:rPr lang="en-GB" dirty="0"/>
+              <a:t> for unsigned integer literals:</a:t>
+            </a:r>
+          </a:p>
+          <a:p>
+            <a:pPr marL="0" indent="0">
+              <a:buNone/>
+            </a:pPr>
+            <a:endParaRPr lang="en-GB" dirty="0"/>
+          </a:p>
+          <a:p>
+            <a:pPr marL="0" indent="0" algn="ctr">
+              <a:buNone/>
+            </a:pPr>
+            <a:r>
+              <a:rPr lang="en-GB" i="1" dirty="0">
+                <a:solidFill>
+                  <a:srgbClr val="7030A0"/>
+                </a:solidFill>
+              </a:rPr>
+              <a:t>“^(0|[1-9][0-9]*)$”   </a:t>
+            </a:r>
+            <a:r>
+              <a:rPr lang="en-GB" i="1" dirty="0"/>
+              <a:t>or</a:t>
+            </a:r>
+            <a:r>
+              <a:rPr lang="en-GB" i="1" dirty="0">
+                <a:solidFill>
+                  <a:srgbClr val="7030A0"/>
+                </a:solidFill>
+              </a:rPr>
+              <a:t>   “^(0|[1-9]\\d*)$”</a:t>
+            </a:r>
+          </a:p>
+          <a:p>
+            <a:endParaRPr lang="en-SG" dirty="0"/>
+          </a:p>
+        </p:txBody>
+      </p:sp>
+    </p:spTree>
+    <p:extLst>
+      <p:ext uri="{BB962C8B-B14F-4D97-AF65-F5344CB8AC3E}">
+        <p14:creationId xmlns:p14="http://schemas.microsoft.com/office/powerpoint/2010/main" val="1602621651"/>
+      </p:ext>
+    </p:extLst>
+  </p:cSld>
+  <p:clrMapOvr>
+    <a:masterClrMapping/>
+  </p:clrMapOvr>
+</p:sld>
+</file>
+
+<file path=ppt/slides/slide54.xml><?xml version="1.0" encoding="utf-8"?>
+<p:sld xmlns:a="http://schemas.openxmlformats.org/drawingml/2006/main" xmlns:r="http://schemas.openxmlformats.org/officeDocument/2006/relationships" xmlns:p="http://schemas.openxmlformats.org/presentationml/2006/main">
+  <p:cSld>
+    <p:spTree>
+      <p:nvGrpSpPr>
+        <p:cNvPr id="1" name=""/>
+        <p:cNvGrpSpPr/>
+        <p:nvPr/>
+      </p:nvGrpSpPr>
+      <p:grpSpPr>
+        <a:xfrm>
+          <a:off x="0" y="0"/>
+          <a:ext cx="0" cy="0"/>
+          <a:chOff x="0" y="0"/>
+          <a:chExt cx="0" cy="0"/>
+        </a:xfrm>
+      </p:grpSpPr>
+      <p:pic>
+        <p:nvPicPr>
+          <p:cNvPr id="7" name="Picture 6">
+            <a:extLst>
+              <a:ext uri="{FF2B5EF4-FFF2-40B4-BE49-F238E27FC236}">
+                <a16:creationId xmlns:a16="http://schemas.microsoft.com/office/drawing/2014/main" id="{9F1D0270-F593-11E5-4C61-DDD253C5E9BB}"/>
+              </a:ext>
+            </a:extLst>
+          </p:cNvPr>
+          <p:cNvPicPr>
+            <a:picLocks noChangeAspect="1"/>
+          </p:cNvPicPr>
+          <p:nvPr/>
+        </p:nvPicPr>
+        <p:blipFill>
+          <a:blip r:embed="rId2"/>
+          <a:stretch>
+            <a:fillRect/>
+          </a:stretch>
+        </p:blipFill>
+        <p:spPr>
+          <a:xfrm>
+            <a:off x="1171646" y="0"/>
+            <a:ext cx="9848707" cy="6858000"/>
+          </a:xfrm>
+          <a:prstGeom prst="rect">
+            <a:avLst/>
+          </a:prstGeom>
+        </p:spPr>
+      </p:pic>
+      <p:sp>
+        <p:nvSpPr>
+          <p:cNvPr id="8" name="TextBox 7">
+            <a:extLst>
+              <a:ext uri="{FF2B5EF4-FFF2-40B4-BE49-F238E27FC236}">
+                <a16:creationId xmlns:a16="http://schemas.microsoft.com/office/drawing/2014/main" id="{BB3A9417-8007-99CC-B14D-85DBC508B05D}"/>
+              </a:ext>
+            </a:extLst>
+          </p:cNvPr>
+          <p:cNvSpPr txBox="1"/>
+          <p:nvPr/>
+        </p:nvSpPr>
+        <p:spPr>
+          <a:xfrm>
+            <a:off x="9378466" y="1113294"/>
+            <a:ext cx="2774462" cy="461665"/>
+          </a:xfrm>
+          <a:prstGeom prst="rect">
+            <a:avLst/>
+          </a:prstGeom>
+          <a:noFill/>
+        </p:spPr>
+        <p:txBody>
+          <a:bodyPr wrap="square" rtlCol="0">
+            <a:spAutoFit/>
+          </a:bodyPr>
+          <a:lstStyle/>
+          <a:p>
+            <a:r>
+              <a:rPr lang="en-GB" sz="2400" b="1" dirty="0">
+                <a:solidFill>
+                  <a:schemeClr val="accent2"/>
+                </a:solidFill>
+              </a:rPr>
+              <a:t>From Code files/8.</a:t>
+            </a:r>
+            <a:endParaRPr lang="en-SG" sz="2400" b="1" dirty="0">
+              <a:solidFill>
+                <a:schemeClr val="accent2"/>
+              </a:solidFill>
+            </a:endParaRPr>
+          </a:p>
+        </p:txBody>
+      </p:sp>
+    </p:spTree>
+    <p:extLst>
+      <p:ext uri="{BB962C8B-B14F-4D97-AF65-F5344CB8AC3E}">
+        <p14:creationId xmlns:p14="http://schemas.microsoft.com/office/powerpoint/2010/main" val="3624858491"/>
+      </p:ext>
+    </p:extLst>
+  </p:cSld>
+  <p:clrMapOvr>
+    <a:masterClrMapping/>
+  </p:clrMapOvr>
+</p:sld>
+</file>
+
+<file path=ppt/slides/slide55.xml><?xml version="1.0" encoding="utf-8"?>
+<p:sld xmlns:a="http://schemas.openxmlformats.org/drawingml/2006/main" xmlns:r="http://schemas.openxmlformats.org/officeDocument/2006/relationships" xmlns:p="http://schemas.openxmlformats.org/presentationml/2006/main">
+  <p:cSld>
+    <p:spTree>
+      <p:nvGrpSpPr>
+        <p:cNvPr id="1" name=""/>
+        <p:cNvGrpSpPr/>
+        <p:nvPr/>
+      </p:nvGrpSpPr>
+      <p:grpSpPr>
+        <a:xfrm>
+          <a:off x="0" y="0"/>
+          <a:ext cx="0" cy="0"/>
+          <a:chOff x="0" y="0"/>
+          <a:chExt cx="0" cy="0"/>
+        </a:xfrm>
+      </p:grpSpPr>
+      <p:pic>
+        <p:nvPicPr>
+          <p:cNvPr id="3" name="Picture 2">
+            <a:extLst>
+              <a:ext uri="{FF2B5EF4-FFF2-40B4-BE49-F238E27FC236}">
+                <a16:creationId xmlns:a16="http://schemas.microsoft.com/office/drawing/2014/main" id="{269C851E-2E9C-D1DA-E5D9-CDB8CD0563F9}"/>
+              </a:ext>
+            </a:extLst>
+          </p:cNvPr>
+          <p:cNvPicPr>
+            <a:picLocks noChangeAspect="1"/>
+          </p:cNvPicPr>
+          <p:nvPr/>
+        </p:nvPicPr>
+        <p:blipFill>
+          <a:blip r:embed="rId2"/>
+          <a:stretch>
+            <a:fillRect/>
+          </a:stretch>
+        </p:blipFill>
+        <p:spPr>
+          <a:xfrm>
+            <a:off x="32491" y="828312"/>
+            <a:ext cx="12127017" cy="5201376"/>
+          </a:xfrm>
+          <a:prstGeom prst="rect">
+            <a:avLst/>
+          </a:prstGeom>
+        </p:spPr>
+      </p:pic>
+    </p:spTree>
+    <p:extLst>
+      <p:ext uri="{BB962C8B-B14F-4D97-AF65-F5344CB8AC3E}">
+        <p14:creationId xmlns:p14="http://schemas.microsoft.com/office/powerpoint/2010/main" val="2663643312"/>
+      </p:ext>
+    </p:extLst>
+  </p:cSld>
+  <p:clrMapOvr>
+    <a:masterClrMapping/>
+  </p:clrMapOvr>
+</p:sld>
+</file>
+
+<file path=ppt/slides/slide56.xml><?xml version="1.0" encoding="utf-8"?>
+<p:sld xmlns:a="http://schemas.openxmlformats.org/drawingml/2006/main" xmlns:r="http://schemas.openxmlformats.org/officeDocument/2006/relationships" xmlns:p="http://schemas.openxmlformats.org/presentationml/2006/main">
+  <p:cSld>
+    <p:spTree>
+      <p:nvGrpSpPr>
+        <p:cNvPr id="1" name=""/>
+        <p:cNvGrpSpPr/>
+        <p:nvPr/>
+      </p:nvGrpSpPr>
+      <p:grpSpPr>
+        <a:xfrm>
+          <a:off x="0" y="0"/>
+          <a:ext cx="0" cy="0"/>
+          <a:chOff x="0" y="0"/>
+          <a:chExt cx="0" cy="0"/>
+        </a:xfrm>
+      </p:grpSpPr>
+      <p:pic>
+        <p:nvPicPr>
+          <p:cNvPr id="3" name="Picture 2">
+            <a:extLst>
+              <a:ext uri="{FF2B5EF4-FFF2-40B4-BE49-F238E27FC236}">
+                <a16:creationId xmlns:a16="http://schemas.microsoft.com/office/drawing/2014/main" id="{269C851E-2E9C-D1DA-E5D9-CDB8CD0563F9}"/>
+              </a:ext>
+            </a:extLst>
+          </p:cNvPr>
+          <p:cNvPicPr>
+            <a:picLocks noChangeAspect="1"/>
+          </p:cNvPicPr>
+          <p:nvPr/>
+        </p:nvPicPr>
+        <p:blipFill>
+          <a:blip r:embed="rId2"/>
+          <a:stretch>
+            <a:fillRect/>
+          </a:stretch>
+        </p:blipFill>
+        <p:spPr>
+          <a:xfrm>
+            <a:off x="32491" y="828312"/>
+            <a:ext cx="12127017" cy="5201376"/>
+          </a:xfrm>
+          <a:prstGeom prst="rect">
+            <a:avLst/>
+          </a:prstGeom>
+        </p:spPr>
+      </p:pic>
+      <p:pic>
+        <p:nvPicPr>
+          <p:cNvPr id="4" name="Picture 3">
+            <a:extLst>
+              <a:ext uri="{FF2B5EF4-FFF2-40B4-BE49-F238E27FC236}">
+                <a16:creationId xmlns:a16="http://schemas.microsoft.com/office/drawing/2014/main" id="{0D8D96B5-4D15-194C-914A-E5F954DEC723}"/>
+              </a:ext>
+            </a:extLst>
+          </p:cNvPr>
+          <p:cNvPicPr>
+            <a:picLocks noChangeAspect="1"/>
+          </p:cNvPicPr>
+          <p:nvPr/>
+        </p:nvPicPr>
+        <p:blipFill>
+          <a:blip r:embed="rId3"/>
+          <a:stretch>
+            <a:fillRect/>
+          </a:stretch>
+        </p:blipFill>
+        <p:spPr>
+          <a:xfrm>
+            <a:off x="7463204" y="3268962"/>
+            <a:ext cx="4171653" cy="3225622"/>
+          </a:xfrm>
+          <a:prstGeom prst="rect">
+            <a:avLst/>
+          </a:prstGeom>
+          <a:ln w="38100" cap="sq">
+            <a:solidFill>
+              <a:srgbClr val="000000"/>
+            </a:solidFill>
+            <a:prstDash val="solid"/>
+            <a:miter lim="800000"/>
+          </a:ln>
+          <a:effectLst>
+            <a:outerShdw blurRad="50800" dist="38100" dir="2700000" algn="tl" rotWithShape="0">
+              <a:srgbClr val="000000">
+                <a:alpha val="43000"/>
+              </a:srgbClr>
+            </a:outerShdw>
+          </a:effectLst>
+        </p:spPr>
+      </p:pic>
+    </p:spTree>
+    <p:extLst>
+      <p:ext uri="{BB962C8B-B14F-4D97-AF65-F5344CB8AC3E}">
+        <p14:creationId xmlns:p14="http://schemas.microsoft.com/office/powerpoint/2010/main" val="1713402738"/>
+      </p:ext>
+    </p:extLst>
+  </p:cSld>
+  <p:clrMapOvr>
+    <a:masterClrMapping/>
+  </p:clrMapOvr>
+</p:sld>
+</file>
+
+<file path=ppt/slides/slide57.xml><?xml version="1.0" encoding="utf-8"?>
+<p:sld xmlns:a="http://schemas.openxmlformats.org/drawingml/2006/main" xmlns:r="http://schemas.openxmlformats.org/officeDocument/2006/relationships" xmlns:p="http://schemas.openxmlformats.org/presentationml/2006/main">
+  <p:cSld>
+    <p:spTree>
+      <p:nvGrpSpPr>
+        <p:cNvPr id="1" name=""/>
+        <p:cNvGrpSpPr/>
+        <p:nvPr/>
+      </p:nvGrpSpPr>
+      <p:grpSpPr>
+        <a:xfrm>
+          <a:off x="0" y="0"/>
+          <a:ext cx="0" cy="0"/>
+          <a:chOff x="0" y="0"/>
+          <a:chExt cx="0" cy="0"/>
+        </a:xfrm>
+      </p:grpSpPr>
+      <p:sp>
+        <p:nvSpPr>
+          <p:cNvPr id="2" name="Title 1">
+            <a:extLst>
+              <a:ext uri="{FF2B5EF4-FFF2-40B4-BE49-F238E27FC236}">
+                <a16:creationId xmlns:a16="http://schemas.microsoft.com/office/drawing/2014/main" id="{5EAB84FF-F706-D3E8-C649-1A8A9C4D7F7B}"/>
+              </a:ext>
+            </a:extLst>
+          </p:cNvPr>
+          <p:cNvSpPr>
+            <a:spLocks noGrp="1"/>
+          </p:cNvSpPr>
+          <p:nvPr>
+            <p:ph type="title"/>
+          </p:nvPr>
+        </p:nvSpPr>
+        <p:spPr/>
+        <p:txBody>
+          <a:bodyPr/>
+          <a:lstStyle/>
+          <a:p>
+            <a:r>
+              <a:rPr lang="en-GB" dirty="0"/>
+              <a:t>Practice: Recognizing more types of literals</a:t>
+            </a:r>
+            <a:endParaRPr lang="en-SG" dirty="0"/>
+          </a:p>
+        </p:txBody>
+      </p:sp>
+      <p:sp>
+        <p:nvSpPr>
+          <p:cNvPr id="3" name="Content Placeholder 2">
+            <a:extLst>
+              <a:ext uri="{FF2B5EF4-FFF2-40B4-BE49-F238E27FC236}">
+                <a16:creationId xmlns:a16="http://schemas.microsoft.com/office/drawing/2014/main" id="{A6FA23DB-2026-F938-2B1A-401CADD258D7}"/>
+              </a:ext>
+            </a:extLst>
+          </p:cNvPr>
+          <p:cNvSpPr>
+            <a:spLocks noGrp="1"/>
+          </p:cNvSpPr>
+          <p:nvPr>
+            <p:ph idx="1"/>
+          </p:nvPr>
+        </p:nvSpPr>
+        <p:spPr/>
+        <p:txBody>
+          <a:bodyPr/>
+          <a:lstStyle/>
+          <a:p>
+            <a:pPr marL="0" indent="0">
+              <a:buNone/>
+            </a:pPr>
+            <a:r>
+              <a:rPr lang="en-GB" dirty="0"/>
+              <a:t>Possible </a:t>
+            </a:r>
+            <a:r>
+              <a:rPr lang="en-GB" dirty="0" err="1"/>
+              <a:t>RegEx</a:t>
+            </a:r>
+            <a:r>
+              <a:rPr lang="en-GB" dirty="0"/>
+              <a:t> for unsigned integer literals:</a:t>
+            </a:r>
+          </a:p>
+          <a:p>
+            <a:pPr marL="0" indent="0">
+              <a:buNone/>
+            </a:pPr>
+            <a:endParaRPr lang="en-GB" dirty="0"/>
+          </a:p>
+          <a:p>
+            <a:pPr marL="0" indent="0" algn="ctr">
+              <a:buNone/>
+            </a:pPr>
+            <a:r>
+              <a:rPr lang="en-GB" i="1" dirty="0">
+                <a:solidFill>
+                  <a:srgbClr val="7030A0"/>
+                </a:solidFill>
+              </a:rPr>
+              <a:t>“^(0|[1-9][0-9]*)$”   </a:t>
+            </a:r>
+            <a:r>
+              <a:rPr lang="en-GB" i="1" dirty="0"/>
+              <a:t>or</a:t>
+            </a:r>
+            <a:r>
+              <a:rPr lang="en-GB" i="1" dirty="0">
+                <a:solidFill>
+                  <a:srgbClr val="7030A0"/>
+                </a:solidFill>
+              </a:rPr>
+              <a:t>   “^(0|[1-9]\\d*)$”</a:t>
+            </a:r>
+          </a:p>
+          <a:p>
+            <a:pPr marL="0" indent="0" algn="ctr">
+              <a:buNone/>
+            </a:pPr>
+            <a:endParaRPr lang="en-GB" i="1" dirty="0">
+              <a:solidFill>
+                <a:srgbClr val="7030A0"/>
+              </a:solidFill>
+            </a:endParaRPr>
+          </a:p>
+          <a:p>
+            <a:pPr marL="0" indent="0">
+              <a:buNone/>
+            </a:pPr>
+            <a:r>
+              <a:rPr lang="en-GB" b="1" dirty="0"/>
+              <a:t>What would the </a:t>
+            </a:r>
+            <a:r>
+              <a:rPr lang="en-GB" b="1" dirty="0" err="1"/>
+              <a:t>RegEx</a:t>
+            </a:r>
+            <a:r>
+              <a:rPr lang="en-GB" b="1" dirty="0"/>
+              <a:t> look like if we wanted to recognize a signed float literal then?</a:t>
+            </a:r>
+            <a:endParaRPr lang="en-SG" b="1" dirty="0"/>
+          </a:p>
+        </p:txBody>
+      </p:sp>
+    </p:spTree>
+    <p:extLst>
+      <p:ext uri="{BB962C8B-B14F-4D97-AF65-F5344CB8AC3E}">
+        <p14:creationId xmlns:p14="http://schemas.microsoft.com/office/powerpoint/2010/main" val="228407681"/>
+      </p:ext>
+    </p:extLst>
+  </p:cSld>
+  <p:clrMapOvr>
+    <a:masterClrMapping/>
+  </p:clrMapOvr>
+</p:sld>
+</file>
+
+<file path=ppt/slides/slide58.xml><?xml version="1.0" encoding="utf-8"?>
+<p:sld xmlns:a="http://schemas.openxmlformats.org/drawingml/2006/main" xmlns:r="http://schemas.openxmlformats.org/officeDocument/2006/relationships" xmlns:p="http://schemas.openxmlformats.org/presentationml/2006/main">
+  <p:cSld>
+    <p:spTree>
+      <p:nvGrpSpPr>
+        <p:cNvPr id="1" name=""/>
+        <p:cNvGrpSpPr/>
+        <p:nvPr/>
+      </p:nvGrpSpPr>
+      <p:grpSpPr>
+        <a:xfrm>
+          <a:off x="0" y="0"/>
+          <a:ext cx="0" cy="0"/>
+          <a:chOff x="0" y="0"/>
+          <a:chExt cx="0" cy="0"/>
+        </a:xfrm>
+      </p:grpSpPr>
+      <p:sp>
+        <p:nvSpPr>
+          <p:cNvPr id="2" name="Title 1">
+            <a:extLst>
+              <a:ext uri="{FF2B5EF4-FFF2-40B4-BE49-F238E27FC236}">
+                <a16:creationId xmlns:a16="http://schemas.microsoft.com/office/drawing/2014/main" id="{5EAB84FF-F706-D3E8-C649-1A8A9C4D7F7B}"/>
+              </a:ext>
+            </a:extLst>
+          </p:cNvPr>
+          <p:cNvSpPr>
+            <a:spLocks noGrp="1"/>
+          </p:cNvSpPr>
+          <p:nvPr>
+            <p:ph type="title"/>
+          </p:nvPr>
+        </p:nvSpPr>
+        <p:spPr/>
+        <p:txBody>
+          <a:bodyPr/>
+          <a:lstStyle/>
+          <a:p>
+            <a:r>
+              <a:rPr lang="en-GB" dirty="0"/>
+              <a:t>Practice: Recognizing more types of literals</a:t>
+            </a:r>
+            <a:endParaRPr lang="en-SG" dirty="0"/>
+          </a:p>
+        </p:txBody>
+      </p:sp>
+      <p:sp>
+        <p:nvSpPr>
+          <p:cNvPr id="3" name="Content Placeholder 2">
+            <a:extLst>
+              <a:ext uri="{FF2B5EF4-FFF2-40B4-BE49-F238E27FC236}">
+                <a16:creationId xmlns:a16="http://schemas.microsoft.com/office/drawing/2014/main" id="{A6FA23DB-2026-F938-2B1A-401CADD258D7}"/>
+              </a:ext>
+            </a:extLst>
+          </p:cNvPr>
+          <p:cNvSpPr>
+            <a:spLocks noGrp="1"/>
+          </p:cNvSpPr>
+          <p:nvPr>
+            <p:ph idx="1"/>
+          </p:nvPr>
+        </p:nvSpPr>
+        <p:spPr/>
+        <p:txBody>
+          <a:bodyPr/>
+          <a:lstStyle/>
+          <a:p>
+            <a:pPr marL="0" indent="0">
+              <a:buNone/>
+            </a:pPr>
+            <a:r>
+              <a:rPr lang="en-GB" dirty="0"/>
+              <a:t>Possible </a:t>
+            </a:r>
+            <a:r>
+              <a:rPr lang="en-GB" dirty="0" err="1"/>
+              <a:t>RegEx</a:t>
+            </a:r>
+            <a:r>
+              <a:rPr lang="en-GB" dirty="0"/>
+              <a:t> for unsigned integer literals:</a:t>
+            </a:r>
+          </a:p>
+          <a:p>
+            <a:pPr marL="0" indent="0">
+              <a:buNone/>
+            </a:pPr>
+            <a:endParaRPr lang="en-GB" dirty="0"/>
+          </a:p>
+          <a:p>
+            <a:pPr marL="0" indent="0" algn="ctr">
+              <a:buNone/>
+            </a:pPr>
+            <a:r>
+              <a:rPr lang="en-GB" i="1" dirty="0">
+                <a:solidFill>
+                  <a:srgbClr val="7030A0"/>
+                </a:solidFill>
+              </a:rPr>
+              <a:t>“^(0|[1-9][0-9]*)$”   </a:t>
+            </a:r>
+            <a:r>
+              <a:rPr lang="en-GB" i="1" dirty="0"/>
+              <a:t>or</a:t>
+            </a:r>
+            <a:r>
+              <a:rPr lang="en-GB" i="1" dirty="0">
+                <a:solidFill>
+                  <a:srgbClr val="7030A0"/>
+                </a:solidFill>
+              </a:rPr>
+              <a:t>   “^(0|[1-9]\\d*)$”</a:t>
+            </a:r>
+          </a:p>
+          <a:p>
+            <a:pPr marL="0" indent="0" algn="ctr">
+              <a:buNone/>
+            </a:pPr>
+            <a:endParaRPr lang="en-GB" i="1" dirty="0">
+              <a:solidFill>
+                <a:srgbClr val="7030A0"/>
+              </a:solidFill>
+            </a:endParaRPr>
+          </a:p>
+          <a:p>
+            <a:pPr marL="0" indent="0">
+              <a:buNone/>
+            </a:pPr>
+            <a:r>
+              <a:rPr lang="en-GB" b="1" dirty="0"/>
+              <a:t>What would the </a:t>
+            </a:r>
+            <a:r>
+              <a:rPr lang="en-GB" b="1" dirty="0" err="1"/>
+              <a:t>RegEx</a:t>
+            </a:r>
+            <a:r>
+              <a:rPr lang="en-GB" b="1" dirty="0"/>
+              <a:t> look like if we wanted to recognize a signed float literal then?</a:t>
+            </a:r>
+          </a:p>
+          <a:p>
+            <a:pPr marL="0" indent="0">
+              <a:buNone/>
+            </a:pPr>
+            <a:r>
+              <a:rPr lang="en-GB" dirty="0"/>
+              <a:t>Valid: 0, 0.0, 7, -7, -4.25, +7.32, 147.687000, etc.</a:t>
+            </a:r>
+          </a:p>
+          <a:p>
+            <a:pPr marL="0" indent="0">
+              <a:buNone/>
+            </a:pPr>
+            <a:r>
+              <a:rPr lang="en-GB" dirty="0"/>
+              <a:t>Invalid: 1.2.3, 03.14, 34t.023, 2.4f7, etc.</a:t>
+            </a:r>
+            <a:endParaRPr lang="en-SG" dirty="0"/>
+          </a:p>
+        </p:txBody>
+      </p:sp>
+    </p:spTree>
+    <p:extLst>
+      <p:ext uri="{BB962C8B-B14F-4D97-AF65-F5344CB8AC3E}">
+        <p14:creationId xmlns:p14="http://schemas.microsoft.com/office/powerpoint/2010/main" val="2642798099"/>
+      </p:ext>
+    </p:extLst>
+  </p:cSld>
+  <p:clrMapOvr>
+    <a:masterClrMapping/>
+  </p:clrMapOvr>
+</p:sld>
+</file>
+
+<file path=ppt/slides/slide59.xml><?xml version="1.0" encoding="utf-8"?>
+<p:sld xmlns:a="http://schemas.openxmlformats.org/drawingml/2006/main" xmlns:r="http://schemas.openxmlformats.org/officeDocument/2006/relationships" xmlns:p="http://schemas.openxmlformats.org/presentationml/2006/main">
+  <p:cSld>
+    <p:spTree>
+      <p:nvGrpSpPr>
+        <p:cNvPr id="1" name=""/>
+        <p:cNvGrpSpPr/>
+        <p:nvPr/>
+      </p:nvGrpSpPr>
+      <p:grpSpPr>
+        <a:xfrm>
+          <a:off x="0" y="0"/>
+          <a:ext cx="0" cy="0"/>
+          <a:chOff x="0" y="0"/>
+          <a:chExt cx="0" cy="0"/>
+        </a:xfrm>
+      </p:grpSpPr>
+      <p:sp>
+        <p:nvSpPr>
+          <p:cNvPr id="2" name="Title 1">
+            <a:extLst>
+              <a:ext uri="{FF2B5EF4-FFF2-40B4-BE49-F238E27FC236}">
+                <a16:creationId xmlns:a16="http://schemas.microsoft.com/office/drawing/2014/main" id="{5EAB84FF-F706-D3E8-C649-1A8A9C4D7F7B}"/>
+              </a:ext>
+            </a:extLst>
+          </p:cNvPr>
+          <p:cNvSpPr>
+            <a:spLocks noGrp="1"/>
+          </p:cNvSpPr>
+          <p:nvPr>
+            <p:ph type="title"/>
+          </p:nvPr>
+        </p:nvSpPr>
+        <p:spPr/>
+        <p:txBody>
+          <a:bodyPr/>
+          <a:lstStyle/>
+          <a:p>
+            <a:r>
+              <a:rPr lang="en-GB" dirty="0"/>
+              <a:t>Practice: Recognizing more types of literals</a:t>
+            </a:r>
+            <a:endParaRPr lang="en-SG" dirty="0"/>
+          </a:p>
+        </p:txBody>
+      </p:sp>
+      <p:sp>
+        <p:nvSpPr>
+          <p:cNvPr id="3" name="Content Placeholder 2">
+            <a:extLst>
+              <a:ext uri="{FF2B5EF4-FFF2-40B4-BE49-F238E27FC236}">
+                <a16:creationId xmlns:a16="http://schemas.microsoft.com/office/drawing/2014/main" id="{A6FA23DB-2026-F938-2B1A-401CADD258D7}"/>
+              </a:ext>
+            </a:extLst>
+          </p:cNvPr>
+          <p:cNvSpPr>
+            <a:spLocks noGrp="1"/>
+          </p:cNvSpPr>
+          <p:nvPr>
+            <p:ph idx="1"/>
+          </p:nvPr>
+        </p:nvSpPr>
+        <p:spPr/>
+        <p:txBody>
+          <a:bodyPr/>
+          <a:lstStyle/>
+          <a:p>
+            <a:pPr marL="0" indent="0">
+              <a:buNone/>
+            </a:pPr>
+            <a:r>
+              <a:rPr lang="en-GB" dirty="0"/>
+              <a:t>Possible </a:t>
+            </a:r>
+            <a:r>
+              <a:rPr lang="en-GB" dirty="0" err="1"/>
+              <a:t>RegEx</a:t>
+            </a:r>
+            <a:r>
+              <a:rPr lang="en-GB" dirty="0"/>
+              <a:t> for unsigned integer literals:</a:t>
+            </a:r>
+          </a:p>
+          <a:p>
+            <a:pPr marL="0" indent="0">
+              <a:buNone/>
+            </a:pPr>
+            <a:endParaRPr lang="en-GB" dirty="0"/>
+          </a:p>
+          <a:p>
+            <a:pPr marL="0" indent="0" algn="ctr">
+              <a:buNone/>
+            </a:pPr>
+            <a:r>
+              <a:rPr lang="en-GB" i="1" dirty="0">
+                <a:solidFill>
+                  <a:srgbClr val="7030A0"/>
+                </a:solidFill>
+              </a:rPr>
+              <a:t>“^(0|[1-9][0-9]*)$”   </a:t>
+            </a:r>
+            <a:r>
+              <a:rPr lang="en-GB" i="1" dirty="0"/>
+              <a:t>or</a:t>
+            </a:r>
+            <a:r>
+              <a:rPr lang="en-GB" i="1" dirty="0">
+                <a:solidFill>
+                  <a:srgbClr val="7030A0"/>
+                </a:solidFill>
+              </a:rPr>
+              <a:t>   “^(0|[1-9]\\d*)$”</a:t>
+            </a:r>
+          </a:p>
+          <a:p>
+            <a:pPr marL="0" indent="0" algn="ctr">
+              <a:buNone/>
+            </a:pPr>
+            <a:endParaRPr lang="en-GB" i="1" dirty="0">
+              <a:solidFill>
+                <a:srgbClr val="7030A0"/>
+              </a:solidFill>
+            </a:endParaRPr>
+          </a:p>
+          <a:p>
+            <a:pPr marL="0" indent="0">
+              <a:buNone/>
+            </a:pPr>
+            <a:r>
+              <a:rPr lang="en-GB" b="1" dirty="0"/>
+              <a:t>What would the </a:t>
+            </a:r>
+            <a:r>
+              <a:rPr lang="en-GB" b="1" dirty="0" err="1"/>
+              <a:t>RegEx</a:t>
+            </a:r>
+            <a:r>
+              <a:rPr lang="en-GB" b="1" dirty="0"/>
+              <a:t> look like if we wanted to recognize a signed float literal then?</a:t>
+            </a:r>
+          </a:p>
+          <a:p>
+            <a:pPr marL="0" indent="0">
+              <a:buNone/>
+            </a:pPr>
+            <a:endParaRPr lang="en-GB" b="1" dirty="0"/>
+          </a:p>
+          <a:p>
+            <a:pPr marL="0" indent="0" algn="ctr">
+              <a:buNone/>
+            </a:pPr>
+            <a:r>
+              <a:rPr lang="en-GB" i="1" dirty="0">
+                <a:solidFill>
+                  <a:srgbClr val="7030A0"/>
+                </a:solidFill>
+              </a:rPr>
+              <a:t>“^[-+]?((0|[1-9]\\d*)(\\.\\d*)?)$”</a:t>
+            </a:r>
+            <a:endParaRPr lang="en-SG" dirty="0"/>
+          </a:p>
+        </p:txBody>
+      </p:sp>
+    </p:spTree>
+    <p:extLst>
+      <p:ext uri="{BB962C8B-B14F-4D97-AF65-F5344CB8AC3E}">
+        <p14:creationId xmlns:p14="http://schemas.microsoft.com/office/powerpoint/2010/main" val="783589184"/>
       </p:ext>
     </p:extLst>
   </p:cSld>
@@ -22561,12 +25217,8 @@
           <a:lstStyle/>
           <a:p>
             <a:r>
-              <a:rPr lang="en-GB" b="1" dirty="0" err="1"/>
-              <a:t>Litteral</a:t>
-            </a:r>
-            <a:r>
               <a:rPr lang="en-GB" b="1" dirty="0"/>
-              <a:t>: </a:t>
+              <a:t>Literal: </a:t>
             </a:r>
             <a:r>
               <a:rPr lang="en-GB" dirty="0"/>
@@ -22595,15 +25247,7 @@
             </a:pPr>
             <a:r>
               <a:rPr lang="en-GB" dirty="0"/>
-              <a:t>Examples of </a:t>
-            </a:r>
-            <a:r>
-              <a:rPr lang="en-GB" dirty="0" err="1"/>
-              <a:t>litterals</a:t>
-            </a:r>
-            <a:r>
-              <a:rPr lang="en-GB" dirty="0"/>
-              <a:t> in the C programming language: </a:t>
+              <a:t>Examples of literals in the C programming language: </a:t>
             </a:r>
           </a:p>
           <a:p>
@@ -22636,6 +25280,1317 @@
     <p:extLst>
       <p:ext uri="{BB962C8B-B14F-4D97-AF65-F5344CB8AC3E}">
         <p14:creationId xmlns:p14="http://schemas.microsoft.com/office/powerpoint/2010/main" val="3856210223"/>
+      </p:ext>
+    </p:extLst>
+  </p:cSld>
+  <p:clrMapOvr>
+    <a:masterClrMapping/>
+  </p:clrMapOvr>
+</p:sld>
+</file>
+
+<file path=ppt/slides/slide60.xml><?xml version="1.0" encoding="utf-8"?>
+<p:sld xmlns:a="http://schemas.openxmlformats.org/drawingml/2006/main" xmlns:r="http://schemas.openxmlformats.org/officeDocument/2006/relationships" xmlns:p="http://schemas.openxmlformats.org/presentationml/2006/main">
+  <p:cSld>
+    <p:spTree>
+      <p:nvGrpSpPr>
+        <p:cNvPr id="1" name=""/>
+        <p:cNvGrpSpPr/>
+        <p:nvPr/>
+      </p:nvGrpSpPr>
+      <p:grpSpPr>
+        <a:xfrm>
+          <a:off x="0" y="0"/>
+          <a:ext cx="0" cy="0"/>
+          <a:chOff x="0" y="0"/>
+          <a:chExt cx="0" cy="0"/>
+        </a:xfrm>
+      </p:grpSpPr>
+      <p:sp>
+        <p:nvSpPr>
+          <p:cNvPr id="2" name="Title 1">
+            <a:extLst>
+              <a:ext uri="{FF2B5EF4-FFF2-40B4-BE49-F238E27FC236}">
+                <a16:creationId xmlns:a16="http://schemas.microsoft.com/office/drawing/2014/main" id="{5EAB84FF-F706-D3E8-C649-1A8A9C4D7F7B}"/>
+              </a:ext>
+            </a:extLst>
+          </p:cNvPr>
+          <p:cNvSpPr>
+            <a:spLocks noGrp="1"/>
+          </p:cNvSpPr>
+          <p:nvPr>
+            <p:ph type="title"/>
+          </p:nvPr>
+        </p:nvSpPr>
+        <p:spPr/>
+        <p:txBody>
+          <a:bodyPr/>
+          <a:lstStyle/>
+          <a:p>
+            <a:r>
+              <a:rPr lang="en-GB" dirty="0"/>
+              <a:t>Practice: Recognizing more types of literals</a:t>
+            </a:r>
+            <a:endParaRPr lang="en-SG" dirty="0"/>
+          </a:p>
+        </p:txBody>
+      </p:sp>
+      <p:sp>
+        <p:nvSpPr>
+          <p:cNvPr id="3" name="Content Placeholder 2">
+            <a:extLst>
+              <a:ext uri="{FF2B5EF4-FFF2-40B4-BE49-F238E27FC236}">
+                <a16:creationId xmlns:a16="http://schemas.microsoft.com/office/drawing/2014/main" id="{A6FA23DB-2026-F938-2B1A-401CADD258D7}"/>
+              </a:ext>
+            </a:extLst>
+          </p:cNvPr>
+          <p:cNvSpPr>
+            <a:spLocks noGrp="1"/>
+          </p:cNvSpPr>
+          <p:nvPr>
+            <p:ph idx="1"/>
+          </p:nvPr>
+        </p:nvSpPr>
+        <p:spPr>
+          <a:xfrm>
+            <a:off x="838200" y="1825624"/>
+            <a:ext cx="10515600" cy="5032375"/>
+          </a:xfrm>
+        </p:spPr>
+        <p:txBody>
+          <a:bodyPr>
+            <a:normAutofit/>
+          </a:bodyPr>
+          <a:lstStyle/>
+          <a:p>
+            <a:pPr marL="0" indent="0">
+              <a:buNone/>
+            </a:pPr>
+            <a:r>
+              <a:rPr lang="en-GB" dirty="0"/>
+              <a:t>Possible </a:t>
+            </a:r>
+            <a:r>
+              <a:rPr lang="en-GB" dirty="0" err="1"/>
+              <a:t>RegEx</a:t>
+            </a:r>
+            <a:r>
+              <a:rPr lang="en-GB" dirty="0"/>
+              <a:t> for unsigned integer literals:</a:t>
+            </a:r>
+          </a:p>
+          <a:p>
+            <a:pPr marL="0" indent="0">
+              <a:buNone/>
+            </a:pPr>
+            <a:endParaRPr lang="en-GB" dirty="0"/>
+          </a:p>
+          <a:p>
+            <a:pPr marL="0" indent="0" algn="ctr">
+              <a:buNone/>
+            </a:pPr>
+            <a:r>
+              <a:rPr lang="en-GB" i="1" dirty="0">
+                <a:solidFill>
+                  <a:srgbClr val="7030A0"/>
+                </a:solidFill>
+              </a:rPr>
+              <a:t>“^(0|[1-9][0-9]*)$”   </a:t>
+            </a:r>
+            <a:r>
+              <a:rPr lang="en-GB" i="1" dirty="0"/>
+              <a:t>or</a:t>
+            </a:r>
+            <a:r>
+              <a:rPr lang="en-GB" i="1" dirty="0">
+                <a:solidFill>
+                  <a:srgbClr val="7030A0"/>
+                </a:solidFill>
+              </a:rPr>
+              <a:t>   “^(0|[1-9]\\d*)$”</a:t>
+            </a:r>
+          </a:p>
+          <a:p>
+            <a:pPr marL="0" indent="0" algn="ctr">
+              <a:buNone/>
+            </a:pPr>
+            <a:endParaRPr lang="en-GB" i="1" dirty="0">
+              <a:solidFill>
+                <a:srgbClr val="7030A0"/>
+              </a:solidFill>
+            </a:endParaRPr>
+          </a:p>
+          <a:p>
+            <a:pPr marL="0" indent="0">
+              <a:buNone/>
+            </a:pPr>
+            <a:r>
+              <a:rPr lang="en-GB" b="1" dirty="0"/>
+              <a:t>What would the </a:t>
+            </a:r>
+            <a:r>
+              <a:rPr lang="en-GB" b="1" dirty="0" err="1"/>
+              <a:t>RegEx</a:t>
+            </a:r>
+            <a:r>
+              <a:rPr lang="en-GB" b="1" dirty="0"/>
+              <a:t> look like if we wanted to recognize a signed float literal then?</a:t>
+            </a:r>
+          </a:p>
+          <a:p>
+            <a:pPr marL="514350" indent="-514350">
+              <a:buFont typeface="+mj-lt"/>
+              <a:buAutoNum type="arabicPeriod"/>
+            </a:pPr>
+            <a:r>
+              <a:rPr lang="en-GB" b="1" dirty="0"/>
+              <a:t>But what about exponential notations for signed float literals,</a:t>
+            </a:r>
+            <a:br>
+              <a:rPr lang="en-GB" b="1" dirty="0"/>
+            </a:br>
+            <a:r>
+              <a:rPr lang="en-GB" b="1" dirty="0"/>
+              <a:t>e.g. 1e+5?</a:t>
+            </a:r>
+          </a:p>
+          <a:p>
+            <a:pPr marL="514350" indent="-514350">
+              <a:buFont typeface="+mj-lt"/>
+              <a:buAutoNum type="arabicPeriod"/>
+            </a:pPr>
+            <a:r>
+              <a:rPr lang="en-GB" b="1" dirty="0"/>
+              <a:t>How about recognizing a string literal now?</a:t>
+            </a:r>
+          </a:p>
+          <a:p>
+            <a:pPr marL="0" indent="0">
+              <a:buNone/>
+            </a:pPr>
+            <a:r>
+              <a:rPr lang="en-SG" i="1" dirty="0"/>
+              <a:t>(Answer not provided)</a:t>
+            </a:r>
+          </a:p>
+          <a:p>
+            <a:pPr marL="0" indent="0">
+              <a:buNone/>
+            </a:pPr>
+            <a:endParaRPr lang="en-GB" b="1" dirty="0"/>
+          </a:p>
+          <a:p>
+            <a:pPr marL="0" indent="0">
+              <a:buNone/>
+            </a:pPr>
+            <a:endParaRPr lang="en-GB" b="1" dirty="0"/>
+          </a:p>
+        </p:txBody>
+      </p:sp>
+    </p:spTree>
+    <p:extLst>
+      <p:ext uri="{BB962C8B-B14F-4D97-AF65-F5344CB8AC3E}">
+        <p14:creationId xmlns:p14="http://schemas.microsoft.com/office/powerpoint/2010/main" val="3093658865"/>
+      </p:ext>
+    </p:extLst>
+  </p:cSld>
+  <p:clrMapOvr>
+    <a:masterClrMapping/>
+  </p:clrMapOvr>
+</p:sld>
+</file>
+
+<file path=ppt/slides/slide61.xml><?xml version="1.0" encoding="utf-8"?>
+<p:sld xmlns:a="http://schemas.openxmlformats.org/drawingml/2006/main" xmlns:r="http://schemas.openxmlformats.org/officeDocument/2006/relationships" xmlns:p="http://schemas.openxmlformats.org/presentationml/2006/main">
+  <p:cSld>
+    <p:spTree>
+      <p:nvGrpSpPr>
+        <p:cNvPr id="1" name=""/>
+        <p:cNvGrpSpPr/>
+        <p:nvPr/>
+      </p:nvGrpSpPr>
+      <p:grpSpPr>
+        <a:xfrm>
+          <a:off x="0" y="0"/>
+          <a:ext cx="0" cy="0"/>
+          <a:chOff x="0" y="0"/>
+          <a:chExt cx="0" cy="0"/>
+        </a:xfrm>
+      </p:grpSpPr>
+      <p:sp>
+        <p:nvSpPr>
+          <p:cNvPr id="2" name="Title 1">
+            <a:extLst>
+              <a:ext uri="{FF2B5EF4-FFF2-40B4-BE49-F238E27FC236}">
+                <a16:creationId xmlns:a16="http://schemas.microsoft.com/office/drawing/2014/main" id="{BBE723EF-56B8-4C1C-9BA0-271237D8633E}"/>
+              </a:ext>
+            </a:extLst>
+          </p:cNvPr>
+          <p:cNvSpPr>
+            <a:spLocks noGrp="1"/>
+          </p:cNvSpPr>
+          <p:nvPr>
+            <p:ph type="title"/>
+          </p:nvPr>
+        </p:nvSpPr>
+        <p:spPr/>
+        <p:txBody>
+          <a:bodyPr/>
+          <a:lstStyle/>
+          <a:p>
+            <a:r>
+              <a:rPr lang="en-GB" dirty="0"/>
+              <a:t>Conclusion</a:t>
+            </a:r>
+            <a:endParaRPr lang="en-SG" dirty="0"/>
+          </a:p>
+        </p:txBody>
+      </p:sp>
+      <p:sp>
+        <p:nvSpPr>
+          <p:cNvPr id="3" name="Content Placeholder 2">
+            <a:extLst>
+              <a:ext uri="{FF2B5EF4-FFF2-40B4-BE49-F238E27FC236}">
+                <a16:creationId xmlns:a16="http://schemas.microsoft.com/office/drawing/2014/main" id="{9AB80C83-C934-5699-D703-63ADBD743464}"/>
+              </a:ext>
+            </a:extLst>
+          </p:cNvPr>
+          <p:cNvSpPr>
+            <a:spLocks noGrp="1"/>
+          </p:cNvSpPr>
+          <p:nvPr>
+            <p:ph idx="1"/>
+          </p:nvPr>
+        </p:nvSpPr>
+        <p:spPr/>
+        <p:txBody>
+          <a:bodyPr/>
+          <a:lstStyle/>
+          <a:p>
+            <a:pPr marL="0" indent="0">
+              <a:buNone/>
+            </a:pPr>
+            <a:r>
+              <a:rPr lang="en-GB" dirty="0"/>
+              <a:t>Let us call it a day for now.</a:t>
+            </a:r>
+          </a:p>
+          <a:p>
+            <a:r>
+              <a:rPr lang="en-SG" dirty="0"/>
+              <a:t>Conflict resolution in the case of ambiguous tokens that could be classified as more than one type.</a:t>
+            </a:r>
+          </a:p>
+          <a:p>
+            <a:r>
+              <a:rPr lang="en-SG" dirty="0"/>
+              <a:t>Relaxing the hypothesis that all elements in code are nicely separated with whitespaces or \n symbols.</a:t>
+            </a:r>
+          </a:p>
+          <a:p>
+            <a:r>
+              <a:rPr lang="en-SG" dirty="0"/>
+              <a:t>Error handling in the case of incorrect/unknown lexemes.</a:t>
+            </a:r>
+          </a:p>
+          <a:p>
+            <a:r>
+              <a:rPr lang="en-SG" dirty="0"/>
+              <a:t>Recognizing and dropping comments</a:t>
+            </a:r>
+          </a:p>
+          <a:p>
+            <a:r>
+              <a:rPr lang="en-SG" dirty="0"/>
+              <a:t>And more!</a:t>
+            </a:r>
+          </a:p>
+          <a:p>
+            <a:endParaRPr lang="en-GB" dirty="0"/>
+          </a:p>
+        </p:txBody>
+      </p:sp>
+    </p:spTree>
+    <p:extLst>
+      <p:ext uri="{BB962C8B-B14F-4D97-AF65-F5344CB8AC3E}">
+        <p14:creationId xmlns:p14="http://schemas.microsoft.com/office/powerpoint/2010/main" val="669465544"/>
+      </p:ext>
+    </p:extLst>
+  </p:cSld>
+  <p:clrMapOvr>
+    <a:masterClrMapping/>
+  </p:clrMapOvr>
+</p:sld>
+</file>
+
+<file path=ppt/slides/slide62.xml><?xml version="1.0" encoding="utf-8"?>
+<p:sld xmlns:a="http://schemas.openxmlformats.org/drawingml/2006/main" xmlns:r="http://schemas.openxmlformats.org/officeDocument/2006/relationships" xmlns:p="http://schemas.openxmlformats.org/presentationml/2006/main">
+  <p:cSld>
+    <p:spTree>
+      <p:nvGrpSpPr>
+        <p:cNvPr id="1" name=""/>
+        <p:cNvGrpSpPr/>
+        <p:nvPr/>
+      </p:nvGrpSpPr>
+      <p:grpSpPr>
+        <a:xfrm>
+          <a:off x="0" y="0"/>
+          <a:ext cx="0" cy="0"/>
+          <a:chOff x="0" y="0"/>
+          <a:chExt cx="0" cy="0"/>
+        </a:xfrm>
+      </p:grpSpPr>
+      <p:sp>
+        <p:nvSpPr>
+          <p:cNvPr id="2" name="Title 1">
+            <a:extLst>
+              <a:ext uri="{FF2B5EF4-FFF2-40B4-BE49-F238E27FC236}">
+                <a16:creationId xmlns:a16="http://schemas.microsoft.com/office/drawing/2014/main" id="{85A8A45D-5E7D-ADD7-164B-328A152B3A81}"/>
+              </a:ext>
+            </a:extLst>
+          </p:cNvPr>
+          <p:cNvSpPr>
+            <a:spLocks noGrp="1"/>
+          </p:cNvSpPr>
+          <p:nvPr>
+            <p:ph type="title"/>
+          </p:nvPr>
+        </p:nvSpPr>
+        <p:spPr/>
+        <p:txBody>
+          <a:bodyPr/>
+          <a:lstStyle/>
+          <a:p>
+            <a:r>
+              <a:rPr lang="en-GB" dirty="0"/>
+              <a:t>Quiz time!</a:t>
+            </a:r>
+            <a:endParaRPr lang="en-SG" dirty="0"/>
+          </a:p>
+        </p:txBody>
+      </p:sp>
+      <p:sp>
+        <p:nvSpPr>
+          <p:cNvPr id="3" name="Content Placeholder 2">
+            <a:extLst>
+              <a:ext uri="{FF2B5EF4-FFF2-40B4-BE49-F238E27FC236}">
+                <a16:creationId xmlns:a16="http://schemas.microsoft.com/office/drawing/2014/main" id="{C2E398D8-3B3B-9BBB-F0C4-A93A76CBF126}"/>
+              </a:ext>
+            </a:extLst>
+          </p:cNvPr>
+          <p:cNvSpPr>
+            <a:spLocks noGrp="1"/>
+          </p:cNvSpPr>
+          <p:nvPr>
+            <p:ph idx="1"/>
+          </p:nvPr>
+        </p:nvSpPr>
+        <p:spPr/>
+        <p:txBody>
+          <a:bodyPr/>
+          <a:lstStyle/>
+          <a:p>
+            <a:pPr marL="0" indent="0">
+              <a:buNone/>
+            </a:pPr>
+            <a:r>
+              <a:rPr lang="en-GB" dirty="0"/>
+              <a:t>What is the primary purpose of tokenization in compilers?</a:t>
+            </a:r>
+          </a:p>
+          <a:p>
+            <a:pPr marL="514350" indent="-514350">
+              <a:buFont typeface="+mj-lt"/>
+              <a:buAutoNum type="alphaUcPeriod"/>
+            </a:pPr>
+            <a:r>
+              <a:rPr lang="en-GB" dirty="0"/>
+              <a:t>Parsing source code</a:t>
+            </a:r>
+          </a:p>
+          <a:p>
+            <a:pPr marL="514350" indent="-514350">
+              <a:buFont typeface="+mj-lt"/>
+              <a:buAutoNum type="alphaUcPeriod"/>
+            </a:pPr>
+            <a:r>
+              <a:rPr lang="en-GB" dirty="0"/>
+              <a:t>Converting source code to machine code</a:t>
+            </a:r>
+          </a:p>
+          <a:p>
+            <a:pPr marL="514350" indent="-514350">
+              <a:buFont typeface="+mj-lt"/>
+              <a:buAutoNum type="alphaUcPeriod"/>
+            </a:pPr>
+            <a:r>
+              <a:rPr lang="en-GB" dirty="0"/>
+              <a:t>Breaking source code into meaningful elements</a:t>
+            </a:r>
+          </a:p>
+          <a:p>
+            <a:pPr marL="514350" indent="-514350">
+              <a:buFont typeface="+mj-lt"/>
+              <a:buAutoNum type="alphaUcPeriod"/>
+            </a:pPr>
+            <a:r>
+              <a:rPr lang="en-GB" dirty="0"/>
+              <a:t>Optimizing source code for performance</a:t>
+            </a:r>
+            <a:endParaRPr lang="en-SG" dirty="0"/>
+          </a:p>
+        </p:txBody>
+      </p:sp>
+    </p:spTree>
+    <p:extLst>
+      <p:ext uri="{BB962C8B-B14F-4D97-AF65-F5344CB8AC3E}">
+        <p14:creationId xmlns:p14="http://schemas.microsoft.com/office/powerpoint/2010/main" val="540619278"/>
+      </p:ext>
+    </p:extLst>
+  </p:cSld>
+  <p:clrMapOvr>
+    <a:masterClrMapping/>
+  </p:clrMapOvr>
+</p:sld>
+</file>
+
+<file path=ppt/slides/slide63.xml><?xml version="1.0" encoding="utf-8"?>
+<p:sld xmlns:a="http://schemas.openxmlformats.org/drawingml/2006/main" xmlns:r="http://schemas.openxmlformats.org/officeDocument/2006/relationships" xmlns:p="http://schemas.openxmlformats.org/presentationml/2006/main">
+  <p:cSld>
+    <p:spTree>
+      <p:nvGrpSpPr>
+        <p:cNvPr id="1" name=""/>
+        <p:cNvGrpSpPr/>
+        <p:nvPr/>
+      </p:nvGrpSpPr>
+      <p:grpSpPr>
+        <a:xfrm>
+          <a:off x="0" y="0"/>
+          <a:ext cx="0" cy="0"/>
+          <a:chOff x="0" y="0"/>
+          <a:chExt cx="0" cy="0"/>
+        </a:xfrm>
+      </p:grpSpPr>
+      <p:sp>
+        <p:nvSpPr>
+          <p:cNvPr id="2" name="Title 1">
+            <a:extLst>
+              <a:ext uri="{FF2B5EF4-FFF2-40B4-BE49-F238E27FC236}">
+                <a16:creationId xmlns:a16="http://schemas.microsoft.com/office/drawing/2014/main" id="{85A8A45D-5E7D-ADD7-164B-328A152B3A81}"/>
+              </a:ext>
+            </a:extLst>
+          </p:cNvPr>
+          <p:cNvSpPr>
+            <a:spLocks noGrp="1"/>
+          </p:cNvSpPr>
+          <p:nvPr>
+            <p:ph type="title"/>
+          </p:nvPr>
+        </p:nvSpPr>
+        <p:spPr/>
+        <p:txBody>
+          <a:bodyPr/>
+          <a:lstStyle/>
+          <a:p>
+            <a:r>
+              <a:rPr lang="en-GB" dirty="0"/>
+              <a:t>Quiz time!</a:t>
+            </a:r>
+            <a:endParaRPr lang="en-SG" dirty="0"/>
+          </a:p>
+        </p:txBody>
+      </p:sp>
+      <p:sp>
+        <p:nvSpPr>
+          <p:cNvPr id="3" name="Content Placeholder 2">
+            <a:extLst>
+              <a:ext uri="{FF2B5EF4-FFF2-40B4-BE49-F238E27FC236}">
+                <a16:creationId xmlns:a16="http://schemas.microsoft.com/office/drawing/2014/main" id="{C2E398D8-3B3B-9BBB-F0C4-A93A76CBF126}"/>
+              </a:ext>
+            </a:extLst>
+          </p:cNvPr>
+          <p:cNvSpPr>
+            <a:spLocks noGrp="1"/>
+          </p:cNvSpPr>
+          <p:nvPr>
+            <p:ph idx="1"/>
+          </p:nvPr>
+        </p:nvSpPr>
+        <p:spPr/>
+        <p:txBody>
+          <a:bodyPr/>
+          <a:lstStyle/>
+          <a:p>
+            <a:pPr marL="0" indent="0">
+              <a:buNone/>
+            </a:pPr>
+            <a:r>
+              <a:rPr lang="en-GB" dirty="0"/>
+              <a:t>What is the primary purpose of tokenization in compilers?</a:t>
+            </a:r>
+          </a:p>
+          <a:p>
+            <a:pPr marL="514350" indent="-514350">
+              <a:buFont typeface="+mj-lt"/>
+              <a:buAutoNum type="alphaUcPeriod"/>
+            </a:pPr>
+            <a:r>
+              <a:rPr lang="en-GB" dirty="0"/>
+              <a:t>Parsing source code</a:t>
+            </a:r>
+          </a:p>
+          <a:p>
+            <a:pPr marL="514350" indent="-514350">
+              <a:buFont typeface="+mj-lt"/>
+              <a:buAutoNum type="alphaUcPeriod"/>
+            </a:pPr>
+            <a:r>
+              <a:rPr lang="en-GB" dirty="0"/>
+              <a:t>Converting source code to machine code</a:t>
+            </a:r>
+          </a:p>
+          <a:p>
+            <a:pPr marL="514350" indent="-514350">
+              <a:buFont typeface="+mj-lt"/>
+              <a:buAutoNum type="alphaUcPeriod"/>
+            </a:pPr>
+            <a:r>
+              <a:rPr lang="en-GB" b="1" dirty="0">
+                <a:solidFill>
+                  <a:srgbClr val="00B050"/>
+                </a:solidFill>
+              </a:rPr>
+              <a:t>Breaking source code into meaningful elements</a:t>
+            </a:r>
+          </a:p>
+          <a:p>
+            <a:pPr marL="514350" indent="-514350">
+              <a:buFont typeface="+mj-lt"/>
+              <a:buAutoNum type="alphaUcPeriod"/>
+            </a:pPr>
+            <a:r>
+              <a:rPr lang="en-GB" dirty="0"/>
+              <a:t>Optimizing source code for performance</a:t>
+            </a:r>
+            <a:endParaRPr lang="en-SG" dirty="0"/>
+          </a:p>
+        </p:txBody>
+      </p:sp>
+    </p:spTree>
+    <p:extLst>
+      <p:ext uri="{BB962C8B-B14F-4D97-AF65-F5344CB8AC3E}">
+        <p14:creationId xmlns:p14="http://schemas.microsoft.com/office/powerpoint/2010/main" val="554068379"/>
+      </p:ext>
+    </p:extLst>
+  </p:cSld>
+  <p:clrMapOvr>
+    <a:masterClrMapping/>
+  </p:clrMapOvr>
+</p:sld>
+</file>
+
+<file path=ppt/slides/slide64.xml><?xml version="1.0" encoding="utf-8"?>
+<p:sld xmlns:a="http://schemas.openxmlformats.org/drawingml/2006/main" xmlns:r="http://schemas.openxmlformats.org/officeDocument/2006/relationships" xmlns:p="http://schemas.openxmlformats.org/presentationml/2006/main">
+  <p:cSld>
+    <p:spTree>
+      <p:nvGrpSpPr>
+        <p:cNvPr id="1" name=""/>
+        <p:cNvGrpSpPr/>
+        <p:nvPr/>
+      </p:nvGrpSpPr>
+      <p:grpSpPr>
+        <a:xfrm>
+          <a:off x="0" y="0"/>
+          <a:ext cx="0" cy="0"/>
+          <a:chOff x="0" y="0"/>
+          <a:chExt cx="0" cy="0"/>
+        </a:xfrm>
+      </p:grpSpPr>
+      <p:sp>
+        <p:nvSpPr>
+          <p:cNvPr id="2" name="Title 1">
+            <a:extLst>
+              <a:ext uri="{FF2B5EF4-FFF2-40B4-BE49-F238E27FC236}">
+                <a16:creationId xmlns:a16="http://schemas.microsoft.com/office/drawing/2014/main" id="{85A8A45D-5E7D-ADD7-164B-328A152B3A81}"/>
+              </a:ext>
+            </a:extLst>
+          </p:cNvPr>
+          <p:cNvSpPr>
+            <a:spLocks noGrp="1"/>
+          </p:cNvSpPr>
+          <p:nvPr>
+            <p:ph type="title"/>
+          </p:nvPr>
+        </p:nvSpPr>
+        <p:spPr/>
+        <p:txBody>
+          <a:bodyPr/>
+          <a:lstStyle/>
+          <a:p>
+            <a:r>
+              <a:rPr lang="en-GB" dirty="0"/>
+              <a:t>Quiz time!</a:t>
+            </a:r>
+            <a:endParaRPr lang="en-SG" dirty="0"/>
+          </a:p>
+        </p:txBody>
+      </p:sp>
+      <p:sp>
+        <p:nvSpPr>
+          <p:cNvPr id="3" name="Content Placeholder 2">
+            <a:extLst>
+              <a:ext uri="{FF2B5EF4-FFF2-40B4-BE49-F238E27FC236}">
+                <a16:creationId xmlns:a16="http://schemas.microsoft.com/office/drawing/2014/main" id="{C2E398D8-3B3B-9BBB-F0C4-A93A76CBF126}"/>
+              </a:ext>
+            </a:extLst>
+          </p:cNvPr>
+          <p:cNvSpPr>
+            <a:spLocks noGrp="1"/>
+          </p:cNvSpPr>
+          <p:nvPr>
+            <p:ph idx="1"/>
+          </p:nvPr>
+        </p:nvSpPr>
+        <p:spPr/>
+        <p:txBody>
+          <a:bodyPr/>
+          <a:lstStyle/>
+          <a:p>
+            <a:pPr marL="0" indent="0">
+              <a:buNone/>
+            </a:pPr>
+            <a:r>
+              <a:rPr lang="en-GB" dirty="0"/>
+              <a:t>Which of the following is NOT a typical step in tokenization?</a:t>
+            </a:r>
+          </a:p>
+          <a:p>
+            <a:pPr marL="514350" indent="-514350">
+              <a:buFont typeface="+mj-lt"/>
+              <a:buAutoNum type="alphaUcPeriod"/>
+            </a:pPr>
+            <a:r>
+              <a:rPr lang="en-GB" dirty="0"/>
+              <a:t>Reading source code from a file</a:t>
+            </a:r>
+          </a:p>
+          <a:p>
+            <a:pPr marL="514350" indent="-514350">
+              <a:buFont typeface="+mj-lt"/>
+              <a:buAutoNum type="alphaUcPeriod"/>
+            </a:pPr>
+            <a:r>
+              <a:rPr lang="en-GB" dirty="0"/>
+              <a:t>Identifying token boundaries</a:t>
+            </a:r>
+          </a:p>
+          <a:p>
+            <a:pPr marL="514350" indent="-514350">
+              <a:buFont typeface="+mj-lt"/>
+              <a:buAutoNum type="alphaUcPeriod"/>
+            </a:pPr>
+            <a:r>
+              <a:rPr lang="en-GB" dirty="0"/>
+              <a:t>Classifying tokens by type</a:t>
+            </a:r>
+          </a:p>
+          <a:p>
+            <a:pPr marL="514350" indent="-514350">
+              <a:buFont typeface="+mj-lt"/>
+              <a:buAutoNum type="alphaUcPeriod"/>
+            </a:pPr>
+            <a:r>
+              <a:rPr lang="en-GB" dirty="0"/>
+              <a:t>Checking that each opening parenthesis is matching a closing parenthesis</a:t>
+            </a:r>
+          </a:p>
+        </p:txBody>
+      </p:sp>
+    </p:spTree>
+    <p:extLst>
+      <p:ext uri="{BB962C8B-B14F-4D97-AF65-F5344CB8AC3E}">
+        <p14:creationId xmlns:p14="http://schemas.microsoft.com/office/powerpoint/2010/main" val="3025002803"/>
+      </p:ext>
+    </p:extLst>
+  </p:cSld>
+  <p:clrMapOvr>
+    <a:masterClrMapping/>
+  </p:clrMapOvr>
+</p:sld>
+</file>
+
+<file path=ppt/slides/slide65.xml><?xml version="1.0" encoding="utf-8"?>
+<p:sld xmlns:a="http://schemas.openxmlformats.org/drawingml/2006/main" xmlns:r="http://schemas.openxmlformats.org/officeDocument/2006/relationships" xmlns:p="http://schemas.openxmlformats.org/presentationml/2006/main">
+  <p:cSld>
+    <p:spTree>
+      <p:nvGrpSpPr>
+        <p:cNvPr id="1" name=""/>
+        <p:cNvGrpSpPr/>
+        <p:nvPr/>
+      </p:nvGrpSpPr>
+      <p:grpSpPr>
+        <a:xfrm>
+          <a:off x="0" y="0"/>
+          <a:ext cx="0" cy="0"/>
+          <a:chOff x="0" y="0"/>
+          <a:chExt cx="0" cy="0"/>
+        </a:xfrm>
+      </p:grpSpPr>
+      <p:sp>
+        <p:nvSpPr>
+          <p:cNvPr id="2" name="Title 1">
+            <a:extLst>
+              <a:ext uri="{FF2B5EF4-FFF2-40B4-BE49-F238E27FC236}">
+                <a16:creationId xmlns:a16="http://schemas.microsoft.com/office/drawing/2014/main" id="{85A8A45D-5E7D-ADD7-164B-328A152B3A81}"/>
+              </a:ext>
+            </a:extLst>
+          </p:cNvPr>
+          <p:cNvSpPr>
+            <a:spLocks noGrp="1"/>
+          </p:cNvSpPr>
+          <p:nvPr>
+            <p:ph type="title"/>
+          </p:nvPr>
+        </p:nvSpPr>
+        <p:spPr/>
+        <p:txBody>
+          <a:bodyPr/>
+          <a:lstStyle/>
+          <a:p>
+            <a:r>
+              <a:rPr lang="en-GB" dirty="0"/>
+              <a:t>Quiz time!</a:t>
+            </a:r>
+            <a:endParaRPr lang="en-SG" dirty="0"/>
+          </a:p>
+        </p:txBody>
+      </p:sp>
+      <p:sp>
+        <p:nvSpPr>
+          <p:cNvPr id="3" name="Content Placeholder 2">
+            <a:extLst>
+              <a:ext uri="{FF2B5EF4-FFF2-40B4-BE49-F238E27FC236}">
+                <a16:creationId xmlns:a16="http://schemas.microsoft.com/office/drawing/2014/main" id="{C2E398D8-3B3B-9BBB-F0C4-A93A76CBF126}"/>
+              </a:ext>
+            </a:extLst>
+          </p:cNvPr>
+          <p:cNvSpPr>
+            <a:spLocks noGrp="1"/>
+          </p:cNvSpPr>
+          <p:nvPr>
+            <p:ph idx="1"/>
+          </p:nvPr>
+        </p:nvSpPr>
+        <p:spPr/>
+        <p:txBody>
+          <a:bodyPr/>
+          <a:lstStyle/>
+          <a:p>
+            <a:pPr marL="0" indent="0">
+              <a:buNone/>
+            </a:pPr>
+            <a:r>
+              <a:rPr lang="en-GB" dirty="0"/>
+              <a:t>Which of the following is NOT a typical step in tokenization?</a:t>
+            </a:r>
+          </a:p>
+          <a:p>
+            <a:pPr marL="514350" indent="-514350">
+              <a:buFont typeface="+mj-lt"/>
+              <a:buAutoNum type="alphaUcPeriod"/>
+            </a:pPr>
+            <a:r>
+              <a:rPr lang="en-GB" dirty="0"/>
+              <a:t>Reading source code from a file</a:t>
+            </a:r>
+          </a:p>
+          <a:p>
+            <a:pPr marL="514350" indent="-514350">
+              <a:buFont typeface="+mj-lt"/>
+              <a:buAutoNum type="alphaUcPeriod"/>
+            </a:pPr>
+            <a:r>
+              <a:rPr lang="en-GB" dirty="0"/>
+              <a:t>Identifying token boundaries</a:t>
+            </a:r>
+          </a:p>
+          <a:p>
+            <a:pPr marL="514350" indent="-514350">
+              <a:buFont typeface="+mj-lt"/>
+              <a:buAutoNum type="alphaUcPeriod"/>
+            </a:pPr>
+            <a:r>
+              <a:rPr lang="en-GB" dirty="0"/>
+              <a:t>Classifying tokens by type</a:t>
+            </a:r>
+          </a:p>
+          <a:p>
+            <a:pPr marL="514350" indent="-514350">
+              <a:buFont typeface="+mj-lt"/>
+              <a:buAutoNum type="alphaUcPeriod"/>
+            </a:pPr>
+            <a:r>
+              <a:rPr lang="en-GB" b="1" dirty="0">
+                <a:solidFill>
+                  <a:srgbClr val="00B050"/>
+                </a:solidFill>
+              </a:rPr>
+              <a:t>Checking that each opening parenthesis is matching a closing parenthesis (that would be the job of the SYNTAX analysis/PARSER)</a:t>
+            </a:r>
+            <a:endParaRPr lang="en-SG" b="1" dirty="0">
+              <a:solidFill>
+                <a:srgbClr val="00B050"/>
+              </a:solidFill>
+            </a:endParaRPr>
+          </a:p>
+        </p:txBody>
+      </p:sp>
+    </p:spTree>
+    <p:extLst>
+      <p:ext uri="{BB962C8B-B14F-4D97-AF65-F5344CB8AC3E}">
+        <p14:creationId xmlns:p14="http://schemas.microsoft.com/office/powerpoint/2010/main" val="1745365507"/>
+      </p:ext>
+    </p:extLst>
+  </p:cSld>
+  <p:clrMapOvr>
+    <a:masterClrMapping/>
+  </p:clrMapOvr>
+</p:sld>
+</file>
+
+<file path=ppt/slides/slide66.xml><?xml version="1.0" encoding="utf-8"?>
+<p:sld xmlns:a="http://schemas.openxmlformats.org/drawingml/2006/main" xmlns:r="http://schemas.openxmlformats.org/officeDocument/2006/relationships" xmlns:p="http://schemas.openxmlformats.org/presentationml/2006/main">
+  <p:cSld>
+    <p:spTree>
+      <p:nvGrpSpPr>
+        <p:cNvPr id="1" name=""/>
+        <p:cNvGrpSpPr/>
+        <p:nvPr/>
+      </p:nvGrpSpPr>
+      <p:grpSpPr>
+        <a:xfrm>
+          <a:off x="0" y="0"/>
+          <a:ext cx="0" cy="0"/>
+          <a:chOff x="0" y="0"/>
+          <a:chExt cx="0" cy="0"/>
+        </a:xfrm>
+      </p:grpSpPr>
+      <p:sp>
+        <p:nvSpPr>
+          <p:cNvPr id="2" name="Title 1">
+            <a:extLst>
+              <a:ext uri="{FF2B5EF4-FFF2-40B4-BE49-F238E27FC236}">
+                <a16:creationId xmlns:a16="http://schemas.microsoft.com/office/drawing/2014/main" id="{85A8A45D-5E7D-ADD7-164B-328A152B3A81}"/>
+              </a:ext>
+            </a:extLst>
+          </p:cNvPr>
+          <p:cNvSpPr>
+            <a:spLocks noGrp="1"/>
+          </p:cNvSpPr>
+          <p:nvPr>
+            <p:ph type="title"/>
+          </p:nvPr>
+        </p:nvSpPr>
+        <p:spPr/>
+        <p:txBody>
+          <a:bodyPr/>
+          <a:lstStyle/>
+          <a:p>
+            <a:r>
+              <a:rPr lang="en-GB" dirty="0"/>
+              <a:t>Quiz time!</a:t>
+            </a:r>
+            <a:endParaRPr lang="en-SG" dirty="0"/>
+          </a:p>
+        </p:txBody>
+      </p:sp>
+      <p:sp>
+        <p:nvSpPr>
+          <p:cNvPr id="3" name="Content Placeholder 2">
+            <a:extLst>
+              <a:ext uri="{FF2B5EF4-FFF2-40B4-BE49-F238E27FC236}">
+                <a16:creationId xmlns:a16="http://schemas.microsoft.com/office/drawing/2014/main" id="{C2E398D8-3B3B-9BBB-F0C4-A93A76CBF126}"/>
+              </a:ext>
+            </a:extLst>
+          </p:cNvPr>
+          <p:cNvSpPr>
+            <a:spLocks noGrp="1"/>
+          </p:cNvSpPr>
+          <p:nvPr>
+            <p:ph idx="1"/>
+          </p:nvPr>
+        </p:nvSpPr>
+        <p:spPr/>
+        <p:txBody>
+          <a:bodyPr/>
+          <a:lstStyle/>
+          <a:p>
+            <a:pPr marL="0" indent="0">
+              <a:buNone/>
+            </a:pPr>
+            <a:r>
+              <a:rPr lang="en-GB" dirty="0"/>
+              <a:t>Which of the following is NOT a common token type in programming languages?</a:t>
+            </a:r>
+          </a:p>
+          <a:p>
+            <a:pPr marL="514350" indent="-514350">
+              <a:buFont typeface="+mj-lt"/>
+              <a:buAutoNum type="alphaUcPeriod"/>
+            </a:pPr>
+            <a:r>
+              <a:rPr lang="en-GB" dirty="0"/>
+              <a:t>Keyword</a:t>
+            </a:r>
+          </a:p>
+          <a:p>
+            <a:pPr marL="514350" indent="-514350">
+              <a:buFont typeface="+mj-lt"/>
+              <a:buAutoNum type="alphaUcPeriod"/>
+            </a:pPr>
+            <a:r>
+              <a:rPr lang="en-GB" dirty="0"/>
+              <a:t>Punctuation</a:t>
+            </a:r>
+          </a:p>
+          <a:p>
+            <a:pPr marL="514350" indent="-514350">
+              <a:buFont typeface="+mj-lt"/>
+              <a:buAutoNum type="alphaUcPeriod"/>
+            </a:pPr>
+            <a:r>
+              <a:rPr lang="en-GB" dirty="0"/>
+              <a:t>Operator</a:t>
+            </a:r>
+          </a:p>
+          <a:p>
+            <a:pPr marL="514350" indent="-514350">
+              <a:buFont typeface="+mj-lt"/>
+              <a:buAutoNum type="alphaUcPeriod"/>
+            </a:pPr>
+            <a:r>
+              <a:rPr lang="en-GB" dirty="0"/>
+              <a:t>Comment</a:t>
+            </a:r>
+          </a:p>
+          <a:p>
+            <a:pPr marL="514350" indent="-514350">
+              <a:buFont typeface="+mj-lt"/>
+              <a:buAutoNum type="alphaUcPeriod"/>
+            </a:pPr>
+            <a:r>
+              <a:rPr lang="en-GB" dirty="0"/>
+              <a:t>Whitespace </a:t>
+            </a:r>
+            <a:endParaRPr lang="en-SG" dirty="0"/>
+          </a:p>
+        </p:txBody>
+      </p:sp>
+    </p:spTree>
+    <p:extLst>
+      <p:ext uri="{BB962C8B-B14F-4D97-AF65-F5344CB8AC3E}">
+        <p14:creationId xmlns:p14="http://schemas.microsoft.com/office/powerpoint/2010/main" val="3466207185"/>
+      </p:ext>
+    </p:extLst>
+  </p:cSld>
+  <p:clrMapOvr>
+    <a:masterClrMapping/>
+  </p:clrMapOvr>
+</p:sld>
+</file>
+
+<file path=ppt/slides/slide67.xml><?xml version="1.0" encoding="utf-8"?>
+<p:sld xmlns:a="http://schemas.openxmlformats.org/drawingml/2006/main" xmlns:r="http://schemas.openxmlformats.org/officeDocument/2006/relationships" xmlns:p="http://schemas.openxmlformats.org/presentationml/2006/main">
+  <p:cSld>
+    <p:spTree>
+      <p:nvGrpSpPr>
+        <p:cNvPr id="1" name=""/>
+        <p:cNvGrpSpPr/>
+        <p:nvPr/>
+      </p:nvGrpSpPr>
+      <p:grpSpPr>
+        <a:xfrm>
+          <a:off x="0" y="0"/>
+          <a:ext cx="0" cy="0"/>
+          <a:chOff x="0" y="0"/>
+          <a:chExt cx="0" cy="0"/>
+        </a:xfrm>
+      </p:grpSpPr>
+      <p:sp>
+        <p:nvSpPr>
+          <p:cNvPr id="2" name="Title 1">
+            <a:extLst>
+              <a:ext uri="{FF2B5EF4-FFF2-40B4-BE49-F238E27FC236}">
+                <a16:creationId xmlns:a16="http://schemas.microsoft.com/office/drawing/2014/main" id="{85A8A45D-5E7D-ADD7-164B-328A152B3A81}"/>
+              </a:ext>
+            </a:extLst>
+          </p:cNvPr>
+          <p:cNvSpPr>
+            <a:spLocks noGrp="1"/>
+          </p:cNvSpPr>
+          <p:nvPr>
+            <p:ph type="title"/>
+          </p:nvPr>
+        </p:nvSpPr>
+        <p:spPr/>
+        <p:txBody>
+          <a:bodyPr/>
+          <a:lstStyle/>
+          <a:p>
+            <a:r>
+              <a:rPr lang="en-GB" dirty="0"/>
+              <a:t>Quiz time!</a:t>
+            </a:r>
+            <a:endParaRPr lang="en-SG" dirty="0"/>
+          </a:p>
+        </p:txBody>
+      </p:sp>
+      <p:sp>
+        <p:nvSpPr>
+          <p:cNvPr id="3" name="Content Placeholder 2">
+            <a:extLst>
+              <a:ext uri="{FF2B5EF4-FFF2-40B4-BE49-F238E27FC236}">
+                <a16:creationId xmlns:a16="http://schemas.microsoft.com/office/drawing/2014/main" id="{C2E398D8-3B3B-9BBB-F0C4-A93A76CBF126}"/>
+              </a:ext>
+            </a:extLst>
+          </p:cNvPr>
+          <p:cNvSpPr>
+            <a:spLocks noGrp="1"/>
+          </p:cNvSpPr>
+          <p:nvPr>
+            <p:ph idx="1"/>
+          </p:nvPr>
+        </p:nvSpPr>
+        <p:spPr/>
+        <p:txBody>
+          <a:bodyPr/>
+          <a:lstStyle/>
+          <a:p>
+            <a:pPr marL="0" indent="0">
+              <a:buNone/>
+            </a:pPr>
+            <a:r>
+              <a:rPr lang="en-GB" dirty="0"/>
+              <a:t>Which of the following is NOT a common token type in programming languages?</a:t>
+            </a:r>
+          </a:p>
+          <a:p>
+            <a:pPr marL="514350" indent="-514350">
+              <a:buFont typeface="+mj-lt"/>
+              <a:buAutoNum type="alphaUcPeriod"/>
+            </a:pPr>
+            <a:r>
+              <a:rPr lang="en-GB" dirty="0"/>
+              <a:t>Keyword</a:t>
+            </a:r>
+          </a:p>
+          <a:p>
+            <a:pPr marL="514350" indent="-514350">
+              <a:buFont typeface="+mj-lt"/>
+              <a:buAutoNum type="alphaUcPeriod"/>
+            </a:pPr>
+            <a:r>
+              <a:rPr lang="en-GB" dirty="0"/>
+              <a:t>Punctuation</a:t>
+            </a:r>
+          </a:p>
+          <a:p>
+            <a:pPr marL="514350" indent="-514350">
+              <a:buFont typeface="+mj-lt"/>
+              <a:buAutoNum type="alphaUcPeriod"/>
+            </a:pPr>
+            <a:r>
+              <a:rPr lang="en-GB" dirty="0"/>
+              <a:t>Operator</a:t>
+            </a:r>
+          </a:p>
+          <a:p>
+            <a:pPr marL="514350" indent="-514350">
+              <a:buFont typeface="+mj-lt"/>
+              <a:buAutoNum type="alphaUcPeriod"/>
+            </a:pPr>
+            <a:r>
+              <a:rPr lang="en-GB" b="1" dirty="0">
+                <a:solidFill>
+                  <a:srgbClr val="00B050"/>
+                </a:solidFill>
+              </a:rPr>
+              <a:t>Comment (We will not even bother writing tokens for code that has been commented!)</a:t>
+            </a:r>
+          </a:p>
+          <a:p>
+            <a:pPr marL="514350" indent="-514350">
+              <a:buFont typeface="+mj-lt"/>
+              <a:buAutoNum type="alphaUcPeriod"/>
+            </a:pPr>
+            <a:r>
+              <a:rPr lang="en-GB" b="1" dirty="0">
+                <a:solidFill>
+                  <a:schemeClr val="accent2"/>
+                </a:solidFill>
+              </a:rPr>
+              <a:t>Whitespaces (?)</a:t>
+            </a:r>
+          </a:p>
+        </p:txBody>
+      </p:sp>
+    </p:spTree>
+    <p:extLst>
+      <p:ext uri="{BB962C8B-B14F-4D97-AF65-F5344CB8AC3E}">
+        <p14:creationId xmlns:p14="http://schemas.microsoft.com/office/powerpoint/2010/main" val="236752304"/>
+      </p:ext>
+    </p:extLst>
+  </p:cSld>
+  <p:clrMapOvr>
+    <a:masterClrMapping/>
+  </p:clrMapOvr>
+</p:sld>
+</file>
+
+<file path=ppt/slides/slide68.xml><?xml version="1.0" encoding="utf-8"?>
+<p:sld xmlns:a="http://schemas.openxmlformats.org/drawingml/2006/main" xmlns:r="http://schemas.openxmlformats.org/officeDocument/2006/relationships" xmlns:p="http://schemas.openxmlformats.org/presentationml/2006/main">
+  <p:cSld>
+    <p:spTree>
+      <p:nvGrpSpPr>
+        <p:cNvPr id="1" name=""/>
+        <p:cNvGrpSpPr/>
+        <p:nvPr/>
+      </p:nvGrpSpPr>
+      <p:grpSpPr>
+        <a:xfrm>
+          <a:off x="0" y="0"/>
+          <a:ext cx="0" cy="0"/>
+          <a:chOff x="0" y="0"/>
+          <a:chExt cx="0" cy="0"/>
+        </a:xfrm>
+      </p:grpSpPr>
+      <p:sp>
+        <p:nvSpPr>
+          <p:cNvPr id="2" name="Title 1">
+            <a:extLst>
+              <a:ext uri="{FF2B5EF4-FFF2-40B4-BE49-F238E27FC236}">
+                <a16:creationId xmlns:a16="http://schemas.microsoft.com/office/drawing/2014/main" id="{85A8A45D-5E7D-ADD7-164B-328A152B3A81}"/>
+              </a:ext>
+            </a:extLst>
+          </p:cNvPr>
+          <p:cNvSpPr>
+            <a:spLocks noGrp="1"/>
+          </p:cNvSpPr>
+          <p:nvPr>
+            <p:ph type="title"/>
+          </p:nvPr>
+        </p:nvSpPr>
+        <p:spPr/>
+        <p:txBody>
+          <a:bodyPr/>
+          <a:lstStyle/>
+          <a:p>
+            <a:r>
+              <a:rPr lang="en-GB" dirty="0"/>
+              <a:t>Quiz time!</a:t>
+            </a:r>
+            <a:endParaRPr lang="en-SG" dirty="0"/>
+          </a:p>
+        </p:txBody>
+      </p:sp>
+      <p:sp>
+        <p:nvSpPr>
+          <p:cNvPr id="3" name="Content Placeholder 2">
+            <a:extLst>
+              <a:ext uri="{FF2B5EF4-FFF2-40B4-BE49-F238E27FC236}">
+                <a16:creationId xmlns:a16="http://schemas.microsoft.com/office/drawing/2014/main" id="{C2E398D8-3B3B-9BBB-F0C4-A93A76CBF126}"/>
+              </a:ext>
+            </a:extLst>
+          </p:cNvPr>
+          <p:cNvSpPr>
+            <a:spLocks noGrp="1"/>
+          </p:cNvSpPr>
+          <p:nvPr>
+            <p:ph idx="1"/>
+          </p:nvPr>
+        </p:nvSpPr>
+        <p:spPr/>
+        <p:txBody>
+          <a:bodyPr/>
+          <a:lstStyle/>
+          <a:p>
+            <a:pPr marL="0" indent="0">
+              <a:buNone/>
+            </a:pPr>
+            <a:r>
+              <a:rPr lang="en-GB" dirty="0"/>
+              <a:t>Which of the following is NOT a common token type in programming languages?</a:t>
+            </a:r>
+          </a:p>
+          <a:p>
+            <a:pPr marL="514350" indent="-514350">
+              <a:buFont typeface="+mj-lt"/>
+              <a:buAutoNum type="alphaUcPeriod"/>
+            </a:pPr>
+            <a:r>
+              <a:rPr lang="en-GB" dirty="0"/>
+              <a:t>Keyword</a:t>
+            </a:r>
+          </a:p>
+          <a:p>
+            <a:pPr marL="514350" indent="-514350">
+              <a:buFont typeface="+mj-lt"/>
+              <a:buAutoNum type="alphaUcPeriod"/>
+            </a:pPr>
+            <a:r>
+              <a:rPr lang="en-GB" dirty="0"/>
+              <a:t>Punctuation</a:t>
+            </a:r>
+          </a:p>
+          <a:p>
+            <a:pPr marL="514350" indent="-514350">
+              <a:buFont typeface="+mj-lt"/>
+              <a:buAutoNum type="alphaUcPeriod"/>
+            </a:pPr>
+            <a:r>
+              <a:rPr lang="en-GB" dirty="0"/>
+              <a:t>Operator</a:t>
+            </a:r>
+          </a:p>
+          <a:p>
+            <a:pPr marL="514350" indent="-514350">
+              <a:buFont typeface="+mj-lt"/>
+              <a:buAutoNum type="alphaUcPeriod"/>
+            </a:pPr>
+            <a:r>
+              <a:rPr lang="en-GB" b="1" dirty="0">
+                <a:solidFill>
+                  <a:srgbClr val="00B050"/>
+                </a:solidFill>
+              </a:rPr>
+              <a:t>Comment (We will not even bother writing tokens for code that has been commented!)</a:t>
+            </a:r>
+          </a:p>
+          <a:p>
+            <a:pPr marL="514350" indent="-514350">
+              <a:buFont typeface="+mj-lt"/>
+              <a:buAutoNum type="alphaUcPeriod"/>
+            </a:pPr>
+            <a:r>
+              <a:rPr lang="en-GB" b="1" dirty="0">
+                <a:solidFill>
+                  <a:schemeClr val="accent2"/>
+                </a:solidFill>
+              </a:rPr>
+              <a:t>Whitespace (We usually discard them, unless the language is Python, as they could use for indentation?)</a:t>
+            </a:r>
+            <a:endParaRPr lang="en-SG" b="1" dirty="0">
+              <a:solidFill>
+                <a:schemeClr val="accent2"/>
+              </a:solidFill>
+            </a:endParaRPr>
+          </a:p>
+        </p:txBody>
+      </p:sp>
+    </p:spTree>
+    <p:extLst>
+      <p:ext uri="{BB962C8B-B14F-4D97-AF65-F5344CB8AC3E}">
+        <p14:creationId xmlns:p14="http://schemas.microsoft.com/office/powerpoint/2010/main" val="2071137550"/>
       </p:ext>
     </p:extLst>
   </p:cSld>

--- a/W9/W9S3/W9S3.pptx
+++ b/W9/W9S3/W9S3.pptx
@@ -321,7 +321,7 @@
   <pc:docChgLst>
     <pc:chgData name="Matthieu De Mari" userId="dfb708c9-d8dc-439f-9a3b-c772bf4a311c" providerId="ADAL" clId="{1888DEAD-E307-4CA6-AFF5-49DFF9FCD3C3}"/>
     <pc:docChg chg="undo redo custSel addSld delSld modSld sldOrd addSection delSection modSection">
-      <pc:chgData name="Matthieu De Mari" userId="dfb708c9-d8dc-439f-9a3b-c772bf4a311c" providerId="ADAL" clId="{1888DEAD-E307-4CA6-AFF5-49DFF9FCD3C3}" dt="2023-03-21T06:04:29.772" v="12996" actId="47"/>
+      <pc:chgData name="Matthieu De Mari" userId="dfb708c9-d8dc-439f-9a3b-c772bf4a311c" providerId="ADAL" clId="{1888DEAD-E307-4CA6-AFF5-49DFF9FCD3C3}" dt="2023-03-21T06:10:08.878" v="13041" actId="20577"/>
       <pc:docMkLst>
         <pc:docMk/>
       </pc:docMkLst>
@@ -1908,7 +1908,7 @@
         </pc:sldMkLst>
       </pc:sldChg>
       <pc:sldChg chg="delSp modSp new mod modClrScheme chgLayout">
-        <pc:chgData name="Matthieu De Mari" userId="dfb708c9-d8dc-439f-9a3b-c772bf4a311c" providerId="ADAL" clId="{1888DEAD-E307-4CA6-AFF5-49DFF9FCD3C3}" dt="2023-03-21T05:57:53.768" v="12562" actId="20577"/>
+        <pc:chgData name="Matthieu De Mari" userId="dfb708c9-d8dc-439f-9a3b-c772bf4a311c" providerId="ADAL" clId="{1888DEAD-E307-4CA6-AFF5-49DFF9FCD3C3}" dt="2023-03-21T06:10:08.878" v="13041" actId="20577"/>
         <pc:sldMkLst>
           <pc:docMk/>
           <pc:sldMk cId="669465544" sldId="433"/>
@@ -1922,7 +1922,7 @@
           </ac:spMkLst>
         </pc:spChg>
         <pc:spChg chg="mod ord">
-          <ac:chgData name="Matthieu De Mari" userId="dfb708c9-d8dc-439f-9a3b-c772bf4a311c" providerId="ADAL" clId="{1888DEAD-E307-4CA6-AFF5-49DFF9FCD3C3}" dt="2023-03-21T05:57:53.768" v="12562" actId="20577"/>
+          <ac:chgData name="Matthieu De Mari" userId="dfb708c9-d8dc-439f-9a3b-c772bf4a311c" providerId="ADAL" clId="{1888DEAD-E307-4CA6-AFF5-49DFF9FCD3C3}" dt="2023-03-21T06:10:08.878" v="13041" actId="20577"/>
           <ac:spMkLst>
             <pc:docMk/>
             <pc:sldMk cId="669465544" sldId="433"/>
@@ -25572,8 +25572,13 @@
             </a:pPr>
             <a:r>
               <a:rPr lang="en-GB" dirty="0"/>
-              <a:t>Let us call it a day for now.</a:t>
-            </a:r>
+              <a:t>Let us call it a day for now. On the </a:t>
+            </a:r>
+            <a:r>
+              <a:rPr lang="en-GB"/>
+              <a:t>next lecture,</a:t>
+            </a:r>
+            <a:endParaRPr lang="en-GB" dirty="0"/>
           </a:p>
           <a:p>
             <a:r>

--- a/W9/W9S3/W9S3.pptx
+++ b/W9/W9S3/W9S3.pptx
@@ -5,7 +5,7 @@
     <p:sldMasterId id="2147483648" r:id="rId1"/>
   </p:sldMasterIdLst>
   <p:notesMasterIdLst>
-    <p:notesMasterId r:id="rId70"/>
+    <p:notesMasterId r:id="rId78"/>
   </p:notesMasterIdLst>
   <p:sldIdLst>
     <p:sldId id="377" r:id="rId2"/>
@@ -39,43 +39,51 @@
     <p:sldId id="425" r:id="rId30"/>
     <p:sldId id="426" r:id="rId31"/>
     <p:sldId id="392" r:id="rId32"/>
-    <p:sldId id="427" r:id="rId33"/>
-    <p:sldId id="394" r:id="rId34"/>
-    <p:sldId id="429" r:id="rId35"/>
-    <p:sldId id="395" r:id="rId36"/>
-    <p:sldId id="396" r:id="rId37"/>
-    <p:sldId id="397" r:id="rId38"/>
-    <p:sldId id="428" r:id="rId39"/>
-    <p:sldId id="400" r:id="rId40"/>
-    <p:sldId id="398" r:id="rId41"/>
-    <p:sldId id="399" r:id="rId42"/>
-    <p:sldId id="430" r:id="rId43"/>
-    <p:sldId id="432" r:id="rId44"/>
-    <p:sldId id="431" r:id="rId45"/>
-    <p:sldId id="434" r:id="rId46"/>
-    <p:sldId id="436" r:id="rId47"/>
-    <p:sldId id="437" r:id="rId48"/>
-    <p:sldId id="438" r:id="rId49"/>
-    <p:sldId id="439" r:id="rId50"/>
-    <p:sldId id="440" r:id="rId51"/>
-    <p:sldId id="441" r:id="rId52"/>
-    <p:sldId id="445" r:id="rId53"/>
-    <p:sldId id="446" r:id="rId54"/>
-    <p:sldId id="442" r:id="rId55"/>
-    <p:sldId id="443" r:id="rId56"/>
-    <p:sldId id="444" r:id="rId57"/>
-    <p:sldId id="447" r:id="rId58"/>
-    <p:sldId id="453" r:id="rId59"/>
-    <p:sldId id="449" r:id="rId60"/>
-    <p:sldId id="452" r:id="rId61"/>
-    <p:sldId id="433" r:id="rId62"/>
-    <p:sldId id="386" r:id="rId63"/>
-    <p:sldId id="454" r:id="rId64"/>
-    <p:sldId id="455" r:id="rId65"/>
-    <p:sldId id="459" r:id="rId66"/>
-    <p:sldId id="458" r:id="rId67"/>
-    <p:sldId id="456" r:id="rId68"/>
-    <p:sldId id="460" r:id="rId69"/>
+    <p:sldId id="461" r:id="rId33"/>
+    <p:sldId id="427" r:id="rId34"/>
+    <p:sldId id="394" r:id="rId35"/>
+    <p:sldId id="429" r:id="rId36"/>
+    <p:sldId id="395" r:id="rId37"/>
+    <p:sldId id="396" r:id="rId38"/>
+    <p:sldId id="397" r:id="rId39"/>
+    <p:sldId id="428" r:id="rId40"/>
+    <p:sldId id="400" r:id="rId41"/>
+    <p:sldId id="398" r:id="rId42"/>
+    <p:sldId id="399" r:id="rId43"/>
+    <p:sldId id="430" r:id="rId44"/>
+    <p:sldId id="432" r:id="rId45"/>
+    <p:sldId id="462" r:id="rId46"/>
+    <p:sldId id="431" r:id="rId47"/>
+    <p:sldId id="434" r:id="rId48"/>
+    <p:sldId id="436" r:id="rId49"/>
+    <p:sldId id="437" r:id="rId50"/>
+    <p:sldId id="463" r:id="rId51"/>
+    <p:sldId id="438" r:id="rId52"/>
+    <p:sldId id="439" r:id="rId53"/>
+    <p:sldId id="440" r:id="rId54"/>
+    <p:sldId id="441" r:id="rId55"/>
+    <p:sldId id="445" r:id="rId56"/>
+    <p:sldId id="446" r:id="rId57"/>
+    <p:sldId id="442" r:id="rId58"/>
+    <p:sldId id="443" r:id="rId59"/>
+    <p:sldId id="444" r:id="rId60"/>
+    <p:sldId id="447" r:id="rId61"/>
+    <p:sldId id="453" r:id="rId62"/>
+    <p:sldId id="449" r:id="rId63"/>
+    <p:sldId id="452" r:id="rId64"/>
+    <p:sldId id="464" r:id="rId65"/>
+    <p:sldId id="465" r:id="rId66"/>
+    <p:sldId id="466" r:id="rId67"/>
+    <p:sldId id="468" r:id="rId68"/>
+    <p:sldId id="467" r:id="rId69"/>
+    <p:sldId id="433" r:id="rId70"/>
+    <p:sldId id="386" r:id="rId71"/>
+    <p:sldId id="454" r:id="rId72"/>
+    <p:sldId id="455" r:id="rId73"/>
+    <p:sldId id="459" r:id="rId74"/>
+    <p:sldId id="458" r:id="rId75"/>
+    <p:sldId id="456" r:id="rId76"/>
+    <p:sldId id="460" r:id="rId77"/>
   </p:sldIdLst>
   <p:sldSz cx="12192000" cy="6858000"/>
   <p:notesSz cx="6858000" cy="9144000"/>
@@ -230,6 +238,7 @@
         <p14:section name="Scanning file and recognizing keywords" id="{31005FCB-1C48-4497-925A-D24476D6DF89}">
           <p14:sldIdLst>
             <p14:sldId id="392"/>
+            <p14:sldId id="461"/>
             <p14:sldId id="427"/>
           </p14:sldIdLst>
         </p14:section>
@@ -250,6 +259,7 @@
             <p14:sldId id="399"/>
             <p14:sldId id="430"/>
             <p14:sldId id="432"/>
+            <p14:sldId id="462"/>
             <p14:sldId id="431"/>
           </p14:sldIdLst>
         </p14:section>
@@ -258,6 +268,7 @@
             <p14:sldId id="434"/>
             <p14:sldId id="436"/>
             <p14:sldId id="437"/>
+            <p14:sldId id="463"/>
             <p14:sldId id="438"/>
             <p14:sldId id="439"/>
             <p14:sldId id="440"/>
@@ -275,6 +286,15 @@
             <p14:sldId id="453"/>
             <p14:sldId id="449"/>
             <p14:sldId id="452"/>
+          </p14:sldIdLst>
+        </p14:section>
+        <p14:section name="Error handling" id="{4D37341A-511D-415B-9CB6-7CE17B0DB9FA}">
+          <p14:sldIdLst>
+            <p14:sldId id="464"/>
+            <p14:sldId id="465"/>
+            <p14:sldId id="466"/>
+            <p14:sldId id="468"/>
+            <p14:sldId id="467"/>
           </p14:sldIdLst>
         </p14:section>
         <p14:section name="Conclusion" id="{51468D2E-715C-4CDD-BDEC-A6B0484CF5B8}">
@@ -311,7 +331,7 @@
 <file path=ppt/revisionInfo.xml><?xml version="1.0" encoding="utf-8"?>
 <p1510:revInfo xmlns:a="http://schemas.openxmlformats.org/drawingml/2006/main" xmlns:r="http://schemas.openxmlformats.org/officeDocument/2006/relationships" xmlns:p1510="http://schemas.microsoft.com/office/powerpoint/2015/10/main">
   <p1510:revLst>
-    <p1510:client id="{1888DEAD-E307-4CA6-AFF5-49DFF9FCD3C3}" v="57" dt="2023-03-21T05:51:42.682"/>
+    <p1510:client id="{1888DEAD-E307-4CA6-AFF5-49DFF9FCD3C3}" v="62" dt="2023-03-22T07:25:18.778"/>
   </p1510:revLst>
 </p1510:revInfo>
 </file>
@@ -321,7 +341,7 @@
   <pc:docChgLst>
     <pc:chgData name="Matthieu De Mari" userId="dfb708c9-d8dc-439f-9a3b-c772bf4a311c" providerId="ADAL" clId="{1888DEAD-E307-4CA6-AFF5-49DFF9FCD3C3}"/>
     <pc:docChg chg="undo redo custSel addSld delSld modSld sldOrd addSection delSection modSection">
-      <pc:chgData name="Matthieu De Mari" userId="dfb708c9-d8dc-439f-9a3b-c772bf4a311c" providerId="ADAL" clId="{1888DEAD-E307-4CA6-AFF5-49DFF9FCD3C3}" dt="2023-03-21T06:10:08.878" v="13041" actId="20577"/>
+      <pc:chgData name="Matthieu De Mari" userId="dfb708c9-d8dc-439f-9a3b-c772bf4a311c" providerId="ADAL" clId="{1888DEAD-E307-4CA6-AFF5-49DFF9FCD3C3}" dt="2023-03-22T07:41:07.783" v="16059" actId="20577"/>
       <pc:docMkLst>
         <pc:docMk/>
       </pc:docMkLst>
@@ -539,7 +559,7 @@
         </pc:spChg>
       </pc:sldChg>
       <pc:sldChg chg="addSp delSp modSp new add del mod">
-        <pc:chgData name="Matthieu De Mari" userId="dfb708c9-d8dc-439f-9a3b-c772bf4a311c" providerId="ADAL" clId="{1888DEAD-E307-4CA6-AFF5-49DFF9FCD3C3}" dt="2023-03-20T10:50:34.324" v="3370" actId="113"/>
+        <pc:chgData name="Matthieu De Mari" userId="dfb708c9-d8dc-439f-9a3b-c772bf4a311c" providerId="ADAL" clId="{1888DEAD-E307-4CA6-AFF5-49DFF9FCD3C3}" dt="2023-03-22T05:55:28.850" v="13078" actId="20577"/>
         <pc:sldMkLst>
           <pc:docMk/>
           <pc:sldMk cId="1602756966" sldId="388"/>
@@ -553,7 +573,7 @@
           </ac:spMkLst>
         </pc:spChg>
         <pc:spChg chg="add del mod">
-          <ac:chgData name="Matthieu De Mari" userId="dfb708c9-d8dc-439f-9a3b-c772bf4a311c" providerId="ADAL" clId="{1888DEAD-E307-4CA6-AFF5-49DFF9FCD3C3}" dt="2023-03-20T10:50:34.324" v="3370" actId="113"/>
+          <ac:chgData name="Matthieu De Mari" userId="dfb708c9-d8dc-439f-9a3b-c772bf4a311c" providerId="ADAL" clId="{1888DEAD-E307-4CA6-AFF5-49DFF9FCD3C3}" dt="2023-03-22T05:55:28.850" v="13078" actId="20577"/>
           <ac:spMkLst>
             <pc:docMk/>
             <pc:sldMk cId="1602756966" sldId="388"/>
@@ -617,7 +637,7 @@
         </pc:spChg>
       </pc:sldChg>
       <pc:sldChg chg="addSp delSp modSp new mod">
-        <pc:chgData name="Matthieu De Mari" userId="dfb708c9-d8dc-439f-9a3b-c772bf4a311c" providerId="ADAL" clId="{1888DEAD-E307-4CA6-AFF5-49DFF9FCD3C3}" dt="2023-03-20T11:30:35.918" v="7869" actId="20577"/>
+        <pc:chgData name="Matthieu De Mari" userId="dfb708c9-d8dc-439f-9a3b-c772bf4a311c" providerId="ADAL" clId="{1888DEAD-E307-4CA6-AFF5-49DFF9FCD3C3}" dt="2023-03-22T06:00:16.498" v="13336" actId="20577"/>
         <pc:sldMkLst>
           <pc:docMk/>
           <pc:sldMk cId="664874362" sldId="390"/>
@@ -631,7 +651,7 @@
           </ac:spMkLst>
         </pc:spChg>
         <pc:spChg chg="add del mod">
-          <ac:chgData name="Matthieu De Mari" userId="dfb708c9-d8dc-439f-9a3b-c772bf4a311c" providerId="ADAL" clId="{1888DEAD-E307-4CA6-AFF5-49DFF9FCD3C3}" dt="2023-03-20T11:30:35.918" v="7869" actId="20577"/>
+          <ac:chgData name="Matthieu De Mari" userId="dfb708c9-d8dc-439f-9a3b-c772bf4a311c" providerId="ADAL" clId="{1888DEAD-E307-4CA6-AFF5-49DFF9FCD3C3}" dt="2023-03-22T06:00:16.498" v="13336" actId="20577"/>
           <ac:spMkLst>
             <pc:docMk/>
             <pc:sldMk cId="664874362" sldId="390"/>
@@ -648,7 +668,7 @@
         </pc:spChg>
       </pc:sldChg>
       <pc:sldChg chg="modSp new mod ord">
-        <pc:chgData name="Matthieu De Mari" userId="dfb708c9-d8dc-439f-9a3b-c772bf4a311c" providerId="ADAL" clId="{1888DEAD-E307-4CA6-AFF5-49DFF9FCD3C3}" dt="2023-03-20T11:31:40.045" v="7976" actId="20577"/>
+        <pc:chgData name="Matthieu De Mari" userId="dfb708c9-d8dc-439f-9a3b-c772bf4a311c" providerId="ADAL" clId="{1888DEAD-E307-4CA6-AFF5-49DFF9FCD3C3}" dt="2023-03-22T06:00:38.939" v="13352" actId="313"/>
         <pc:sldMkLst>
           <pc:docMk/>
           <pc:sldMk cId="2030689423" sldId="391"/>
@@ -662,7 +682,7 @@
           </ac:spMkLst>
         </pc:spChg>
         <pc:spChg chg="mod">
-          <ac:chgData name="Matthieu De Mari" userId="dfb708c9-d8dc-439f-9a3b-c772bf4a311c" providerId="ADAL" clId="{1888DEAD-E307-4CA6-AFF5-49DFF9FCD3C3}" dt="2023-03-20T11:31:40.045" v="7976" actId="20577"/>
+          <ac:chgData name="Matthieu De Mari" userId="dfb708c9-d8dc-439f-9a3b-c772bf4a311c" providerId="ADAL" clId="{1888DEAD-E307-4CA6-AFF5-49DFF9FCD3C3}" dt="2023-03-22T06:00:38.939" v="13352" actId="313"/>
           <ac:spMkLst>
             <pc:docMk/>
             <pc:sldMk cId="2030689423" sldId="391"/>
@@ -725,7 +745,7 @@
         </pc:spChg>
       </pc:sldChg>
       <pc:sldChg chg="addSp modSp new mod">
-        <pc:chgData name="Matthieu De Mari" userId="dfb708c9-d8dc-439f-9a3b-c772bf4a311c" providerId="ADAL" clId="{1888DEAD-E307-4CA6-AFF5-49DFF9FCD3C3}" dt="2023-03-20T11:44:12.116" v="8898" actId="1076"/>
+        <pc:chgData name="Matthieu De Mari" userId="dfb708c9-d8dc-439f-9a3b-c772bf4a311c" providerId="ADAL" clId="{1888DEAD-E307-4CA6-AFF5-49DFF9FCD3C3}" dt="2023-03-22T06:02:27.760" v="13391" actId="20577"/>
         <pc:sldMkLst>
           <pc:docMk/>
           <pc:sldMk cId="2284998225" sldId="394"/>
@@ -739,7 +759,7 @@
           </ac:spMkLst>
         </pc:spChg>
         <pc:spChg chg="mod">
-          <ac:chgData name="Matthieu De Mari" userId="dfb708c9-d8dc-439f-9a3b-c772bf4a311c" providerId="ADAL" clId="{1888DEAD-E307-4CA6-AFF5-49DFF9FCD3C3}" dt="2023-03-20T11:43:46.076" v="8892" actId="20577"/>
+          <ac:chgData name="Matthieu De Mari" userId="dfb708c9-d8dc-439f-9a3b-c772bf4a311c" providerId="ADAL" clId="{1888DEAD-E307-4CA6-AFF5-49DFF9FCD3C3}" dt="2023-03-22T06:02:27.760" v="13391" actId="20577"/>
           <ac:spMkLst>
             <pc:docMk/>
             <pc:sldMk cId="2284998225" sldId="394"/>
@@ -795,7 +815,7 @@
         </pc:picChg>
       </pc:sldChg>
       <pc:sldChg chg="modSp new mod">
-        <pc:chgData name="Matthieu De Mari" userId="dfb708c9-d8dc-439f-9a3b-c772bf4a311c" providerId="ADAL" clId="{1888DEAD-E307-4CA6-AFF5-49DFF9FCD3C3}" dt="2023-03-20T11:34:51.404" v="8197" actId="20577"/>
+        <pc:chgData name="Matthieu De Mari" userId="dfb708c9-d8dc-439f-9a3b-c772bf4a311c" providerId="ADAL" clId="{1888DEAD-E307-4CA6-AFF5-49DFF9FCD3C3}" dt="2023-03-22T06:03:25.003" v="13401" actId="20577"/>
         <pc:sldMkLst>
           <pc:docMk/>
           <pc:sldMk cId="1697348003" sldId="396"/>
@@ -809,7 +829,7 @@
           </ac:spMkLst>
         </pc:spChg>
         <pc:spChg chg="mod">
-          <ac:chgData name="Matthieu De Mari" userId="dfb708c9-d8dc-439f-9a3b-c772bf4a311c" providerId="ADAL" clId="{1888DEAD-E307-4CA6-AFF5-49DFF9FCD3C3}" dt="2023-03-20T11:34:51.404" v="8197" actId="20577"/>
+          <ac:chgData name="Matthieu De Mari" userId="dfb708c9-d8dc-439f-9a3b-c772bf4a311c" providerId="ADAL" clId="{1888DEAD-E307-4CA6-AFF5-49DFF9FCD3C3}" dt="2023-03-22T06:03:25.003" v="13401" actId="20577"/>
           <ac:spMkLst>
             <pc:docMk/>
             <pc:sldMk cId="1697348003" sldId="396"/>
@@ -818,13 +838,13 @@
         </pc:spChg>
       </pc:sldChg>
       <pc:sldChg chg="modSp add mod">
-        <pc:chgData name="Matthieu De Mari" userId="dfb708c9-d8dc-439f-9a3b-c772bf4a311c" providerId="ADAL" clId="{1888DEAD-E307-4CA6-AFF5-49DFF9FCD3C3}" dt="2023-03-20T11:39:08.989" v="8632" actId="20577"/>
+        <pc:chgData name="Matthieu De Mari" userId="dfb708c9-d8dc-439f-9a3b-c772bf4a311c" providerId="ADAL" clId="{1888DEAD-E307-4CA6-AFF5-49DFF9FCD3C3}" dt="2023-03-22T06:04:29.431" v="13465" actId="20577"/>
         <pc:sldMkLst>
           <pc:docMk/>
           <pc:sldMk cId="190215950" sldId="397"/>
         </pc:sldMkLst>
         <pc:spChg chg="mod">
-          <ac:chgData name="Matthieu De Mari" userId="dfb708c9-d8dc-439f-9a3b-c772bf4a311c" providerId="ADAL" clId="{1888DEAD-E307-4CA6-AFF5-49DFF9FCD3C3}" dt="2023-03-20T11:39:08.989" v="8632" actId="20577"/>
+          <ac:chgData name="Matthieu De Mari" userId="dfb708c9-d8dc-439f-9a3b-c772bf4a311c" providerId="ADAL" clId="{1888DEAD-E307-4CA6-AFF5-49DFF9FCD3C3}" dt="2023-03-22T06:04:29.431" v="13465" actId="20577"/>
           <ac:spMkLst>
             <pc:docMk/>
             <pc:sldMk cId="190215950" sldId="397"/>
@@ -833,7 +853,7 @@
         </pc:spChg>
       </pc:sldChg>
       <pc:sldChg chg="addSp delSp modSp new mod">
-        <pc:chgData name="Matthieu De Mari" userId="dfb708c9-d8dc-439f-9a3b-c772bf4a311c" providerId="ADAL" clId="{1888DEAD-E307-4CA6-AFF5-49DFF9FCD3C3}" dt="2023-03-20T11:51:03.070" v="9608" actId="20577"/>
+        <pc:chgData name="Matthieu De Mari" userId="dfb708c9-d8dc-439f-9a3b-c772bf4a311c" providerId="ADAL" clId="{1888DEAD-E307-4CA6-AFF5-49DFF9FCD3C3}" dt="2023-03-22T06:05:59.634" v="13521" actId="20577"/>
         <pc:sldMkLst>
           <pc:docMk/>
           <pc:sldMk cId="745490463" sldId="398"/>
@@ -847,7 +867,7 @@
           </ac:spMkLst>
         </pc:spChg>
         <pc:spChg chg="add del mod">
-          <ac:chgData name="Matthieu De Mari" userId="dfb708c9-d8dc-439f-9a3b-c772bf4a311c" providerId="ADAL" clId="{1888DEAD-E307-4CA6-AFF5-49DFF9FCD3C3}" dt="2023-03-20T11:51:03.070" v="9608" actId="20577"/>
+          <ac:chgData name="Matthieu De Mari" userId="dfb708c9-d8dc-439f-9a3b-c772bf4a311c" providerId="ADAL" clId="{1888DEAD-E307-4CA6-AFF5-49DFF9FCD3C3}" dt="2023-03-22T06:05:59.634" v="13521" actId="20577"/>
           <ac:spMkLst>
             <pc:docMk/>
             <pc:sldMk cId="745490463" sldId="398"/>
@@ -864,13 +884,13 @@
         </pc:spChg>
       </pc:sldChg>
       <pc:sldChg chg="addSp delSp modSp new mod">
-        <pc:chgData name="Matthieu De Mari" userId="dfb708c9-d8dc-439f-9a3b-c772bf4a311c" providerId="ADAL" clId="{1888DEAD-E307-4CA6-AFF5-49DFF9FCD3C3}" dt="2023-03-20T11:53:36.273" v="9937" actId="20577"/>
+        <pc:chgData name="Matthieu De Mari" userId="dfb708c9-d8dc-439f-9a3b-c772bf4a311c" providerId="ADAL" clId="{1888DEAD-E307-4CA6-AFF5-49DFF9FCD3C3}" dt="2023-03-22T06:06:24.703" v="13539" actId="20577"/>
         <pc:sldMkLst>
           <pc:docMk/>
           <pc:sldMk cId="1555117061" sldId="399"/>
         </pc:sldMkLst>
         <pc:spChg chg="mod">
-          <ac:chgData name="Matthieu De Mari" userId="dfb708c9-d8dc-439f-9a3b-c772bf4a311c" providerId="ADAL" clId="{1888DEAD-E307-4CA6-AFF5-49DFF9FCD3C3}" dt="2023-03-17T14:43:34.125" v="770" actId="20577"/>
+          <ac:chgData name="Matthieu De Mari" userId="dfb708c9-d8dc-439f-9a3b-c772bf4a311c" providerId="ADAL" clId="{1888DEAD-E307-4CA6-AFF5-49DFF9FCD3C3}" dt="2023-03-22T06:06:24.703" v="13539" actId="20577"/>
           <ac:spMkLst>
             <pc:docMk/>
             <pc:sldMk cId="1555117061" sldId="399"/>
@@ -895,7 +915,7 @@
         </pc:spChg>
       </pc:sldChg>
       <pc:sldChg chg="addSp delSp modSp new mod modClrScheme chgLayout">
-        <pc:chgData name="Matthieu De Mari" userId="dfb708c9-d8dc-439f-9a3b-c772bf4a311c" providerId="ADAL" clId="{1888DEAD-E307-4CA6-AFF5-49DFF9FCD3C3}" dt="2023-03-20T11:47:10.922" v="9250" actId="14100"/>
+        <pc:chgData name="Matthieu De Mari" userId="dfb708c9-d8dc-439f-9a3b-c772bf4a311c" providerId="ADAL" clId="{1888DEAD-E307-4CA6-AFF5-49DFF9FCD3C3}" dt="2023-03-22T06:05:44.558" v="13505" actId="20577"/>
         <pc:sldMkLst>
           <pc:docMk/>
           <pc:sldMk cId="18795257" sldId="400"/>
@@ -909,7 +929,7 @@
           </ac:spMkLst>
         </pc:spChg>
         <pc:spChg chg="mod ord">
-          <ac:chgData name="Matthieu De Mari" userId="dfb708c9-d8dc-439f-9a3b-c772bf4a311c" providerId="ADAL" clId="{1888DEAD-E307-4CA6-AFF5-49DFF9FCD3C3}" dt="2023-03-20T11:47:10.922" v="9250" actId="14100"/>
+          <ac:chgData name="Matthieu De Mari" userId="dfb708c9-d8dc-439f-9a3b-c772bf4a311c" providerId="ADAL" clId="{1888DEAD-E307-4CA6-AFF5-49DFF9FCD3C3}" dt="2023-03-22T06:05:44.558" v="13505" actId="20577"/>
           <ac:spMkLst>
             <pc:docMk/>
             <pc:sldMk cId="18795257" sldId="400"/>
@@ -1324,13 +1344,13 @@
         </pc:picChg>
       </pc:sldChg>
       <pc:sldChg chg="modSp add mod ord">
-        <pc:chgData name="Matthieu De Mari" userId="dfb708c9-d8dc-439f-9a3b-c772bf4a311c" providerId="ADAL" clId="{1888DEAD-E307-4CA6-AFF5-49DFF9FCD3C3}" dt="2023-03-20T11:19:06.612" v="6456" actId="20577"/>
+        <pc:chgData name="Matthieu De Mari" userId="dfb708c9-d8dc-439f-9a3b-c772bf4a311c" providerId="ADAL" clId="{1888DEAD-E307-4CA6-AFF5-49DFF9FCD3C3}" dt="2023-03-22T05:55:58.077" v="13080" actId="20577"/>
         <pc:sldMkLst>
           <pc:docMk/>
           <pc:sldMk cId="1582022426" sldId="416"/>
         </pc:sldMkLst>
         <pc:spChg chg="mod">
-          <ac:chgData name="Matthieu De Mari" userId="dfb708c9-d8dc-439f-9a3b-c772bf4a311c" providerId="ADAL" clId="{1888DEAD-E307-4CA6-AFF5-49DFF9FCD3C3}" dt="2023-03-20T11:19:06.612" v="6456" actId="20577"/>
+          <ac:chgData name="Matthieu De Mari" userId="dfb708c9-d8dc-439f-9a3b-c772bf4a311c" providerId="ADAL" clId="{1888DEAD-E307-4CA6-AFF5-49DFF9FCD3C3}" dt="2023-03-22T05:55:58.077" v="13080" actId="20577"/>
           <ac:spMkLst>
             <pc:docMk/>
             <pc:sldMk cId="1582022426" sldId="416"/>
@@ -1447,7 +1467,7 @@
         </pc:sldMkLst>
       </pc:sldChg>
       <pc:sldChg chg="modSp new mod">
-        <pc:chgData name="Matthieu De Mari" userId="dfb708c9-d8dc-439f-9a3b-c772bf4a311c" providerId="ADAL" clId="{1888DEAD-E307-4CA6-AFF5-49DFF9FCD3C3}" dt="2023-03-20T11:05:38.379" v="4785" actId="20577"/>
+        <pc:chgData name="Matthieu De Mari" userId="dfb708c9-d8dc-439f-9a3b-c772bf4a311c" providerId="ADAL" clId="{1888DEAD-E307-4CA6-AFF5-49DFF9FCD3C3}" dt="2023-03-22T05:57:37.505" v="13118" actId="20577"/>
         <pc:sldMkLst>
           <pc:docMk/>
           <pc:sldMk cId="2455924593" sldId="420"/>
@@ -1461,7 +1481,7 @@
           </ac:spMkLst>
         </pc:spChg>
         <pc:spChg chg="mod">
-          <ac:chgData name="Matthieu De Mari" userId="dfb708c9-d8dc-439f-9a3b-c772bf4a311c" providerId="ADAL" clId="{1888DEAD-E307-4CA6-AFF5-49DFF9FCD3C3}" dt="2023-03-20T11:05:38.379" v="4785" actId="20577"/>
+          <ac:chgData name="Matthieu De Mari" userId="dfb708c9-d8dc-439f-9a3b-c772bf4a311c" providerId="ADAL" clId="{1888DEAD-E307-4CA6-AFF5-49DFF9FCD3C3}" dt="2023-03-22T05:57:37.505" v="13118" actId="20577"/>
           <ac:spMkLst>
             <pc:docMk/>
             <pc:sldMk cId="2455924593" sldId="420"/>
@@ -1532,13 +1552,13 @@
         </pc:spChg>
       </pc:sldChg>
       <pc:sldChg chg="modSp add mod">
-        <pc:chgData name="Matthieu De Mari" userId="dfb708c9-d8dc-439f-9a3b-c772bf4a311c" providerId="ADAL" clId="{1888DEAD-E307-4CA6-AFF5-49DFF9FCD3C3}" dt="2023-03-20T11:11:21.696" v="5781" actId="113"/>
+        <pc:chgData name="Matthieu De Mari" userId="dfb708c9-d8dc-439f-9a3b-c772bf4a311c" providerId="ADAL" clId="{1888DEAD-E307-4CA6-AFF5-49DFF9FCD3C3}" dt="2023-03-22T05:59:05.442" v="13170" actId="27636"/>
         <pc:sldMkLst>
           <pc:docMk/>
           <pc:sldMk cId="2542189070" sldId="423"/>
         </pc:sldMkLst>
         <pc:spChg chg="mod">
-          <ac:chgData name="Matthieu De Mari" userId="dfb708c9-d8dc-439f-9a3b-c772bf4a311c" providerId="ADAL" clId="{1888DEAD-E307-4CA6-AFF5-49DFF9FCD3C3}" dt="2023-03-20T11:11:21.696" v="5781" actId="113"/>
+          <ac:chgData name="Matthieu De Mari" userId="dfb708c9-d8dc-439f-9a3b-c772bf4a311c" providerId="ADAL" clId="{1888DEAD-E307-4CA6-AFF5-49DFF9FCD3C3}" dt="2023-03-22T05:59:05.442" v="13170" actId="27636"/>
           <ac:spMkLst>
             <pc:docMk/>
             <pc:sldMk cId="2542189070" sldId="423"/>
@@ -1721,7 +1741,7 @@
         </pc:spChg>
       </pc:sldChg>
       <pc:sldChg chg="modSp new mod">
-        <pc:chgData name="Matthieu De Mari" userId="dfb708c9-d8dc-439f-9a3b-c772bf4a311c" providerId="ADAL" clId="{1888DEAD-E307-4CA6-AFF5-49DFF9FCD3C3}" dt="2023-03-20T11:41:28.532" v="8847" actId="115"/>
+        <pc:chgData name="Matthieu De Mari" userId="dfb708c9-d8dc-439f-9a3b-c772bf4a311c" providerId="ADAL" clId="{1888DEAD-E307-4CA6-AFF5-49DFF9FCD3C3}" dt="2023-03-22T06:05:18.306" v="13501" actId="113"/>
         <pc:sldMkLst>
           <pc:docMk/>
           <pc:sldMk cId="1434956895" sldId="428"/>
@@ -1735,7 +1755,7 @@
           </ac:spMkLst>
         </pc:spChg>
         <pc:spChg chg="mod">
-          <ac:chgData name="Matthieu De Mari" userId="dfb708c9-d8dc-439f-9a3b-c772bf4a311c" providerId="ADAL" clId="{1888DEAD-E307-4CA6-AFF5-49DFF9FCD3C3}" dt="2023-03-20T11:41:28.532" v="8847" actId="115"/>
+          <ac:chgData name="Matthieu De Mari" userId="dfb708c9-d8dc-439f-9a3b-c772bf4a311c" providerId="ADAL" clId="{1888DEAD-E307-4CA6-AFF5-49DFF9FCD3C3}" dt="2023-03-22T06:05:18.306" v="13501" actId="113"/>
           <ac:spMkLst>
             <pc:docMk/>
             <pc:sldMk cId="1434956895" sldId="428"/>
@@ -1772,15 +1792,23 @@
           <pc:sldMk cId="1549216935" sldId="429"/>
         </pc:sldMkLst>
       </pc:sldChg>
-      <pc:sldChg chg="add">
-        <pc:chgData name="Matthieu De Mari" userId="dfb708c9-d8dc-439f-9a3b-c772bf4a311c" providerId="ADAL" clId="{1888DEAD-E307-4CA6-AFF5-49DFF9FCD3C3}" dt="2023-03-20T11:43:41.160" v="8891" actId="2890"/>
+      <pc:sldChg chg="modSp add mod">
+        <pc:chgData name="Matthieu De Mari" userId="dfb708c9-d8dc-439f-9a3b-c772bf4a311c" providerId="ADAL" clId="{1888DEAD-E307-4CA6-AFF5-49DFF9FCD3C3}" dt="2023-03-22T06:02:44.809" v="13395" actId="20577"/>
         <pc:sldMkLst>
           <pc:docMk/>
           <pc:sldMk cId="2281408142" sldId="429"/>
         </pc:sldMkLst>
+        <pc:spChg chg="mod">
+          <ac:chgData name="Matthieu De Mari" userId="dfb708c9-d8dc-439f-9a3b-c772bf4a311c" providerId="ADAL" clId="{1888DEAD-E307-4CA6-AFF5-49DFF9FCD3C3}" dt="2023-03-22T06:02:44.809" v="13395" actId="20577"/>
+          <ac:spMkLst>
+            <pc:docMk/>
+            <pc:sldMk cId="2281408142" sldId="429"/>
+            <ac:spMk id="3" creationId="{7EC38D36-2E91-8CCE-E067-FFDC9AA2549C}"/>
+          </ac:spMkLst>
+        </pc:spChg>
       </pc:sldChg>
       <pc:sldChg chg="modSp add mod">
-        <pc:chgData name="Matthieu De Mari" userId="dfb708c9-d8dc-439f-9a3b-c772bf4a311c" providerId="ADAL" clId="{1888DEAD-E307-4CA6-AFF5-49DFF9FCD3C3}" dt="2023-03-20T11:53:55.106" v="9951" actId="20577"/>
+        <pc:chgData name="Matthieu De Mari" userId="dfb708c9-d8dc-439f-9a3b-c772bf4a311c" providerId="ADAL" clId="{1888DEAD-E307-4CA6-AFF5-49DFF9FCD3C3}" dt="2023-03-22T06:06:34.355" v="13541" actId="20577"/>
         <pc:sldMkLst>
           <pc:docMk/>
           <pc:sldMk cId="1452149184" sldId="430"/>
@@ -1791,6 +1819,14 @@
             <pc:docMk/>
             <pc:sldMk cId="1452149184" sldId="430"/>
             <ac:spMk id="2" creationId="{6B70F080-5AE6-BE06-1477-59814861F873}"/>
+          </ac:spMkLst>
+        </pc:spChg>
+        <pc:spChg chg="mod">
+          <ac:chgData name="Matthieu De Mari" userId="dfb708c9-d8dc-439f-9a3b-c772bf4a311c" providerId="ADAL" clId="{1888DEAD-E307-4CA6-AFF5-49DFF9FCD3C3}" dt="2023-03-22T06:06:34.355" v="13541" actId="20577"/>
+          <ac:spMkLst>
+            <pc:docMk/>
+            <pc:sldMk cId="1452149184" sldId="430"/>
+            <ac:spMk id="3" creationId="{0AC2E044-D0C1-8668-6F70-6B3FC04F04C8}"/>
           </ac:spMkLst>
         </pc:spChg>
       </pc:sldChg>
@@ -1886,13 +1922,13 @@
         </pc:picChg>
       </pc:sldChg>
       <pc:sldChg chg="modSp add mod">
-        <pc:chgData name="Matthieu De Mari" userId="dfb708c9-d8dc-439f-9a3b-c772bf4a311c" providerId="ADAL" clId="{1888DEAD-E307-4CA6-AFF5-49DFF9FCD3C3}" dt="2023-03-20T11:54:59.208" v="10122" actId="20577"/>
+        <pc:chgData name="Matthieu De Mari" userId="dfb708c9-d8dc-439f-9a3b-c772bf4a311c" providerId="ADAL" clId="{1888DEAD-E307-4CA6-AFF5-49DFF9FCD3C3}" dt="2023-03-22T06:06:39.074" v="13542" actId="113"/>
         <pc:sldMkLst>
           <pc:docMk/>
           <pc:sldMk cId="1303576390" sldId="432"/>
         </pc:sldMkLst>
         <pc:spChg chg="mod">
-          <ac:chgData name="Matthieu De Mari" userId="dfb708c9-d8dc-439f-9a3b-c772bf4a311c" providerId="ADAL" clId="{1888DEAD-E307-4CA6-AFF5-49DFF9FCD3C3}" dt="2023-03-20T11:54:59.208" v="10122" actId="20577"/>
+          <ac:chgData name="Matthieu De Mari" userId="dfb708c9-d8dc-439f-9a3b-c772bf4a311c" providerId="ADAL" clId="{1888DEAD-E307-4CA6-AFF5-49DFF9FCD3C3}" dt="2023-03-22T06:06:39.074" v="13542" actId="113"/>
           <ac:spMkLst>
             <pc:docMk/>
             <pc:sldMk cId="1303576390" sldId="432"/>
@@ -2038,7 +2074,7 @@
         </pc:spChg>
       </pc:sldChg>
       <pc:sldChg chg="addSp delSp modSp add mod modClrScheme chgLayout">
-        <pc:chgData name="Matthieu De Mari" userId="dfb708c9-d8dc-439f-9a3b-c772bf4a311c" providerId="ADAL" clId="{1888DEAD-E307-4CA6-AFF5-49DFF9FCD3C3}" dt="2023-03-21T05:20:45.734" v="11179" actId="20577"/>
+        <pc:chgData name="Matthieu De Mari" userId="dfb708c9-d8dc-439f-9a3b-c772bf4a311c" providerId="ADAL" clId="{1888DEAD-E307-4CA6-AFF5-49DFF9FCD3C3}" dt="2023-03-22T06:08:24.533" v="13690" actId="20577"/>
         <pc:sldMkLst>
           <pc:docMk/>
           <pc:sldMk cId="3776584994" sldId="436"/>
@@ -2060,7 +2096,7 @@
           </ac:spMkLst>
         </pc:spChg>
         <pc:spChg chg="add del mod ord">
-          <ac:chgData name="Matthieu De Mari" userId="dfb708c9-d8dc-439f-9a3b-c772bf4a311c" providerId="ADAL" clId="{1888DEAD-E307-4CA6-AFF5-49DFF9FCD3C3}" dt="2023-03-21T05:20:45.734" v="11179" actId="20577"/>
+          <ac:chgData name="Matthieu De Mari" userId="dfb708c9-d8dc-439f-9a3b-c772bf4a311c" providerId="ADAL" clId="{1888DEAD-E307-4CA6-AFF5-49DFF9FCD3C3}" dt="2023-03-22T06:08:24.533" v="13690" actId="20577"/>
           <ac:spMkLst>
             <pc:docMk/>
             <pc:sldMk cId="3776584994" sldId="436"/>
@@ -2092,13 +2128,13 @@
         </pc:sldMkLst>
       </pc:sldChg>
       <pc:sldChg chg="modSp add mod">
-        <pc:chgData name="Matthieu De Mari" userId="dfb708c9-d8dc-439f-9a3b-c772bf4a311c" providerId="ADAL" clId="{1888DEAD-E307-4CA6-AFF5-49DFF9FCD3C3}" dt="2023-03-21T05:38:21.432" v="11613" actId="20577"/>
+        <pc:chgData name="Matthieu De Mari" userId="dfb708c9-d8dc-439f-9a3b-c772bf4a311c" providerId="ADAL" clId="{1888DEAD-E307-4CA6-AFF5-49DFF9FCD3C3}" dt="2023-03-22T06:08:31.093" v="13691"/>
         <pc:sldMkLst>
           <pc:docMk/>
           <pc:sldMk cId="1885841120" sldId="437"/>
         </pc:sldMkLst>
         <pc:spChg chg="mod">
-          <ac:chgData name="Matthieu De Mari" userId="dfb708c9-d8dc-439f-9a3b-c772bf4a311c" providerId="ADAL" clId="{1888DEAD-E307-4CA6-AFF5-49DFF9FCD3C3}" dt="2023-03-21T05:38:21.432" v="11613" actId="20577"/>
+          <ac:chgData name="Matthieu De Mari" userId="dfb708c9-d8dc-439f-9a3b-c772bf4a311c" providerId="ADAL" clId="{1888DEAD-E307-4CA6-AFF5-49DFF9FCD3C3}" dt="2023-03-22T06:08:31.093" v="13691"/>
           <ac:spMkLst>
             <pc:docMk/>
             <pc:sldMk cId="1885841120" sldId="437"/>
@@ -2598,7 +2634,7 @@
         </pc:sldMkLst>
       </pc:sldChg>
       <pc:sldChg chg="modSp add mod">
-        <pc:chgData name="Matthieu De Mari" userId="dfb708c9-d8dc-439f-9a3b-c772bf4a311c" providerId="ADAL" clId="{1888DEAD-E307-4CA6-AFF5-49DFF9FCD3C3}" dt="2023-03-21T05:53:24.791" v="12212" actId="20577"/>
+        <pc:chgData name="Matthieu De Mari" userId="dfb708c9-d8dc-439f-9a3b-c772bf4a311c" providerId="ADAL" clId="{1888DEAD-E307-4CA6-AFF5-49DFF9FCD3C3}" dt="2023-03-22T06:14:33.473" v="14059" actId="20577"/>
         <pc:sldMkLst>
           <pc:docMk/>
           <pc:sldMk cId="3093658865" sldId="452"/>
@@ -2612,7 +2648,7 @@
           </ac:spMkLst>
         </pc:spChg>
         <pc:spChg chg="mod">
-          <ac:chgData name="Matthieu De Mari" userId="dfb708c9-d8dc-439f-9a3b-c772bf4a311c" providerId="ADAL" clId="{1888DEAD-E307-4CA6-AFF5-49DFF9FCD3C3}" dt="2023-03-21T05:53:24.791" v="12212" actId="20577"/>
+          <ac:chgData name="Matthieu De Mari" userId="dfb708c9-d8dc-439f-9a3b-c772bf4a311c" providerId="ADAL" clId="{1888DEAD-E307-4CA6-AFF5-49DFF9FCD3C3}" dt="2023-03-22T06:14:33.473" v="14059" actId="20577"/>
           <ac:spMkLst>
             <pc:docMk/>
             <pc:sldMk cId="3093658865" sldId="452"/>
@@ -2659,13 +2695,13 @@
         </pc:spChg>
       </pc:sldChg>
       <pc:sldChg chg="modSp add mod">
-        <pc:chgData name="Matthieu De Mari" userId="dfb708c9-d8dc-439f-9a3b-c772bf4a311c" providerId="ADAL" clId="{1888DEAD-E307-4CA6-AFF5-49DFF9FCD3C3}" dt="2023-03-21T06:00:14.569" v="12700"/>
+        <pc:chgData name="Matthieu De Mari" userId="dfb708c9-d8dc-439f-9a3b-c772bf4a311c" providerId="ADAL" clId="{1888DEAD-E307-4CA6-AFF5-49DFF9FCD3C3}" dt="2023-03-22T06:15:23.176" v="14087" actId="20577"/>
         <pc:sldMkLst>
           <pc:docMk/>
           <pc:sldMk cId="3025002803" sldId="455"/>
         </pc:sldMkLst>
         <pc:spChg chg="mod">
-          <ac:chgData name="Matthieu De Mari" userId="dfb708c9-d8dc-439f-9a3b-c772bf4a311c" providerId="ADAL" clId="{1888DEAD-E307-4CA6-AFF5-49DFF9FCD3C3}" dt="2023-03-21T06:00:14.569" v="12700"/>
+          <ac:chgData name="Matthieu De Mari" userId="dfb708c9-d8dc-439f-9a3b-c772bf4a311c" providerId="ADAL" clId="{1888DEAD-E307-4CA6-AFF5-49DFF9FCD3C3}" dt="2023-03-22T06:15:23.176" v="14087" actId="20577"/>
           <ac:spMkLst>
             <pc:docMk/>
             <pc:sldMk cId="3025002803" sldId="455"/>
@@ -2711,13 +2747,13 @@
         </pc:spChg>
       </pc:sldChg>
       <pc:sldChg chg="modSp add mod">
-        <pc:chgData name="Matthieu De Mari" userId="dfb708c9-d8dc-439f-9a3b-c772bf4a311c" providerId="ADAL" clId="{1888DEAD-E307-4CA6-AFF5-49DFF9FCD3C3}" dt="2023-03-21T06:00:41.134" v="12756" actId="20577"/>
+        <pc:chgData name="Matthieu De Mari" userId="dfb708c9-d8dc-439f-9a3b-c772bf4a311c" providerId="ADAL" clId="{1888DEAD-E307-4CA6-AFF5-49DFF9FCD3C3}" dt="2023-03-22T06:15:31.495" v="14088"/>
         <pc:sldMkLst>
           <pc:docMk/>
           <pc:sldMk cId="1745365507" sldId="459"/>
         </pc:sldMkLst>
         <pc:spChg chg="mod">
-          <ac:chgData name="Matthieu De Mari" userId="dfb708c9-d8dc-439f-9a3b-c772bf4a311c" providerId="ADAL" clId="{1888DEAD-E307-4CA6-AFF5-49DFF9FCD3C3}" dt="2023-03-21T06:00:41.134" v="12756" actId="20577"/>
+          <ac:chgData name="Matthieu De Mari" userId="dfb708c9-d8dc-439f-9a3b-c772bf4a311c" providerId="ADAL" clId="{1888DEAD-E307-4CA6-AFF5-49DFF9FCD3C3}" dt="2023-03-22T06:15:31.495" v="14088"/>
           <ac:spMkLst>
             <pc:docMk/>
             <pc:sldMk cId="1745365507" sldId="459"/>
@@ -2737,6 +2773,190 @@
             <pc:docMk/>
             <pc:sldMk cId="2071137550" sldId="460"/>
             <ac:spMk id="3" creationId="{C2E398D8-3B3B-9BBB-F0C4-A93A76CBF126}"/>
+          </ac:spMkLst>
+        </pc:spChg>
+      </pc:sldChg>
+      <pc:sldChg chg="addSp modSp add mod">
+        <pc:chgData name="Matthieu De Mari" userId="dfb708c9-d8dc-439f-9a3b-c772bf4a311c" providerId="ADAL" clId="{1888DEAD-E307-4CA6-AFF5-49DFF9FCD3C3}" dt="2023-03-22T06:01:57.661" v="13387" actId="20577"/>
+        <pc:sldMkLst>
+          <pc:docMk/>
+          <pc:sldMk cId="135331089" sldId="461"/>
+        </pc:sldMkLst>
+        <pc:spChg chg="mod">
+          <ac:chgData name="Matthieu De Mari" userId="dfb708c9-d8dc-439f-9a3b-c772bf4a311c" providerId="ADAL" clId="{1888DEAD-E307-4CA6-AFF5-49DFF9FCD3C3}" dt="2023-03-22T06:01:31.734" v="13354" actId="207"/>
+          <ac:spMkLst>
+            <pc:docMk/>
+            <pc:sldMk cId="135331089" sldId="461"/>
+            <ac:spMk id="3" creationId="{04F9D663-7009-B4BD-3AC7-CAF87C7E3B7B}"/>
+          </ac:spMkLst>
+        </pc:spChg>
+        <pc:spChg chg="mod">
+          <ac:chgData name="Matthieu De Mari" userId="dfb708c9-d8dc-439f-9a3b-c772bf4a311c" providerId="ADAL" clId="{1888DEAD-E307-4CA6-AFF5-49DFF9FCD3C3}" dt="2023-03-22T06:01:33.390" v="13355" actId="207"/>
+          <ac:spMkLst>
+            <pc:docMk/>
+            <pc:sldMk cId="135331089" sldId="461"/>
+            <ac:spMk id="4" creationId="{E5A1B063-5AD8-584F-5C74-AAA9BCF9B5F8}"/>
+          </ac:spMkLst>
+        </pc:spChg>
+        <pc:spChg chg="add mod">
+          <ac:chgData name="Matthieu De Mari" userId="dfb708c9-d8dc-439f-9a3b-c772bf4a311c" providerId="ADAL" clId="{1888DEAD-E307-4CA6-AFF5-49DFF9FCD3C3}" dt="2023-03-22T06:01:57.661" v="13387" actId="20577"/>
+          <ac:spMkLst>
+            <pc:docMk/>
+            <pc:sldMk cId="135331089" sldId="461"/>
+            <ac:spMk id="5" creationId="{BE561AD2-72C3-30AA-09F8-ACB5F5BDAF0F}"/>
+          </ac:spMkLst>
+        </pc:spChg>
+      </pc:sldChg>
+      <pc:sldChg chg="modSp add mod">
+        <pc:chgData name="Matthieu De Mari" userId="dfb708c9-d8dc-439f-9a3b-c772bf4a311c" providerId="ADAL" clId="{1888DEAD-E307-4CA6-AFF5-49DFF9FCD3C3}" dt="2023-03-22T06:07:29.127" v="13664" actId="113"/>
+        <pc:sldMkLst>
+          <pc:docMk/>
+          <pc:sldMk cId="3077962413" sldId="462"/>
+        </pc:sldMkLst>
+        <pc:spChg chg="mod">
+          <ac:chgData name="Matthieu De Mari" userId="dfb708c9-d8dc-439f-9a3b-c772bf4a311c" providerId="ADAL" clId="{1888DEAD-E307-4CA6-AFF5-49DFF9FCD3C3}" dt="2023-03-22T06:07:29.127" v="13664" actId="113"/>
+          <ac:spMkLst>
+            <pc:docMk/>
+            <pc:sldMk cId="3077962413" sldId="462"/>
+            <ac:spMk id="3" creationId="{0AC2E044-D0C1-8668-6F70-6B3FC04F04C8}"/>
+          </ac:spMkLst>
+        </pc:spChg>
+      </pc:sldChg>
+      <pc:sldChg chg="modSp new mod">
+        <pc:chgData name="Matthieu De Mari" userId="dfb708c9-d8dc-439f-9a3b-c772bf4a311c" providerId="ADAL" clId="{1888DEAD-E307-4CA6-AFF5-49DFF9FCD3C3}" dt="2023-03-22T06:13:29.088" v="14008" actId="20577"/>
+        <pc:sldMkLst>
+          <pc:docMk/>
+          <pc:sldMk cId="1511950663" sldId="463"/>
+        </pc:sldMkLst>
+        <pc:spChg chg="mod">
+          <ac:chgData name="Matthieu De Mari" userId="dfb708c9-d8dc-439f-9a3b-c772bf4a311c" providerId="ADAL" clId="{1888DEAD-E307-4CA6-AFF5-49DFF9FCD3C3}" dt="2023-03-22T06:09:22.409" v="13728" actId="20577"/>
+          <ac:spMkLst>
+            <pc:docMk/>
+            <pc:sldMk cId="1511950663" sldId="463"/>
+            <ac:spMk id="2" creationId="{366998ED-F054-256F-84E0-82494D80A244}"/>
+          </ac:spMkLst>
+        </pc:spChg>
+        <pc:spChg chg="mod">
+          <ac:chgData name="Matthieu De Mari" userId="dfb708c9-d8dc-439f-9a3b-c772bf4a311c" providerId="ADAL" clId="{1888DEAD-E307-4CA6-AFF5-49DFF9FCD3C3}" dt="2023-03-22T06:13:29.088" v="14008" actId="20577"/>
+          <ac:spMkLst>
+            <pc:docMk/>
+            <pc:sldMk cId="1511950663" sldId="463"/>
+            <ac:spMk id="3" creationId="{53BD06E2-E197-E5AA-FA7E-A6F1067D2D9D}"/>
+          </ac:spMkLst>
+        </pc:spChg>
+      </pc:sldChg>
+      <pc:sldChg chg="addSp delSp modSp new mod modClrScheme chgLayout">
+        <pc:chgData name="Matthieu De Mari" userId="dfb708c9-d8dc-439f-9a3b-c772bf4a311c" providerId="ADAL" clId="{1888DEAD-E307-4CA6-AFF5-49DFF9FCD3C3}" dt="2023-03-22T07:12:24.519" v="14688" actId="1076"/>
+        <pc:sldMkLst>
+          <pc:docMk/>
+          <pc:sldMk cId="2188048985" sldId="464"/>
+        </pc:sldMkLst>
+        <pc:spChg chg="mod ord">
+          <ac:chgData name="Matthieu De Mari" userId="dfb708c9-d8dc-439f-9a3b-c772bf4a311c" providerId="ADAL" clId="{1888DEAD-E307-4CA6-AFF5-49DFF9FCD3C3}" dt="2023-03-22T07:08:49.629" v="14124" actId="700"/>
+          <ac:spMkLst>
+            <pc:docMk/>
+            <pc:sldMk cId="2188048985" sldId="464"/>
+            <ac:spMk id="2" creationId="{2B8F0B81-D387-C7BF-C5F1-15AF244B0B3E}"/>
+          </ac:spMkLst>
+        </pc:spChg>
+        <pc:spChg chg="del mod ord">
+          <ac:chgData name="Matthieu De Mari" userId="dfb708c9-d8dc-439f-9a3b-c772bf4a311c" providerId="ADAL" clId="{1888DEAD-E307-4CA6-AFF5-49DFF9FCD3C3}" dt="2023-03-22T07:08:49.629" v="14124" actId="700"/>
+          <ac:spMkLst>
+            <pc:docMk/>
+            <pc:sldMk cId="2188048985" sldId="464"/>
+            <ac:spMk id="3" creationId="{74F2EA7A-822B-E4DB-0D34-9E6BE643FC0C}"/>
+          </ac:spMkLst>
+        </pc:spChg>
+        <pc:spChg chg="add mod ord">
+          <ac:chgData name="Matthieu De Mari" userId="dfb708c9-d8dc-439f-9a3b-c772bf4a311c" providerId="ADAL" clId="{1888DEAD-E307-4CA6-AFF5-49DFF9FCD3C3}" dt="2023-03-22T07:10:00.143" v="14455" actId="20577"/>
+          <ac:spMkLst>
+            <pc:docMk/>
+            <pc:sldMk cId="2188048985" sldId="464"/>
+            <ac:spMk id="4" creationId="{5D0D450B-C201-FDB7-239F-6DE0626BCB23}"/>
+          </ac:spMkLst>
+        </pc:spChg>
+        <pc:spChg chg="add del mod ord">
+          <ac:chgData name="Matthieu De Mari" userId="dfb708c9-d8dc-439f-9a3b-c772bf4a311c" providerId="ADAL" clId="{1888DEAD-E307-4CA6-AFF5-49DFF9FCD3C3}" dt="2023-03-22T07:12:18.743" v="14687" actId="478"/>
+          <ac:spMkLst>
+            <pc:docMk/>
+            <pc:sldMk cId="2188048985" sldId="464"/>
+            <ac:spMk id="5" creationId="{6DD80FC9-A3A8-5F74-924C-AFD511DFBCAE}"/>
+          </ac:spMkLst>
+        </pc:spChg>
+        <pc:picChg chg="add mod">
+          <ac:chgData name="Matthieu De Mari" userId="dfb708c9-d8dc-439f-9a3b-c772bf4a311c" providerId="ADAL" clId="{1888DEAD-E307-4CA6-AFF5-49DFF9FCD3C3}" dt="2023-03-22T07:12:24.519" v="14688" actId="1076"/>
+          <ac:picMkLst>
+            <pc:docMk/>
+            <pc:sldMk cId="2188048985" sldId="464"/>
+            <ac:picMk id="7" creationId="{17B16A38-9679-B6EE-93D4-F75C06DC8567}"/>
+          </ac:picMkLst>
+        </pc:picChg>
+      </pc:sldChg>
+      <pc:sldChg chg="modSp add mod">
+        <pc:chgData name="Matthieu De Mari" userId="dfb708c9-d8dc-439f-9a3b-c772bf4a311c" providerId="ADAL" clId="{1888DEAD-E307-4CA6-AFF5-49DFF9FCD3C3}" dt="2023-03-22T07:16:40.085" v="15375" actId="20577"/>
+        <pc:sldMkLst>
+          <pc:docMk/>
+          <pc:sldMk cId="4137033095" sldId="465"/>
+        </pc:sldMkLst>
+        <pc:spChg chg="mod">
+          <ac:chgData name="Matthieu De Mari" userId="dfb708c9-d8dc-439f-9a3b-c772bf4a311c" providerId="ADAL" clId="{1888DEAD-E307-4CA6-AFF5-49DFF9FCD3C3}" dt="2023-03-22T07:13:47.578" v="14897" actId="20577"/>
+          <ac:spMkLst>
+            <pc:docMk/>
+            <pc:sldMk cId="4137033095" sldId="465"/>
+            <ac:spMk id="2" creationId="{2B8F0B81-D387-C7BF-C5F1-15AF244B0B3E}"/>
+          </ac:spMkLst>
+        </pc:spChg>
+        <pc:spChg chg="mod">
+          <ac:chgData name="Matthieu De Mari" userId="dfb708c9-d8dc-439f-9a3b-c772bf4a311c" providerId="ADAL" clId="{1888DEAD-E307-4CA6-AFF5-49DFF9FCD3C3}" dt="2023-03-22T07:16:40.085" v="15375" actId="20577"/>
+          <ac:spMkLst>
+            <pc:docMk/>
+            <pc:sldMk cId="4137033095" sldId="465"/>
+            <ac:spMk id="4" creationId="{5D0D450B-C201-FDB7-239F-6DE0626BCB23}"/>
+          </ac:spMkLst>
+        </pc:spChg>
+      </pc:sldChg>
+      <pc:sldChg chg="modSp add mod">
+        <pc:chgData name="Matthieu De Mari" userId="dfb708c9-d8dc-439f-9a3b-c772bf4a311c" providerId="ADAL" clId="{1888DEAD-E307-4CA6-AFF5-49DFF9FCD3C3}" dt="2023-03-22T07:17:20.879" v="15416" actId="20577"/>
+        <pc:sldMkLst>
+          <pc:docMk/>
+          <pc:sldMk cId="1884289737" sldId="466"/>
+        </pc:sldMkLst>
+        <pc:spChg chg="mod">
+          <ac:chgData name="Matthieu De Mari" userId="dfb708c9-d8dc-439f-9a3b-c772bf4a311c" providerId="ADAL" clId="{1888DEAD-E307-4CA6-AFF5-49DFF9FCD3C3}" dt="2023-03-22T07:17:20.879" v="15416" actId="20577"/>
+          <ac:spMkLst>
+            <pc:docMk/>
+            <pc:sldMk cId="1884289737" sldId="466"/>
+            <ac:spMk id="4" creationId="{5D0D450B-C201-FDB7-239F-6DE0626BCB23}"/>
+          </ac:spMkLst>
+        </pc:spChg>
+      </pc:sldChg>
+      <pc:sldChg chg="modSp add mod">
+        <pc:chgData name="Matthieu De Mari" userId="dfb708c9-d8dc-439f-9a3b-c772bf4a311c" providerId="ADAL" clId="{1888DEAD-E307-4CA6-AFF5-49DFF9FCD3C3}" dt="2023-03-22T07:41:07.783" v="16059" actId="20577"/>
+        <pc:sldMkLst>
+          <pc:docMk/>
+          <pc:sldMk cId="2409485988" sldId="467"/>
+        </pc:sldMkLst>
+        <pc:spChg chg="mod">
+          <ac:chgData name="Matthieu De Mari" userId="dfb708c9-d8dc-439f-9a3b-c772bf4a311c" providerId="ADAL" clId="{1888DEAD-E307-4CA6-AFF5-49DFF9FCD3C3}" dt="2023-03-22T07:41:07.783" v="16059" actId="20577"/>
+          <ac:spMkLst>
+            <pc:docMk/>
+            <pc:sldMk cId="2409485988" sldId="467"/>
+            <ac:spMk id="4" creationId="{5D0D450B-C201-FDB7-239F-6DE0626BCB23}"/>
+          </ac:spMkLst>
+        </pc:spChg>
+      </pc:sldChg>
+      <pc:sldChg chg="modSp add mod">
+        <pc:chgData name="Matthieu De Mari" userId="dfb708c9-d8dc-439f-9a3b-c772bf4a311c" providerId="ADAL" clId="{1888DEAD-E307-4CA6-AFF5-49DFF9FCD3C3}" dt="2023-03-22T07:40:46.431" v="16056" actId="20577"/>
+        <pc:sldMkLst>
+          <pc:docMk/>
+          <pc:sldMk cId="1432686963" sldId="468"/>
+        </pc:sldMkLst>
+        <pc:spChg chg="mod">
+          <ac:chgData name="Matthieu De Mari" userId="dfb708c9-d8dc-439f-9a3b-c772bf4a311c" providerId="ADAL" clId="{1888DEAD-E307-4CA6-AFF5-49DFF9FCD3C3}" dt="2023-03-22T07:40:46.431" v="16056" actId="20577"/>
+          <ac:spMkLst>
+            <pc:docMk/>
+            <pc:sldMk cId="1432686963" sldId="468"/>
+            <ac:spMk id="4" creationId="{5D0D450B-C201-FDB7-239F-6DE0626BCB23}"/>
           </ac:spMkLst>
         </pc:spChg>
       </pc:sldChg>
@@ -13371,7 +13591,7 @@
           <a:p>
             <a:fld id="{98CFC6A4-B085-437B-8084-693BEB2A32DE}" type="datetimeFigureOut">
               <a:rPr lang="en-SG" smtClean="0"/>
-              <a:t>21/3/2023</a:t>
+              <a:t>22/3/2023</a:t>
             </a:fld>
             <a:endParaRPr lang="en-SG"/>
           </a:p>
@@ -13788,7 +14008,7 @@
           <a:p>
             <a:fld id="{AB35F6B0-D468-4997-9CE3-CF2A1AE5E3F9}" type="datetimeFigureOut">
               <a:rPr lang="en-SG" smtClean="0"/>
-              <a:t>21/3/2023</a:t>
+              <a:t>22/3/2023</a:t>
             </a:fld>
             <a:endParaRPr lang="en-SG"/>
           </a:p>
@@ -13988,7 +14208,7 @@
           <a:p>
             <a:fld id="{AB35F6B0-D468-4997-9CE3-CF2A1AE5E3F9}" type="datetimeFigureOut">
               <a:rPr lang="en-SG" smtClean="0"/>
-              <a:t>21/3/2023</a:t>
+              <a:t>22/3/2023</a:t>
             </a:fld>
             <a:endParaRPr lang="en-SG"/>
           </a:p>
@@ -14198,7 +14418,7 @@
           <a:p>
             <a:fld id="{AB35F6B0-D468-4997-9CE3-CF2A1AE5E3F9}" type="datetimeFigureOut">
               <a:rPr lang="en-SG" smtClean="0"/>
-              <a:t>21/3/2023</a:t>
+              <a:t>22/3/2023</a:t>
             </a:fld>
             <a:endParaRPr lang="en-SG"/>
           </a:p>
@@ -14398,7 +14618,7 @@
           <a:p>
             <a:fld id="{AB35F6B0-D468-4997-9CE3-CF2A1AE5E3F9}" type="datetimeFigureOut">
               <a:rPr lang="en-SG" smtClean="0"/>
-              <a:t>21/3/2023</a:t>
+              <a:t>22/3/2023</a:t>
             </a:fld>
             <a:endParaRPr lang="en-SG"/>
           </a:p>
@@ -14674,7 +14894,7 @@
           <a:p>
             <a:fld id="{AB35F6B0-D468-4997-9CE3-CF2A1AE5E3F9}" type="datetimeFigureOut">
               <a:rPr lang="en-SG" smtClean="0"/>
-              <a:t>21/3/2023</a:t>
+              <a:t>22/3/2023</a:t>
             </a:fld>
             <a:endParaRPr lang="en-SG"/>
           </a:p>
@@ -14942,7 +15162,7 @@
           <a:p>
             <a:fld id="{AB35F6B0-D468-4997-9CE3-CF2A1AE5E3F9}" type="datetimeFigureOut">
               <a:rPr lang="en-SG" smtClean="0"/>
-              <a:t>21/3/2023</a:t>
+              <a:t>22/3/2023</a:t>
             </a:fld>
             <a:endParaRPr lang="en-SG"/>
           </a:p>
@@ -15357,7 +15577,7 @@
           <a:p>
             <a:fld id="{AB35F6B0-D468-4997-9CE3-CF2A1AE5E3F9}" type="datetimeFigureOut">
               <a:rPr lang="en-SG" smtClean="0"/>
-              <a:t>21/3/2023</a:t>
+              <a:t>22/3/2023</a:t>
             </a:fld>
             <a:endParaRPr lang="en-SG"/>
           </a:p>
@@ -15499,7 +15719,7 @@
           <a:p>
             <a:fld id="{AB35F6B0-D468-4997-9CE3-CF2A1AE5E3F9}" type="datetimeFigureOut">
               <a:rPr lang="en-SG" smtClean="0"/>
-              <a:t>21/3/2023</a:t>
+              <a:t>22/3/2023</a:t>
             </a:fld>
             <a:endParaRPr lang="en-SG"/>
           </a:p>
@@ -15612,7 +15832,7 @@
           <a:p>
             <a:fld id="{AB35F6B0-D468-4997-9CE3-CF2A1AE5E3F9}" type="datetimeFigureOut">
               <a:rPr lang="en-SG" smtClean="0"/>
-              <a:t>21/3/2023</a:t>
+              <a:t>22/3/2023</a:t>
             </a:fld>
             <a:endParaRPr lang="en-SG"/>
           </a:p>
@@ -15925,7 +16145,7 @@
           <a:p>
             <a:fld id="{AB35F6B0-D468-4997-9CE3-CF2A1AE5E3F9}" type="datetimeFigureOut">
               <a:rPr lang="en-SG" smtClean="0"/>
-              <a:t>21/3/2023</a:t>
+              <a:t>22/3/2023</a:t>
             </a:fld>
             <a:endParaRPr lang="en-SG"/>
           </a:p>
@@ -16214,7 +16434,7 @@
           <a:p>
             <a:fld id="{AB35F6B0-D468-4997-9CE3-CF2A1AE5E3F9}" type="datetimeFigureOut">
               <a:rPr lang="en-SG" smtClean="0"/>
-              <a:t>21/3/2023</a:t>
+              <a:t>22/3/2023</a:t>
             </a:fld>
             <a:endParaRPr lang="en-SG"/>
           </a:p>
@@ -16457,7 +16677,7 @@
           <a:p>
             <a:fld id="{AB35F6B0-D468-4997-9CE3-CF2A1AE5E3F9}" type="datetimeFigureOut">
               <a:rPr lang="en-SG" smtClean="0"/>
-              <a:t>21/3/2023</a:t>
+              <a:t>22/3/2023</a:t>
             </a:fld>
             <a:endParaRPr lang="en-SG"/>
           </a:p>
@@ -17848,13 +18068,7 @@
           <a:p>
             <a:r>
               <a:rPr lang="en-GB" dirty="0"/>
-              <a:t>We have a function that reads source code from an external file and stores the code in a string.</a:t>
-            </a:r>
-          </a:p>
-          <a:p>
-            <a:r>
-              <a:rPr lang="en-GB" dirty="0"/>
-              <a:t>Later on, we will split this string of code using whitespaces and \n symbols as separators.</a:t>
+              <a:t>We have a function that reads source code from an external file and stores the code in a string. Later on, we will split this string of code using whitespaces and \n symbols as separators.</a:t>
             </a:r>
           </a:p>
           <a:p>
@@ -17876,11 +18090,37 @@
             </a:r>
             <a:r>
               <a:rPr lang="en-GB" b="1" dirty="0"/>
-              <a:t>substrings of the source code corresponding to the different elements of the source code</a:t>
-            </a:r>
-            <a:r>
-              <a:rPr lang="en-GB" dirty="0"/>
-              <a:t>, which later need to be classified as keywords, identifiers, literals, operators or punctuation.</a:t>
+              <a:t>substrings of the source code corresponding to the different elements of the source code.</a:t>
+            </a:r>
+          </a:p>
+          <a:p>
+            <a:r>
+              <a:rPr lang="en-GB" dirty="0"/>
+              <a:t>These lexemes then need to be </a:t>
+            </a:r>
+            <a:r>
+              <a:rPr lang="en-GB" b="1" dirty="0"/>
+              <a:t>classified</a:t>
+            </a:r>
+            <a:r>
+              <a:rPr lang="en-GB" dirty="0"/>
+              <a:t> </a:t>
+            </a:r>
+            <a:r>
+              <a:rPr lang="en-GB" b="1" dirty="0"/>
+              <a:t>as</a:t>
+            </a:r>
+            <a:r>
+              <a:rPr lang="en-GB" dirty="0"/>
+              <a:t> </a:t>
+            </a:r>
+            <a:r>
+              <a:rPr lang="en-GB" b="1" dirty="0"/>
+              <a:t>keywords, identifiers, literals, operators or punctuation</a:t>
+            </a:r>
+            <a:r>
+              <a:rPr lang="en-GB" dirty="0"/>
+              <a:t>.</a:t>
             </a:r>
           </a:p>
         </p:txBody>
@@ -18449,7 +18689,7 @@
             </a:pPr>
             <a:r>
               <a:rPr lang="en-GB" dirty="0"/>
-              <a:t>Then, we need to define Token object.</a:t>
+              <a:t>Then, we need to define a Token object.</a:t>
             </a:r>
           </a:p>
           <a:p>
@@ -19140,7 +19380,7 @@
           <a:p>
             <a:r>
               <a:rPr lang="en-GB" dirty="0"/>
-              <a:t>And if it does, creates a Token Entry with the given </a:t>
+              <a:t>And if it does, creates a Token entry with the </a:t>
             </a:r>
             <a:r>
               <a:rPr lang="en-GB" dirty="0" err="1"/>
@@ -19148,7 +19388,7 @@
             </a:r>
             <a:r>
               <a:rPr lang="en-GB" dirty="0"/>
-              <a:t> and lexeme.</a:t>
+              <a:t> that has been recognized and the given lexeme.</a:t>
             </a:r>
           </a:p>
         </p:txBody>
@@ -19383,12 +19623,14 @@
         </p:nvSpPr>
         <p:spPr>
           <a:xfrm>
-            <a:off x="838200" y="1825624"/>
-            <a:ext cx="10515600" cy="5032375"/>
+            <a:off x="838199" y="1825624"/>
+            <a:ext cx="11180976" cy="5032375"/>
           </a:xfrm>
         </p:spPr>
         <p:txBody>
-          <a:bodyPr/>
+          <a:bodyPr>
+            <a:normAutofit/>
+          </a:bodyPr>
           <a:lstStyle/>
           <a:p>
             <a:pPr marL="0" indent="0">
@@ -19422,25 +19664,13 @@
             </a:r>
             <a:r>
               <a:rPr lang="en-GB" b="1" dirty="0"/>
-              <a:t> the exact string “SUTD”</a:t>
-            </a:r>
-            <a:r>
-              <a:rPr lang="en-GB" dirty="0"/>
-              <a:t>,</a:t>
-            </a:r>
-            <a:r>
-              <a:rPr lang="en-GB" b="1" dirty="0"/>
-              <a:t> </a:t>
-            </a:r>
-            <a:r>
-              <a:rPr lang="en-GB" dirty="0"/>
-              <a:t>and nothing else.</a:t>
-            </a:r>
-          </a:p>
-          <a:p>
-            <a:r>
-              <a:rPr lang="en-GB" dirty="0"/>
-              <a:t>As seen in the previous lecture, this FSM is strictly what happens behind the scenes for to the </a:t>
+              <a:t> the exact string “SUTD”, and nothing else.</a:t>
+            </a:r>
+          </a:p>
+          <a:p>
+            <a:r>
+              <a:rPr lang="en-GB" dirty="0"/>
+              <a:t>As seen in the previous lecture, this FSM is exactly what happens behind the scenes for to the </a:t>
             </a:r>
             <a:r>
               <a:rPr lang="en-GB" b="1" dirty="0" err="1"/>
@@ -19500,7 +19730,15 @@
           <a:p>
             <a:r>
               <a:rPr lang="en-SG" dirty="0"/>
-              <a:t>(Normally, we should list more, but let us keep things simple.)</a:t>
+              <a:t>(Normally, we should list </a:t>
+            </a:r>
+            <a:r>
+              <a:rPr lang="en-SG" dirty="0" err="1"/>
+              <a:t>waaay</a:t>
+            </a:r>
+            <a:r>
+              <a:rPr lang="en-SG" dirty="0"/>
+              <a:t> more keywords, but let us keep it simple.)</a:t>
             </a:r>
           </a:p>
           <a:p>
@@ -19703,7 +19941,7 @@
             </a:pPr>
             <a:r>
               <a:rPr lang="en-GB" dirty="0"/>
-              <a:t>Since we are comparing strings and looking for exact matches, we could also consider an alternate implementation,</a:t>
+              <a:t>Since we are comparing strings and looking for exact matches here, we could also consider an alternate implementation,</a:t>
             </a:r>
           </a:p>
           <a:p>
@@ -19738,6 +19976,23 @@
             <a:r>
               <a:rPr lang="en-GB" dirty="0"/>
               <a:t>To all the possible keywords of the language that we would have previously assembled in a list.</a:t>
+            </a:r>
+          </a:p>
+          <a:p>
+            <a:pPr marL="0" indent="0">
+              <a:buNone/>
+            </a:pPr>
+            <a:r>
+              <a:rPr lang="en-GB" i="1" dirty="0"/>
+              <a:t>(But to be honest, these </a:t>
+            </a:r>
+            <a:r>
+              <a:rPr lang="en-GB" i="1" dirty="0" err="1"/>
+              <a:t>strcmp</a:t>
+            </a:r>
+            <a:r>
+              <a:rPr lang="en-GB" i="1" dirty="0"/>
+              <a:t>() operations would be roughly similar to an FSM of some sort anyway, so not a big difference…)</a:t>
             </a:r>
           </a:p>
           <a:p>
@@ -19931,7 +20186,7 @@
           <a:p>
             <a:r>
               <a:rPr lang="en-GB" dirty="0"/>
-              <a:t>Using regular expressions for this specific case might be less efficient than using a </a:t>
+              <a:t>Using regular expressions for this specific “exact match” case might be less efficient than using a </a:t>
             </a:r>
             <a:r>
               <a:rPr lang="en-GB" i="1" dirty="0" err="1"/>
@@ -20714,6 +20969,360 @@
           <a:chExt cx="0" cy="0"/>
         </a:xfrm>
       </p:grpSpPr>
+      <p:sp>
+        <p:nvSpPr>
+          <p:cNvPr id="2" name="Title 1">
+            <a:extLst>
+              <a:ext uri="{FF2B5EF4-FFF2-40B4-BE49-F238E27FC236}">
+                <a16:creationId xmlns:a16="http://schemas.microsoft.com/office/drawing/2014/main" id="{A5BAC226-A027-C401-B260-18D0CB57C3C4}"/>
+              </a:ext>
+            </a:extLst>
+          </p:cNvPr>
+          <p:cNvSpPr>
+            <a:spLocks noGrp="1"/>
+          </p:cNvSpPr>
+          <p:nvPr>
+            <p:ph type="title"/>
+          </p:nvPr>
+        </p:nvSpPr>
+        <p:spPr/>
+        <p:txBody>
+          <a:bodyPr/>
+          <a:lstStyle/>
+          <a:p>
+            <a:r>
+              <a:rPr lang="en-GB" dirty="0"/>
+              <a:t>Our first Tokenizer</a:t>
+            </a:r>
+            <a:endParaRPr lang="en-SG" dirty="0"/>
+          </a:p>
+        </p:txBody>
+      </p:sp>
+      <p:sp>
+        <p:nvSpPr>
+          <p:cNvPr id="3" name="Content Placeholder 2">
+            <a:extLst>
+              <a:ext uri="{FF2B5EF4-FFF2-40B4-BE49-F238E27FC236}">
+                <a16:creationId xmlns:a16="http://schemas.microsoft.com/office/drawing/2014/main" id="{04F9D663-7009-B4BD-3AC7-CAF87C7E3B7B}"/>
+              </a:ext>
+            </a:extLst>
+          </p:cNvPr>
+          <p:cNvSpPr>
+            <a:spLocks noGrp="1"/>
+          </p:cNvSpPr>
+          <p:nvPr>
+            <p:ph sz="half" idx="1"/>
+          </p:nvPr>
+        </p:nvSpPr>
+        <p:spPr>
+          <a:xfrm>
+            <a:off x="838200" y="1825624"/>
+            <a:ext cx="5181600" cy="5032375"/>
+          </a:xfrm>
+        </p:spPr>
+        <p:txBody>
+          <a:bodyPr>
+            <a:normAutofit/>
+          </a:bodyPr>
+          <a:lstStyle/>
+          <a:p>
+            <a:pPr marL="0" indent="0">
+              <a:buNone/>
+            </a:pPr>
+            <a:r>
+              <a:rPr lang="en-GB" dirty="0">
+                <a:solidFill>
+                  <a:schemeClr val="bg1">
+                    <a:lumMod val="65000"/>
+                  </a:schemeClr>
+                </a:solidFill>
+              </a:rPr>
+              <a:t>Let us assemble everything we have so far</a:t>
+            </a:r>
+          </a:p>
+          <a:p>
+            <a:r>
+              <a:rPr lang="en-SG" dirty="0">
+                <a:solidFill>
+                  <a:schemeClr val="bg1">
+                    <a:lumMod val="65000"/>
+                  </a:schemeClr>
+                </a:solidFill>
+              </a:rPr>
+              <a:t>A code that reads the code in a </a:t>
+            </a:r>
+            <a:r>
+              <a:rPr lang="en-SG" dirty="0" err="1">
+                <a:solidFill>
+                  <a:schemeClr val="bg1">
+                    <a:lumMod val="65000"/>
+                  </a:schemeClr>
+                </a:solidFill>
+              </a:rPr>
+              <a:t>source.c</a:t>
+            </a:r>
+            <a:r>
+              <a:rPr lang="en-SG" dirty="0">
+                <a:solidFill>
+                  <a:schemeClr val="bg1">
+                    <a:lumMod val="65000"/>
+                  </a:schemeClr>
+                </a:solidFill>
+              </a:rPr>
+              <a:t> file and puts it in a big string,</a:t>
+            </a:r>
+          </a:p>
+          <a:p>
+            <a:r>
+              <a:rPr lang="en-SG" dirty="0">
+                <a:solidFill>
+                  <a:schemeClr val="bg1">
+                    <a:lumMod val="65000"/>
+                  </a:schemeClr>
+                </a:solidFill>
+              </a:rPr>
+              <a:t>A code that splits the big string into lexemes, using whitespaces and \n symbols as separators.</a:t>
+            </a:r>
+          </a:p>
+          <a:p>
+            <a:r>
+              <a:rPr lang="en-SG" dirty="0">
+                <a:solidFill>
+                  <a:schemeClr val="bg1">
+                    <a:lumMod val="65000"/>
+                  </a:schemeClr>
+                </a:solidFill>
+              </a:rPr>
+              <a:t>An </a:t>
+            </a:r>
+            <a:r>
+              <a:rPr lang="en-SG" dirty="0" err="1">
+                <a:solidFill>
+                  <a:schemeClr val="bg1">
+                    <a:lumMod val="65000"/>
+                  </a:schemeClr>
+                </a:solidFill>
+              </a:rPr>
+              <a:t>enum</a:t>
+            </a:r>
+            <a:r>
+              <a:rPr lang="en-SG" dirty="0">
+                <a:solidFill>
+                  <a:schemeClr val="bg1">
+                    <a:lumMod val="65000"/>
+                  </a:schemeClr>
+                </a:solidFill>
+              </a:rPr>
+              <a:t> structure for storing the different </a:t>
+            </a:r>
+            <a:r>
+              <a:rPr lang="en-SG" dirty="0" err="1">
+                <a:solidFill>
+                  <a:schemeClr val="bg1">
+                    <a:lumMod val="65000"/>
+                  </a:schemeClr>
+                </a:solidFill>
+              </a:rPr>
+              <a:t>TokenTypes</a:t>
+            </a:r>
+            <a:r>
+              <a:rPr lang="en-SG" dirty="0">
+                <a:solidFill>
+                  <a:schemeClr val="bg1">
+                    <a:lumMod val="65000"/>
+                  </a:schemeClr>
+                </a:solidFill>
+              </a:rPr>
+              <a:t>,</a:t>
+            </a:r>
+          </a:p>
+        </p:txBody>
+      </p:sp>
+      <p:sp>
+        <p:nvSpPr>
+          <p:cNvPr id="4" name="Content Placeholder 3">
+            <a:extLst>
+              <a:ext uri="{FF2B5EF4-FFF2-40B4-BE49-F238E27FC236}">
+                <a16:creationId xmlns:a16="http://schemas.microsoft.com/office/drawing/2014/main" id="{E5A1B063-5AD8-584F-5C74-AAA9BCF9B5F8}"/>
+              </a:ext>
+            </a:extLst>
+          </p:cNvPr>
+          <p:cNvSpPr>
+            <a:spLocks noGrp="1"/>
+          </p:cNvSpPr>
+          <p:nvPr>
+            <p:ph sz="half" idx="2"/>
+          </p:nvPr>
+        </p:nvSpPr>
+        <p:spPr>
+          <a:xfrm>
+            <a:off x="6172200" y="1825624"/>
+            <a:ext cx="5181600" cy="5032375"/>
+          </a:xfrm>
+        </p:spPr>
+        <p:txBody>
+          <a:bodyPr>
+            <a:normAutofit/>
+          </a:bodyPr>
+          <a:lstStyle/>
+          <a:p>
+            <a:r>
+              <a:rPr lang="en-SG" dirty="0">
+                <a:solidFill>
+                  <a:schemeClr val="bg1">
+                    <a:lumMod val="65000"/>
+                  </a:schemeClr>
+                </a:solidFill>
+              </a:rPr>
+              <a:t>A Token struct to store each lexeme and </a:t>
+            </a:r>
+            <a:r>
+              <a:rPr lang="en-SG" dirty="0" err="1">
+                <a:solidFill>
+                  <a:schemeClr val="bg1">
+                    <a:lumMod val="65000"/>
+                  </a:schemeClr>
+                </a:solidFill>
+              </a:rPr>
+              <a:t>TokenType</a:t>
+            </a:r>
+            <a:r>
+              <a:rPr lang="en-SG" dirty="0">
+                <a:solidFill>
+                  <a:schemeClr val="bg1">
+                    <a:lumMod val="65000"/>
+                  </a:schemeClr>
+                </a:solidFill>
+              </a:rPr>
+              <a:t> corresponding to the lexemes,</a:t>
+            </a:r>
+          </a:p>
+          <a:p>
+            <a:r>
+              <a:rPr lang="en-SG" dirty="0">
+                <a:solidFill>
+                  <a:schemeClr val="bg1">
+                    <a:lumMod val="65000"/>
+                  </a:schemeClr>
+                </a:solidFill>
+              </a:rPr>
+              <a:t>A code that can recognize if a lexeme is a KEYWORD or if it should be considered an UNKNOWN Token Type instead,</a:t>
+            </a:r>
+          </a:p>
+          <a:p>
+            <a:r>
+              <a:rPr lang="en-SG" dirty="0">
+                <a:solidFill>
+                  <a:schemeClr val="bg1">
+                    <a:lumMod val="65000"/>
+                  </a:schemeClr>
+                </a:solidFill>
+              </a:rPr>
+              <a:t>A code that repeats this operation for each lexemes and creates Tokens accordingly</a:t>
+            </a:r>
+          </a:p>
+          <a:p>
+            <a:endParaRPr lang="en-SG" dirty="0">
+              <a:solidFill>
+                <a:schemeClr val="bg1">
+                  <a:lumMod val="65000"/>
+                </a:schemeClr>
+              </a:solidFill>
+            </a:endParaRPr>
+          </a:p>
+        </p:txBody>
+      </p:sp>
+      <p:sp>
+        <p:nvSpPr>
+          <p:cNvPr id="5" name="TextBox 4">
+            <a:extLst>
+              <a:ext uri="{FF2B5EF4-FFF2-40B4-BE49-F238E27FC236}">
+                <a16:creationId xmlns:a16="http://schemas.microsoft.com/office/drawing/2014/main" id="{BE561AD2-72C3-30AA-09F8-ACB5F5BDAF0F}"/>
+              </a:ext>
+            </a:extLst>
+          </p:cNvPr>
+          <p:cNvSpPr txBox="1"/>
+          <p:nvPr/>
+        </p:nvSpPr>
+        <p:spPr>
+          <a:xfrm rot="20466896">
+            <a:off x="536005" y="3564670"/>
+            <a:ext cx="10244515" cy="830997"/>
+          </a:xfrm>
+          <a:prstGeom prst="rect">
+            <a:avLst/>
+          </a:prstGeom>
+          <a:noFill/>
+        </p:spPr>
+        <p:txBody>
+          <a:bodyPr wrap="square" rtlCol="0">
+            <a:spAutoFit/>
+          </a:bodyPr>
+          <a:lstStyle/>
+          <a:p>
+            <a:pPr algn="ctr"/>
+            <a:r>
+              <a:rPr lang="en-GB" sz="4800" b="1" dirty="0">
+                <a:ln w="22225">
+                  <a:solidFill>
+                    <a:schemeClr val="tx1"/>
+                  </a:solidFill>
+                  <a:prstDash val="solid"/>
+                </a:ln>
+                <a:solidFill>
+                  <a:schemeClr val="accent1">
+                    <a:lumMod val="50000"/>
+                  </a:schemeClr>
+                </a:solidFill>
+              </a:rPr>
+              <a:t>Let us assemble everything now!</a:t>
+            </a:r>
+            <a:endParaRPr lang="en-SG" sz="4800" b="1" dirty="0">
+              <a:ln w="22225">
+                <a:solidFill>
+                  <a:schemeClr val="tx1"/>
+                </a:solidFill>
+                <a:prstDash val="solid"/>
+              </a:ln>
+              <a:solidFill>
+                <a:schemeClr val="accent1">
+                  <a:lumMod val="50000"/>
+                </a:schemeClr>
+              </a:solidFill>
+            </a:endParaRPr>
+          </a:p>
+        </p:txBody>
+      </p:sp>
+    </p:spTree>
+    <p:extLst>
+      <p:ext uri="{BB962C8B-B14F-4D97-AF65-F5344CB8AC3E}">
+        <p14:creationId xmlns:p14="http://schemas.microsoft.com/office/powerpoint/2010/main" val="135331089"/>
+      </p:ext>
+    </p:extLst>
+  </p:cSld>
+  <p:clrMapOvr>
+    <a:masterClrMapping/>
+  </p:clrMapOvr>
+</p:sld>
+</file>
+
+<file path=ppt/slides/slide33.xml><?xml version="1.0" encoding="utf-8"?>
+<p:sld xmlns:a="http://schemas.openxmlformats.org/drawingml/2006/main" xmlns:r="http://schemas.openxmlformats.org/officeDocument/2006/relationships" xmlns:p="http://schemas.openxmlformats.org/presentationml/2006/main">
+  <p:cSld>
+    <p:spTree>
+      <p:nvGrpSpPr>
+        <p:cNvPr id="1" name=""/>
+        <p:cNvGrpSpPr/>
+        <p:nvPr/>
+      </p:nvGrpSpPr>
+      <p:grpSpPr>
+        <a:xfrm>
+          <a:off x="0" y="0"/>
+          <a:ext cx="0" cy="0"/>
+          <a:chOff x="0" y="0"/>
+          <a:chExt cx="0" cy="0"/>
+        </a:xfrm>
+      </p:grpSpPr>
       <p:pic>
         <p:nvPicPr>
           <p:cNvPr id="6" name="Picture 5">
@@ -20801,7 +21410,7 @@
 </p:sld>
 </file>
 
-<file path=ppt/slides/slide33.xml><?xml version="1.0" encoding="utf-8"?>
+<file path=ppt/slides/slide34.xml><?xml version="1.0" encoding="utf-8"?>
 <p:sld xmlns:a="http://schemas.openxmlformats.org/drawingml/2006/main" xmlns:r="http://schemas.openxmlformats.org/officeDocument/2006/relationships" xmlns:p="http://schemas.openxmlformats.org/presentationml/2006/main">
   <p:cSld>
     <p:spTree>
@@ -20880,7 +21489,7 @@
             </a:pPr>
             <a:r>
               <a:rPr lang="en-GB" dirty="0"/>
-              <a:t>Our next step will be to recognize punctuation, for instance “;” used at the end of each line.</a:t>
+              <a:t>Our next step will be to recognize punctuation, for instance the “;” used at the end of each line.</a:t>
             </a:r>
           </a:p>
           <a:p>
@@ -20949,7 +21558,7 @@
 </p:sld>
 </file>
 
-<file path=ppt/slides/slide34.xml><?xml version="1.0" encoding="utf-8"?>
+<file path=ppt/slides/slide35.xml><?xml version="1.0" encoding="utf-8"?>
 <p:sld xmlns:a="http://schemas.openxmlformats.org/drawingml/2006/main" xmlns:r="http://schemas.openxmlformats.org/officeDocument/2006/relationships" xmlns:p="http://schemas.openxmlformats.org/presentationml/2006/main">
   <p:cSld>
     <p:spTree>
@@ -21028,7 +21637,7 @@
             </a:pPr>
             <a:r>
               <a:rPr lang="en-GB" dirty="0"/>
-              <a:t>Our next step will be to recognize punctuation, for instance “;” used at the end of each line.</a:t>
+              <a:t>Our next step will be to recognize punctuation, for instance the “;” used at the end of each line.</a:t>
             </a:r>
           </a:p>
           <a:p>
@@ -21094,7 +21703,7 @@
 </p:sld>
 </file>
 
-<file path=ppt/slides/slide35.xml><?xml version="1.0" encoding="utf-8"?>
+<file path=ppt/slides/slide36.xml><?xml version="1.0" encoding="utf-8"?>
 <p:sld xmlns:a="http://schemas.openxmlformats.org/drawingml/2006/main" xmlns:r="http://schemas.openxmlformats.org/officeDocument/2006/relationships" xmlns:p="http://schemas.openxmlformats.org/presentationml/2006/main">
   <p:cSld>
     <p:spTree>
@@ -21154,127 +21763,6 @@
 </p:sld>
 </file>
 
-<file path=ppt/slides/slide36.xml><?xml version="1.0" encoding="utf-8"?>
-<p:sld xmlns:a="http://schemas.openxmlformats.org/drawingml/2006/main" xmlns:r="http://schemas.openxmlformats.org/officeDocument/2006/relationships" xmlns:p="http://schemas.openxmlformats.org/presentationml/2006/main">
-  <p:cSld>
-    <p:spTree>
-      <p:nvGrpSpPr>
-        <p:cNvPr id="1" name=""/>
-        <p:cNvGrpSpPr/>
-        <p:nvPr/>
-      </p:nvGrpSpPr>
-      <p:grpSpPr>
-        <a:xfrm>
-          <a:off x="0" y="0"/>
-          <a:ext cx="0" cy="0"/>
-          <a:chOff x="0" y="0"/>
-          <a:chExt cx="0" cy="0"/>
-        </a:xfrm>
-      </p:grpSpPr>
-      <p:sp>
-        <p:nvSpPr>
-          <p:cNvPr id="2" name="Title 1">
-            <a:extLst>
-              <a:ext uri="{FF2B5EF4-FFF2-40B4-BE49-F238E27FC236}">
-                <a16:creationId xmlns:a16="http://schemas.microsoft.com/office/drawing/2014/main" id="{4B69FFB6-5259-963A-1794-190952BF5B75}"/>
-              </a:ext>
-            </a:extLst>
-          </p:cNvPr>
-          <p:cNvSpPr>
-            <a:spLocks noGrp="1"/>
-          </p:cNvSpPr>
-          <p:nvPr>
-            <p:ph type="title"/>
-          </p:nvPr>
-        </p:nvSpPr>
-        <p:spPr/>
-        <p:txBody>
-          <a:bodyPr/>
-          <a:lstStyle/>
-          <a:p>
-            <a:r>
-              <a:rPr lang="en-GB" dirty="0"/>
-              <a:t>Quick question, why do we need ; anyway?</a:t>
-            </a:r>
-            <a:endParaRPr lang="en-SG" dirty="0"/>
-          </a:p>
-        </p:txBody>
-      </p:sp>
-      <p:sp>
-        <p:nvSpPr>
-          <p:cNvPr id="3" name="Content Placeholder 2">
-            <a:extLst>
-              <a:ext uri="{FF2B5EF4-FFF2-40B4-BE49-F238E27FC236}">
-                <a16:creationId xmlns:a16="http://schemas.microsoft.com/office/drawing/2014/main" id="{AECE2BB1-31A1-BF4A-A5B2-AB63784D6E9B}"/>
-              </a:ext>
-            </a:extLst>
-          </p:cNvPr>
-          <p:cNvSpPr>
-            <a:spLocks noGrp="1"/>
-          </p:cNvSpPr>
-          <p:nvPr>
-            <p:ph idx="1"/>
-          </p:nvPr>
-        </p:nvSpPr>
-        <p:spPr>
-          <a:xfrm>
-            <a:off x="838200" y="1825624"/>
-            <a:ext cx="10515600" cy="5032375"/>
-          </a:xfrm>
-        </p:spPr>
-        <p:txBody>
-          <a:bodyPr>
-            <a:normAutofit/>
-          </a:bodyPr>
-          <a:lstStyle/>
-          <a:p>
-            <a:pPr marL="0" indent="0">
-              <a:buNone/>
-            </a:pPr>
-            <a:r>
-              <a:rPr lang="en-GB" dirty="0"/>
-              <a:t>In C, the semicolon (;) typically serves as a statement delimiter, indicating the end of a statement or line.</a:t>
-            </a:r>
-          </a:p>
-          <a:p>
-            <a:r>
-              <a:rPr lang="en-GB" dirty="0"/>
-              <a:t>It must be used and cannot be omitted, or the compiler will crash.</a:t>
-            </a:r>
-          </a:p>
-          <a:p>
-            <a:r>
-              <a:rPr lang="en-GB" dirty="0"/>
-              <a:t>At the moment, we suspect that this will help the compiler to understand the structure of the code and determine where each statement begins and ends.</a:t>
-            </a:r>
-          </a:p>
-          <a:p>
-            <a:r>
-              <a:rPr lang="en-GB" dirty="0"/>
-              <a:t>If C did not require semicolons, it would still be possible for a compiler to process the code, but the language would need to be designed differently, and additional rules would have to be introduced to determine the end of a statement (e.g. Python rely on indentation).</a:t>
-            </a:r>
-          </a:p>
-          <a:p>
-            <a:endParaRPr lang="en-GB" dirty="0"/>
-          </a:p>
-          <a:p>
-            <a:endParaRPr lang="en-GB" dirty="0"/>
-          </a:p>
-        </p:txBody>
-      </p:sp>
-    </p:spTree>
-    <p:extLst>
-      <p:ext uri="{BB962C8B-B14F-4D97-AF65-F5344CB8AC3E}">
-        <p14:creationId xmlns:p14="http://schemas.microsoft.com/office/powerpoint/2010/main" val="1697348003"/>
-      </p:ext>
-    </p:extLst>
-  </p:cSld>
-  <p:clrMapOvr>
-    <a:masterClrMapping/>
-  </p:clrMapOvr>
-</p:sld>
-</file>
-
 <file path=ppt/slides/slide37.xml><?xml version="1.0" encoding="utf-8"?>
 <p:sld xmlns:a="http://schemas.openxmlformats.org/drawingml/2006/main" xmlns:r="http://schemas.openxmlformats.org/officeDocument/2006/relationships" xmlns:p="http://schemas.openxmlformats.org/presentationml/2006/main">
   <p:cSld>
@@ -21353,6 +21841,134 @@
               <a:buNone/>
             </a:pPr>
             <a:r>
+              <a:rPr lang="en-GB" dirty="0"/>
+              <a:t>In C, the semicolon (;) typically serves as a statement delimiter, indicating the end of a statement or line.</a:t>
+            </a:r>
+          </a:p>
+          <a:p>
+            <a:r>
+              <a:rPr lang="en-GB" dirty="0"/>
+              <a:t>It must be used and cannot be omitted, or the compiler will crash.</a:t>
+            </a:r>
+          </a:p>
+          <a:p>
+            <a:r>
+              <a:rPr lang="en-GB" dirty="0"/>
+              <a:t>At the moment, we suspect that this will help the compiler to understand the structure of the code and determine where each statement begins and ends.</a:t>
+            </a:r>
+          </a:p>
+          <a:p>
+            <a:r>
+              <a:rPr lang="en-GB" dirty="0"/>
+              <a:t>If C did not require semicolons, it would still be possible for a compiler to process the code, but the language would need to be designed differently, and additional rules would have to be introduced to determine the end of a statement</a:t>
+            </a:r>
+            <a:br>
+              <a:rPr lang="en-GB" dirty="0"/>
+            </a:br>
+            <a:r>
+              <a:rPr lang="en-GB" dirty="0"/>
+              <a:t>(e.g. Python relies on indentation).</a:t>
+            </a:r>
+          </a:p>
+          <a:p>
+            <a:endParaRPr lang="en-GB" dirty="0"/>
+          </a:p>
+          <a:p>
+            <a:endParaRPr lang="en-GB" dirty="0"/>
+          </a:p>
+        </p:txBody>
+      </p:sp>
+    </p:spTree>
+    <p:extLst>
+      <p:ext uri="{BB962C8B-B14F-4D97-AF65-F5344CB8AC3E}">
+        <p14:creationId xmlns:p14="http://schemas.microsoft.com/office/powerpoint/2010/main" val="1697348003"/>
+      </p:ext>
+    </p:extLst>
+  </p:cSld>
+  <p:clrMapOvr>
+    <a:masterClrMapping/>
+  </p:clrMapOvr>
+</p:sld>
+</file>
+
+<file path=ppt/slides/slide38.xml><?xml version="1.0" encoding="utf-8"?>
+<p:sld xmlns:a="http://schemas.openxmlformats.org/drawingml/2006/main" xmlns:r="http://schemas.openxmlformats.org/officeDocument/2006/relationships" xmlns:p="http://schemas.openxmlformats.org/presentationml/2006/main">
+  <p:cSld>
+    <p:spTree>
+      <p:nvGrpSpPr>
+        <p:cNvPr id="1" name=""/>
+        <p:cNvGrpSpPr/>
+        <p:nvPr/>
+      </p:nvGrpSpPr>
+      <p:grpSpPr>
+        <a:xfrm>
+          <a:off x="0" y="0"/>
+          <a:ext cx="0" cy="0"/>
+          <a:chOff x="0" y="0"/>
+          <a:chExt cx="0" cy="0"/>
+        </a:xfrm>
+      </p:grpSpPr>
+      <p:sp>
+        <p:nvSpPr>
+          <p:cNvPr id="2" name="Title 1">
+            <a:extLst>
+              <a:ext uri="{FF2B5EF4-FFF2-40B4-BE49-F238E27FC236}">
+                <a16:creationId xmlns:a16="http://schemas.microsoft.com/office/drawing/2014/main" id="{4B69FFB6-5259-963A-1794-190952BF5B75}"/>
+              </a:ext>
+            </a:extLst>
+          </p:cNvPr>
+          <p:cNvSpPr>
+            <a:spLocks noGrp="1"/>
+          </p:cNvSpPr>
+          <p:nvPr>
+            <p:ph type="title"/>
+          </p:nvPr>
+        </p:nvSpPr>
+        <p:spPr/>
+        <p:txBody>
+          <a:bodyPr/>
+          <a:lstStyle/>
+          <a:p>
+            <a:r>
+              <a:rPr lang="en-GB" dirty="0"/>
+              <a:t>Quick question, why do we need ; anyway?</a:t>
+            </a:r>
+            <a:endParaRPr lang="en-SG" dirty="0"/>
+          </a:p>
+        </p:txBody>
+      </p:sp>
+      <p:sp>
+        <p:nvSpPr>
+          <p:cNvPr id="3" name="Content Placeholder 2">
+            <a:extLst>
+              <a:ext uri="{FF2B5EF4-FFF2-40B4-BE49-F238E27FC236}">
+                <a16:creationId xmlns:a16="http://schemas.microsoft.com/office/drawing/2014/main" id="{AECE2BB1-31A1-BF4A-A5B2-AB63784D6E9B}"/>
+              </a:ext>
+            </a:extLst>
+          </p:cNvPr>
+          <p:cNvSpPr>
+            <a:spLocks noGrp="1"/>
+          </p:cNvSpPr>
+          <p:nvPr>
+            <p:ph idx="1"/>
+          </p:nvPr>
+        </p:nvSpPr>
+        <p:spPr>
+          <a:xfrm>
+            <a:off x="838200" y="1825624"/>
+            <a:ext cx="10515600" cy="5032375"/>
+          </a:xfrm>
+        </p:spPr>
+        <p:txBody>
+          <a:bodyPr>
+            <a:normAutofit/>
+          </a:bodyPr>
+          <a:lstStyle/>
+          <a:p>
+            <a:pPr marL="0" indent="0">
+              <a:buNone/>
+            </a:pPr>
+            <a:r>
               <a:rPr lang="en-GB" b="1" dirty="0"/>
               <a:t>To be honest, the semicolon symbol does not significantly affect the tokenization process.</a:t>
             </a:r>
@@ -21360,7 +21976,7 @@
           <a:p>
             <a:r>
               <a:rPr lang="en-GB" dirty="0"/>
-              <a:t>Its sole purpose is to break the input source code into individual lexemes,</a:t>
+              <a:t>The sole purpose of the tokenizer is to break the input source code into individual lexemes,</a:t>
             </a:r>
           </a:p>
           <a:p>
@@ -21386,13 +22002,13 @@
             </a:r>
             <a:r>
               <a:rPr lang="en-GB" i="1" dirty="0"/>
-              <a:t>;” seriously?)</a:t>
-            </a:r>
-          </a:p>
-          <a:p>
-            <a:r>
-              <a:rPr lang="en-GB" dirty="0"/>
-              <a:t>And whether they are separated by semicolons or not. </a:t>
+              <a:t>” seriously?)</a:t>
+            </a:r>
+          </a:p>
+          <a:p>
+            <a:r>
+              <a:rPr lang="en-GB" dirty="0"/>
+              <a:t>And whether each line correctly finishes with semicolons or not. </a:t>
             </a:r>
           </a:p>
           <a:p>
@@ -21413,7 +22029,7 @@
 </p:sld>
 </file>
 
-<file path=ppt/slides/slide38.xml><?xml version="1.0" encoding="utf-8"?>
+<file path=ppt/slides/slide39.xml><?xml version="1.0" encoding="utf-8"?>
 <p:sld xmlns:a="http://schemas.openxmlformats.org/drawingml/2006/main" xmlns:r="http://schemas.openxmlformats.org/officeDocument/2006/relationships" xmlns:p="http://schemas.openxmlformats.org/presentationml/2006/main">
   <p:cSld>
     <p:spTree>
@@ -21497,7 +22113,7 @@
             </a:r>
             <a:r>
               <a:rPr lang="en-GB" dirty="0"/>
-              <a:t> (in the next step) to correctly identify and group statements in the code.</a:t>
+              <a:t> (our next step after tokenization) to correctly identify and group statements in the code.</a:t>
             </a:r>
           </a:p>
           <a:p>
@@ -21555,7 +22171,7 @@
             </a:r>
             <a:r>
               <a:rPr lang="en-GB" dirty="0"/>
-              <a:t>.</a:t>
+              <a:t> part.</a:t>
             </a:r>
           </a:p>
           <a:p>
@@ -21567,153 +22183,6 @@
     <p:extLst>
       <p:ext uri="{BB962C8B-B14F-4D97-AF65-F5344CB8AC3E}">
         <p14:creationId xmlns:p14="http://schemas.microsoft.com/office/powerpoint/2010/main" val="1434956895"/>
-      </p:ext>
-    </p:extLst>
-  </p:cSld>
-  <p:clrMapOvr>
-    <a:masterClrMapping/>
-  </p:clrMapOvr>
-</p:sld>
-</file>
-
-<file path=ppt/slides/slide39.xml><?xml version="1.0" encoding="utf-8"?>
-<p:sld xmlns:a="http://schemas.openxmlformats.org/drawingml/2006/main" xmlns:r="http://schemas.openxmlformats.org/officeDocument/2006/relationships" xmlns:p="http://schemas.openxmlformats.org/presentationml/2006/main">
-  <p:cSld>
-    <p:spTree>
-      <p:nvGrpSpPr>
-        <p:cNvPr id="1" name=""/>
-        <p:cNvGrpSpPr/>
-        <p:nvPr/>
-      </p:nvGrpSpPr>
-      <p:grpSpPr>
-        <a:xfrm>
-          <a:off x="0" y="0"/>
-          <a:ext cx="0" cy="0"/>
-          <a:chOff x="0" y="0"/>
-          <a:chExt cx="0" cy="0"/>
-        </a:xfrm>
-      </p:grpSpPr>
-      <p:sp>
-        <p:nvSpPr>
-          <p:cNvPr id="2" name="Title 1">
-            <a:extLst>
-              <a:ext uri="{FF2B5EF4-FFF2-40B4-BE49-F238E27FC236}">
-                <a16:creationId xmlns:a16="http://schemas.microsoft.com/office/drawing/2014/main" id="{6B70F080-5AE6-BE06-1477-59814861F873}"/>
-              </a:ext>
-            </a:extLst>
-          </p:cNvPr>
-          <p:cNvSpPr>
-            <a:spLocks noGrp="1"/>
-          </p:cNvSpPr>
-          <p:nvPr>
-            <p:ph type="title"/>
-          </p:nvPr>
-        </p:nvSpPr>
-        <p:spPr/>
-        <p:txBody>
-          <a:bodyPr/>
-          <a:lstStyle/>
-          <a:p>
-            <a:r>
-              <a:rPr lang="en-GB" dirty="0"/>
-              <a:t>Recognizing additional punctuation/operators</a:t>
-            </a:r>
-            <a:endParaRPr lang="en-SG" dirty="0"/>
-          </a:p>
-        </p:txBody>
-      </p:sp>
-      <p:sp>
-        <p:nvSpPr>
-          <p:cNvPr id="3" name="Content Placeholder 2">
-            <a:extLst>
-              <a:ext uri="{FF2B5EF4-FFF2-40B4-BE49-F238E27FC236}">
-                <a16:creationId xmlns:a16="http://schemas.microsoft.com/office/drawing/2014/main" id="{0AC2E044-D0C1-8668-6F70-6B3FC04F04C8}"/>
-              </a:ext>
-            </a:extLst>
-          </p:cNvPr>
-          <p:cNvSpPr>
-            <a:spLocks noGrp="1"/>
-          </p:cNvSpPr>
-          <p:nvPr>
-            <p:ph sz="half" idx="1"/>
-          </p:nvPr>
-        </p:nvSpPr>
-        <p:spPr>
-          <a:xfrm>
-            <a:off x="838200" y="1825624"/>
-            <a:ext cx="4351215" cy="5032375"/>
-          </a:xfrm>
-        </p:spPr>
-        <p:txBody>
-          <a:bodyPr/>
-          <a:lstStyle/>
-          <a:p>
-            <a:pPr marL="0" indent="0">
-              <a:buNone/>
-            </a:pPr>
-            <a:r>
-              <a:rPr lang="en-GB" dirty="0"/>
-              <a:t>As with the “;” symbol, most</a:t>
-            </a:r>
-          </a:p>
-          <a:p>
-            <a:r>
-              <a:rPr lang="en-GB" dirty="0"/>
-              <a:t>punctuation signs (curly braces, parentheses, etc.)</a:t>
-            </a:r>
-          </a:p>
-          <a:p>
-            <a:r>
-              <a:rPr lang="en-GB" dirty="0"/>
-              <a:t>or operators (e.g. “+”, “-”, “*”, “/”, etc.)</a:t>
-            </a:r>
-          </a:p>
-          <a:p>
-            <a:pPr marL="0" indent="0">
-              <a:buNone/>
-            </a:pPr>
-            <a:r>
-              <a:rPr lang="en-GB" dirty="0"/>
-              <a:t>will consist of a single special character We can then create Token Types for each of these operators, as before.</a:t>
-            </a:r>
-            <a:endParaRPr lang="en-SG" dirty="0"/>
-          </a:p>
-        </p:txBody>
-      </p:sp>
-      <p:pic>
-        <p:nvPicPr>
-          <p:cNvPr id="7" name="Picture 6">
-            <a:extLst>
-              <a:ext uri="{FF2B5EF4-FFF2-40B4-BE49-F238E27FC236}">
-                <a16:creationId xmlns:a16="http://schemas.microsoft.com/office/drawing/2014/main" id="{1B06422F-39BB-7AE0-BDFD-9C010C04F4DF}"/>
-              </a:ext>
-            </a:extLst>
-          </p:cNvPr>
-          <p:cNvPicPr>
-            <a:picLocks noChangeAspect="1"/>
-          </p:cNvPicPr>
-          <p:nvPr/>
-        </p:nvPicPr>
-        <p:blipFill>
-          <a:blip r:embed="rId2"/>
-          <a:stretch>
-            <a:fillRect/>
-          </a:stretch>
-        </p:blipFill>
-        <p:spPr>
-          <a:xfrm>
-            <a:off x="5542622" y="2510227"/>
-            <a:ext cx="6649378" cy="3181794"/>
-          </a:xfrm>
-          <a:prstGeom prst="rect">
-            <a:avLst/>
-          </a:prstGeom>
-        </p:spPr>
-      </p:pic>
-    </p:spTree>
-    <p:extLst>
-      <p:ext uri="{BB962C8B-B14F-4D97-AF65-F5344CB8AC3E}">
-        <p14:creationId xmlns:p14="http://schemas.microsoft.com/office/powerpoint/2010/main" val="18795257"/>
       </p:ext>
     </p:extLst>
   </p:cSld>
@@ -22013,6 +22482,162 @@
           <p:cNvPr id="2" name="Title 1">
             <a:extLst>
               <a:ext uri="{FF2B5EF4-FFF2-40B4-BE49-F238E27FC236}">
+                <a16:creationId xmlns:a16="http://schemas.microsoft.com/office/drawing/2014/main" id="{6B70F080-5AE6-BE06-1477-59814861F873}"/>
+              </a:ext>
+            </a:extLst>
+          </p:cNvPr>
+          <p:cNvSpPr>
+            <a:spLocks noGrp="1"/>
+          </p:cNvSpPr>
+          <p:nvPr>
+            <p:ph type="title"/>
+          </p:nvPr>
+        </p:nvSpPr>
+        <p:spPr/>
+        <p:txBody>
+          <a:bodyPr/>
+          <a:lstStyle/>
+          <a:p>
+            <a:r>
+              <a:rPr lang="en-GB" dirty="0"/>
+              <a:t>Recognizing additional punctuation/operators</a:t>
+            </a:r>
+            <a:endParaRPr lang="en-SG" dirty="0"/>
+          </a:p>
+        </p:txBody>
+      </p:sp>
+      <p:sp>
+        <p:nvSpPr>
+          <p:cNvPr id="3" name="Content Placeholder 2">
+            <a:extLst>
+              <a:ext uri="{FF2B5EF4-FFF2-40B4-BE49-F238E27FC236}">
+                <a16:creationId xmlns:a16="http://schemas.microsoft.com/office/drawing/2014/main" id="{0AC2E044-D0C1-8668-6F70-6B3FC04F04C8}"/>
+              </a:ext>
+            </a:extLst>
+          </p:cNvPr>
+          <p:cNvSpPr>
+            <a:spLocks noGrp="1"/>
+          </p:cNvSpPr>
+          <p:nvPr>
+            <p:ph sz="half" idx="1"/>
+          </p:nvPr>
+        </p:nvSpPr>
+        <p:spPr>
+          <a:xfrm>
+            <a:off x="838200" y="1825624"/>
+            <a:ext cx="4351215" cy="5032375"/>
+          </a:xfrm>
+        </p:spPr>
+        <p:txBody>
+          <a:bodyPr/>
+          <a:lstStyle/>
+          <a:p>
+            <a:pPr marL="0" indent="0">
+              <a:buNone/>
+            </a:pPr>
+            <a:r>
+              <a:rPr lang="en-GB" dirty="0"/>
+              <a:t>As with the “;” symbol, most</a:t>
+            </a:r>
+          </a:p>
+          <a:p>
+            <a:r>
+              <a:rPr lang="en-GB" dirty="0"/>
+              <a:t>punctuation signs (curly braces, parentheses, etc.)</a:t>
+            </a:r>
+          </a:p>
+          <a:p>
+            <a:r>
+              <a:rPr lang="en-GB" dirty="0"/>
+              <a:t>or operators (e.g. “+”, “-”, “*”, “/”, etc.)</a:t>
+            </a:r>
+          </a:p>
+          <a:p>
+            <a:pPr marL="0" indent="0">
+              <a:buNone/>
+            </a:pPr>
+            <a:r>
+              <a:rPr lang="en-GB" dirty="0"/>
+              <a:t>will consist of a single special character</a:t>
+            </a:r>
+          </a:p>
+          <a:p>
+            <a:pPr marL="0" indent="0">
+              <a:buNone/>
+            </a:pPr>
+            <a:r>
+              <a:rPr lang="en-GB" dirty="0"/>
+              <a:t>We can then create Token Types for each of these operators, as before.</a:t>
+            </a:r>
+            <a:endParaRPr lang="en-SG" dirty="0"/>
+          </a:p>
+        </p:txBody>
+      </p:sp>
+      <p:pic>
+        <p:nvPicPr>
+          <p:cNvPr id="7" name="Picture 6">
+            <a:extLst>
+              <a:ext uri="{FF2B5EF4-FFF2-40B4-BE49-F238E27FC236}">
+                <a16:creationId xmlns:a16="http://schemas.microsoft.com/office/drawing/2014/main" id="{1B06422F-39BB-7AE0-BDFD-9C010C04F4DF}"/>
+              </a:ext>
+            </a:extLst>
+          </p:cNvPr>
+          <p:cNvPicPr>
+            <a:picLocks noChangeAspect="1"/>
+          </p:cNvPicPr>
+          <p:nvPr/>
+        </p:nvPicPr>
+        <p:blipFill>
+          <a:blip r:embed="rId2"/>
+          <a:stretch>
+            <a:fillRect/>
+          </a:stretch>
+        </p:blipFill>
+        <p:spPr>
+          <a:xfrm>
+            <a:off x="5542622" y="2510227"/>
+            <a:ext cx="6649378" cy="3181794"/>
+          </a:xfrm>
+          <a:prstGeom prst="rect">
+            <a:avLst/>
+          </a:prstGeom>
+        </p:spPr>
+      </p:pic>
+    </p:spTree>
+    <p:extLst>
+      <p:ext uri="{BB962C8B-B14F-4D97-AF65-F5344CB8AC3E}">
+        <p14:creationId xmlns:p14="http://schemas.microsoft.com/office/powerpoint/2010/main" val="18795257"/>
+      </p:ext>
+    </p:extLst>
+  </p:cSld>
+  <p:clrMapOvr>
+    <a:masterClrMapping/>
+  </p:clrMapOvr>
+</p:sld>
+</file>
+
+<file path=ppt/slides/slide41.xml><?xml version="1.0" encoding="utf-8"?>
+<p:sld xmlns:a="http://schemas.openxmlformats.org/drawingml/2006/main" xmlns:r="http://schemas.openxmlformats.org/officeDocument/2006/relationships" xmlns:p="http://schemas.openxmlformats.org/presentationml/2006/main">
+  <p:cSld>
+    <p:spTree>
+      <p:nvGrpSpPr>
+        <p:cNvPr id="1" name=""/>
+        <p:cNvGrpSpPr/>
+        <p:nvPr/>
+      </p:nvGrpSpPr>
+      <p:grpSpPr>
+        <a:xfrm>
+          <a:off x="0" y="0"/>
+          <a:ext cx="0" cy="0"/>
+          <a:chOff x="0" y="0"/>
+          <a:chExt cx="0" cy="0"/>
+        </a:xfrm>
+      </p:grpSpPr>
+      <p:sp>
+        <p:nvSpPr>
+          <p:cNvPr id="2" name="Title 1">
+            <a:extLst>
+              <a:ext uri="{FF2B5EF4-FFF2-40B4-BE49-F238E27FC236}">
                 <a16:creationId xmlns:a16="http://schemas.microsoft.com/office/drawing/2014/main" id="{8D5287C4-76A9-0311-FD58-A037284307E9}"/>
               </a:ext>
             </a:extLst>
@@ -22070,7 +22695,7 @@
             </a:pPr>
             <a:r>
               <a:rPr lang="en-GB" b="1" dirty="0"/>
-              <a:t>Shall we use a single Token Type TOKEN_OPERATOR for all operators; or should we make more categories of Token Types (TOKEN_ADD, MULT, SUB, DIV, etc.)? Same thing for KEYWORDs.</a:t>
+              <a:t>Shall we use a single Token Type TOKEN_OPERATOR for all operators; or should we make more categories of Token Types (TOKEN_ADD, MULT, SUB, DIV, etc.)? Same thing for KEYWORDs and PUNCTUATION.</a:t>
             </a:r>
           </a:p>
           <a:p>
@@ -22107,7 +22732,7 @@
 </p:sld>
 </file>
 
-<file path=ppt/slides/slide41.xml><?xml version="1.0" encoding="utf-8"?>
+<file path=ppt/slides/slide42.xml><?xml version="1.0" encoding="utf-8"?>
 <p:sld xmlns:a="http://schemas.openxmlformats.org/drawingml/2006/main" xmlns:r="http://schemas.openxmlformats.org/officeDocument/2006/relationships" xmlns:p="http://schemas.openxmlformats.org/presentationml/2006/main">
   <p:cSld>
     <p:spTree>
@@ -22147,15 +22772,7 @@
           <a:p>
             <a:r>
               <a:rPr lang="en-GB" dirty="0"/>
-              <a:t>What does </a:t>
-            </a:r>
-            <a:r>
-              <a:rPr lang="en-GB" dirty="0" err="1"/>
-              <a:t>gcc</a:t>
-            </a:r>
-            <a:r>
-              <a:rPr lang="en-GB" dirty="0"/>
-              <a:t> do then?</a:t>
+              <a:t>Fair enough, what does GCC do then?</a:t>
             </a:r>
             <a:endParaRPr lang="en-SG" dirty="0"/>
           </a:p>
@@ -22218,153 +22835,6 @@
     <p:extLst>
       <p:ext uri="{BB962C8B-B14F-4D97-AF65-F5344CB8AC3E}">
         <p14:creationId xmlns:p14="http://schemas.microsoft.com/office/powerpoint/2010/main" val="1555117061"/>
-      </p:ext>
-    </p:extLst>
-  </p:cSld>
-  <p:clrMapOvr>
-    <a:masterClrMapping/>
-  </p:clrMapOvr>
-</p:sld>
-</file>
-
-<file path=ppt/slides/slide42.xml><?xml version="1.0" encoding="utf-8"?>
-<p:sld xmlns:a="http://schemas.openxmlformats.org/drawingml/2006/main" xmlns:r="http://schemas.openxmlformats.org/officeDocument/2006/relationships" xmlns:p="http://schemas.openxmlformats.org/presentationml/2006/main">
-  <p:cSld>
-    <p:spTree>
-      <p:nvGrpSpPr>
-        <p:cNvPr id="1" name=""/>
-        <p:cNvGrpSpPr/>
-        <p:nvPr/>
-      </p:nvGrpSpPr>
-      <p:grpSpPr>
-        <a:xfrm>
-          <a:off x="0" y="0"/>
-          <a:ext cx="0" cy="0"/>
-          <a:chOff x="0" y="0"/>
-          <a:chExt cx="0" cy="0"/>
-        </a:xfrm>
-      </p:grpSpPr>
-      <p:sp>
-        <p:nvSpPr>
-          <p:cNvPr id="2" name="Title 1">
-            <a:extLst>
-              <a:ext uri="{FF2B5EF4-FFF2-40B4-BE49-F238E27FC236}">
-                <a16:creationId xmlns:a16="http://schemas.microsoft.com/office/drawing/2014/main" id="{6B70F080-5AE6-BE06-1477-59814861F873}"/>
-              </a:ext>
-            </a:extLst>
-          </p:cNvPr>
-          <p:cNvSpPr>
-            <a:spLocks noGrp="1"/>
-          </p:cNvSpPr>
-          <p:nvPr>
-            <p:ph type="title"/>
-          </p:nvPr>
-        </p:nvSpPr>
-        <p:spPr/>
-        <p:txBody>
-          <a:bodyPr/>
-          <a:lstStyle/>
-          <a:p>
-            <a:r>
-              <a:rPr lang="en-GB" dirty="0"/>
-              <a:t>Back to our additional punctuation/operators</a:t>
-            </a:r>
-            <a:endParaRPr lang="en-SG" dirty="0"/>
-          </a:p>
-        </p:txBody>
-      </p:sp>
-      <p:sp>
-        <p:nvSpPr>
-          <p:cNvPr id="3" name="Content Placeholder 2">
-            <a:extLst>
-              <a:ext uri="{FF2B5EF4-FFF2-40B4-BE49-F238E27FC236}">
-                <a16:creationId xmlns:a16="http://schemas.microsoft.com/office/drawing/2014/main" id="{0AC2E044-D0C1-8668-6F70-6B3FC04F04C8}"/>
-              </a:ext>
-            </a:extLst>
-          </p:cNvPr>
-          <p:cNvSpPr>
-            <a:spLocks noGrp="1"/>
-          </p:cNvSpPr>
-          <p:nvPr>
-            <p:ph sz="half" idx="1"/>
-          </p:nvPr>
-        </p:nvSpPr>
-        <p:spPr>
-          <a:xfrm>
-            <a:off x="838200" y="1825624"/>
-            <a:ext cx="4351215" cy="5032375"/>
-          </a:xfrm>
-        </p:spPr>
-        <p:txBody>
-          <a:bodyPr/>
-          <a:lstStyle/>
-          <a:p>
-            <a:pPr marL="0" indent="0">
-              <a:buNone/>
-            </a:pPr>
-            <a:r>
-              <a:rPr lang="en-GB" dirty="0"/>
-              <a:t>As with the “;” symbol, most</a:t>
-            </a:r>
-          </a:p>
-          <a:p>
-            <a:r>
-              <a:rPr lang="en-GB" dirty="0"/>
-              <a:t>punctuation signs (curly braces, parentheses, etc.)</a:t>
-            </a:r>
-          </a:p>
-          <a:p>
-            <a:r>
-              <a:rPr lang="en-GB" dirty="0"/>
-              <a:t>or operators (e.g. “+”, “-”, “*”, “/”, etc.)</a:t>
-            </a:r>
-          </a:p>
-          <a:p>
-            <a:pPr marL="0" indent="0">
-              <a:buNone/>
-            </a:pPr>
-            <a:r>
-              <a:rPr lang="en-GB" dirty="0"/>
-              <a:t>will consist of a single special character We can then create Token Types for each of these operators, as before.</a:t>
-            </a:r>
-            <a:endParaRPr lang="en-SG" dirty="0"/>
-          </a:p>
-        </p:txBody>
-      </p:sp>
-      <p:pic>
-        <p:nvPicPr>
-          <p:cNvPr id="7" name="Picture 6">
-            <a:extLst>
-              <a:ext uri="{FF2B5EF4-FFF2-40B4-BE49-F238E27FC236}">
-                <a16:creationId xmlns:a16="http://schemas.microsoft.com/office/drawing/2014/main" id="{1B06422F-39BB-7AE0-BDFD-9C010C04F4DF}"/>
-              </a:ext>
-            </a:extLst>
-          </p:cNvPr>
-          <p:cNvPicPr>
-            <a:picLocks noChangeAspect="1"/>
-          </p:cNvPicPr>
-          <p:nvPr/>
-        </p:nvPicPr>
-        <p:blipFill>
-          <a:blip r:embed="rId2"/>
-          <a:stretch>
-            <a:fillRect/>
-          </a:stretch>
-        </p:blipFill>
-        <p:spPr>
-          <a:xfrm>
-            <a:off x="5542622" y="2510227"/>
-            <a:ext cx="6649378" cy="3181794"/>
-          </a:xfrm>
-          <a:prstGeom prst="rect">
-            <a:avLst/>
-          </a:prstGeom>
-        </p:spPr>
-      </p:pic>
-    </p:spTree>
-    <p:extLst>
-      <p:ext uri="{BB962C8B-B14F-4D97-AF65-F5344CB8AC3E}">
-        <p14:creationId xmlns:p14="http://schemas.microsoft.com/office/powerpoint/2010/main" val="1452149184"/>
       </p:ext>
     </p:extLst>
   </p:cSld>
@@ -22451,6 +22921,162 @@
             </a:pPr>
             <a:r>
               <a:rPr lang="en-GB" dirty="0"/>
+              <a:t>As with the “;” symbol, most</a:t>
+            </a:r>
+          </a:p>
+          <a:p>
+            <a:r>
+              <a:rPr lang="en-GB" dirty="0"/>
+              <a:t>punctuation signs (curly braces, parentheses, etc.)</a:t>
+            </a:r>
+          </a:p>
+          <a:p>
+            <a:r>
+              <a:rPr lang="en-GB" dirty="0"/>
+              <a:t>or operators (e.g. “+”, “-”, “*”, “/”, etc.)</a:t>
+            </a:r>
+          </a:p>
+          <a:p>
+            <a:pPr marL="0" indent="0">
+              <a:buNone/>
+            </a:pPr>
+            <a:r>
+              <a:rPr lang="en-GB" dirty="0"/>
+              <a:t>will consist of a single special character</a:t>
+            </a:r>
+          </a:p>
+          <a:p>
+            <a:pPr marL="0" indent="0">
+              <a:buNone/>
+            </a:pPr>
+            <a:r>
+              <a:rPr lang="en-GB" dirty="0"/>
+              <a:t>We can then create Token Types for each of these operators, as before.</a:t>
+            </a:r>
+            <a:endParaRPr lang="en-SG" dirty="0"/>
+          </a:p>
+        </p:txBody>
+      </p:sp>
+      <p:pic>
+        <p:nvPicPr>
+          <p:cNvPr id="7" name="Picture 6">
+            <a:extLst>
+              <a:ext uri="{FF2B5EF4-FFF2-40B4-BE49-F238E27FC236}">
+                <a16:creationId xmlns:a16="http://schemas.microsoft.com/office/drawing/2014/main" id="{1B06422F-39BB-7AE0-BDFD-9C010C04F4DF}"/>
+              </a:ext>
+            </a:extLst>
+          </p:cNvPr>
+          <p:cNvPicPr>
+            <a:picLocks noChangeAspect="1"/>
+          </p:cNvPicPr>
+          <p:nvPr/>
+        </p:nvPicPr>
+        <p:blipFill>
+          <a:blip r:embed="rId2"/>
+          <a:stretch>
+            <a:fillRect/>
+          </a:stretch>
+        </p:blipFill>
+        <p:spPr>
+          <a:xfrm>
+            <a:off x="5542622" y="2510227"/>
+            <a:ext cx="6649378" cy="3181794"/>
+          </a:xfrm>
+          <a:prstGeom prst="rect">
+            <a:avLst/>
+          </a:prstGeom>
+        </p:spPr>
+      </p:pic>
+    </p:spTree>
+    <p:extLst>
+      <p:ext uri="{BB962C8B-B14F-4D97-AF65-F5344CB8AC3E}">
+        <p14:creationId xmlns:p14="http://schemas.microsoft.com/office/powerpoint/2010/main" val="1452149184"/>
+      </p:ext>
+    </p:extLst>
+  </p:cSld>
+  <p:clrMapOvr>
+    <a:masterClrMapping/>
+  </p:clrMapOvr>
+</p:sld>
+</file>
+
+<file path=ppt/slides/slide44.xml><?xml version="1.0" encoding="utf-8"?>
+<p:sld xmlns:a="http://schemas.openxmlformats.org/drawingml/2006/main" xmlns:r="http://schemas.openxmlformats.org/officeDocument/2006/relationships" xmlns:p="http://schemas.openxmlformats.org/presentationml/2006/main">
+  <p:cSld>
+    <p:spTree>
+      <p:nvGrpSpPr>
+        <p:cNvPr id="1" name=""/>
+        <p:cNvGrpSpPr/>
+        <p:nvPr/>
+      </p:nvGrpSpPr>
+      <p:grpSpPr>
+        <a:xfrm>
+          <a:off x="0" y="0"/>
+          <a:ext cx="0" cy="0"/>
+          <a:chOff x="0" y="0"/>
+          <a:chExt cx="0" cy="0"/>
+        </a:xfrm>
+      </p:grpSpPr>
+      <p:sp>
+        <p:nvSpPr>
+          <p:cNvPr id="2" name="Title 1">
+            <a:extLst>
+              <a:ext uri="{FF2B5EF4-FFF2-40B4-BE49-F238E27FC236}">
+                <a16:creationId xmlns:a16="http://schemas.microsoft.com/office/drawing/2014/main" id="{6B70F080-5AE6-BE06-1477-59814861F873}"/>
+              </a:ext>
+            </a:extLst>
+          </p:cNvPr>
+          <p:cNvSpPr>
+            <a:spLocks noGrp="1"/>
+          </p:cNvSpPr>
+          <p:nvPr>
+            <p:ph type="title"/>
+          </p:nvPr>
+        </p:nvSpPr>
+        <p:spPr/>
+        <p:txBody>
+          <a:bodyPr/>
+          <a:lstStyle/>
+          <a:p>
+            <a:r>
+              <a:rPr lang="en-GB" dirty="0"/>
+              <a:t>Back to our additional punctuation/operators</a:t>
+            </a:r>
+            <a:endParaRPr lang="en-SG" dirty="0"/>
+          </a:p>
+        </p:txBody>
+      </p:sp>
+      <p:sp>
+        <p:nvSpPr>
+          <p:cNvPr id="3" name="Content Placeholder 2">
+            <a:extLst>
+              <a:ext uri="{FF2B5EF4-FFF2-40B4-BE49-F238E27FC236}">
+                <a16:creationId xmlns:a16="http://schemas.microsoft.com/office/drawing/2014/main" id="{0AC2E044-D0C1-8668-6F70-6B3FC04F04C8}"/>
+              </a:ext>
+            </a:extLst>
+          </p:cNvPr>
+          <p:cNvSpPr>
+            <a:spLocks noGrp="1"/>
+          </p:cNvSpPr>
+          <p:nvPr>
+            <p:ph sz="half" idx="1"/>
+          </p:nvPr>
+        </p:nvSpPr>
+        <p:spPr>
+          <a:xfrm>
+            <a:off x="838200" y="1825624"/>
+            <a:ext cx="4351215" cy="5032375"/>
+          </a:xfrm>
+        </p:spPr>
+        <p:txBody>
+          <a:bodyPr/>
+          <a:lstStyle/>
+          <a:p>
+            <a:pPr marL="0" indent="0">
+              <a:buNone/>
+            </a:pPr>
+            <a:r>
+              <a:rPr lang="en-GB" b="1" dirty="0"/>
               <a:t>Another quick note: </a:t>
             </a:r>
           </a:p>
@@ -22518,7 +23144,170 @@
 </p:sld>
 </file>
 
-<file path=ppt/slides/slide44.xml><?xml version="1.0" encoding="utf-8"?>
+<file path=ppt/slides/slide45.xml><?xml version="1.0" encoding="utf-8"?>
+<p:sld xmlns:a="http://schemas.openxmlformats.org/drawingml/2006/main" xmlns:r="http://schemas.openxmlformats.org/officeDocument/2006/relationships" xmlns:p="http://schemas.openxmlformats.org/presentationml/2006/main">
+  <p:cSld>
+    <p:spTree>
+      <p:nvGrpSpPr>
+        <p:cNvPr id="1" name=""/>
+        <p:cNvGrpSpPr/>
+        <p:nvPr/>
+      </p:nvGrpSpPr>
+      <p:grpSpPr>
+        <a:xfrm>
+          <a:off x="0" y="0"/>
+          <a:ext cx="0" cy="0"/>
+          <a:chOff x="0" y="0"/>
+          <a:chExt cx="0" cy="0"/>
+        </a:xfrm>
+      </p:grpSpPr>
+      <p:sp>
+        <p:nvSpPr>
+          <p:cNvPr id="2" name="Title 1">
+            <a:extLst>
+              <a:ext uri="{FF2B5EF4-FFF2-40B4-BE49-F238E27FC236}">
+                <a16:creationId xmlns:a16="http://schemas.microsoft.com/office/drawing/2014/main" id="{6B70F080-5AE6-BE06-1477-59814861F873}"/>
+              </a:ext>
+            </a:extLst>
+          </p:cNvPr>
+          <p:cNvSpPr>
+            <a:spLocks noGrp="1"/>
+          </p:cNvSpPr>
+          <p:nvPr>
+            <p:ph type="title"/>
+          </p:nvPr>
+        </p:nvSpPr>
+        <p:spPr/>
+        <p:txBody>
+          <a:bodyPr/>
+          <a:lstStyle/>
+          <a:p>
+            <a:r>
+              <a:rPr lang="en-GB" dirty="0"/>
+              <a:t>Back to our additional punctuation/operators</a:t>
+            </a:r>
+            <a:endParaRPr lang="en-SG" dirty="0"/>
+          </a:p>
+        </p:txBody>
+      </p:sp>
+      <p:sp>
+        <p:nvSpPr>
+          <p:cNvPr id="3" name="Content Placeholder 2">
+            <a:extLst>
+              <a:ext uri="{FF2B5EF4-FFF2-40B4-BE49-F238E27FC236}">
+                <a16:creationId xmlns:a16="http://schemas.microsoft.com/office/drawing/2014/main" id="{0AC2E044-D0C1-8668-6F70-6B3FC04F04C8}"/>
+              </a:ext>
+            </a:extLst>
+          </p:cNvPr>
+          <p:cNvSpPr>
+            <a:spLocks noGrp="1"/>
+          </p:cNvSpPr>
+          <p:nvPr>
+            <p:ph sz="half" idx="1"/>
+          </p:nvPr>
+        </p:nvSpPr>
+        <p:spPr>
+          <a:xfrm>
+            <a:off x="838200" y="1825624"/>
+            <a:ext cx="4351215" cy="5032375"/>
+          </a:xfrm>
+        </p:spPr>
+        <p:txBody>
+          <a:bodyPr/>
+          <a:lstStyle/>
+          <a:p>
+            <a:pPr marL="0" indent="0">
+              <a:buNone/>
+            </a:pPr>
+            <a:r>
+              <a:rPr lang="en-GB" b="1" dirty="0"/>
+              <a:t>Another quick note: </a:t>
+            </a:r>
+          </a:p>
+          <a:p>
+            <a:r>
+              <a:rPr lang="en-GB" dirty="0"/>
+              <a:t>Checking that each opened parenthesis gets closed is NOT the job of the TOKENIZER.</a:t>
+            </a:r>
+          </a:p>
+          <a:p>
+            <a:endParaRPr lang="en-GB" dirty="0"/>
+          </a:p>
+          <a:p>
+            <a:pPr marL="0" indent="0">
+              <a:buNone/>
+            </a:pPr>
+            <a:r>
+              <a:rPr lang="en-GB" b="1" dirty="0"/>
+              <a:t>Question: </a:t>
+            </a:r>
+            <a:r>
+              <a:rPr lang="en-GB" dirty="0"/>
+              <a:t>BTW, is there any </a:t>
+            </a:r>
+            <a:r>
+              <a:rPr lang="en-GB" dirty="0" err="1"/>
+              <a:t>RegEx</a:t>
+            </a:r>
+            <a:r>
+              <a:rPr lang="en-GB" dirty="0"/>
+              <a:t> that could check that any opened parenthesis in the string </a:t>
+            </a:r>
+            <a:r>
+              <a:rPr lang="en-GB" i="1" dirty="0"/>
+              <a:t>x</a:t>
+            </a:r>
+            <a:r>
+              <a:rPr lang="en-GB" dirty="0"/>
+              <a:t> has been closed?</a:t>
+            </a:r>
+          </a:p>
+        </p:txBody>
+      </p:sp>
+      <p:pic>
+        <p:nvPicPr>
+          <p:cNvPr id="7" name="Picture 6">
+            <a:extLst>
+              <a:ext uri="{FF2B5EF4-FFF2-40B4-BE49-F238E27FC236}">
+                <a16:creationId xmlns:a16="http://schemas.microsoft.com/office/drawing/2014/main" id="{1B06422F-39BB-7AE0-BDFD-9C010C04F4DF}"/>
+              </a:ext>
+            </a:extLst>
+          </p:cNvPr>
+          <p:cNvPicPr>
+            <a:picLocks noChangeAspect="1"/>
+          </p:cNvPicPr>
+          <p:nvPr/>
+        </p:nvPicPr>
+        <p:blipFill>
+          <a:blip r:embed="rId2"/>
+          <a:stretch>
+            <a:fillRect/>
+          </a:stretch>
+        </p:blipFill>
+        <p:spPr>
+          <a:xfrm>
+            <a:off x="5542622" y="2510227"/>
+            <a:ext cx="6649378" cy="3181794"/>
+          </a:xfrm>
+          <a:prstGeom prst="rect">
+            <a:avLst/>
+          </a:prstGeom>
+        </p:spPr>
+      </p:pic>
+    </p:spTree>
+    <p:extLst>
+      <p:ext uri="{BB962C8B-B14F-4D97-AF65-F5344CB8AC3E}">
+        <p14:creationId xmlns:p14="http://schemas.microsoft.com/office/powerpoint/2010/main" val="3077962413"/>
+      </p:ext>
+    </p:extLst>
+  </p:cSld>
+  <p:clrMapOvr>
+    <a:masterClrMapping/>
+  </p:clrMapOvr>
+</p:sld>
+</file>
+
+<file path=ppt/slides/slide46.xml><?xml version="1.0" encoding="utf-8"?>
 <p:sld xmlns:a="http://schemas.openxmlformats.org/drawingml/2006/main" xmlns:r="http://schemas.openxmlformats.org/officeDocument/2006/relationships" xmlns:p="http://schemas.openxmlformats.org/presentationml/2006/main">
   <p:cSld>
     <p:spTree>
@@ -22639,7 +23428,7 @@
 </p:sld>
 </file>
 
-<file path=ppt/slides/slide45.xml><?xml version="1.0" encoding="utf-8"?>
+<file path=ppt/slides/slide47.xml><?xml version="1.0" encoding="utf-8"?>
 <p:sld xmlns:a="http://schemas.openxmlformats.org/drawingml/2006/main" xmlns:r="http://schemas.openxmlformats.org/officeDocument/2006/relationships" xmlns:p="http://schemas.openxmlformats.org/presentationml/2006/main">
   <p:cSld>
     <p:spTree>
@@ -22827,7 +23616,7 @@
 </p:sld>
 </file>
 
-<file path=ppt/slides/slide46.xml><?xml version="1.0" encoding="utf-8"?>
+<file path=ppt/slides/slide48.xml><?xml version="1.0" encoding="utf-8"?>
 <p:sld xmlns:a="http://schemas.openxmlformats.org/drawingml/2006/main" xmlns:r="http://schemas.openxmlformats.org/officeDocument/2006/relationships" xmlns:p="http://schemas.openxmlformats.org/presentationml/2006/main">
   <p:cSld>
     <p:spTree>
@@ -22936,7 +23725,7 @@
             </a:r>
             <a:r>
               <a:rPr lang="en-GB" dirty="0"/>
-              <a:t> to transcribe the rules instead.</a:t>
+              <a:t> to transcribe the grammar rules for identifiers.</a:t>
             </a:r>
           </a:p>
           <a:p>
@@ -22978,7 +23767,7 @@
 </p:sld>
 </file>
 
-<file path=ppt/slides/slide47.xml><?xml version="1.0" encoding="utf-8"?>
+<file path=ppt/slides/slide49.xml><?xml version="1.0" encoding="utf-8"?>
 <p:sld xmlns:a="http://schemas.openxmlformats.org/drawingml/2006/main" xmlns:r="http://schemas.openxmlformats.org/officeDocument/2006/relationships" xmlns:p="http://schemas.openxmlformats.org/presentationml/2006/main">
   <p:cSld>
     <p:spTree>
@@ -23087,7 +23876,7 @@
             </a:r>
             <a:r>
               <a:rPr lang="en-GB" dirty="0"/>
-              <a:t> to transcribe the rules instead.</a:t>
+              <a:t> to transcribe the grammar rules for identifiers.</a:t>
             </a:r>
           </a:p>
           <a:p>
@@ -23203,7 +23992,524 @@
 </p:sld>
 </file>
 
-<file path=ppt/slides/slide48.xml><?xml version="1.0" encoding="utf-8"?>
+<file path=ppt/slides/slide5.xml><?xml version="1.0" encoding="utf-8"?>
+<p:sld xmlns:a="http://schemas.openxmlformats.org/drawingml/2006/main" xmlns:r="http://schemas.openxmlformats.org/officeDocument/2006/relationships" xmlns:p="http://schemas.openxmlformats.org/presentationml/2006/main">
+  <p:cSld>
+    <p:spTree>
+      <p:nvGrpSpPr>
+        <p:cNvPr id="1" name=""/>
+        <p:cNvGrpSpPr/>
+        <p:nvPr/>
+      </p:nvGrpSpPr>
+      <p:grpSpPr>
+        <a:xfrm>
+          <a:off x="0" y="0"/>
+          <a:ext cx="0" cy="0"/>
+          <a:chOff x="0" y="0"/>
+          <a:chExt cx="0" cy="0"/>
+        </a:xfrm>
+      </p:grpSpPr>
+      <p:sp>
+        <p:nvSpPr>
+          <p:cNvPr id="2" name="Title 1">
+            <a:extLst>
+              <a:ext uri="{FF2B5EF4-FFF2-40B4-BE49-F238E27FC236}">
+                <a16:creationId xmlns:a16="http://schemas.microsoft.com/office/drawing/2014/main" id="{87657C29-1A3B-9090-2528-30E69AB94051}"/>
+              </a:ext>
+            </a:extLst>
+          </p:cNvPr>
+          <p:cNvSpPr>
+            <a:spLocks noGrp="1"/>
+          </p:cNvSpPr>
+          <p:nvPr>
+            <p:ph type="title"/>
+          </p:nvPr>
+        </p:nvSpPr>
+        <p:spPr/>
+        <p:txBody>
+          <a:bodyPr/>
+          <a:lstStyle/>
+          <a:p>
+            <a:r>
+              <a:rPr lang="en-GB" dirty="0"/>
+              <a:t>Lexical Analysis</a:t>
+            </a:r>
+            <a:endParaRPr lang="en-SG" dirty="0"/>
+          </a:p>
+        </p:txBody>
+      </p:sp>
+      <p:sp>
+        <p:nvSpPr>
+          <p:cNvPr id="5" name="Content Placeholder 4">
+            <a:extLst>
+              <a:ext uri="{FF2B5EF4-FFF2-40B4-BE49-F238E27FC236}">
+                <a16:creationId xmlns:a16="http://schemas.microsoft.com/office/drawing/2014/main" id="{2B13EA12-F42E-A14F-570D-C7B3FB0BA678}"/>
+              </a:ext>
+            </a:extLst>
+          </p:cNvPr>
+          <p:cNvSpPr>
+            <a:spLocks noGrp="1"/>
+          </p:cNvSpPr>
+          <p:nvPr>
+            <p:ph sz="half" idx="1"/>
+          </p:nvPr>
+        </p:nvSpPr>
+        <p:spPr/>
+        <p:txBody>
+          <a:bodyPr>
+            <a:normAutofit/>
+          </a:bodyPr>
+          <a:lstStyle/>
+          <a:p>
+            <a:pPr marL="0" indent="0">
+              <a:buNone/>
+            </a:pPr>
+            <a:r>
+              <a:rPr lang="en-GB" b="1" dirty="0"/>
+              <a:t>Definition (</a:t>
+            </a:r>
+            <a:r>
+              <a:rPr lang="en-GB" b="1" dirty="0">
+                <a:solidFill>
+                  <a:srgbClr val="7030A0"/>
+                </a:solidFill>
+              </a:rPr>
+              <a:t>Tokens</a:t>
+            </a:r>
+            <a:r>
+              <a:rPr lang="en-GB" b="1" dirty="0"/>
+              <a:t>):</a:t>
+            </a:r>
+          </a:p>
+          <a:p>
+            <a:pPr marL="0" indent="0">
+              <a:buNone/>
+            </a:pPr>
+            <a:r>
+              <a:rPr lang="en-GB" b="1" dirty="0">
+                <a:solidFill>
+                  <a:srgbClr val="7030A0"/>
+                </a:solidFill>
+              </a:rPr>
+              <a:t>Tokens</a:t>
+            </a:r>
+            <a:r>
+              <a:rPr lang="en-GB" dirty="0"/>
+              <a:t> are the </a:t>
+            </a:r>
+            <a:r>
+              <a:rPr lang="en-GB" b="1" dirty="0"/>
+              <a:t>smallest individual units of a programming language </a:t>
+            </a:r>
+            <a:r>
+              <a:rPr lang="en-GB" dirty="0"/>
+              <a:t>that the compiler can recognize and understand.</a:t>
+            </a:r>
+            <a:br>
+              <a:rPr lang="en-GB" dirty="0"/>
+            </a:br>
+            <a:r>
+              <a:rPr lang="en-GB" dirty="0"/>
+              <a:t>A token is a sequence of characters that has a specific meaning in the language, such as a </a:t>
+            </a:r>
+            <a:r>
+              <a:rPr lang="en-GB" b="1" dirty="0"/>
+              <a:t>keyword</a:t>
+            </a:r>
+            <a:r>
+              <a:rPr lang="en-GB" dirty="0"/>
+              <a:t>, </a:t>
+            </a:r>
+            <a:r>
+              <a:rPr lang="en-GB" b="1" dirty="0"/>
+              <a:t>identifier</a:t>
+            </a:r>
+            <a:r>
+              <a:rPr lang="en-GB" dirty="0"/>
+              <a:t>, </a:t>
+            </a:r>
+            <a:r>
+              <a:rPr lang="en-GB" b="1" dirty="0"/>
+              <a:t>operator</a:t>
+            </a:r>
+            <a:r>
+              <a:rPr lang="en-GB" dirty="0"/>
+              <a:t>, or </a:t>
+            </a:r>
+            <a:r>
+              <a:rPr lang="en-GB" b="1" dirty="0"/>
+              <a:t>punctuation</a:t>
+            </a:r>
+            <a:r>
+              <a:rPr lang="en-GB" dirty="0"/>
+              <a:t> </a:t>
+            </a:r>
+            <a:r>
+              <a:rPr lang="en-GB" b="1" dirty="0"/>
+              <a:t>symbol</a:t>
+            </a:r>
+            <a:r>
+              <a:rPr lang="en-GB" dirty="0"/>
+              <a:t>.</a:t>
+            </a:r>
+            <a:endParaRPr lang="en-SG" dirty="0"/>
+          </a:p>
+        </p:txBody>
+      </p:sp>
+      <p:sp>
+        <p:nvSpPr>
+          <p:cNvPr id="3" name="Content Placeholder 2">
+            <a:extLst>
+              <a:ext uri="{FF2B5EF4-FFF2-40B4-BE49-F238E27FC236}">
+                <a16:creationId xmlns:a16="http://schemas.microsoft.com/office/drawing/2014/main" id="{E1F7AF25-2360-31D8-D5BF-56EDDD31008D}"/>
+              </a:ext>
+            </a:extLst>
+          </p:cNvPr>
+          <p:cNvSpPr>
+            <a:spLocks noGrp="1"/>
+          </p:cNvSpPr>
+          <p:nvPr>
+            <p:ph sz="half" idx="2"/>
+          </p:nvPr>
+        </p:nvSpPr>
+        <p:spPr>
+          <a:xfrm>
+            <a:off x="6172200" y="1825624"/>
+            <a:ext cx="5181600" cy="5032375"/>
+          </a:xfrm>
+        </p:spPr>
+        <p:txBody>
+          <a:bodyPr>
+            <a:normAutofit/>
+          </a:bodyPr>
+          <a:lstStyle/>
+          <a:p>
+            <a:r>
+              <a:rPr lang="en-GB" b="1" dirty="0"/>
+              <a:t>Identifier: </a:t>
+            </a:r>
+            <a:r>
+              <a:rPr lang="en-GB" dirty="0"/>
+              <a:t>An identifier is a </a:t>
+            </a:r>
+            <a:r>
+              <a:rPr lang="en-GB" b="1" dirty="0"/>
+              <a:t>name given to a variable</a:t>
+            </a:r>
+            <a:r>
+              <a:rPr lang="en-GB" dirty="0"/>
+              <a:t>, </a:t>
+            </a:r>
+            <a:r>
+              <a:rPr lang="en-GB" b="1" dirty="0"/>
+              <a:t>function</a:t>
+            </a:r>
+            <a:r>
+              <a:rPr lang="en-GB" dirty="0"/>
+              <a:t>, or </a:t>
+            </a:r>
+            <a:r>
+              <a:rPr lang="en-GB" b="1" dirty="0"/>
+              <a:t>other</a:t>
+            </a:r>
+            <a:r>
+              <a:rPr lang="en-GB" dirty="0"/>
+              <a:t> </a:t>
+            </a:r>
+            <a:r>
+              <a:rPr lang="en-GB" b="1" dirty="0"/>
+              <a:t>entity</a:t>
+            </a:r>
+            <a:r>
+              <a:rPr lang="en-GB" dirty="0"/>
+              <a:t> in a program. Will follow rules, such as starting with a letter or underscore and consisting of letters, digits, and underscores.</a:t>
+            </a:r>
+          </a:p>
+          <a:p>
+            <a:pPr marL="0" indent="0">
+              <a:buNone/>
+            </a:pPr>
+            <a:r>
+              <a:rPr lang="en-GB" dirty="0"/>
+              <a:t>Examples of identifiers:</a:t>
+            </a:r>
+          </a:p>
+          <a:p>
+            <a:r>
+              <a:rPr lang="en-GB" dirty="0"/>
+              <a:t>x, counter, variable_1,</a:t>
+            </a:r>
+          </a:p>
+          <a:p>
+            <a:r>
+              <a:rPr lang="en-GB" dirty="0" err="1"/>
+              <a:t>myFunction</a:t>
+            </a:r>
+            <a:r>
+              <a:rPr lang="en-GB" dirty="0"/>
+              <a:t>, </a:t>
+            </a:r>
+          </a:p>
+          <a:p>
+            <a:r>
+              <a:rPr lang="en-GB" dirty="0"/>
+              <a:t>etc.</a:t>
+            </a:r>
+          </a:p>
+        </p:txBody>
+      </p:sp>
+    </p:spTree>
+    <p:extLst>
+      <p:ext uri="{BB962C8B-B14F-4D97-AF65-F5344CB8AC3E}">
+        <p14:creationId xmlns:p14="http://schemas.microsoft.com/office/powerpoint/2010/main" val="3941141626"/>
+      </p:ext>
+    </p:extLst>
+  </p:cSld>
+  <p:clrMapOvr>
+    <a:masterClrMapping/>
+  </p:clrMapOvr>
+</p:sld>
+</file>
+
+<file path=ppt/slides/slide50.xml><?xml version="1.0" encoding="utf-8"?>
+<p:sld xmlns:a="http://schemas.openxmlformats.org/drawingml/2006/main" xmlns:r="http://schemas.openxmlformats.org/officeDocument/2006/relationships" xmlns:p="http://schemas.openxmlformats.org/presentationml/2006/main">
+  <p:cSld>
+    <p:spTree>
+      <p:nvGrpSpPr>
+        <p:cNvPr id="1" name=""/>
+        <p:cNvGrpSpPr/>
+        <p:nvPr/>
+      </p:nvGrpSpPr>
+      <p:grpSpPr>
+        <a:xfrm>
+          <a:off x="0" y="0"/>
+          <a:ext cx="0" cy="0"/>
+          <a:chOff x="0" y="0"/>
+          <a:chExt cx="0" cy="0"/>
+        </a:xfrm>
+      </p:grpSpPr>
+      <p:sp>
+        <p:nvSpPr>
+          <p:cNvPr id="2" name="Title 1">
+            <a:extLst>
+              <a:ext uri="{FF2B5EF4-FFF2-40B4-BE49-F238E27FC236}">
+                <a16:creationId xmlns:a16="http://schemas.microsoft.com/office/drawing/2014/main" id="{366998ED-F054-256F-84E0-82494D80A244}"/>
+              </a:ext>
+            </a:extLst>
+          </p:cNvPr>
+          <p:cNvSpPr>
+            <a:spLocks noGrp="1"/>
+          </p:cNvSpPr>
+          <p:nvPr>
+            <p:ph type="title"/>
+          </p:nvPr>
+        </p:nvSpPr>
+        <p:spPr/>
+        <p:txBody>
+          <a:bodyPr/>
+          <a:lstStyle/>
+          <a:p>
+            <a:r>
+              <a:rPr lang="en-GB" dirty="0"/>
+              <a:t>Quick note on \w and others in </a:t>
+            </a:r>
+            <a:r>
+              <a:rPr lang="en-GB" dirty="0" err="1"/>
+              <a:t>RegEx</a:t>
+            </a:r>
+            <a:endParaRPr lang="en-SG" dirty="0"/>
+          </a:p>
+        </p:txBody>
+      </p:sp>
+      <p:sp>
+        <p:nvSpPr>
+          <p:cNvPr id="3" name="Content Placeholder 2">
+            <a:extLst>
+              <a:ext uri="{FF2B5EF4-FFF2-40B4-BE49-F238E27FC236}">
+                <a16:creationId xmlns:a16="http://schemas.microsoft.com/office/drawing/2014/main" id="{53BD06E2-E197-E5AA-FA7E-A6F1067D2D9D}"/>
+              </a:ext>
+            </a:extLst>
+          </p:cNvPr>
+          <p:cNvSpPr>
+            <a:spLocks noGrp="1"/>
+          </p:cNvSpPr>
+          <p:nvPr>
+            <p:ph idx="1"/>
+          </p:nvPr>
+        </p:nvSpPr>
+        <p:spPr/>
+        <p:txBody>
+          <a:bodyPr/>
+          <a:lstStyle/>
+          <a:p>
+            <a:pPr marL="0" indent="0">
+              <a:buNone/>
+            </a:pPr>
+            <a:r>
+              <a:rPr lang="en-GB" dirty="0"/>
+              <a:t>The C </a:t>
+            </a:r>
+            <a:r>
+              <a:rPr lang="en-GB" dirty="0" err="1"/>
+              <a:t>RegEx</a:t>
+            </a:r>
+            <a:r>
+              <a:rPr lang="en-GB" dirty="0"/>
+              <a:t> library expects two escape characters to be used \\w (or any other similar notation like \\d, \\s, etc.).</a:t>
+            </a:r>
+          </a:p>
+          <a:p>
+            <a:pPr marL="0" indent="0">
+              <a:buNone/>
+            </a:pPr>
+            <a:endParaRPr lang="en-GB" dirty="0"/>
+          </a:p>
+          <a:p>
+            <a:pPr marL="0" indent="0">
+              <a:buNone/>
+            </a:pPr>
+            <a:r>
+              <a:rPr lang="en-GB" dirty="0"/>
+              <a:t>This means that the </a:t>
+            </a:r>
+            <a:r>
+              <a:rPr lang="en-GB" b="1" dirty="0"/>
+              <a:t>\\w </a:t>
+            </a:r>
+            <a:r>
+              <a:rPr lang="en-GB" dirty="0"/>
+              <a:t>in the </a:t>
+            </a:r>
+            <a:r>
+              <a:rPr lang="en-GB" dirty="0" err="1"/>
+              <a:t>RegEx</a:t>
+            </a:r>
+            <a:r>
+              <a:rPr lang="en-GB" dirty="0"/>
+              <a:t> below is not a typo.</a:t>
+            </a:r>
+          </a:p>
+          <a:p>
+            <a:pPr marL="0" indent="0" algn="ctr">
+              <a:buNone/>
+            </a:pPr>
+            <a:r>
+              <a:rPr lang="en-GB" b="1" i="1" dirty="0">
+                <a:solidFill>
+                  <a:srgbClr val="7030A0"/>
+                </a:solidFill>
+              </a:rPr>
+              <a:t>“^[a-</a:t>
+            </a:r>
+            <a:r>
+              <a:rPr lang="en-GB" b="1" i="1" dirty="0" err="1">
+                <a:solidFill>
+                  <a:srgbClr val="7030A0"/>
+                </a:solidFill>
+              </a:rPr>
+              <a:t>zA</a:t>
+            </a:r>
+            <a:r>
+              <a:rPr lang="en-GB" b="1" i="1" dirty="0">
+                <a:solidFill>
+                  <a:srgbClr val="7030A0"/>
+                </a:solidFill>
+              </a:rPr>
+              <a:t>-Z_]\\w*$”</a:t>
+            </a:r>
+          </a:p>
+          <a:p>
+            <a:pPr marL="0" indent="0" algn="ctr">
+              <a:buNone/>
+            </a:pPr>
+            <a:endParaRPr lang="en-GB" b="1" i="1" dirty="0">
+              <a:solidFill>
+                <a:srgbClr val="7030A0"/>
+              </a:solidFill>
+            </a:endParaRPr>
+          </a:p>
+          <a:p>
+            <a:pPr marL="0" indent="0">
+              <a:buNone/>
+            </a:pPr>
+            <a:r>
+              <a:rPr lang="en-GB" dirty="0"/>
+              <a:t>In some other </a:t>
+            </a:r>
+            <a:r>
+              <a:rPr lang="en-GB" dirty="0" err="1"/>
+              <a:t>RegEx</a:t>
+            </a:r>
+            <a:r>
+              <a:rPr lang="en-GB" dirty="0"/>
+              <a:t> engines, a simple </a:t>
+            </a:r>
+            <a:r>
+              <a:rPr lang="en-GB" b="1" dirty="0"/>
+              <a:t>\w </a:t>
+            </a:r>
+            <a:r>
+              <a:rPr lang="en-GB" dirty="0"/>
+              <a:t>might do (so be careful!).</a:t>
+            </a:r>
+          </a:p>
+          <a:p>
+            <a:pPr marL="0" indent="0" algn="ctr">
+              <a:buNone/>
+            </a:pPr>
+            <a:r>
+              <a:rPr lang="en-GB" b="1" i="1" dirty="0">
+                <a:solidFill>
+                  <a:srgbClr val="7030A0"/>
+                </a:solidFill>
+              </a:rPr>
+              <a:t>“^[a-</a:t>
+            </a:r>
+            <a:r>
+              <a:rPr lang="en-GB" b="1" i="1" dirty="0" err="1">
+                <a:solidFill>
+                  <a:srgbClr val="7030A0"/>
+                </a:solidFill>
+              </a:rPr>
+              <a:t>zA</a:t>
+            </a:r>
+            <a:r>
+              <a:rPr lang="en-GB" b="1" i="1" dirty="0">
+                <a:solidFill>
+                  <a:srgbClr val="7030A0"/>
+                </a:solidFill>
+              </a:rPr>
+              <a:t>-Z_]\w*$”</a:t>
+            </a:r>
+          </a:p>
+          <a:p>
+            <a:pPr marL="0" indent="0">
+              <a:buNone/>
+            </a:pPr>
+            <a:endParaRPr lang="en-GB" dirty="0"/>
+          </a:p>
+          <a:p>
+            <a:pPr marL="0" indent="0">
+              <a:buNone/>
+            </a:pPr>
+            <a:endParaRPr lang="en-SG" dirty="0"/>
+          </a:p>
+        </p:txBody>
+      </p:sp>
+    </p:spTree>
+    <p:extLst>
+      <p:ext uri="{BB962C8B-B14F-4D97-AF65-F5344CB8AC3E}">
+        <p14:creationId xmlns:p14="http://schemas.microsoft.com/office/powerpoint/2010/main" val="1511950663"/>
+      </p:ext>
+    </p:extLst>
+  </p:cSld>
+  <p:clrMapOvr>
+    <a:masterClrMapping/>
+  </p:clrMapOvr>
+</p:sld>
+</file>
+
+<file path=ppt/slides/slide51.xml><?xml version="1.0" encoding="utf-8"?>
 <p:sld xmlns:a="http://schemas.openxmlformats.org/drawingml/2006/main" xmlns:r="http://schemas.openxmlformats.org/officeDocument/2006/relationships" xmlns:p="http://schemas.openxmlformats.org/presentationml/2006/main">
   <p:cSld>
     <p:spTree>
@@ -23307,7 +24613,7 @@
 </p:sld>
 </file>
 
-<file path=ppt/slides/slide49.xml><?xml version="1.0" encoding="utf-8"?>
+<file path=ppt/slides/slide52.xml><?xml version="1.0" encoding="utf-8"?>
 <p:sld xmlns:a="http://schemas.openxmlformats.org/drawingml/2006/main" xmlns:r="http://schemas.openxmlformats.org/officeDocument/2006/relationships" xmlns:p="http://schemas.openxmlformats.org/presentationml/2006/main">
   <p:cSld>
     <p:spTree>
@@ -23367,286 +24673,7 @@
 </p:sld>
 </file>
 
-<file path=ppt/slides/slide5.xml><?xml version="1.0" encoding="utf-8"?>
-<p:sld xmlns:a="http://schemas.openxmlformats.org/drawingml/2006/main" xmlns:r="http://schemas.openxmlformats.org/officeDocument/2006/relationships" xmlns:p="http://schemas.openxmlformats.org/presentationml/2006/main">
-  <p:cSld>
-    <p:spTree>
-      <p:nvGrpSpPr>
-        <p:cNvPr id="1" name=""/>
-        <p:cNvGrpSpPr/>
-        <p:nvPr/>
-      </p:nvGrpSpPr>
-      <p:grpSpPr>
-        <a:xfrm>
-          <a:off x="0" y="0"/>
-          <a:ext cx="0" cy="0"/>
-          <a:chOff x="0" y="0"/>
-          <a:chExt cx="0" cy="0"/>
-        </a:xfrm>
-      </p:grpSpPr>
-      <p:sp>
-        <p:nvSpPr>
-          <p:cNvPr id="2" name="Title 1">
-            <a:extLst>
-              <a:ext uri="{FF2B5EF4-FFF2-40B4-BE49-F238E27FC236}">
-                <a16:creationId xmlns:a16="http://schemas.microsoft.com/office/drawing/2014/main" id="{87657C29-1A3B-9090-2528-30E69AB94051}"/>
-              </a:ext>
-            </a:extLst>
-          </p:cNvPr>
-          <p:cNvSpPr>
-            <a:spLocks noGrp="1"/>
-          </p:cNvSpPr>
-          <p:nvPr>
-            <p:ph type="title"/>
-          </p:nvPr>
-        </p:nvSpPr>
-        <p:spPr/>
-        <p:txBody>
-          <a:bodyPr/>
-          <a:lstStyle/>
-          <a:p>
-            <a:r>
-              <a:rPr lang="en-GB" dirty="0"/>
-              <a:t>Lexical Analysis</a:t>
-            </a:r>
-            <a:endParaRPr lang="en-SG" dirty="0"/>
-          </a:p>
-        </p:txBody>
-      </p:sp>
-      <p:sp>
-        <p:nvSpPr>
-          <p:cNvPr id="5" name="Content Placeholder 4">
-            <a:extLst>
-              <a:ext uri="{FF2B5EF4-FFF2-40B4-BE49-F238E27FC236}">
-                <a16:creationId xmlns:a16="http://schemas.microsoft.com/office/drawing/2014/main" id="{2B13EA12-F42E-A14F-570D-C7B3FB0BA678}"/>
-              </a:ext>
-            </a:extLst>
-          </p:cNvPr>
-          <p:cNvSpPr>
-            <a:spLocks noGrp="1"/>
-          </p:cNvSpPr>
-          <p:nvPr>
-            <p:ph sz="half" idx="1"/>
-          </p:nvPr>
-        </p:nvSpPr>
-        <p:spPr/>
-        <p:txBody>
-          <a:bodyPr>
-            <a:normAutofit/>
-          </a:bodyPr>
-          <a:lstStyle/>
-          <a:p>
-            <a:pPr marL="0" indent="0">
-              <a:buNone/>
-            </a:pPr>
-            <a:r>
-              <a:rPr lang="en-GB" b="1" dirty="0"/>
-              <a:t>Definition (</a:t>
-            </a:r>
-            <a:r>
-              <a:rPr lang="en-GB" b="1" dirty="0">
-                <a:solidFill>
-                  <a:srgbClr val="7030A0"/>
-                </a:solidFill>
-              </a:rPr>
-              <a:t>Tokens</a:t>
-            </a:r>
-            <a:r>
-              <a:rPr lang="en-GB" b="1" dirty="0"/>
-              <a:t>):</a:t>
-            </a:r>
-          </a:p>
-          <a:p>
-            <a:pPr marL="0" indent="0">
-              <a:buNone/>
-            </a:pPr>
-            <a:r>
-              <a:rPr lang="en-GB" b="1" dirty="0">
-                <a:solidFill>
-                  <a:srgbClr val="7030A0"/>
-                </a:solidFill>
-              </a:rPr>
-              <a:t>Tokens</a:t>
-            </a:r>
-            <a:r>
-              <a:rPr lang="en-GB" dirty="0"/>
-              <a:t> are the </a:t>
-            </a:r>
-            <a:r>
-              <a:rPr lang="en-GB" b="1" dirty="0"/>
-              <a:t>smallest individual units of a programming language </a:t>
-            </a:r>
-            <a:r>
-              <a:rPr lang="en-GB" dirty="0"/>
-              <a:t>that the compiler can recognize and understand.</a:t>
-            </a:r>
-            <a:br>
-              <a:rPr lang="en-GB" dirty="0"/>
-            </a:br>
-            <a:r>
-              <a:rPr lang="en-GB" dirty="0"/>
-              <a:t>A token is a sequence of characters that has a specific meaning in the language, such as a </a:t>
-            </a:r>
-            <a:r>
-              <a:rPr lang="en-GB" b="1" dirty="0"/>
-              <a:t>keyword</a:t>
-            </a:r>
-            <a:r>
-              <a:rPr lang="en-GB" dirty="0"/>
-              <a:t>, </a:t>
-            </a:r>
-            <a:r>
-              <a:rPr lang="en-GB" b="1" dirty="0"/>
-              <a:t>identifier</a:t>
-            </a:r>
-            <a:r>
-              <a:rPr lang="en-GB" dirty="0"/>
-              <a:t>, </a:t>
-            </a:r>
-            <a:r>
-              <a:rPr lang="en-GB" b="1" dirty="0"/>
-              <a:t>operator</a:t>
-            </a:r>
-            <a:r>
-              <a:rPr lang="en-GB" dirty="0"/>
-              <a:t>, or </a:t>
-            </a:r>
-            <a:r>
-              <a:rPr lang="en-GB" b="1" dirty="0"/>
-              <a:t>punctuation</a:t>
-            </a:r>
-            <a:r>
-              <a:rPr lang="en-GB" dirty="0"/>
-              <a:t> </a:t>
-            </a:r>
-            <a:r>
-              <a:rPr lang="en-GB" b="1" dirty="0"/>
-              <a:t>symbol</a:t>
-            </a:r>
-            <a:r>
-              <a:rPr lang="en-GB" dirty="0"/>
-              <a:t>.</a:t>
-            </a:r>
-            <a:endParaRPr lang="en-SG" dirty="0"/>
-          </a:p>
-        </p:txBody>
-      </p:sp>
-      <p:sp>
-        <p:nvSpPr>
-          <p:cNvPr id="3" name="Content Placeholder 2">
-            <a:extLst>
-              <a:ext uri="{FF2B5EF4-FFF2-40B4-BE49-F238E27FC236}">
-                <a16:creationId xmlns:a16="http://schemas.microsoft.com/office/drawing/2014/main" id="{E1F7AF25-2360-31D8-D5BF-56EDDD31008D}"/>
-              </a:ext>
-            </a:extLst>
-          </p:cNvPr>
-          <p:cNvSpPr>
-            <a:spLocks noGrp="1"/>
-          </p:cNvSpPr>
-          <p:nvPr>
-            <p:ph sz="half" idx="2"/>
-          </p:nvPr>
-        </p:nvSpPr>
-        <p:spPr>
-          <a:xfrm>
-            <a:off x="6172200" y="1825624"/>
-            <a:ext cx="5181600" cy="5032375"/>
-          </a:xfrm>
-        </p:spPr>
-        <p:txBody>
-          <a:bodyPr>
-            <a:normAutofit/>
-          </a:bodyPr>
-          <a:lstStyle/>
-          <a:p>
-            <a:r>
-              <a:rPr lang="en-GB" b="1" dirty="0"/>
-              <a:t>Identifier: </a:t>
-            </a:r>
-            <a:r>
-              <a:rPr lang="en-GB" dirty="0"/>
-              <a:t>An identifier is a </a:t>
-            </a:r>
-            <a:r>
-              <a:rPr lang="en-GB" b="1" dirty="0"/>
-              <a:t>name given to a variable</a:t>
-            </a:r>
-            <a:r>
-              <a:rPr lang="en-GB" dirty="0"/>
-              <a:t>, </a:t>
-            </a:r>
-            <a:r>
-              <a:rPr lang="en-GB" b="1" dirty="0"/>
-              <a:t>function</a:t>
-            </a:r>
-            <a:r>
-              <a:rPr lang="en-GB" dirty="0"/>
-              <a:t>, or </a:t>
-            </a:r>
-            <a:r>
-              <a:rPr lang="en-GB" b="1" dirty="0"/>
-              <a:t>other</a:t>
-            </a:r>
-            <a:r>
-              <a:rPr lang="en-GB" dirty="0"/>
-              <a:t> </a:t>
-            </a:r>
-            <a:r>
-              <a:rPr lang="en-GB" b="1" dirty="0"/>
-              <a:t>entity</a:t>
-            </a:r>
-            <a:r>
-              <a:rPr lang="en-GB" dirty="0"/>
-              <a:t> in a program. Will follow rules, such as starting with a letter or underscore and consisting of letters, digits, and underscores.</a:t>
-            </a:r>
-          </a:p>
-          <a:p>
-            <a:pPr marL="0" indent="0">
-              <a:buNone/>
-            </a:pPr>
-            <a:r>
-              <a:rPr lang="en-GB" dirty="0"/>
-              <a:t>Examples of identifiers:</a:t>
-            </a:r>
-          </a:p>
-          <a:p>
-            <a:r>
-              <a:rPr lang="en-GB" dirty="0"/>
-              <a:t>x, counter, variable_1,</a:t>
-            </a:r>
-          </a:p>
-          <a:p>
-            <a:r>
-              <a:rPr lang="en-GB" dirty="0" err="1"/>
-              <a:t>myFunction</a:t>
-            </a:r>
-            <a:r>
-              <a:rPr lang="en-GB" dirty="0"/>
-              <a:t>, </a:t>
-            </a:r>
-          </a:p>
-          <a:p>
-            <a:r>
-              <a:rPr lang="en-GB" dirty="0"/>
-              <a:t>etc.</a:t>
-            </a:r>
-          </a:p>
-        </p:txBody>
-      </p:sp>
-    </p:spTree>
-    <p:extLst>
-      <p:ext uri="{BB962C8B-B14F-4D97-AF65-F5344CB8AC3E}">
-        <p14:creationId xmlns:p14="http://schemas.microsoft.com/office/powerpoint/2010/main" val="3941141626"/>
-      </p:ext>
-    </p:extLst>
-  </p:cSld>
-  <p:clrMapOvr>
-    <a:masterClrMapping/>
-  </p:clrMapOvr>
-</p:sld>
-</file>
-
-<file path=ppt/slides/slide50.xml><?xml version="1.0" encoding="utf-8"?>
+<file path=ppt/slides/slide53.xml><?xml version="1.0" encoding="utf-8"?>
 <p:sld xmlns:a="http://schemas.openxmlformats.org/drawingml/2006/main" xmlns:r="http://schemas.openxmlformats.org/officeDocument/2006/relationships" xmlns:p="http://schemas.openxmlformats.org/presentationml/2006/main">
   <p:cSld>
     <p:spTree>
@@ -23750,7 +24777,7 @@
 </p:sld>
 </file>
 
-<file path=ppt/slides/slide51.xml><?xml version="1.0" encoding="utf-8"?>
+<file path=ppt/slides/slide54.xml><?xml version="1.0" encoding="utf-8"?>
 <p:sld xmlns:a="http://schemas.openxmlformats.org/drawingml/2006/main" xmlns:r="http://schemas.openxmlformats.org/officeDocument/2006/relationships" xmlns:p="http://schemas.openxmlformats.org/presentationml/2006/main">
   <p:cSld>
     <p:spTree>
@@ -23893,7 +24920,7 @@
 </p:sld>
 </file>
 
-<file path=ppt/slides/slide52.xml><?xml version="1.0" encoding="utf-8"?>
+<file path=ppt/slides/slide55.xml><?xml version="1.0" encoding="utf-8"?>
 <p:sld xmlns:a="http://schemas.openxmlformats.org/drawingml/2006/main" xmlns:r="http://schemas.openxmlformats.org/officeDocument/2006/relationships" xmlns:p="http://schemas.openxmlformats.org/presentationml/2006/main">
   <p:cSld>
     <p:spTree>
@@ -24092,7 +25119,7 @@
 </p:sld>
 </file>
 
-<file path=ppt/slides/slide53.xml><?xml version="1.0" encoding="utf-8"?>
+<file path=ppt/slides/slide56.xml><?xml version="1.0" encoding="utf-8"?>
 <p:sld xmlns:a="http://schemas.openxmlformats.org/drawingml/2006/main" xmlns:r="http://schemas.openxmlformats.org/officeDocument/2006/relationships" xmlns:p="http://schemas.openxmlformats.org/presentationml/2006/main">
   <p:cSld>
     <p:spTree>
@@ -24248,7 +25275,7 @@
 </p:sld>
 </file>
 
-<file path=ppt/slides/slide54.xml><?xml version="1.0" encoding="utf-8"?>
+<file path=ppt/slides/slide57.xml><?xml version="1.0" encoding="utf-8"?>
 <p:sld xmlns:a="http://schemas.openxmlformats.org/drawingml/2006/main" xmlns:r="http://schemas.openxmlformats.org/officeDocument/2006/relationships" xmlns:p="http://schemas.openxmlformats.org/presentationml/2006/main">
   <p:cSld>
     <p:spTree>
@@ -24352,7 +25379,7 @@
 </p:sld>
 </file>
 
-<file path=ppt/slides/slide55.xml><?xml version="1.0" encoding="utf-8"?>
+<file path=ppt/slides/slide58.xml><?xml version="1.0" encoding="utf-8"?>
 <p:sld xmlns:a="http://schemas.openxmlformats.org/drawingml/2006/main" xmlns:r="http://schemas.openxmlformats.org/officeDocument/2006/relationships" xmlns:p="http://schemas.openxmlformats.org/presentationml/2006/main">
   <p:cSld>
     <p:spTree>
@@ -24412,7 +25439,7 @@
 </p:sld>
 </file>
 
-<file path=ppt/slides/slide56.xml><?xml version="1.0" encoding="utf-8"?>
+<file path=ppt/slides/slide59.xml><?xml version="1.0" encoding="utf-8"?>
 <p:sld xmlns:a="http://schemas.openxmlformats.org/drawingml/2006/main" xmlns:r="http://schemas.openxmlformats.org/officeDocument/2006/relationships" xmlns:p="http://schemas.openxmlformats.org/presentationml/2006/main">
   <p:cSld>
     <p:spTree>
@@ -24516,514 +25543,6 @@
 </p:sld>
 </file>
 
-<file path=ppt/slides/slide57.xml><?xml version="1.0" encoding="utf-8"?>
-<p:sld xmlns:a="http://schemas.openxmlformats.org/drawingml/2006/main" xmlns:r="http://schemas.openxmlformats.org/officeDocument/2006/relationships" xmlns:p="http://schemas.openxmlformats.org/presentationml/2006/main">
-  <p:cSld>
-    <p:spTree>
-      <p:nvGrpSpPr>
-        <p:cNvPr id="1" name=""/>
-        <p:cNvGrpSpPr/>
-        <p:nvPr/>
-      </p:nvGrpSpPr>
-      <p:grpSpPr>
-        <a:xfrm>
-          <a:off x="0" y="0"/>
-          <a:ext cx="0" cy="0"/>
-          <a:chOff x="0" y="0"/>
-          <a:chExt cx="0" cy="0"/>
-        </a:xfrm>
-      </p:grpSpPr>
-      <p:sp>
-        <p:nvSpPr>
-          <p:cNvPr id="2" name="Title 1">
-            <a:extLst>
-              <a:ext uri="{FF2B5EF4-FFF2-40B4-BE49-F238E27FC236}">
-                <a16:creationId xmlns:a16="http://schemas.microsoft.com/office/drawing/2014/main" id="{5EAB84FF-F706-D3E8-C649-1A8A9C4D7F7B}"/>
-              </a:ext>
-            </a:extLst>
-          </p:cNvPr>
-          <p:cNvSpPr>
-            <a:spLocks noGrp="1"/>
-          </p:cNvSpPr>
-          <p:nvPr>
-            <p:ph type="title"/>
-          </p:nvPr>
-        </p:nvSpPr>
-        <p:spPr/>
-        <p:txBody>
-          <a:bodyPr/>
-          <a:lstStyle/>
-          <a:p>
-            <a:r>
-              <a:rPr lang="en-GB" dirty="0"/>
-              <a:t>Practice: Recognizing more types of literals</a:t>
-            </a:r>
-            <a:endParaRPr lang="en-SG" dirty="0"/>
-          </a:p>
-        </p:txBody>
-      </p:sp>
-      <p:sp>
-        <p:nvSpPr>
-          <p:cNvPr id="3" name="Content Placeholder 2">
-            <a:extLst>
-              <a:ext uri="{FF2B5EF4-FFF2-40B4-BE49-F238E27FC236}">
-                <a16:creationId xmlns:a16="http://schemas.microsoft.com/office/drawing/2014/main" id="{A6FA23DB-2026-F938-2B1A-401CADD258D7}"/>
-              </a:ext>
-            </a:extLst>
-          </p:cNvPr>
-          <p:cNvSpPr>
-            <a:spLocks noGrp="1"/>
-          </p:cNvSpPr>
-          <p:nvPr>
-            <p:ph idx="1"/>
-          </p:nvPr>
-        </p:nvSpPr>
-        <p:spPr/>
-        <p:txBody>
-          <a:bodyPr/>
-          <a:lstStyle/>
-          <a:p>
-            <a:pPr marL="0" indent="0">
-              <a:buNone/>
-            </a:pPr>
-            <a:r>
-              <a:rPr lang="en-GB" dirty="0"/>
-              <a:t>Possible </a:t>
-            </a:r>
-            <a:r>
-              <a:rPr lang="en-GB" dirty="0" err="1"/>
-              <a:t>RegEx</a:t>
-            </a:r>
-            <a:r>
-              <a:rPr lang="en-GB" dirty="0"/>
-              <a:t> for unsigned integer literals:</a:t>
-            </a:r>
-          </a:p>
-          <a:p>
-            <a:pPr marL="0" indent="0">
-              <a:buNone/>
-            </a:pPr>
-            <a:endParaRPr lang="en-GB" dirty="0"/>
-          </a:p>
-          <a:p>
-            <a:pPr marL="0" indent="0" algn="ctr">
-              <a:buNone/>
-            </a:pPr>
-            <a:r>
-              <a:rPr lang="en-GB" i="1" dirty="0">
-                <a:solidFill>
-                  <a:srgbClr val="7030A0"/>
-                </a:solidFill>
-              </a:rPr>
-              <a:t>“^(0|[1-9][0-9]*)$”   </a:t>
-            </a:r>
-            <a:r>
-              <a:rPr lang="en-GB" i="1" dirty="0"/>
-              <a:t>or</a:t>
-            </a:r>
-            <a:r>
-              <a:rPr lang="en-GB" i="1" dirty="0">
-                <a:solidFill>
-                  <a:srgbClr val="7030A0"/>
-                </a:solidFill>
-              </a:rPr>
-              <a:t>   “^(0|[1-9]\\d*)$”</a:t>
-            </a:r>
-          </a:p>
-          <a:p>
-            <a:pPr marL="0" indent="0" algn="ctr">
-              <a:buNone/>
-            </a:pPr>
-            <a:endParaRPr lang="en-GB" i="1" dirty="0">
-              <a:solidFill>
-                <a:srgbClr val="7030A0"/>
-              </a:solidFill>
-            </a:endParaRPr>
-          </a:p>
-          <a:p>
-            <a:pPr marL="0" indent="0">
-              <a:buNone/>
-            </a:pPr>
-            <a:r>
-              <a:rPr lang="en-GB" b="1" dirty="0"/>
-              <a:t>What would the </a:t>
-            </a:r>
-            <a:r>
-              <a:rPr lang="en-GB" b="1" dirty="0" err="1"/>
-              <a:t>RegEx</a:t>
-            </a:r>
-            <a:r>
-              <a:rPr lang="en-GB" b="1" dirty="0"/>
-              <a:t> look like if we wanted to recognize a signed float literal then?</a:t>
-            </a:r>
-            <a:endParaRPr lang="en-SG" b="1" dirty="0"/>
-          </a:p>
-        </p:txBody>
-      </p:sp>
-    </p:spTree>
-    <p:extLst>
-      <p:ext uri="{BB962C8B-B14F-4D97-AF65-F5344CB8AC3E}">
-        <p14:creationId xmlns:p14="http://schemas.microsoft.com/office/powerpoint/2010/main" val="228407681"/>
-      </p:ext>
-    </p:extLst>
-  </p:cSld>
-  <p:clrMapOvr>
-    <a:masterClrMapping/>
-  </p:clrMapOvr>
-</p:sld>
-</file>
-
-<file path=ppt/slides/slide58.xml><?xml version="1.0" encoding="utf-8"?>
-<p:sld xmlns:a="http://schemas.openxmlformats.org/drawingml/2006/main" xmlns:r="http://schemas.openxmlformats.org/officeDocument/2006/relationships" xmlns:p="http://schemas.openxmlformats.org/presentationml/2006/main">
-  <p:cSld>
-    <p:spTree>
-      <p:nvGrpSpPr>
-        <p:cNvPr id="1" name=""/>
-        <p:cNvGrpSpPr/>
-        <p:nvPr/>
-      </p:nvGrpSpPr>
-      <p:grpSpPr>
-        <a:xfrm>
-          <a:off x="0" y="0"/>
-          <a:ext cx="0" cy="0"/>
-          <a:chOff x="0" y="0"/>
-          <a:chExt cx="0" cy="0"/>
-        </a:xfrm>
-      </p:grpSpPr>
-      <p:sp>
-        <p:nvSpPr>
-          <p:cNvPr id="2" name="Title 1">
-            <a:extLst>
-              <a:ext uri="{FF2B5EF4-FFF2-40B4-BE49-F238E27FC236}">
-                <a16:creationId xmlns:a16="http://schemas.microsoft.com/office/drawing/2014/main" id="{5EAB84FF-F706-D3E8-C649-1A8A9C4D7F7B}"/>
-              </a:ext>
-            </a:extLst>
-          </p:cNvPr>
-          <p:cNvSpPr>
-            <a:spLocks noGrp="1"/>
-          </p:cNvSpPr>
-          <p:nvPr>
-            <p:ph type="title"/>
-          </p:nvPr>
-        </p:nvSpPr>
-        <p:spPr/>
-        <p:txBody>
-          <a:bodyPr/>
-          <a:lstStyle/>
-          <a:p>
-            <a:r>
-              <a:rPr lang="en-GB" dirty="0"/>
-              <a:t>Practice: Recognizing more types of literals</a:t>
-            </a:r>
-            <a:endParaRPr lang="en-SG" dirty="0"/>
-          </a:p>
-        </p:txBody>
-      </p:sp>
-      <p:sp>
-        <p:nvSpPr>
-          <p:cNvPr id="3" name="Content Placeholder 2">
-            <a:extLst>
-              <a:ext uri="{FF2B5EF4-FFF2-40B4-BE49-F238E27FC236}">
-                <a16:creationId xmlns:a16="http://schemas.microsoft.com/office/drawing/2014/main" id="{A6FA23DB-2026-F938-2B1A-401CADD258D7}"/>
-              </a:ext>
-            </a:extLst>
-          </p:cNvPr>
-          <p:cNvSpPr>
-            <a:spLocks noGrp="1"/>
-          </p:cNvSpPr>
-          <p:nvPr>
-            <p:ph idx="1"/>
-          </p:nvPr>
-        </p:nvSpPr>
-        <p:spPr/>
-        <p:txBody>
-          <a:bodyPr/>
-          <a:lstStyle/>
-          <a:p>
-            <a:pPr marL="0" indent="0">
-              <a:buNone/>
-            </a:pPr>
-            <a:r>
-              <a:rPr lang="en-GB" dirty="0"/>
-              <a:t>Possible </a:t>
-            </a:r>
-            <a:r>
-              <a:rPr lang="en-GB" dirty="0" err="1"/>
-              <a:t>RegEx</a:t>
-            </a:r>
-            <a:r>
-              <a:rPr lang="en-GB" dirty="0"/>
-              <a:t> for unsigned integer literals:</a:t>
-            </a:r>
-          </a:p>
-          <a:p>
-            <a:pPr marL="0" indent="0">
-              <a:buNone/>
-            </a:pPr>
-            <a:endParaRPr lang="en-GB" dirty="0"/>
-          </a:p>
-          <a:p>
-            <a:pPr marL="0" indent="0" algn="ctr">
-              <a:buNone/>
-            </a:pPr>
-            <a:r>
-              <a:rPr lang="en-GB" i="1" dirty="0">
-                <a:solidFill>
-                  <a:srgbClr val="7030A0"/>
-                </a:solidFill>
-              </a:rPr>
-              <a:t>“^(0|[1-9][0-9]*)$”   </a:t>
-            </a:r>
-            <a:r>
-              <a:rPr lang="en-GB" i="1" dirty="0"/>
-              <a:t>or</a:t>
-            </a:r>
-            <a:r>
-              <a:rPr lang="en-GB" i="1" dirty="0">
-                <a:solidFill>
-                  <a:srgbClr val="7030A0"/>
-                </a:solidFill>
-              </a:rPr>
-              <a:t>   “^(0|[1-9]\\d*)$”</a:t>
-            </a:r>
-          </a:p>
-          <a:p>
-            <a:pPr marL="0" indent="0" algn="ctr">
-              <a:buNone/>
-            </a:pPr>
-            <a:endParaRPr lang="en-GB" i="1" dirty="0">
-              <a:solidFill>
-                <a:srgbClr val="7030A0"/>
-              </a:solidFill>
-            </a:endParaRPr>
-          </a:p>
-          <a:p>
-            <a:pPr marL="0" indent="0">
-              <a:buNone/>
-            </a:pPr>
-            <a:r>
-              <a:rPr lang="en-GB" b="1" dirty="0"/>
-              <a:t>What would the </a:t>
-            </a:r>
-            <a:r>
-              <a:rPr lang="en-GB" b="1" dirty="0" err="1"/>
-              <a:t>RegEx</a:t>
-            </a:r>
-            <a:r>
-              <a:rPr lang="en-GB" b="1" dirty="0"/>
-              <a:t> look like if we wanted to recognize a signed float literal then?</a:t>
-            </a:r>
-          </a:p>
-          <a:p>
-            <a:pPr marL="0" indent="0">
-              <a:buNone/>
-            </a:pPr>
-            <a:r>
-              <a:rPr lang="en-GB" dirty="0"/>
-              <a:t>Valid: 0, 0.0, 7, -7, -4.25, +7.32, 147.687000, etc.</a:t>
-            </a:r>
-          </a:p>
-          <a:p>
-            <a:pPr marL="0" indent="0">
-              <a:buNone/>
-            </a:pPr>
-            <a:r>
-              <a:rPr lang="en-GB" dirty="0"/>
-              <a:t>Invalid: 1.2.3, 03.14, 34t.023, 2.4f7, etc.</a:t>
-            </a:r>
-            <a:endParaRPr lang="en-SG" dirty="0"/>
-          </a:p>
-        </p:txBody>
-      </p:sp>
-    </p:spTree>
-    <p:extLst>
-      <p:ext uri="{BB962C8B-B14F-4D97-AF65-F5344CB8AC3E}">
-        <p14:creationId xmlns:p14="http://schemas.microsoft.com/office/powerpoint/2010/main" val="2642798099"/>
-      </p:ext>
-    </p:extLst>
-  </p:cSld>
-  <p:clrMapOvr>
-    <a:masterClrMapping/>
-  </p:clrMapOvr>
-</p:sld>
-</file>
-
-<file path=ppt/slides/slide59.xml><?xml version="1.0" encoding="utf-8"?>
-<p:sld xmlns:a="http://schemas.openxmlformats.org/drawingml/2006/main" xmlns:r="http://schemas.openxmlformats.org/officeDocument/2006/relationships" xmlns:p="http://schemas.openxmlformats.org/presentationml/2006/main">
-  <p:cSld>
-    <p:spTree>
-      <p:nvGrpSpPr>
-        <p:cNvPr id="1" name=""/>
-        <p:cNvGrpSpPr/>
-        <p:nvPr/>
-      </p:nvGrpSpPr>
-      <p:grpSpPr>
-        <a:xfrm>
-          <a:off x="0" y="0"/>
-          <a:ext cx="0" cy="0"/>
-          <a:chOff x="0" y="0"/>
-          <a:chExt cx="0" cy="0"/>
-        </a:xfrm>
-      </p:grpSpPr>
-      <p:sp>
-        <p:nvSpPr>
-          <p:cNvPr id="2" name="Title 1">
-            <a:extLst>
-              <a:ext uri="{FF2B5EF4-FFF2-40B4-BE49-F238E27FC236}">
-                <a16:creationId xmlns:a16="http://schemas.microsoft.com/office/drawing/2014/main" id="{5EAB84FF-F706-D3E8-C649-1A8A9C4D7F7B}"/>
-              </a:ext>
-            </a:extLst>
-          </p:cNvPr>
-          <p:cNvSpPr>
-            <a:spLocks noGrp="1"/>
-          </p:cNvSpPr>
-          <p:nvPr>
-            <p:ph type="title"/>
-          </p:nvPr>
-        </p:nvSpPr>
-        <p:spPr/>
-        <p:txBody>
-          <a:bodyPr/>
-          <a:lstStyle/>
-          <a:p>
-            <a:r>
-              <a:rPr lang="en-GB" dirty="0"/>
-              <a:t>Practice: Recognizing more types of literals</a:t>
-            </a:r>
-            <a:endParaRPr lang="en-SG" dirty="0"/>
-          </a:p>
-        </p:txBody>
-      </p:sp>
-      <p:sp>
-        <p:nvSpPr>
-          <p:cNvPr id="3" name="Content Placeholder 2">
-            <a:extLst>
-              <a:ext uri="{FF2B5EF4-FFF2-40B4-BE49-F238E27FC236}">
-                <a16:creationId xmlns:a16="http://schemas.microsoft.com/office/drawing/2014/main" id="{A6FA23DB-2026-F938-2B1A-401CADD258D7}"/>
-              </a:ext>
-            </a:extLst>
-          </p:cNvPr>
-          <p:cNvSpPr>
-            <a:spLocks noGrp="1"/>
-          </p:cNvSpPr>
-          <p:nvPr>
-            <p:ph idx="1"/>
-          </p:nvPr>
-        </p:nvSpPr>
-        <p:spPr/>
-        <p:txBody>
-          <a:bodyPr/>
-          <a:lstStyle/>
-          <a:p>
-            <a:pPr marL="0" indent="0">
-              <a:buNone/>
-            </a:pPr>
-            <a:r>
-              <a:rPr lang="en-GB" dirty="0"/>
-              <a:t>Possible </a:t>
-            </a:r>
-            <a:r>
-              <a:rPr lang="en-GB" dirty="0" err="1"/>
-              <a:t>RegEx</a:t>
-            </a:r>
-            <a:r>
-              <a:rPr lang="en-GB" dirty="0"/>
-              <a:t> for unsigned integer literals:</a:t>
-            </a:r>
-          </a:p>
-          <a:p>
-            <a:pPr marL="0" indent="0">
-              <a:buNone/>
-            </a:pPr>
-            <a:endParaRPr lang="en-GB" dirty="0"/>
-          </a:p>
-          <a:p>
-            <a:pPr marL="0" indent="0" algn="ctr">
-              <a:buNone/>
-            </a:pPr>
-            <a:r>
-              <a:rPr lang="en-GB" i="1" dirty="0">
-                <a:solidFill>
-                  <a:srgbClr val="7030A0"/>
-                </a:solidFill>
-              </a:rPr>
-              <a:t>“^(0|[1-9][0-9]*)$”   </a:t>
-            </a:r>
-            <a:r>
-              <a:rPr lang="en-GB" i="1" dirty="0"/>
-              <a:t>or</a:t>
-            </a:r>
-            <a:r>
-              <a:rPr lang="en-GB" i="1" dirty="0">
-                <a:solidFill>
-                  <a:srgbClr val="7030A0"/>
-                </a:solidFill>
-              </a:rPr>
-              <a:t>   “^(0|[1-9]\\d*)$”</a:t>
-            </a:r>
-          </a:p>
-          <a:p>
-            <a:pPr marL="0" indent="0" algn="ctr">
-              <a:buNone/>
-            </a:pPr>
-            <a:endParaRPr lang="en-GB" i="1" dirty="0">
-              <a:solidFill>
-                <a:srgbClr val="7030A0"/>
-              </a:solidFill>
-            </a:endParaRPr>
-          </a:p>
-          <a:p>
-            <a:pPr marL="0" indent="0">
-              <a:buNone/>
-            </a:pPr>
-            <a:r>
-              <a:rPr lang="en-GB" b="1" dirty="0"/>
-              <a:t>What would the </a:t>
-            </a:r>
-            <a:r>
-              <a:rPr lang="en-GB" b="1" dirty="0" err="1"/>
-              <a:t>RegEx</a:t>
-            </a:r>
-            <a:r>
-              <a:rPr lang="en-GB" b="1" dirty="0"/>
-              <a:t> look like if we wanted to recognize a signed float literal then?</a:t>
-            </a:r>
-          </a:p>
-          <a:p>
-            <a:pPr marL="0" indent="0">
-              <a:buNone/>
-            </a:pPr>
-            <a:endParaRPr lang="en-GB" b="1" dirty="0"/>
-          </a:p>
-          <a:p>
-            <a:pPr marL="0" indent="0" algn="ctr">
-              <a:buNone/>
-            </a:pPr>
-            <a:r>
-              <a:rPr lang="en-GB" i="1" dirty="0">
-                <a:solidFill>
-                  <a:srgbClr val="7030A0"/>
-                </a:solidFill>
-              </a:rPr>
-              <a:t>“^[-+]?((0|[1-9]\\d*)(\\.\\d*)?)$”</a:t>
-            </a:r>
-            <a:endParaRPr lang="en-SG" dirty="0"/>
-          </a:p>
-        </p:txBody>
-      </p:sp>
-    </p:spTree>
-    <p:extLst>
-      <p:ext uri="{BB962C8B-B14F-4D97-AF65-F5344CB8AC3E}">
-        <p14:creationId xmlns:p14="http://schemas.microsoft.com/office/powerpoint/2010/main" val="783589184"/>
-      </p:ext>
-    </p:extLst>
-  </p:cSld>
-  <p:clrMapOvr>
-    <a:masterClrMapping/>
-  </p:clrMapOvr>
-</p:sld>
-</file>
-
 <file path=ppt/slides/slide6.xml><?xml version="1.0" encoding="utf-8"?>
 <p:sld xmlns:a="http://schemas.openxmlformats.org/drawingml/2006/main" xmlns:r="http://schemas.openxmlformats.org/officeDocument/2006/relationships" xmlns:p="http://schemas.openxmlformats.org/presentationml/2006/main">
   <p:cSld>
@@ -25351,6 +25870,514 @@
             <p:ph idx="1"/>
           </p:nvPr>
         </p:nvSpPr>
+        <p:spPr/>
+        <p:txBody>
+          <a:bodyPr/>
+          <a:lstStyle/>
+          <a:p>
+            <a:pPr marL="0" indent="0">
+              <a:buNone/>
+            </a:pPr>
+            <a:r>
+              <a:rPr lang="en-GB" dirty="0"/>
+              <a:t>Possible </a:t>
+            </a:r>
+            <a:r>
+              <a:rPr lang="en-GB" dirty="0" err="1"/>
+              <a:t>RegEx</a:t>
+            </a:r>
+            <a:r>
+              <a:rPr lang="en-GB" dirty="0"/>
+              <a:t> for unsigned integer literals:</a:t>
+            </a:r>
+          </a:p>
+          <a:p>
+            <a:pPr marL="0" indent="0">
+              <a:buNone/>
+            </a:pPr>
+            <a:endParaRPr lang="en-GB" dirty="0"/>
+          </a:p>
+          <a:p>
+            <a:pPr marL="0" indent="0" algn="ctr">
+              <a:buNone/>
+            </a:pPr>
+            <a:r>
+              <a:rPr lang="en-GB" i="1" dirty="0">
+                <a:solidFill>
+                  <a:srgbClr val="7030A0"/>
+                </a:solidFill>
+              </a:rPr>
+              <a:t>“^(0|[1-9][0-9]*)$”   </a:t>
+            </a:r>
+            <a:r>
+              <a:rPr lang="en-GB" i="1" dirty="0"/>
+              <a:t>or</a:t>
+            </a:r>
+            <a:r>
+              <a:rPr lang="en-GB" i="1" dirty="0">
+                <a:solidFill>
+                  <a:srgbClr val="7030A0"/>
+                </a:solidFill>
+              </a:rPr>
+              <a:t>   “^(0|[1-9]\\d*)$”</a:t>
+            </a:r>
+          </a:p>
+          <a:p>
+            <a:pPr marL="0" indent="0" algn="ctr">
+              <a:buNone/>
+            </a:pPr>
+            <a:endParaRPr lang="en-GB" i="1" dirty="0">
+              <a:solidFill>
+                <a:srgbClr val="7030A0"/>
+              </a:solidFill>
+            </a:endParaRPr>
+          </a:p>
+          <a:p>
+            <a:pPr marL="0" indent="0">
+              <a:buNone/>
+            </a:pPr>
+            <a:r>
+              <a:rPr lang="en-GB" b="1" dirty="0"/>
+              <a:t>What would the </a:t>
+            </a:r>
+            <a:r>
+              <a:rPr lang="en-GB" b="1" dirty="0" err="1"/>
+              <a:t>RegEx</a:t>
+            </a:r>
+            <a:r>
+              <a:rPr lang="en-GB" b="1" dirty="0"/>
+              <a:t> look like if we wanted to recognize a signed float literal then?</a:t>
+            </a:r>
+            <a:endParaRPr lang="en-SG" b="1" dirty="0"/>
+          </a:p>
+        </p:txBody>
+      </p:sp>
+    </p:spTree>
+    <p:extLst>
+      <p:ext uri="{BB962C8B-B14F-4D97-AF65-F5344CB8AC3E}">
+        <p14:creationId xmlns:p14="http://schemas.microsoft.com/office/powerpoint/2010/main" val="228407681"/>
+      </p:ext>
+    </p:extLst>
+  </p:cSld>
+  <p:clrMapOvr>
+    <a:masterClrMapping/>
+  </p:clrMapOvr>
+</p:sld>
+</file>
+
+<file path=ppt/slides/slide61.xml><?xml version="1.0" encoding="utf-8"?>
+<p:sld xmlns:a="http://schemas.openxmlformats.org/drawingml/2006/main" xmlns:r="http://schemas.openxmlformats.org/officeDocument/2006/relationships" xmlns:p="http://schemas.openxmlformats.org/presentationml/2006/main">
+  <p:cSld>
+    <p:spTree>
+      <p:nvGrpSpPr>
+        <p:cNvPr id="1" name=""/>
+        <p:cNvGrpSpPr/>
+        <p:nvPr/>
+      </p:nvGrpSpPr>
+      <p:grpSpPr>
+        <a:xfrm>
+          <a:off x="0" y="0"/>
+          <a:ext cx="0" cy="0"/>
+          <a:chOff x="0" y="0"/>
+          <a:chExt cx="0" cy="0"/>
+        </a:xfrm>
+      </p:grpSpPr>
+      <p:sp>
+        <p:nvSpPr>
+          <p:cNvPr id="2" name="Title 1">
+            <a:extLst>
+              <a:ext uri="{FF2B5EF4-FFF2-40B4-BE49-F238E27FC236}">
+                <a16:creationId xmlns:a16="http://schemas.microsoft.com/office/drawing/2014/main" id="{5EAB84FF-F706-D3E8-C649-1A8A9C4D7F7B}"/>
+              </a:ext>
+            </a:extLst>
+          </p:cNvPr>
+          <p:cNvSpPr>
+            <a:spLocks noGrp="1"/>
+          </p:cNvSpPr>
+          <p:nvPr>
+            <p:ph type="title"/>
+          </p:nvPr>
+        </p:nvSpPr>
+        <p:spPr/>
+        <p:txBody>
+          <a:bodyPr/>
+          <a:lstStyle/>
+          <a:p>
+            <a:r>
+              <a:rPr lang="en-GB" dirty="0"/>
+              <a:t>Practice: Recognizing more types of literals</a:t>
+            </a:r>
+            <a:endParaRPr lang="en-SG" dirty="0"/>
+          </a:p>
+        </p:txBody>
+      </p:sp>
+      <p:sp>
+        <p:nvSpPr>
+          <p:cNvPr id="3" name="Content Placeholder 2">
+            <a:extLst>
+              <a:ext uri="{FF2B5EF4-FFF2-40B4-BE49-F238E27FC236}">
+                <a16:creationId xmlns:a16="http://schemas.microsoft.com/office/drawing/2014/main" id="{A6FA23DB-2026-F938-2B1A-401CADD258D7}"/>
+              </a:ext>
+            </a:extLst>
+          </p:cNvPr>
+          <p:cNvSpPr>
+            <a:spLocks noGrp="1"/>
+          </p:cNvSpPr>
+          <p:nvPr>
+            <p:ph idx="1"/>
+          </p:nvPr>
+        </p:nvSpPr>
+        <p:spPr/>
+        <p:txBody>
+          <a:bodyPr/>
+          <a:lstStyle/>
+          <a:p>
+            <a:pPr marL="0" indent="0">
+              <a:buNone/>
+            </a:pPr>
+            <a:r>
+              <a:rPr lang="en-GB" dirty="0"/>
+              <a:t>Possible </a:t>
+            </a:r>
+            <a:r>
+              <a:rPr lang="en-GB" dirty="0" err="1"/>
+              <a:t>RegEx</a:t>
+            </a:r>
+            <a:r>
+              <a:rPr lang="en-GB" dirty="0"/>
+              <a:t> for unsigned integer literals:</a:t>
+            </a:r>
+          </a:p>
+          <a:p>
+            <a:pPr marL="0" indent="0">
+              <a:buNone/>
+            </a:pPr>
+            <a:endParaRPr lang="en-GB" dirty="0"/>
+          </a:p>
+          <a:p>
+            <a:pPr marL="0" indent="0" algn="ctr">
+              <a:buNone/>
+            </a:pPr>
+            <a:r>
+              <a:rPr lang="en-GB" i="1" dirty="0">
+                <a:solidFill>
+                  <a:srgbClr val="7030A0"/>
+                </a:solidFill>
+              </a:rPr>
+              <a:t>“^(0|[1-9][0-9]*)$”   </a:t>
+            </a:r>
+            <a:r>
+              <a:rPr lang="en-GB" i="1" dirty="0"/>
+              <a:t>or</a:t>
+            </a:r>
+            <a:r>
+              <a:rPr lang="en-GB" i="1" dirty="0">
+                <a:solidFill>
+                  <a:srgbClr val="7030A0"/>
+                </a:solidFill>
+              </a:rPr>
+              <a:t>   “^(0|[1-9]\\d*)$”</a:t>
+            </a:r>
+          </a:p>
+          <a:p>
+            <a:pPr marL="0" indent="0" algn="ctr">
+              <a:buNone/>
+            </a:pPr>
+            <a:endParaRPr lang="en-GB" i="1" dirty="0">
+              <a:solidFill>
+                <a:srgbClr val="7030A0"/>
+              </a:solidFill>
+            </a:endParaRPr>
+          </a:p>
+          <a:p>
+            <a:pPr marL="0" indent="0">
+              <a:buNone/>
+            </a:pPr>
+            <a:r>
+              <a:rPr lang="en-GB" b="1" dirty="0"/>
+              <a:t>What would the </a:t>
+            </a:r>
+            <a:r>
+              <a:rPr lang="en-GB" b="1" dirty="0" err="1"/>
+              <a:t>RegEx</a:t>
+            </a:r>
+            <a:r>
+              <a:rPr lang="en-GB" b="1" dirty="0"/>
+              <a:t> look like if we wanted to recognize a signed float literal then?</a:t>
+            </a:r>
+          </a:p>
+          <a:p>
+            <a:pPr marL="0" indent="0">
+              <a:buNone/>
+            </a:pPr>
+            <a:r>
+              <a:rPr lang="en-GB" dirty="0"/>
+              <a:t>Valid: 0, 0.0, 7, -7, -4.25, +7.32, 147.687000, etc.</a:t>
+            </a:r>
+          </a:p>
+          <a:p>
+            <a:pPr marL="0" indent="0">
+              <a:buNone/>
+            </a:pPr>
+            <a:r>
+              <a:rPr lang="en-GB" dirty="0"/>
+              <a:t>Invalid: 1.2.3, 03.14, 34t.023, 2.4f7, etc.</a:t>
+            </a:r>
+            <a:endParaRPr lang="en-SG" dirty="0"/>
+          </a:p>
+        </p:txBody>
+      </p:sp>
+    </p:spTree>
+    <p:extLst>
+      <p:ext uri="{BB962C8B-B14F-4D97-AF65-F5344CB8AC3E}">
+        <p14:creationId xmlns:p14="http://schemas.microsoft.com/office/powerpoint/2010/main" val="2642798099"/>
+      </p:ext>
+    </p:extLst>
+  </p:cSld>
+  <p:clrMapOvr>
+    <a:masterClrMapping/>
+  </p:clrMapOvr>
+</p:sld>
+</file>
+
+<file path=ppt/slides/slide62.xml><?xml version="1.0" encoding="utf-8"?>
+<p:sld xmlns:a="http://schemas.openxmlformats.org/drawingml/2006/main" xmlns:r="http://schemas.openxmlformats.org/officeDocument/2006/relationships" xmlns:p="http://schemas.openxmlformats.org/presentationml/2006/main">
+  <p:cSld>
+    <p:spTree>
+      <p:nvGrpSpPr>
+        <p:cNvPr id="1" name=""/>
+        <p:cNvGrpSpPr/>
+        <p:nvPr/>
+      </p:nvGrpSpPr>
+      <p:grpSpPr>
+        <a:xfrm>
+          <a:off x="0" y="0"/>
+          <a:ext cx="0" cy="0"/>
+          <a:chOff x="0" y="0"/>
+          <a:chExt cx="0" cy="0"/>
+        </a:xfrm>
+      </p:grpSpPr>
+      <p:sp>
+        <p:nvSpPr>
+          <p:cNvPr id="2" name="Title 1">
+            <a:extLst>
+              <a:ext uri="{FF2B5EF4-FFF2-40B4-BE49-F238E27FC236}">
+                <a16:creationId xmlns:a16="http://schemas.microsoft.com/office/drawing/2014/main" id="{5EAB84FF-F706-D3E8-C649-1A8A9C4D7F7B}"/>
+              </a:ext>
+            </a:extLst>
+          </p:cNvPr>
+          <p:cNvSpPr>
+            <a:spLocks noGrp="1"/>
+          </p:cNvSpPr>
+          <p:nvPr>
+            <p:ph type="title"/>
+          </p:nvPr>
+        </p:nvSpPr>
+        <p:spPr/>
+        <p:txBody>
+          <a:bodyPr/>
+          <a:lstStyle/>
+          <a:p>
+            <a:r>
+              <a:rPr lang="en-GB" dirty="0"/>
+              <a:t>Practice: Recognizing more types of literals</a:t>
+            </a:r>
+            <a:endParaRPr lang="en-SG" dirty="0"/>
+          </a:p>
+        </p:txBody>
+      </p:sp>
+      <p:sp>
+        <p:nvSpPr>
+          <p:cNvPr id="3" name="Content Placeholder 2">
+            <a:extLst>
+              <a:ext uri="{FF2B5EF4-FFF2-40B4-BE49-F238E27FC236}">
+                <a16:creationId xmlns:a16="http://schemas.microsoft.com/office/drawing/2014/main" id="{A6FA23DB-2026-F938-2B1A-401CADD258D7}"/>
+              </a:ext>
+            </a:extLst>
+          </p:cNvPr>
+          <p:cNvSpPr>
+            <a:spLocks noGrp="1"/>
+          </p:cNvSpPr>
+          <p:nvPr>
+            <p:ph idx="1"/>
+          </p:nvPr>
+        </p:nvSpPr>
+        <p:spPr/>
+        <p:txBody>
+          <a:bodyPr/>
+          <a:lstStyle/>
+          <a:p>
+            <a:pPr marL="0" indent="0">
+              <a:buNone/>
+            </a:pPr>
+            <a:r>
+              <a:rPr lang="en-GB" dirty="0"/>
+              <a:t>Possible </a:t>
+            </a:r>
+            <a:r>
+              <a:rPr lang="en-GB" dirty="0" err="1"/>
+              <a:t>RegEx</a:t>
+            </a:r>
+            <a:r>
+              <a:rPr lang="en-GB" dirty="0"/>
+              <a:t> for unsigned integer literals:</a:t>
+            </a:r>
+          </a:p>
+          <a:p>
+            <a:pPr marL="0" indent="0">
+              <a:buNone/>
+            </a:pPr>
+            <a:endParaRPr lang="en-GB" dirty="0"/>
+          </a:p>
+          <a:p>
+            <a:pPr marL="0" indent="0" algn="ctr">
+              <a:buNone/>
+            </a:pPr>
+            <a:r>
+              <a:rPr lang="en-GB" i="1" dirty="0">
+                <a:solidFill>
+                  <a:srgbClr val="7030A0"/>
+                </a:solidFill>
+              </a:rPr>
+              <a:t>“^(0|[1-9][0-9]*)$”   </a:t>
+            </a:r>
+            <a:r>
+              <a:rPr lang="en-GB" i="1" dirty="0"/>
+              <a:t>or</a:t>
+            </a:r>
+            <a:r>
+              <a:rPr lang="en-GB" i="1" dirty="0">
+                <a:solidFill>
+                  <a:srgbClr val="7030A0"/>
+                </a:solidFill>
+              </a:rPr>
+              <a:t>   “^(0|[1-9]\\d*)$”</a:t>
+            </a:r>
+          </a:p>
+          <a:p>
+            <a:pPr marL="0" indent="0" algn="ctr">
+              <a:buNone/>
+            </a:pPr>
+            <a:endParaRPr lang="en-GB" i="1" dirty="0">
+              <a:solidFill>
+                <a:srgbClr val="7030A0"/>
+              </a:solidFill>
+            </a:endParaRPr>
+          </a:p>
+          <a:p>
+            <a:pPr marL="0" indent="0">
+              <a:buNone/>
+            </a:pPr>
+            <a:r>
+              <a:rPr lang="en-GB" b="1" dirty="0"/>
+              <a:t>What would the </a:t>
+            </a:r>
+            <a:r>
+              <a:rPr lang="en-GB" b="1" dirty="0" err="1"/>
+              <a:t>RegEx</a:t>
+            </a:r>
+            <a:r>
+              <a:rPr lang="en-GB" b="1" dirty="0"/>
+              <a:t> look like if we wanted to recognize a signed float literal then?</a:t>
+            </a:r>
+          </a:p>
+          <a:p>
+            <a:pPr marL="0" indent="0">
+              <a:buNone/>
+            </a:pPr>
+            <a:endParaRPr lang="en-GB" b="1" dirty="0"/>
+          </a:p>
+          <a:p>
+            <a:pPr marL="0" indent="0" algn="ctr">
+              <a:buNone/>
+            </a:pPr>
+            <a:r>
+              <a:rPr lang="en-GB" i="1" dirty="0">
+                <a:solidFill>
+                  <a:srgbClr val="7030A0"/>
+                </a:solidFill>
+              </a:rPr>
+              <a:t>“^[-+]?((0|[1-9]\\d*)(\\.\\d*)?)$”</a:t>
+            </a:r>
+            <a:endParaRPr lang="en-SG" dirty="0"/>
+          </a:p>
+        </p:txBody>
+      </p:sp>
+    </p:spTree>
+    <p:extLst>
+      <p:ext uri="{BB962C8B-B14F-4D97-AF65-F5344CB8AC3E}">
+        <p14:creationId xmlns:p14="http://schemas.microsoft.com/office/powerpoint/2010/main" val="783589184"/>
+      </p:ext>
+    </p:extLst>
+  </p:cSld>
+  <p:clrMapOvr>
+    <a:masterClrMapping/>
+  </p:clrMapOvr>
+</p:sld>
+</file>
+
+<file path=ppt/slides/slide63.xml><?xml version="1.0" encoding="utf-8"?>
+<p:sld xmlns:a="http://schemas.openxmlformats.org/drawingml/2006/main" xmlns:r="http://schemas.openxmlformats.org/officeDocument/2006/relationships" xmlns:p="http://schemas.openxmlformats.org/presentationml/2006/main">
+  <p:cSld>
+    <p:spTree>
+      <p:nvGrpSpPr>
+        <p:cNvPr id="1" name=""/>
+        <p:cNvGrpSpPr/>
+        <p:nvPr/>
+      </p:nvGrpSpPr>
+      <p:grpSpPr>
+        <a:xfrm>
+          <a:off x="0" y="0"/>
+          <a:ext cx="0" cy="0"/>
+          <a:chOff x="0" y="0"/>
+          <a:chExt cx="0" cy="0"/>
+        </a:xfrm>
+      </p:grpSpPr>
+      <p:sp>
+        <p:nvSpPr>
+          <p:cNvPr id="2" name="Title 1">
+            <a:extLst>
+              <a:ext uri="{FF2B5EF4-FFF2-40B4-BE49-F238E27FC236}">
+                <a16:creationId xmlns:a16="http://schemas.microsoft.com/office/drawing/2014/main" id="{5EAB84FF-F706-D3E8-C649-1A8A9C4D7F7B}"/>
+              </a:ext>
+            </a:extLst>
+          </p:cNvPr>
+          <p:cNvSpPr>
+            <a:spLocks noGrp="1"/>
+          </p:cNvSpPr>
+          <p:nvPr>
+            <p:ph type="title"/>
+          </p:nvPr>
+        </p:nvSpPr>
+        <p:spPr/>
+        <p:txBody>
+          <a:bodyPr/>
+          <a:lstStyle/>
+          <a:p>
+            <a:r>
+              <a:rPr lang="en-GB" dirty="0"/>
+              <a:t>Practice: Recognizing more types of literals</a:t>
+            </a:r>
+            <a:endParaRPr lang="en-SG" dirty="0"/>
+          </a:p>
+        </p:txBody>
+      </p:sp>
+      <p:sp>
+        <p:nvSpPr>
+          <p:cNvPr id="3" name="Content Placeholder 2">
+            <a:extLst>
+              <a:ext uri="{FF2B5EF4-FFF2-40B4-BE49-F238E27FC236}">
+                <a16:creationId xmlns:a16="http://schemas.microsoft.com/office/drawing/2014/main" id="{A6FA23DB-2026-F938-2B1A-401CADD258D7}"/>
+              </a:ext>
+            </a:extLst>
+          </p:cNvPr>
+          <p:cNvSpPr>
+            <a:spLocks noGrp="1"/>
+          </p:cNvSpPr>
+          <p:nvPr>
+            <p:ph idx="1"/>
+          </p:nvPr>
+        </p:nvSpPr>
         <p:spPr>
           <a:xfrm>
             <a:off x="838200" y="1825624"/>
@@ -25438,10 +26465,15 @@
             </a:r>
           </a:p>
           <a:p>
-            <a:pPr marL="514350" indent="-514350">
-              <a:buFont typeface="+mj-lt"/>
-              <a:buAutoNum type="arabicPeriod"/>
+            <a:pPr marL="0" indent="0">
+              <a:buNone/>
             </a:pPr>
+            <a:r>
+              <a:rPr lang="en-GB" b="1" dirty="0">
+                <a:sym typeface="Wingdings" panose="05000000000000000000" pitchFamily="2" charset="2"/>
+              </a:rPr>
+              <a:t> </a:t>
+            </a:r>
             <a:r>
               <a:rPr lang="en-GB" b="1" dirty="0"/>
               <a:t>But what about exponential notations for signed float literals,</a:t>
@@ -25451,17 +26483,7 @@
             </a:br>
             <a:r>
               <a:rPr lang="en-GB" b="1" dirty="0"/>
-              <a:t>e.g. 1e+5?</a:t>
-            </a:r>
-          </a:p>
-          <a:p>
-            <a:pPr marL="514350" indent="-514350">
-              <a:buFont typeface="+mj-lt"/>
-              <a:buAutoNum type="arabicPeriod"/>
-            </a:pPr>
-            <a:r>
-              <a:rPr lang="en-GB" b="1" dirty="0"/>
-              <a:t>How about recognizing a string literal now?</a:t>
+              <a:t>e.g. 1e+5, 0.25e-17, etc.?</a:t>
             </a:r>
           </a:p>
           <a:p>
@@ -25470,7 +26492,7 @@
             </a:pPr>
             <a:r>
               <a:rPr lang="en-SG" i="1" dirty="0"/>
-              <a:t>(Answer not provided)</a:t>
+              <a:t>(Answer not provided, leaving it as a challenge!)</a:t>
             </a:r>
           </a:p>
           <a:p>
@@ -25500,7 +26522,773 @@
 </p:sld>
 </file>
 
-<file path=ppt/slides/slide61.xml><?xml version="1.0" encoding="utf-8"?>
+<file path=ppt/slides/slide64.xml><?xml version="1.0" encoding="utf-8"?>
+<p:sld xmlns:a="http://schemas.openxmlformats.org/drawingml/2006/main" xmlns:r="http://schemas.openxmlformats.org/officeDocument/2006/relationships" xmlns:p="http://schemas.openxmlformats.org/presentationml/2006/main">
+  <p:cSld>
+    <p:spTree>
+      <p:nvGrpSpPr>
+        <p:cNvPr id="1" name=""/>
+        <p:cNvGrpSpPr/>
+        <p:nvPr/>
+      </p:nvGrpSpPr>
+      <p:grpSpPr>
+        <a:xfrm>
+          <a:off x="0" y="0"/>
+          <a:ext cx="0" cy="0"/>
+          <a:chOff x="0" y="0"/>
+          <a:chExt cx="0" cy="0"/>
+        </a:xfrm>
+      </p:grpSpPr>
+      <p:sp>
+        <p:nvSpPr>
+          <p:cNvPr id="2" name="Title 1">
+            <a:extLst>
+              <a:ext uri="{FF2B5EF4-FFF2-40B4-BE49-F238E27FC236}">
+                <a16:creationId xmlns:a16="http://schemas.microsoft.com/office/drawing/2014/main" id="{2B8F0B81-D387-C7BF-C5F1-15AF244B0B3E}"/>
+              </a:ext>
+            </a:extLst>
+          </p:cNvPr>
+          <p:cNvSpPr>
+            <a:spLocks noGrp="1"/>
+          </p:cNvSpPr>
+          <p:nvPr>
+            <p:ph type="title"/>
+          </p:nvPr>
+        </p:nvSpPr>
+        <p:spPr/>
+        <p:txBody>
+          <a:bodyPr/>
+          <a:lstStyle/>
+          <a:p>
+            <a:r>
+              <a:rPr lang="en-GB" dirty="0"/>
+              <a:t>Additional information in Tokens</a:t>
+            </a:r>
+            <a:endParaRPr lang="en-SG" dirty="0"/>
+          </a:p>
+        </p:txBody>
+      </p:sp>
+      <p:sp>
+        <p:nvSpPr>
+          <p:cNvPr id="4" name="Content Placeholder 3">
+            <a:extLst>
+              <a:ext uri="{FF2B5EF4-FFF2-40B4-BE49-F238E27FC236}">
+                <a16:creationId xmlns:a16="http://schemas.microsoft.com/office/drawing/2014/main" id="{5D0D450B-C201-FDB7-239F-6DE0626BCB23}"/>
+              </a:ext>
+            </a:extLst>
+          </p:cNvPr>
+          <p:cNvSpPr>
+            <a:spLocks noGrp="1"/>
+          </p:cNvSpPr>
+          <p:nvPr>
+            <p:ph sz="half" idx="1"/>
+          </p:nvPr>
+        </p:nvSpPr>
+        <p:spPr>
+          <a:xfrm>
+            <a:off x="838200" y="1825624"/>
+            <a:ext cx="5181600" cy="5032375"/>
+          </a:xfrm>
+        </p:spPr>
+        <p:txBody>
+          <a:bodyPr/>
+          <a:lstStyle/>
+          <a:p>
+            <a:pPr marL="0" indent="0">
+              <a:buNone/>
+            </a:pPr>
+            <a:r>
+              <a:rPr lang="en-GB" dirty="0"/>
+              <a:t>On top of the Token Type and lexeme, additional attributes could be added to the Token object, for instance:</a:t>
+            </a:r>
+          </a:p>
+          <a:p>
+            <a:r>
+              <a:rPr lang="en-GB" dirty="0"/>
+              <a:t>The line number (which can be tracked by counting the number of \n that have been scanned during the splitting)</a:t>
+            </a:r>
+          </a:p>
+          <a:p>
+            <a:r>
+              <a:rPr lang="en-GB" dirty="0"/>
+              <a:t>A positional index (indicating that the lexeme starts on position 7 of its line for instance).</a:t>
+            </a:r>
+            <a:endParaRPr lang="en-SG" dirty="0"/>
+          </a:p>
+        </p:txBody>
+      </p:sp>
+      <p:pic>
+        <p:nvPicPr>
+          <p:cNvPr id="7" name="Picture 6">
+            <a:extLst>
+              <a:ext uri="{FF2B5EF4-FFF2-40B4-BE49-F238E27FC236}">
+                <a16:creationId xmlns:a16="http://schemas.microsoft.com/office/drawing/2014/main" id="{17B16A38-9679-B6EE-93D4-F75C06DC8567}"/>
+              </a:ext>
+            </a:extLst>
+          </p:cNvPr>
+          <p:cNvPicPr>
+            <a:picLocks noChangeAspect="1"/>
+          </p:cNvPicPr>
+          <p:nvPr/>
+        </p:nvPicPr>
+        <p:blipFill>
+          <a:blip r:embed="rId2"/>
+          <a:stretch>
+            <a:fillRect/>
+          </a:stretch>
+        </p:blipFill>
+        <p:spPr>
+          <a:xfrm>
+            <a:off x="6172202" y="2980776"/>
+            <a:ext cx="5747288" cy="2175669"/>
+          </a:xfrm>
+          <a:prstGeom prst="rect">
+            <a:avLst/>
+          </a:prstGeom>
+        </p:spPr>
+      </p:pic>
+    </p:spTree>
+    <p:extLst>
+      <p:ext uri="{BB962C8B-B14F-4D97-AF65-F5344CB8AC3E}">
+        <p14:creationId xmlns:p14="http://schemas.microsoft.com/office/powerpoint/2010/main" val="2188048985"/>
+      </p:ext>
+    </p:extLst>
+  </p:cSld>
+  <p:clrMapOvr>
+    <a:masterClrMapping/>
+  </p:clrMapOvr>
+</p:sld>
+</file>
+
+<file path=ppt/slides/slide65.xml><?xml version="1.0" encoding="utf-8"?>
+<p:sld xmlns:a="http://schemas.openxmlformats.org/drawingml/2006/main" xmlns:r="http://schemas.openxmlformats.org/officeDocument/2006/relationships" xmlns:p="http://schemas.openxmlformats.org/presentationml/2006/main">
+  <p:cSld>
+    <p:spTree>
+      <p:nvGrpSpPr>
+        <p:cNvPr id="1" name=""/>
+        <p:cNvGrpSpPr/>
+        <p:nvPr/>
+      </p:nvGrpSpPr>
+      <p:grpSpPr>
+        <a:xfrm>
+          <a:off x="0" y="0"/>
+          <a:ext cx="0" cy="0"/>
+          <a:chOff x="0" y="0"/>
+          <a:chExt cx="0" cy="0"/>
+        </a:xfrm>
+      </p:grpSpPr>
+      <p:sp>
+        <p:nvSpPr>
+          <p:cNvPr id="2" name="Title 1">
+            <a:extLst>
+              <a:ext uri="{FF2B5EF4-FFF2-40B4-BE49-F238E27FC236}">
+                <a16:creationId xmlns:a16="http://schemas.microsoft.com/office/drawing/2014/main" id="{2B8F0B81-D387-C7BF-C5F1-15AF244B0B3E}"/>
+              </a:ext>
+            </a:extLst>
+          </p:cNvPr>
+          <p:cNvSpPr>
+            <a:spLocks noGrp="1"/>
+          </p:cNvSpPr>
+          <p:nvPr>
+            <p:ph type="title"/>
+          </p:nvPr>
+        </p:nvSpPr>
+        <p:spPr/>
+        <p:txBody>
+          <a:bodyPr/>
+          <a:lstStyle/>
+          <a:p>
+            <a:r>
+              <a:rPr lang="en-GB" dirty="0"/>
+              <a:t>Additional information in Tokens, and Errors!</a:t>
+            </a:r>
+            <a:endParaRPr lang="en-SG" dirty="0"/>
+          </a:p>
+        </p:txBody>
+      </p:sp>
+      <p:sp>
+        <p:nvSpPr>
+          <p:cNvPr id="4" name="Content Placeholder 3">
+            <a:extLst>
+              <a:ext uri="{FF2B5EF4-FFF2-40B4-BE49-F238E27FC236}">
+                <a16:creationId xmlns:a16="http://schemas.microsoft.com/office/drawing/2014/main" id="{5D0D450B-C201-FDB7-239F-6DE0626BCB23}"/>
+              </a:ext>
+            </a:extLst>
+          </p:cNvPr>
+          <p:cNvSpPr>
+            <a:spLocks noGrp="1"/>
+          </p:cNvSpPr>
+          <p:nvPr>
+            <p:ph sz="half" idx="1"/>
+          </p:nvPr>
+        </p:nvSpPr>
+        <p:spPr>
+          <a:xfrm>
+            <a:off x="838199" y="1825624"/>
+            <a:ext cx="5421923" cy="5032375"/>
+          </a:xfrm>
+        </p:spPr>
+        <p:txBody>
+          <a:bodyPr>
+            <a:normAutofit/>
+          </a:bodyPr>
+          <a:lstStyle/>
+          <a:p>
+            <a:r>
+              <a:rPr lang="en-GB" dirty="0"/>
+              <a:t>This additional information could typically be used when an UNKNOWN token is recognized to produce an error message.</a:t>
+            </a:r>
+          </a:p>
+          <a:p>
+            <a:endParaRPr lang="en-GB" dirty="0"/>
+          </a:p>
+          <a:p>
+            <a:r>
+              <a:rPr lang="en-GB" dirty="0"/>
+              <a:t>Python does that well, indicates the line at which the error occurred and – on the latest Python versions – might even indicate the location of the error using a ^ symbol.</a:t>
+            </a:r>
+          </a:p>
+        </p:txBody>
+      </p:sp>
+      <p:pic>
+        <p:nvPicPr>
+          <p:cNvPr id="7" name="Picture 6">
+            <a:extLst>
+              <a:ext uri="{FF2B5EF4-FFF2-40B4-BE49-F238E27FC236}">
+                <a16:creationId xmlns:a16="http://schemas.microsoft.com/office/drawing/2014/main" id="{17B16A38-9679-B6EE-93D4-F75C06DC8567}"/>
+              </a:ext>
+            </a:extLst>
+          </p:cNvPr>
+          <p:cNvPicPr>
+            <a:picLocks noChangeAspect="1"/>
+          </p:cNvPicPr>
+          <p:nvPr/>
+        </p:nvPicPr>
+        <p:blipFill>
+          <a:blip r:embed="rId2"/>
+          <a:stretch>
+            <a:fillRect/>
+          </a:stretch>
+        </p:blipFill>
+        <p:spPr>
+          <a:xfrm>
+            <a:off x="6172202" y="2980776"/>
+            <a:ext cx="5747288" cy="2175669"/>
+          </a:xfrm>
+          <a:prstGeom prst="rect">
+            <a:avLst/>
+          </a:prstGeom>
+        </p:spPr>
+      </p:pic>
+    </p:spTree>
+    <p:extLst>
+      <p:ext uri="{BB962C8B-B14F-4D97-AF65-F5344CB8AC3E}">
+        <p14:creationId xmlns:p14="http://schemas.microsoft.com/office/powerpoint/2010/main" val="4137033095"/>
+      </p:ext>
+    </p:extLst>
+  </p:cSld>
+  <p:clrMapOvr>
+    <a:masterClrMapping/>
+  </p:clrMapOvr>
+</p:sld>
+</file>
+
+<file path=ppt/slides/slide66.xml><?xml version="1.0" encoding="utf-8"?>
+<p:sld xmlns:a="http://schemas.openxmlformats.org/drawingml/2006/main" xmlns:r="http://schemas.openxmlformats.org/officeDocument/2006/relationships" xmlns:p="http://schemas.openxmlformats.org/presentationml/2006/main">
+  <p:cSld>
+    <p:spTree>
+      <p:nvGrpSpPr>
+        <p:cNvPr id="1" name=""/>
+        <p:cNvGrpSpPr/>
+        <p:nvPr/>
+      </p:nvGrpSpPr>
+      <p:grpSpPr>
+        <a:xfrm>
+          <a:off x="0" y="0"/>
+          <a:ext cx="0" cy="0"/>
+          <a:chOff x="0" y="0"/>
+          <a:chExt cx="0" cy="0"/>
+        </a:xfrm>
+      </p:grpSpPr>
+      <p:sp>
+        <p:nvSpPr>
+          <p:cNvPr id="2" name="Title 1">
+            <a:extLst>
+              <a:ext uri="{FF2B5EF4-FFF2-40B4-BE49-F238E27FC236}">
+                <a16:creationId xmlns:a16="http://schemas.microsoft.com/office/drawing/2014/main" id="{2B8F0B81-D387-C7BF-C5F1-15AF244B0B3E}"/>
+              </a:ext>
+            </a:extLst>
+          </p:cNvPr>
+          <p:cNvSpPr>
+            <a:spLocks noGrp="1"/>
+          </p:cNvSpPr>
+          <p:nvPr>
+            <p:ph type="title"/>
+          </p:nvPr>
+        </p:nvSpPr>
+        <p:spPr/>
+        <p:txBody>
+          <a:bodyPr/>
+          <a:lstStyle/>
+          <a:p>
+            <a:r>
+              <a:rPr lang="en-GB" dirty="0"/>
+              <a:t>Additional information in Tokens, and Errors!</a:t>
+            </a:r>
+            <a:endParaRPr lang="en-SG" dirty="0"/>
+          </a:p>
+        </p:txBody>
+      </p:sp>
+      <p:sp>
+        <p:nvSpPr>
+          <p:cNvPr id="4" name="Content Placeholder 3">
+            <a:extLst>
+              <a:ext uri="{FF2B5EF4-FFF2-40B4-BE49-F238E27FC236}">
+                <a16:creationId xmlns:a16="http://schemas.microsoft.com/office/drawing/2014/main" id="{5D0D450B-C201-FDB7-239F-6DE0626BCB23}"/>
+              </a:ext>
+            </a:extLst>
+          </p:cNvPr>
+          <p:cNvSpPr>
+            <a:spLocks noGrp="1"/>
+          </p:cNvSpPr>
+          <p:nvPr>
+            <p:ph sz="half" idx="1"/>
+          </p:nvPr>
+        </p:nvSpPr>
+        <p:spPr>
+          <a:xfrm>
+            <a:off x="838199" y="1825624"/>
+            <a:ext cx="5421923" cy="5032375"/>
+          </a:xfrm>
+        </p:spPr>
+        <p:txBody>
+          <a:bodyPr>
+            <a:normAutofit/>
+          </a:bodyPr>
+          <a:lstStyle/>
+          <a:p>
+            <a:r>
+              <a:rPr lang="en-GB" dirty="0"/>
+              <a:t>These Error messages may in turn require more </a:t>
+            </a:r>
+            <a:r>
+              <a:rPr lang="en-GB" dirty="0" err="1"/>
+              <a:t>RegEx</a:t>
+            </a:r>
+            <a:r>
+              <a:rPr lang="en-GB" dirty="0"/>
+              <a:t> to recognize typical errors</a:t>
+            </a:r>
+            <a:r>
+              <a:rPr lang="en-SG" dirty="0"/>
+              <a:t>.</a:t>
+            </a:r>
+          </a:p>
+          <a:p>
+            <a:r>
+              <a:rPr lang="en-SG" dirty="0"/>
+              <a:t>E.g. here, we are trying to add a decimal variable (x), with a literal reading as 10followedbyletters.</a:t>
+            </a:r>
+          </a:p>
+          <a:p>
+            <a:r>
+              <a:rPr lang="en-SG" dirty="0"/>
+              <a:t>This 10followedbyletters lexeme violates the </a:t>
+            </a:r>
+            <a:r>
+              <a:rPr lang="en-SG" dirty="0" err="1"/>
+              <a:t>RegEx</a:t>
+            </a:r>
+            <a:r>
+              <a:rPr lang="en-SG" dirty="0"/>
+              <a:t> defined for int and float literals and gets caught. </a:t>
+            </a:r>
+          </a:p>
+          <a:p>
+            <a:r>
+              <a:rPr lang="en-SG" dirty="0"/>
+              <a:t>The error message then displays that we have an “invalid literal”.</a:t>
+            </a:r>
+            <a:endParaRPr lang="en-GB" dirty="0"/>
+          </a:p>
+        </p:txBody>
+      </p:sp>
+      <p:pic>
+        <p:nvPicPr>
+          <p:cNvPr id="7" name="Picture 6">
+            <a:extLst>
+              <a:ext uri="{FF2B5EF4-FFF2-40B4-BE49-F238E27FC236}">
+                <a16:creationId xmlns:a16="http://schemas.microsoft.com/office/drawing/2014/main" id="{17B16A38-9679-B6EE-93D4-F75C06DC8567}"/>
+              </a:ext>
+            </a:extLst>
+          </p:cNvPr>
+          <p:cNvPicPr>
+            <a:picLocks noChangeAspect="1"/>
+          </p:cNvPicPr>
+          <p:nvPr/>
+        </p:nvPicPr>
+        <p:blipFill>
+          <a:blip r:embed="rId2"/>
+          <a:stretch>
+            <a:fillRect/>
+          </a:stretch>
+        </p:blipFill>
+        <p:spPr>
+          <a:xfrm>
+            <a:off x="6172202" y="2980776"/>
+            <a:ext cx="5747288" cy="2175669"/>
+          </a:xfrm>
+          <a:prstGeom prst="rect">
+            <a:avLst/>
+          </a:prstGeom>
+        </p:spPr>
+      </p:pic>
+    </p:spTree>
+    <p:extLst>
+      <p:ext uri="{BB962C8B-B14F-4D97-AF65-F5344CB8AC3E}">
+        <p14:creationId xmlns:p14="http://schemas.microsoft.com/office/powerpoint/2010/main" val="1884289737"/>
+      </p:ext>
+    </p:extLst>
+  </p:cSld>
+  <p:clrMapOvr>
+    <a:masterClrMapping/>
+  </p:clrMapOvr>
+</p:sld>
+</file>
+
+<file path=ppt/slides/slide67.xml><?xml version="1.0" encoding="utf-8"?>
+<p:sld xmlns:a="http://schemas.openxmlformats.org/drawingml/2006/main" xmlns:r="http://schemas.openxmlformats.org/officeDocument/2006/relationships" xmlns:p="http://schemas.openxmlformats.org/presentationml/2006/main">
+  <p:cSld>
+    <p:spTree>
+      <p:nvGrpSpPr>
+        <p:cNvPr id="1" name=""/>
+        <p:cNvGrpSpPr/>
+        <p:nvPr/>
+      </p:nvGrpSpPr>
+      <p:grpSpPr>
+        <a:xfrm>
+          <a:off x="0" y="0"/>
+          <a:ext cx="0" cy="0"/>
+          <a:chOff x="0" y="0"/>
+          <a:chExt cx="0" cy="0"/>
+        </a:xfrm>
+      </p:grpSpPr>
+      <p:sp>
+        <p:nvSpPr>
+          <p:cNvPr id="2" name="Title 1">
+            <a:extLst>
+              <a:ext uri="{FF2B5EF4-FFF2-40B4-BE49-F238E27FC236}">
+                <a16:creationId xmlns:a16="http://schemas.microsoft.com/office/drawing/2014/main" id="{2B8F0B81-D387-C7BF-C5F1-15AF244B0B3E}"/>
+              </a:ext>
+            </a:extLst>
+          </p:cNvPr>
+          <p:cNvSpPr>
+            <a:spLocks noGrp="1"/>
+          </p:cNvSpPr>
+          <p:nvPr>
+            <p:ph type="title"/>
+          </p:nvPr>
+        </p:nvSpPr>
+        <p:spPr/>
+        <p:txBody>
+          <a:bodyPr/>
+          <a:lstStyle/>
+          <a:p>
+            <a:r>
+              <a:rPr lang="en-GB" dirty="0"/>
+              <a:t>Additional information in Tokens, and Errors!</a:t>
+            </a:r>
+            <a:endParaRPr lang="en-SG" dirty="0"/>
+          </a:p>
+        </p:txBody>
+      </p:sp>
+      <p:sp>
+        <p:nvSpPr>
+          <p:cNvPr id="4" name="Content Placeholder 3">
+            <a:extLst>
+              <a:ext uri="{FF2B5EF4-FFF2-40B4-BE49-F238E27FC236}">
+                <a16:creationId xmlns:a16="http://schemas.microsoft.com/office/drawing/2014/main" id="{5D0D450B-C201-FDB7-239F-6DE0626BCB23}"/>
+              </a:ext>
+            </a:extLst>
+          </p:cNvPr>
+          <p:cNvSpPr>
+            <a:spLocks noGrp="1"/>
+          </p:cNvSpPr>
+          <p:nvPr>
+            <p:ph sz="half" idx="1"/>
+          </p:nvPr>
+        </p:nvSpPr>
+        <p:spPr>
+          <a:xfrm>
+            <a:off x="838199" y="1825624"/>
+            <a:ext cx="5421923" cy="5032375"/>
+          </a:xfrm>
+        </p:spPr>
+        <p:txBody>
+          <a:bodyPr>
+            <a:normAutofit/>
+          </a:bodyPr>
+          <a:lstStyle/>
+          <a:p>
+            <a:r>
+              <a:rPr lang="en-GB" dirty="0"/>
+              <a:t>In some cases, it might even be worth writing a </a:t>
+            </a:r>
+            <a:r>
+              <a:rPr lang="en-GB" dirty="0" err="1"/>
+              <a:t>RegEx</a:t>
+            </a:r>
+            <a:r>
+              <a:rPr lang="en-GB" dirty="0"/>
+              <a:t> for recognizing a typical scenario of an invalid int literal!</a:t>
+            </a:r>
+          </a:p>
+          <a:p>
+            <a:endParaRPr lang="en-GB" dirty="0"/>
+          </a:p>
+          <a:p>
+            <a:r>
+              <a:rPr lang="en-GB" dirty="0"/>
+              <a:t>For instance, </a:t>
+            </a:r>
+            <a:r>
+              <a:rPr lang="en-GB" dirty="0" err="1"/>
+              <a:t>RegEx</a:t>
+            </a:r>
+            <a:r>
+              <a:rPr lang="en-GB" dirty="0"/>
+              <a:t> for an invalid decimal literal that starts with at least one digit and is then followed by at least one non-digit character:</a:t>
+            </a:r>
+          </a:p>
+          <a:p>
+            <a:pPr marL="0" indent="0" algn="ctr">
+              <a:buNone/>
+            </a:pPr>
+            <a:r>
+              <a:rPr lang="en-GB" b="1" dirty="0">
+                <a:solidFill>
+                  <a:srgbClr val="7030A0"/>
+                </a:solidFill>
+              </a:rPr>
+              <a:t>“^[0-9]+[^0-9]+”</a:t>
+            </a:r>
+          </a:p>
+        </p:txBody>
+      </p:sp>
+      <p:pic>
+        <p:nvPicPr>
+          <p:cNvPr id="7" name="Picture 6">
+            <a:extLst>
+              <a:ext uri="{FF2B5EF4-FFF2-40B4-BE49-F238E27FC236}">
+                <a16:creationId xmlns:a16="http://schemas.microsoft.com/office/drawing/2014/main" id="{17B16A38-9679-B6EE-93D4-F75C06DC8567}"/>
+              </a:ext>
+            </a:extLst>
+          </p:cNvPr>
+          <p:cNvPicPr>
+            <a:picLocks noChangeAspect="1"/>
+          </p:cNvPicPr>
+          <p:nvPr/>
+        </p:nvPicPr>
+        <p:blipFill>
+          <a:blip r:embed="rId2"/>
+          <a:stretch>
+            <a:fillRect/>
+          </a:stretch>
+        </p:blipFill>
+        <p:spPr>
+          <a:xfrm>
+            <a:off x="6172202" y="2980776"/>
+            <a:ext cx="5747288" cy="2175669"/>
+          </a:xfrm>
+          <a:prstGeom prst="rect">
+            <a:avLst/>
+          </a:prstGeom>
+        </p:spPr>
+      </p:pic>
+    </p:spTree>
+    <p:extLst>
+      <p:ext uri="{BB962C8B-B14F-4D97-AF65-F5344CB8AC3E}">
+        <p14:creationId xmlns:p14="http://schemas.microsoft.com/office/powerpoint/2010/main" val="1432686963"/>
+      </p:ext>
+    </p:extLst>
+  </p:cSld>
+  <p:clrMapOvr>
+    <a:masterClrMapping/>
+  </p:clrMapOvr>
+</p:sld>
+</file>
+
+<file path=ppt/slides/slide68.xml><?xml version="1.0" encoding="utf-8"?>
+<p:sld xmlns:a="http://schemas.openxmlformats.org/drawingml/2006/main" xmlns:r="http://schemas.openxmlformats.org/officeDocument/2006/relationships" xmlns:p="http://schemas.openxmlformats.org/presentationml/2006/main">
+  <p:cSld>
+    <p:spTree>
+      <p:nvGrpSpPr>
+        <p:cNvPr id="1" name=""/>
+        <p:cNvGrpSpPr/>
+        <p:nvPr/>
+      </p:nvGrpSpPr>
+      <p:grpSpPr>
+        <a:xfrm>
+          <a:off x="0" y="0"/>
+          <a:ext cx="0" cy="0"/>
+          <a:chOff x="0" y="0"/>
+          <a:chExt cx="0" cy="0"/>
+        </a:xfrm>
+      </p:grpSpPr>
+      <p:sp>
+        <p:nvSpPr>
+          <p:cNvPr id="2" name="Title 1">
+            <a:extLst>
+              <a:ext uri="{FF2B5EF4-FFF2-40B4-BE49-F238E27FC236}">
+                <a16:creationId xmlns:a16="http://schemas.microsoft.com/office/drawing/2014/main" id="{2B8F0B81-D387-C7BF-C5F1-15AF244B0B3E}"/>
+              </a:ext>
+            </a:extLst>
+          </p:cNvPr>
+          <p:cNvSpPr>
+            <a:spLocks noGrp="1"/>
+          </p:cNvSpPr>
+          <p:nvPr>
+            <p:ph type="title"/>
+          </p:nvPr>
+        </p:nvSpPr>
+        <p:spPr/>
+        <p:txBody>
+          <a:bodyPr/>
+          <a:lstStyle/>
+          <a:p>
+            <a:r>
+              <a:rPr lang="en-GB" dirty="0"/>
+              <a:t>Additional information in Tokens, and Errors!</a:t>
+            </a:r>
+            <a:endParaRPr lang="en-SG" dirty="0"/>
+          </a:p>
+        </p:txBody>
+      </p:sp>
+      <p:sp>
+        <p:nvSpPr>
+          <p:cNvPr id="4" name="Content Placeholder 3">
+            <a:extLst>
+              <a:ext uri="{FF2B5EF4-FFF2-40B4-BE49-F238E27FC236}">
+                <a16:creationId xmlns:a16="http://schemas.microsoft.com/office/drawing/2014/main" id="{5D0D450B-C201-FDB7-239F-6DE0626BCB23}"/>
+              </a:ext>
+            </a:extLst>
+          </p:cNvPr>
+          <p:cNvSpPr>
+            <a:spLocks noGrp="1"/>
+          </p:cNvSpPr>
+          <p:nvPr>
+            <p:ph sz="half" idx="1"/>
+          </p:nvPr>
+        </p:nvSpPr>
+        <p:spPr>
+          <a:xfrm>
+            <a:off x="838199" y="1825624"/>
+            <a:ext cx="5421923" cy="5032375"/>
+          </a:xfrm>
+        </p:spPr>
+        <p:txBody>
+          <a:bodyPr>
+            <a:normAutofit/>
+          </a:bodyPr>
+          <a:lstStyle/>
+          <a:p>
+            <a:pPr marL="0" indent="0">
+              <a:buNone/>
+            </a:pPr>
+            <a:r>
+              <a:rPr lang="en-GB" b="1" dirty="0"/>
+              <a:t>Note: </a:t>
+            </a:r>
+            <a:r>
+              <a:rPr lang="en-GB" dirty="0"/>
+              <a:t>In some simple cases, this type of errors can be caught during tokenization.</a:t>
+            </a:r>
+          </a:p>
+          <a:p>
+            <a:pPr marL="0" indent="0">
+              <a:buNone/>
+            </a:pPr>
+            <a:endParaRPr lang="en-GB" dirty="0"/>
+          </a:p>
+          <a:p>
+            <a:pPr marL="0" indent="0">
+              <a:buNone/>
+            </a:pPr>
+            <a:r>
+              <a:rPr lang="en-GB" dirty="0"/>
+              <a:t>And error messages can be implemented during Tokenization. </a:t>
+            </a:r>
+          </a:p>
+          <a:p>
+            <a:pPr marL="0" indent="0">
+              <a:buNone/>
+            </a:pPr>
+            <a:endParaRPr lang="en-GB" dirty="0"/>
+          </a:p>
+          <a:p>
+            <a:pPr marL="0" indent="0">
+              <a:buNone/>
+            </a:pPr>
+            <a:r>
+              <a:rPr lang="en-GB" dirty="0"/>
+              <a:t>But most of the time, they will be caught by the </a:t>
+            </a:r>
+            <a:r>
+              <a:rPr lang="en-GB" b="1" dirty="0"/>
+              <a:t>Parser</a:t>
+            </a:r>
+            <a:r>
+              <a:rPr lang="en-GB" dirty="0"/>
+              <a:t> instead, during the Syntax Analysis step of the compilation (more on this later).</a:t>
+            </a:r>
+            <a:endParaRPr lang="en-SG" dirty="0"/>
+          </a:p>
+        </p:txBody>
+      </p:sp>
+      <p:pic>
+        <p:nvPicPr>
+          <p:cNvPr id="7" name="Picture 6">
+            <a:extLst>
+              <a:ext uri="{FF2B5EF4-FFF2-40B4-BE49-F238E27FC236}">
+                <a16:creationId xmlns:a16="http://schemas.microsoft.com/office/drawing/2014/main" id="{17B16A38-9679-B6EE-93D4-F75C06DC8567}"/>
+              </a:ext>
+            </a:extLst>
+          </p:cNvPr>
+          <p:cNvPicPr>
+            <a:picLocks noChangeAspect="1"/>
+          </p:cNvPicPr>
+          <p:nvPr/>
+        </p:nvPicPr>
+        <p:blipFill>
+          <a:blip r:embed="rId2"/>
+          <a:stretch>
+            <a:fillRect/>
+          </a:stretch>
+        </p:blipFill>
+        <p:spPr>
+          <a:xfrm>
+            <a:off x="6172202" y="2980776"/>
+            <a:ext cx="5747288" cy="2175669"/>
+          </a:xfrm>
+          <a:prstGeom prst="rect">
+            <a:avLst/>
+          </a:prstGeom>
+        </p:spPr>
+      </p:pic>
+    </p:spTree>
+    <p:extLst>
+      <p:ext uri="{BB962C8B-B14F-4D97-AF65-F5344CB8AC3E}">
+        <p14:creationId xmlns:p14="http://schemas.microsoft.com/office/powerpoint/2010/main" val="2409485988"/>
+      </p:ext>
+    </p:extLst>
+  </p:cSld>
+  <p:clrMapOvr>
+    <a:masterClrMapping/>
+  </p:clrMapOvr>
+</p:sld>
+</file>
+
+<file path=ppt/slides/slide69.xml><?xml version="1.0" encoding="utf-8"?>
 <p:sld xmlns:a="http://schemas.openxmlformats.org/drawingml/2006/main" xmlns:r="http://schemas.openxmlformats.org/officeDocument/2006/relationships" xmlns:p="http://schemas.openxmlformats.org/presentationml/2006/main">
   <p:cSld>
     <p:spTree>
@@ -25619,983 +27407,6 @@
     <p:extLst>
       <p:ext uri="{BB962C8B-B14F-4D97-AF65-F5344CB8AC3E}">
         <p14:creationId xmlns:p14="http://schemas.microsoft.com/office/powerpoint/2010/main" val="669465544"/>
-      </p:ext>
-    </p:extLst>
-  </p:cSld>
-  <p:clrMapOvr>
-    <a:masterClrMapping/>
-  </p:clrMapOvr>
-</p:sld>
-</file>
-
-<file path=ppt/slides/slide62.xml><?xml version="1.0" encoding="utf-8"?>
-<p:sld xmlns:a="http://schemas.openxmlformats.org/drawingml/2006/main" xmlns:r="http://schemas.openxmlformats.org/officeDocument/2006/relationships" xmlns:p="http://schemas.openxmlformats.org/presentationml/2006/main">
-  <p:cSld>
-    <p:spTree>
-      <p:nvGrpSpPr>
-        <p:cNvPr id="1" name=""/>
-        <p:cNvGrpSpPr/>
-        <p:nvPr/>
-      </p:nvGrpSpPr>
-      <p:grpSpPr>
-        <a:xfrm>
-          <a:off x="0" y="0"/>
-          <a:ext cx="0" cy="0"/>
-          <a:chOff x="0" y="0"/>
-          <a:chExt cx="0" cy="0"/>
-        </a:xfrm>
-      </p:grpSpPr>
-      <p:sp>
-        <p:nvSpPr>
-          <p:cNvPr id="2" name="Title 1">
-            <a:extLst>
-              <a:ext uri="{FF2B5EF4-FFF2-40B4-BE49-F238E27FC236}">
-                <a16:creationId xmlns:a16="http://schemas.microsoft.com/office/drawing/2014/main" id="{85A8A45D-5E7D-ADD7-164B-328A152B3A81}"/>
-              </a:ext>
-            </a:extLst>
-          </p:cNvPr>
-          <p:cNvSpPr>
-            <a:spLocks noGrp="1"/>
-          </p:cNvSpPr>
-          <p:nvPr>
-            <p:ph type="title"/>
-          </p:nvPr>
-        </p:nvSpPr>
-        <p:spPr/>
-        <p:txBody>
-          <a:bodyPr/>
-          <a:lstStyle/>
-          <a:p>
-            <a:r>
-              <a:rPr lang="en-GB" dirty="0"/>
-              <a:t>Quiz time!</a:t>
-            </a:r>
-            <a:endParaRPr lang="en-SG" dirty="0"/>
-          </a:p>
-        </p:txBody>
-      </p:sp>
-      <p:sp>
-        <p:nvSpPr>
-          <p:cNvPr id="3" name="Content Placeholder 2">
-            <a:extLst>
-              <a:ext uri="{FF2B5EF4-FFF2-40B4-BE49-F238E27FC236}">
-                <a16:creationId xmlns:a16="http://schemas.microsoft.com/office/drawing/2014/main" id="{C2E398D8-3B3B-9BBB-F0C4-A93A76CBF126}"/>
-              </a:ext>
-            </a:extLst>
-          </p:cNvPr>
-          <p:cNvSpPr>
-            <a:spLocks noGrp="1"/>
-          </p:cNvSpPr>
-          <p:nvPr>
-            <p:ph idx="1"/>
-          </p:nvPr>
-        </p:nvSpPr>
-        <p:spPr/>
-        <p:txBody>
-          <a:bodyPr/>
-          <a:lstStyle/>
-          <a:p>
-            <a:pPr marL="0" indent="0">
-              <a:buNone/>
-            </a:pPr>
-            <a:r>
-              <a:rPr lang="en-GB" dirty="0"/>
-              <a:t>What is the primary purpose of tokenization in compilers?</a:t>
-            </a:r>
-          </a:p>
-          <a:p>
-            <a:pPr marL="514350" indent="-514350">
-              <a:buFont typeface="+mj-lt"/>
-              <a:buAutoNum type="alphaUcPeriod"/>
-            </a:pPr>
-            <a:r>
-              <a:rPr lang="en-GB" dirty="0"/>
-              <a:t>Parsing source code</a:t>
-            </a:r>
-          </a:p>
-          <a:p>
-            <a:pPr marL="514350" indent="-514350">
-              <a:buFont typeface="+mj-lt"/>
-              <a:buAutoNum type="alphaUcPeriod"/>
-            </a:pPr>
-            <a:r>
-              <a:rPr lang="en-GB" dirty="0"/>
-              <a:t>Converting source code to machine code</a:t>
-            </a:r>
-          </a:p>
-          <a:p>
-            <a:pPr marL="514350" indent="-514350">
-              <a:buFont typeface="+mj-lt"/>
-              <a:buAutoNum type="alphaUcPeriod"/>
-            </a:pPr>
-            <a:r>
-              <a:rPr lang="en-GB" dirty="0"/>
-              <a:t>Breaking source code into meaningful elements</a:t>
-            </a:r>
-          </a:p>
-          <a:p>
-            <a:pPr marL="514350" indent="-514350">
-              <a:buFont typeface="+mj-lt"/>
-              <a:buAutoNum type="alphaUcPeriod"/>
-            </a:pPr>
-            <a:r>
-              <a:rPr lang="en-GB" dirty="0"/>
-              <a:t>Optimizing source code for performance</a:t>
-            </a:r>
-            <a:endParaRPr lang="en-SG" dirty="0"/>
-          </a:p>
-        </p:txBody>
-      </p:sp>
-    </p:spTree>
-    <p:extLst>
-      <p:ext uri="{BB962C8B-B14F-4D97-AF65-F5344CB8AC3E}">
-        <p14:creationId xmlns:p14="http://schemas.microsoft.com/office/powerpoint/2010/main" val="540619278"/>
-      </p:ext>
-    </p:extLst>
-  </p:cSld>
-  <p:clrMapOvr>
-    <a:masterClrMapping/>
-  </p:clrMapOvr>
-</p:sld>
-</file>
-
-<file path=ppt/slides/slide63.xml><?xml version="1.0" encoding="utf-8"?>
-<p:sld xmlns:a="http://schemas.openxmlformats.org/drawingml/2006/main" xmlns:r="http://schemas.openxmlformats.org/officeDocument/2006/relationships" xmlns:p="http://schemas.openxmlformats.org/presentationml/2006/main">
-  <p:cSld>
-    <p:spTree>
-      <p:nvGrpSpPr>
-        <p:cNvPr id="1" name=""/>
-        <p:cNvGrpSpPr/>
-        <p:nvPr/>
-      </p:nvGrpSpPr>
-      <p:grpSpPr>
-        <a:xfrm>
-          <a:off x="0" y="0"/>
-          <a:ext cx="0" cy="0"/>
-          <a:chOff x="0" y="0"/>
-          <a:chExt cx="0" cy="0"/>
-        </a:xfrm>
-      </p:grpSpPr>
-      <p:sp>
-        <p:nvSpPr>
-          <p:cNvPr id="2" name="Title 1">
-            <a:extLst>
-              <a:ext uri="{FF2B5EF4-FFF2-40B4-BE49-F238E27FC236}">
-                <a16:creationId xmlns:a16="http://schemas.microsoft.com/office/drawing/2014/main" id="{85A8A45D-5E7D-ADD7-164B-328A152B3A81}"/>
-              </a:ext>
-            </a:extLst>
-          </p:cNvPr>
-          <p:cNvSpPr>
-            <a:spLocks noGrp="1"/>
-          </p:cNvSpPr>
-          <p:nvPr>
-            <p:ph type="title"/>
-          </p:nvPr>
-        </p:nvSpPr>
-        <p:spPr/>
-        <p:txBody>
-          <a:bodyPr/>
-          <a:lstStyle/>
-          <a:p>
-            <a:r>
-              <a:rPr lang="en-GB" dirty="0"/>
-              <a:t>Quiz time!</a:t>
-            </a:r>
-            <a:endParaRPr lang="en-SG" dirty="0"/>
-          </a:p>
-        </p:txBody>
-      </p:sp>
-      <p:sp>
-        <p:nvSpPr>
-          <p:cNvPr id="3" name="Content Placeholder 2">
-            <a:extLst>
-              <a:ext uri="{FF2B5EF4-FFF2-40B4-BE49-F238E27FC236}">
-                <a16:creationId xmlns:a16="http://schemas.microsoft.com/office/drawing/2014/main" id="{C2E398D8-3B3B-9BBB-F0C4-A93A76CBF126}"/>
-              </a:ext>
-            </a:extLst>
-          </p:cNvPr>
-          <p:cNvSpPr>
-            <a:spLocks noGrp="1"/>
-          </p:cNvSpPr>
-          <p:nvPr>
-            <p:ph idx="1"/>
-          </p:nvPr>
-        </p:nvSpPr>
-        <p:spPr/>
-        <p:txBody>
-          <a:bodyPr/>
-          <a:lstStyle/>
-          <a:p>
-            <a:pPr marL="0" indent="0">
-              <a:buNone/>
-            </a:pPr>
-            <a:r>
-              <a:rPr lang="en-GB" dirty="0"/>
-              <a:t>What is the primary purpose of tokenization in compilers?</a:t>
-            </a:r>
-          </a:p>
-          <a:p>
-            <a:pPr marL="514350" indent="-514350">
-              <a:buFont typeface="+mj-lt"/>
-              <a:buAutoNum type="alphaUcPeriod"/>
-            </a:pPr>
-            <a:r>
-              <a:rPr lang="en-GB" dirty="0"/>
-              <a:t>Parsing source code</a:t>
-            </a:r>
-          </a:p>
-          <a:p>
-            <a:pPr marL="514350" indent="-514350">
-              <a:buFont typeface="+mj-lt"/>
-              <a:buAutoNum type="alphaUcPeriod"/>
-            </a:pPr>
-            <a:r>
-              <a:rPr lang="en-GB" dirty="0"/>
-              <a:t>Converting source code to machine code</a:t>
-            </a:r>
-          </a:p>
-          <a:p>
-            <a:pPr marL="514350" indent="-514350">
-              <a:buFont typeface="+mj-lt"/>
-              <a:buAutoNum type="alphaUcPeriod"/>
-            </a:pPr>
-            <a:r>
-              <a:rPr lang="en-GB" b="1" dirty="0">
-                <a:solidFill>
-                  <a:srgbClr val="00B050"/>
-                </a:solidFill>
-              </a:rPr>
-              <a:t>Breaking source code into meaningful elements</a:t>
-            </a:r>
-          </a:p>
-          <a:p>
-            <a:pPr marL="514350" indent="-514350">
-              <a:buFont typeface="+mj-lt"/>
-              <a:buAutoNum type="alphaUcPeriod"/>
-            </a:pPr>
-            <a:r>
-              <a:rPr lang="en-GB" dirty="0"/>
-              <a:t>Optimizing source code for performance</a:t>
-            </a:r>
-            <a:endParaRPr lang="en-SG" dirty="0"/>
-          </a:p>
-        </p:txBody>
-      </p:sp>
-    </p:spTree>
-    <p:extLst>
-      <p:ext uri="{BB962C8B-B14F-4D97-AF65-F5344CB8AC3E}">
-        <p14:creationId xmlns:p14="http://schemas.microsoft.com/office/powerpoint/2010/main" val="554068379"/>
-      </p:ext>
-    </p:extLst>
-  </p:cSld>
-  <p:clrMapOvr>
-    <a:masterClrMapping/>
-  </p:clrMapOvr>
-</p:sld>
-</file>
-
-<file path=ppt/slides/slide64.xml><?xml version="1.0" encoding="utf-8"?>
-<p:sld xmlns:a="http://schemas.openxmlformats.org/drawingml/2006/main" xmlns:r="http://schemas.openxmlformats.org/officeDocument/2006/relationships" xmlns:p="http://schemas.openxmlformats.org/presentationml/2006/main">
-  <p:cSld>
-    <p:spTree>
-      <p:nvGrpSpPr>
-        <p:cNvPr id="1" name=""/>
-        <p:cNvGrpSpPr/>
-        <p:nvPr/>
-      </p:nvGrpSpPr>
-      <p:grpSpPr>
-        <a:xfrm>
-          <a:off x="0" y="0"/>
-          <a:ext cx="0" cy="0"/>
-          <a:chOff x="0" y="0"/>
-          <a:chExt cx="0" cy="0"/>
-        </a:xfrm>
-      </p:grpSpPr>
-      <p:sp>
-        <p:nvSpPr>
-          <p:cNvPr id="2" name="Title 1">
-            <a:extLst>
-              <a:ext uri="{FF2B5EF4-FFF2-40B4-BE49-F238E27FC236}">
-                <a16:creationId xmlns:a16="http://schemas.microsoft.com/office/drawing/2014/main" id="{85A8A45D-5E7D-ADD7-164B-328A152B3A81}"/>
-              </a:ext>
-            </a:extLst>
-          </p:cNvPr>
-          <p:cNvSpPr>
-            <a:spLocks noGrp="1"/>
-          </p:cNvSpPr>
-          <p:nvPr>
-            <p:ph type="title"/>
-          </p:nvPr>
-        </p:nvSpPr>
-        <p:spPr/>
-        <p:txBody>
-          <a:bodyPr/>
-          <a:lstStyle/>
-          <a:p>
-            <a:r>
-              <a:rPr lang="en-GB" dirty="0"/>
-              <a:t>Quiz time!</a:t>
-            </a:r>
-            <a:endParaRPr lang="en-SG" dirty="0"/>
-          </a:p>
-        </p:txBody>
-      </p:sp>
-      <p:sp>
-        <p:nvSpPr>
-          <p:cNvPr id="3" name="Content Placeholder 2">
-            <a:extLst>
-              <a:ext uri="{FF2B5EF4-FFF2-40B4-BE49-F238E27FC236}">
-                <a16:creationId xmlns:a16="http://schemas.microsoft.com/office/drawing/2014/main" id="{C2E398D8-3B3B-9BBB-F0C4-A93A76CBF126}"/>
-              </a:ext>
-            </a:extLst>
-          </p:cNvPr>
-          <p:cNvSpPr>
-            <a:spLocks noGrp="1"/>
-          </p:cNvSpPr>
-          <p:nvPr>
-            <p:ph idx="1"/>
-          </p:nvPr>
-        </p:nvSpPr>
-        <p:spPr/>
-        <p:txBody>
-          <a:bodyPr/>
-          <a:lstStyle/>
-          <a:p>
-            <a:pPr marL="0" indent="0">
-              <a:buNone/>
-            </a:pPr>
-            <a:r>
-              <a:rPr lang="en-GB" dirty="0"/>
-              <a:t>Which of the following is NOT a typical step in tokenization?</a:t>
-            </a:r>
-          </a:p>
-          <a:p>
-            <a:pPr marL="514350" indent="-514350">
-              <a:buFont typeface="+mj-lt"/>
-              <a:buAutoNum type="alphaUcPeriod"/>
-            </a:pPr>
-            <a:r>
-              <a:rPr lang="en-GB" dirty="0"/>
-              <a:t>Reading source code from a file</a:t>
-            </a:r>
-          </a:p>
-          <a:p>
-            <a:pPr marL="514350" indent="-514350">
-              <a:buFont typeface="+mj-lt"/>
-              <a:buAutoNum type="alphaUcPeriod"/>
-            </a:pPr>
-            <a:r>
-              <a:rPr lang="en-GB" dirty="0"/>
-              <a:t>Identifying token boundaries</a:t>
-            </a:r>
-          </a:p>
-          <a:p>
-            <a:pPr marL="514350" indent="-514350">
-              <a:buFont typeface="+mj-lt"/>
-              <a:buAutoNum type="alphaUcPeriod"/>
-            </a:pPr>
-            <a:r>
-              <a:rPr lang="en-GB" dirty="0"/>
-              <a:t>Classifying tokens by type</a:t>
-            </a:r>
-          </a:p>
-          <a:p>
-            <a:pPr marL="514350" indent="-514350">
-              <a:buFont typeface="+mj-lt"/>
-              <a:buAutoNum type="alphaUcPeriod"/>
-            </a:pPr>
-            <a:r>
-              <a:rPr lang="en-GB" dirty="0"/>
-              <a:t>Checking that each opening parenthesis is matching a closing parenthesis</a:t>
-            </a:r>
-          </a:p>
-        </p:txBody>
-      </p:sp>
-    </p:spTree>
-    <p:extLst>
-      <p:ext uri="{BB962C8B-B14F-4D97-AF65-F5344CB8AC3E}">
-        <p14:creationId xmlns:p14="http://schemas.microsoft.com/office/powerpoint/2010/main" val="3025002803"/>
-      </p:ext>
-    </p:extLst>
-  </p:cSld>
-  <p:clrMapOvr>
-    <a:masterClrMapping/>
-  </p:clrMapOvr>
-</p:sld>
-</file>
-
-<file path=ppt/slides/slide65.xml><?xml version="1.0" encoding="utf-8"?>
-<p:sld xmlns:a="http://schemas.openxmlformats.org/drawingml/2006/main" xmlns:r="http://schemas.openxmlformats.org/officeDocument/2006/relationships" xmlns:p="http://schemas.openxmlformats.org/presentationml/2006/main">
-  <p:cSld>
-    <p:spTree>
-      <p:nvGrpSpPr>
-        <p:cNvPr id="1" name=""/>
-        <p:cNvGrpSpPr/>
-        <p:nvPr/>
-      </p:nvGrpSpPr>
-      <p:grpSpPr>
-        <a:xfrm>
-          <a:off x="0" y="0"/>
-          <a:ext cx="0" cy="0"/>
-          <a:chOff x="0" y="0"/>
-          <a:chExt cx="0" cy="0"/>
-        </a:xfrm>
-      </p:grpSpPr>
-      <p:sp>
-        <p:nvSpPr>
-          <p:cNvPr id="2" name="Title 1">
-            <a:extLst>
-              <a:ext uri="{FF2B5EF4-FFF2-40B4-BE49-F238E27FC236}">
-                <a16:creationId xmlns:a16="http://schemas.microsoft.com/office/drawing/2014/main" id="{85A8A45D-5E7D-ADD7-164B-328A152B3A81}"/>
-              </a:ext>
-            </a:extLst>
-          </p:cNvPr>
-          <p:cNvSpPr>
-            <a:spLocks noGrp="1"/>
-          </p:cNvSpPr>
-          <p:nvPr>
-            <p:ph type="title"/>
-          </p:nvPr>
-        </p:nvSpPr>
-        <p:spPr/>
-        <p:txBody>
-          <a:bodyPr/>
-          <a:lstStyle/>
-          <a:p>
-            <a:r>
-              <a:rPr lang="en-GB" dirty="0"/>
-              <a:t>Quiz time!</a:t>
-            </a:r>
-            <a:endParaRPr lang="en-SG" dirty="0"/>
-          </a:p>
-        </p:txBody>
-      </p:sp>
-      <p:sp>
-        <p:nvSpPr>
-          <p:cNvPr id="3" name="Content Placeholder 2">
-            <a:extLst>
-              <a:ext uri="{FF2B5EF4-FFF2-40B4-BE49-F238E27FC236}">
-                <a16:creationId xmlns:a16="http://schemas.microsoft.com/office/drawing/2014/main" id="{C2E398D8-3B3B-9BBB-F0C4-A93A76CBF126}"/>
-              </a:ext>
-            </a:extLst>
-          </p:cNvPr>
-          <p:cNvSpPr>
-            <a:spLocks noGrp="1"/>
-          </p:cNvSpPr>
-          <p:nvPr>
-            <p:ph idx="1"/>
-          </p:nvPr>
-        </p:nvSpPr>
-        <p:spPr/>
-        <p:txBody>
-          <a:bodyPr/>
-          <a:lstStyle/>
-          <a:p>
-            <a:pPr marL="0" indent="0">
-              <a:buNone/>
-            </a:pPr>
-            <a:r>
-              <a:rPr lang="en-GB" dirty="0"/>
-              <a:t>Which of the following is NOT a typical step in tokenization?</a:t>
-            </a:r>
-          </a:p>
-          <a:p>
-            <a:pPr marL="514350" indent="-514350">
-              <a:buFont typeface="+mj-lt"/>
-              <a:buAutoNum type="alphaUcPeriod"/>
-            </a:pPr>
-            <a:r>
-              <a:rPr lang="en-GB" dirty="0"/>
-              <a:t>Reading source code from a file</a:t>
-            </a:r>
-          </a:p>
-          <a:p>
-            <a:pPr marL="514350" indent="-514350">
-              <a:buFont typeface="+mj-lt"/>
-              <a:buAutoNum type="alphaUcPeriod"/>
-            </a:pPr>
-            <a:r>
-              <a:rPr lang="en-GB" dirty="0"/>
-              <a:t>Identifying token boundaries</a:t>
-            </a:r>
-          </a:p>
-          <a:p>
-            <a:pPr marL="514350" indent="-514350">
-              <a:buFont typeface="+mj-lt"/>
-              <a:buAutoNum type="alphaUcPeriod"/>
-            </a:pPr>
-            <a:r>
-              <a:rPr lang="en-GB" dirty="0"/>
-              <a:t>Classifying tokens by type</a:t>
-            </a:r>
-          </a:p>
-          <a:p>
-            <a:pPr marL="514350" indent="-514350">
-              <a:buFont typeface="+mj-lt"/>
-              <a:buAutoNum type="alphaUcPeriod"/>
-            </a:pPr>
-            <a:r>
-              <a:rPr lang="en-GB" b="1" dirty="0">
-                <a:solidFill>
-                  <a:srgbClr val="00B050"/>
-                </a:solidFill>
-              </a:rPr>
-              <a:t>Checking that each opening parenthesis is matching a closing parenthesis (that would be the job of the SYNTAX analysis/PARSER)</a:t>
-            </a:r>
-            <a:endParaRPr lang="en-SG" b="1" dirty="0">
-              <a:solidFill>
-                <a:srgbClr val="00B050"/>
-              </a:solidFill>
-            </a:endParaRPr>
-          </a:p>
-        </p:txBody>
-      </p:sp>
-    </p:spTree>
-    <p:extLst>
-      <p:ext uri="{BB962C8B-B14F-4D97-AF65-F5344CB8AC3E}">
-        <p14:creationId xmlns:p14="http://schemas.microsoft.com/office/powerpoint/2010/main" val="1745365507"/>
-      </p:ext>
-    </p:extLst>
-  </p:cSld>
-  <p:clrMapOvr>
-    <a:masterClrMapping/>
-  </p:clrMapOvr>
-</p:sld>
-</file>
-
-<file path=ppt/slides/slide66.xml><?xml version="1.0" encoding="utf-8"?>
-<p:sld xmlns:a="http://schemas.openxmlformats.org/drawingml/2006/main" xmlns:r="http://schemas.openxmlformats.org/officeDocument/2006/relationships" xmlns:p="http://schemas.openxmlformats.org/presentationml/2006/main">
-  <p:cSld>
-    <p:spTree>
-      <p:nvGrpSpPr>
-        <p:cNvPr id="1" name=""/>
-        <p:cNvGrpSpPr/>
-        <p:nvPr/>
-      </p:nvGrpSpPr>
-      <p:grpSpPr>
-        <a:xfrm>
-          <a:off x="0" y="0"/>
-          <a:ext cx="0" cy="0"/>
-          <a:chOff x="0" y="0"/>
-          <a:chExt cx="0" cy="0"/>
-        </a:xfrm>
-      </p:grpSpPr>
-      <p:sp>
-        <p:nvSpPr>
-          <p:cNvPr id="2" name="Title 1">
-            <a:extLst>
-              <a:ext uri="{FF2B5EF4-FFF2-40B4-BE49-F238E27FC236}">
-                <a16:creationId xmlns:a16="http://schemas.microsoft.com/office/drawing/2014/main" id="{85A8A45D-5E7D-ADD7-164B-328A152B3A81}"/>
-              </a:ext>
-            </a:extLst>
-          </p:cNvPr>
-          <p:cNvSpPr>
-            <a:spLocks noGrp="1"/>
-          </p:cNvSpPr>
-          <p:nvPr>
-            <p:ph type="title"/>
-          </p:nvPr>
-        </p:nvSpPr>
-        <p:spPr/>
-        <p:txBody>
-          <a:bodyPr/>
-          <a:lstStyle/>
-          <a:p>
-            <a:r>
-              <a:rPr lang="en-GB" dirty="0"/>
-              <a:t>Quiz time!</a:t>
-            </a:r>
-            <a:endParaRPr lang="en-SG" dirty="0"/>
-          </a:p>
-        </p:txBody>
-      </p:sp>
-      <p:sp>
-        <p:nvSpPr>
-          <p:cNvPr id="3" name="Content Placeholder 2">
-            <a:extLst>
-              <a:ext uri="{FF2B5EF4-FFF2-40B4-BE49-F238E27FC236}">
-                <a16:creationId xmlns:a16="http://schemas.microsoft.com/office/drawing/2014/main" id="{C2E398D8-3B3B-9BBB-F0C4-A93A76CBF126}"/>
-              </a:ext>
-            </a:extLst>
-          </p:cNvPr>
-          <p:cNvSpPr>
-            <a:spLocks noGrp="1"/>
-          </p:cNvSpPr>
-          <p:nvPr>
-            <p:ph idx="1"/>
-          </p:nvPr>
-        </p:nvSpPr>
-        <p:spPr/>
-        <p:txBody>
-          <a:bodyPr/>
-          <a:lstStyle/>
-          <a:p>
-            <a:pPr marL="0" indent="0">
-              <a:buNone/>
-            </a:pPr>
-            <a:r>
-              <a:rPr lang="en-GB" dirty="0"/>
-              <a:t>Which of the following is NOT a common token type in programming languages?</a:t>
-            </a:r>
-          </a:p>
-          <a:p>
-            <a:pPr marL="514350" indent="-514350">
-              <a:buFont typeface="+mj-lt"/>
-              <a:buAutoNum type="alphaUcPeriod"/>
-            </a:pPr>
-            <a:r>
-              <a:rPr lang="en-GB" dirty="0"/>
-              <a:t>Keyword</a:t>
-            </a:r>
-          </a:p>
-          <a:p>
-            <a:pPr marL="514350" indent="-514350">
-              <a:buFont typeface="+mj-lt"/>
-              <a:buAutoNum type="alphaUcPeriod"/>
-            </a:pPr>
-            <a:r>
-              <a:rPr lang="en-GB" dirty="0"/>
-              <a:t>Punctuation</a:t>
-            </a:r>
-          </a:p>
-          <a:p>
-            <a:pPr marL="514350" indent="-514350">
-              <a:buFont typeface="+mj-lt"/>
-              <a:buAutoNum type="alphaUcPeriod"/>
-            </a:pPr>
-            <a:r>
-              <a:rPr lang="en-GB" dirty="0"/>
-              <a:t>Operator</a:t>
-            </a:r>
-          </a:p>
-          <a:p>
-            <a:pPr marL="514350" indent="-514350">
-              <a:buFont typeface="+mj-lt"/>
-              <a:buAutoNum type="alphaUcPeriod"/>
-            </a:pPr>
-            <a:r>
-              <a:rPr lang="en-GB" dirty="0"/>
-              <a:t>Comment</a:t>
-            </a:r>
-          </a:p>
-          <a:p>
-            <a:pPr marL="514350" indent="-514350">
-              <a:buFont typeface="+mj-lt"/>
-              <a:buAutoNum type="alphaUcPeriod"/>
-            </a:pPr>
-            <a:r>
-              <a:rPr lang="en-GB" dirty="0"/>
-              <a:t>Whitespace </a:t>
-            </a:r>
-            <a:endParaRPr lang="en-SG" dirty="0"/>
-          </a:p>
-        </p:txBody>
-      </p:sp>
-    </p:spTree>
-    <p:extLst>
-      <p:ext uri="{BB962C8B-B14F-4D97-AF65-F5344CB8AC3E}">
-        <p14:creationId xmlns:p14="http://schemas.microsoft.com/office/powerpoint/2010/main" val="3466207185"/>
-      </p:ext>
-    </p:extLst>
-  </p:cSld>
-  <p:clrMapOvr>
-    <a:masterClrMapping/>
-  </p:clrMapOvr>
-</p:sld>
-</file>
-
-<file path=ppt/slides/slide67.xml><?xml version="1.0" encoding="utf-8"?>
-<p:sld xmlns:a="http://schemas.openxmlformats.org/drawingml/2006/main" xmlns:r="http://schemas.openxmlformats.org/officeDocument/2006/relationships" xmlns:p="http://schemas.openxmlformats.org/presentationml/2006/main">
-  <p:cSld>
-    <p:spTree>
-      <p:nvGrpSpPr>
-        <p:cNvPr id="1" name=""/>
-        <p:cNvGrpSpPr/>
-        <p:nvPr/>
-      </p:nvGrpSpPr>
-      <p:grpSpPr>
-        <a:xfrm>
-          <a:off x="0" y="0"/>
-          <a:ext cx="0" cy="0"/>
-          <a:chOff x="0" y="0"/>
-          <a:chExt cx="0" cy="0"/>
-        </a:xfrm>
-      </p:grpSpPr>
-      <p:sp>
-        <p:nvSpPr>
-          <p:cNvPr id="2" name="Title 1">
-            <a:extLst>
-              <a:ext uri="{FF2B5EF4-FFF2-40B4-BE49-F238E27FC236}">
-                <a16:creationId xmlns:a16="http://schemas.microsoft.com/office/drawing/2014/main" id="{85A8A45D-5E7D-ADD7-164B-328A152B3A81}"/>
-              </a:ext>
-            </a:extLst>
-          </p:cNvPr>
-          <p:cNvSpPr>
-            <a:spLocks noGrp="1"/>
-          </p:cNvSpPr>
-          <p:nvPr>
-            <p:ph type="title"/>
-          </p:nvPr>
-        </p:nvSpPr>
-        <p:spPr/>
-        <p:txBody>
-          <a:bodyPr/>
-          <a:lstStyle/>
-          <a:p>
-            <a:r>
-              <a:rPr lang="en-GB" dirty="0"/>
-              <a:t>Quiz time!</a:t>
-            </a:r>
-            <a:endParaRPr lang="en-SG" dirty="0"/>
-          </a:p>
-        </p:txBody>
-      </p:sp>
-      <p:sp>
-        <p:nvSpPr>
-          <p:cNvPr id="3" name="Content Placeholder 2">
-            <a:extLst>
-              <a:ext uri="{FF2B5EF4-FFF2-40B4-BE49-F238E27FC236}">
-                <a16:creationId xmlns:a16="http://schemas.microsoft.com/office/drawing/2014/main" id="{C2E398D8-3B3B-9BBB-F0C4-A93A76CBF126}"/>
-              </a:ext>
-            </a:extLst>
-          </p:cNvPr>
-          <p:cNvSpPr>
-            <a:spLocks noGrp="1"/>
-          </p:cNvSpPr>
-          <p:nvPr>
-            <p:ph idx="1"/>
-          </p:nvPr>
-        </p:nvSpPr>
-        <p:spPr/>
-        <p:txBody>
-          <a:bodyPr/>
-          <a:lstStyle/>
-          <a:p>
-            <a:pPr marL="0" indent="0">
-              <a:buNone/>
-            </a:pPr>
-            <a:r>
-              <a:rPr lang="en-GB" dirty="0"/>
-              <a:t>Which of the following is NOT a common token type in programming languages?</a:t>
-            </a:r>
-          </a:p>
-          <a:p>
-            <a:pPr marL="514350" indent="-514350">
-              <a:buFont typeface="+mj-lt"/>
-              <a:buAutoNum type="alphaUcPeriod"/>
-            </a:pPr>
-            <a:r>
-              <a:rPr lang="en-GB" dirty="0"/>
-              <a:t>Keyword</a:t>
-            </a:r>
-          </a:p>
-          <a:p>
-            <a:pPr marL="514350" indent="-514350">
-              <a:buFont typeface="+mj-lt"/>
-              <a:buAutoNum type="alphaUcPeriod"/>
-            </a:pPr>
-            <a:r>
-              <a:rPr lang="en-GB" dirty="0"/>
-              <a:t>Punctuation</a:t>
-            </a:r>
-          </a:p>
-          <a:p>
-            <a:pPr marL="514350" indent="-514350">
-              <a:buFont typeface="+mj-lt"/>
-              <a:buAutoNum type="alphaUcPeriod"/>
-            </a:pPr>
-            <a:r>
-              <a:rPr lang="en-GB" dirty="0"/>
-              <a:t>Operator</a:t>
-            </a:r>
-          </a:p>
-          <a:p>
-            <a:pPr marL="514350" indent="-514350">
-              <a:buFont typeface="+mj-lt"/>
-              <a:buAutoNum type="alphaUcPeriod"/>
-            </a:pPr>
-            <a:r>
-              <a:rPr lang="en-GB" b="1" dirty="0">
-                <a:solidFill>
-                  <a:srgbClr val="00B050"/>
-                </a:solidFill>
-              </a:rPr>
-              <a:t>Comment (We will not even bother writing tokens for code that has been commented!)</a:t>
-            </a:r>
-          </a:p>
-          <a:p>
-            <a:pPr marL="514350" indent="-514350">
-              <a:buFont typeface="+mj-lt"/>
-              <a:buAutoNum type="alphaUcPeriod"/>
-            </a:pPr>
-            <a:r>
-              <a:rPr lang="en-GB" b="1" dirty="0">
-                <a:solidFill>
-                  <a:schemeClr val="accent2"/>
-                </a:solidFill>
-              </a:rPr>
-              <a:t>Whitespaces (?)</a:t>
-            </a:r>
-          </a:p>
-        </p:txBody>
-      </p:sp>
-    </p:spTree>
-    <p:extLst>
-      <p:ext uri="{BB962C8B-B14F-4D97-AF65-F5344CB8AC3E}">
-        <p14:creationId xmlns:p14="http://schemas.microsoft.com/office/powerpoint/2010/main" val="236752304"/>
-      </p:ext>
-    </p:extLst>
-  </p:cSld>
-  <p:clrMapOvr>
-    <a:masterClrMapping/>
-  </p:clrMapOvr>
-</p:sld>
-</file>
-
-<file path=ppt/slides/slide68.xml><?xml version="1.0" encoding="utf-8"?>
-<p:sld xmlns:a="http://schemas.openxmlformats.org/drawingml/2006/main" xmlns:r="http://schemas.openxmlformats.org/officeDocument/2006/relationships" xmlns:p="http://schemas.openxmlformats.org/presentationml/2006/main">
-  <p:cSld>
-    <p:spTree>
-      <p:nvGrpSpPr>
-        <p:cNvPr id="1" name=""/>
-        <p:cNvGrpSpPr/>
-        <p:nvPr/>
-      </p:nvGrpSpPr>
-      <p:grpSpPr>
-        <a:xfrm>
-          <a:off x="0" y="0"/>
-          <a:ext cx="0" cy="0"/>
-          <a:chOff x="0" y="0"/>
-          <a:chExt cx="0" cy="0"/>
-        </a:xfrm>
-      </p:grpSpPr>
-      <p:sp>
-        <p:nvSpPr>
-          <p:cNvPr id="2" name="Title 1">
-            <a:extLst>
-              <a:ext uri="{FF2B5EF4-FFF2-40B4-BE49-F238E27FC236}">
-                <a16:creationId xmlns:a16="http://schemas.microsoft.com/office/drawing/2014/main" id="{85A8A45D-5E7D-ADD7-164B-328A152B3A81}"/>
-              </a:ext>
-            </a:extLst>
-          </p:cNvPr>
-          <p:cNvSpPr>
-            <a:spLocks noGrp="1"/>
-          </p:cNvSpPr>
-          <p:nvPr>
-            <p:ph type="title"/>
-          </p:nvPr>
-        </p:nvSpPr>
-        <p:spPr/>
-        <p:txBody>
-          <a:bodyPr/>
-          <a:lstStyle/>
-          <a:p>
-            <a:r>
-              <a:rPr lang="en-GB" dirty="0"/>
-              <a:t>Quiz time!</a:t>
-            </a:r>
-            <a:endParaRPr lang="en-SG" dirty="0"/>
-          </a:p>
-        </p:txBody>
-      </p:sp>
-      <p:sp>
-        <p:nvSpPr>
-          <p:cNvPr id="3" name="Content Placeholder 2">
-            <a:extLst>
-              <a:ext uri="{FF2B5EF4-FFF2-40B4-BE49-F238E27FC236}">
-                <a16:creationId xmlns:a16="http://schemas.microsoft.com/office/drawing/2014/main" id="{C2E398D8-3B3B-9BBB-F0C4-A93A76CBF126}"/>
-              </a:ext>
-            </a:extLst>
-          </p:cNvPr>
-          <p:cNvSpPr>
-            <a:spLocks noGrp="1"/>
-          </p:cNvSpPr>
-          <p:nvPr>
-            <p:ph idx="1"/>
-          </p:nvPr>
-        </p:nvSpPr>
-        <p:spPr/>
-        <p:txBody>
-          <a:bodyPr/>
-          <a:lstStyle/>
-          <a:p>
-            <a:pPr marL="0" indent="0">
-              <a:buNone/>
-            </a:pPr>
-            <a:r>
-              <a:rPr lang="en-GB" dirty="0"/>
-              <a:t>Which of the following is NOT a common token type in programming languages?</a:t>
-            </a:r>
-          </a:p>
-          <a:p>
-            <a:pPr marL="514350" indent="-514350">
-              <a:buFont typeface="+mj-lt"/>
-              <a:buAutoNum type="alphaUcPeriod"/>
-            </a:pPr>
-            <a:r>
-              <a:rPr lang="en-GB" dirty="0"/>
-              <a:t>Keyword</a:t>
-            </a:r>
-          </a:p>
-          <a:p>
-            <a:pPr marL="514350" indent="-514350">
-              <a:buFont typeface="+mj-lt"/>
-              <a:buAutoNum type="alphaUcPeriod"/>
-            </a:pPr>
-            <a:r>
-              <a:rPr lang="en-GB" dirty="0"/>
-              <a:t>Punctuation</a:t>
-            </a:r>
-          </a:p>
-          <a:p>
-            <a:pPr marL="514350" indent="-514350">
-              <a:buFont typeface="+mj-lt"/>
-              <a:buAutoNum type="alphaUcPeriod"/>
-            </a:pPr>
-            <a:r>
-              <a:rPr lang="en-GB" dirty="0"/>
-              <a:t>Operator</a:t>
-            </a:r>
-          </a:p>
-          <a:p>
-            <a:pPr marL="514350" indent="-514350">
-              <a:buFont typeface="+mj-lt"/>
-              <a:buAutoNum type="alphaUcPeriod"/>
-            </a:pPr>
-            <a:r>
-              <a:rPr lang="en-GB" b="1" dirty="0">
-                <a:solidFill>
-                  <a:srgbClr val="00B050"/>
-                </a:solidFill>
-              </a:rPr>
-              <a:t>Comment (We will not even bother writing tokens for code that has been commented!)</a:t>
-            </a:r>
-          </a:p>
-          <a:p>
-            <a:pPr marL="514350" indent="-514350">
-              <a:buFont typeface="+mj-lt"/>
-              <a:buAutoNum type="alphaUcPeriod"/>
-            </a:pPr>
-            <a:r>
-              <a:rPr lang="en-GB" b="1" dirty="0">
-                <a:solidFill>
-                  <a:schemeClr val="accent2"/>
-                </a:solidFill>
-              </a:rPr>
-              <a:t>Whitespace (We usually discard them, unless the language is Python, as they could use for indentation?)</a:t>
-            </a:r>
-            <a:endParaRPr lang="en-SG" b="1" dirty="0">
-              <a:solidFill>
-                <a:schemeClr val="accent2"/>
-              </a:solidFill>
-            </a:endParaRPr>
-          </a:p>
-        </p:txBody>
-      </p:sp>
-    </p:spTree>
-    <p:extLst>
-      <p:ext uri="{BB962C8B-B14F-4D97-AF65-F5344CB8AC3E}">
-        <p14:creationId xmlns:p14="http://schemas.microsoft.com/office/powerpoint/2010/main" val="2071137550"/>
       </p:ext>
     </p:extLst>
   </p:cSld>
@@ -26861,6 +27672,987 @@
     <p:extLst>
       <p:ext uri="{BB962C8B-B14F-4D97-AF65-F5344CB8AC3E}">
         <p14:creationId xmlns:p14="http://schemas.microsoft.com/office/powerpoint/2010/main" val="2409304258"/>
+      </p:ext>
+    </p:extLst>
+  </p:cSld>
+  <p:clrMapOvr>
+    <a:masterClrMapping/>
+  </p:clrMapOvr>
+</p:sld>
+</file>
+
+<file path=ppt/slides/slide70.xml><?xml version="1.0" encoding="utf-8"?>
+<p:sld xmlns:a="http://schemas.openxmlformats.org/drawingml/2006/main" xmlns:r="http://schemas.openxmlformats.org/officeDocument/2006/relationships" xmlns:p="http://schemas.openxmlformats.org/presentationml/2006/main">
+  <p:cSld>
+    <p:spTree>
+      <p:nvGrpSpPr>
+        <p:cNvPr id="1" name=""/>
+        <p:cNvGrpSpPr/>
+        <p:nvPr/>
+      </p:nvGrpSpPr>
+      <p:grpSpPr>
+        <a:xfrm>
+          <a:off x="0" y="0"/>
+          <a:ext cx="0" cy="0"/>
+          <a:chOff x="0" y="0"/>
+          <a:chExt cx="0" cy="0"/>
+        </a:xfrm>
+      </p:grpSpPr>
+      <p:sp>
+        <p:nvSpPr>
+          <p:cNvPr id="2" name="Title 1">
+            <a:extLst>
+              <a:ext uri="{FF2B5EF4-FFF2-40B4-BE49-F238E27FC236}">
+                <a16:creationId xmlns:a16="http://schemas.microsoft.com/office/drawing/2014/main" id="{85A8A45D-5E7D-ADD7-164B-328A152B3A81}"/>
+              </a:ext>
+            </a:extLst>
+          </p:cNvPr>
+          <p:cNvSpPr>
+            <a:spLocks noGrp="1"/>
+          </p:cNvSpPr>
+          <p:nvPr>
+            <p:ph type="title"/>
+          </p:nvPr>
+        </p:nvSpPr>
+        <p:spPr/>
+        <p:txBody>
+          <a:bodyPr/>
+          <a:lstStyle/>
+          <a:p>
+            <a:r>
+              <a:rPr lang="en-GB" dirty="0"/>
+              <a:t>Quiz time!</a:t>
+            </a:r>
+            <a:endParaRPr lang="en-SG" dirty="0"/>
+          </a:p>
+        </p:txBody>
+      </p:sp>
+      <p:sp>
+        <p:nvSpPr>
+          <p:cNvPr id="3" name="Content Placeholder 2">
+            <a:extLst>
+              <a:ext uri="{FF2B5EF4-FFF2-40B4-BE49-F238E27FC236}">
+                <a16:creationId xmlns:a16="http://schemas.microsoft.com/office/drawing/2014/main" id="{C2E398D8-3B3B-9BBB-F0C4-A93A76CBF126}"/>
+              </a:ext>
+            </a:extLst>
+          </p:cNvPr>
+          <p:cNvSpPr>
+            <a:spLocks noGrp="1"/>
+          </p:cNvSpPr>
+          <p:nvPr>
+            <p:ph idx="1"/>
+          </p:nvPr>
+        </p:nvSpPr>
+        <p:spPr/>
+        <p:txBody>
+          <a:bodyPr/>
+          <a:lstStyle/>
+          <a:p>
+            <a:pPr marL="0" indent="0">
+              <a:buNone/>
+            </a:pPr>
+            <a:r>
+              <a:rPr lang="en-GB" dirty="0"/>
+              <a:t>What is the primary purpose of tokenization in compilers?</a:t>
+            </a:r>
+          </a:p>
+          <a:p>
+            <a:pPr marL="514350" indent="-514350">
+              <a:buFont typeface="+mj-lt"/>
+              <a:buAutoNum type="alphaUcPeriod"/>
+            </a:pPr>
+            <a:r>
+              <a:rPr lang="en-GB" dirty="0"/>
+              <a:t>Parsing source code</a:t>
+            </a:r>
+          </a:p>
+          <a:p>
+            <a:pPr marL="514350" indent="-514350">
+              <a:buFont typeface="+mj-lt"/>
+              <a:buAutoNum type="alphaUcPeriod"/>
+            </a:pPr>
+            <a:r>
+              <a:rPr lang="en-GB" dirty="0"/>
+              <a:t>Converting source code to machine code</a:t>
+            </a:r>
+          </a:p>
+          <a:p>
+            <a:pPr marL="514350" indent="-514350">
+              <a:buFont typeface="+mj-lt"/>
+              <a:buAutoNum type="alphaUcPeriod"/>
+            </a:pPr>
+            <a:r>
+              <a:rPr lang="en-GB" dirty="0"/>
+              <a:t>Breaking source code into meaningful elements</a:t>
+            </a:r>
+          </a:p>
+          <a:p>
+            <a:pPr marL="514350" indent="-514350">
+              <a:buFont typeface="+mj-lt"/>
+              <a:buAutoNum type="alphaUcPeriod"/>
+            </a:pPr>
+            <a:r>
+              <a:rPr lang="en-GB" dirty="0"/>
+              <a:t>Optimizing source code for performance</a:t>
+            </a:r>
+            <a:endParaRPr lang="en-SG" dirty="0"/>
+          </a:p>
+        </p:txBody>
+      </p:sp>
+    </p:spTree>
+    <p:extLst>
+      <p:ext uri="{BB962C8B-B14F-4D97-AF65-F5344CB8AC3E}">
+        <p14:creationId xmlns:p14="http://schemas.microsoft.com/office/powerpoint/2010/main" val="540619278"/>
+      </p:ext>
+    </p:extLst>
+  </p:cSld>
+  <p:clrMapOvr>
+    <a:masterClrMapping/>
+  </p:clrMapOvr>
+</p:sld>
+</file>
+
+<file path=ppt/slides/slide71.xml><?xml version="1.0" encoding="utf-8"?>
+<p:sld xmlns:a="http://schemas.openxmlformats.org/drawingml/2006/main" xmlns:r="http://schemas.openxmlformats.org/officeDocument/2006/relationships" xmlns:p="http://schemas.openxmlformats.org/presentationml/2006/main">
+  <p:cSld>
+    <p:spTree>
+      <p:nvGrpSpPr>
+        <p:cNvPr id="1" name=""/>
+        <p:cNvGrpSpPr/>
+        <p:nvPr/>
+      </p:nvGrpSpPr>
+      <p:grpSpPr>
+        <a:xfrm>
+          <a:off x="0" y="0"/>
+          <a:ext cx="0" cy="0"/>
+          <a:chOff x="0" y="0"/>
+          <a:chExt cx="0" cy="0"/>
+        </a:xfrm>
+      </p:grpSpPr>
+      <p:sp>
+        <p:nvSpPr>
+          <p:cNvPr id="2" name="Title 1">
+            <a:extLst>
+              <a:ext uri="{FF2B5EF4-FFF2-40B4-BE49-F238E27FC236}">
+                <a16:creationId xmlns:a16="http://schemas.microsoft.com/office/drawing/2014/main" id="{85A8A45D-5E7D-ADD7-164B-328A152B3A81}"/>
+              </a:ext>
+            </a:extLst>
+          </p:cNvPr>
+          <p:cNvSpPr>
+            <a:spLocks noGrp="1"/>
+          </p:cNvSpPr>
+          <p:nvPr>
+            <p:ph type="title"/>
+          </p:nvPr>
+        </p:nvSpPr>
+        <p:spPr/>
+        <p:txBody>
+          <a:bodyPr/>
+          <a:lstStyle/>
+          <a:p>
+            <a:r>
+              <a:rPr lang="en-GB" dirty="0"/>
+              <a:t>Quiz time!</a:t>
+            </a:r>
+            <a:endParaRPr lang="en-SG" dirty="0"/>
+          </a:p>
+        </p:txBody>
+      </p:sp>
+      <p:sp>
+        <p:nvSpPr>
+          <p:cNvPr id="3" name="Content Placeholder 2">
+            <a:extLst>
+              <a:ext uri="{FF2B5EF4-FFF2-40B4-BE49-F238E27FC236}">
+                <a16:creationId xmlns:a16="http://schemas.microsoft.com/office/drawing/2014/main" id="{C2E398D8-3B3B-9BBB-F0C4-A93A76CBF126}"/>
+              </a:ext>
+            </a:extLst>
+          </p:cNvPr>
+          <p:cNvSpPr>
+            <a:spLocks noGrp="1"/>
+          </p:cNvSpPr>
+          <p:nvPr>
+            <p:ph idx="1"/>
+          </p:nvPr>
+        </p:nvSpPr>
+        <p:spPr/>
+        <p:txBody>
+          <a:bodyPr/>
+          <a:lstStyle/>
+          <a:p>
+            <a:pPr marL="0" indent="0">
+              <a:buNone/>
+            </a:pPr>
+            <a:r>
+              <a:rPr lang="en-GB" dirty="0"/>
+              <a:t>What is the primary purpose of tokenization in compilers?</a:t>
+            </a:r>
+          </a:p>
+          <a:p>
+            <a:pPr marL="514350" indent="-514350">
+              <a:buFont typeface="+mj-lt"/>
+              <a:buAutoNum type="alphaUcPeriod"/>
+            </a:pPr>
+            <a:r>
+              <a:rPr lang="en-GB" dirty="0"/>
+              <a:t>Parsing source code</a:t>
+            </a:r>
+          </a:p>
+          <a:p>
+            <a:pPr marL="514350" indent="-514350">
+              <a:buFont typeface="+mj-lt"/>
+              <a:buAutoNum type="alphaUcPeriod"/>
+            </a:pPr>
+            <a:r>
+              <a:rPr lang="en-GB" dirty="0"/>
+              <a:t>Converting source code to machine code</a:t>
+            </a:r>
+          </a:p>
+          <a:p>
+            <a:pPr marL="514350" indent="-514350">
+              <a:buFont typeface="+mj-lt"/>
+              <a:buAutoNum type="alphaUcPeriod"/>
+            </a:pPr>
+            <a:r>
+              <a:rPr lang="en-GB" b="1" dirty="0">
+                <a:solidFill>
+                  <a:srgbClr val="00B050"/>
+                </a:solidFill>
+              </a:rPr>
+              <a:t>Breaking source code into meaningful elements</a:t>
+            </a:r>
+          </a:p>
+          <a:p>
+            <a:pPr marL="514350" indent="-514350">
+              <a:buFont typeface="+mj-lt"/>
+              <a:buAutoNum type="alphaUcPeriod"/>
+            </a:pPr>
+            <a:r>
+              <a:rPr lang="en-GB" dirty="0"/>
+              <a:t>Optimizing source code for performance</a:t>
+            </a:r>
+            <a:endParaRPr lang="en-SG" dirty="0"/>
+          </a:p>
+        </p:txBody>
+      </p:sp>
+    </p:spTree>
+    <p:extLst>
+      <p:ext uri="{BB962C8B-B14F-4D97-AF65-F5344CB8AC3E}">
+        <p14:creationId xmlns:p14="http://schemas.microsoft.com/office/powerpoint/2010/main" val="554068379"/>
+      </p:ext>
+    </p:extLst>
+  </p:cSld>
+  <p:clrMapOvr>
+    <a:masterClrMapping/>
+  </p:clrMapOvr>
+</p:sld>
+</file>
+
+<file path=ppt/slides/slide72.xml><?xml version="1.0" encoding="utf-8"?>
+<p:sld xmlns:a="http://schemas.openxmlformats.org/drawingml/2006/main" xmlns:r="http://schemas.openxmlformats.org/officeDocument/2006/relationships" xmlns:p="http://schemas.openxmlformats.org/presentationml/2006/main">
+  <p:cSld>
+    <p:spTree>
+      <p:nvGrpSpPr>
+        <p:cNvPr id="1" name=""/>
+        <p:cNvGrpSpPr/>
+        <p:nvPr/>
+      </p:nvGrpSpPr>
+      <p:grpSpPr>
+        <a:xfrm>
+          <a:off x="0" y="0"/>
+          <a:ext cx="0" cy="0"/>
+          <a:chOff x="0" y="0"/>
+          <a:chExt cx="0" cy="0"/>
+        </a:xfrm>
+      </p:grpSpPr>
+      <p:sp>
+        <p:nvSpPr>
+          <p:cNvPr id="2" name="Title 1">
+            <a:extLst>
+              <a:ext uri="{FF2B5EF4-FFF2-40B4-BE49-F238E27FC236}">
+                <a16:creationId xmlns:a16="http://schemas.microsoft.com/office/drawing/2014/main" id="{85A8A45D-5E7D-ADD7-164B-328A152B3A81}"/>
+              </a:ext>
+            </a:extLst>
+          </p:cNvPr>
+          <p:cNvSpPr>
+            <a:spLocks noGrp="1"/>
+          </p:cNvSpPr>
+          <p:nvPr>
+            <p:ph type="title"/>
+          </p:nvPr>
+        </p:nvSpPr>
+        <p:spPr/>
+        <p:txBody>
+          <a:bodyPr/>
+          <a:lstStyle/>
+          <a:p>
+            <a:r>
+              <a:rPr lang="en-GB" dirty="0"/>
+              <a:t>Quiz time!</a:t>
+            </a:r>
+            <a:endParaRPr lang="en-SG" dirty="0"/>
+          </a:p>
+        </p:txBody>
+      </p:sp>
+      <p:sp>
+        <p:nvSpPr>
+          <p:cNvPr id="3" name="Content Placeholder 2">
+            <a:extLst>
+              <a:ext uri="{FF2B5EF4-FFF2-40B4-BE49-F238E27FC236}">
+                <a16:creationId xmlns:a16="http://schemas.microsoft.com/office/drawing/2014/main" id="{C2E398D8-3B3B-9BBB-F0C4-A93A76CBF126}"/>
+              </a:ext>
+            </a:extLst>
+          </p:cNvPr>
+          <p:cNvSpPr>
+            <a:spLocks noGrp="1"/>
+          </p:cNvSpPr>
+          <p:nvPr>
+            <p:ph idx="1"/>
+          </p:nvPr>
+        </p:nvSpPr>
+        <p:spPr/>
+        <p:txBody>
+          <a:bodyPr/>
+          <a:lstStyle/>
+          <a:p>
+            <a:pPr marL="0" indent="0">
+              <a:buNone/>
+            </a:pPr>
+            <a:r>
+              <a:rPr lang="en-GB" dirty="0"/>
+              <a:t>Which of the following is NOT a typical step in tokenization?</a:t>
+            </a:r>
+          </a:p>
+          <a:p>
+            <a:pPr marL="514350" indent="-514350">
+              <a:buFont typeface="+mj-lt"/>
+              <a:buAutoNum type="alphaUcPeriod"/>
+            </a:pPr>
+            <a:r>
+              <a:rPr lang="en-GB" dirty="0"/>
+              <a:t>Reading source code from a file</a:t>
+            </a:r>
+          </a:p>
+          <a:p>
+            <a:pPr marL="514350" indent="-514350">
+              <a:buFont typeface="+mj-lt"/>
+              <a:buAutoNum type="alphaUcPeriod"/>
+            </a:pPr>
+            <a:r>
+              <a:rPr lang="en-GB" dirty="0"/>
+              <a:t>Identifying lexemes in the source code</a:t>
+            </a:r>
+          </a:p>
+          <a:p>
+            <a:pPr marL="514350" indent="-514350">
+              <a:buFont typeface="+mj-lt"/>
+              <a:buAutoNum type="alphaUcPeriod"/>
+            </a:pPr>
+            <a:r>
+              <a:rPr lang="en-GB" dirty="0"/>
+              <a:t>Classifying tokens by type</a:t>
+            </a:r>
+          </a:p>
+          <a:p>
+            <a:pPr marL="514350" indent="-514350">
+              <a:buFont typeface="+mj-lt"/>
+              <a:buAutoNum type="alphaUcPeriod"/>
+            </a:pPr>
+            <a:r>
+              <a:rPr lang="en-GB" dirty="0"/>
+              <a:t>Checking that each opening parenthesis is matching a closing parenthesis</a:t>
+            </a:r>
+          </a:p>
+        </p:txBody>
+      </p:sp>
+    </p:spTree>
+    <p:extLst>
+      <p:ext uri="{BB962C8B-B14F-4D97-AF65-F5344CB8AC3E}">
+        <p14:creationId xmlns:p14="http://schemas.microsoft.com/office/powerpoint/2010/main" val="3025002803"/>
+      </p:ext>
+    </p:extLst>
+  </p:cSld>
+  <p:clrMapOvr>
+    <a:masterClrMapping/>
+  </p:clrMapOvr>
+</p:sld>
+</file>
+
+<file path=ppt/slides/slide73.xml><?xml version="1.0" encoding="utf-8"?>
+<p:sld xmlns:a="http://schemas.openxmlformats.org/drawingml/2006/main" xmlns:r="http://schemas.openxmlformats.org/officeDocument/2006/relationships" xmlns:p="http://schemas.openxmlformats.org/presentationml/2006/main">
+  <p:cSld>
+    <p:spTree>
+      <p:nvGrpSpPr>
+        <p:cNvPr id="1" name=""/>
+        <p:cNvGrpSpPr/>
+        <p:nvPr/>
+      </p:nvGrpSpPr>
+      <p:grpSpPr>
+        <a:xfrm>
+          <a:off x="0" y="0"/>
+          <a:ext cx="0" cy="0"/>
+          <a:chOff x="0" y="0"/>
+          <a:chExt cx="0" cy="0"/>
+        </a:xfrm>
+      </p:grpSpPr>
+      <p:sp>
+        <p:nvSpPr>
+          <p:cNvPr id="2" name="Title 1">
+            <a:extLst>
+              <a:ext uri="{FF2B5EF4-FFF2-40B4-BE49-F238E27FC236}">
+                <a16:creationId xmlns:a16="http://schemas.microsoft.com/office/drawing/2014/main" id="{85A8A45D-5E7D-ADD7-164B-328A152B3A81}"/>
+              </a:ext>
+            </a:extLst>
+          </p:cNvPr>
+          <p:cNvSpPr>
+            <a:spLocks noGrp="1"/>
+          </p:cNvSpPr>
+          <p:nvPr>
+            <p:ph type="title"/>
+          </p:nvPr>
+        </p:nvSpPr>
+        <p:spPr/>
+        <p:txBody>
+          <a:bodyPr/>
+          <a:lstStyle/>
+          <a:p>
+            <a:r>
+              <a:rPr lang="en-GB" dirty="0"/>
+              <a:t>Quiz time!</a:t>
+            </a:r>
+            <a:endParaRPr lang="en-SG" dirty="0"/>
+          </a:p>
+        </p:txBody>
+      </p:sp>
+      <p:sp>
+        <p:nvSpPr>
+          <p:cNvPr id="3" name="Content Placeholder 2">
+            <a:extLst>
+              <a:ext uri="{FF2B5EF4-FFF2-40B4-BE49-F238E27FC236}">
+                <a16:creationId xmlns:a16="http://schemas.microsoft.com/office/drawing/2014/main" id="{C2E398D8-3B3B-9BBB-F0C4-A93A76CBF126}"/>
+              </a:ext>
+            </a:extLst>
+          </p:cNvPr>
+          <p:cNvSpPr>
+            <a:spLocks noGrp="1"/>
+          </p:cNvSpPr>
+          <p:nvPr>
+            <p:ph idx="1"/>
+          </p:nvPr>
+        </p:nvSpPr>
+        <p:spPr/>
+        <p:txBody>
+          <a:bodyPr/>
+          <a:lstStyle/>
+          <a:p>
+            <a:pPr marL="0" indent="0">
+              <a:buNone/>
+            </a:pPr>
+            <a:r>
+              <a:rPr lang="en-GB" dirty="0"/>
+              <a:t>Which of the following is NOT a typical step in tokenization?</a:t>
+            </a:r>
+          </a:p>
+          <a:p>
+            <a:pPr marL="514350" indent="-514350">
+              <a:buFont typeface="+mj-lt"/>
+              <a:buAutoNum type="alphaUcPeriod"/>
+            </a:pPr>
+            <a:r>
+              <a:rPr lang="en-GB" dirty="0"/>
+              <a:t>Reading source code from a file</a:t>
+            </a:r>
+          </a:p>
+          <a:p>
+            <a:pPr marL="514350" indent="-514350">
+              <a:buFont typeface="+mj-lt"/>
+              <a:buAutoNum type="alphaUcPeriod"/>
+            </a:pPr>
+            <a:r>
+              <a:rPr lang="en-GB"/>
+              <a:t>Identifying lexemes in the source code</a:t>
+            </a:r>
+          </a:p>
+          <a:p>
+            <a:pPr marL="514350" indent="-514350">
+              <a:buFont typeface="+mj-lt"/>
+              <a:buAutoNum type="alphaUcPeriod"/>
+            </a:pPr>
+            <a:r>
+              <a:rPr lang="en-GB"/>
+              <a:t>Classifying </a:t>
+            </a:r>
+            <a:r>
+              <a:rPr lang="en-GB" dirty="0"/>
+              <a:t>tokens by type</a:t>
+            </a:r>
+          </a:p>
+          <a:p>
+            <a:pPr marL="514350" indent="-514350">
+              <a:buFont typeface="+mj-lt"/>
+              <a:buAutoNum type="alphaUcPeriod"/>
+            </a:pPr>
+            <a:r>
+              <a:rPr lang="en-GB" b="1" dirty="0">
+                <a:solidFill>
+                  <a:srgbClr val="00B050"/>
+                </a:solidFill>
+              </a:rPr>
+              <a:t>Checking that each opening parenthesis is matching a closing parenthesis (that would be the job of the SYNTAX analysis/PARSER)</a:t>
+            </a:r>
+            <a:endParaRPr lang="en-SG" b="1" dirty="0">
+              <a:solidFill>
+                <a:srgbClr val="00B050"/>
+              </a:solidFill>
+            </a:endParaRPr>
+          </a:p>
+        </p:txBody>
+      </p:sp>
+    </p:spTree>
+    <p:extLst>
+      <p:ext uri="{BB962C8B-B14F-4D97-AF65-F5344CB8AC3E}">
+        <p14:creationId xmlns:p14="http://schemas.microsoft.com/office/powerpoint/2010/main" val="1745365507"/>
+      </p:ext>
+    </p:extLst>
+  </p:cSld>
+  <p:clrMapOvr>
+    <a:masterClrMapping/>
+  </p:clrMapOvr>
+</p:sld>
+</file>
+
+<file path=ppt/slides/slide74.xml><?xml version="1.0" encoding="utf-8"?>
+<p:sld xmlns:a="http://schemas.openxmlformats.org/drawingml/2006/main" xmlns:r="http://schemas.openxmlformats.org/officeDocument/2006/relationships" xmlns:p="http://schemas.openxmlformats.org/presentationml/2006/main">
+  <p:cSld>
+    <p:spTree>
+      <p:nvGrpSpPr>
+        <p:cNvPr id="1" name=""/>
+        <p:cNvGrpSpPr/>
+        <p:nvPr/>
+      </p:nvGrpSpPr>
+      <p:grpSpPr>
+        <a:xfrm>
+          <a:off x="0" y="0"/>
+          <a:ext cx="0" cy="0"/>
+          <a:chOff x="0" y="0"/>
+          <a:chExt cx="0" cy="0"/>
+        </a:xfrm>
+      </p:grpSpPr>
+      <p:sp>
+        <p:nvSpPr>
+          <p:cNvPr id="2" name="Title 1">
+            <a:extLst>
+              <a:ext uri="{FF2B5EF4-FFF2-40B4-BE49-F238E27FC236}">
+                <a16:creationId xmlns:a16="http://schemas.microsoft.com/office/drawing/2014/main" id="{85A8A45D-5E7D-ADD7-164B-328A152B3A81}"/>
+              </a:ext>
+            </a:extLst>
+          </p:cNvPr>
+          <p:cNvSpPr>
+            <a:spLocks noGrp="1"/>
+          </p:cNvSpPr>
+          <p:nvPr>
+            <p:ph type="title"/>
+          </p:nvPr>
+        </p:nvSpPr>
+        <p:spPr/>
+        <p:txBody>
+          <a:bodyPr/>
+          <a:lstStyle/>
+          <a:p>
+            <a:r>
+              <a:rPr lang="en-GB" dirty="0"/>
+              <a:t>Quiz time!</a:t>
+            </a:r>
+            <a:endParaRPr lang="en-SG" dirty="0"/>
+          </a:p>
+        </p:txBody>
+      </p:sp>
+      <p:sp>
+        <p:nvSpPr>
+          <p:cNvPr id="3" name="Content Placeholder 2">
+            <a:extLst>
+              <a:ext uri="{FF2B5EF4-FFF2-40B4-BE49-F238E27FC236}">
+                <a16:creationId xmlns:a16="http://schemas.microsoft.com/office/drawing/2014/main" id="{C2E398D8-3B3B-9BBB-F0C4-A93A76CBF126}"/>
+              </a:ext>
+            </a:extLst>
+          </p:cNvPr>
+          <p:cNvSpPr>
+            <a:spLocks noGrp="1"/>
+          </p:cNvSpPr>
+          <p:nvPr>
+            <p:ph idx="1"/>
+          </p:nvPr>
+        </p:nvSpPr>
+        <p:spPr/>
+        <p:txBody>
+          <a:bodyPr/>
+          <a:lstStyle/>
+          <a:p>
+            <a:pPr marL="0" indent="0">
+              <a:buNone/>
+            </a:pPr>
+            <a:r>
+              <a:rPr lang="en-GB" dirty="0"/>
+              <a:t>Which of the following is NOT a common token type in programming languages?</a:t>
+            </a:r>
+          </a:p>
+          <a:p>
+            <a:pPr marL="514350" indent="-514350">
+              <a:buFont typeface="+mj-lt"/>
+              <a:buAutoNum type="alphaUcPeriod"/>
+            </a:pPr>
+            <a:r>
+              <a:rPr lang="en-GB" dirty="0"/>
+              <a:t>Keyword</a:t>
+            </a:r>
+          </a:p>
+          <a:p>
+            <a:pPr marL="514350" indent="-514350">
+              <a:buFont typeface="+mj-lt"/>
+              <a:buAutoNum type="alphaUcPeriod"/>
+            </a:pPr>
+            <a:r>
+              <a:rPr lang="en-GB" dirty="0"/>
+              <a:t>Punctuation</a:t>
+            </a:r>
+          </a:p>
+          <a:p>
+            <a:pPr marL="514350" indent="-514350">
+              <a:buFont typeface="+mj-lt"/>
+              <a:buAutoNum type="alphaUcPeriod"/>
+            </a:pPr>
+            <a:r>
+              <a:rPr lang="en-GB" dirty="0"/>
+              <a:t>Operator</a:t>
+            </a:r>
+          </a:p>
+          <a:p>
+            <a:pPr marL="514350" indent="-514350">
+              <a:buFont typeface="+mj-lt"/>
+              <a:buAutoNum type="alphaUcPeriod"/>
+            </a:pPr>
+            <a:r>
+              <a:rPr lang="en-GB" dirty="0"/>
+              <a:t>Comment</a:t>
+            </a:r>
+          </a:p>
+          <a:p>
+            <a:pPr marL="514350" indent="-514350">
+              <a:buFont typeface="+mj-lt"/>
+              <a:buAutoNum type="alphaUcPeriod"/>
+            </a:pPr>
+            <a:r>
+              <a:rPr lang="en-GB" dirty="0"/>
+              <a:t>Whitespace </a:t>
+            </a:r>
+            <a:endParaRPr lang="en-SG" dirty="0"/>
+          </a:p>
+        </p:txBody>
+      </p:sp>
+    </p:spTree>
+    <p:extLst>
+      <p:ext uri="{BB962C8B-B14F-4D97-AF65-F5344CB8AC3E}">
+        <p14:creationId xmlns:p14="http://schemas.microsoft.com/office/powerpoint/2010/main" val="3466207185"/>
+      </p:ext>
+    </p:extLst>
+  </p:cSld>
+  <p:clrMapOvr>
+    <a:masterClrMapping/>
+  </p:clrMapOvr>
+</p:sld>
+</file>
+
+<file path=ppt/slides/slide75.xml><?xml version="1.0" encoding="utf-8"?>
+<p:sld xmlns:a="http://schemas.openxmlformats.org/drawingml/2006/main" xmlns:r="http://schemas.openxmlformats.org/officeDocument/2006/relationships" xmlns:p="http://schemas.openxmlformats.org/presentationml/2006/main">
+  <p:cSld>
+    <p:spTree>
+      <p:nvGrpSpPr>
+        <p:cNvPr id="1" name=""/>
+        <p:cNvGrpSpPr/>
+        <p:nvPr/>
+      </p:nvGrpSpPr>
+      <p:grpSpPr>
+        <a:xfrm>
+          <a:off x="0" y="0"/>
+          <a:ext cx="0" cy="0"/>
+          <a:chOff x="0" y="0"/>
+          <a:chExt cx="0" cy="0"/>
+        </a:xfrm>
+      </p:grpSpPr>
+      <p:sp>
+        <p:nvSpPr>
+          <p:cNvPr id="2" name="Title 1">
+            <a:extLst>
+              <a:ext uri="{FF2B5EF4-FFF2-40B4-BE49-F238E27FC236}">
+                <a16:creationId xmlns:a16="http://schemas.microsoft.com/office/drawing/2014/main" id="{85A8A45D-5E7D-ADD7-164B-328A152B3A81}"/>
+              </a:ext>
+            </a:extLst>
+          </p:cNvPr>
+          <p:cNvSpPr>
+            <a:spLocks noGrp="1"/>
+          </p:cNvSpPr>
+          <p:nvPr>
+            <p:ph type="title"/>
+          </p:nvPr>
+        </p:nvSpPr>
+        <p:spPr/>
+        <p:txBody>
+          <a:bodyPr/>
+          <a:lstStyle/>
+          <a:p>
+            <a:r>
+              <a:rPr lang="en-GB" dirty="0"/>
+              <a:t>Quiz time!</a:t>
+            </a:r>
+            <a:endParaRPr lang="en-SG" dirty="0"/>
+          </a:p>
+        </p:txBody>
+      </p:sp>
+      <p:sp>
+        <p:nvSpPr>
+          <p:cNvPr id="3" name="Content Placeholder 2">
+            <a:extLst>
+              <a:ext uri="{FF2B5EF4-FFF2-40B4-BE49-F238E27FC236}">
+                <a16:creationId xmlns:a16="http://schemas.microsoft.com/office/drawing/2014/main" id="{C2E398D8-3B3B-9BBB-F0C4-A93A76CBF126}"/>
+              </a:ext>
+            </a:extLst>
+          </p:cNvPr>
+          <p:cNvSpPr>
+            <a:spLocks noGrp="1"/>
+          </p:cNvSpPr>
+          <p:nvPr>
+            <p:ph idx="1"/>
+          </p:nvPr>
+        </p:nvSpPr>
+        <p:spPr/>
+        <p:txBody>
+          <a:bodyPr/>
+          <a:lstStyle/>
+          <a:p>
+            <a:pPr marL="0" indent="0">
+              <a:buNone/>
+            </a:pPr>
+            <a:r>
+              <a:rPr lang="en-GB" dirty="0"/>
+              <a:t>Which of the following is NOT a common token type in programming languages?</a:t>
+            </a:r>
+          </a:p>
+          <a:p>
+            <a:pPr marL="514350" indent="-514350">
+              <a:buFont typeface="+mj-lt"/>
+              <a:buAutoNum type="alphaUcPeriod"/>
+            </a:pPr>
+            <a:r>
+              <a:rPr lang="en-GB" dirty="0"/>
+              <a:t>Keyword</a:t>
+            </a:r>
+          </a:p>
+          <a:p>
+            <a:pPr marL="514350" indent="-514350">
+              <a:buFont typeface="+mj-lt"/>
+              <a:buAutoNum type="alphaUcPeriod"/>
+            </a:pPr>
+            <a:r>
+              <a:rPr lang="en-GB" dirty="0"/>
+              <a:t>Punctuation</a:t>
+            </a:r>
+          </a:p>
+          <a:p>
+            <a:pPr marL="514350" indent="-514350">
+              <a:buFont typeface="+mj-lt"/>
+              <a:buAutoNum type="alphaUcPeriod"/>
+            </a:pPr>
+            <a:r>
+              <a:rPr lang="en-GB" dirty="0"/>
+              <a:t>Operator</a:t>
+            </a:r>
+          </a:p>
+          <a:p>
+            <a:pPr marL="514350" indent="-514350">
+              <a:buFont typeface="+mj-lt"/>
+              <a:buAutoNum type="alphaUcPeriod"/>
+            </a:pPr>
+            <a:r>
+              <a:rPr lang="en-GB" b="1" dirty="0">
+                <a:solidFill>
+                  <a:srgbClr val="00B050"/>
+                </a:solidFill>
+              </a:rPr>
+              <a:t>Comment (We will not even bother writing tokens for code that has been commented!)</a:t>
+            </a:r>
+          </a:p>
+          <a:p>
+            <a:pPr marL="514350" indent="-514350">
+              <a:buFont typeface="+mj-lt"/>
+              <a:buAutoNum type="alphaUcPeriod"/>
+            </a:pPr>
+            <a:r>
+              <a:rPr lang="en-GB" b="1" dirty="0">
+                <a:solidFill>
+                  <a:schemeClr val="accent2"/>
+                </a:solidFill>
+              </a:rPr>
+              <a:t>Whitespaces (?)</a:t>
+            </a:r>
+          </a:p>
+        </p:txBody>
+      </p:sp>
+    </p:spTree>
+    <p:extLst>
+      <p:ext uri="{BB962C8B-B14F-4D97-AF65-F5344CB8AC3E}">
+        <p14:creationId xmlns:p14="http://schemas.microsoft.com/office/powerpoint/2010/main" val="236752304"/>
+      </p:ext>
+    </p:extLst>
+  </p:cSld>
+  <p:clrMapOvr>
+    <a:masterClrMapping/>
+  </p:clrMapOvr>
+</p:sld>
+</file>
+
+<file path=ppt/slides/slide76.xml><?xml version="1.0" encoding="utf-8"?>
+<p:sld xmlns:a="http://schemas.openxmlformats.org/drawingml/2006/main" xmlns:r="http://schemas.openxmlformats.org/officeDocument/2006/relationships" xmlns:p="http://schemas.openxmlformats.org/presentationml/2006/main">
+  <p:cSld>
+    <p:spTree>
+      <p:nvGrpSpPr>
+        <p:cNvPr id="1" name=""/>
+        <p:cNvGrpSpPr/>
+        <p:nvPr/>
+      </p:nvGrpSpPr>
+      <p:grpSpPr>
+        <a:xfrm>
+          <a:off x="0" y="0"/>
+          <a:ext cx="0" cy="0"/>
+          <a:chOff x="0" y="0"/>
+          <a:chExt cx="0" cy="0"/>
+        </a:xfrm>
+      </p:grpSpPr>
+      <p:sp>
+        <p:nvSpPr>
+          <p:cNvPr id="2" name="Title 1">
+            <a:extLst>
+              <a:ext uri="{FF2B5EF4-FFF2-40B4-BE49-F238E27FC236}">
+                <a16:creationId xmlns:a16="http://schemas.microsoft.com/office/drawing/2014/main" id="{85A8A45D-5E7D-ADD7-164B-328A152B3A81}"/>
+              </a:ext>
+            </a:extLst>
+          </p:cNvPr>
+          <p:cNvSpPr>
+            <a:spLocks noGrp="1"/>
+          </p:cNvSpPr>
+          <p:nvPr>
+            <p:ph type="title"/>
+          </p:nvPr>
+        </p:nvSpPr>
+        <p:spPr/>
+        <p:txBody>
+          <a:bodyPr/>
+          <a:lstStyle/>
+          <a:p>
+            <a:r>
+              <a:rPr lang="en-GB" dirty="0"/>
+              <a:t>Quiz time!</a:t>
+            </a:r>
+            <a:endParaRPr lang="en-SG" dirty="0"/>
+          </a:p>
+        </p:txBody>
+      </p:sp>
+      <p:sp>
+        <p:nvSpPr>
+          <p:cNvPr id="3" name="Content Placeholder 2">
+            <a:extLst>
+              <a:ext uri="{FF2B5EF4-FFF2-40B4-BE49-F238E27FC236}">
+                <a16:creationId xmlns:a16="http://schemas.microsoft.com/office/drawing/2014/main" id="{C2E398D8-3B3B-9BBB-F0C4-A93A76CBF126}"/>
+              </a:ext>
+            </a:extLst>
+          </p:cNvPr>
+          <p:cNvSpPr>
+            <a:spLocks noGrp="1"/>
+          </p:cNvSpPr>
+          <p:nvPr>
+            <p:ph idx="1"/>
+          </p:nvPr>
+        </p:nvSpPr>
+        <p:spPr/>
+        <p:txBody>
+          <a:bodyPr/>
+          <a:lstStyle/>
+          <a:p>
+            <a:pPr marL="0" indent="0">
+              <a:buNone/>
+            </a:pPr>
+            <a:r>
+              <a:rPr lang="en-GB" dirty="0"/>
+              <a:t>Which of the following is NOT a common token type in programming languages?</a:t>
+            </a:r>
+          </a:p>
+          <a:p>
+            <a:pPr marL="514350" indent="-514350">
+              <a:buFont typeface="+mj-lt"/>
+              <a:buAutoNum type="alphaUcPeriod"/>
+            </a:pPr>
+            <a:r>
+              <a:rPr lang="en-GB" dirty="0"/>
+              <a:t>Keyword</a:t>
+            </a:r>
+          </a:p>
+          <a:p>
+            <a:pPr marL="514350" indent="-514350">
+              <a:buFont typeface="+mj-lt"/>
+              <a:buAutoNum type="alphaUcPeriod"/>
+            </a:pPr>
+            <a:r>
+              <a:rPr lang="en-GB" dirty="0"/>
+              <a:t>Punctuation</a:t>
+            </a:r>
+          </a:p>
+          <a:p>
+            <a:pPr marL="514350" indent="-514350">
+              <a:buFont typeface="+mj-lt"/>
+              <a:buAutoNum type="alphaUcPeriod"/>
+            </a:pPr>
+            <a:r>
+              <a:rPr lang="en-GB" dirty="0"/>
+              <a:t>Operator</a:t>
+            </a:r>
+          </a:p>
+          <a:p>
+            <a:pPr marL="514350" indent="-514350">
+              <a:buFont typeface="+mj-lt"/>
+              <a:buAutoNum type="alphaUcPeriod"/>
+            </a:pPr>
+            <a:r>
+              <a:rPr lang="en-GB" b="1" dirty="0">
+                <a:solidFill>
+                  <a:srgbClr val="00B050"/>
+                </a:solidFill>
+              </a:rPr>
+              <a:t>Comment (We will not even bother writing tokens for code that has been commented!)</a:t>
+            </a:r>
+          </a:p>
+          <a:p>
+            <a:pPr marL="514350" indent="-514350">
+              <a:buFont typeface="+mj-lt"/>
+              <a:buAutoNum type="alphaUcPeriod"/>
+            </a:pPr>
+            <a:r>
+              <a:rPr lang="en-GB" b="1" dirty="0">
+                <a:solidFill>
+                  <a:schemeClr val="accent2"/>
+                </a:solidFill>
+              </a:rPr>
+              <a:t>Whitespace (We usually discard them, unless the language is Python, as they could use for indentation?)</a:t>
+            </a:r>
+            <a:endParaRPr lang="en-SG" b="1" dirty="0">
+              <a:solidFill>
+                <a:schemeClr val="accent2"/>
+              </a:solidFill>
+            </a:endParaRPr>
+          </a:p>
+        </p:txBody>
+      </p:sp>
+    </p:spTree>
+    <p:extLst>
+      <p:ext uri="{BB962C8B-B14F-4D97-AF65-F5344CB8AC3E}">
+        <p14:creationId xmlns:p14="http://schemas.microsoft.com/office/powerpoint/2010/main" val="2071137550"/>
       </p:ext>
     </p:extLst>
   </p:cSld>

--- a/W9/W9S3/W9S3.pptx
+++ b/W9/W9S3/W9S3.pptx
@@ -5,7 +5,7 @@
     <p:sldMasterId id="2147483648" r:id="rId1"/>
   </p:sldMasterIdLst>
   <p:notesMasterIdLst>
-    <p:notesMasterId r:id="rId78"/>
+    <p:notesMasterId r:id="rId81"/>
   </p:notesMasterIdLst>
   <p:sldIdLst>
     <p:sldId id="377" r:id="rId2"/>
@@ -84,6 +84,9 @@
     <p:sldId id="458" r:id="rId75"/>
     <p:sldId id="456" r:id="rId76"/>
     <p:sldId id="460" r:id="rId77"/>
+    <p:sldId id="469" r:id="rId78"/>
+    <p:sldId id="470" r:id="rId79"/>
+    <p:sldId id="471" r:id="rId80"/>
   </p:sldIdLst>
   <p:sldSz cx="12192000" cy="6858000"/>
   <p:notesSz cx="6858000" cy="9144000"/>
@@ -313,6 +316,13 @@
             <p14:sldId id="460"/>
           </p14:sldIdLst>
         </p14:section>
+        <p14:section name="Coding Practice" id="{54977B6B-05A2-4074-BCC4-C682F7EF209C}">
+          <p14:sldIdLst>
+            <p14:sldId id="469"/>
+            <p14:sldId id="470"/>
+            <p14:sldId id="471"/>
+          </p14:sldIdLst>
+        </p14:section>
       </p14:sectionLst>
     </p:ext>
     <p:ext uri="{EFAFB233-063F-42B5-8137-9DF3F51BA10A}">
@@ -341,7 +351,7 @@
   <pc:docChgLst>
     <pc:chgData name="Matthieu De Mari" userId="dfb708c9-d8dc-439f-9a3b-c772bf4a311c" providerId="ADAL" clId="{1888DEAD-E307-4CA6-AFF5-49DFF9FCD3C3}"/>
     <pc:docChg chg="undo redo custSel addSld delSld modSld sldOrd addSection delSection modSection">
-      <pc:chgData name="Matthieu De Mari" userId="dfb708c9-d8dc-439f-9a3b-c772bf4a311c" providerId="ADAL" clId="{1888DEAD-E307-4CA6-AFF5-49DFF9FCD3C3}" dt="2023-03-22T07:41:07.783" v="16059" actId="20577"/>
+      <pc:chgData name="Matthieu De Mari" userId="dfb708c9-d8dc-439f-9a3b-c772bf4a311c" providerId="ADAL" clId="{1888DEAD-E307-4CA6-AFF5-49DFF9FCD3C3}" dt="2023-03-23T06:04:50.004" v="18554" actId="20577"/>
       <pc:docMkLst>
         <pc:docMk/>
       </pc:docMkLst>
@@ -1097,7 +1107,7 @@
         </pc:sldMkLst>
       </pc:sldChg>
       <pc:sldChg chg="modSp new mod">
-        <pc:chgData name="Matthieu De Mari" userId="dfb708c9-d8dc-439f-9a3b-c772bf4a311c" providerId="ADAL" clId="{1888DEAD-E307-4CA6-AFF5-49DFF9FCD3C3}" dt="2023-03-20T11:17:55.593" v="6342" actId="20577"/>
+        <pc:chgData name="Matthieu De Mari" userId="dfb708c9-d8dc-439f-9a3b-c772bf4a311c" providerId="ADAL" clId="{1888DEAD-E307-4CA6-AFF5-49DFF9FCD3C3}" dt="2023-03-23T05:47:09.414" v="16074" actId="20577"/>
         <pc:sldMkLst>
           <pc:docMk/>
           <pc:sldMk cId="2277689196" sldId="410"/>
@@ -1111,7 +1121,7 @@
           </ac:spMkLst>
         </pc:spChg>
         <pc:spChg chg="mod">
-          <ac:chgData name="Matthieu De Mari" userId="dfb708c9-d8dc-439f-9a3b-c772bf4a311c" providerId="ADAL" clId="{1888DEAD-E307-4CA6-AFF5-49DFF9FCD3C3}" dt="2023-03-20T11:17:55.593" v="6342" actId="20577"/>
+          <ac:chgData name="Matthieu De Mari" userId="dfb708c9-d8dc-439f-9a3b-c772bf4a311c" providerId="ADAL" clId="{1888DEAD-E307-4CA6-AFF5-49DFF9FCD3C3}" dt="2023-03-23T05:47:09.414" v="16074" actId="20577"/>
           <ac:spMkLst>
             <pc:docMk/>
             <pc:sldMk cId="2277689196" sldId="410"/>
@@ -2959,6 +2969,59 @@
             <ac:spMk id="4" creationId="{5D0D450B-C201-FDB7-239F-6DE0626BCB23}"/>
           </ac:spMkLst>
         </pc:spChg>
+      </pc:sldChg>
+      <pc:sldChg chg="modSp new mod">
+        <pc:chgData name="Matthieu De Mari" userId="dfb708c9-d8dc-439f-9a3b-c772bf4a311c" providerId="ADAL" clId="{1888DEAD-E307-4CA6-AFF5-49DFF9FCD3C3}" dt="2023-03-23T05:59:07.378" v="17780" actId="113"/>
+        <pc:sldMkLst>
+          <pc:docMk/>
+          <pc:sldMk cId="2655895668" sldId="469"/>
+        </pc:sldMkLst>
+        <pc:spChg chg="mod">
+          <ac:chgData name="Matthieu De Mari" userId="dfb708c9-d8dc-439f-9a3b-c772bf4a311c" providerId="ADAL" clId="{1888DEAD-E307-4CA6-AFF5-49DFF9FCD3C3}" dt="2023-03-23T05:51:48.914" v="16129" actId="20577"/>
+          <ac:spMkLst>
+            <pc:docMk/>
+            <pc:sldMk cId="2655895668" sldId="469"/>
+            <ac:spMk id="2" creationId="{5CA32CAE-C072-3422-F222-D598990D8902}"/>
+          </ac:spMkLst>
+        </pc:spChg>
+        <pc:spChg chg="mod">
+          <ac:chgData name="Matthieu De Mari" userId="dfb708c9-d8dc-439f-9a3b-c772bf4a311c" providerId="ADAL" clId="{1888DEAD-E307-4CA6-AFF5-49DFF9FCD3C3}" dt="2023-03-23T05:59:07.378" v="17780" actId="113"/>
+          <ac:spMkLst>
+            <pc:docMk/>
+            <pc:sldMk cId="2655895668" sldId="469"/>
+            <ac:spMk id="3" creationId="{3E807926-5A85-2B0A-E0A9-3D6A993803D9}"/>
+          </ac:spMkLst>
+        </pc:spChg>
+      </pc:sldChg>
+      <pc:sldChg chg="modSp add mod">
+        <pc:chgData name="Matthieu De Mari" userId="dfb708c9-d8dc-439f-9a3b-c772bf4a311c" providerId="ADAL" clId="{1888DEAD-E307-4CA6-AFF5-49DFF9FCD3C3}" dt="2023-03-23T06:04:50.004" v="18554" actId="20577"/>
+        <pc:sldMkLst>
+          <pc:docMk/>
+          <pc:sldMk cId="127443025" sldId="470"/>
+        </pc:sldMkLst>
+        <pc:spChg chg="mod">
+          <ac:chgData name="Matthieu De Mari" userId="dfb708c9-d8dc-439f-9a3b-c772bf4a311c" providerId="ADAL" clId="{1888DEAD-E307-4CA6-AFF5-49DFF9FCD3C3}" dt="2023-03-23T06:01:12.134" v="17837" actId="20577"/>
+          <ac:spMkLst>
+            <pc:docMk/>
+            <pc:sldMk cId="127443025" sldId="470"/>
+            <ac:spMk id="2" creationId="{5CA32CAE-C072-3422-F222-D598990D8902}"/>
+          </ac:spMkLst>
+        </pc:spChg>
+        <pc:spChg chg="mod">
+          <ac:chgData name="Matthieu De Mari" userId="dfb708c9-d8dc-439f-9a3b-c772bf4a311c" providerId="ADAL" clId="{1888DEAD-E307-4CA6-AFF5-49DFF9FCD3C3}" dt="2023-03-23T06:04:50.004" v="18554" actId="20577"/>
+          <ac:spMkLst>
+            <pc:docMk/>
+            <pc:sldMk cId="127443025" sldId="470"/>
+            <ac:spMk id="3" creationId="{3E807926-5A85-2B0A-E0A9-3D6A993803D9}"/>
+          </ac:spMkLst>
+        </pc:spChg>
+      </pc:sldChg>
+      <pc:sldChg chg="add">
+        <pc:chgData name="Matthieu De Mari" userId="dfb708c9-d8dc-439f-9a3b-c772bf4a311c" providerId="ADAL" clId="{1888DEAD-E307-4CA6-AFF5-49DFF9FCD3C3}" dt="2023-03-23T06:01:08.023" v="17833" actId="2890"/>
+        <pc:sldMkLst>
+          <pc:docMk/>
+          <pc:sldMk cId="2694874023" sldId="471"/>
+        </pc:sldMkLst>
       </pc:sldChg>
     </pc:docChg>
   </pc:docChgLst>
@@ -13591,7 +13654,7 @@
           <a:p>
             <a:fld id="{98CFC6A4-B085-437B-8084-693BEB2A32DE}" type="datetimeFigureOut">
               <a:rPr lang="en-SG" smtClean="0"/>
-              <a:t>22/3/2023</a:t>
+              <a:t>23/3/2023</a:t>
             </a:fld>
             <a:endParaRPr lang="en-SG"/>
           </a:p>
@@ -14008,7 +14071,7 @@
           <a:p>
             <a:fld id="{AB35F6B0-D468-4997-9CE3-CF2A1AE5E3F9}" type="datetimeFigureOut">
               <a:rPr lang="en-SG" smtClean="0"/>
-              <a:t>22/3/2023</a:t>
+              <a:t>23/3/2023</a:t>
             </a:fld>
             <a:endParaRPr lang="en-SG"/>
           </a:p>
@@ -14208,7 +14271,7 @@
           <a:p>
             <a:fld id="{AB35F6B0-D468-4997-9CE3-CF2A1AE5E3F9}" type="datetimeFigureOut">
               <a:rPr lang="en-SG" smtClean="0"/>
-              <a:t>22/3/2023</a:t>
+              <a:t>23/3/2023</a:t>
             </a:fld>
             <a:endParaRPr lang="en-SG"/>
           </a:p>
@@ -14418,7 +14481,7 @@
           <a:p>
             <a:fld id="{AB35F6B0-D468-4997-9CE3-CF2A1AE5E3F9}" type="datetimeFigureOut">
               <a:rPr lang="en-SG" smtClean="0"/>
-              <a:t>22/3/2023</a:t>
+              <a:t>23/3/2023</a:t>
             </a:fld>
             <a:endParaRPr lang="en-SG"/>
           </a:p>
@@ -14618,7 +14681,7 @@
           <a:p>
             <a:fld id="{AB35F6B0-D468-4997-9CE3-CF2A1AE5E3F9}" type="datetimeFigureOut">
               <a:rPr lang="en-SG" smtClean="0"/>
-              <a:t>22/3/2023</a:t>
+              <a:t>23/3/2023</a:t>
             </a:fld>
             <a:endParaRPr lang="en-SG"/>
           </a:p>
@@ -14894,7 +14957,7 @@
           <a:p>
             <a:fld id="{AB35F6B0-D468-4997-9CE3-CF2A1AE5E3F9}" type="datetimeFigureOut">
               <a:rPr lang="en-SG" smtClean="0"/>
-              <a:t>22/3/2023</a:t>
+              <a:t>23/3/2023</a:t>
             </a:fld>
             <a:endParaRPr lang="en-SG"/>
           </a:p>
@@ -15162,7 +15225,7 @@
           <a:p>
             <a:fld id="{AB35F6B0-D468-4997-9CE3-CF2A1AE5E3F9}" type="datetimeFigureOut">
               <a:rPr lang="en-SG" smtClean="0"/>
-              <a:t>22/3/2023</a:t>
+              <a:t>23/3/2023</a:t>
             </a:fld>
             <a:endParaRPr lang="en-SG"/>
           </a:p>
@@ -15577,7 +15640,7 @@
           <a:p>
             <a:fld id="{AB35F6B0-D468-4997-9CE3-CF2A1AE5E3F9}" type="datetimeFigureOut">
               <a:rPr lang="en-SG" smtClean="0"/>
-              <a:t>22/3/2023</a:t>
+              <a:t>23/3/2023</a:t>
             </a:fld>
             <a:endParaRPr lang="en-SG"/>
           </a:p>
@@ -15719,7 +15782,7 @@
           <a:p>
             <a:fld id="{AB35F6B0-D468-4997-9CE3-CF2A1AE5E3F9}" type="datetimeFigureOut">
               <a:rPr lang="en-SG" smtClean="0"/>
-              <a:t>22/3/2023</a:t>
+              <a:t>23/3/2023</a:t>
             </a:fld>
             <a:endParaRPr lang="en-SG"/>
           </a:p>
@@ -15832,7 +15895,7 @@
           <a:p>
             <a:fld id="{AB35F6B0-D468-4997-9CE3-CF2A1AE5E3F9}" type="datetimeFigureOut">
               <a:rPr lang="en-SG" smtClean="0"/>
-              <a:t>22/3/2023</a:t>
+              <a:t>23/3/2023</a:t>
             </a:fld>
             <a:endParaRPr lang="en-SG"/>
           </a:p>
@@ -16145,7 +16208,7 @@
           <a:p>
             <a:fld id="{AB35F6B0-D468-4997-9CE3-CF2A1AE5E3F9}" type="datetimeFigureOut">
               <a:rPr lang="en-SG" smtClean="0"/>
-              <a:t>22/3/2023</a:t>
+              <a:t>23/3/2023</a:t>
             </a:fld>
             <a:endParaRPr lang="en-SG"/>
           </a:p>
@@ -16434,7 +16497,7 @@
           <a:p>
             <a:fld id="{AB35F6B0-D468-4997-9CE3-CF2A1AE5E3F9}" type="datetimeFigureOut">
               <a:rPr lang="en-SG" smtClean="0"/>
-              <a:t>22/3/2023</a:t>
+              <a:t>23/3/2023</a:t>
             </a:fld>
             <a:endParaRPr lang="en-SG"/>
           </a:p>
@@ -16677,7 +16740,7 @@
           <a:p>
             <a:fld id="{AB35F6B0-D468-4997-9CE3-CF2A1AE5E3F9}" type="datetimeFigureOut">
               <a:rPr lang="en-SG" smtClean="0"/>
-              <a:t>22/3/2023</a:t>
+              <a:t>23/3/2023</a:t>
             </a:fld>
             <a:endParaRPr lang="en-SG"/>
           </a:p>
@@ -17402,28 +17465,32 @@
           </a:p>
           <a:p>
             <a:r>
-              <a:rPr lang="en-GB" dirty="0"/>
-              <a:t>White spaces between all tokens, so that we can use a simple split operation using whitespaces and \n symbols as separators, to produce all the substrings to be analysed and used as tokens.</a:t>
+              <a:rPr lang="en-GB" b="1" dirty="0"/>
+              <a:t>White spaces between all tokens</a:t>
+            </a:r>
+            <a:r>
+              <a:rPr lang="en-GB" dirty="0"/>
+              <a:t>, so that we can use a simple split operation using whitespaces and \n symbols as separators, to produce all the substrings to be analysed and used as tokens.</a:t>
             </a:r>
             <a:br>
               <a:rPr lang="en-GB" dirty="0"/>
             </a:br>
             <a:r>
-              <a:rPr lang="en-GB" dirty="0"/>
+              <a:rPr lang="en-GB" b="1" dirty="0"/>
               <a:t>We will eventually relax this constraint later on.</a:t>
             </a:r>
           </a:p>
           <a:p>
             <a:r>
               <a:rPr lang="en-GB" dirty="0"/>
-              <a:t>Start with basic tokens, e.g. keywords only</a:t>
+              <a:t>Start with basic tokens, e.g. keywords only.</a:t>
             </a:r>
             <a:br>
               <a:rPr lang="en-GB" dirty="0"/>
             </a:br>
             <a:r>
               <a:rPr lang="en-GB" dirty="0"/>
-              <a:t>Later on, we will add new token types, starting with simple characters/operators (+ * - / ;), and then identifiers/literals.</a:t>
+              <a:t>Later on, we will add new token types, starting with simple punctuations/operators (+ * - / ;), and then identifiers/literals.</a:t>
             </a:r>
           </a:p>
           <a:p>
@@ -28653,6 +28720,559 @@
     <p:extLst>
       <p:ext uri="{BB962C8B-B14F-4D97-AF65-F5344CB8AC3E}">
         <p14:creationId xmlns:p14="http://schemas.microsoft.com/office/powerpoint/2010/main" val="2071137550"/>
+      </p:ext>
+    </p:extLst>
+  </p:cSld>
+  <p:clrMapOvr>
+    <a:masterClrMapping/>
+  </p:clrMapOvr>
+</p:sld>
+</file>
+
+<file path=ppt/slides/slide77.xml><?xml version="1.0" encoding="utf-8"?>
+<p:sld xmlns:a="http://schemas.openxmlformats.org/drawingml/2006/main" xmlns:r="http://schemas.openxmlformats.org/officeDocument/2006/relationships" xmlns:p="http://schemas.openxmlformats.org/presentationml/2006/main">
+  <p:cSld>
+    <p:spTree>
+      <p:nvGrpSpPr>
+        <p:cNvPr id="1" name=""/>
+        <p:cNvGrpSpPr/>
+        <p:nvPr/>
+      </p:nvGrpSpPr>
+      <p:grpSpPr>
+        <a:xfrm>
+          <a:off x="0" y="0"/>
+          <a:ext cx="0" cy="0"/>
+          <a:chOff x="0" y="0"/>
+          <a:chExt cx="0" cy="0"/>
+        </a:xfrm>
+      </p:grpSpPr>
+      <p:sp>
+        <p:nvSpPr>
+          <p:cNvPr id="2" name="Title 1">
+            <a:extLst>
+              <a:ext uri="{FF2B5EF4-FFF2-40B4-BE49-F238E27FC236}">
+                <a16:creationId xmlns:a16="http://schemas.microsoft.com/office/drawing/2014/main" id="{5CA32CAE-C072-3422-F222-D598990D8902}"/>
+              </a:ext>
+            </a:extLst>
+          </p:cNvPr>
+          <p:cNvSpPr>
+            <a:spLocks noGrp="1"/>
+          </p:cNvSpPr>
+          <p:nvPr>
+            <p:ph type="title"/>
+          </p:nvPr>
+        </p:nvSpPr>
+        <p:spPr/>
+        <p:txBody>
+          <a:bodyPr/>
+          <a:lstStyle/>
+          <a:p>
+            <a:r>
+              <a:rPr lang="en-GB" dirty="0"/>
+              <a:t>If time allows, let us define our Tokenizer v1.0</a:t>
+            </a:r>
+            <a:endParaRPr lang="en-SG" dirty="0"/>
+          </a:p>
+        </p:txBody>
+      </p:sp>
+      <p:sp>
+        <p:nvSpPr>
+          <p:cNvPr id="3" name="Content Placeholder 2">
+            <a:extLst>
+              <a:ext uri="{FF2B5EF4-FFF2-40B4-BE49-F238E27FC236}">
+                <a16:creationId xmlns:a16="http://schemas.microsoft.com/office/drawing/2014/main" id="{3E807926-5A85-2B0A-E0A9-3D6A993803D9}"/>
+              </a:ext>
+            </a:extLst>
+          </p:cNvPr>
+          <p:cNvSpPr>
+            <a:spLocks noGrp="1"/>
+          </p:cNvSpPr>
+          <p:nvPr>
+            <p:ph idx="1"/>
+          </p:nvPr>
+        </p:nvSpPr>
+        <p:spPr>
+          <a:xfrm>
+            <a:off x="838200" y="1825624"/>
+            <a:ext cx="10515600" cy="5032375"/>
+          </a:xfrm>
+        </p:spPr>
+        <p:txBody>
+          <a:bodyPr>
+            <a:normAutofit lnSpcReduction="10000"/>
+          </a:bodyPr>
+          <a:lstStyle/>
+          <a:p>
+            <a:pPr marL="0" indent="0">
+              <a:buNone/>
+            </a:pPr>
+            <a:r>
+              <a:rPr lang="en-GB" dirty="0"/>
+              <a:t>Assemble all concepts from earlier to produce a Tokenizer v1.0, which:</a:t>
+            </a:r>
+          </a:p>
+          <a:p>
+            <a:r>
+              <a:rPr lang="en-GB" dirty="0"/>
+              <a:t>Will receive a string “</a:t>
+            </a:r>
+            <a:r>
+              <a:rPr lang="en-GB" dirty="0" err="1"/>
+              <a:t>source.c</a:t>
+            </a:r>
+            <a:r>
+              <a:rPr lang="en-GB" dirty="0"/>
+              <a:t>” to indicate the name of the file to be tokenized.</a:t>
+            </a:r>
+          </a:p>
+          <a:p>
+            <a:r>
+              <a:rPr lang="en-GB" dirty="0"/>
+              <a:t>Will read the code from the file and split it into lexemes assuming whitespaces and \n are used to separate all lexemes in code.</a:t>
+            </a:r>
+          </a:p>
+          <a:p>
+            <a:r>
+              <a:rPr lang="en-SG" dirty="0"/>
+              <a:t>Will classify the lexemes, one at a time, and will assemble create a Token struct for each lexeme, which will contain:</a:t>
+            </a:r>
+          </a:p>
+          <a:p>
+            <a:pPr lvl="1"/>
+            <a:r>
+              <a:rPr lang="en-SG" dirty="0"/>
+              <a:t>The </a:t>
+            </a:r>
+            <a:r>
+              <a:rPr lang="en-SG" dirty="0" err="1"/>
+              <a:t>TokenType</a:t>
+            </a:r>
+            <a:r>
+              <a:rPr lang="en-SG" dirty="0"/>
+              <a:t>,</a:t>
+            </a:r>
+          </a:p>
+          <a:p>
+            <a:pPr lvl="1"/>
+            <a:r>
+              <a:rPr lang="en-SG" dirty="0"/>
+              <a:t>The lexeme.</a:t>
+            </a:r>
+          </a:p>
+          <a:p>
+            <a:r>
+              <a:rPr lang="en-SG" dirty="0"/>
+              <a:t>Eventually, will assemble all Token structs in an array of structs, which we are going to call our </a:t>
+            </a:r>
+            <a:r>
+              <a:rPr lang="en-SG" b="1" dirty="0"/>
+              <a:t>Tokens Stream</a:t>
+            </a:r>
+            <a:r>
+              <a:rPr lang="en-SG" dirty="0"/>
+              <a:t>, and is the output of the Tokenization task.</a:t>
+            </a:r>
+          </a:p>
+        </p:txBody>
+      </p:sp>
+    </p:spTree>
+    <p:extLst>
+      <p:ext uri="{BB962C8B-B14F-4D97-AF65-F5344CB8AC3E}">
+        <p14:creationId xmlns:p14="http://schemas.microsoft.com/office/powerpoint/2010/main" val="2655895668"/>
+      </p:ext>
+    </p:extLst>
+  </p:cSld>
+  <p:clrMapOvr>
+    <a:masterClrMapping/>
+  </p:clrMapOvr>
+</p:sld>
+</file>
+
+<file path=ppt/slides/slide78.xml><?xml version="1.0" encoding="utf-8"?>
+<p:sld xmlns:a="http://schemas.openxmlformats.org/drawingml/2006/main" xmlns:r="http://schemas.openxmlformats.org/officeDocument/2006/relationships" xmlns:p="http://schemas.openxmlformats.org/presentationml/2006/main">
+  <p:cSld>
+    <p:spTree>
+      <p:nvGrpSpPr>
+        <p:cNvPr id="1" name=""/>
+        <p:cNvGrpSpPr/>
+        <p:nvPr/>
+      </p:nvGrpSpPr>
+      <p:grpSpPr>
+        <a:xfrm>
+          <a:off x="0" y="0"/>
+          <a:ext cx="0" cy="0"/>
+          <a:chOff x="0" y="0"/>
+          <a:chExt cx="0" cy="0"/>
+        </a:xfrm>
+      </p:grpSpPr>
+      <p:sp>
+        <p:nvSpPr>
+          <p:cNvPr id="2" name="Title 1">
+            <a:extLst>
+              <a:ext uri="{FF2B5EF4-FFF2-40B4-BE49-F238E27FC236}">
+                <a16:creationId xmlns:a16="http://schemas.microsoft.com/office/drawing/2014/main" id="{5CA32CAE-C072-3422-F222-D598990D8902}"/>
+              </a:ext>
+            </a:extLst>
+          </p:cNvPr>
+          <p:cNvSpPr>
+            <a:spLocks noGrp="1"/>
+          </p:cNvSpPr>
+          <p:nvPr>
+            <p:ph type="title"/>
+          </p:nvPr>
+        </p:nvSpPr>
+        <p:spPr/>
+        <p:txBody>
+          <a:bodyPr/>
+          <a:lstStyle/>
+          <a:p>
+            <a:r>
+              <a:rPr lang="en-GB" dirty="0"/>
+              <a:t>Tokenizer 1.</a:t>
+            </a:r>
+            <a:r>
+              <a:rPr lang="en-GB" dirty="0">
+                <a:solidFill>
+                  <a:srgbClr val="7030A0"/>
+                </a:solidFill>
+              </a:rPr>
+              <a:t>0</a:t>
+            </a:r>
+            <a:r>
+              <a:rPr lang="en-GB" dirty="0"/>
+              <a:t> </a:t>
+            </a:r>
+            <a:r>
+              <a:rPr lang="en-GB" dirty="0">
+                <a:sym typeface="Wingdings" panose="05000000000000000000" pitchFamily="2" charset="2"/>
+              </a:rPr>
+              <a:t> </a:t>
+            </a:r>
+            <a:r>
+              <a:rPr lang="en-GB" dirty="0"/>
+              <a:t>Tokenizer v1.</a:t>
+            </a:r>
+            <a:r>
+              <a:rPr lang="en-GB" dirty="0">
+                <a:solidFill>
+                  <a:srgbClr val="7030A0"/>
+                </a:solidFill>
+              </a:rPr>
+              <a:t>1</a:t>
+            </a:r>
+            <a:endParaRPr lang="en-SG" dirty="0">
+              <a:solidFill>
+                <a:srgbClr val="7030A0"/>
+              </a:solidFill>
+            </a:endParaRPr>
+          </a:p>
+        </p:txBody>
+      </p:sp>
+      <p:sp>
+        <p:nvSpPr>
+          <p:cNvPr id="3" name="Content Placeholder 2">
+            <a:extLst>
+              <a:ext uri="{FF2B5EF4-FFF2-40B4-BE49-F238E27FC236}">
+                <a16:creationId xmlns:a16="http://schemas.microsoft.com/office/drawing/2014/main" id="{3E807926-5A85-2B0A-E0A9-3D6A993803D9}"/>
+              </a:ext>
+            </a:extLst>
+          </p:cNvPr>
+          <p:cNvSpPr>
+            <a:spLocks noGrp="1"/>
+          </p:cNvSpPr>
+          <p:nvPr>
+            <p:ph idx="1"/>
+          </p:nvPr>
+        </p:nvSpPr>
+        <p:spPr>
+          <a:xfrm>
+            <a:off x="838200" y="1825624"/>
+            <a:ext cx="10515600" cy="5032375"/>
+          </a:xfrm>
+        </p:spPr>
+        <p:txBody>
+          <a:bodyPr>
+            <a:normAutofit lnSpcReduction="10000"/>
+          </a:bodyPr>
+          <a:lstStyle/>
+          <a:p>
+            <a:pPr marL="0" indent="0">
+              <a:buNone/>
+            </a:pPr>
+            <a:r>
+              <a:rPr lang="en-GB" dirty="0"/>
+              <a:t>Additional features of Tokenizer v1.1 (for extra challenge):</a:t>
+            </a:r>
+          </a:p>
+          <a:p>
+            <a:pPr marL="514350" indent="-514350">
+              <a:buFont typeface="+mj-lt"/>
+              <a:buAutoNum type="arabicPeriod"/>
+            </a:pPr>
+            <a:r>
+              <a:rPr lang="en-GB" dirty="0"/>
+              <a:t>The Tokenizer should now use more token types.</a:t>
+            </a:r>
+          </a:p>
+          <a:p>
+            <a:pPr marL="971550" lvl="1" indent="-514350">
+              <a:buFont typeface="+mj-lt"/>
+              <a:buAutoNum type="alphaLcPeriod"/>
+            </a:pPr>
+            <a:r>
+              <a:rPr lang="en-GB" dirty="0"/>
+              <a:t>Instead of having a single TOKEN_KEYWORD, it should have more Token types for keywords, such as TOKEN_KEYWORD_WHILE, TOKEN_KEYWORD_IF, etc.</a:t>
+            </a:r>
+          </a:p>
+          <a:p>
+            <a:pPr marL="971550" lvl="1" indent="-514350">
+              <a:buFont typeface="+mj-lt"/>
+              <a:buAutoNum type="alphaLcPeriod"/>
+            </a:pPr>
+            <a:r>
+              <a:rPr lang="en-GB" dirty="0"/>
+              <a:t>Instead of a single TOKEN_OPERATOR, it should have TOKEN_OPERATOR_ADD, TOKEN_OPERATOR_MUL, etc.</a:t>
+            </a:r>
+          </a:p>
+          <a:p>
+            <a:pPr marL="971550" lvl="1" indent="-514350">
+              <a:buFont typeface="+mj-lt"/>
+              <a:buAutoNum type="alphaLcPeriod"/>
+            </a:pPr>
+            <a:r>
+              <a:rPr lang="en-GB" dirty="0"/>
+              <a:t>Instead of a single TOKEN_PUNCTUATION, it should have TOKEN_PUNCT_OPENPAR, TOKEN_PUNCT_SEMICOLON, etc.</a:t>
+            </a:r>
+          </a:p>
+          <a:p>
+            <a:pPr marL="971550" lvl="1" indent="-514350">
+              <a:buFont typeface="+mj-lt"/>
+              <a:buAutoNum type="alphaLcPeriod"/>
+            </a:pPr>
+            <a:r>
+              <a:rPr lang="en-GB" dirty="0"/>
+              <a:t>Instead of a single TOKEN_LITERAL, it should have several possible types of literals such as TOKEN_LITERAL_INT, TOKEN_LITERAL_FLOAT, TOKEN_LITERAL_CHAR, TOKEN_LITERAL_STRING.</a:t>
+            </a:r>
+          </a:p>
+          <a:p>
+            <a:pPr marL="971550" lvl="1" indent="-514350">
+              <a:buFont typeface="+mj-lt"/>
+              <a:buAutoNum type="alphaLcPeriod"/>
+            </a:pPr>
+            <a:r>
+              <a:rPr lang="en-GB" dirty="0"/>
+              <a:t>This last part will probably require to come up with additional functions and </a:t>
+            </a:r>
+            <a:r>
+              <a:rPr lang="en-GB" dirty="0" err="1"/>
+              <a:t>RegEx</a:t>
+            </a:r>
+            <a:r>
+              <a:rPr lang="en-GB" dirty="0"/>
+              <a:t> to recognize new types such </a:t>
+            </a:r>
+            <a:r>
+              <a:rPr lang="en-GB"/>
+              <a:t>as floats, chars and strings.</a:t>
+            </a:r>
+            <a:endParaRPr lang="en-SG" dirty="0"/>
+          </a:p>
+        </p:txBody>
+      </p:sp>
+    </p:spTree>
+    <p:extLst>
+      <p:ext uri="{BB962C8B-B14F-4D97-AF65-F5344CB8AC3E}">
+        <p14:creationId xmlns:p14="http://schemas.microsoft.com/office/powerpoint/2010/main" val="127443025"/>
+      </p:ext>
+    </p:extLst>
+  </p:cSld>
+  <p:clrMapOvr>
+    <a:masterClrMapping/>
+  </p:clrMapOvr>
+</p:sld>
+</file>
+
+<file path=ppt/slides/slide79.xml><?xml version="1.0" encoding="utf-8"?>
+<p:sld xmlns:a="http://schemas.openxmlformats.org/drawingml/2006/main" xmlns:r="http://schemas.openxmlformats.org/officeDocument/2006/relationships" xmlns:p="http://schemas.openxmlformats.org/presentationml/2006/main">
+  <p:cSld>
+    <p:spTree>
+      <p:nvGrpSpPr>
+        <p:cNvPr id="1" name=""/>
+        <p:cNvGrpSpPr/>
+        <p:nvPr/>
+      </p:nvGrpSpPr>
+      <p:grpSpPr>
+        <a:xfrm>
+          <a:off x="0" y="0"/>
+          <a:ext cx="0" cy="0"/>
+          <a:chOff x="0" y="0"/>
+          <a:chExt cx="0" cy="0"/>
+        </a:xfrm>
+      </p:grpSpPr>
+      <p:sp>
+        <p:nvSpPr>
+          <p:cNvPr id="2" name="Title 1">
+            <a:extLst>
+              <a:ext uri="{FF2B5EF4-FFF2-40B4-BE49-F238E27FC236}">
+                <a16:creationId xmlns:a16="http://schemas.microsoft.com/office/drawing/2014/main" id="{5CA32CAE-C072-3422-F222-D598990D8902}"/>
+              </a:ext>
+            </a:extLst>
+          </p:cNvPr>
+          <p:cNvSpPr>
+            <a:spLocks noGrp="1"/>
+          </p:cNvSpPr>
+          <p:nvPr>
+            <p:ph type="title"/>
+          </p:nvPr>
+        </p:nvSpPr>
+        <p:spPr/>
+        <p:txBody>
+          <a:bodyPr/>
+          <a:lstStyle/>
+          <a:p>
+            <a:r>
+              <a:rPr lang="en-GB" dirty="0"/>
+              <a:t>Tokenizer 1.</a:t>
+            </a:r>
+            <a:r>
+              <a:rPr lang="en-GB" dirty="0">
+                <a:solidFill>
+                  <a:srgbClr val="7030A0"/>
+                </a:solidFill>
+              </a:rPr>
+              <a:t>1</a:t>
+            </a:r>
+            <a:r>
+              <a:rPr lang="en-GB" dirty="0"/>
+              <a:t> </a:t>
+            </a:r>
+            <a:r>
+              <a:rPr lang="en-GB" dirty="0">
+                <a:sym typeface="Wingdings" panose="05000000000000000000" pitchFamily="2" charset="2"/>
+              </a:rPr>
+              <a:t> </a:t>
+            </a:r>
+            <a:r>
+              <a:rPr lang="en-GB" dirty="0"/>
+              <a:t>Tokenizer v1.</a:t>
+            </a:r>
+            <a:r>
+              <a:rPr lang="en-GB" dirty="0">
+                <a:solidFill>
+                  <a:srgbClr val="7030A0"/>
+                </a:solidFill>
+              </a:rPr>
+              <a:t>2</a:t>
+            </a:r>
+            <a:endParaRPr lang="en-SG" dirty="0">
+              <a:solidFill>
+                <a:srgbClr val="7030A0"/>
+              </a:solidFill>
+            </a:endParaRPr>
+          </a:p>
+        </p:txBody>
+      </p:sp>
+      <p:sp>
+        <p:nvSpPr>
+          <p:cNvPr id="3" name="Content Placeholder 2">
+            <a:extLst>
+              <a:ext uri="{FF2B5EF4-FFF2-40B4-BE49-F238E27FC236}">
+                <a16:creationId xmlns:a16="http://schemas.microsoft.com/office/drawing/2014/main" id="{3E807926-5A85-2B0A-E0A9-3D6A993803D9}"/>
+              </a:ext>
+            </a:extLst>
+          </p:cNvPr>
+          <p:cNvSpPr>
+            <a:spLocks noGrp="1"/>
+          </p:cNvSpPr>
+          <p:nvPr>
+            <p:ph idx="1"/>
+          </p:nvPr>
+        </p:nvSpPr>
+        <p:spPr>
+          <a:xfrm>
+            <a:off x="838200" y="1825624"/>
+            <a:ext cx="10515600" cy="5032375"/>
+          </a:xfrm>
+        </p:spPr>
+        <p:txBody>
+          <a:bodyPr>
+            <a:normAutofit fontScale="92500" lnSpcReduction="10000"/>
+          </a:bodyPr>
+          <a:lstStyle/>
+          <a:p>
+            <a:pPr marL="0" indent="0">
+              <a:buNone/>
+            </a:pPr>
+            <a:r>
+              <a:rPr lang="en-GB" dirty="0"/>
+              <a:t>Additional features of Tokenizer v1.2 (for extra challenge):</a:t>
+            </a:r>
+          </a:p>
+          <a:p>
+            <a:pPr marL="514350" indent="-514350">
+              <a:buFont typeface="+mj-lt"/>
+              <a:buAutoNum type="arabicPeriod"/>
+            </a:pPr>
+            <a:r>
+              <a:rPr lang="en-GB" dirty="0"/>
+              <a:t>The Token struct should now include a third attribute, of type int, corresponding to the line index on which the lexeme was found in the source code.</a:t>
+            </a:r>
+          </a:p>
+          <a:p>
+            <a:pPr marL="971550" lvl="1" indent="-514350">
+              <a:buFont typeface="+mj-lt"/>
+              <a:buAutoNum type="alphaLcPeriod"/>
+            </a:pPr>
+            <a:r>
+              <a:rPr lang="en-GB" dirty="0"/>
+              <a:t>This will require to rework the string splitting part a bit and using a counter to keep track of the line index at which each lexeme was found.</a:t>
+            </a:r>
+          </a:p>
+          <a:p>
+            <a:pPr marL="971550" lvl="1" indent="-514350">
+              <a:buFont typeface="+mj-lt"/>
+              <a:buAutoNum type="alphaLcPeriod"/>
+            </a:pPr>
+            <a:r>
+              <a:rPr lang="en-GB" dirty="0"/>
+              <a:t>Later on, we will also rework the Token struct definition as well as the constructor and destructor functions to include the </a:t>
+            </a:r>
+            <a:r>
+              <a:rPr lang="en-GB" dirty="0" err="1"/>
+              <a:t>line_number</a:t>
+            </a:r>
+            <a:r>
+              <a:rPr lang="en-GB" dirty="0"/>
+              <a:t> attribute.</a:t>
+            </a:r>
+          </a:p>
+          <a:p>
+            <a:pPr marL="514350" indent="-514350">
+              <a:buFont typeface="+mj-lt"/>
+              <a:buAutoNum type="arabicPeriod"/>
+            </a:pPr>
+            <a:r>
+              <a:rPr lang="en-GB" dirty="0"/>
+              <a:t>Along with the stream of tokens the Tokenizer 1.0 should return a bool with value True if no Tokens of types UNKNOWN appear in the Tokens Stream; and False otherwise.</a:t>
+            </a:r>
+          </a:p>
+          <a:p>
+            <a:pPr marL="514350" indent="-514350">
+              <a:buFont typeface="+mj-lt"/>
+              <a:buAutoNum type="arabicPeriod"/>
+            </a:pPr>
+            <a:r>
+              <a:rPr lang="en-GB" dirty="0"/>
+              <a:t>If a Token of type UNKNOWN appears, there should be an error message showing the problematic lexeme and the line index at which it appears in the source code.</a:t>
+            </a:r>
+            <a:endParaRPr lang="en-SG" dirty="0"/>
+          </a:p>
+        </p:txBody>
+      </p:sp>
+    </p:spTree>
+    <p:extLst>
+      <p:ext uri="{BB962C8B-B14F-4D97-AF65-F5344CB8AC3E}">
+        <p14:creationId xmlns:p14="http://schemas.microsoft.com/office/powerpoint/2010/main" val="2694874023"/>
       </p:ext>
     </p:extLst>
   </p:cSld>

--- a/W9/W9S3/W9S3.pptx
+++ b/W9/W9S3/W9S3.pptx
@@ -351,7 +351,7 @@
   <pc:docChgLst>
     <pc:chgData name="Matthieu De Mari" userId="dfb708c9-d8dc-439f-9a3b-c772bf4a311c" providerId="ADAL" clId="{1888DEAD-E307-4CA6-AFF5-49DFF9FCD3C3}"/>
     <pc:docChg chg="undo redo custSel addSld delSld modSld sldOrd addSection delSection modSection">
-      <pc:chgData name="Matthieu De Mari" userId="dfb708c9-d8dc-439f-9a3b-c772bf4a311c" providerId="ADAL" clId="{1888DEAD-E307-4CA6-AFF5-49DFF9FCD3C3}" dt="2023-03-23T06:04:50.004" v="18554" actId="20577"/>
+      <pc:chgData name="Matthieu De Mari" userId="dfb708c9-d8dc-439f-9a3b-c772bf4a311c" providerId="ADAL" clId="{1888DEAD-E307-4CA6-AFF5-49DFF9FCD3C3}" dt="2023-03-23T09:34:04.206" v="18555" actId="20577"/>
       <pc:docMkLst>
         <pc:docMk/>
       </pc:docMkLst>
@@ -2971,7 +2971,7 @@
         </pc:spChg>
       </pc:sldChg>
       <pc:sldChg chg="modSp new mod">
-        <pc:chgData name="Matthieu De Mari" userId="dfb708c9-d8dc-439f-9a3b-c772bf4a311c" providerId="ADAL" clId="{1888DEAD-E307-4CA6-AFF5-49DFF9FCD3C3}" dt="2023-03-23T05:59:07.378" v="17780" actId="113"/>
+        <pc:chgData name="Matthieu De Mari" userId="dfb708c9-d8dc-439f-9a3b-c772bf4a311c" providerId="ADAL" clId="{1888DEAD-E307-4CA6-AFF5-49DFF9FCD3C3}" dt="2023-03-23T09:34:04.206" v="18555" actId="20577"/>
         <pc:sldMkLst>
           <pc:docMk/>
           <pc:sldMk cId="2655895668" sldId="469"/>
@@ -2985,7 +2985,7 @@
           </ac:spMkLst>
         </pc:spChg>
         <pc:spChg chg="mod">
-          <ac:chgData name="Matthieu De Mari" userId="dfb708c9-d8dc-439f-9a3b-c772bf4a311c" providerId="ADAL" clId="{1888DEAD-E307-4CA6-AFF5-49DFF9FCD3C3}" dt="2023-03-23T05:59:07.378" v="17780" actId="113"/>
+          <ac:chgData name="Matthieu De Mari" userId="dfb708c9-d8dc-439f-9a3b-c772bf4a311c" providerId="ADAL" clId="{1888DEAD-E307-4CA6-AFF5-49DFF9FCD3C3}" dt="2023-03-23T09:34:04.206" v="18555" actId="20577"/>
           <ac:spMkLst>
             <pc:docMk/>
             <pc:sldMk cId="2655895668" sldId="469"/>
@@ -28834,7 +28834,15 @@
           <a:p>
             <a:r>
               <a:rPr lang="en-SG" dirty="0"/>
-              <a:t>Will classify the lexemes, one at a time, and will assemble create a Token struct for each lexeme, which will contain:</a:t>
+              <a:t>Will classify the lexemes, one at a time, and </a:t>
+            </a:r>
+            <a:r>
+              <a:rPr lang="en-SG"/>
+              <a:t>will create </a:t>
+            </a:r>
+            <a:r>
+              <a:rPr lang="en-SG" dirty="0"/>
+              <a:t>a Token struct for each lexeme, which will contain:</a:t>
             </a:r>
           </a:p>
           <a:p>
